--- a/slides/Unit11_Loops.pptx
+++ b/slides/Unit11_Loops.pptx
@@ -22,8 +22,8 @@
     <p:sldId id="568" r:id="rId10"/>
     <p:sldId id="569" r:id="rId11"/>
     <p:sldId id="592" r:id="rId12"/>
-    <p:sldId id="599" r:id="rId13"/>
-    <p:sldId id="594" r:id="rId14"/>
+    <p:sldId id="594" r:id="rId13"/>
+    <p:sldId id="599" r:id="rId14"/>
     <p:sldId id="600" r:id="rId15"/>
     <p:sldId id="558" r:id="rId16"/>
     <p:sldId id="580" r:id="rId17"/>
@@ -206,6 +206,1258 @@
 <file path=ppt/changesInfos/changesInfo1.xml><?xml version="1.0" encoding="utf-8"?>
 <pc:chgInfo xmlns:a="http://schemas.openxmlformats.org/drawingml/2006/main" xmlns:r="http://schemas.openxmlformats.org/officeDocument/2006/relationships" xmlns:ac="http://schemas.microsoft.com/office/drawing/2013/main/command" xmlns:pc="http://schemas.microsoft.com/office/powerpoint/2013/main/command">
   <pc:docChgLst>
+    <pc:chgData name="Zhao Jin" userId="cd05a825-544c-438a-9ba1-08e63db50b47" providerId="ADAL" clId="{E094A0D3-9008-D44F-B23F-E71F39C2BDEC}"/>
+    <pc:docChg chg="undo custSel addSld delSld modSld sldOrd modMainMaster">
+      <pc:chgData name="Zhao Jin" userId="cd05a825-544c-438a-9ba1-08e63db50b47" providerId="ADAL" clId="{E094A0D3-9008-D44F-B23F-E71F39C2BDEC}" dt="2021-01-27T05:44:46" v="1434" actId="207"/>
+      <pc:docMkLst>
+        <pc:docMk/>
+      </pc:docMkLst>
+      <pc:sldChg chg="modSp">
+        <pc:chgData name="Zhao Jin" userId="cd05a825-544c-438a-9ba1-08e63db50b47" providerId="ADAL" clId="{E094A0D3-9008-D44F-B23F-E71F39C2BDEC}" dt="2021-01-27T04:57:42.438" v="23" actId="20577"/>
+        <pc:sldMkLst>
+          <pc:docMk/>
+          <pc:sldMk cId="0" sldId="256"/>
+        </pc:sldMkLst>
+        <pc:spChg chg="mod">
+          <ac:chgData name="Zhao Jin" userId="cd05a825-544c-438a-9ba1-08e63db50b47" providerId="ADAL" clId="{E094A0D3-9008-D44F-B23F-E71F39C2BDEC}" dt="2021-01-27T04:57:38.527" v="1" actId="20577"/>
+          <ac:spMkLst>
+            <pc:docMk/>
+            <pc:sldMk cId="0" sldId="256"/>
+            <ac:spMk id="8" creationId="{00000000-0000-0000-0000-000000000000}"/>
+          </ac:spMkLst>
+        </pc:spChg>
+        <pc:spChg chg="mod">
+          <ac:chgData name="Zhao Jin" userId="cd05a825-544c-438a-9ba1-08e63db50b47" providerId="ADAL" clId="{E094A0D3-9008-D44F-B23F-E71F39C2BDEC}" dt="2021-01-27T04:57:42.438" v="23" actId="20577"/>
+          <ac:spMkLst>
+            <pc:docMk/>
+            <pc:sldMk cId="0" sldId="256"/>
+            <ac:spMk id="11" creationId="{00000000-0000-0000-0000-000000000000}"/>
+          </ac:spMkLst>
+        </pc:spChg>
+      </pc:sldChg>
+      <pc:sldChg chg="modSp">
+        <pc:chgData name="Zhao Jin" userId="cd05a825-544c-438a-9ba1-08e63db50b47" providerId="ADAL" clId="{E094A0D3-9008-D44F-B23F-E71F39C2BDEC}" dt="2021-01-27T05:17:21.390" v="251" actId="20577"/>
+        <pc:sldMkLst>
+          <pc:docMk/>
+          <pc:sldMk cId="2438607696" sldId="468"/>
+        </pc:sldMkLst>
+        <pc:spChg chg="mod">
+          <ac:chgData name="Zhao Jin" userId="cd05a825-544c-438a-9ba1-08e63db50b47" providerId="ADAL" clId="{E094A0D3-9008-D44F-B23F-E71F39C2BDEC}" dt="2021-01-27T04:58:20.523" v="47"/>
+          <ac:spMkLst>
+            <pc:docMk/>
+            <pc:sldMk cId="2438607696" sldId="468"/>
+            <ac:spMk id="7" creationId="{00000000-0000-0000-0000-000000000000}"/>
+          </ac:spMkLst>
+        </pc:spChg>
+        <pc:spChg chg="mod">
+          <ac:chgData name="Zhao Jin" userId="cd05a825-544c-438a-9ba1-08e63db50b47" providerId="ADAL" clId="{E094A0D3-9008-D44F-B23F-E71F39C2BDEC}" dt="2021-01-27T04:57:50.314" v="46" actId="20577"/>
+          <ac:spMkLst>
+            <pc:docMk/>
+            <pc:sldMk cId="2438607696" sldId="468"/>
+            <ac:spMk id="14338" creationId="{00000000-0000-0000-0000-000000000000}"/>
+          </ac:spMkLst>
+        </pc:spChg>
+        <pc:spChg chg="mod">
+          <ac:chgData name="Zhao Jin" userId="cd05a825-544c-438a-9ba1-08e63db50b47" providerId="ADAL" clId="{E094A0D3-9008-D44F-B23F-E71F39C2BDEC}" dt="2021-01-27T05:17:21.390" v="251" actId="20577"/>
+          <ac:spMkLst>
+            <pc:docMk/>
+            <pc:sldMk cId="2438607696" sldId="468"/>
+            <ac:spMk id="14339" creationId="{00000000-0000-0000-0000-000000000000}"/>
+          </ac:spMkLst>
+        </pc:spChg>
+      </pc:sldChg>
+      <pc:sldChg chg="modSp">
+        <pc:chgData name="Zhao Jin" userId="cd05a825-544c-438a-9ba1-08e63db50b47" providerId="ADAL" clId="{E094A0D3-9008-D44F-B23F-E71F39C2BDEC}" dt="2021-01-27T04:58:20.523" v="47"/>
+        <pc:sldMkLst>
+          <pc:docMk/>
+          <pc:sldMk cId="1311126165" sldId="485"/>
+        </pc:sldMkLst>
+        <pc:spChg chg="mod">
+          <ac:chgData name="Zhao Jin" userId="cd05a825-544c-438a-9ba1-08e63db50b47" providerId="ADAL" clId="{E094A0D3-9008-D44F-B23F-E71F39C2BDEC}" dt="2021-01-27T04:58:20.523" v="47"/>
+          <ac:spMkLst>
+            <pc:docMk/>
+            <pc:sldMk cId="1311126165" sldId="485"/>
+            <ac:spMk id="9" creationId="{00000000-0000-0000-0000-000000000000}"/>
+          </ac:spMkLst>
+        </pc:spChg>
+      </pc:sldChg>
+      <pc:sldChg chg="modSp add">
+        <pc:chgData name="Zhao Jin" userId="cd05a825-544c-438a-9ba1-08e63db50b47" providerId="ADAL" clId="{E094A0D3-9008-D44F-B23F-E71F39C2BDEC}" dt="2021-01-27T05:17:26.077" v="252" actId="20577"/>
+        <pc:sldMkLst>
+          <pc:docMk/>
+          <pc:sldMk cId="3792232794" sldId="504"/>
+        </pc:sldMkLst>
+        <pc:spChg chg="mod">
+          <ac:chgData name="Zhao Jin" userId="cd05a825-544c-438a-9ba1-08e63db50b47" providerId="ADAL" clId="{E094A0D3-9008-D44F-B23F-E71F39C2BDEC}" dt="2021-01-27T05:14:34.766" v="156" actId="27636"/>
+          <ac:spMkLst>
+            <pc:docMk/>
+            <pc:sldMk cId="3792232794" sldId="504"/>
+            <ac:spMk id="8" creationId="{00000000-0000-0000-0000-000000000000}"/>
+          </ac:spMkLst>
+        </pc:spChg>
+        <pc:spChg chg="mod">
+          <ac:chgData name="Zhao Jin" userId="cd05a825-544c-438a-9ba1-08e63db50b47" providerId="ADAL" clId="{E094A0D3-9008-D44F-B23F-E71F39C2BDEC}" dt="2021-01-27T05:15:13.559" v="159" actId="113"/>
+          <ac:spMkLst>
+            <pc:docMk/>
+            <pc:sldMk cId="3792232794" sldId="504"/>
+            <ac:spMk id="47" creationId="{00000000-0000-0000-0000-000000000000}"/>
+          </ac:spMkLst>
+        </pc:spChg>
+        <pc:spChg chg="mod">
+          <ac:chgData name="Zhao Jin" userId="cd05a825-544c-438a-9ba1-08e63db50b47" providerId="ADAL" clId="{E094A0D3-9008-D44F-B23F-E71F39C2BDEC}" dt="2021-01-27T05:17:26.077" v="252" actId="20577"/>
+          <ac:spMkLst>
+            <pc:docMk/>
+            <pc:sldMk cId="3792232794" sldId="504"/>
+            <ac:spMk id="14338" creationId="{00000000-0000-0000-0000-000000000000}"/>
+          </ac:spMkLst>
+        </pc:spChg>
+      </pc:sldChg>
+      <pc:sldChg chg="modSp">
+        <pc:chgData name="Zhao Jin" userId="cd05a825-544c-438a-9ba1-08e63db50b47" providerId="ADAL" clId="{E094A0D3-9008-D44F-B23F-E71F39C2BDEC}" dt="2021-01-27T04:58:20.523" v="47"/>
+        <pc:sldMkLst>
+          <pc:docMk/>
+          <pc:sldMk cId="681224785" sldId="531"/>
+        </pc:sldMkLst>
+        <pc:spChg chg="mod">
+          <ac:chgData name="Zhao Jin" userId="cd05a825-544c-438a-9ba1-08e63db50b47" providerId="ADAL" clId="{E094A0D3-9008-D44F-B23F-E71F39C2BDEC}" dt="2021-01-27T04:58:20.523" v="47"/>
+          <ac:spMkLst>
+            <pc:docMk/>
+            <pc:sldMk cId="681224785" sldId="531"/>
+            <ac:spMk id="43" creationId="{00000000-0000-0000-0000-000000000000}"/>
+          </ac:spMkLst>
+        </pc:spChg>
+      </pc:sldChg>
+      <pc:sldChg chg="modSp del">
+        <pc:chgData name="Zhao Jin" userId="cd05a825-544c-438a-9ba1-08e63db50b47" providerId="ADAL" clId="{E094A0D3-9008-D44F-B23F-E71F39C2BDEC}" dt="2021-01-27T05:12:53.568" v="127" actId="2696"/>
+        <pc:sldMkLst>
+          <pc:docMk/>
+          <pc:sldMk cId="901453530" sldId="546"/>
+        </pc:sldMkLst>
+        <pc:spChg chg="mod">
+          <ac:chgData name="Zhao Jin" userId="cd05a825-544c-438a-9ba1-08e63db50b47" providerId="ADAL" clId="{E094A0D3-9008-D44F-B23F-E71F39C2BDEC}" dt="2021-01-27T04:58:20.523" v="47"/>
+          <ac:spMkLst>
+            <pc:docMk/>
+            <pc:sldMk cId="901453530" sldId="546"/>
+            <ac:spMk id="7" creationId="{00000000-0000-0000-0000-000000000000}"/>
+          </ac:spMkLst>
+        </pc:spChg>
+        <pc:spChg chg="mod">
+          <ac:chgData name="Zhao Jin" userId="cd05a825-544c-438a-9ba1-08e63db50b47" providerId="ADAL" clId="{E094A0D3-9008-D44F-B23F-E71F39C2BDEC}" dt="2021-01-27T05:10:30.946" v="126" actId="20577"/>
+          <ac:spMkLst>
+            <pc:docMk/>
+            <pc:sldMk cId="901453530" sldId="546"/>
+            <ac:spMk id="14338" creationId="{00000000-0000-0000-0000-000000000000}"/>
+          </ac:spMkLst>
+        </pc:spChg>
+      </pc:sldChg>
+      <pc:sldChg chg="modSp add">
+        <pc:chgData name="Zhao Jin" userId="cd05a825-544c-438a-9ba1-08e63db50b47" providerId="ADAL" clId="{E094A0D3-9008-D44F-B23F-E71F39C2BDEC}" dt="2021-01-27T05:17:29.706" v="253" actId="20577"/>
+        <pc:sldMkLst>
+          <pc:docMk/>
+          <pc:sldMk cId="4225956616" sldId="546"/>
+        </pc:sldMkLst>
+        <pc:spChg chg="mod">
+          <ac:chgData name="Zhao Jin" userId="cd05a825-544c-438a-9ba1-08e63db50b47" providerId="ADAL" clId="{E094A0D3-9008-D44F-B23F-E71F39C2BDEC}" dt="2021-01-27T05:15:19.785" v="160" actId="113"/>
+          <ac:spMkLst>
+            <pc:docMk/>
+            <pc:sldMk cId="4225956616" sldId="546"/>
+            <ac:spMk id="120" creationId="{00000000-0000-0000-0000-000000000000}"/>
+          </ac:spMkLst>
+        </pc:spChg>
+        <pc:spChg chg="mod">
+          <ac:chgData name="Zhao Jin" userId="cd05a825-544c-438a-9ba1-08e63db50b47" providerId="ADAL" clId="{E094A0D3-9008-D44F-B23F-E71F39C2BDEC}" dt="2021-01-27T05:17:29.706" v="253" actId="20577"/>
+          <ac:spMkLst>
+            <pc:docMk/>
+            <pc:sldMk cId="4225956616" sldId="546"/>
+            <ac:spMk id="14338" creationId="{00000000-0000-0000-0000-000000000000}"/>
+          </ac:spMkLst>
+        </pc:spChg>
+      </pc:sldChg>
+      <pc:sldChg chg="modSp del">
+        <pc:chgData name="Zhao Jin" userId="cd05a825-544c-438a-9ba1-08e63db50b47" providerId="ADAL" clId="{E094A0D3-9008-D44F-B23F-E71F39C2BDEC}" dt="2021-01-27T05:16:20.724" v="163" actId="2696"/>
+        <pc:sldMkLst>
+          <pc:docMk/>
+          <pc:sldMk cId="884841463" sldId="547"/>
+        </pc:sldMkLst>
+        <pc:spChg chg="mod">
+          <ac:chgData name="Zhao Jin" userId="cd05a825-544c-438a-9ba1-08e63db50b47" providerId="ADAL" clId="{E094A0D3-9008-D44F-B23F-E71F39C2BDEC}" dt="2021-01-27T04:58:20.523" v="47"/>
+          <ac:spMkLst>
+            <pc:docMk/>
+            <pc:sldMk cId="884841463" sldId="547"/>
+            <ac:spMk id="7" creationId="{00000000-0000-0000-0000-000000000000}"/>
+          </ac:spMkLst>
+        </pc:spChg>
+      </pc:sldChg>
+      <pc:sldChg chg="modSp">
+        <pc:chgData name="Zhao Jin" userId="cd05a825-544c-438a-9ba1-08e63db50b47" providerId="ADAL" clId="{E094A0D3-9008-D44F-B23F-E71F39C2BDEC}" dt="2021-01-27T04:58:20.523" v="47"/>
+        <pc:sldMkLst>
+          <pc:docMk/>
+          <pc:sldMk cId="1617257579" sldId="548"/>
+        </pc:sldMkLst>
+        <pc:spChg chg="mod">
+          <ac:chgData name="Zhao Jin" userId="cd05a825-544c-438a-9ba1-08e63db50b47" providerId="ADAL" clId="{E094A0D3-9008-D44F-B23F-E71F39C2BDEC}" dt="2021-01-27T04:58:20.523" v="47"/>
+          <ac:spMkLst>
+            <pc:docMk/>
+            <pc:sldMk cId="1617257579" sldId="548"/>
+            <ac:spMk id="7" creationId="{00000000-0000-0000-0000-000000000000}"/>
+          </ac:spMkLst>
+        </pc:spChg>
+      </pc:sldChg>
+      <pc:sldChg chg="modSp">
+        <pc:chgData name="Zhao Jin" userId="cd05a825-544c-438a-9ba1-08e63db50b47" providerId="ADAL" clId="{E094A0D3-9008-D44F-B23F-E71F39C2BDEC}" dt="2021-01-27T04:58:20.523" v="47"/>
+        <pc:sldMkLst>
+          <pc:docMk/>
+          <pc:sldMk cId="3394924879" sldId="549"/>
+        </pc:sldMkLst>
+        <pc:spChg chg="mod">
+          <ac:chgData name="Zhao Jin" userId="cd05a825-544c-438a-9ba1-08e63db50b47" providerId="ADAL" clId="{E094A0D3-9008-D44F-B23F-E71F39C2BDEC}" dt="2021-01-27T04:58:20.523" v="47"/>
+          <ac:spMkLst>
+            <pc:docMk/>
+            <pc:sldMk cId="3394924879" sldId="549"/>
+            <ac:spMk id="43" creationId="{00000000-0000-0000-0000-000000000000}"/>
+          </ac:spMkLst>
+        </pc:spChg>
+      </pc:sldChg>
+      <pc:sldChg chg="modSp">
+        <pc:chgData name="Zhao Jin" userId="cd05a825-544c-438a-9ba1-08e63db50b47" providerId="ADAL" clId="{E094A0D3-9008-D44F-B23F-E71F39C2BDEC}" dt="2021-01-27T04:58:20.523" v="47"/>
+        <pc:sldMkLst>
+          <pc:docMk/>
+          <pc:sldMk cId="784668950" sldId="550"/>
+        </pc:sldMkLst>
+        <pc:spChg chg="mod">
+          <ac:chgData name="Zhao Jin" userId="cd05a825-544c-438a-9ba1-08e63db50b47" providerId="ADAL" clId="{E094A0D3-9008-D44F-B23F-E71F39C2BDEC}" dt="2021-01-27T04:58:20.523" v="47"/>
+          <ac:spMkLst>
+            <pc:docMk/>
+            <pc:sldMk cId="784668950" sldId="550"/>
+            <ac:spMk id="43" creationId="{00000000-0000-0000-0000-000000000000}"/>
+          </ac:spMkLst>
+        </pc:spChg>
+      </pc:sldChg>
+      <pc:sldChg chg="modSp add del">
+        <pc:chgData name="Zhao Jin" userId="cd05a825-544c-438a-9ba1-08e63db50b47" providerId="ADAL" clId="{E094A0D3-9008-D44F-B23F-E71F39C2BDEC}" dt="2021-01-27T05:17:38.111" v="258" actId="2696"/>
+        <pc:sldMkLst>
+          <pc:docMk/>
+          <pc:sldMk cId="2538842699" sldId="551"/>
+        </pc:sldMkLst>
+        <pc:spChg chg="mod">
+          <ac:chgData name="Zhao Jin" userId="cd05a825-544c-438a-9ba1-08e63db50b47" providerId="ADAL" clId="{E094A0D3-9008-D44F-B23F-E71F39C2BDEC}" dt="2021-01-27T05:17:36.555" v="257" actId="20577"/>
+          <ac:spMkLst>
+            <pc:docMk/>
+            <pc:sldMk cId="2538842699" sldId="551"/>
+            <ac:spMk id="14338" creationId="{00000000-0000-0000-0000-000000000000}"/>
+          </ac:spMkLst>
+        </pc:spChg>
+      </pc:sldChg>
+      <pc:sldChg chg="addSp delSp modSp add delAnim">
+        <pc:chgData name="Zhao Jin" userId="cd05a825-544c-438a-9ba1-08e63db50b47" providerId="ADAL" clId="{E094A0D3-9008-D44F-B23F-E71F39C2BDEC}" dt="2021-01-27T05:22:23.124" v="370" actId="20577"/>
+        <pc:sldMkLst>
+          <pc:docMk/>
+          <pc:sldMk cId="3422194935" sldId="552"/>
+        </pc:sldMkLst>
+        <pc:spChg chg="mod">
+          <ac:chgData name="Zhao Jin" userId="cd05a825-544c-438a-9ba1-08e63db50b47" providerId="ADAL" clId="{E094A0D3-9008-D44F-B23F-E71F39C2BDEC}" dt="2021-01-27T05:22:23.124" v="370" actId="20577"/>
+          <ac:spMkLst>
+            <pc:docMk/>
+            <pc:sldMk cId="3422194935" sldId="552"/>
+            <ac:spMk id="8" creationId="{00000000-0000-0000-0000-000000000000}"/>
+          </ac:spMkLst>
+        </pc:spChg>
+        <pc:spChg chg="add del mod">
+          <ac:chgData name="Zhao Jin" userId="cd05a825-544c-438a-9ba1-08e63db50b47" providerId="ADAL" clId="{E094A0D3-9008-D44F-B23F-E71F39C2BDEC}" dt="2021-01-27T05:20:48.010" v="345" actId="478"/>
+          <ac:spMkLst>
+            <pc:docMk/>
+            <pc:sldMk cId="3422194935" sldId="552"/>
+            <ac:spMk id="84" creationId="{C4E05674-68A2-0D4E-8B47-F7A2C6A6B76F}"/>
+          </ac:spMkLst>
+        </pc:spChg>
+        <pc:spChg chg="mod">
+          <ac:chgData name="Zhao Jin" userId="cd05a825-544c-438a-9ba1-08e63db50b47" providerId="ADAL" clId="{E094A0D3-9008-D44F-B23F-E71F39C2BDEC}" dt="2021-01-27T05:17:40.396" v="259" actId="20577"/>
+          <ac:spMkLst>
+            <pc:docMk/>
+            <pc:sldMk cId="3422194935" sldId="552"/>
+            <ac:spMk id="14338" creationId="{00000000-0000-0000-0000-000000000000}"/>
+          </ac:spMkLst>
+        </pc:spChg>
+        <pc:grpChg chg="del">
+          <ac:chgData name="Zhao Jin" userId="cd05a825-544c-438a-9ba1-08e63db50b47" providerId="ADAL" clId="{E094A0D3-9008-D44F-B23F-E71F39C2BDEC}" dt="2021-01-27T05:16:32.725" v="165" actId="478"/>
+          <ac:grpSpMkLst>
+            <pc:docMk/>
+            <pc:sldMk cId="3422194935" sldId="552"/>
+            <ac:grpSpMk id="86" creationId="{00000000-0000-0000-0000-000000000000}"/>
+          </ac:grpSpMkLst>
+        </pc:grpChg>
+        <pc:grpChg chg="del">
+          <ac:chgData name="Zhao Jin" userId="cd05a825-544c-438a-9ba1-08e63db50b47" providerId="ADAL" clId="{E094A0D3-9008-D44F-B23F-E71F39C2BDEC}" dt="2021-01-27T05:16:27.485" v="164" actId="478"/>
+          <ac:grpSpMkLst>
+            <pc:docMk/>
+            <pc:sldMk cId="3422194935" sldId="552"/>
+            <ac:grpSpMk id="91" creationId="{00000000-0000-0000-0000-000000000000}"/>
+          </ac:grpSpMkLst>
+        </pc:grpChg>
+        <pc:grpChg chg="del">
+          <ac:chgData name="Zhao Jin" userId="cd05a825-544c-438a-9ba1-08e63db50b47" providerId="ADAL" clId="{E094A0D3-9008-D44F-B23F-E71F39C2BDEC}" dt="2021-01-27T05:16:27.485" v="164" actId="478"/>
+          <ac:grpSpMkLst>
+            <pc:docMk/>
+            <pc:sldMk cId="3422194935" sldId="552"/>
+            <ac:grpSpMk id="94" creationId="{00000000-0000-0000-0000-000000000000}"/>
+          </ac:grpSpMkLst>
+        </pc:grpChg>
+        <pc:grpChg chg="del">
+          <ac:chgData name="Zhao Jin" userId="cd05a825-544c-438a-9ba1-08e63db50b47" providerId="ADAL" clId="{E094A0D3-9008-D44F-B23F-E71F39C2BDEC}" dt="2021-01-27T05:16:27.485" v="164" actId="478"/>
+          <ac:grpSpMkLst>
+            <pc:docMk/>
+            <pc:sldMk cId="3422194935" sldId="552"/>
+            <ac:grpSpMk id="97" creationId="{00000000-0000-0000-0000-000000000000}"/>
+          </ac:grpSpMkLst>
+        </pc:grpChg>
+        <pc:grpChg chg="del">
+          <ac:chgData name="Zhao Jin" userId="cd05a825-544c-438a-9ba1-08e63db50b47" providerId="ADAL" clId="{E094A0D3-9008-D44F-B23F-E71F39C2BDEC}" dt="2021-01-27T05:16:27.485" v="164" actId="478"/>
+          <ac:grpSpMkLst>
+            <pc:docMk/>
+            <pc:sldMk cId="3422194935" sldId="552"/>
+            <ac:grpSpMk id="100" creationId="{00000000-0000-0000-0000-000000000000}"/>
+          </ac:grpSpMkLst>
+        </pc:grpChg>
+        <pc:grpChg chg="del">
+          <ac:chgData name="Zhao Jin" userId="cd05a825-544c-438a-9ba1-08e63db50b47" providerId="ADAL" clId="{E094A0D3-9008-D44F-B23F-E71F39C2BDEC}" dt="2021-01-27T05:16:27.485" v="164" actId="478"/>
+          <ac:grpSpMkLst>
+            <pc:docMk/>
+            <pc:sldMk cId="3422194935" sldId="552"/>
+            <ac:grpSpMk id="103" creationId="{00000000-0000-0000-0000-000000000000}"/>
+          </ac:grpSpMkLst>
+        </pc:grpChg>
+        <pc:grpChg chg="del">
+          <ac:chgData name="Zhao Jin" userId="cd05a825-544c-438a-9ba1-08e63db50b47" providerId="ADAL" clId="{E094A0D3-9008-D44F-B23F-E71F39C2BDEC}" dt="2021-01-27T05:16:27.485" v="164" actId="478"/>
+          <ac:grpSpMkLst>
+            <pc:docMk/>
+            <pc:sldMk cId="3422194935" sldId="552"/>
+            <ac:grpSpMk id="106" creationId="{00000000-0000-0000-0000-000000000000}"/>
+          </ac:grpSpMkLst>
+        </pc:grpChg>
+        <pc:grpChg chg="del">
+          <ac:chgData name="Zhao Jin" userId="cd05a825-544c-438a-9ba1-08e63db50b47" providerId="ADAL" clId="{E094A0D3-9008-D44F-B23F-E71F39C2BDEC}" dt="2021-01-27T05:16:32.725" v="165" actId="478"/>
+          <ac:grpSpMkLst>
+            <pc:docMk/>
+            <pc:sldMk cId="3422194935" sldId="552"/>
+            <ac:grpSpMk id="109" creationId="{00000000-0000-0000-0000-000000000000}"/>
+          </ac:grpSpMkLst>
+        </pc:grpChg>
+        <pc:grpChg chg="del">
+          <ac:chgData name="Zhao Jin" userId="cd05a825-544c-438a-9ba1-08e63db50b47" providerId="ADAL" clId="{E094A0D3-9008-D44F-B23F-E71F39C2BDEC}" dt="2021-01-27T05:16:32.725" v="165" actId="478"/>
+          <ac:grpSpMkLst>
+            <pc:docMk/>
+            <pc:sldMk cId="3422194935" sldId="552"/>
+            <ac:grpSpMk id="112" creationId="{00000000-0000-0000-0000-000000000000}"/>
+          </ac:grpSpMkLst>
+        </pc:grpChg>
+        <pc:grpChg chg="del">
+          <ac:chgData name="Zhao Jin" userId="cd05a825-544c-438a-9ba1-08e63db50b47" providerId="ADAL" clId="{E094A0D3-9008-D44F-B23F-E71F39C2BDEC}" dt="2021-01-27T05:16:32.725" v="165" actId="478"/>
+          <ac:grpSpMkLst>
+            <pc:docMk/>
+            <pc:sldMk cId="3422194935" sldId="552"/>
+            <ac:grpSpMk id="115" creationId="{00000000-0000-0000-0000-000000000000}"/>
+          </ac:grpSpMkLst>
+        </pc:grpChg>
+        <pc:grpChg chg="del">
+          <ac:chgData name="Zhao Jin" userId="cd05a825-544c-438a-9ba1-08e63db50b47" providerId="ADAL" clId="{E094A0D3-9008-D44F-B23F-E71F39C2BDEC}" dt="2021-01-27T05:16:27.485" v="164" actId="478"/>
+          <ac:grpSpMkLst>
+            <pc:docMk/>
+            <pc:sldMk cId="3422194935" sldId="552"/>
+            <ac:grpSpMk id="118" creationId="{00000000-0000-0000-0000-000000000000}"/>
+          </ac:grpSpMkLst>
+        </pc:grpChg>
+        <pc:grpChg chg="del">
+          <ac:chgData name="Zhao Jin" userId="cd05a825-544c-438a-9ba1-08e63db50b47" providerId="ADAL" clId="{E094A0D3-9008-D44F-B23F-E71F39C2BDEC}" dt="2021-01-27T05:16:27.485" v="164" actId="478"/>
+          <ac:grpSpMkLst>
+            <pc:docMk/>
+            <pc:sldMk cId="3422194935" sldId="552"/>
+            <ac:grpSpMk id="121" creationId="{00000000-0000-0000-0000-000000000000}"/>
+          </ac:grpSpMkLst>
+        </pc:grpChg>
+        <pc:grpChg chg="del">
+          <ac:chgData name="Zhao Jin" userId="cd05a825-544c-438a-9ba1-08e63db50b47" providerId="ADAL" clId="{E094A0D3-9008-D44F-B23F-E71F39C2BDEC}" dt="2021-01-27T05:16:27.485" v="164" actId="478"/>
+          <ac:grpSpMkLst>
+            <pc:docMk/>
+            <pc:sldMk cId="3422194935" sldId="552"/>
+            <ac:grpSpMk id="124" creationId="{00000000-0000-0000-0000-000000000000}"/>
+          </ac:grpSpMkLst>
+        </pc:grpChg>
+        <pc:grpChg chg="del">
+          <ac:chgData name="Zhao Jin" userId="cd05a825-544c-438a-9ba1-08e63db50b47" providerId="ADAL" clId="{E094A0D3-9008-D44F-B23F-E71F39C2BDEC}" dt="2021-01-27T05:16:27.485" v="164" actId="478"/>
+          <ac:grpSpMkLst>
+            <pc:docMk/>
+            <pc:sldMk cId="3422194935" sldId="552"/>
+            <ac:grpSpMk id="127" creationId="{00000000-0000-0000-0000-000000000000}"/>
+          </ac:grpSpMkLst>
+        </pc:grpChg>
+        <pc:grpChg chg="del">
+          <ac:chgData name="Zhao Jin" userId="cd05a825-544c-438a-9ba1-08e63db50b47" providerId="ADAL" clId="{E094A0D3-9008-D44F-B23F-E71F39C2BDEC}" dt="2021-01-27T05:16:27.485" v="164" actId="478"/>
+          <ac:grpSpMkLst>
+            <pc:docMk/>
+            <pc:sldMk cId="3422194935" sldId="552"/>
+            <ac:grpSpMk id="130" creationId="{00000000-0000-0000-0000-000000000000}"/>
+          </ac:grpSpMkLst>
+        </pc:grpChg>
+        <pc:grpChg chg="del">
+          <ac:chgData name="Zhao Jin" userId="cd05a825-544c-438a-9ba1-08e63db50b47" providerId="ADAL" clId="{E094A0D3-9008-D44F-B23F-E71F39C2BDEC}" dt="2021-01-27T05:16:27.485" v="164" actId="478"/>
+          <ac:grpSpMkLst>
+            <pc:docMk/>
+            <pc:sldMk cId="3422194935" sldId="552"/>
+            <ac:grpSpMk id="136" creationId="{00000000-0000-0000-0000-000000000000}"/>
+          </ac:grpSpMkLst>
+        </pc:grpChg>
+        <pc:grpChg chg="del">
+          <ac:chgData name="Zhao Jin" userId="cd05a825-544c-438a-9ba1-08e63db50b47" providerId="ADAL" clId="{E094A0D3-9008-D44F-B23F-E71F39C2BDEC}" dt="2021-01-27T05:16:27.485" v="164" actId="478"/>
+          <ac:grpSpMkLst>
+            <pc:docMk/>
+            <pc:sldMk cId="3422194935" sldId="552"/>
+            <ac:grpSpMk id="144" creationId="{00000000-0000-0000-0000-000000000000}"/>
+          </ac:grpSpMkLst>
+        </pc:grpChg>
+        <pc:grpChg chg="del">
+          <ac:chgData name="Zhao Jin" userId="cd05a825-544c-438a-9ba1-08e63db50b47" providerId="ADAL" clId="{E094A0D3-9008-D44F-B23F-E71F39C2BDEC}" dt="2021-01-27T05:16:27.485" v="164" actId="478"/>
+          <ac:grpSpMkLst>
+            <pc:docMk/>
+            <pc:sldMk cId="3422194935" sldId="552"/>
+            <ac:grpSpMk id="152" creationId="{00000000-0000-0000-0000-000000000000}"/>
+          </ac:grpSpMkLst>
+        </pc:grpChg>
+        <pc:grpChg chg="del">
+          <ac:chgData name="Zhao Jin" userId="cd05a825-544c-438a-9ba1-08e63db50b47" providerId="ADAL" clId="{E094A0D3-9008-D44F-B23F-E71F39C2BDEC}" dt="2021-01-27T05:16:27.485" v="164" actId="478"/>
+          <ac:grpSpMkLst>
+            <pc:docMk/>
+            <pc:sldMk cId="3422194935" sldId="552"/>
+            <ac:grpSpMk id="156" creationId="{00000000-0000-0000-0000-000000000000}"/>
+          </ac:grpSpMkLst>
+        </pc:grpChg>
+        <pc:picChg chg="add mod modCrop">
+          <ac:chgData name="Zhao Jin" userId="cd05a825-544c-438a-9ba1-08e63db50b47" providerId="ADAL" clId="{E094A0D3-9008-D44F-B23F-E71F39C2BDEC}" dt="2021-01-27T05:20:55.481" v="348" actId="1076"/>
+          <ac:picMkLst>
+            <pc:docMk/>
+            <pc:sldMk cId="3422194935" sldId="552"/>
+            <ac:picMk id="3" creationId="{78D60D94-825A-D54F-ACF5-EA46D7263418}"/>
+          </ac:picMkLst>
+        </pc:picChg>
+        <pc:cxnChg chg="del mod">
+          <ac:chgData name="Zhao Jin" userId="cd05a825-544c-438a-9ba1-08e63db50b47" providerId="ADAL" clId="{E094A0D3-9008-D44F-B23F-E71F39C2BDEC}" dt="2021-01-27T05:16:27.485" v="164" actId="478"/>
+          <ac:cxnSpMkLst>
+            <pc:docMk/>
+            <pc:sldMk cId="3422194935" sldId="552"/>
+            <ac:cxnSpMk id="135" creationId="{00000000-0000-0000-0000-000000000000}"/>
+          </ac:cxnSpMkLst>
+        </pc:cxnChg>
+        <pc:cxnChg chg="del">
+          <ac:chgData name="Zhao Jin" userId="cd05a825-544c-438a-9ba1-08e63db50b47" providerId="ADAL" clId="{E094A0D3-9008-D44F-B23F-E71F39C2BDEC}" dt="2021-01-27T05:16:27.485" v="164" actId="478"/>
+          <ac:cxnSpMkLst>
+            <pc:docMk/>
+            <pc:sldMk cId="3422194935" sldId="552"/>
+            <ac:cxnSpMk id="141" creationId="{00000000-0000-0000-0000-000000000000}"/>
+          </ac:cxnSpMkLst>
+        </pc:cxnChg>
+        <pc:cxnChg chg="del">
+          <ac:chgData name="Zhao Jin" userId="cd05a825-544c-438a-9ba1-08e63db50b47" providerId="ADAL" clId="{E094A0D3-9008-D44F-B23F-E71F39C2BDEC}" dt="2021-01-27T05:16:27.485" v="164" actId="478"/>
+          <ac:cxnSpMkLst>
+            <pc:docMk/>
+            <pc:sldMk cId="3422194935" sldId="552"/>
+            <ac:cxnSpMk id="142" creationId="{00000000-0000-0000-0000-000000000000}"/>
+          </ac:cxnSpMkLst>
+        </pc:cxnChg>
+        <pc:cxnChg chg="del">
+          <ac:chgData name="Zhao Jin" userId="cd05a825-544c-438a-9ba1-08e63db50b47" providerId="ADAL" clId="{E094A0D3-9008-D44F-B23F-E71F39C2BDEC}" dt="2021-01-27T05:16:27.485" v="164" actId="478"/>
+          <ac:cxnSpMkLst>
+            <pc:docMk/>
+            <pc:sldMk cId="3422194935" sldId="552"/>
+            <ac:cxnSpMk id="143" creationId="{00000000-0000-0000-0000-000000000000}"/>
+          </ac:cxnSpMkLst>
+        </pc:cxnChg>
+        <pc:cxnChg chg="del">
+          <ac:chgData name="Zhao Jin" userId="cd05a825-544c-438a-9ba1-08e63db50b47" providerId="ADAL" clId="{E094A0D3-9008-D44F-B23F-E71F39C2BDEC}" dt="2021-01-27T05:16:32.725" v="165" actId="478"/>
+          <ac:cxnSpMkLst>
+            <pc:docMk/>
+            <pc:sldMk cId="3422194935" sldId="552"/>
+            <ac:cxnSpMk id="149" creationId="{00000000-0000-0000-0000-000000000000}"/>
+          </ac:cxnSpMkLst>
+        </pc:cxnChg>
+        <pc:cxnChg chg="del">
+          <ac:chgData name="Zhao Jin" userId="cd05a825-544c-438a-9ba1-08e63db50b47" providerId="ADAL" clId="{E094A0D3-9008-D44F-B23F-E71F39C2BDEC}" dt="2021-01-27T05:16:32.725" v="165" actId="478"/>
+          <ac:cxnSpMkLst>
+            <pc:docMk/>
+            <pc:sldMk cId="3422194935" sldId="552"/>
+            <ac:cxnSpMk id="150" creationId="{00000000-0000-0000-0000-000000000000}"/>
+          </ac:cxnSpMkLst>
+        </pc:cxnChg>
+        <pc:cxnChg chg="del">
+          <ac:chgData name="Zhao Jin" userId="cd05a825-544c-438a-9ba1-08e63db50b47" providerId="ADAL" clId="{E094A0D3-9008-D44F-B23F-E71F39C2BDEC}" dt="2021-01-27T05:16:27.485" v="164" actId="478"/>
+          <ac:cxnSpMkLst>
+            <pc:docMk/>
+            <pc:sldMk cId="3422194935" sldId="552"/>
+            <ac:cxnSpMk id="151" creationId="{00000000-0000-0000-0000-000000000000}"/>
+          </ac:cxnSpMkLst>
+        </pc:cxnChg>
+      </pc:sldChg>
+      <pc:sldChg chg="add del">
+        <pc:chgData name="Zhao Jin" userId="cd05a825-544c-438a-9ba1-08e63db50b47" providerId="ADAL" clId="{E094A0D3-9008-D44F-B23F-E71F39C2BDEC}" dt="2021-01-27T05:18:00.826" v="262"/>
+        <pc:sldMkLst>
+          <pc:docMk/>
+          <pc:sldMk cId="153180961" sldId="553"/>
+        </pc:sldMkLst>
+      </pc:sldChg>
+      <pc:sldChg chg="modSp add">
+        <pc:chgData name="Zhao Jin" userId="cd05a825-544c-438a-9ba1-08e63db50b47" providerId="ADAL" clId="{E094A0D3-9008-D44F-B23F-E71F39C2BDEC}" dt="2021-01-27T05:33:55.712" v="791" actId="14100"/>
+        <pc:sldMkLst>
+          <pc:docMk/>
+          <pc:sldMk cId="1427618944" sldId="553"/>
+        </pc:sldMkLst>
+        <pc:spChg chg="mod">
+          <ac:chgData name="Zhao Jin" userId="cd05a825-544c-438a-9ba1-08e63db50b47" providerId="ADAL" clId="{E094A0D3-9008-D44F-B23F-E71F39C2BDEC}" dt="2021-01-27T05:33:55.712" v="791" actId="14100"/>
+          <ac:spMkLst>
+            <pc:docMk/>
+            <pc:sldMk cId="1427618944" sldId="553"/>
+            <ac:spMk id="84" creationId="{C4E05674-68A2-0D4E-8B47-F7A2C6A6B76F}"/>
+          </ac:spMkLst>
+        </pc:spChg>
+        <pc:picChg chg="mod">
+          <ac:chgData name="Zhao Jin" userId="cd05a825-544c-438a-9ba1-08e63db50b47" providerId="ADAL" clId="{E094A0D3-9008-D44F-B23F-E71F39C2BDEC}" dt="2021-01-27T05:21:27.060" v="366" actId="1076"/>
+          <ac:picMkLst>
+            <pc:docMk/>
+            <pc:sldMk cId="1427618944" sldId="553"/>
+            <ac:picMk id="3" creationId="{78D60D94-825A-D54F-ACF5-EA46D7263418}"/>
+          </ac:picMkLst>
+        </pc:picChg>
+      </pc:sldChg>
+      <pc:sldChg chg="addSp delSp modSp add ord delAnim modAnim">
+        <pc:chgData name="Zhao Jin" userId="cd05a825-544c-438a-9ba1-08e63db50b47" providerId="ADAL" clId="{E094A0D3-9008-D44F-B23F-E71F39C2BDEC}" dt="2021-01-27T05:37:50.456" v="1042" actId="1035"/>
+        <pc:sldMkLst>
+          <pc:docMk/>
+          <pc:sldMk cId="1659983766" sldId="554"/>
+        </pc:sldMkLst>
+        <pc:spChg chg="del">
+          <ac:chgData name="Zhao Jin" userId="cd05a825-544c-438a-9ba1-08e63db50b47" providerId="ADAL" clId="{E094A0D3-9008-D44F-B23F-E71F39C2BDEC}" dt="2021-01-27T05:24:43.231" v="381" actId="478"/>
+          <ac:spMkLst>
+            <pc:docMk/>
+            <pc:sldMk cId="1659983766" sldId="554"/>
+            <ac:spMk id="11" creationId="{00000000-0000-0000-0000-000000000000}"/>
+          </ac:spMkLst>
+        </pc:spChg>
+        <pc:spChg chg="del">
+          <ac:chgData name="Zhao Jin" userId="cd05a825-544c-438a-9ba1-08e63db50b47" providerId="ADAL" clId="{E094A0D3-9008-D44F-B23F-E71F39C2BDEC}" dt="2021-01-27T05:24:35.188" v="376" actId="478"/>
+          <ac:spMkLst>
+            <pc:docMk/>
+            <pc:sldMk cId="1659983766" sldId="554"/>
+            <ac:spMk id="13" creationId="{00000000-0000-0000-0000-000000000000}"/>
+          </ac:spMkLst>
+        </pc:spChg>
+        <pc:spChg chg="del mod">
+          <ac:chgData name="Zhao Jin" userId="cd05a825-544c-438a-9ba1-08e63db50b47" providerId="ADAL" clId="{E094A0D3-9008-D44F-B23F-E71F39C2BDEC}" dt="2021-01-27T05:27:49.217" v="613" actId="478"/>
+          <ac:spMkLst>
+            <pc:docMk/>
+            <pc:sldMk cId="1659983766" sldId="554"/>
+            <ac:spMk id="14" creationId="{00000000-0000-0000-0000-000000000000}"/>
+          </ac:spMkLst>
+        </pc:spChg>
+        <pc:spChg chg="del">
+          <ac:chgData name="Zhao Jin" userId="cd05a825-544c-438a-9ba1-08e63db50b47" providerId="ADAL" clId="{E094A0D3-9008-D44F-B23F-E71F39C2BDEC}" dt="2021-01-27T05:24:33.113" v="375" actId="478"/>
+          <ac:spMkLst>
+            <pc:docMk/>
+            <pc:sldMk cId="1659983766" sldId="554"/>
+            <ac:spMk id="15" creationId="{00000000-0000-0000-0000-000000000000}"/>
+          </ac:spMkLst>
+        </pc:spChg>
+        <pc:spChg chg="mod">
+          <ac:chgData name="Zhao Jin" userId="cd05a825-544c-438a-9ba1-08e63db50b47" providerId="ADAL" clId="{E094A0D3-9008-D44F-B23F-E71F39C2BDEC}" dt="2021-01-27T05:37:50.456" v="1042" actId="1035"/>
+          <ac:spMkLst>
+            <pc:docMk/>
+            <pc:sldMk cId="1659983766" sldId="554"/>
+            <ac:spMk id="16" creationId="{00000000-0000-0000-0000-000000000000}"/>
+          </ac:spMkLst>
+        </pc:spChg>
+        <pc:spChg chg="del">
+          <ac:chgData name="Zhao Jin" userId="cd05a825-544c-438a-9ba1-08e63db50b47" providerId="ADAL" clId="{E094A0D3-9008-D44F-B23F-E71F39C2BDEC}" dt="2021-01-27T05:24:46.336" v="382" actId="478"/>
+          <ac:spMkLst>
+            <pc:docMk/>
+            <pc:sldMk cId="1659983766" sldId="554"/>
+            <ac:spMk id="17" creationId="{00000000-0000-0000-0000-000000000000}"/>
+          </ac:spMkLst>
+        </pc:spChg>
+        <pc:spChg chg="del">
+          <ac:chgData name="Zhao Jin" userId="cd05a825-544c-438a-9ba1-08e63db50b47" providerId="ADAL" clId="{E094A0D3-9008-D44F-B23F-E71F39C2BDEC}" dt="2021-01-27T05:24:41.620" v="380" actId="478"/>
+          <ac:spMkLst>
+            <pc:docMk/>
+            <pc:sldMk cId="1659983766" sldId="554"/>
+            <ac:spMk id="18" creationId="{00000000-0000-0000-0000-000000000000}"/>
+          </ac:spMkLst>
+        </pc:spChg>
+        <pc:spChg chg="mod">
+          <ac:chgData name="Zhao Jin" userId="cd05a825-544c-438a-9ba1-08e63db50b47" providerId="ADAL" clId="{E094A0D3-9008-D44F-B23F-E71F39C2BDEC}" dt="2021-01-27T05:31:04.899" v="719" actId="20577"/>
+          <ac:spMkLst>
+            <pc:docMk/>
+            <pc:sldMk cId="1659983766" sldId="554"/>
+            <ac:spMk id="34" creationId="{00000000-0000-0000-0000-000000000000}"/>
+          </ac:spMkLst>
+        </pc:spChg>
+        <pc:spChg chg="del mod">
+          <ac:chgData name="Zhao Jin" userId="cd05a825-544c-438a-9ba1-08e63db50b47" providerId="ADAL" clId="{E094A0D3-9008-D44F-B23F-E71F39C2BDEC}" dt="2021-01-27T05:24:40.087" v="379" actId="478"/>
+          <ac:spMkLst>
+            <pc:docMk/>
+            <pc:sldMk cId="1659983766" sldId="554"/>
+            <ac:spMk id="48" creationId="{00000000-0000-0000-0000-000000000000}"/>
+          </ac:spMkLst>
+        </pc:spChg>
+        <pc:spChg chg="add mod">
+          <ac:chgData name="Zhao Jin" userId="cd05a825-544c-438a-9ba1-08e63db50b47" providerId="ADAL" clId="{E094A0D3-9008-D44F-B23F-E71F39C2BDEC}" dt="2021-01-27T05:35:32.267" v="828" actId="1035"/>
+          <ac:spMkLst>
+            <pc:docMk/>
+            <pc:sldMk cId="1659983766" sldId="554"/>
+            <ac:spMk id="49" creationId="{21EEE82A-4DB6-1D4F-9A03-5951F440FE93}"/>
+          </ac:spMkLst>
+        </pc:spChg>
+        <pc:spChg chg="add mod">
+          <ac:chgData name="Zhao Jin" userId="cd05a825-544c-438a-9ba1-08e63db50b47" providerId="ADAL" clId="{E094A0D3-9008-D44F-B23F-E71F39C2BDEC}" dt="2021-01-27T05:37:45.636" v="1033" actId="139"/>
+          <ac:spMkLst>
+            <pc:docMk/>
+            <pc:sldMk cId="1659983766" sldId="554"/>
+            <ac:spMk id="50" creationId="{6A68E681-1A88-9040-8F49-07716663CAA5}"/>
+          </ac:spMkLst>
+        </pc:spChg>
+        <pc:spChg chg="mod">
+          <ac:chgData name="Zhao Jin" userId="cd05a825-544c-438a-9ba1-08e63db50b47" providerId="ADAL" clId="{E094A0D3-9008-D44F-B23F-E71F39C2BDEC}" dt="2021-01-27T05:24:26.093" v="374" actId="20577"/>
+          <ac:spMkLst>
+            <pc:docMk/>
+            <pc:sldMk cId="1659983766" sldId="554"/>
+            <ac:spMk id="14338" creationId="{00000000-0000-0000-0000-000000000000}"/>
+          </ac:spMkLst>
+        </pc:spChg>
+        <pc:grpChg chg="del">
+          <ac:chgData name="Zhao Jin" userId="cd05a825-544c-438a-9ba1-08e63db50b47" providerId="ADAL" clId="{E094A0D3-9008-D44F-B23F-E71F39C2BDEC}" dt="2021-01-27T05:24:36.894" v="377" actId="478"/>
+          <ac:grpSpMkLst>
+            <pc:docMk/>
+            <pc:sldMk cId="1659983766" sldId="554"/>
+            <ac:grpSpMk id="19" creationId="{00000000-0000-0000-0000-000000000000}"/>
+          </ac:grpSpMkLst>
+        </pc:grpChg>
+        <pc:grpChg chg="mod">
+          <ac:chgData name="Zhao Jin" userId="cd05a825-544c-438a-9ba1-08e63db50b47" providerId="ADAL" clId="{E094A0D3-9008-D44F-B23F-E71F39C2BDEC}" dt="2021-01-27T05:36:20.397" v="880" actId="1076"/>
+          <ac:grpSpMkLst>
+            <pc:docMk/>
+            <pc:sldMk cId="1659983766" sldId="554"/>
+            <ac:grpSpMk id="31" creationId="{00000000-0000-0000-0000-000000000000}"/>
+          </ac:grpSpMkLst>
+        </pc:grpChg>
+        <pc:cxnChg chg="mod">
+          <ac:chgData name="Zhao Jin" userId="cd05a825-544c-438a-9ba1-08e63db50b47" providerId="ADAL" clId="{E094A0D3-9008-D44F-B23F-E71F39C2BDEC}" dt="2021-01-27T05:24:36.894" v="377" actId="478"/>
+          <ac:cxnSpMkLst>
+            <pc:docMk/>
+            <pc:sldMk cId="1659983766" sldId="554"/>
+            <ac:cxnSpMk id="21" creationId="{00000000-0000-0000-0000-000000000000}"/>
+          </ac:cxnSpMkLst>
+        </pc:cxnChg>
+        <pc:cxnChg chg="mod">
+          <ac:chgData name="Zhao Jin" userId="cd05a825-544c-438a-9ba1-08e63db50b47" providerId="ADAL" clId="{E094A0D3-9008-D44F-B23F-E71F39C2BDEC}" dt="2021-01-27T05:24:36.894" v="377" actId="478"/>
+          <ac:cxnSpMkLst>
+            <pc:docMk/>
+            <pc:sldMk cId="1659983766" sldId="554"/>
+            <ac:cxnSpMk id="23" creationId="{00000000-0000-0000-0000-000000000000}"/>
+          </ac:cxnSpMkLst>
+        </pc:cxnChg>
+        <pc:cxnChg chg="mod">
+          <ac:chgData name="Zhao Jin" userId="cd05a825-544c-438a-9ba1-08e63db50b47" providerId="ADAL" clId="{E094A0D3-9008-D44F-B23F-E71F39C2BDEC}" dt="2021-01-27T05:24:36.894" v="377" actId="478"/>
+          <ac:cxnSpMkLst>
+            <pc:docMk/>
+            <pc:sldMk cId="1659983766" sldId="554"/>
+            <ac:cxnSpMk id="28" creationId="{00000000-0000-0000-0000-000000000000}"/>
+          </ac:cxnSpMkLst>
+        </pc:cxnChg>
+        <pc:cxnChg chg="mod">
+          <ac:chgData name="Zhao Jin" userId="cd05a825-544c-438a-9ba1-08e63db50b47" providerId="ADAL" clId="{E094A0D3-9008-D44F-B23F-E71F39C2BDEC}" dt="2021-01-27T05:24:36.894" v="377" actId="478"/>
+          <ac:cxnSpMkLst>
+            <pc:docMk/>
+            <pc:sldMk cId="1659983766" sldId="554"/>
+            <ac:cxnSpMk id="29" creationId="{00000000-0000-0000-0000-000000000000}"/>
+          </ac:cxnSpMkLst>
+        </pc:cxnChg>
+        <pc:cxnChg chg="mod">
+          <ac:chgData name="Zhao Jin" userId="cd05a825-544c-438a-9ba1-08e63db50b47" providerId="ADAL" clId="{E094A0D3-9008-D44F-B23F-E71F39C2BDEC}" dt="2021-01-27T05:30:33.903" v="698" actId="14100"/>
+          <ac:cxnSpMkLst>
+            <pc:docMk/>
+            <pc:sldMk cId="1659983766" sldId="554"/>
+            <ac:cxnSpMk id="40" creationId="{00000000-0000-0000-0000-000000000000}"/>
+          </ac:cxnSpMkLst>
+        </pc:cxnChg>
+      </pc:sldChg>
+      <pc:sldChg chg="addSp delSp modSp add">
+        <pc:chgData name="Zhao Jin" userId="cd05a825-544c-438a-9ba1-08e63db50b47" providerId="ADAL" clId="{E094A0D3-9008-D44F-B23F-E71F39C2BDEC}" dt="2021-01-27T05:44:46" v="1434" actId="207"/>
+        <pc:sldMkLst>
+          <pc:docMk/>
+          <pc:sldMk cId="1268238251" sldId="555"/>
+        </pc:sldMkLst>
+        <pc:spChg chg="del">
+          <ac:chgData name="Zhao Jin" userId="cd05a825-544c-438a-9ba1-08e63db50b47" providerId="ADAL" clId="{E094A0D3-9008-D44F-B23F-E71F39C2BDEC}" dt="2021-01-27T05:35:16.592" v="820" actId="478"/>
+          <ac:spMkLst>
+            <pc:docMk/>
+            <pc:sldMk cId="1268238251" sldId="555"/>
+            <ac:spMk id="16" creationId="{00000000-0000-0000-0000-000000000000}"/>
+          </ac:spMkLst>
+        </pc:spChg>
+        <pc:spChg chg="add mod">
+          <ac:chgData name="Zhao Jin" userId="cd05a825-544c-438a-9ba1-08e63db50b47" providerId="ADAL" clId="{E094A0D3-9008-D44F-B23F-E71F39C2BDEC}" dt="2021-01-27T05:44:46" v="1434" actId="207"/>
+          <ac:spMkLst>
+            <pc:docMk/>
+            <pc:sldMk cId="1268238251" sldId="555"/>
+            <ac:spMk id="25" creationId="{F43FC8C1-7270-804E-9F1F-0B4AED0CEA28}"/>
+          </ac:spMkLst>
+        </pc:spChg>
+        <pc:spChg chg="add mod">
+          <ac:chgData name="Zhao Jin" userId="cd05a825-544c-438a-9ba1-08e63db50b47" providerId="ADAL" clId="{E094A0D3-9008-D44F-B23F-E71F39C2BDEC}" dt="2021-01-27T05:44:16.318" v="1429" actId="14100"/>
+          <ac:spMkLst>
+            <pc:docMk/>
+            <pc:sldMk cId="1268238251" sldId="555"/>
+            <ac:spMk id="26" creationId="{D54C351E-DA02-A443-8515-857077895051}"/>
+          </ac:spMkLst>
+        </pc:spChg>
+        <pc:spChg chg="add mod">
+          <ac:chgData name="Zhao Jin" userId="cd05a825-544c-438a-9ba1-08e63db50b47" providerId="ADAL" clId="{E094A0D3-9008-D44F-B23F-E71F39C2BDEC}" dt="2021-01-27T05:41:58.527" v="1301" actId="1036"/>
+          <ac:spMkLst>
+            <pc:docMk/>
+            <pc:sldMk cId="1268238251" sldId="555"/>
+            <ac:spMk id="27" creationId="{367D5355-0C55-2E48-9F4B-AB4FC9100A05}"/>
+          </ac:spMkLst>
+        </pc:spChg>
+        <pc:spChg chg="add del mod">
+          <ac:chgData name="Zhao Jin" userId="cd05a825-544c-438a-9ba1-08e63db50b47" providerId="ADAL" clId="{E094A0D3-9008-D44F-B23F-E71F39C2BDEC}" dt="2021-01-27T05:40:51.648" v="1180"/>
+          <ac:spMkLst>
+            <pc:docMk/>
+            <pc:sldMk cId="1268238251" sldId="555"/>
+            <ac:spMk id="28" creationId="{EE887C52-B868-F041-B2F3-E77854181B5E}"/>
+          </ac:spMkLst>
+        </pc:spChg>
+        <pc:spChg chg="mod">
+          <ac:chgData name="Zhao Jin" userId="cd05a825-544c-438a-9ba1-08e63db50b47" providerId="ADAL" clId="{E094A0D3-9008-D44F-B23F-E71F39C2BDEC}" dt="2021-01-27T05:44:00.171" v="1425" actId="14100"/>
+          <ac:spMkLst>
+            <pc:docMk/>
+            <pc:sldMk cId="1268238251" sldId="555"/>
+            <ac:spMk id="49" creationId="{21EEE82A-4DB6-1D4F-9A03-5951F440FE93}"/>
+          </ac:spMkLst>
+        </pc:spChg>
+        <pc:grpChg chg="del">
+          <ac:chgData name="Zhao Jin" userId="cd05a825-544c-438a-9ba1-08e63db50b47" providerId="ADAL" clId="{E094A0D3-9008-D44F-B23F-E71F39C2BDEC}" dt="2021-01-27T05:35:18.480" v="821" actId="478"/>
+          <ac:grpSpMkLst>
+            <pc:docMk/>
+            <pc:sldMk cId="1268238251" sldId="555"/>
+            <ac:grpSpMk id="31" creationId="{00000000-0000-0000-0000-000000000000}"/>
+          </ac:grpSpMkLst>
+        </pc:grpChg>
+        <pc:cxnChg chg="mod">
+          <ac:chgData name="Zhao Jin" userId="cd05a825-544c-438a-9ba1-08e63db50b47" providerId="ADAL" clId="{E094A0D3-9008-D44F-B23F-E71F39C2BDEC}" dt="2021-01-27T05:35:18.480" v="821" actId="478"/>
+          <ac:cxnSpMkLst>
+            <pc:docMk/>
+            <pc:sldMk cId="1268238251" sldId="555"/>
+            <ac:cxnSpMk id="33" creationId="{00000000-0000-0000-0000-000000000000}"/>
+          </ac:cxnSpMkLst>
+        </pc:cxnChg>
+      </pc:sldChg>
+      <pc:sldMasterChg chg="modSp modSldLayout">
+        <pc:chgData name="Zhao Jin" userId="cd05a825-544c-438a-9ba1-08e63db50b47" providerId="ADAL" clId="{E094A0D3-9008-D44F-B23F-E71F39C2BDEC}" dt="2021-01-27T04:58:20.523" v="47"/>
+        <pc:sldMasterMkLst>
+          <pc:docMk/>
+          <pc:sldMasterMk cId="0" sldId="2147485087"/>
+        </pc:sldMasterMkLst>
+        <pc:spChg chg="mod">
+          <ac:chgData name="Zhao Jin" userId="cd05a825-544c-438a-9ba1-08e63db50b47" providerId="ADAL" clId="{E094A0D3-9008-D44F-B23F-E71F39C2BDEC}" dt="2021-01-27T04:58:20.523" v="47"/>
+          <ac:spMkLst>
+            <pc:docMk/>
+            <pc:sldMasterMk cId="0" sldId="2147485087"/>
+            <ac:spMk id="6" creationId="{00000000-0000-0000-0000-000000000000}"/>
+          </ac:spMkLst>
+        </pc:spChg>
+        <pc:sldLayoutChg chg="modSp">
+          <pc:chgData name="Zhao Jin" userId="cd05a825-544c-438a-9ba1-08e63db50b47" providerId="ADAL" clId="{E094A0D3-9008-D44F-B23F-E71F39C2BDEC}" dt="2021-01-27T04:58:20.523" v="47"/>
+          <pc:sldLayoutMkLst>
+            <pc:docMk/>
+            <pc:sldMasterMk cId="0" sldId="2147485087"/>
+            <pc:sldLayoutMk cId="0" sldId="2147485088"/>
+          </pc:sldLayoutMkLst>
+          <pc:spChg chg="mod">
+            <ac:chgData name="Zhao Jin" userId="cd05a825-544c-438a-9ba1-08e63db50b47" providerId="ADAL" clId="{E094A0D3-9008-D44F-B23F-E71F39C2BDEC}" dt="2021-01-27T04:58:20.523" v="47"/>
+            <ac:spMkLst>
+              <pc:docMk/>
+              <pc:sldMasterMk cId="0" sldId="2147485087"/>
+              <pc:sldLayoutMk cId="0" sldId="2147485088"/>
+              <ac:spMk id="6" creationId="{00000000-0000-0000-0000-000000000000}"/>
+            </ac:spMkLst>
+          </pc:spChg>
+        </pc:sldLayoutChg>
+        <pc:sldLayoutChg chg="modSp">
+          <pc:chgData name="Zhao Jin" userId="cd05a825-544c-438a-9ba1-08e63db50b47" providerId="ADAL" clId="{E094A0D3-9008-D44F-B23F-E71F39C2BDEC}" dt="2021-01-27T04:58:20.523" v="47"/>
+          <pc:sldLayoutMkLst>
+            <pc:docMk/>
+            <pc:sldMasterMk cId="0" sldId="2147485087"/>
+            <pc:sldLayoutMk cId="0" sldId="2147485089"/>
+          </pc:sldLayoutMkLst>
+          <pc:spChg chg="mod">
+            <ac:chgData name="Zhao Jin" userId="cd05a825-544c-438a-9ba1-08e63db50b47" providerId="ADAL" clId="{E094A0D3-9008-D44F-B23F-E71F39C2BDEC}" dt="2021-01-27T04:58:20.523" v="47"/>
+            <ac:spMkLst>
+              <pc:docMk/>
+              <pc:sldMasterMk cId="0" sldId="2147485087"/>
+              <pc:sldLayoutMk cId="0" sldId="2147485089"/>
+              <ac:spMk id="6" creationId="{00000000-0000-0000-0000-000000000000}"/>
+            </ac:spMkLst>
+          </pc:spChg>
+        </pc:sldLayoutChg>
+        <pc:sldLayoutChg chg="modSp">
+          <pc:chgData name="Zhao Jin" userId="cd05a825-544c-438a-9ba1-08e63db50b47" providerId="ADAL" clId="{E094A0D3-9008-D44F-B23F-E71F39C2BDEC}" dt="2021-01-27T04:58:20.523" v="47"/>
+          <pc:sldLayoutMkLst>
+            <pc:docMk/>
+            <pc:sldMasterMk cId="0" sldId="2147485087"/>
+            <pc:sldLayoutMk cId="0" sldId="2147485090"/>
+          </pc:sldLayoutMkLst>
+          <pc:spChg chg="mod">
+            <ac:chgData name="Zhao Jin" userId="cd05a825-544c-438a-9ba1-08e63db50b47" providerId="ADAL" clId="{E094A0D3-9008-D44F-B23F-E71F39C2BDEC}" dt="2021-01-27T04:58:20.523" v="47"/>
+            <ac:spMkLst>
+              <pc:docMk/>
+              <pc:sldMasterMk cId="0" sldId="2147485087"/>
+              <pc:sldLayoutMk cId="0" sldId="2147485090"/>
+              <ac:spMk id="6" creationId="{00000000-0000-0000-0000-000000000000}"/>
+            </ac:spMkLst>
+          </pc:spChg>
+        </pc:sldLayoutChg>
+        <pc:sldLayoutChg chg="modSp">
+          <pc:chgData name="Zhao Jin" userId="cd05a825-544c-438a-9ba1-08e63db50b47" providerId="ADAL" clId="{E094A0D3-9008-D44F-B23F-E71F39C2BDEC}" dt="2021-01-27T04:58:20.523" v="47"/>
+          <pc:sldLayoutMkLst>
+            <pc:docMk/>
+            <pc:sldMasterMk cId="0" sldId="2147485087"/>
+            <pc:sldLayoutMk cId="0" sldId="2147485091"/>
+          </pc:sldLayoutMkLst>
+          <pc:spChg chg="mod">
+            <ac:chgData name="Zhao Jin" userId="cd05a825-544c-438a-9ba1-08e63db50b47" providerId="ADAL" clId="{E094A0D3-9008-D44F-B23F-E71F39C2BDEC}" dt="2021-01-27T04:58:20.523" v="47"/>
+            <ac:spMkLst>
+              <pc:docMk/>
+              <pc:sldMasterMk cId="0" sldId="2147485087"/>
+              <pc:sldLayoutMk cId="0" sldId="2147485091"/>
+              <ac:spMk id="7" creationId="{00000000-0000-0000-0000-000000000000}"/>
+            </ac:spMkLst>
+          </pc:spChg>
+        </pc:sldLayoutChg>
+        <pc:sldLayoutChg chg="modSp">
+          <pc:chgData name="Zhao Jin" userId="cd05a825-544c-438a-9ba1-08e63db50b47" providerId="ADAL" clId="{E094A0D3-9008-D44F-B23F-E71F39C2BDEC}" dt="2021-01-27T04:58:20.523" v="47"/>
+          <pc:sldLayoutMkLst>
+            <pc:docMk/>
+            <pc:sldMasterMk cId="0" sldId="2147485087"/>
+            <pc:sldLayoutMk cId="0" sldId="2147485092"/>
+          </pc:sldLayoutMkLst>
+          <pc:spChg chg="mod">
+            <ac:chgData name="Zhao Jin" userId="cd05a825-544c-438a-9ba1-08e63db50b47" providerId="ADAL" clId="{E094A0D3-9008-D44F-B23F-E71F39C2BDEC}" dt="2021-01-27T04:58:20.523" v="47"/>
+            <ac:spMkLst>
+              <pc:docMk/>
+              <pc:sldMasterMk cId="0" sldId="2147485087"/>
+              <pc:sldLayoutMk cId="0" sldId="2147485092"/>
+              <ac:spMk id="9" creationId="{00000000-0000-0000-0000-000000000000}"/>
+            </ac:spMkLst>
+          </pc:spChg>
+        </pc:sldLayoutChg>
+        <pc:sldLayoutChg chg="modSp">
+          <pc:chgData name="Zhao Jin" userId="cd05a825-544c-438a-9ba1-08e63db50b47" providerId="ADAL" clId="{E094A0D3-9008-D44F-B23F-E71F39C2BDEC}" dt="2021-01-27T04:58:20.523" v="47"/>
+          <pc:sldLayoutMkLst>
+            <pc:docMk/>
+            <pc:sldMasterMk cId="0" sldId="2147485087"/>
+            <pc:sldLayoutMk cId="0" sldId="2147485093"/>
+          </pc:sldLayoutMkLst>
+          <pc:spChg chg="mod">
+            <ac:chgData name="Zhao Jin" userId="cd05a825-544c-438a-9ba1-08e63db50b47" providerId="ADAL" clId="{E094A0D3-9008-D44F-B23F-E71F39C2BDEC}" dt="2021-01-27T04:58:20.523" v="47"/>
+            <ac:spMkLst>
+              <pc:docMk/>
+              <pc:sldMasterMk cId="0" sldId="2147485087"/>
+              <pc:sldLayoutMk cId="0" sldId="2147485093"/>
+              <ac:spMk id="5" creationId="{00000000-0000-0000-0000-000000000000}"/>
+            </ac:spMkLst>
+          </pc:spChg>
+        </pc:sldLayoutChg>
+        <pc:sldLayoutChg chg="modSp">
+          <pc:chgData name="Zhao Jin" userId="cd05a825-544c-438a-9ba1-08e63db50b47" providerId="ADAL" clId="{E094A0D3-9008-D44F-B23F-E71F39C2BDEC}" dt="2021-01-27T04:58:20.523" v="47"/>
+          <pc:sldLayoutMkLst>
+            <pc:docMk/>
+            <pc:sldMasterMk cId="0" sldId="2147485087"/>
+            <pc:sldLayoutMk cId="0" sldId="2147485094"/>
+          </pc:sldLayoutMkLst>
+          <pc:spChg chg="mod">
+            <ac:chgData name="Zhao Jin" userId="cd05a825-544c-438a-9ba1-08e63db50b47" providerId="ADAL" clId="{E094A0D3-9008-D44F-B23F-E71F39C2BDEC}" dt="2021-01-27T04:58:20.523" v="47"/>
+            <ac:spMkLst>
+              <pc:docMk/>
+              <pc:sldMasterMk cId="0" sldId="2147485087"/>
+              <pc:sldLayoutMk cId="0" sldId="2147485094"/>
+              <ac:spMk id="4" creationId="{00000000-0000-0000-0000-000000000000}"/>
+            </ac:spMkLst>
+          </pc:spChg>
+        </pc:sldLayoutChg>
+        <pc:sldLayoutChg chg="modSp">
+          <pc:chgData name="Zhao Jin" userId="cd05a825-544c-438a-9ba1-08e63db50b47" providerId="ADAL" clId="{E094A0D3-9008-D44F-B23F-E71F39C2BDEC}" dt="2021-01-27T04:58:20.523" v="47"/>
+          <pc:sldLayoutMkLst>
+            <pc:docMk/>
+            <pc:sldMasterMk cId="0" sldId="2147485087"/>
+            <pc:sldLayoutMk cId="0" sldId="2147485095"/>
+          </pc:sldLayoutMkLst>
+          <pc:spChg chg="mod">
+            <ac:chgData name="Zhao Jin" userId="cd05a825-544c-438a-9ba1-08e63db50b47" providerId="ADAL" clId="{E094A0D3-9008-D44F-B23F-E71F39C2BDEC}" dt="2021-01-27T04:58:20.523" v="47"/>
+            <ac:spMkLst>
+              <pc:docMk/>
+              <pc:sldMasterMk cId="0" sldId="2147485087"/>
+              <pc:sldLayoutMk cId="0" sldId="2147485095"/>
+              <ac:spMk id="7" creationId="{00000000-0000-0000-0000-000000000000}"/>
+            </ac:spMkLst>
+          </pc:spChg>
+        </pc:sldLayoutChg>
+        <pc:sldLayoutChg chg="modSp">
+          <pc:chgData name="Zhao Jin" userId="cd05a825-544c-438a-9ba1-08e63db50b47" providerId="ADAL" clId="{E094A0D3-9008-D44F-B23F-E71F39C2BDEC}" dt="2021-01-27T04:58:20.523" v="47"/>
+          <pc:sldLayoutMkLst>
+            <pc:docMk/>
+            <pc:sldMasterMk cId="0" sldId="2147485087"/>
+            <pc:sldLayoutMk cId="0" sldId="2147485096"/>
+          </pc:sldLayoutMkLst>
+          <pc:spChg chg="mod">
+            <ac:chgData name="Zhao Jin" userId="cd05a825-544c-438a-9ba1-08e63db50b47" providerId="ADAL" clId="{E094A0D3-9008-D44F-B23F-E71F39C2BDEC}" dt="2021-01-27T04:58:20.523" v="47"/>
+            <ac:spMkLst>
+              <pc:docMk/>
+              <pc:sldMasterMk cId="0" sldId="2147485087"/>
+              <pc:sldLayoutMk cId="0" sldId="2147485096"/>
+              <ac:spMk id="7" creationId="{00000000-0000-0000-0000-000000000000}"/>
+            </ac:spMkLst>
+          </pc:spChg>
+        </pc:sldLayoutChg>
+        <pc:sldLayoutChg chg="modSp">
+          <pc:chgData name="Zhao Jin" userId="cd05a825-544c-438a-9ba1-08e63db50b47" providerId="ADAL" clId="{E094A0D3-9008-D44F-B23F-E71F39C2BDEC}" dt="2021-01-27T04:58:20.523" v="47"/>
+          <pc:sldLayoutMkLst>
+            <pc:docMk/>
+            <pc:sldMasterMk cId="0" sldId="2147485087"/>
+            <pc:sldLayoutMk cId="0" sldId="2147485097"/>
+          </pc:sldLayoutMkLst>
+          <pc:spChg chg="mod">
+            <ac:chgData name="Zhao Jin" userId="cd05a825-544c-438a-9ba1-08e63db50b47" providerId="ADAL" clId="{E094A0D3-9008-D44F-B23F-E71F39C2BDEC}" dt="2021-01-27T04:58:20.523" v="47"/>
+            <ac:spMkLst>
+              <pc:docMk/>
+              <pc:sldMasterMk cId="0" sldId="2147485087"/>
+              <pc:sldLayoutMk cId="0" sldId="2147485097"/>
+              <ac:spMk id="6" creationId="{00000000-0000-0000-0000-000000000000}"/>
+            </ac:spMkLst>
+          </pc:spChg>
+        </pc:sldLayoutChg>
+        <pc:sldLayoutChg chg="modSp">
+          <pc:chgData name="Zhao Jin" userId="cd05a825-544c-438a-9ba1-08e63db50b47" providerId="ADAL" clId="{E094A0D3-9008-D44F-B23F-E71F39C2BDEC}" dt="2021-01-27T04:58:20.523" v="47"/>
+          <pc:sldLayoutMkLst>
+            <pc:docMk/>
+            <pc:sldMasterMk cId="0" sldId="2147485087"/>
+            <pc:sldLayoutMk cId="0" sldId="2147485098"/>
+          </pc:sldLayoutMkLst>
+          <pc:spChg chg="mod">
+            <ac:chgData name="Zhao Jin" userId="cd05a825-544c-438a-9ba1-08e63db50b47" providerId="ADAL" clId="{E094A0D3-9008-D44F-B23F-E71F39C2BDEC}" dt="2021-01-27T04:58:20.523" v="47"/>
+            <ac:spMkLst>
+              <pc:docMk/>
+              <pc:sldMasterMk cId="0" sldId="2147485087"/>
+              <pc:sldLayoutMk cId="0" sldId="2147485098"/>
+              <ac:spMk id="6" creationId="{00000000-0000-0000-0000-000000000000}"/>
+            </ac:spMkLst>
+          </pc:spChg>
+        </pc:sldLayoutChg>
+      </pc:sldMasterChg>
+    </pc:docChg>
+  </pc:docChgLst>
+  <pc:docChgLst>
+    <pc:chgData name="Zhao Jin" userId="S::dcszjin@nus.edu.sg::cd05a825-544c-438a-9ba1-08e63db50b47" providerId="AD" clId="Web-{66D5AB6E-AF24-491D-9529-2DDB49AD3149}"/>
+    <pc:docChg chg="modSld">
+      <pc:chgData name="Zhao Jin" userId="S::dcszjin@nus.edu.sg::cd05a825-544c-438a-9ba1-08e63db50b47" providerId="AD" clId="Web-{66D5AB6E-AF24-491D-9529-2DDB49AD3149}" dt="2021-01-20T08:43:03.224" v="8" actId="14100"/>
+      <pc:docMkLst>
+        <pc:docMk/>
+      </pc:docMkLst>
+      <pc:sldChg chg="modSp">
+        <pc:chgData name="Zhao Jin" userId="S::dcszjin@nus.edu.sg::cd05a825-544c-438a-9ba1-08e63db50b47" providerId="AD" clId="Web-{66D5AB6E-AF24-491D-9529-2DDB49AD3149}" dt="2021-01-20T08:43:03.224" v="8" actId="14100"/>
+        <pc:sldMkLst>
+          <pc:docMk/>
+          <pc:sldMk cId="901453530" sldId="546"/>
+        </pc:sldMkLst>
+        <pc:spChg chg="mod">
+          <ac:chgData name="Zhao Jin" userId="S::dcszjin@nus.edu.sg::cd05a825-544c-438a-9ba1-08e63db50b47" providerId="AD" clId="Web-{66D5AB6E-AF24-491D-9529-2DDB49AD3149}" dt="2021-01-20T08:43:03.224" v="8" actId="14100"/>
+          <ac:spMkLst>
+            <pc:docMk/>
+            <pc:sldMk cId="901453530" sldId="546"/>
+            <ac:spMk id="9" creationId="{00000000-0000-0000-0000-000000000000}"/>
+          </ac:spMkLst>
+        </pc:spChg>
+        <pc:spChg chg="mod">
+          <ac:chgData name="Zhao Jin" userId="S::dcszjin@nus.edu.sg::cd05a825-544c-438a-9ba1-08e63db50b47" providerId="AD" clId="Web-{66D5AB6E-AF24-491D-9529-2DDB49AD3149}" dt="2021-01-20T08:42:24.723" v="4" actId="1076"/>
+          <ac:spMkLst>
+            <pc:docMk/>
+            <pc:sldMk cId="901453530" sldId="546"/>
+            <ac:spMk id="14" creationId="{00000000-0000-0000-0000-000000000000}"/>
+          </ac:spMkLst>
+        </pc:spChg>
+      </pc:sldChg>
+    </pc:docChg>
+  </pc:docChgLst>
+  <pc:docChgLst>
+    <pc:chgData name="Zhao Jin" userId="cd05a825-544c-438a-9ba1-08e63db50b47" providerId="ADAL" clId="{8BE350D2-6936-4764-AEB4-6940700BA7AB}"/>
+    <pc:docChg chg="modSld">
+      <pc:chgData name="Zhao Jin" userId="cd05a825-544c-438a-9ba1-08e63db50b47" providerId="ADAL" clId="{8BE350D2-6936-4764-AEB4-6940700BA7AB}" dt="2024-01-31T05:30:40.452" v="0"/>
+      <pc:docMkLst>
+        <pc:docMk/>
+      </pc:docMkLst>
+      <pc:sldChg chg="addSp modSp">
+        <pc:chgData name="Zhao Jin" userId="cd05a825-544c-438a-9ba1-08e63db50b47" providerId="ADAL" clId="{8BE350D2-6936-4764-AEB4-6940700BA7AB}" dt="2024-01-31T05:30:40.452" v="0"/>
+        <pc:sldMkLst>
+          <pc:docMk/>
+          <pc:sldMk cId="0" sldId="256"/>
+        </pc:sldMkLst>
+        <pc:spChg chg="add mod">
+          <ac:chgData name="Zhao Jin" userId="cd05a825-544c-438a-9ba1-08e63db50b47" providerId="ADAL" clId="{8BE350D2-6936-4764-AEB4-6940700BA7AB}" dt="2024-01-31T05:30:40.452" v="0"/>
+          <ac:spMkLst>
+            <pc:docMk/>
+            <pc:sldMk cId="0" sldId="256"/>
+            <ac:spMk id="3" creationId="{28638AA2-0381-5B95-6584-1F91790DEE41}"/>
+          </ac:spMkLst>
+        </pc:spChg>
+        <pc:picChg chg="add mod">
+          <ac:chgData name="Zhao Jin" userId="cd05a825-544c-438a-9ba1-08e63db50b47" providerId="ADAL" clId="{8BE350D2-6936-4764-AEB4-6940700BA7AB}" dt="2024-01-31T05:30:40.452" v="0"/>
+          <ac:picMkLst>
+            <pc:docMk/>
+            <pc:sldMk cId="0" sldId="256"/>
+            <ac:picMk id="2" creationId="{45E52030-F1FD-2499-CDC9-DE9A3A78356C}"/>
+          </ac:picMkLst>
+        </pc:picChg>
+      </pc:sldChg>
+    </pc:docChg>
+  </pc:docChgLst>
+  <pc:docChgLst>
+    <pc:chgData name="Zhao Jin" userId="cd05a825-544c-438a-9ba1-08e63db50b47" providerId="ADAL" clId="{CD38D953-E846-244A-835A-192CE52710D4}"/>
+    <pc:docChg chg="undo custSel addSld delSld modSld">
+      <pc:chgData name="Zhao Jin" userId="cd05a825-544c-438a-9ba1-08e63db50b47" providerId="ADAL" clId="{CD38D953-E846-244A-835A-192CE52710D4}" dt="2021-01-25T03:26:17.801" v="482" actId="20577"/>
+      <pc:docMkLst>
+        <pc:docMk/>
+      </pc:docMkLst>
+      <pc:sldChg chg="modSp addAnim delAnim modAnim">
+        <pc:chgData name="Zhao Jin" userId="cd05a825-544c-438a-9ba1-08e63db50b47" providerId="ADAL" clId="{CD38D953-E846-244A-835A-192CE52710D4}" dt="2021-01-25T03:18:14.928" v="172"/>
+        <pc:sldMkLst>
+          <pc:docMk/>
+          <pc:sldMk cId="1311126165" sldId="485"/>
+        </pc:sldMkLst>
+        <pc:spChg chg="mod">
+          <ac:chgData name="Zhao Jin" userId="cd05a825-544c-438a-9ba1-08e63db50b47" providerId="ADAL" clId="{CD38D953-E846-244A-835A-192CE52710D4}" dt="2021-01-25T03:16:30.240" v="159" actId="20577"/>
+          <ac:spMkLst>
+            <pc:docMk/>
+            <pc:sldMk cId="1311126165" sldId="485"/>
+            <ac:spMk id="11" creationId="{00000000-0000-0000-0000-000000000000}"/>
+          </ac:spMkLst>
+        </pc:spChg>
+        <pc:spChg chg="mod">
+          <ac:chgData name="Zhao Jin" userId="cd05a825-544c-438a-9ba1-08e63db50b47" providerId="ADAL" clId="{CD38D953-E846-244A-835A-192CE52710D4}" dt="2021-01-25T03:16:24.406" v="157" actId="1036"/>
+          <ac:spMkLst>
+            <pc:docMk/>
+            <pc:sldMk cId="1311126165" sldId="485"/>
+            <ac:spMk id="12" creationId="{149FB3A4-124F-4FB3-9CA1-6EA45A21DCBC}"/>
+          </ac:spMkLst>
+        </pc:spChg>
+        <pc:spChg chg="mod">
+          <ac:chgData name="Zhao Jin" userId="cd05a825-544c-438a-9ba1-08e63db50b47" providerId="ADAL" clId="{CD38D953-E846-244A-835A-192CE52710D4}" dt="2021-01-25T03:16:24.406" v="157" actId="1036"/>
+          <ac:spMkLst>
+            <pc:docMk/>
+            <pc:sldMk cId="1311126165" sldId="485"/>
+            <ac:spMk id="13" creationId="{24ED3F77-DB19-42FF-90A5-6260114FAC12}"/>
+          </ac:spMkLst>
+        </pc:spChg>
+      </pc:sldChg>
+      <pc:sldChg chg="modSp">
+        <pc:chgData name="Zhao Jin" userId="cd05a825-544c-438a-9ba1-08e63db50b47" providerId="ADAL" clId="{CD38D953-E846-244A-835A-192CE52710D4}" dt="2021-01-25T03:08:51.440" v="84" actId="20577"/>
+        <pc:sldMkLst>
+          <pc:docMk/>
+          <pc:sldMk cId="901453530" sldId="546"/>
+        </pc:sldMkLst>
+        <pc:spChg chg="mod">
+          <ac:chgData name="Zhao Jin" userId="cd05a825-544c-438a-9ba1-08e63db50b47" providerId="ADAL" clId="{CD38D953-E846-244A-835A-192CE52710D4}" dt="2021-01-25T03:08:51.440" v="84" actId="20577"/>
+          <ac:spMkLst>
+            <pc:docMk/>
+            <pc:sldMk cId="901453530" sldId="546"/>
+            <ac:spMk id="8" creationId="{00000000-0000-0000-0000-000000000000}"/>
+          </ac:spMkLst>
+        </pc:spChg>
+      </pc:sldChg>
+      <pc:sldChg chg="modSp">
+        <pc:chgData name="Zhao Jin" userId="cd05a825-544c-438a-9ba1-08e63db50b47" providerId="ADAL" clId="{CD38D953-E846-244A-835A-192CE52710D4}" dt="2021-01-25T03:11:48.514" v="112" actId="207"/>
+        <pc:sldMkLst>
+          <pc:docMk/>
+          <pc:sldMk cId="884841463" sldId="547"/>
+        </pc:sldMkLst>
+        <pc:spChg chg="mod">
+          <ac:chgData name="Zhao Jin" userId="cd05a825-544c-438a-9ba1-08e63db50b47" providerId="ADAL" clId="{CD38D953-E846-244A-835A-192CE52710D4}" dt="2021-01-25T03:11:48.514" v="112" actId="207"/>
+          <ac:spMkLst>
+            <pc:docMk/>
+            <pc:sldMk cId="884841463" sldId="547"/>
+            <ac:spMk id="8" creationId="{00000000-0000-0000-0000-000000000000}"/>
+          </ac:spMkLst>
+        </pc:spChg>
+      </pc:sldChg>
+      <pc:sldChg chg="modSp">
+        <pc:chgData name="Zhao Jin" userId="cd05a825-544c-438a-9ba1-08e63db50b47" providerId="ADAL" clId="{CD38D953-E846-244A-835A-192CE52710D4}" dt="2021-01-25T03:10:55.270" v="107" actId="20577"/>
+        <pc:sldMkLst>
+          <pc:docMk/>
+          <pc:sldMk cId="1617257579" sldId="548"/>
+        </pc:sldMkLst>
+        <pc:spChg chg="mod">
+          <ac:chgData name="Zhao Jin" userId="cd05a825-544c-438a-9ba1-08e63db50b47" providerId="ADAL" clId="{CD38D953-E846-244A-835A-192CE52710D4}" dt="2021-01-25T03:10:55.270" v="107" actId="20577"/>
+          <ac:spMkLst>
+            <pc:docMk/>
+            <pc:sldMk cId="1617257579" sldId="548"/>
+            <ac:spMk id="8" creationId="{00000000-0000-0000-0000-000000000000}"/>
+          </ac:spMkLst>
+        </pc:spChg>
+        <pc:spChg chg="mod">
+          <ac:chgData name="Zhao Jin" userId="cd05a825-544c-438a-9ba1-08e63db50b47" providerId="ADAL" clId="{CD38D953-E846-244A-835A-192CE52710D4}" dt="2021-01-25T03:09:46.206" v="102" actId="1035"/>
+          <ac:spMkLst>
+            <pc:docMk/>
+            <pc:sldMk cId="1617257579" sldId="548"/>
+            <ac:spMk id="9" creationId="{00000000-0000-0000-0000-000000000000}"/>
+          </ac:spMkLst>
+        </pc:spChg>
+      </pc:sldChg>
+      <pc:sldChg chg="addSp delSp modSp delAnim modAnim">
+        <pc:chgData name="Zhao Jin" userId="cd05a825-544c-438a-9ba1-08e63db50b47" providerId="ADAL" clId="{CD38D953-E846-244A-835A-192CE52710D4}" dt="2021-01-25T03:24:05.008" v="382"/>
+        <pc:sldMkLst>
+          <pc:docMk/>
+          <pc:sldMk cId="3394924879" sldId="549"/>
+        </pc:sldMkLst>
+        <pc:spChg chg="mod">
+          <ac:chgData name="Zhao Jin" userId="cd05a825-544c-438a-9ba1-08e63db50b47" providerId="ADAL" clId="{CD38D953-E846-244A-835A-192CE52710D4}" dt="2021-01-25T02:21:10.043" v="62" actId="20577"/>
+          <ac:spMkLst>
+            <pc:docMk/>
+            <pc:sldMk cId="3394924879" sldId="549"/>
+            <ac:spMk id="10" creationId="{00000000-0000-0000-0000-000000000000}"/>
+          </ac:spMkLst>
+        </pc:spChg>
+        <pc:spChg chg="add mod">
+          <ac:chgData name="Zhao Jin" userId="cd05a825-544c-438a-9ba1-08e63db50b47" providerId="ADAL" clId="{CD38D953-E846-244A-835A-192CE52710D4}" dt="2021-01-25T03:23:28.207" v="376" actId="1076"/>
+          <ac:spMkLst>
+            <pc:docMk/>
+            <pc:sldMk cId="3394924879" sldId="549"/>
+            <ac:spMk id="11" creationId="{CF30CDDD-4206-994C-A14B-ADCEC7C6B094}"/>
+          </ac:spMkLst>
+        </pc:spChg>
+        <pc:picChg chg="del">
+          <ac:chgData name="Zhao Jin" userId="cd05a825-544c-438a-9ba1-08e63db50b47" providerId="ADAL" clId="{CD38D953-E846-244A-835A-192CE52710D4}" dt="2021-01-25T03:15:27.398" v="115" actId="478"/>
+          <ac:picMkLst>
+            <pc:docMk/>
+            <pc:sldMk cId="3394924879" sldId="549"/>
+            <ac:picMk id="14" creationId="{9F0342D1-68B4-4418-BA3C-115BA014738F}"/>
+          </ac:picMkLst>
+        </pc:picChg>
+        <pc:picChg chg="add mod">
+          <ac:chgData name="Zhao Jin" userId="cd05a825-544c-438a-9ba1-08e63db50b47" providerId="ADAL" clId="{CD38D953-E846-244A-835A-192CE52710D4}" dt="2021-01-25T03:23:34.931" v="378" actId="1076"/>
+          <ac:picMkLst>
+            <pc:docMk/>
+            <pc:sldMk cId="3394924879" sldId="549"/>
+            <ac:picMk id="16" creationId="{1AA83BD7-4016-DB49-B6DC-C69FB6894961}"/>
+          </ac:picMkLst>
+        </pc:picChg>
+      </pc:sldChg>
+      <pc:sldChg chg="addSp delSp modSp addAnim delAnim modAnim">
+        <pc:chgData name="Zhao Jin" userId="cd05a825-544c-438a-9ba1-08e63db50b47" providerId="ADAL" clId="{CD38D953-E846-244A-835A-192CE52710D4}" dt="2021-01-25T03:26:17.801" v="482" actId="20577"/>
+        <pc:sldMkLst>
+          <pc:docMk/>
+          <pc:sldMk cId="784668950" sldId="550"/>
+        </pc:sldMkLst>
+        <pc:spChg chg="add del">
+          <ac:chgData name="Zhao Jin" userId="cd05a825-544c-438a-9ba1-08e63db50b47" providerId="ADAL" clId="{CD38D953-E846-244A-835A-192CE52710D4}" dt="2021-01-25T03:03:03.116" v="66" actId="478"/>
+          <ac:spMkLst>
+            <pc:docMk/>
+            <pc:sldMk cId="784668950" sldId="550"/>
+            <ac:spMk id="8" creationId="{9BA3CD25-E0A6-43C6-ACBF-2582BD134206}"/>
+          </ac:spMkLst>
+        </pc:spChg>
+        <pc:spChg chg="add del">
+          <ac:chgData name="Zhao Jin" userId="cd05a825-544c-438a-9ba1-08e63db50b47" providerId="ADAL" clId="{CD38D953-E846-244A-835A-192CE52710D4}" dt="2021-01-25T03:03:02.420" v="65"/>
+          <ac:spMkLst>
+            <pc:docMk/>
+            <pc:sldMk cId="784668950" sldId="550"/>
+            <ac:spMk id="9" creationId="{512F67EF-C498-8D43-817A-42B6CE524F76}"/>
+          </ac:spMkLst>
+        </pc:spChg>
+        <pc:spChg chg="add del mod">
+          <ac:chgData name="Zhao Jin" userId="cd05a825-544c-438a-9ba1-08e63db50b47" providerId="ADAL" clId="{CD38D953-E846-244A-835A-192CE52710D4}" dt="2021-01-25T03:26:17.801" v="482" actId="20577"/>
+          <ac:spMkLst>
+            <pc:docMk/>
+            <pc:sldMk cId="784668950" sldId="550"/>
+            <ac:spMk id="10" creationId="{00000000-0000-0000-0000-000000000000}"/>
+          </ac:spMkLst>
+        </pc:spChg>
+      </pc:sldChg>
+      <pc:sldChg chg="addSp delSp modSp add del addAnim delAnim">
+        <pc:chgData name="Zhao Jin" userId="cd05a825-544c-438a-9ba1-08e63db50b47" providerId="ADAL" clId="{CD38D953-E846-244A-835A-192CE52710D4}" dt="2021-01-25T03:08:44.385" v="80" actId="2696"/>
+        <pc:sldMkLst>
+          <pc:docMk/>
+          <pc:sldMk cId="335305844" sldId="551"/>
+        </pc:sldMkLst>
+        <pc:spChg chg="add del">
+          <ac:chgData name="Zhao Jin" userId="cd05a825-544c-438a-9ba1-08e63db50b47" providerId="ADAL" clId="{CD38D953-E846-244A-835A-192CE52710D4}" dt="2021-01-25T03:08:18.867" v="70"/>
+          <ac:spMkLst>
+            <pc:docMk/>
+            <pc:sldMk cId="335305844" sldId="551"/>
+            <ac:spMk id="2" creationId="{DC3EBD9F-7043-2B4B-93E2-27FFDA9DBEA2}"/>
+          </ac:spMkLst>
+        </pc:spChg>
+        <pc:spChg chg="add del mod">
+          <ac:chgData name="Zhao Jin" userId="cd05a825-544c-438a-9ba1-08e63db50b47" providerId="ADAL" clId="{CD38D953-E846-244A-835A-192CE52710D4}" dt="2021-01-25T03:08:32.511" v="77" actId="14100"/>
+          <ac:spMkLst>
+            <pc:docMk/>
+            <pc:sldMk cId="335305844" sldId="551"/>
+            <ac:spMk id="9" creationId="{00000000-0000-0000-0000-000000000000}"/>
+          </ac:spMkLst>
+        </pc:spChg>
+        <pc:spChg chg="add del">
+          <ac:chgData name="Zhao Jin" userId="cd05a825-544c-438a-9ba1-08e63db50b47" providerId="ADAL" clId="{CD38D953-E846-244A-835A-192CE52710D4}" dt="2021-01-25T03:08:34.550" v="78" actId="478"/>
+          <ac:spMkLst>
+            <pc:docMk/>
+            <pc:sldMk cId="335305844" sldId="551"/>
+            <ac:spMk id="10" creationId="{00000000-0000-0000-0000-000000000000}"/>
+          </ac:spMkLst>
+        </pc:spChg>
+        <pc:spChg chg="add del">
+          <ac:chgData name="Zhao Jin" userId="cd05a825-544c-438a-9ba1-08e63db50b47" providerId="ADAL" clId="{CD38D953-E846-244A-835A-192CE52710D4}" dt="2021-01-25T03:08:34.550" v="78" actId="478"/>
+          <ac:spMkLst>
+            <pc:docMk/>
+            <pc:sldMk cId="335305844" sldId="551"/>
+            <ac:spMk id="11" creationId="{D0457CA0-460D-4546-82C4-4CDEB1E2F62C}"/>
+          </ac:spMkLst>
+        </pc:spChg>
+        <pc:spChg chg="add del">
+          <ac:chgData name="Zhao Jin" userId="cd05a825-544c-438a-9ba1-08e63db50b47" providerId="ADAL" clId="{CD38D953-E846-244A-835A-192CE52710D4}" dt="2021-01-25T03:08:34.550" v="78" actId="478"/>
+          <ac:spMkLst>
+            <pc:docMk/>
+            <pc:sldMk cId="335305844" sldId="551"/>
+            <ac:spMk id="14" creationId="{00000000-0000-0000-0000-000000000000}"/>
+          </ac:spMkLst>
+        </pc:spChg>
+        <pc:spChg chg="add del">
+          <ac:chgData name="Zhao Jin" userId="cd05a825-544c-438a-9ba1-08e63db50b47" providerId="ADAL" clId="{CD38D953-E846-244A-835A-192CE52710D4}" dt="2021-01-25T03:08:34.550" v="78" actId="478"/>
+          <ac:spMkLst>
+            <pc:docMk/>
+            <pc:sldMk cId="335305844" sldId="551"/>
+            <ac:spMk id="15" creationId="{7EB43FB0-D261-4751-8823-0A4CC64F83DB}"/>
+          </ac:spMkLst>
+        </pc:spChg>
+        <pc:spChg chg="add del mod">
+          <ac:chgData name="Zhao Jin" userId="cd05a825-544c-438a-9ba1-08e63db50b47" providerId="ADAL" clId="{CD38D953-E846-244A-835A-192CE52710D4}" dt="2021-01-25T03:08:37.712" v="79" actId="20577"/>
+          <ac:spMkLst>
+            <pc:docMk/>
+            <pc:sldMk cId="335305844" sldId="551"/>
+            <ac:spMk id="17" creationId="{196941FF-7411-441D-AE2E-5CF96E80B024}"/>
+          </ac:spMkLst>
+        </pc:spChg>
+        <pc:spChg chg="add del">
+          <ac:chgData name="Zhao Jin" userId="cd05a825-544c-438a-9ba1-08e63db50b47" providerId="ADAL" clId="{CD38D953-E846-244A-835A-192CE52710D4}" dt="2021-01-25T03:08:22.144" v="71" actId="478"/>
+          <ac:spMkLst>
+            <pc:docMk/>
+            <pc:sldMk cId="335305844" sldId="551"/>
+            <ac:spMk id="18" creationId="{FC6CF3F5-B435-44FE-A32E-F676476A0C6D}"/>
+          </ac:spMkLst>
+        </pc:spChg>
+      </pc:sldChg>
+    </pc:docChg>
+  </pc:docChgLst>
+  <pc:docChgLst>
     <pc:chgData name="Zhao Jin" userId="cd05a825-544c-438a-9ba1-08e63db50b47" providerId="ADAL" clId="{3342749F-A4A3-4CC6-8E89-A279285BF1FF}"/>
     <pc:docChg chg="undo custSel addSld delSld modSld sldOrd">
       <pc:chgData name="Zhao Jin" userId="cd05a825-544c-438a-9ba1-08e63db50b47" providerId="ADAL" clId="{3342749F-A4A3-4CC6-8E89-A279285BF1FF}" dt="2021-01-25T08:18:19.440" v="5414" actId="20577"/>
@@ -1169,20 +2421,20 @@
     </pc:docChg>
   </pc:docChgLst>
   <pc:docChgLst>
-    <pc:chgData name="Zhao Jin" userId="cd05a825-544c-438a-9ba1-08e63db50b47" providerId="ADAL" clId="{E094A0D3-9008-D44F-B23F-E71F39C2BDEC}"/>
-    <pc:docChg chg="undo custSel addSld delSld modSld sldOrd modMainMaster">
-      <pc:chgData name="Zhao Jin" userId="cd05a825-544c-438a-9ba1-08e63db50b47" providerId="ADAL" clId="{E094A0D3-9008-D44F-B23F-E71F39C2BDEC}" dt="2021-01-27T05:44:46" v="1434" actId="207"/>
+    <pc:chgData name="Zhao Jin" userId="cd05a825-544c-438a-9ba1-08e63db50b47" providerId="ADAL" clId="{37A0D694-38DA-4421-B5D3-DEDBFC2EC57C}"/>
+    <pc:docChg chg="undo redo custSel mod addSld delSld modSld sldOrd modMainMaster">
+      <pc:chgData name="Zhao Jin" userId="cd05a825-544c-438a-9ba1-08e63db50b47" providerId="ADAL" clId="{37A0D694-38DA-4421-B5D3-DEDBFC2EC57C}" dt="2021-02-10T03:56:06.306" v="4973" actId="20577"/>
       <pc:docMkLst>
         <pc:docMk/>
       </pc:docMkLst>
-      <pc:sldChg chg="modSp">
-        <pc:chgData name="Zhao Jin" userId="cd05a825-544c-438a-9ba1-08e63db50b47" providerId="ADAL" clId="{E094A0D3-9008-D44F-B23F-E71F39C2BDEC}" dt="2021-01-27T04:57:42.438" v="23" actId="20577"/>
+      <pc:sldChg chg="modSp mod">
+        <pc:chgData name="Zhao Jin" userId="cd05a825-544c-438a-9ba1-08e63db50b47" providerId="ADAL" clId="{37A0D694-38DA-4421-B5D3-DEDBFC2EC57C}" dt="2021-02-03T06:56:00.570" v="28" actId="20577"/>
         <pc:sldMkLst>
           <pc:docMk/>
           <pc:sldMk cId="0" sldId="256"/>
         </pc:sldMkLst>
         <pc:spChg chg="mod">
-          <ac:chgData name="Zhao Jin" userId="cd05a825-544c-438a-9ba1-08e63db50b47" providerId="ADAL" clId="{E094A0D3-9008-D44F-B23F-E71F39C2BDEC}" dt="2021-01-27T04:57:38.527" v="1" actId="20577"/>
+          <ac:chgData name="Zhao Jin" userId="cd05a825-544c-438a-9ba1-08e63db50b47" providerId="ADAL" clId="{37A0D694-38DA-4421-B5D3-DEDBFC2EC57C}" dt="2021-02-03T06:55:55.618" v="3" actId="20577"/>
           <ac:spMkLst>
             <pc:docMk/>
             <pc:sldMk cId="0" sldId="256"/>
@@ -1190,7 +2442,7 @@
           </ac:spMkLst>
         </pc:spChg>
         <pc:spChg chg="mod">
-          <ac:chgData name="Zhao Jin" userId="cd05a825-544c-438a-9ba1-08e63db50b47" providerId="ADAL" clId="{E094A0D3-9008-D44F-B23F-E71F39C2BDEC}" dt="2021-01-27T04:57:42.438" v="23" actId="20577"/>
+          <ac:chgData name="Zhao Jin" userId="cd05a825-544c-438a-9ba1-08e63db50b47" providerId="ADAL" clId="{37A0D694-38DA-4421-B5D3-DEDBFC2EC57C}" dt="2021-02-03T06:56:00.570" v="28" actId="20577"/>
           <ac:spMkLst>
             <pc:docMk/>
             <pc:sldMk cId="0" sldId="256"/>
@@ -1198,14 +2450,14 @@
           </ac:spMkLst>
         </pc:spChg>
       </pc:sldChg>
-      <pc:sldChg chg="modSp">
-        <pc:chgData name="Zhao Jin" userId="cd05a825-544c-438a-9ba1-08e63db50b47" providerId="ADAL" clId="{E094A0D3-9008-D44F-B23F-E71F39C2BDEC}" dt="2021-01-27T05:17:21.390" v="251" actId="20577"/>
+      <pc:sldChg chg="modSp mod">
+        <pc:chgData name="Zhao Jin" userId="cd05a825-544c-438a-9ba1-08e63db50b47" providerId="ADAL" clId="{37A0D694-38DA-4421-B5D3-DEDBFC2EC57C}" dt="2021-02-10T03:55:38.772" v="4967"/>
         <pc:sldMkLst>
           <pc:docMk/>
           <pc:sldMk cId="2438607696" sldId="468"/>
         </pc:sldMkLst>
         <pc:spChg chg="mod">
-          <ac:chgData name="Zhao Jin" userId="cd05a825-544c-438a-9ba1-08e63db50b47" providerId="ADAL" clId="{E094A0D3-9008-D44F-B23F-E71F39C2BDEC}" dt="2021-01-27T04:58:20.523" v="47"/>
+          <ac:chgData name="Zhao Jin" userId="cd05a825-544c-438a-9ba1-08e63db50b47" providerId="ADAL" clId="{37A0D694-38DA-4421-B5D3-DEDBFC2EC57C}" dt="2021-02-10T03:55:38.772" v="4967"/>
           <ac:spMkLst>
             <pc:docMk/>
             <pc:sldMk cId="2438607696" sldId="468"/>
@@ -1213,7 +2465,7 @@
           </ac:spMkLst>
         </pc:spChg>
         <pc:spChg chg="mod">
-          <ac:chgData name="Zhao Jin" userId="cd05a825-544c-438a-9ba1-08e63db50b47" providerId="ADAL" clId="{E094A0D3-9008-D44F-B23F-E71F39C2BDEC}" dt="2021-01-27T04:57:50.314" v="46" actId="20577"/>
+          <ac:chgData name="Zhao Jin" userId="cd05a825-544c-438a-9ba1-08e63db50b47" providerId="ADAL" clId="{37A0D694-38DA-4421-B5D3-DEDBFC2EC57C}" dt="2021-02-03T06:56:05.506" v="35" actId="20577"/>
           <ac:spMkLst>
             <pc:docMk/>
             <pc:sldMk cId="2438607696" sldId="468"/>
@@ -1221,7 +2473,7 @@
           </ac:spMkLst>
         </pc:spChg>
         <pc:spChg chg="mod">
-          <ac:chgData name="Zhao Jin" userId="cd05a825-544c-438a-9ba1-08e63db50b47" providerId="ADAL" clId="{E094A0D3-9008-D44F-B23F-E71F39C2BDEC}" dt="2021-01-27T05:17:21.390" v="251" actId="20577"/>
+          <ac:chgData name="Zhao Jin" userId="cd05a825-544c-438a-9ba1-08e63db50b47" providerId="ADAL" clId="{37A0D694-38DA-4421-B5D3-DEDBFC2EC57C}" dt="2021-02-03T09:25:32.601" v="3334" actId="20577"/>
           <ac:spMkLst>
             <pc:docMk/>
             <pc:sldMk cId="2438607696" sldId="468"/>
@@ -1229,136 +2481,90 @@
           </ac:spMkLst>
         </pc:spChg>
       </pc:sldChg>
-      <pc:sldChg chg="modSp">
-        <pc:chgData name="Zhao Jin" userId="cd05a825-544c-438a-9ba1-08e63db50b47" providerId="ADAL" clId="{E094A0D3-9008-D44F-B23F-E71F39C2BDEC}" dt="2021-01-27T04:58:20.523" v="47"/>
-        <pc:sldMkLst>
-          <pc:docMk/>
-          <pc:sldMk cId="1311126165" sldId="485"/>
-        </pc:sldMkLst>
-        <pc:spChg chg="mod">
-          <ac:chgData name="Zhao Jin" userId="cd05a825-544c-438a-9ba1-08e63db50b47" providerId="ADAL" clId="{E094A0D3-9008-D44F-B23F-E71F39C2BDEC}" dt="2021-01-27T04:58:20.523" v="47"/>
-          <ac:spMkLst>
-            <pc:docMk/>
-            <pc:sldMk cId="1311126165" sldId="485"/>
-            <ac:spMk id="9" creationId="{00000000-0000-0000-0000-000000000000}"/>
-          </ac:spMkLst>
-        </pc:spChg>
-      </pc:sldChg>
-      <pc:sldChg chg="modSp add">
-        <pc:chgData name="Zhao Jin" userId="cd05a825-544c-438a-9ba1-08e63db50b47" providerId="ADAL" clId="{E094A0D3-9008-D44F-B23F-E71F39C2BDEC}" dt="2021-01-27T05:17:26.077" v="252" actId="20577"/>
+      <pc:sldChg chg="modSp del">
+        <pc:chgData name="Zhao Jin" userId="cd05a825-544c-438a-9ba1-08e63db50b47" providerId="ADAL" clId="{37A0D694-38DA-4421-B5D3-DEDBFC2EC57C}" dt="2021-02-03T07:53:06.972" v="43" actId="47"/>
         <pc:sldMkLst>
           <pc:docMk/>
           <pc:sldMk cId="3792232794" sldId="504"/>
         </pc:sldMkLst>
         <pc:spChg chg="mod">
-          <ac:chgData name="Zhao Jin" userId="cd05a825-544c-438a-9ba1-08e63db50b47" providerId="ADAL" clId="{E094A0D3-9008-D44F-B23F-E71F39C2BDEC}" dt="2021-01-27T05:14:34.766" v="156" actId="27636"/>
+          <ac:chgData name="Zhao Jin" userId="cd05a825-544c-438a-9ba1-08e63db50b47" providerId="ADAL" clId="{37A0D694-38DA-4421-B5D3-DEDBFC2EC57C}" dt="2021-02-03T06:56:12.527" v="36"/>
           <ac:spMkLst>
             <pc:docMk/>
             <pc:sldMk cId="3792232794" sldId="504"/>
-            <ac:spMk id="8" creationId="{00000000-0000-0000-0000-000000000000}"/>
-          </ac:spMkLst>
-        </pc:spChg>
-        <pc:spChg chg="mod">
-          <ac:chgData name="Zhao Jin" userId="cd05a825-544c-438a-9ba1-08e63db50b47" providerId="ADAL" clId="{E094A0D3-9008-D44F-B23F-E71F39C2BDEC}" dt="2021-01-27T05:15:13.559" v="159" actId="113"/>
-          <ac:spMkLst>
-            <pc:docMk/>
-            <pc:sldMk cId="3792232794" sldId="504"/>
-            <ac:spMk id="47" creationId="{00000000-0000-0000-0000-000000000000}"/>
-          </ac:spMkLst>
-        </pc:spChg>
-        <pc:spChg chg="mod">
-          <ac:chgData name="Zhao Jin" userId="cd05a825-544c-438a-9ba1-08e63db50b47" providerId="ADAL" clId="{E094A0D3-9008-D44F-B23F-E71F39C2BDEC}" dt="2021-01-27T05:17:26.077" v="252" actId="20577"/>
-          <ac:spMkLst>
-            <pc:docMk/>
-            <pc:sldMk cId="3792232794" sldId="504"/>
-            <ac:spMk id="14338" creationId="{00000000-0000-0000-0000-000000000000}"/>
+            <ac:spMk id="7" creationId="{00000000-0000-0000-0000-000000000000}"/>
           </ac:spMkLst>
         </pc:spChg>
       </pc:sldChg>
-      <pc:sldChg chg="modSp">
-        <pc:chgData name="Zhao Jin" userId="cd05a825-544c-438a-9ba1-08e63db50b47" providerId="ADAL" clId="{E094A0D3-9008-D44F-B23F-E71F39C2BDEC}" dt="2021-01-27T04:58:20.523" v="47"/>
+      <pc:sldChg chg="addSp delSp modSp add mod ord modAnim">
+        <pc:chgData name="Zhao Jin" userId="cd05a825-544c-438a-9ba1-08e63db50b47" providerId="ADAL" clId="{37A0D694-38DA-4421-B5D3-DEDBFC2EC57C}" dt="2021-02-10T03:55:38.772" v="4967"/>
         <pc:sldMkLst>
           <pc:docMk/>
-          <pc:sldMk cId="681224785" sldId="531"/>
+          <pc:sldMk cId="1705639840" sldId="543"/>
         </pc:sldMkLst>
         <pc:spChg chg="mod">
-          <ac:chgData name="Zhao Jin" userId="cd05a825-544c-438a-9ba1-08e63db50b47" providerId="ADAL" clId="{E094A0D3-9008-D44F-B23F-E71F39C2BDEC}" dt="2021-01-27T04:58:20.523" v="47"/>
-          <ac:spMkLst>
-            <pc:docMk/>
-            <pc:sldMk cId="681224785" sldId="531"/>
-            <ac:spMk id="43" creationId="{00000000-0000-0000-0000-000000000000}"/>
+          <ac:chgData name="Zhao Jin" userId="cd05a825-544c-438a-9ba1-08e63db50b47" providerId="ADAL" clId="{37A0D694-38DA-4421-B5D3-DEDBFC2EC57C}" dt="2021-02-10T03:55:38.772" v="4967"/>
+          <ac:spMkLst>
+            <pc:docMk/>
+            <pc:sldMk cId="1705639840" sldId="543"/>
+            <ac:spMk id="9" creationId="{00000000-0000-0000-0000-000000000000}"/>
+          </ac:spMkLst>
+        </pc:spChg>
+        <pc:spChg chg="mod">
+          <ac:chgData name="Zhao Jin" userId="cd05a825-544c-438a-9ba1-08e63db50b47" providerId="ADAL" clId="{37A0D694-38DA-4421-B5D3-DEDBFC2EC57C}" dt="2021-02-03T09:15:05.685" v="2951" actId="6549"/>
+          <ac:spMkLst>
+            <pc:docMk/>
+            <pc:sldMk cId="1705639840" sldId="543"/>
+            <ac:spMk id="15" creationId="{00000000-0000-0000-0000-000000000000}"/>
+          </ac:spMkLst>
+        </pc:spChg>
+        <pc:spChg chg="add del">
+          <ac:chgData name="Zhao Jin" userId="cd05a825-544c-438a-9ba1-08e63db50b47" providerId="ADAL" clId="{37A0D694-38DA-4421-B5D3-DEDBFC2EC57C}" dt="2021-02-03T09:26:12.205" v="3350" actId="478"/>
+          <ac:spMkLst>
+            <pc:docMk/>
+            <pc:sldMk cId="1705639840" sldId="543"/>
+            <ac:spMk id="25604" creationId="{00000000-0000-0000-0000-000000000000}"/>
           </ac:spMkLst>
         </pc:spChg>
       </pc:sldChg>
       <pc:sldChg chg="modSp del">
-        <pc:chgData name="Zhao Jin" userId="cd05a825-544c-438a-9ba1-08e63db50b47" providerId="ADAL" clId="{E094A0D3-9008-D44F-B23F-E71F39C2BDEC}" dt="2021-01-27T05:12:53.568" v="127" actId="2696"/>
+        <pc:chgData name="Zhao Jin" userId="cd05a825-544c-438a-9ba1-08e63db50b47" providerId="ADAL" clId="{37A0D694-38DA-4421-B5D3-DEDBFC2EC57C}" dt="2021-02-03T09:00:14.226" v="1559" actId="47"/>
         <pc:sldMkLst>
           <pc:docMk/>
-          <pc:sldMk cId="901453530" sldId="546"/>
+          <pc:sldMk cId="4228901100" sldId="545"/>
         </pc:sldMkLst>
         <pc:spChg chg="mod">
-          <ac:chgData name="Zhao Jin" userId="cd05a825-544c-438a-9ba1-08e63db50b47" providerId="ADAL" clId="{E094A0D3-9008-D44F-B23F-E71F39C2BDEC}" dt="2021-01-27T04:58:20.523" v="47"/>
-          <ac:spMkLst>
-            <pc:docMk/>
-            <pc:sldMk cId="901453530" sldId="546"/>
+          <ac:chgData name="Zhao Jin" userId="cd05a825-544c-438a-9ba1-08e63db50b47" providerId="ADAL" clId="{37A0D694-38DA-4421-B5D3-DEDBFC2EC57C}" dt="2021-02-03T06:56:12.527" v="36"/>
+          <ac:spMkLst>
+            <pc:docMk/>
+            <pc:sldMk cId="4228901100" sldId="545"/>
             <ac:spMk id="7" creationId="{00000000-0000-0000-0000-000000000000}"/>
           </ac:spMkLst>
         </pc:spChg>
-        <pc:spChg chg="mod">
-          <ac:chgData name="Zhao Jin" userId="cd05a825-544c-438a-9ba1-08e63db50b47" providerId="ADAL" clId="{E094A0D3-9008-D44F-B23F-E71F39C2BDEC}" dt="2021-01-27T05:10:30.946" v="126" actId="20577"/>
-          <ac:spMkLst>
-            <pc:docMk/>
-            <pc:sldMk cId="901453530" sldId="546"/>
-            <ac:spMk id="14338" creationId="{00000000-0000-0000-0000-000000000000}"/>
-          </ac:spMkLst>
-        </pc:spChg>
       </pc:sldChg>
-      <pc:sldChg chg="modSp add">
-        <pc:chgData name="Zhao Jin" userId="cd05a825-544c-438a-9ba1-08e63db50b47" providerId="ADAL" clId="{E094A0D3-9008-D44F-B23F-E71F39C2BDEC}" dt="2021-01-27T05:17:29.706" v="253" actId="20577"/>
+      <pc:sldChg chg="modSp del">
+        <pc:chgData name="Zhao Jin" userId="cd05a825-544c-438a-9ba1-08e63db50b47" providerId="ADAL" clId="{37A0D694-38DA-4421-B5D3-DEDBFC2EC57C}" dt="2021-02-03T07:53:07.263" v="44" actId="47"/>
         <pc:sldMkLst>
           <pc:docMk/>
           <pc:sldMk cId="4225956616" sldId="546"/>
         </pc:sldMkLst>
         <pc:spChg chg="mod">
-          <ac:chgData name="Zhao Jin" userId="cd05a825-544c-438a-9ba1-08e63db50b47" providerId="ADAL" clId="{E094A0D3-9008-D44F-B23F-E71F39C2BDEC}" dt="2021-01-27T05:15:19.785" v="160" actId="113"/>
+          <ac:chgData name="Zhao Jin" userId="cd05a825-544c-438a-9ba1-08e63db50b47" providerId="ADAL" clId="{37A0D694-38DA-4421-B5D3-DEDBFC2EC57C}" dt="2021-02-03T06:56:12.527" v="36"/>
           <ac:spMkLst>
             <pc:docMk/>
             <pc:sldMk cId="4225956616" sldId="546"/>
-            <ac:spMk id="120" creationId="{00000000-0000-0000-0000-000000000000}"/>
-          </ac:spMkLst>
-        </pc:spChg>
-        <pc:spChg chg="mod">
-          <ac:chgData name="Zhao Jin" userId="cd05a825-544c-438a-9ba1-08e63db50b47" providerId="ADAL" clId="{E094A0D3-9008-D44F-B23F-E71F39C2BDEC}" dt="2021-01-27T05:17:29.706" v="253" actId="20577"/>
-          <ac:spMkLst>
-            <pc:docMk/>
-            <pc:sldMk cId="4225956616" sldId="546"/>
-            <ac:spMk id="14338" creationId="{00000000-0000-0000-0000-000000000000}"/>
+            <ac:spMk id="7" creationId="{00000000-0000-0000-0000-000000000000}"/>
           </ac:spMkLst>
         </pc:spChg>
       </pc:sldChg>
       <pc:sldChg chg="modSp del">
-        <pc:chgData name="Zhao Jin" userId="cd05a825-544c-438a-9ba1-08e63db50b47" providerId="ADAL" clId="{E094A0D3-9008-D44F-B23F-E71F39C2BDEC}" dt="2021-01-27T05:16:20.724" v="163" actId="2696"/>
-        <pc:sldMkLst>
-          <pc:docMk/>
-          <pc:sldMk cId="884841463" sldId="547"/>
-        </pc:sldMkLst>
-        <pc:spChg chg="mod">
-          <ac:chgData name="Zhao Jin" userId="cd05a825-544c-438a-9ba1-08e63db50b47" providerId="ADAL" clId="{E094A0D3-9008-D44F-B23F-E71F39C2BDEC}" dt="2021-01-27T04:58:20.523" v="47"/>
-          <ac:spMkLst>
-            <pc:docMk/>
-            <pc:sldMk cId="884841463" sldId="547"/>
-            <ac:spMk id="7" creationId="{00000000-0000-0000-0000-000000000000}"/>
-          </ac:spMkLst>
-        </pc:spChg>
-      </pc:sldChg>
-      <pc:sldChg chg="modSp">
-        <pc:chgData name="Zhao Jin" userId="cd05a825-544c-438a-9ba1-08e63db50b47" providerId="ADAL" clId="{E094A0D3-9008-D44F-B23F-E71F39C2BDEC}" dt="2021-01-27T04:58:20.523" v="47"/>
+        <pc:chgData name="Zhao Jin" userId="cd05a825-544c-438a-9ba1-08e63db50b47" providerId="ADAL" clId="{37A0D694-38DA-4421-B5D3-DEDBFC2EC57C}" dt="2021-02-03T09:00:14.226" v="1559" actId="47"/>
         <pc:sldMkLst>
           <pc:docMk/>
           <pc:sldMk cId="1617257579" sldId="548"/>
         </pc:sldMkLst>
         <pc:spChg chg="mod">
-          <ac:chgData name="Zhao Jin" userId="cd05a825-544c-438a-9ba1-08e63db50b47" providerId="ADAL" clId="{E094A0D3-9008-D44F-B23F-E71F39C2BDEC}" dt="2021-01-27T04:58:20.523" v="47"/>
+          <ac:chgData name="Zhao Jin" userId="cd05a825-544c-438a-9ba1-08e63db50b47" providerId="ADAL" clId="{37A0D694-38DA-4421-B5D3-DEDBFC2EC57C}" dt="2021-02-03T06:56:12.527" v="36"/>
           <ac:spMkLst>
             <pc:docMk/>
             <pc:sldMk cId="1617257579" sldId="548"/>
@@ -1366,566 +2572,1870 @@
           </ac:spMkLst>
         </pc:spChg>
       </pc:sldChg>
-      <pc:sldChg chg="modSp">
-        <pc:chgData name="Zhao Jin" userId="cd05a825-544c-438a-9ba1-08e63db50b47" providerId="ADAL" clId="{E094A0D3-9008-D44F-B23F-E71F39C2BDEC}" dt="2021-01-27T04:58:20.523" v="47"/>
-        <pc:sldMkLst>
-          <pc:docMk/>
-          <pc:sldMk cId="3394924879" sldId="549"/>
-        </pc:sldMkLst>
-        <pc:spChg chg="mod">
-          <ac:chgData name="Zhao Jin" userId="cd05a825-544c-438a-9ba1-08e63db50b47" providerId="ADAL" clId="{E094A0D3-9008-D44F-B23F-E71F39C2BDEC}" dt="2021-01-27T04:58:20.523" v="47"/>
-          <ac:spMkLst>
-            <pc:docMk/>
-            <pc:sldMk cId="3394924879" sldId="549"/>
-            <ac:spMk id="43" creationId="{00000000-0000-0000-0000-000000000000}"/>
-          </ac:spMkLst>
-        </pc:spChg>
-      </pc:sldChg>
-      <pc:sldChg chg="modSp">
-        <pc:chgData name="Zhao Jin" userId="cd05a825-544c-438a-9ba1-08e63db50b47" providerId="ADAL" clId="{E094A0D3-9008-D44F-B23F-E71F39C2BDEC}" dt="2021-01-27T04:58:20.523" v="47"/>
-        <pc:sldMkLst>
-          <pc:docMk/>
-          <pc:sldMk cId="784668950" sldId="550"/>
-        </pc:sldMkLst>
-        <pc:spChg chg="mod">
-          <ac:chgData name="Zhao Jin" userId="cd05a825-544c-438a-9ba1-08e63db50b47" providerId="ADAL" clId="{E094A0D3-9008-D44F-B23F-E71F39C2BDEC}" dt="2021-01-27T04:58:20.523" v="47"/>
-          <ac:spMkLst>
-            <pc:docMk/>
-            <pc:sldMk cId="784668950" sldId="550"/>
-            <ac:spMk id="43" creationId="{00000000-0000-0000-0000-000000000000}"/>
-          </ac:spMkLst>
-        </pc:spChg>
-      </pc:sldChg>
-      <pc:sldChg chg="modSp add del">
-        <pc:chgData name="Zhao Jin" userId="cd05a825-544c-438a-9ba1-08e63db50b47" providerId="ADAL" clId="{E094A0D3-9008-D44F-B23F-E71F39C2BDEC}" dt="2021-01-27T05:17:38.111" v="258" actId="2696"/>
-        <pc:sldMkLst>
-          <pc:docMk/>
-          <pc:sldMk cId="2538842699" sldId="551"/>
-        </pc:sldMkLst>
-        <pc:spChg chg="mod">
-          <ac:chgData name="Zhao Jin" userId="cd05a825-544c-438a-9ba1-08e63db50b47" providerId="ADAL" clId="{E094A0D3-9008-D44F-B23F-E71F39C2BDEC}" dt="2021-01-27T05:17:36.555" v="257" actId="20577"/>
-          <ac:spMkLst>
-            <pc:docMk/>
-            <pc:sldMk cId="2538842699" sldId="551"/>
-            <ac:spMk id="14338" creationId="{00000000-0000-0000-0000-000000000000}"/>
-          </ac:spMkLst>
-        </pc:spChg>
-      </pc:sldChg>
-      <pc:sldChg chg="addSp delSp modSp add delAnim">
-        <pc:chgData name="Zhao Jin" userId="cd05a825-544c-438a-9ba1-08e63db50b47" providerId="ADAL" clId="{E094A0D3-9008-D44F-B23F-E71F39C2BDEC}" dt="2021-01-27T05:22:23.124" v="370" actId="20577"/>
+      <pc:sldChg chg="modSp del">
+        <pc:chgData name="Zhao Jin" userId="cd05a825-544c-438a-9ba1-08e63db50b47" providerId="ADAL" clId="{37A0D694-38DA-4421-B5D3-DEDBFC2EC57C}" dt="2021-02-03T07:53:07.458" v="45" actId="47"/>
         <pc:sldMkLst>
           <pc:docMk/>
           <pc:sldMk cId="3422194935" sldId="552"/>
         </pc:sldMkLst>
         <pc:spChg chg="mod">
-          <ac:chgData name="Zhao Jin" userId="cd05a825-544c-438a-9ba1-08e63db50b47" providerId="ADAL" clId="{E094A0D3-9008-D44F-B23F-E71F39C2BDEC}" dt="2021-01-27T05:22:23.124" v="370" actId="20577"/>
+          <ac:chgData name="Zhao Jin" userId="cd05a825-544c-438a-9ba1-08e63db50b47" providerId="ADAL" clId="{37A0D694-38DA-4421-B5D3-DEDBFC2EC57C}" dt="2021-02-03T06:56:12.527" v="36"/>
           <ac:spMkLst>
             <pc:docMk/>
             <pc:sldMk cId="3422194935" sldId="552"/>
-            <ac:spMk id="8" creationId="{00000000-0000-0000-0000-000000000000}"/>
-          </ac:spMkLst>
-        </pc:spChg>
-        <pc:spChg chg="add del mod">
-          <ac:chgData name="Zhao Jin" userId="cd05a825-544c-438a-9ba1-08e63db50b47" providerId="ADAL" clId="{E094A0D3-9008-D44F-B23F-E71F39C2BDEC}" dt="2021-01-27T05:20:48.010" v="345" actId="478"/>
-          <ac:spMkLst>
-            <pc:docMk/>
-            <pc:sldMk cId="3422194935" sldId="552"/>
-            <ac:spMk id="84" creationId="{C4E05674-68A2-0D4E-8B47-F7A2C6A6B76F}"/>
-          </ac:spMkLst>
-        </pc:spChg>
-        <pc:spChg chg="mod">
-          <ac:chgData name="Zhao Jin" userId="cd05a825-544c-438a-9ba1-08e63db50b47" providerId="ADAL" clId="{E094A0D3-9008-D44F-B23F-E71F39C2BDEC}" dt="2021-01-27T05:17:40.396" v="259" actId="20577"/>
-          <ac:spMkLst>
-            <pc:docMk/>
-            <pc:sldMk cId="3422194935" sldId="552"/>
-            <ac:spMk id="14338" creationId="{00000000-0000-0000-0000-000000000000}"/>
-          </ac:spMkLst>
-        </pc:spChg>
-        <pc:grpChg chg="del">
-          <ac:chgData name="Zhao Jin" userId="cd05a825-544c-438a-9ba1-08e63db50b47" providerId="ADAL" clId="{E094A0D3-9008-D44F-B23F-E71F39C2BDEC}" dt="2021-01-27T05:16:32.725" v="165" actId="478"/>
-          <ac:grpSpMkLst>
-            <pc:docMk/>
-            <pc:sldMk cId="3422194935" sldId="552"/>
-            <ac:grpSpMk id="86" creationId="{00000000-0000-0000-0000-000000000000}"/>
-          </ac:grpSpMkLst>
-        </pc:grpChg>
-        <pc:grpChg chg="del">
-          <ac:chgData name="Zhao Jin" userId="cd05a825-544c-438a-9ba1-08e63db50b47" providerId="ADAL" clId="{E094A0D3-9008-D44F-B23F-E71F39C2BDEC}" dt="2021-01-27T05:16:27.485" v="164" actId="478"/>
-          <ac:grpSpMkLst>
-            <pc:docMk/>
-            <pc:sldMk cId="3422194935" sldId="552"/>
-            <ac:grpSpMk id="91" creationId="{00000000-0000-0000-0000-000000000000}"/>
-          </ac:grpSpMkLst>
-        </pc:grpChg>
-        <pc:grpChg chg="del">
-          <ac:chgData name="Zhao Jin" userId="cd05a825-544c-438a-9ba1-08e63db50b47" providerId="ADAL" clId="{E094A0D3-9008-D44F-B23F-E71F39C2BDEC}" dt="2021-01-27T05:16:27.485" v="164" actId="478"/>
-          <ac:grpSpMkLst>
-            <pc:docMk/>
-            <pc:sldMk cId="3422194935" sldId="552"/>
-            <ac:grpSpMk id="94" creationId="{00000000-0000-0000-0000-000000000000}"/>
-          </ac:grpSpMkLst>
-        </pc:grpChg>
-        <pc:grpChg chg="del">
-          <ac:chgData name="Zhao Jin" userId="cd05a825-544c-438a-9ba1-08e63db50b47" providerId="ADAL" clId="{E094A0D3-9008-D44F-B23F-E71F39C2BDEC}" dt="2021-01-27T05:16:27.485" v="164" actId="478"/>
-          <ac:grpSpMkLst>
-            <pc:docMk/>
-            <pc:sldMk cId="3422194935" sldId="552"/>
-            <ac:grpSpMk id="97" creationId="{00000000-0000-0000-0000-000000000000}"/>
-          </ac:grpSpMkLst>
-        </pc:grpChg>
-        <pc:grpChg chg="del">
-          <ac:chgData name="Zhao Jin" userId="cd05a825-544c-438a-9ba1-08e63db50b47" providerId="ADAL" clId="{E094A0D3-9008-D44F-B23F-E71F39C2BDEC}" dt="2021-01-27T05:16:27.485" v="164" actId="478"/>
-          <ac:grpSpMkLst>
-            <pc:docMk/>
-            <pc:sldMk cId="3422194935" sldId="552"/>
-            <ac:grpSpMk id="100" creationId="{00000000-0000-0000-0000-000000000000}"/>
-          </ac:grpSpMkLst>
-        </pc:grpChg>
-        <pc:grpChg chg="del">
-          <ac:chgData name="Zhao Jin" userId="cd05a825-544c-438a-9ba1-08e63db50b47" providerId="ADAL" clId="{E094A0D3-9008-D44F-B23F-E71F39C2BDEC}" dt="2021-01-27T05:16:27.485" v="164" actId="478"/>
-          <ac:grpSpMkLst>
-            <pc:docMk/>
-            <pc:sldMk cId="3422194935" sldId="552"/>
-            <ac:grpSpMk id="103" creationId="{00000000-0000-0000-0000-000000000000}"/>
-          </ac:grpSpMkLst>
-        </pc:grpChg>
-        <pc:grpChg chg="del">
-          <ac:chgData name="Zhao Jin" userId="cd05a825-544c-438a-9ba1-08e63db50b47" providerId="ADAL" clId="{E094A0D3-9008-D44F-B23F-E71F39C2BDEC}" dt="2021-01-27T05:16:27.485" v="164" actId="478"/>
-          <ac:grpSpMkLst>
-            <pc:docMk/>
-            <pc:sldMk cId="3422194935" sldId="552"/>
-            <ac:grpSpMk id="106" creationId="{00000000-0000-0000-0000-000000000000}"/>
-          </ac:grpSpMkLst>
-        </pc:grpChg>
-        <pc:grpChg chg="del">
-          <ac:chgData name="Zhao Jin" userId="cd05a825-544c-438a-9ba1-08e63db50b47" providerId="ADAL" clId="{E094A0D3-9008-D44F-B23F-E71F39C2BDEC}" dt="2021-01-27T05:16:32.725" v="165" actId="478"/>
-          <ac:grpSpMkLst>
-            <pc:docMk/>
-            <pc:sldMk cId="3422194935" sldId="552"/>
-            <ac:grpSpMk id="109" creationId="{00000000-0000-0000-0000-000000000000}"/>
-          </ac:grpSpMkLst>
-        </pc:grpChg>
-        <pc:grpChg chg="del">
-          <ac:chgData name="Zhao Jin" userId="cd05a825-544c-438a-9ba1-08e63db50b47" providerId="ADAL" clId="{E094A0D3-9008-D44F-B23F-E71F39C2BDEC}" dt="2021-01-27T05:16:32.725" v="165" actId="478"/>
-          <ac:grpSpMkLst>
-            <pc:docMk/>
-            <pc:sldMk cId="3422194935" sldId="552"/>
-            <ac:grpSpMk id="112" creationId="{00000000-0000-0000-0000-000000000000}"/>
-          </ac:grpSpMkLst>
-        </pc:grpChg>
-        <pc:grpChg chg="del">
-          <ac:chgData name="Zhao Jin" userId="cd05a825-544c-438a-9ba1-08e63db50b47" providerId="ADAL" clId="{E094A0D3-9008-D44F-B23F-E71F39C2BDEC}" dt="2021-01-27T05:16:32.725" v="165" actId="478"/>
-          <ac:grpSpMkLst>
-            <pc:docMk/>
-            <pc:sldMk cId="3422194935" sldId="552"/>
-            <ac:grpSpMk id="115" creationId="{00000000-0000-0000-0000-000000000000}"/>
-          </ac:grpSpMkLst>
-        </pc:grpChg>
-        <pc:grpChg chg="del">
-          <ac:chgData name="Zhao Jin" userId="cd05a825-544c-438a-9ba1-08e63db50b47" providerId="ADAL" clId="{E094A0D3-9008-D44F-B23F-E71F39C2BDEC}" dt="2021-01-27T05:16:27.485" v="164" actId="478"/>
-          <ac:grpSpMkLst>
-            <pc:docMk/>
-            <pc:sldMk cId="3422194935" sldId="552"/>
-            <ac:grpSpMk id="118" creationId="{00000000-0000-0000-0000-000000000000}"/>
-          </ac:grpSpMkLst>
-        </pc:grpChg>
-        <pc:grpChg chg="del">
-          <ac:chgData name="Zhao Jin" userId="cd05a825-544c-438a-9ba1-08e63db50b47" providerId="ADAL" clId="{E094A0D3-9008-D44F-B23F-E71F39C2BDEC}" dt="2021-01-27T05:16:27.485" v="164" actId="478"/>
-          <ac:grpSpMkLst>
-            <pc:docMk/>
-            <pc:sldMk cId="3422194935" sldId="552"/>
-            <ac:grpSpMk id="121" creationId="{00000000-0000-0000-0000-000000000000}"/>
-          </ac:grpSpMkLst>
-        </pc:grpChg>
-        <pc:grpChg chg="del">
-          <ac:chgData name="Zhao Jin" userId="cd05a825-544c-438a-9ba1-08e63db50b47" providerId="ADAL" clId="{E094A0D3-9008-D44F-B23F-E71F39C2BDEC}" dt="2021-01-27T05:16:27.485" v="164" actId="478"/>
-          <ac:grpSpMkLst>
-            <pc:docMk/>
-            <pc:sldMk cId="3422194935" sldId="552"/>
-            <ac:grpSpMk id="124" creationId="{00000000-0000-0000-0000-000000000000}"/>
-          </ac:grpSpMkLst>
-        </pc:grpChg>
-        <pc:grpChg chg="del">
-          <ac:chgData name="Zhao Jin" userId="cd05a825-544c-438a-9ba1-08e63db50b47" providerId="ADAL" clId="{E094A0D3-9008-D44F-B23F-E71F39C2BDEC}" dt="2021-01-27T05:16:27.485" v="164" actId="478"/>
-          <ac:grpSpMkLst>
-            <pc:docMk/>
-            <pc:sldMk cId="3422194935" sldId="552"/>
-            <ac:grpSpMk id="127" creationId="{00000000-0000-0000-0000-000000000000}"/>
-          </ac:grpSpMkLst>
-        </pc:grpChg>
-        <pc:grpChg chg="del">
-          <ac:chgData name="Zhao Jin" userId="cd05a825-544c-438a-9ba1-08e63db50b47" providerId="ADAL" clId="{E094A0D3-9008-D44F-B23F-E71F39C2BDEC}" dt="2021-01-27T05:16:27.485" v="164" actId="478"/>
-          <ac:grpSpMkLst>
-            <pc:docMk/>
-            <pc:sldMk cId="3422194935" sldId="552"/>
-            <ac:grpSpMk id="130" creationId="{00000000-0000-0000-0000-000000000000}"/>
-          </ac:grpSpMkLst>
-        </pc:grpChg>
-        <pc:grpChg chg="del">
-          <ac:chgData name="Zhao Jin" userId="cd05a825-544c-438a-9ba1-08e63db50b47" providerId="ADAL" clId="{E094A0D3-9008-D44F-B23F-E71F39C2BDEC}" dt="2021-01-27T05:16:27.485" v="164" actId="478"/>
-          <ac:grpSpMkLst>
-            <pc:docMk/>
-            <pc:sldMk cId="3422194935" sldId="552"/>
-            <ac:grpSpMk id="136" creationId="{00000000-0000-0000-0000-000000000000}"/>
-          </ac:grpSpMkLst>
-        </pc:grpChg>
-        <pc:grpChg chg="del">
-          <ac:chgData name="Zhao Jin" userId="cd05a825-544c-438a-9ba1-08e63db50b47" providerId="ADAL" clId="{E094A0D3-9008-D44F-B23F-E71F39C2BDEC}" dt="2021-01-27T05:16:27.485" v="164" actId="478"/>
-          <ac:grpSpMkLst>
-            <pc:docMk/>
-            <pc:sldMk cId="3422194935" sldId="552"/>
-            <ac:grpSpMk id="144" creationId="{00000000-0000-0000-0000-000000000000}"/>
-          </ac:grpSpMkLst>
-        </pc:grpChg>
-        <pc:grpChg chg="del">
-          <ac:chgData name="Zhao Jin" userId="cd05a825-544c-438a-9ba1-08e63db50b47" providerId="ADAL" clId="{E094A0D3-9008-D44F-B23F-E71F39C2BDEC}" dt="2021-01-27T05:16:27.485" v="164" actId="478"/>
-          <ac:grpSpMkLst>
-            <pc:docMk/>
-            <pc:sldMk cId="3422194935" sldId="552"/>
-            <ac:grpSpMk id="152" creationId="{00000000-0000-0000-0000-000000000000}"/>
-          </ac:grpSpMkLst>
-        </pc:grpChg>
-        <pc:grpChg chg="del">
-          <ac:chgData name="Zhao Jin" userId="cd05a825-544c-438a-9ba1-08e63db50b47" providerId="ADAL" clId="{E094A0D3-9008-D44F-B23F-E71F39C2BDEC}" dt="2021-01-27T05:16:27.485" v="164" actId="478"/>
-          <ac:grpSpMkLst>
-            <pc:docMk/>
-            <pc:sldMk cId="3422194935" sldId="552"/>
-            <ac:grpSpMk id="156" creationId="{00000000-0000-0000-0000-000000000000}"/>
-          </ac:grpSpMkLst>
-        </pc:grpChg>
-        <pc:picChg chg="add mod modCrop">
-          <ac:chgData name="Zhao Jin" userId="cd05a825-544c-438a-9ba1-08e63db50b47" providerId="ADAL" clId="{E094A0D3-9008-D44F-B23F-E71F39C2BDEC}" dt="2021-01-27T05:20:55.481" v="348" actId="1076"/>
-          <ac:picMkLst>
-            <pc:docMk/>
-            <pc:sldMk cId="3422194935" sldId="552"/>
-            <ac:picMk id="3" creationId="{78D60D94-825A-D54F-ACF5-EA46D7263418}"/>
-          </ac:picMkLst>
-        </pc:picChg>
-        <pc:cxnChg chg="del mod">
-          <ac:chgData name="Zhao Jin" userId="cd05a825-544c-438a-9ba1-08e63db50b47" providerId="ADAL" clId="{E094A0D3-9008-D44F-B23F-E71F39C2BDEC}" dt="2021-01-27T05:16:27.485" v="164" actId="478"/>
-          <ac:cxnSpMkLst>
-            <pc:docMk/>
-            <pc:sldMk cId="3422194935" sldId="552"/>
-            <ac:cxnSpMk id="135" creationId="{00000000-0000-0000-0000-000000000000}"/>
-          </ac:cxnSpMkLst>
-        </pc:cxnChg>
-        <pc:cxnChg chg="del">
-          <ac:chgData name="Zhao Jin" userId="cd05a825-544c-438a-9ba1-08e63db50b47" providerId="ADAL" clId="{E094A0D3-9008-D44F-B23F-E71F39C2BDEC}" dt="2021-01-27T05:16:27.485" v="164" actId="478"/>
-          <ac:cxnSpMkLst>
-            <pc:docMk/>
-            <pc:sldMk cId="3422194935" sldId="552"/>
-            <ac:cxnSpMk id="141" creationId="{00000000-0000-0000-0000-000000000000}"/>
-          </ac:cxnSpMkLst>
-        </pc:cxnChg>
-        <pc:cxnChg chg="del">
-          <ac:chgData name="Zhao Jin" userId="cd05a825-544c-438a-9ba1-08e63db50b47" providerId="ADAL" clId="{E094A0D3-9008-D44F-B23F-E71F39C2BDEC}" dt="2021-01-27T05:16:27.485" v="164" actId="478"/>
-          <ac:cxnSpMkLst>
-            <pc:docMk/>
-            <pc:sldMk cId="3422194935" sldId="552"/>
-            <ac:cxnSpMk id="142" creationId="{00000000-0000-0000-0000-000000000000}"/>
-          </ac:cxnSpMkLst>
-        </pc:cxnChg>
-        <pc:cxnChg chg="del">
-          <ac:chgData name="Zhao Jin" userId="cd05a825-544c-438a-9ba1-08e63db50b47" providerId="ADAL" clId="{E094A0D3-9008-D44F-B23F-E71F39C2BDEC}" dt="2021-01-27T05:16:27.485" v="164" actId="478"/>
-          <ac:cxnSpMkLst>
-            <pc:docMk/>
-            <pc:sldMk cId="3422194935" sldId="552"/>
-            <ac:cxnSpMk id="143" creationId="{00000000-0000-0000-0000-000000000000}"/>
-          </ac:cxnSpMkLst>
-        </pc:cxnChg>
-        <pc:cxnChg chg="del">
-          <ac:chgData name="Zhao Jin" userId="cd05a825-544c-438a-9ba1-08e63db50b47" providerId="ADAL" clId="{E094A0D3-9008-D44F-B23F-E71F39C2BDEC}" dt="2021-01-27T05:16:32.725" v="165" actId="478"/>
-          <ac:cxnSpMkLst>
-            <pc:docMk/>
-            <pc:sldMk cId="3422194935" sldId="552"/>
-            <ac:cxnSpMk id="149" creationId="{00000000-0000-0000-0000-000000000000}"/>
-          </ac:cxnSpMkLst>
-        </pc:cxnChg>
-        <pc:cxnChg chg="del">
-          <ac:chgData name="Zhao Jin" userId="cd05a825-544c-438a-9ba1-08e63db50b47" providerId="ADAL" clId="{E094A0D3-9008-D44F-B23F-E71F39C2BDEC}" dt="2021-01-27T05:16:32.725" v="165" actId="478"/>
-          <ac:cxnSpMkLst>
-            <pc:docMk/>
-            <pc:sldMk cId="3422194935" sldId="552"/>
-            <ac:cxnSpMk id="150" creationId="{00000000-0000-0000-0000-000000000000}"/>
-          </ac:cxnSpMkLst>
-        </pc:cxnChg>
-        <pc:cxnChg chg="del">
-          <ac:chgData name="Zhao Jin" userId="cd05a825-544c-438a-9ba1-08e63db50b47" providerId="ADAL" clId="{E094A0D3-9008-D44F-B23F-E71F39C2BDEC}" dt="2021-01-27T05:16:27.485" v="164" actId="478"/>
-          <ac:cxnSpMkLst>
-            <pc:docMk/>
-            <pc:sldMk cId="3422194935" sldId="552"/>
-            <ac:cxnSpMk id="151" creationId="{00000000-0000-0000-0000-000000000000}"/>
-          </ac:cxnSpMkLst>
-        </pc:cxnChg>
+            <ac:spMk id="7" creationId="{00000000-0000-0000-0000-000000000000}"/>
+          </ac:spMkLst>
+        </pc:spChg>
       </pc:sldChg>
-      <pc:sldChg chg="add del">
-        <pc:chgData name="Zhao Jin" userId="cd05a825-544c-438a-9ba1-08e63db50b47" providerId="ADAL" clId="{E094A0D3-9008-D44F-B23F-E71F39C2BDEC}" dt="2021-01-27T05:18:00.826" v="262"/>
-        <pc:sldMkLst>
-          <pc:docMk/>
-          <pc:sldMk cId="153180961" sldId="553"/>
-        </pc:sldMkLst>
-      </pc:sldChg>
-      <pc:sldChg chg="modSp add">
-        <pc:chgData name="Zhao Jin" userId="cd05a825-544c-438a-9ba1-08e63db50b47" providerId="ADAL" clId="{E094A0D3-9008-D44F-B23F-E71F39C2BDEC}" dt="2021-01-27T05:33:55.712" v="791" actId="14100"/>
+      <pc:sldChg chg="addSp delSp modSp mod">
+        <pc:chgData name="Zhao Jin" userId="cd05a825-544c-438a-9ba1-08e63db50b47" providerId="ADAL" clId="{37A0D694-38DA-4421-B5D3-DEDBFC2EC57C}" dt="2021-02-10T03:55:38.772" v="4967"/>
         <pc:sldMkLst>
           <pc:docMk/>
           <pc:sldMk cId="1427618944" sldId="553"/>
         </pc:sldMkLst>
         <pc:spChg chg="mod">
-          <ac:chgData name="Zhao Jin" userId="cd05a825-544c-438a-9ba1-08e63db50b47" providerId="ADAL" clId="{E094A0D3-9008-D44F-B23F-E71F39C2BDEC}" dt="2021-01-27T05:33:55.712" v="791" actId="14100"/>
+          <ac:chgData name="Zhao Jin" userId="cd05a825-544c-438a-9ba1-08e63db50b47" providerId="ADAL" clId="{37A0D694-38DA-4421-B5D3-DEDBFC2EC57C}" dt="2021-02-10T03:55:38.772" v="4967"/>
           <ac:spMkLst>
             <pc:docMk/>
             <pc:sldMk cId="1427618944" sldId="553"/>
-            <ac:spMk id="84" creationId="{C4E05674-68A2-0D4E-8B47-F7A2C6A6B76F}"/>
-          </ac:spMkLst>
-        </pc:spChg>
-        <pc:picChg chg="mod">
-          <ac:chgData name="Zhao Jin" userId="cd05a825-544c-438a-9ba1-08e63db50b47" providerId="ADAL" clId="{E094A0D3-9008-D44F-B23F-E71F39C2BDEC}" dt="2021-01-27T05:21:27.060" v="366" actId="1076"/>
-          <ac:picMkLst>
+            <ac:spMk id="7" creationId="{00000000-0000-0000-0000-000000000000}"/>
+          </ac:spMkLst>
+        </pc:spChg>
+        <pc:spChg chg="mod">
+          <ac:chgData name="Zhao Jin" userId="cd05a825-544c-438a-9ba1-08e63db50b47" providerId="ADAL" clId="{37A0D694-38DA-4421-B5D3-DEDBFC2EC57C}" dt="2021-02-03T07:55:46.087" v="385" actId="20577"/>
+          <ac:spMkLst>
             <pc:docMk/>
             <pc:sldMk cId="1427618944" sldId="553"/>
-            <ac:picMk id="3" creationId="{78D60D94-825A-D54F-ACF5-EA46D7263418}"/>
-          </ac:picMkLst>
-        </pc:picChg>
+            <ac:spMk id="8" creationId="{00000000-0000-0000-0000-000000000000}"/>
+          </ac:spMkLst>
+        </pc:spChg>
+        <pc:spChg chg="add del mod">
+          <ac:chgData name="Zhao Jin" userId="cd05a825-544c-438a-9ba1-08e63db50b47" providerId="ADAL" clId="{37A0D694-38DA-4421-B5D3-DEDBFC2EC57C}" dt="2021-02-08T01:22:04.286" v="3395"/>
+          <ac:spMkLst>
+            <pc:docMk/>
+            <pc:sldMk cId="1427618944" sldId="553"/>
+            <ac:spMk id="9" creationId="{F914A7B2-27A3-4DA5-A96E-DC279FD60D4D}"/>
+          </ac:spMkLst>
+        </pc:spChg>
+        <pc:spChg chg="mod">
+          <ac:chgData name="Zhao Jin" userId="cd05a825-544c-438a-9ba1-08e63db50b47" providerId="ADAL" clId="{37A0D694-38DA-4421-B5D3-DEDBFC2EC57C}" dt="2021-02-03T07:55:14.471" v="364" actId="20577"/>
+          <ac:spMkLst>
+            <pc:docMk/>
+            <pc:sldMk cId="1427618944" sldId="553"/>
+            <ac:spMk id="14338" creationId="{00000000-0000-0000-0000-000000000000}"/>
+          </ac:spMkLst>
+        </pc:spChg>
       </pc:sldChg>
-      <pc:sldChg chg="addSp delSp modSp add ord delAnim modAnim">
-        <pc:chgData name="Zhao Jin" userId="cd05a825-544c-438a-9ba1-08e63db50b47" providerId="ADAL" clId="{E094A0D3-9008-D44F-B23F-E71F39C2BDEC}" dt="2021-01-27T05:37:50.456" v="1042" actId="1035"/>
+      <pc:sldChg chg="modSp del">
+        <pc:chgData name="Zhao Jin" userId="cd05a825-544c-438a-9ba1-08e63db50b47" providerId="ADAL" clId="{37A0D694-38DA-4421-B5D3-DEDBFC2EC57C}" dt="2021-02-03T09:00:14.226" v="1559" actId="47"/>
         <pc:sldMkLst>
           <pc:docMk/>
           <pc:sldMk cId="1659983766" sldId="554"/>
         </pc:sldMkLst>
+        <pc:spChg chg="mod">
+          <ac:chgData name="Zhao Jin" userId="cd05a825-544c-438a-9ba1-08e63db50b47" providerId="ADAL" clId="{37A0D694-38DA-4421-B5D3-DEDBFC2EC57C}" dt="2021-02-03T06:56:12.527" v="36"/>
+          <ac:spMkLst>
+            <pc:docMk/>
+            <pc:sldMk cId="1659983766" sldId="554"/>
+            <ac:spMk id="7" creationId="{00000000-0000-0000-0000-000000000000}"/>
+          </ac:spMkLst>
+        </pc:spChg>
+      </pc:sldChg>
+      <pc:sldChg chg="modSp del">
+        <pc:chgData name="Zhao Jin" userId="cd05a825-544c-438a-9ba1-08e63db50b47" providerId="ADAL" clId="{37A0D694-38DA-4421-B5D3-DEDBFC2EC57C}" dt="2021-02-03T09:00:14.226" v="1559" actId="47"/>
+        <pc:sldMkLst>
+          <pc:docMk/>
+          <pc:sldMk cId="1268238251" sldId="555"/>
+        </pc:sldMkLst>
+        <pc:spChg chg="mod">
+          <ac:chgData name="Zhao Jin" userId="cd05a825-544c-438a-9ba1-08e63db50b47" providerId="ADAL" clId="{37A0D694-38DA-4421-B5D3-DEDBFC2EC57C}" dt="2021-02-03T06:56:12.527" v="36"/>
+          <ac:spMkLst>
+            <pc:docMk/>
+            <pc:sldMk cId="1268238251" sldId="555"/>
+            <ac:spMk id="7" creationId="{00000000-0000-0000-0000-000000000000}"/>
+          </ac:spMkLst>
+        </pc:spChg>
+      </pc:sldChg>
+      <pc:sldChg chg="modSp del">
+        <pc:chgData name="Zhao Jin" userId="cd05a825-544c-438a-9ba1-08e63db50b47" providerId="ADAL" clId="{37A0D694-38DA-4421-B5D3-DEDBFC2EC57C}" dt="2021-02-03T09:00:14.226" v="1559" actId="47"/>
+        <pc:sldMkLst>
+          <pc:docMk/>
+          <pc:sldMk cId="3990513599" sldId="556"/>
+        </pc:sldMkLst>
+        <pc:spChg chg="mod">
+          <ac:chgData name="Zhao Jin" userId="cd05a825-544c-438a-9ba1-08e63db50b47" providerId="ADAL" clId="{37A0D694-38DA-4421-B5D3-DEDBFC2EC57C}" dt="2021-02-03T06:56:12.527" v="36"/>
+          <ac:spMkLst>
+            <pc:docMk/>
+            <pc:sldMk cId="3990513599" sldId="556"/>
+            <ac:spMk id="7" creationId="{00000000-0000-0000-0000-000000000000}"/>
+          </ac:spMkLst>
+        </pc:spChg>
+      </pc:sldChg>
+      <pc:sldChg chg="modSp del">
+        <pc:chgData name="Zhao Jin" userId="cd05a825-544c-438a-9ba1-08e63db50b47" providerId="ADAL" clId="{37A0D694-38DA-4421-B5D3-DEDBFC2EC57C}" dt="2021-02-03T09:00:14.226" v="1559" actId="47"/>
+        <pc:sldMkLst>
+          <pc:docMk/>
+          <pc:sldMk cId="788021743" sldId="557"/>
+        </pc:sldMkLst>
+        <pc:spChg chg="mod">
+          <ac:chgData name="Zhao Jin" userId="cd05a825-544c-438a-9ba1-08e63db50b47" providerId="ADAL" clId="{37A0D694-38DA-4421-B5D3-DEDBFC2EC57C}" dt="2021-02-03T06:56:12.527" v="36"/>
+          <ac:spMkLst>
+            <pc:docMk/>
+            <pc:sldMk cId="788021743" sldId="557"/>
+            <ac:spMk id="7" creationId="{00000000-0000-0000-0000-000000000000}"/>
+          </ac:spMkLst>
+        </pc:spChg>
+      </pc:sldChg>
+      <pc:sldChg chg="addSp delSp modSp add mod ord delAnim modAnim">
+        <pc:chgData name="Zhao Jin" userId="cd05a825-544c-438a-9ba1-08e63db50b47" providerId="ADAL" clId="{37A0D694-38DA-4421-B5D3-DEDBFC2EC57C}" dt="2021-02-10T03:55:38.772" v="4967"/>
+        <pc:sldMkLst>
+          <pc:docMk/>
+          <pc:sldMk cId="487843573" sldId="558"/>
+        </pc:sldMkLst>
+        <pc:spChg chg="add mod topLvl">
+          <ac:chgData name="Zhao Jin" userId="cd05a825-544c-438a-9ba1-08e63db50b47" providerId="ADAL" clId="{37A0D694-38DA-4421-B5D3-DEDBFC2EC57C}" dt="2021-02-08T01:54:54.740" v="4571" actId="1036"/>
+          <ac:spMkLst>
+            <pc:docMk/>
+            <pc:sldMk cId="487843573" sldId="558"/>
+            <ac:spMk id="2" creationId="{0AA435E6-852E-478F-B597-789A68E1C063}"/>
+          </ac:spMkLst>
+        </pc:spChg>
+        <pc:spChg chg="mod">
+          <ac:chgData name="Zhao Jin" userId="cd05a825-544c-438a-9ba1-08e63db50b47" providerId="ADAL" clId="{37A0D694-38DA-4421-B5D3-DEDBFC2EC57C}" dt="2021-02-10T03:55:38.772" v="4967"/>
+          <ac:spMkLst>
+            <pc:docMk/>
+            <pc:sldMk cId="487843573" sldId="558"/>
+            <ac:spMk id="7" creationId="{00000000-0000-0000-0000-000000000000}"/>
+          </ac:spMkLst>
+        </pc:spChg>
+        <pc:spChg chg="mod topLvl">
+          <ac:chgData name="Zhao Jin" userId="cd05a825-544c-438a-9ba1-08e63db50b47" providerId="ADAL" clId="{37A0D694-38DA-4421-B5D3-DEDBFC2EC57C}" dt="2021-02-08T07:59:31.262" v="4966" actId="20577"/>
+          <ac:spMkLst>
+            <pc:docMk/>
+            <pc:sldMk cId="487843573" sldId="558"/>
+            <ac:spMk id="14" creationId="{00000000-0000-0000-0000-000000000000}"/>
+          </ac:spMkLst>
+        </pc:spChg>
+        <pc:spChg chg="del topLvl">
+          <ac:chgData name="Zhao Jin" userId="cd05a825-544c-438a-9ba1-08e63db50b47" providerId="ADAL" clId="{37A0D694-38DA-4421-B5D3-DEDBFC2EC57C}" dt="2021-02-08T01:47:06.169" v="4274" actId="478"/>
+          <ac:spMkLst>
+            <pc:docMk/>
+            <pc:sldMk cId="487843573" sldId="558"/>
+            <ac:spMk id="15" creationId="{00000000-0000-0000-0000-000000000000}"/>
+          </ac:spMkLst>
+        </pc:spChg>
+        <pc:spChg chg="mod">
+          <ac:chgData name="Zhao Jin" userId="cd05a825-544c-438a-9ba1-08e63db50b47" providerId="ADAL" clId="{37A0D694-38DA-4421-B5D3-DEDBFC2EC57C}" dt="2021-02-08T01:51:08.577" v="4468" actId="14100"/>
+          <ac:spMkLst>
+            <pc:docMk/>
+            <pc:sldMk cId="487843573" sldId="558"/>
+            <ac:spMk id="17" creationId="{00000000-0000-0000-0000-000000000000}"/>
+          </ac:spMkLst>
+        </pc:spChg>
+        <pc:spChg chg="add mod">
+          <ac:chgData name="Zhao Jin" userId="cd05a825-544c-438a-9ba1-08e63db50b47" providerId="ADAL" clId="{37A0D694-38DA-4421-B5D3-DEDBFC2EC57C}" dt="2021-02-08T01:47:39.526" v="4317" actId="14100"/>
+          <ac:spMkLst>
+            <pc:docMk/>
+            <pc:sldMk cId="487843573" sldId="558"/>
+            <ac:spMk id="20" creationId="{B9DB2039-D266-417E-930D-88E5062D8119}"/>
+          </ac:spMkLst>
+        </pc:spChg>
+        <pc:spChg chg="add mod topLvl">
+          <ac:chgData name="Zhao Jin" userId="cd05a825-544c-438a-9ba1-08e63db50b47" providerId="ADAL" clId="{37A0D694-38DA-4421-B5D3-DEDBFC2EC57C}" dt="2021-02-08T01:54:21.354" v="4567" actId="165"/>
+          <ac:spMkLst>
+            <pc:docMk/>
+            <pc:sldMk cId="487843573" sldId="558"/>
+            <ac:spMk id="21" creationId="{BB8C38A6-8674-4E0E-B871-1FCF27E9B4CB}"/>
+          </ac:spMkLst>
+        </pc:spChg>
+        <pc:spChg chg="add mod topLvl">
+          <ac:chgData name="Zhao Jin" userId="cd05a825-544c-438a-9ba1-08e63db50b47" providerId="ADAL" clId="{37A0D694-38DA-4421-B5D3-DEDBFC2EC57C}" dt="2021-02-08T01:54:21.354" v="4567" actId="165"/>
+          <ac:spMkLst>
+            <pc:docMk/>
+            <pc:sldMk cId="487843573" sldId="558"/>
+            <ac:spMk id="22" creationId="{2F81D7AB-7D04-43DC-8CF7-A151843D9A9A}"/>
+          </ac:spMkLst>
+        </pc:spChg>
+        <pc:spChg chg="mod topLvl">
+          <ac:chgData name="Zhao Jin" userId="cd05a825-544c-438a-9ba1-08e63db50b47" providerId="ADAL" clId="{37A0D694-38DA-4421-B5D3-DEDBFC2EC57C}" dt="2021-02-08T01:54:21.354" v="4567" actId="165"/>
+          <ac:spMkLst>
+            <pc:docMk/>
+            <pc:sldMk cId="487843573" sldId="558"/>
+            <ac:spMk id="24" creationId="{B4E696D3-ADEF-4AA3-BCC9-171A8F03891A}"/>
+          </ac:spMkLst>
+        </pc:spChg>
+        <pc:spChg chg="mod topLvl">
+          <ac:chgData name="Zhao Jin" userId="cd05a825-544c-438a-9ba1-08e63db50b47" providerId="ADAL" clId="{37A0D694-38DA-4421-B5D3-DEDBFC2EC57C}" dt="2021-02-08T01:54:21.354" v="4567" actId="165"/>
+          <ac:spMkLst>
+            <pc:docMk/>
+            <pc:sldMk cId="487843573" sldId="558"/>
+            <ac:spMk id="25" creationId="{E19EB41A-2BE2-4DF1-88DC-734F0E106BC7}"/>
+          </ac:spMkLst>
+        </pc:spChg>
+        <pc:spChg chg="mod topLvl">
+          <ac:chgData name="Zhao Jin" userId="cd05a825-544c-438a-9ba1-08e63db50b47" providerId="ADAL" clId="{37A0D694-38DA-4421-B5D3-DEDBFC2EC57C}" dt="2021-02-08T01:54:21.354" v="4567" actId="165"/>
+          <ac:spMkLst>
+            <pc:docMk/>
+            <pc:sldMk cId="487843573" sldId="558"/>
+            <ac:spMk id="26" creationId="{9F2304ED-4F52-45A9-88B7-E51D4311F3B8}"/>
+          </ac:spMkLst>
+        </pc:spChg>
+        <pc:spChg chg="mod">
+          <ac:chgData name="Zhao Jin" userId="cd05a825-544c-438a-9ba1-08e63db50b47" providerId="ADAL" clId="{37A0D694-38DA-4421-B5D3-DEDBFC2EC57C}" dt="2021-02-08T01:53:55.267" v="4557"/>
+          <ac:spMkLst>
+            <pc:docMk/>
+            <pc:sldMk cId="487843573" sldId="558"/>
+            <ac:spMk id="28" creationId="{47B0747A-2E61-4716-BF5D-D2B12E6D64BF}"/>
+          </ac:spMkLst>
+        </pc:spChg>
+        <pc:spChg chg="mod">
+          <ac:chgData name="Zhao Jin" userId="cd05a825-544c-438a-9ba1-08e63db50b47" providerId="ADAL" clId="{37A0D694-38DA-4421-B5D3-DEDBFC2EC57C}" dt="2021-02-08T01:53:55.267" v="4557"/>
+          <ac:spMkLst>
+            <pc:docMk/>
+            <pc:sldMk cId="487843573" sldId="558"/>
+            <ac:spMk id="29" creationId="{54237745-C995-42F1-9126-7D86C7667923}"/>
+          </ac:spMkLst>
+        </pc:spChg>
+        <pc:spChg chg="mod">
+          <ac:chgData name="Zhao Jin" userId="cd05a825-544c-438a-9ba1-08e63db50b47" providerId="ADAL" clId="{37A0D694-38DA-4421-B5D3-DEDBFC2EC57C}" dt="2021-02-08T01:53:55.267" v="4557"/>
+          <ac:spMkLst>
+            <pc:docMk/>
+            <pc:sldMk cId="487843573" sldId="558"/>
+            <ac:spMk id="30" creationId="{6FC1D281-B735-481E-A919-8C2D0B287264}"/>
+          </ac:spMkLst>
+        </pc:spChg>
+        <pc:spChg chg="mod topLvl">
+          <ac:chgData name="Zhao Jin" userId="cd05a825-544c-438a-9ba1-08e63db50b47" providerId="ADAL" clId="{37A0D694-38DA-4421-B5D3-DEDBFC2EC57C}" dt="2021-02-08T01:54:21.354" v="4567" actId="165"/>
+          <ac:spMkLst>
+            <pc:docMk/>
+            <pc:sldMk cId="487843573" sldId="558"/>
+            <ac:spMk id="32" creationId="{659AEE1B-C8A8-4F0D-A678-BE0BB18E64EF}"/>
+          </ac:spMkLst>
+        </pc:spChg>
+        <pc:spChg chg="mod topLvl">
+          <ac:chgData name="Zhao Jin" userId="cd05a825-544c-438a-9ba1-08e63db50b47" providerId="ADAL" clId="{37A0D694-38DA-4421-B5D3-DEDBFC2EC57C}" dt="2021-02-08T01:54:21.354" v="4567" actId="165"/>
+          <ac:spMkLst>
+            <pc:docMk/>
+            <pc:sldMk cId="487843573" sldId="558"/>
+            <ac:spMk id="33" creationId="{C7A06EA1-2EC1-42CA-A56F-46A3331F7605}"/>
+          </ac:spMkLst>
+        </pc:spChg>
+        <pc:spChg chg="mod topLvl">
+          <ac:chgData name="Zhao Jin" userId="cd05a825-544c-438a-9ba1-08e63db50b47" providerId="ADAL" clId="{37A0D694-38DA-4421-B5D3-DEDBFC2EC57C}" dt="2021-02-08T01:54:21.354" v="4567" actId="165"/>
+          <ac:spMkLst>
+            <pc:docMk/>
+            <pc:sldMk cId="487843573" sldId="558"/>
+            <ac:spMk id="34" creationId="{C2A482B6-E3E6-485B-830B-6965CF701E68}"/>
+          </ac:spMkLst>
+        </pc:spChg>
+        <pc:spChg chg="mod">
+          <ac:chgData name="Zhao Jin" userId="cd05a825-544c-438a-9ba1-08e63db50b47" providerId="ADAL" clId="{37A0D694-38DA-4421-B5D3-DEDBFC2EC57C}" dt="2021-02-08T01:56:28.234" v="4577" actId="20577"/>
+          <ac:spMkLst>
+            <pc:docMk/>
+            <pc:sldMk cId="487843573" sldId="558"/>
+            <ac:spMk id="14338" creationId="{00000000-0000-0000-0000-000000000000}"/>
+          </ac:spMkLst>
+        </pc:spChg>
         <pc:spChg chg="del">
-          <ac:chgData name="Zhao Jin" userId="cd05a825-544c-438a-9ba1-08e63db50b47" providerId="ADAL" clId="{E094A0D3-9008-D44F-B23F-E71F39C2BDEC}" dt="2021-01-27T05:24:43.231" v="381" actId="478"/>
-          <ac:spMkLst>
-            <pc:docMk/>
-            <pc:sldMk cId="1659983766" sldId="554"/>
+          <ac:chgData name="Zhao Jin" userId="cd05a825-544c-438a-9ba1-08e63db50b47" providerId="ADAL" clId="{37A0D694-38DA-4421-B5D3-DEDBFC2EC57C}" dt="2021-02-08T01:47:14.163" v="4302" actId="478"/>
+          <ac:spMkLst>
+            <pc:docMk/>
+            <pc:sldMk cId="487843573" sldId="558"/>
+            <ac:spMk id="14340" creationId="{00000000-0000-0000-0000-000000000000}"/>
+          </ac:spMkLst>
+        </pc:spChg>
+        <pc:grpChg chg="add del mod">
+          <ac:chgData name="Zhao Jin" userId="cd05a825-544c-438a-9ba1-08e63db50b47" providerId="ADAL" clId="{37A0D694-38DA-4421-B5D3-DEDBFC2EC57C}" dt="2021-02-08T01:54:21.354" v="4567" actId="165"/>
+          <ac:grpSpMkLst>
+            <pc:docMk/>
+            <pc:sldMk cId="487843573" sldId="558"/>
+            <ac:grpSpMk id="3" creationId="{FFE0EFAC-F94A-4083-BDAD-0A7670A72C75}"/>
+          </ac:grpSpMkLst>
+        </pc:grpChg>
+        <pc:grpChg chg="del">
+          <ac:chgData name="Zhao Jin" userId="cd05a825-544c-438a-9ba1-08e63db50b47" providerId="ADAL" clId="{37A0D694-38DA-4421-B5D3-DEDBFC2EC57C}" dt="2021-02-08T01:47:06.169" v="4274" actId="478"/>
+          <ac:grpSpMkLst>
+            <pc:docMk/>
+            <pc:sldMk cId="487843573" sldId="558"/>
+            <ac:grpSpMk id="13" creationId="{00000000-0000-0000-0000-000000000000}"/>
+          </ac:grpSpMkLst>
+        </pc:grpChg>
+        <pc:grpChg chg="add del mod">
+          <ac:chgData name="Zhao Jin" userId="cd05a825-544c-438a-9ba1-08e63db50b47" providerId="ADAL" clId="{37A0D694-38DA-4421-B5D3-DEDBFC2EC57C}" dt="2021-02-08T01:54:21.354" v="4567" actId="165"/>
+          <ac:grpSpMkLst>
+            <pc:docMk/>
+            <pc:sldMk cId="487843573" sldId="558"/>
+            <ac:grpSpMk id="23" creationId="{A38A66FD-989D-41D7-B35C-74B9562D2757}"/>
+          </ac:grpSpMkLst>
+        </pc:grpChg>
+        <pc:grpChg chg="add del mod">
+          <ac:chgData name="Zhao Jin" userId="cd05a825-544c-438a-9ba1-08e63db50b47" providerId="ADAL" clId="{37A0D694-38DA-4421-B5D3-DEDBFC2EC57C}" dt="2021-02-08T01:54:16.269" v="4566" actId="478"/>
+          <ac:grpSpMkLst>
+            <pc:docMk/>
+            <pc:sldMk cId="487843573" sldId="558"/>
+            <ac:grpSpMk id="27" creationId="{CA15FD60-E569-4EA9-B31B-C0ACB6092E0E}"/>
+          </ac:grpSpMkLst>
+        </pc:grpChg>
+        <pc:grpChg chg="add del mod">
+          <ac:chgData name="Zhao Jin" userId="cd05a825-544c-438a-9ba1-08e63db50b47" providerId="ADAL" clId="{37A0D694-38DA-4421-B5D3-DEDBFC2EC57C}" dt="2021-02-08T01:54:21.354" v="4567" actId="165"/>
+          <ac:grpSpMkLst>
+            <pc:docMk/>
+            <pc:sldMk cId="487843573" sldId="558"/>
+            <ac:grpSpMk id="31" creationId="{4962FE2A-AAB6-4BE4-8700-EBB12E5C89B0}"/>
+          </ac:grpSpMkLst>
+        </pc:grpChg>
+        <pc:graphicFrameChg chg="del">
+          <ac:chgData name="Zhao Jin" userId="cd05a825-544c-438a-9ba1-08e63db50b47" providerId="ADAL" clId="{37A0D694-38DA-4421-B5D3-DEDBFC2EC57C}" dt="2021-02-08T01:45:50.655" v="4102" actId="478"/>
+          <ac:graphicFrameMkLst>
+            <pc:docMk/>
+            <pc:sldMk cId="487843573" sldId="558"/>
+            <ac:graphicFrameMk id="16" creationId="{00000000-0000-0000-0000-000000000000}"/>
+          </ac:graphicFrameMkLst>
+        </pc:graphicFrameChg>
+        <pc:graphicFrameChg chg="add mod ord modGraphic">
+          <ac:chgData name="Zhao Jin" userId="cd05a825-544c-438a-9ba1-08e63db50b47" providerId="ADAL" clId="{37A0D694-38DA-4421-B5D3-DEDBFC2EC57C}" dt="2021-02-08T01:54:29.635" v="4568" actId="167"/>
+          <ac:graphicFrameMkLst>
+            <pc:docMk/>
+            <pc:sldMk cId="487843573" sldId="558"/>
+            <ac:graphicFrameMk id="19" creationId="{F406C909-98D4-47F1-9BFD-5E37D45DA926}"/>
+          </ac:graphicFrameMkLst>
+        </pc:graphicFrameChg>
+        <pc:picChg chg="del">
+          <ac:chgData name="Zhao Jin" userId="cd05a825-544c-438a-9ba1-08e63db50b47" providerId="ADAL" clId="{37A0D694-38DA-4421-B5D3-DEDBFC2EC57C}" dt="2021-02-08T01:47:00.259" v="4270" actId="478"/>
+          <ac:picMkLst>
+            <pc:docMk/>
+            <pc:sldMk cId="487843573" sldId="558"/>
+            <ac:picMk id="18" creationId="{00000000-0000-0000-0000-000000000000}"/>
+          </ac:picMkLst>
+        </pc:picChg>
+      </pc:sldChg>
+      <pc:sldChg chg="modSp del">
+        <pc:chgData name="Zhao Jin" userId="cd05a825-544c-438a-9ba1-08e63db50b47" providerId="ADAL" clId="{37A0D694-38DA-4421-B5D3-DEDBFC2EC57C}" dt="2021-02-03T09:00:14.226" v="1559" actId="47"/>
+        <pc:sldMkLst>
+          <pc:docMk/>
+          <pc:sldMk cId="686532275" sldId="558"/>
+        </pc:sldMkLst>
+        <pc:spChg chg="mod">
+          <ac:chgData name="Zhao Jin" userId="cd05a825-544c-438a-9ba1-08e63db50b47" providerId="ADAL" clId="{37A0D694-38DA-4421-B5D3-DEDBFC2EC57C}" dt="2021-02-03T06:56:12.527" v="36"/>
+          <ac:spMkLst>
+            <pc:docMk/>
+            <pc:sldMk cId="686532275" sldId="558"/>
+            <ac:spMk id="7" creationId="{00000000-0000-0000-0000-000000000000}"/>
+          </ac:spMkLst>
+        </pc:spChg>
+      </pc:sldChg>
+      <pc:sldChg chg="modSp del">
+        <pc:chgData name="Zhao Jin" userId="cd05a825-544c-438a-9ba1-08e63db50b47" providerId="ADAL" clId="{37A0D694-38DA-4421-B5D3-DEDBFC2EC57C}" dt="2021-02-03T09:00:14.226" v="1559" actId="47"/>
+        <pc:sldMkLst>
+          <pc:docMk/>
+          <pc:sldMk cId="182578491" sldId="559"/>
+        </pc:sldMkLst>
+        <pc:spChg chg="mod">
+          <ac:chgData name="Zhao Jin" userId="cd05a825-544c-438a-9ba1-08e63db50b47" providerId="ADAL" clId="{37A0D694-38DA-4421-B5D3-DEDBFC2EC57C}" dt="2021-02-03T06:56:12.527" v="36"/>
+          <ac:spMkLst>
+            <pc:docMk/>
+            <pc:sldMk cId="182578491" sldId="559"/>
+            <ac:spMk id="7" creationId="{00000000-0000-0000-0000-000000000000}"/>
+          </ac:spMkLst>
+        </pc:spChg>
+      </pc:sldChg>
+      <pc:sldChg chg="modSp del">
+        <pc:chgData name="Zhao Jin" userId="cd05a825-544c-438a-9ba1-08e63db50b47" providerId="ADAL" clId="{37A0D694-38DA-4421-B5D3-DEDBFC2EC57C}" dt="2021-02-03T09:00:14.226" v="1559" actId="47"/>
+        <pc:sldMkLst>
+          <pc:docMk/>
+          <pc:sldMk cId="2739484572" sldId="562"/>
+        </pc:sldMkLst>
+        <pc:spChg chg="mod">
+          <ac:chgData name="Zhao Jin" userId="cd05a825-544c-438a-9ba1-08e63db50b47" providerId="ADAL" clId="{37A0D694-38DA-4421-B5D3-DEDBFC2EC57C}" dt="2021-02-03T06:56:12.527" v="36"/>
+          <ac:spMkLst>
+            <pc:docMk/>
+            <pc:sldMk cId="2739484572" sldId="562"/>
+            <ac:spMk id="7" creationId="{00000000-0000-0000-0000-000000000000}"/>
+          </ac:spMkLst>
+        </pc:spChg>
+      </pc:sldChg>
+      <pc:sldChg chg="delSp modSp add del mod">
+        <pc:chgData name="Zhao Jin" userId="cd05a825-544c-438a-9ba1-08e63db50b47" providerId="ADAL" clId="{37A0D694-38DA-4421-B5D3-DEDBFC2EC57C}" dt="2021-02-10T03:55:38.772" v="4967"/>
+        <pc:sldMkLst>
+          <pc:docMk/>
+          <pc:sldMk cId="92291925" sldId="563"/>
+        </pc:sldMkLst>
+        <pc:spChg chg="mod">
+          <ac:chgData name="Zhao Jin" userId="cd05a825-544c-438a-9ba1-08e63db50b47" providerId="ADAL" clId="{37A0D694-38DA-4421-B5D3-DEDBFC2EC57C}" dt="2021-02-10T03:55:38.772" v="4967"/>
+          <ac:spMkLst>
+            <pc:docMk/>
+            <pc:sldMk cId="92291925" sldId="563"/>
+            <ac:spMk id="7" creationId="{00000000-0000-0000-0000-000000000000}"/>
+          </ac:spMkLst>
+        </pc:spChg>
+        <pc:spChg chg="mod">
+          <ac:chgData name="Zhao Jin" userId="cd05a825-544c-438a-9ba1-08e63db50b47" providerId="ADAL" clId="{37A0D694-38DA-4421-B5D3-DEDBFC2EC57C}" dt="2021-02-03T07:01:09.202" v="40" actId="20577"/>
+          <ac:spMkLst>
+            <pc:docMk/>
+            <pc:sldMk cId="92291925" sldId="563"/>
+            <ac:spMk id="91" creationId="{00000000-0000-0000-0000-000000000000}"/>
+          </ac:spMkLst>
+        </pc:spChg>
+        <pc:spChg chg="del">
+          <ac:chgData name="Zhao Jin" userId="cd05a825-544c-438a-9ba1-08e63db50b47" providerId="ADAL" clId="{37A0D694-38DA-4421-B5D3-DEDBFC2EC57C}" dt="2021-02-03T09:25:38.461" v="3335" actId="478"/>
+          <ac:spMkLst>
+            <pc:docMk/>
+            <pc:sldMk cId="92291925" sldId="563"/>
+            <ac:spMk id="14340" creationId="{00000000-0000-0000-0000-000000000000}"/>
+          </ac:spMkLst>
+        </pc:spChg>
+      </pc:sldChg>
+      <pc:sldChg chg="addSp delSp modSp add mod addAnim delAnim modAnim">
+        <pc:chgData name="Zhao Jin" userId="cd05a825-544c-438a-9ba1-08e63db50b47" providerId="ADAL" clId="{37A0D694-38DA-4421-B5D3-DEDBFC2EC57C}" dt="2021-02-10T03:55:38.772" v="4967"/>
+        <pc:sldMkLst>
+          <pc:docMk/>
+          <pc:sldMk cId="894186310" sldId="564"/>
+        </pc:sldMkLst>
+        <pc:spChg chg="add del mod">
+          <ac:chgData name="Zhao Jin" userId="cd05a825-544c-438a-9ba1-08e63db50b47" providerId="ADAL" clId="{37A0D694-38DA-4421-B5D3-DEDBFC2EC57C}" dt="2021-02-03T07:59:26.734" v="491" actId="478"/>
+          <ac:spMkLst>
+            <pc:docMk/>
+            <pc:sldMk cId="894186310" sldId="564"/>
+            <ac:spMk id="6" creationId="{E4FD3079-E00B-4FD9-86AE-A5E6CCC7EDBE}"/>
+          </ac:spMkLst>
+        </pc:spChg>
+        <pc:spChg chg="mod">
+          <ac:chgData name="Zhao Jin" userId="cd05a825-544c-438a-9ba1-08e63db50b47" providerId="ADAL" clId="{37A0D694-38DA-4421-B5D3-DEDBFC2EC57C}" dt="2021-02-10T03:55:38.772" v="4967"/>
+          <ac:spMkLst>
+            <pc:docMk/>
+            <pc:sldMk cId="894186310" sldId="564"/>
+            <ac:spMk id="7" creationId="{00000000-0000-0000-0000-000000000000}"/>
+          </ac:spMkLst>
+        </pc:spChg>
+        <pc:spChg chg="del">
+          <ac:chgData name="Zhao Jin" userId="cd05a825-544c-438a-9ba1-08e63db50b47" providerId="ADAL" clId="{37A0D694-38DA-4421-B5D3-DEDBFC2EC57C}" dt="2021-02-03T07:59:25.059" v="490" actId="478"/>
+          <ac:spMkLst>
+            <pc:docMk/>
+            <pc:sldMk cId="894186310" sldId="564"/>
+            <ac:spMk id="8" creationId="{00000000-0000-0000-0000-000000000000}"/>
+          </ac:spMkLst>
+        </pc:spChg>
+        <pc:spChg chg="add mod">
+          <ac:chgData name="Zhao Jin" userId="cd05a825-544c-438a-9ba1-08e63db50b47" providerId="ADAL" clId="{37A0D694-38DA-4421-B5D3-DEDBFC2EC57C}" dt="2021-02-08T01:23:15.974" v="3508" actId="14100"/>
+          <ac:spMkLst>
+            <pc:docMk/>
+            <pc:sldMk cId="894186310" sldId="564"/>
+            <ac:spMk id="8" creationId="{A1FCBF0D-2794-4D66-A616-CF3267CF45BD}"/>
+          </ac:spMkLst>
+        </pc:spChg>
+        <pc:spChg chg="add mod">
+          <ac:chgData name="Zhao Jin" userId="cd05a825-544c-438a-9ba1-08e63db50b47" providerId="ADAL" clId="{37A0D694-38DA-4421-B5D3-DEDBFC2EC57C}" dt="2021-02-03T08:00:25.882" v="535" actId="1035"/>
+          <ac:spMkLst>
+            <pc:docMk/>
+            <pc:sldMk cId="894186310" sldId="564"/>
+            <ac:spMk id="11" creationId="{675C9FBE-306E-46A7-BAB9-46BD27707AF2}"/>
+          </ac:spMkLst>
+        </pc:spChg>
+        <pc:spChg chg="del">
+          <ac:chgData name="Zhao Jin" userId="cd05a825-544c-438a-9ba1-08e63db50b47" providerId="ADAL" clId="{37A0D694-38DA-4421-B5D3-DEDBFC2EC57C}" dt="2021-02-03T07:56:18.626" v="405" actId="478"/>
+          <ac:spMkLst>
+            <pc:docMk/>
+            <pc:sldMk cId="894186310" sldId="564"/>
+            <ac:spMk id="84" creationId="{C4E05674-68A2-0D4E-8B47-F7A2C6A6B76F}"/>
+          </ac:spMkLst>
+        </pc:spChg>
+        <pc:spChg chg="mod">
+          <ac:chgData name="Zhao Jin" userId="cd05a825-544c-438a-9ba1-08e63db50b47" providerId="ADAL" clId="{37A0D694-38DA-4421-B5D3-DEDBFC2EC57C}" dt="2021-02-03T07:55:53.159" v="399" actId="20577"/>
+          <ac:spMkLst>
+            <pc:docMk/>
+            <pc:sldMk cId="894186310" sldId="564"/>
+            <ac:spMk id="14338" creationId="{00000000-0000-0000-0000-000000000000}"/>
+          </ac:spMkLst>
+        </pc:spChg>
+        <pc:graphicFrameChg chg="add mod modGraphic">
+          <ac:chgData name="Zhao Jin" userId="cd05a825-544c-438a-9ba1-08e63db50b47" providerId="ADAL" clId="{37A0D694-38DA-4421-B5D3-DEDBFC2EC57C}" dt="2021-02-08T01:23:58.466" v="3512" actId="14734"/>
+          <ac:graphicFrameMkLst>
+            <pc:docMk/>
+            <pc:sldMk cId="894186310" sldId="564"/>
+            <ac:graphicFrameMk id="10" creationId="{74304014-08C4-4321-AD74-36FAC51612DB}"/>
+          </ac:graphicFrameMkLst>
+        </pc:graphicFrameChg>
+        <pc:picChg chg="del">
+          <ac:chgData name="Zhao Jin" userId="cd05a825-544c-438a-9ba1-08e63db50b47" providerId="ADAL" clId="{37A0D694-38DA-4421-B5D3-DEDBFC2EC57C}" dt="2021-02-03T07:56:06.872" v="400" actId="478"/>
+          <ac:picMkLst>
+            <pc:docMk/>
+            <pc:sldMk cId="894186310" sldId="564"/>
+            <ac:picMk id="3" creationId="{78D60D94-825A-D54F-ACF5-EA46D7263418}"/>
+          </ac:picMkLst>
+        </pc:picChg>
+        <pc:picChg chg="add mod">
+          <ac:chgData name="Zhao Jin" userId="cd05a825-544c-438a-9ba1-08e63db50b47" providerId="ADAL" clId="{37A0D694-38DA-4421-B5D3-DEDBFC2EC57C}" dt="2021-02-03T08:00:23.041" v="525" actId="1076"/>
+          <ac:picMkLst>
+            <pc:docMk/>
+            <pc:sldMk cId="894186310" sldId="564"/>
+            <ac:picMk id="4" creationId="{EAFF9153-D379-4E7D-9B97-29843966A9B9}"/>
+          </ac:picMkLst>
+        </pc:picChg>
+      </pc:sldChg>
+      <pc:sldChg chg="delSp modSp add mod">
+        <pc:chgData name="Zhao Jin" userId="cd05a825-544c-438a-9ba1-08e63db50b47" providerId="ADAL" clId="{37A0D694-38DA-4421-B5D3-DEDBFC2EC57C}" dt="2021-02-10T03:55:38.772" v="4967"/>
+        <pc:sldMkLst>
+          <pc:docMk/>
+          <pc:sldMk cId="1732540191" sldId="568"/>
+        </pc:sldMkLst>
+        <pc:spChg chg="mod">
+          <ac:chgData name="Zhao Jin" userId="cd05a825-544c-438a-9ba1-08e63db50b47" providerId="ADAL" clId="{37A0D694-38DA-4421-B5D3-DEDBFC2EC57C}" dt="2021-02-10T03:55:38.772" v="4967"/>
+          <ac:spMkLst>
+            <pc:docMk/>
+            <pc:sldMk cId="1732540191" sldId="568"/>
+            <ac:spMk id="7" creationId="{00000000-0000-0000-0000-000000000000}"/>
+          </ac:spMkLst>
+        </pc:spChg>
+        <pc:spChg chg="mod">
+          <ac:chgData name="Zhao Jin" userId="cd05a825-544c-438a-9ba1-08e63db50b47" providerId="ADAL" clId="{37A0D694-38DA-4421-B5D3-DEDBFC2EC57C}" dt="2021-02-08T01:57:47.585" v="4651" actId="207"/>
+          <ac:spMkLst>
+            <pc:docMk/>
+            <pc:sldMk cId="1732540191" sldId="568"/>
+            <ac:spMk id="9" creationId="{00000000-0000-0000-0000-000000000000}"/>
+          </ac:spMkLst>
+        </pc:spChg>
+        <pc:spChg chg="mod">
+          <ac:chgData name="Zhao Jin" userId="cd05a825-544c-438a-9ba1-08e63db50b47" providerId="ADAL" clId="{37A0D694-38DA-4421-B5D3-DEDBFC2EC57C}" dt="2021-02-08T01:59:53.143" v="4810" actId="207"/>
+          <ac:spMkLst>
+            <pc:docMk/>
+            <pc:sldMk cId="1732540191" sldId="568"/>
+            <ac:spMk id="21" creationId="{00000000-0000-0000-0000-000000000000}"/>
+          </ac:spMkLst>
+        </pc:spChg>
+        <pc:spChg chg="mod">
+          <ac:chgData name="Zhao Jin" userId="cd05a825-544c-438a-9ba1-08e63db50b47" providerId="ADAL" clId="{37A0D694-38DA-4421-B5D3-DEDBFC2EC57C}" dt="2021-02-08T01:56:55.596" v="4584" actId="20577"/>
+          <ac:spMkLst>
+            <pc:docMk/>
+            <pc:sldMk cId="1732540191" sldId="568"/>
+            <ac:spMk id="14338" creationId="{00000000-0000-0000-0000-000000000000}"/>
+          </ac:spMkLst>
+        </pc:spChg>
+        <pc:spChg chg="del">
+          <ac:chgData name="Zhao Jin" userId="cd05a825-544c-438a-9ba1-08e63db50b47" providerId="ADAL" clId="{37A0D694-38DA-4421-B5D3-DEDBFC2EC57C}" dt="2021-02-08T01:56:51.648" v="4579" actId="478"/>
+          <ac:spMkLst>
+            <pc:docMk/>
+            <pc:sldMk cId="1732540191" sldId="568"/>
+            <ac:spMk id="14340" creationId="{00000000-0000-0000-0000-000000000000}"/>
+          </ac:spMkLst>
+        </pc:spChg>
+      </pc:sldChg>
+      <pc:sldChg chg="addSp delSp modSp add mod delAnim modAnim">
+        <pc:chgData name="Zhao Jin" userId="cd05a825-544c-438a-9ba1-08e63db50b47" providerId="ADAL" clId="{37A0D694-38DA-4421-B5D3-DEDBFC2EC57C}" dt="2021-02-10T03:56:06.306" v="4973" actId="20577"/>
+        <pc:sldMkLst>
+          <pc:docMk/>
+          <pc:sldMk cId="3229890649" sldId="569"/>
+        </pc:sldMkLst>
+        <pc:spChg chg="del">
+          <ac:chgData name="Zhao Jin" userId="cd05a825-544c-438a-9ba1-08e63db50b47" providerId="ADAL" clId="{37A0D694-38DA-4421-B5D3-DEDBFC2EC57C}" dt="2021-02-08T01:57:57.778" v="4652" actId="478"/>
+          <ac:spMkLst>
+            <pc:docMk/>
+            <pc:sldMk cId="3229890649" sldId="569"/>
+            <ac:spMk id="2" creationId="{00000000-0000-0000-0000-000000000000}"/>
+          </ac:spMkLst>
+        </pc:spChg>
+        <pc:spChg chg="del mod">
+          <ac:chgData name="Zhao Jin" userId="cd05a825-544c-438a-9ba1-08e63db50b47" providerId="ADAL" clId="{37A0D694-38DA-4421-B5D3-DEDBFC2EC57C}" dt="2021-02-08T01:58:06.736" v="4656" actId="478"/>
+          <ac:spMkLst>
+            <pc:docMk/>
+            <pc:sldMk cId="3229890649" sldId="569"/>
+            <ac:spMk id="3" creationId="{00000000-0000-0000-0000-000000000000}"/>
+          </ac:spMkLst>
+        </pc:spChg>
+        <pc:spChg chg="add mod">
+          <ac:chgData name="Zhao Jin" userId="cd05a825-544c-438a-9ba1-08e63db50b47" providerId="ADAL" clId="{37A0D694-38DA-4421-B5D3-DEDBFC2EC57C}" dt="2021-02-08T02:00:33.271" v="4814" actId="207"/>
+          <ac:spMkLst>
+            <pc:docMk/>
+            <pc:sldMk cId="3229890649" sldId="569"/>
+            <ac:spMk id="4" creationId="{CDCF9B36-A3E7-4464-88BD-D6D735D7C066}"/>
+          </ac:spMkLst>
+        </pc:spChg>
+        <pc:spChg chg="mod">
+          <ac:chgData name="Zhao Jin" userId="cd05a825-544c-438a-9ba1-08e63db50b47" providerId="ADAL" clId="{37A0D694-38DA-4421-B5D3-DEDBFC2EC57C}" dt="2021-02-10T03:56:06.306" v="4973" actId="20577"/>
+          <ac:spMkLst>
+            <pc:docMk/>
+            <pc:sldMk cId="3229890649" sldId="569"/>
+            <ac:spMk id="7" creationId="{00000000-0000-0000-0000-000000000000}"/>
+          </ac:spMkLst>
+        </pc:spChg>
+        <pc:spChg chg="mod">
+          <ac:chgData name="Zhao Jin" userId="cd05a825-544c-438a-9ba1-08e63db50b47" providerId="ADAL" clId="{37A0D694-38DA-4421-B5D3-DEDBFC2EC57C}" dt="2021-02-08T01:59:19.915" v="4788" actId="1036"/>
+          <ac:spMkLst>
+            <pc:docMk/>
+            <pc:sldMk cId="3229890649" sldId="569"/>
+            <ac:spMk id="9" creationId="{00000000-0000-0000-0000-000000000000}"/>
+          </ac:spMkLst>
+        </pc:spChg>
+        <pc:spChg chg="del">
+          <ac:chgData name="Zhao Jin" userId="cd05a825-544c-438a-9ba1-08e63db50b47" providerId="ADAL" clId="{37A0D694-38DA-4421-B5D3-DEDBFC2EC57C}" dt="2021-02-08T01:58:18.198" v="4676" actId="478"/>
+          <ac:spMkLst>
+            <pc:docMk/>
+            <pc:sldMk cId="3229890649" sldId="569"/>
+            <ac:spMk id="10" creationId="{00000000-0000-0000-0000-000000000000}"/>
+          </ac:spMkLst>
+        </pc:spChg>
+        <pc:spChg chg="add mod">
+          <ac:chgData name="Zhao Jin" userId="cd05a825-544c-438a-9ba1-08e63db50b47" providerId="ADAL" clId="{37A0D694-38DA-4421-B5D3-DEDBFC2EC57C}" dt="2021-02-08T02:01:55.171" v="4907" actId="20577"/>
+          <ac:spMkLst>
+            <pc:docMk/>
+            <pc:sldMk cId="3229890649" sldId="569"/>
+            <ac:spMk id="13" creationId="{2F1FA4E6-900A-4BB2-BEBE-BDBB6918E0B2}"/>
+          </ac:spMkLst>
+        </pc:spChg>
+        <pc:spChg chg="del">
+          <ac:chgData name="Zhao Jin" userId="cd05a825-544c-438a-9ba1-08e63db50b47" providerId="ADAL" clId="{37A0D694-38DA-4421-B5D3-DEDBFC2EC57C}" dt="2021-02-08T01:59:10.250" v="4757" actId="478"/>
+          <ac:spMkLst>
+            <pc:docMk/>
+            <pc:sldMk cId="3229890649" sldId="569"/>
+            <ac:spMk id="21" creationId="{00000000-0000-0000-0000-000000000000}"/>
+          </ac:spMkLst>
+        </pc:spChg>
+        <pc:spChg chg="mod">
+          <ac:chgData name="Zhao Jin" userId="cd05a825-544c-438a-9ba1-08e63db50b47" providerId="ADAL" clId="{37A0D694-38DA-4421-B5D3-DEDBFC2EC57C}" dt="2021-02-08T01:59:21.412" v="4791" actId="20577"/>
+          <ac:spMkLst>
+            <pc:docMk/>
+            <pc:sldMk cId="3229890649" sldId="569"/>
+            <ac:spMk id="14338" creationId="{00000000-0000-0000-0000-000000000000}"/>
+          </ac:spMkLst>
+        </pc:spChg>
+        <pc:spChg chg="del">
+          <ac:chgData name="Zhao Jin" userId="cd05a825-544c-438a-9ba1-08e63db50b47" providerId="ADAL" clId="{37A0D694-38DA-4421-B5D3-DEDBFC2EC57C}" dt="2021-02-08T01:59:22.694" v="4792" actId="478"/>
+          <ac:spMkLst>
+            <pc:docMk/>
+            <pc:sldMk cId="3229890649" sldId="569"/>
+            <ac:spMk id="14340" creationId="{00000000-0000-0000-0000-000000000000}"/>
+          </ac:spMkLst>
+        </pc:spChg>
+      </pc:sldChg>
+      <pc:sldChg chg="addSp delSp modSp add del mod">
+        <pc:chgData name="Zhao Jin" userId="cd05a825-544c-438a-9ba1-08e63db50b47" providerId="ADAL" clId="{37A0D694-38DA-4421-B5D3-DEDBFC2EC57C}" dt="2021-02-10T03:55:38.772" v="4967"/>
+        <pc:sldMkLst>
+          <pc:docMk/>
+          <pc:sldMk cId="3922430229" sldId="580"/>
+        </pc:sldMkLst>
+        <pc:spChg chg="mod">
+          <ac:chgData name="Zhao Jin" userId="cd05a825-544c-438a-9ba1-08e63db50b47" providerId="ADAL" clId="{37A0D694-38DA-4421-B5D3-DEDBFC2EC57C}" dt="2021-02-10T03:55:38.772" v="4967"/>
+          <ac:spMkLst>
+            <pc:docMk/>
+            <pc:sldMk cId="3922430229" sldId="580"/>
+            <ac:spMk id="7" creationId="{00000000-0000-0000-0000-000000000000}"/>
+          </ac:spMkLst>
+        </pc:spChg>
+        <pc:spChg chg="mod">
+          <ac:chgData name="Zhao Jin" userId="cd05a825-544c-438a-9ba1-08e63db50b47" providerId="ADAL" clId="{37A0D694-38DA-4421-B5D3-DEDBFC2EC57C}" dt="2021-02-08T01:40:08.440" v="3975" actId="207"/>
+          <ac:spMkLst>
+            <pc:docMk/>
+            <pc:sldMk cId="3922430229" sldId="580"/>
+            <ac:spMk id="9" creationId="{00000000-0000-0000-0000-000000000000}"/>
+          </ac:spMkLst>
+        </pc:spChg>
+        <pc:spChg chg="mod">
+          <ac:chgData name="Zhao Jin" userId="cd05a825-544c-438a-9ba1-08e63db50b47" providerId="ADAL" clId="{37A0D694-38DA-4421-B5D3-DEDBFC2EC57C}" dt="2021-02-08T01:41:10.766" v="4086" actId="1038"/>
+          <ac:spMkLst>
+            <pc:docMk/>
+            <pc:sldMk cId="3922430229" sldId="580"/>
+            <ac:spMk id="10" creationId="{00000000-0000-0000-0000-000000000000}"/>
+          </ac:spMkLst>
+        </pc:spChg>
+        <pc:spChg chg="mod">
+          <ac:chgData name="Zhao Jin" userId="cd05a825-544c-438a-9ba1-08e63db50b47" providerId="ADAL" clId="{37A0D694-38DA-4421-B5D3-DEDBFC2EC57C}" dt="2021-02-08T01:40:34.781" v="4005" actId="207"/>
+          <ac:spMkLst>
+            <pc:docMk/>
+            <pc:sldMk cId="3922430229" sldId="580"/>
             <ac:spMk id="11" creationId="{00000000-0000-0000-0000-000000000000}"/>
           </ac:spMkLst>
         </pc:spChg>
+        <pc:spChg chg="add del mod">
+          <ac:chgData name="Zhao Jin" userId="cd05a825-544c-438a-9ba1-08e63db50b47" providerId="ADAL" clId="{37A0D694-38DA-4421-B5D3-DEDBFC2EC57C}" dt="2021-02-08T01:37:00.332" v="3812"/>
+          <ac:spMkLst>
+            <pc:docMk/>
+            <pc:sldMk cId="3922430229" sldId="580"/>
+            <ac:spMk id="13" creationId="{4F472ABD-E315-4BA8-AF98-DCE9D31E1B44}"/>
+          </ac:spMkLst>
+        </pc:spChg>
+        <pc:spChg chg="mod">
+          <ac:chgData name="Zhao Jin" userId="cd05a825-544c-438a-9ba1-08e63db50b47" providerId="ADAL" clId="{37A0D694-38DA-4421-B5D3-DEDBFC2EC57C}" dt="2021-02-08T01:41:06.558" v="4075" actId="20577"/>
+          <ac:spMkLst>
+            <pc:docMk/>
+            <pc:sldMk cId="3922430229" sldId="580"/>
+            <ac:spMk id="14338" creationId="{00000000-0000-0000-0000-000000000000}"/>
+          </ac:spMkLst>
+        </pc:spChg>
         <pc:spChg chg="del">
-          <ac:chgData name="Zhao Jin" userId="cd05a825-544c-438a-9ba1-08e63db50b47" providerId="ADAL" clId="{E094A0D3-9008-D44F-B23F-E71F39C2BDEC}" dt="2021-01-27T05:24:35.188" v="376" actId="478"/>
-          <ac:spMkLst>
-            <pc:docMk/>
-            <pc:sldMk cId="1659983766" sldId="554"/>
-            <ac:spMk id="13" creationId="{00000000-0000-0000-0000-000000000000}"/>
-          </ac:spMkLst>
-        </pc:spChg>
-        <pc:spChg chg="del mod">
-          <ac:chgData name="Zhao Jin" userId="cd05a825-544c-438a-9ba1-08e63db50b47" providerId="ADAL" clId="{E094A0D3-9008-D44F-B23F-E71F39C2BDEC}" dt="2021-01-27T05:27:49.217" v="613" actId="478"/>
-          <ac:spMkLst>
-            <pc:docMk/>
-            <pc:sldMk cId="1659983766" sldId="554"/>
-            <ac:spMk id="14" creationId="{00000000-0000-0000-0000-000000000000}"/>
+          <ac:chgData name="Zhao Jin" userId="cd05a825-544c-438a-9ba1-08e63db50b47" providerId="ADAL" clId="{37A0D694-38DA-4421-B5D3-DEDBFC2EC57C}" dt="2021-02-08T01:36:49.901" v="3810" actId="478"/>
+          <ac:spMkLst>
+            <pc:docMk/>
+            <pc:sldMk cId="3922430229" sldId="580"/>
+            <ac:spMk id="14340" creationId="{00000000-0000-0000-0000-000000000000}"/>
+          </ac:spMkLst>
+        </pc:spChg>
+      </pc:sldChg>
+      <pc:sldChg chg="delSp modSp add mod">
+        <pc:chgData name="Zhao Jin" userId="cd05a825-544c-438a-9ba1-08e63db50b47" providerId="ADAL" clId="{37A0D694-38DA-4421-B5D3-DEDBFC2EC57C}" dt="2021-02-10T03:55:38.772" v="4967"/>
+        <pc:sldMkLst>
+          <pc:docMk/>
+          <pc:sldMk cId="1886636263" sldId="581"/>
+        </pc:sldMkLst>
+        <pc:spChg chg="mod">
+          <ac:chgData name="Zhao Jin" userId="cd05a825-544c-438a-9ba1-08e63db50b47" providerId="ADAL" clId="{37A0D694-38DA-4421-B5D3-DEDBFC2EC57C}" dt="2021-02-10T03:55:38.772" v="4967"/>
+          <ac:spMkLst>
+            <pc:docMk/>
+            <pc:sldMk cId="1886636263" sldId="581"/>
+            <ac:spMk id="7" creationId="{00000000-0000-0000-0000-000000000000}"/>
+          </ac:spMkLst>
+        </pc:spChg>
+        <pc:spChg chg="mod">
+          <ac:chgData name="Zhao Jin" userId="cd05a825-544c-438a-9ba1-08e63db50b47" providerId="ADAL" clId="{37A0D694-38DA-4421-B5D3-DEDBFC2EC57C}" dt="2021-02-03T09:23:01.385" v="3251" actId="1038"/>
+          <ac:spMkLst>
+            <pc:docMk/>
+            <pc:sldMk cId="1886636263" sldId="581"/>
+            <ac:spMk id="10" creationId="{00000000-0000-0000-0000-000000000000}"/>
+          </ac:spMkLst>
+        </pc:spChg>
+        <pc:spChg chg="mod">
+          <ac:chgData name="Zhao Jin" userId="cd05a825-544c-438a-9ba1-08e63db50b47" providerId="ADAL" clId="{37A0D694-38DA-4421-B5D3-DEDBFC2EC57C}" dt="2021-02-03T09:23:10.247" v="3254" actId="113"/>
+          <ac:spMkLst>
+            <pc:docMk/>
+            <pc:sldMk cId="1886636263" sldId="581"/>
+            <ac:spMk id="11" creationId="{00000000-0000-0000-0000-000000000000}"/>
+          </ac:spMkLst>
+        </pc:spChg>
+        <pc:spChg chg="mod">
+          <ac:chgData name="Zhao Jin" userId="cd05a825-544c-438a-9ba1-08e63db50b47" providerId="ADAL" clId="{37A0D694-38DA-4421-B5D3-DEDBFC2EC57C}" dt="2021-02-03T09:21:16.883" v="3154" actId="20577"/>
+          <ac:spMkLst>
+            <pc:docMk/>
+            <pc:sldMk cId="1886636263" sldId="581"/>
+            <ac:spMk id="14338" creationId="{00000000-0000-0000-0000-000000000000}"/>
           </ac:spMkLst>
         </pc:spChg>
         <pc:spChg chg="del">
-          <ac:chgData name="Zhao Jin" userId="cd05a825-544c-438a-9ba1-08e63db50b47" providerId="ADAL" clId="{E094A0D3-9008-D44F-B23F-E71F39C2BDEC}" dt="2021-01-27T05:24:33.113" v="375" actId="478"/>
-          <ac:spMkLst>
-            <pc:docMk/>
-            <pc:sldMk cId="1659983766" sldId="554"/>
-            <ac:spMk id="15" creationId="{00000000-0000-0000-0000-000000000000}"/>
-          </ac:spMkLst>
-        </pc:spChg>
+          <ac:chgData name="Zhao Jin" userId="cd05a825-544c-438a-9ba1-08e63db50b47" providerId="ADAL" clId="{37A0D694-38DA-4421-B5D3-DEDBFC2EC57C}" dt="2021-02-08T01:42:06.532" v="4090" actId="478"/>
+          <ac:spMkLst>
+            <pc:docMk/>
+            <pc:sldMk cId="1886636263" sldId="581"/>
+            <ac:spMk id="14340" creationId="{00000000-0000-0000-0000-000000000000}"/>
+          </ac:spMkLst>
+        </pc:spChg>
+      </pc:sldChg>
+      <pc:sldChg chg="modSp add del mod">
+        <pc:chgData name="Zhao Jin" userId="cd05a825-544c-438a-9ba1-08e63db50b47" providerId="ADAL" clId="{37A0D694-38DA-4421-B5D3-DEDBFC2EC57C}" dt="2021-02-03T08:47:45.744" v="1076" actId="47"/>
+        <pc:sldMkLst>
+          <pc:docMk/>
+          <pc:sldMk cId="893488834" sldId="587"/>
+        </pc:sldMkLst>
         <pc:spChg chg="mod">
-          <ac:chgData name="Zhao Jin" userId="cd05a825-544c-438a-9ba1-08e63db50b47" providerId="ADAL" clId="{E094A0D3-9008-D44F-B23F-E71F39C2BDEC}" dt="2021-01-27T05:37:50.456" v="1042" actId="1035"/>
-          <ac:spMkLst>
-            <pc:docMk/>
-            <pc:sldMk cId="1659983766" sldId="554"/>
-            <ac:spMk id="16" creationId="{00000000-0000-0000-0000-000000000000}"/>
+          <ac:chgData name="Zhao Jin" userId="cd05a825-544c-438a-9ba1-08e63db50b47" providerId="ADAL" clId="{37A0D694-38DA-4421-B5D3-DEDBFC2EC57C}" dt="2021-02-03T08:01:59.201" v="538" actId="20577"/>
+          <ac:spMkLst>
+            <pc:docMk/>
+            <pc:sldMk cId="893488834" sldId="587"/>
+            <ac:spMk id="19" creationId="{00000000-0000-0000-0000-000000000000}"/>
+          </ac:spMkLst>
+        </pc:spChg>
+        <pc:spChg chg="mod">
+          <ac:chgData name="Zhao Jin" userId="cd05a825-544c-438a-9ba1-08e63db50b47" providerId="ADAL" clId="{37A0D694-38DA-4421-B5D3-DEDBFC2EC57C}" dt="2021-02-03T08:02:04.276" v="539" actId="6549"/>
+          <ac:spMkLst>
+            <pc:docMk/>
+            <pc:sldMk cId="893488834" sldId="587"/>
+            <ac:spMk id="14338" creationId="{00000000-0000-0000-0000-000000000000}"/>
+          </ac:spMkLst>
+        </pc:spChg>
+      </pc:sldChg>
+      <pc:sldChg chg="addSp modSp add del mod">
+        <pc:chgData name="Zhao Jin" userId="cd05a825-544c-438a-9ba1-08e63db50b47" providerId="ADAL" clId="{37A0D694-38DA-4421-B5D3-DEDBFC2EC57C}" dt="2021-02-03T08:47:43.004" v="1075" actId="47"/>
+        <pc:sldMkLst>
+          <pc:docMk/>
+          <pc:sldMk cId="2663336489" sldId="588"/>
+        </pc:sldMkLst>
+        <pc:spChg chg="mod">
+          <ac:chgData name="Zhao Jin" userId="cd05a825-544c-438a-9ba1-08e63db50b47" providerId="ADAL" clId="{37A0D694-38DA-4421-B5D3-DEDBFC2EC57C}" dt="2021-02-03T08:02:36.274" v="551" actId="404"/>
+          <ac:spMkLst>
+            <pc:docMk/>
+            <pc:sldMk cId="2663336489" sldId="588"/>
+            <ac:spMk id="19" creationId="{00000000-0000-0000-0000-000000000000}"/>
+          </ac:spMkLst>
+        </pc:spChg>
+        <pc:picChg chg="add mod">
+          <ac:chgData name="Zhao Jin" userId="cd05a825-544c-438a-9ba1-08e63db50b47" providerId="ADAL" clId="{37A0D694-38DA-4421-B5D3-DEDBFC2EC57C}" dt="2021-02-03T08:02:30.780" v="547" actId="1076"/>
+          <ac:picMkLst>
+            <pc:docMk/>
+            <pc:sldMk cId="2663336489" sldId="588"/>
+            <ac:picMk id="1026" creationId="{260029BB-3AC2-413A-B9C2-5983AA6DD1EE}"/>
+          </ac:picMkLst>
+        </pc:picChg>
+      </pc:sldChg>
+      <pc:sldChg chg="addSp delSp modSp add mod">
+        <pc:chgData name="Zhao Jin" userId="cd05a825-544c-438a-9ba1-08e63db50b47" providerId="ADAL" clId="{37A0D694-38DA-4421-B5D3-DEDBFC2EC57C}" dt="2021-02-10T03:55:38.772" v="4967"/>
+        <pc:sldMkLst>
+          <pc:docMk/>
+          <pc:sldMk cId="211149325" sldId="589"/>
+        </pc:sldMkLst>
+        <pc:spChg chg="mod">
+          <ac:chgData name="Zhao Jin" userId="cd05a825-544c-438a-9ba1-08e63db50b47" providerId="ADAL" clId="{37A0D694-38DA-4421-B5D3-DEDBFC2EC57C}" dt="2021-02-10T03:55:38.772" v="4967"/>
+          <ac:spMkLst>
+            <pc:docMk/>
+            <pc:sldMk cId="211149325" sldId="589"/>
+            <ac:spMk id="7" creationId="{00000000-0000-0000-0000-000000000000}"/>
+          </ac:spMkLst>
+        </pc:spChg>
+        <pc:spChg chg="mod">
+          <ac:chgData name="Zhao Jin" userId="cd05a825-544c-438a-9ba1-08e63db50b47" providerId="ADAL" clId="{37A0D694-38DA-4421-B5D3-DEDBFC2EC57C}" dt="2021-02-03T08:05:19.022" v="583" actId="20577"/>
+          <ac:spMkLst>
+            <pc:docMk/>
+            <pc:sldMk cId="211149325" sldId="589"/>
+            <ac:spMk id="19" creationId="{00000000-0000-0000-0000-000000000000}"/>
+          </ac:spMkLst>
+        </pc:spChg>
+        <pc:spChg chg="mod">
+          <ac:chgData name="Zhao Jin" userId="cd05a825-544c-438a-9ba1-08e63db50b47" providerId="ADAL" clId="{37A0D694-38DA-4421-B5D3-DEDBFC2EC57C}" dt="2021-02-03T08:05:48.631" v="589" actId="20577"/>
+          <ac:spMkLst>
+            <pc:docMk/>
+            <pc:sldMk cId="211149325" sldId="589"/>
+            <ac:spMk id="22" creationId="{00000000-0000-0000-0000-000000000000}"/>
+          </ac:spMkLst>
+        </pc:spChg>
+        <pc:spChg chg="mod">
+          <ac:chgData name="Zhao Jin" userId="cd05a825-544c-438a-9ba1-08e63db50b47" providerId="ADAL" clId="{37A0D694-38DA-4421-B5D3-DEDBFC2EC57C}" dt="2021-02-03T08:05:49.985" v="590" actId="20577"/>
+          <ac:spMkLst>
+            <pc:docMk/>
+            <pc:sldMk cId="211149325" sldId="589"/>
+            <ac:spMk id="27" creationId="{00000000-0000-0000-0000-000000000000}"/>
+          </ac:spMkLst>
+        </pc:spChg>
+        <pc:spChg chg="mod">
+          <ac:chgData name="Zhao Jin" userId="cd05a825-544c-438a-9ba1-08e63db50b47" providerId="ADAL" clId="{37A0D694-38DA-4421-B5D3-DEDBFC2EC57C}" dt="2021-02-03T08:05:52.229" v="591" actId="20577"/>
+          <ac:spMkLst>
+            <pc:docMk/>
+            <pc:sldMk cId="211149325" sldId="589"/>
+            <ac:spMk id="30" creationId="{00000000-0000-0000-0000-000000000000}"/>
+          </ac:spMkLst>
+        </pc:spChg>
+        <pc:spChg chg="mod">
+          <ac:chgData name="Zhao Jin" userId="cd05a825-544c-438a-9ba1-08e63db50b47" providerId="ADAL" clId="{37A0D694-38DA-4421-B5D3-DEDBFC2EC57C}" dt="2021-02-03T09:25:01.711" v="3283" actId="6549"/>
+          <ac:spMkLst>
+            <pc:docMk/>
+            <pc:sldMk cId="211149325" sldId="589"/>
+            <ac:spMk id="14338" creationId="{00000000-0000-0000-0000-000000000000}"/>
           </ac:spMkLst>
         </pc:spChg>
         <pc:spChg chg="del">
-          <ac:chgData name="Zhao Jin" userId="cd05a825-544c-438a-9ba1-08e63db50b47" providerId="ADAL" clId="{E094A0D3-9008-D44F-B23F-E71F39C2BDEC}" dt="2021-01-27T05:24:46.336" v="382" actId="478"/>
-          <ac:spMkLst>
-            <pc:docMk/>
-            <pc:sldMk cId="1659983766" sldId="554"/>
-            <ac:spMk id="17" creationId="{00000000-0000-0000-0000-000000000000}"/>
-          </ac:spMkLst>
-        </pc:spChg>
-        <pc:spChg chg="del">
-          <ac:chgData name="Zhao Jin" userId="cd05a825-544c-438a-9ba1-08e63db50b47" providerId="ADAL" clId="{E094A0D3-9008-D44F-B23F-E71F39C2BDEC}" dt="2021-01-27T05:24:41.620" v="380" actId="478"/>
-          <ac:spMkLst>
-            <pc:docMk/>
-            <pc:sldMk cId="1659983766" sldId="554"/>
-            <ac:spMk id="18" creationId="{00000000-0000-0000-0000-000000000000}"/>
-          </ac:spMkLst>
-        </pc:spChg>
-        <pc:spChg chg="mod">
-          <ac:chgData name="Zhao Jin" userId="cd05a825-544c-438a-9ba1-08e63db50b47" providerId="ADAL" clId="{E094A0D3-9008-D44F-B23F-E71F39C2BDEC}" dt="2021-01-27T05:31:04.899" v="719" actId="20577"/>
-          <ac:spMkLst>
-            <pc:docMk/>
-            <pc:sldMk cId="1659983766" sldId="554"/>
-            <ac:spMk id="34" creationId="{00000000-0000-0000-0000-000000000000}"/>
-          </ac:spMkLst>
-        </pc:spChg>
-        <pc:spChg chg="del mod">
-          <ac:chgData name="Zhao Jin" userId="cd05a825-544c-438a-9ba1-08e63db50b47" providerId="ADAL" clId="{E094A0D3-9008-D44F-B23F-E71F39C2BDEC}" dt="2021-01-27T05:24:40.087" v="379" actId="478"/>
-          <ac:spMkLst>
-            <pc:docMk/>
-            <pc:sldMk cId="1659983766" sldId="554"/>
-            <ac:spMk id="48" creationId="{00000000-0000-0000-0000-000000000000}"/>
-          </ac:spMkLst>
-        </pc:spChg>
-        <pc:spChg chg="add mod">
-          <ac:chgData name="Zhao Jin" userId="cd05a825-544c-438a-9ba1-08e63db50b47" providerId="ADAL" clId="{E094A0D3-9008-D44F-B23F-E71F39C2BDEC}" dt="2021-01-27T05:35:32.267" v="828" actId="1035"/>
-          <ac:spMkLst>
-            <pc:docMk/>
-            <pc:sldMk cId="1659983766" sldId="554"/>
-            <ac:spMk id="49" creationId="{21EEE82A-4DB6-1D4F-9A03-5951F440FE93}"/>
-          </ac:spMkLst>
-        </pc:spChg>
-        <pc:spChg chg="add mod">
-          <ac:chgData name="Zhao Jin" userId="cd05a825-544c-438a-9ba1-08e63db50b47" providerId="ADAL" clId="{E094A0D3-9008-D44F-B23F-E71F39C2BDEC}" dt="2021-01-27T05:37:45.636" v="1033" actId="139"/>
-          <ac:spMkLst>
-            <pc:docMk/>
-            <pc:sldMk cId="1659983766" sldId="554"/>
-            <ac:spMk id="50" creationId="{6A68E681-1A88-9040-8F49-07716663CAA5}"/>
-          </ac:spMkLst>
-        </pc:spChg>
-        <pc:spChg chg="mod">
-          <ac:chgData name="Zhao Jin" userId="cd05a825-544c-438a-9ba1-08e63db50b47" providerId="ADAL" clId="{E094A0D3-9008-D44F-B23F-E71F39C2BDEC}" dt="2021-01-27T05:24:26.093" v="374" actId="20577"/>
-          <ac:spMkLst>
-            <pc:docMk/>
-            <pc:sldMk cId="1659983766" sldId="554"/>
-            <ac:spMk id="14338" creationId="{00000000-0000-0000-0000-000000000000}"/>
-          </ac:spMkLst>
-        </pc:spChg>
-        <pc:grpChg chg="del">
-          <ac:chgData name="Zhao Jin" userId="cd05a825-544c-438a-9ba1-08e63db50b47" providerId="ADAL" clId="{E094A0D3-9008-D44F-B23F-E71F39C2BDEC}" dt="2021-01-27T05:24:36.894" v="377" actId="478"/>
+          <ac:chgData name="Zhao Jin" userId="cd05a825-544c-438a-9ba1-08e63db50b47" providerId="ADAL" clId="{37A0D694-38DA-4421-B5D3-DEDBFC2EC57C}" dt="2021-02-03T09:26:19.685" v="3354" actId="478"/>
+          <ac:spMkLst>
+            <pc:docMk/>
+            <pc:sldMk cId="211149325" sldId="589"/>
+            <ac:spMk id="14340" creationId="{00000000-0000-0000-0000-000000000000}"/>
+          </ac:spMkLst>
+        </pc:spChg>
+        <pc:grpChg chg="mod">
+          <ac:chgData name="Zhao Jin" userId="cd05a825-544c-438a-9ba1-08e63db50b47" providerId="ADAL" clId="{37A0D694-38DA-4421-B5D3-DEDBFC2EC57C}" dt="2021-02-03T08:05:47.280" v="588" actId="1076"/>
           <ac:grpSpMkLst>
             <pc:docMk/>
-            <pc:sldMk cId="1659983766" sldId="554"/>
-            <ac:grpSpMk id="19" creationId="{00000000-0000-0000-0000-000000000000}"/>
+            <pc:sldMk cId="211149325" sldId="589"/>
+            <ac:grpSpMk id="20" creationId="{00000000-0000-0000-0000-000000000000}"/>
           </ac:grpSpMkLst>
         </pc:grpChg>
         <pc:grpChg chg="mod">
-          <ac:chgData name="Zhao Jin" userId="cd05a825-544c-438a-9ba1-08e63db50b47" providerId="ADAL" clId="{E094A0D3-9008-D44F-B23F-E71F39C2BDEC}" dt="2021-01-27T05:36:20.397" v="880" actId="1076"/>
+          <ac:chgData name="Zhao Jin" userId="cd05a825-544c-438a-9ba1-08e63db50b47" providerId="ADAL" clId="{37A0D694-38DA-4421-B5D3-DEDBFC2EC57C}" dt="2021-02-03T08:03:56.449" v="570" actId="1076"/>
           <ac:grpSpMkLst>
             <pc:docMk/>
-            <pc:sldMk cId="1659983766" sldId="554"/>
-            <ac:grpSpMk id="31" creationId="{00000000-0000-0000-0000-000000000000}"/>
+            <pc:sldMk cId="211149325" sldId="589"/>
+            <ac:grpSpMk id="28" creationId="{00000000-0000-0000-0000-000000000000}"/>
           </ac:grpSpMkLst>
         </pc:grpChg>
+        <pc:picChg chg="add del mod">
+          <ac:chgData name="Zhao Jin" userId="cd05a825-544c-438a-9ba1-08e63db50b47" providerId="ADAL" clId="{37A0D694-38DA-4421-B5D3-DEDBFC2EC57C}" dt="2021-02-03T08:05:55.520" v="595" actId="1035"/>
+          <ac:picMkLst>
+            <pc:docMk/>
+            <pc:sldMk cId="211149325" sldId="589"/>
+            <ac:picMk id="1026" creationId="{260029BB-3AC2-413A-B9C2-5983AA6DD1EE}"/>
+          </ac:picMkLst>
+        </pc:picChg>
         <pc:cxnChg chg="mod">
-          <ac:chgData name="Zhao Jin" userId="cd05a825-544c-438a-9ba1-08e63db50b47" providerId="ADAL" clId="{E094A0D3-9008-D44F-B23F-E71F39C2BDEC}" dt="2021-01-27T05:24:36.894" v="377" actId="478"/>
+          <ac:chgData name="Zhao Jin" userId="cd05a825-544c-438a-9ba1-08e63db50b47" providerId="ADAL" clId="{37A0D694-38DA-4421-B5D3-DEDBFC2EC57C}" dt="2021-02-03T08:04:23.899" v="577" actId="14100"/>
           <ac:cxnSpMkLst>
             <pc:docMk/>
-            <pc:sldMk cId="1659983766" sldId="554"/>
+            <pc:sldMk cId="211149325" sldId="589"/>
             <ac:cxnSpMk id="21" creationId="{00000000-0000-0000-0000-000000000000}"/>
           </ac:cxnSpMkLst>
         </pc:cxnChg>
         <pc:cxnChg chg="mod">
-          <ac:chgData name="Zhao Jin" userId="cd05a825-544c-438a-9ba1-08e63db50b47" providerId="ADAL" clId="{E094A0D3-9008-D44F-B23F-E71F39C2BDEC}" dt="2021-01-27T05:24:36.894" v="377" actId="478"/>
+          <ac:chgData name="Zhao Jin" userId="cd05a825-544c-438a-9ba1-08e63db50b47" providerId="ADAL" clId="{37A0D694-38DA-4421-B5D3-DEDBFC2EC57C}" dt="2021-02-03T08:05:27.870" v="585" actId="14100"/>
           <ac:cxnSpMkLst>
             <pc:docMk/>
-            <pc:sldMk cId="1659983766" sldId="554"/>
-            <ac:cxnSpMk id="23" creationId="{00000000-0000-0000-0000-000000000000}"/>
+            <pc:sldMk cId="211149325" sldId="589"/>
+            <ac:cxnSpMk id="26" creationId="{00000000-0000-0000-0000-000000000000}"/>
           </ac:cxnSpMkLst>
         </pc:cxnChg>
         <pc:cxnChg chg="mod">
-          <ac:chgData name="Zhao Jin" userId="cd05a825-544c-438a-9ba1-08e63db50b47" providerId="ADAL" clId="{E094A0D3-9008-D44F-B23F-E71F39C2BDEC}" dt="2021-01-27T05:24:36.894" v="377" actId="478"/>
+          <ac:chgData name="Zhao Jin" userId="cd05a825-544c-438a-9ba1-08e63db50b47" providerId="ADAL" clId="{37A0D694-38DA-4421-B5D3-DEDBFC2EC57C}" dt="2021-02-03T08:05:30.610" v="586" actId="14100"/>
           <ac:cxnSpMkLst>
             <pc:docMk/>
-            <pc:sldMk cId="1659983766" sldId="554"/>
-            <ac:cxnSpMk id="28" creationId="{00000000-0000-0000-0000-000000000000}"/>
+            <pc:sldMk cId="211149325" sldId="589"/>
+            <ac:cxnSpMk id="29" creationId="{00000000-0000-0000-0000-000000000000}"/>
+          </ac:cxnSpMkLst>
+        </pc:cxnChg>
+      </pc:sldChg>
+      <pc:sldChg chg="addSp delSp modSp add mod delAnim modAnim">
+        <pc:chgData name="Zhao Jin" userId="cd05a825-544c-438a-9ba1-08e63db50b47" providerId="ADAL" clId="{37A0D694-38DA-4421-B5D3-DEDBFC2EC57C}" dt="2021-02-10T03:55:38.772" v="4967"/>
+        <pc:sldMkLst>
+          <pc:docMk/>
+          <pc:sldMk cId="4156536479" sldId="590"/>
+        </pc:sldMkLst>
+        <pc:spChg chg="mod">
+          <ac:chgData name="Zhao Jin" userId="cd05a825-544c-438a-9ba1-08e63db50b47" providerId="ADAL" clId="{37A0D694-38DA-4421-B5D3-DEDBFC2EC57C}" dt="2021-02-10T03:55:38.772" v="4967"/>
+          <ac:spMkLst>
+            <pc:docMk/>
+            <pc:sldMk cId="4156536479" sldId="590"/>
+            <ac:spMk id="7" creationId="{00000000-0000-0000-0000-000000000000}"/>
+          </ac:spMkLst>
+        </pc:spChg>
+        <pc:spChg chg="add mod">
+          <ac:chgData name="Zhao Jin" userId="cd05a825-544c-438a-9ba1-08e63db50b47" providerId="ADAL" clId="{37A0D694-38DA-4421-B5D3-DEDBFC2EC57C}" dt="2021-02-03T09:38:34.228" v="3358" actId="13926"/>
+          <ac:spMkLst>
+            <pc:docMk/>
+            <pc:sldMk cId="4156536479" sldId="590"/>
+            <ac:spMk id="8" creationId="{3895F873-6CB7-4316-B798-EE54B3634728}"/>
+          </ac:spMkLst>
+        </pc:spChg>
+        <pc:spChg chg="add del mod">
+          <ac:chgData name="Zhao Jin" userId="cd05a825-544c-438a-9ba1-08e63db50b47" providerId="ADAL" clId="{37A0D694-38DA-4421-B5D3-DEDBFC2EC57C}" dt="2021-02-08T01:29:47.127" v="3514"/>
+          <ac:spMkLst>
+            <pc:docMk/>
+            <pc:sldMk cId="4156536479" sldId="590"/>
+            <ac:spMk id="11" creationId="{5846B50D-EC54-48E6-AE72-B0B5F8190097}"/>
+          </ac:spMkLst>
+        </pc:spChg>
+        <pc:spChg chg="del">
+          <ac:chgData name="Zhao Jin" userId="cd05a825-544c-438a-9ba1-08e63db50b47" providerId="ADAL" clId="{37A0D694-38DA-4421-B5D3-DEDBFC2EC57C}" dt="2021-02-03T08:06:42.479" v="598" actId="478"/>
+          <ac:spMkLst>
+            <pc:docMk/>
+            <pc:sldMk cId="4156536479" sldId="590"/>
+            <ac:spMk id="11" creationId="{675C9FBE-306E-46A7-BAB9-46BD27707AF2}"/>
+          </ac:spMkLst>
+        </pc:spChg>
+        <pc:spChg chg="add mod">
+          <ac:chgData name="Zhao Jin" userId="cd05a825-544c-438a-9ba1-08e63db50b47" providerId="ADAL" clId="{37A0D694-38DA-4421-B5D3-DEDBFC2EC57C}" dt="2021-02-08T01:38:27.881" v="3917" actId="20577"/>
+          <ac:spMkLst>
+            <pc:docMk/>
+            <pc:sldMk cId="4156536479" sldId="590"/>
+            <ac:spMk id="13" creationId="{0AD363C8-B264-4386-9E1D-EAA63F4BF1CC}"/>
+          </ac:spMkLst>
+        </pc:spChg>
+        <pc:spChg chg="add del mod">
+          <ac:chgData name="Zhao Jin" userId="cd05a825-544c-438a-9ba1-08e63db50b47" providerId="ADAL" clId="{37A0D694-38DA-4421-B5D3-DEDBFC2EC57C}" dt="2021-02-03T08:40:38.562" v="720" actId="478"/>
+          <ac:spMkLst>
+            <pc:docMk/>
+            <pc:sldMk cId="4156536479" sldId="590"/>
+            <ac:spMk id="33" creationId="{4F924E87-CB56-4AC7-8777-A327820A47C5}"/>
+          </ac:spMkLst>
+        </pc:spChg>
+        <pc:spChg chg="add mod">
+          <ac:chgData name="Zhao Jin" userId="cd05a825-544c-438a-9ba1-08e63db50b47" providerId="ADAL" clId="{37A0D694-38DA-4421-B5D3-DEDBFC2EC57C}" dt="2021-02-03T08:41:47.988" v="927" actId="14100"/>
+          <ac:spMkLst>
+            <pc:docMk/>
+            <pc:sldMk cId="4156536479" sldId="590"/>
+            <ac:spMk id="34" creationId="{1DA4B870-5E05-4566-A46F-B6A051179C55}"/>
+          </ac:spMkLst>
+        </pc:spChg>
+        <pc:spChg chg="mod">
+          <ac:chgData name="Zhao Jin" userId="cd05a825-544c-438a-9ba1-08e63db50b47" providerId="ADAL" clId="{37A0D694-38DA-4421-B5D3-DEDBFC2EC57C}" dt="2021-02-03T09:25:01.287" v="3281" actId="6549"/>
+          <ac:spMkLst>
+            <pc:docMk/>
+            <pc:sldMk cId="4156536479" sldId="590"/>
+            <ac:spMk id="14338" creationId="{00000000-0000-0000-0000-000000000000}"/>
+          </ac:spMkLst>
+        </pc:spChg>
+        <pc:graphicFrameChg chg="del">
+          <ac:chgData name="Zhao Jin" userId="cd05a825-544c-438a-9ba1-08e63db50b47" providerId="ADAL" clId="{37A0D694-38DA-4421-B5D3-DEDBFC2EC57C}" dt="2021-02-03T08:06:41.239" v="597" actId="478"/>
+          <ac:graphicFrameMkLst>
+            <pc:docMk/>
+            <pc:sldMk cId="4156536479" sldId="590"/>
+            <ac:graphicFrameMk id="10" creationId="{74304014-08C4-4321-AD74-36FAC51612DB}"/>
+          </ac:graphicFrameMkLst>
+        </pc:graphicFrameChg>
+        <pc:picChg chg="mod">
+          <ac:chgData name="Zhao Jin" userId="cd05a825-544c-438a-9ba1-08e63db50b47" providerId="ADAL" clId="{37A0D694-38DA-4421-B5D3-DEDBFC2EC57C}" dt="2021-02-03T08:38:53.114" v="646" actId="1076"/>
+          <ac:picMkLst>
+            <pc:docMk/>
+            <pc:sldMk cId="4156536479" sldId="590"/>
+            <ac:picMk id="4" creationId="{EAFF9153-D379-4E7D-9B97-29843966A9B9}"/>
+          </ac:picMkLst>
+        </pc:picChg>
+        <pc:cxnChg chg="add del mod">
+          <ac:chgData name="Zhao Jin" userId="cd05a825-544c-438a-9ba1-08e63db50b47" providerId="ADAL" clId="{37A0D694-38DA-4421-B5D3-DEDBFC2EC57C}" dt="2021-02-03T08:37:59.802" v="629" actId="478"/>
+          <ac:cxnSpMkLst>
+            <pc:docMk/>
+            <pc:sldMk cId="4156536479" sldId="590"/>
+            <ac:cxnSpMk id="9" creationId="{9652AEB2-CFC8-48BA-95AD-7242B1240B31}"/>
+          </ac:cxnSpMkLst>
+        </pc:cxnChg>
+        <pc:cxnChg chg="add del mod">
+          <ac:chgData name="Zhao Jin" userId="cd05a825-544c-438a-9ba1-08e63db50b47" providerId="ADAL" clId="{37A0D694-38DA-4421-B5D3-DEDBFC2EC57C}" dt="2021-02-03T08:38:27.270" v="636" actId="14100"/>
+          <ac:cxnSpMkLst>
+            <pc:docMk/>
+            <pc:sldMk cId="4156536479" sldId="590"/>
+            <ac:cxnSpMk id="16" creationId="{B4CC9A1D-6448-41B2-BD14-CACDC771AC2A}"/>
+          </ac:cxnSpMkLst>
+        </pc:cxnChg>
+        <pc:cxnChg chg="add mod">
+          <ac:chgData name="Zhao Jin" userId="cd05a825-544c-438a-9ba1-08e63db50b47" providerId="ADAL" clId="{37A0D694-38DA-4421-B5D3-DEDBFC2EC57C}" dt="2021-02-03T08:38:46.983" v="642" actId="14100"/>
+          <ac:cxnSpMkLst>
+            <pc:docMk/>
+            <pc:sldMk cId="4156536479" sldId="590"/>
+            <ac:cxnSpMk id="22" creationId="{6298AF59-F7D9-4F05-84BF-96ED0AC95091}"/>
+          </ac:cxnSpMkLst>
+        </pc:cxnChg>
+        <pc:cxnChg chg="add del mod">
+          <ac:chgData name="Zhao Jin" userId="cd05a825-544c-438a-9ba1-08e63db50b47" providerId="ADAL" clId="{37A0D694-38DA-4421-B5D3-DEDBFC2EC57C}" dt="2021-02-03T08:39:14.474" v="649" actId="478"/>
+          <ac:cxnSpMkLst>
+            <pc:docMk/>
+            <pc:sldMk cId="4156536479" sldId="590"/>
+            <ac:cxnSpMk id="27" creationId="{5EB59BC9-1F48-4950-A1D9-6A7B4E0368EF}"/>
+          </ac:cxnSpMkLst>
+        </pc:cxnChg>
+        <pc:cxnChg chg="add mod">
+          <ac:chgData name="Zhao Jin" userId="cd05a825-544c-438a-9ba1-08e63db50b47" providerId="ADAL" clId="{37A0D694-38DA-4421-B5D3-DEDBFC2EC57C}" dt="2021-02-03T08:39:19.424" v="652" actId="14100"/>
+          <ac:cxnSpMkLst>
+            <pc:docMk/>
+            <pc:sldMk cId="4156536479" sldId="590"/>
+            <ac:cxnSpMk id="30" creationId="{FA77C354-F87B-40D8-BAA7-811F60DDD4B1}"/>
+          </ac:cxnSpMkLst>
+        </pc:cxnChg>
+      </pc:sldChg>
+      <pc:sldChg chg="addSp delSp modSp add mod delAnim">
+        <pc:chgData name="Zhao Jin" userId="cd05a825-544c-438a-9ba1-08e63db50b47" providerId="ADAL" clId="{37A0D694-38DA-4421-B5D3-DEDBFC2EC57C}" dt="2021-02-10T03:55:38.772" v="4967"/>
+        <pc:sldMkLst>
+          <pc:docMk/>
+          <pc:sldMk cId="567798019" sldId="591"/>
+        </pc:sldMkLst>
+        <pc:spChg chg="mod">
+          <ac:chgData name="Zhao Jin" userId="cd05a825-544c-438a-9ba1-08e63db50b47" providerId="ADAL" clId="{37A0D694-38DA-4421-B5D3-DEDBFC2EC57C}" dt="2021-02-10T03:55:38.772" v="4967"/>
+          <ac:spMkLst>
+            <pc:docMk/>
+            <pc:sldMk cId="567798019" sldId="591"/>
+            <ac:spMk id="7" creationId="{00000000-0000-0000-0000-000000000000}"/>
+          </ac:spMkLst>
+        </pc:spChg>
+        <pc:spChg chg="mod">
+          <ac:chgData name="Zhao Jin" userId="cd05a825-544c-438a-9ba1-08e63db50b47" providerId="ADAL" clId="{37A0D694-38DA-4421-B5D3-DEDBFC2EC57C}" dt="2021-02-03T08:54:46.596" v="1324" actId="6549"/>
+          <ac:spMkLst>
+            <pc:docMk/>
+            <pc:sldMk cId="567798019" sldId="591"/>
+            <ac:spMk id="8" creationId="{3895F873-6CB7-4316-B798-EE54B3634728}"/>
+          </ac:spMkLst>
+        </pc:spChg>
+        <pc:spChg chg="add del mod">
+          <ac:chgData name="Zhao Jin" userId="cd05a825-544c-438a-9ba1-08e63db50b47" providerId="ADAL" clId="{37A0D694-38DA-4421-B5D3-DEDBFC2EC57C}" dt="2021-02-08T01:30:20.214" v="3620" actId="21"/>
+          <ac:spMkLst>
+            <pc:docMk/>
+            <pc:sldMk cId="567798019" sldId="591"/>
+            <ac:spMk id="9" creationId="{6806B5BD-EF55-41CA-929B-A292FC4E2456}"/>
+          </ac:spMkLst>
+        </pc:spChg>
+        <pc:spChg chg="add del mod">
+          <ac:chgData name="Zhao Jin" userId="cd05a825-544c-438a-9ba1-08e63db50b47" providerId="ADAL" clId="{37A0D694-38DA-4421-B5D3-DEDBFC2EC57C}" dt="2021-02-03T08:54:49.067" v="1325" actId="21"/>
+          <ac:spMkLst>
+            <pc:docMk/>
+            <pc:sldMk cId="567798019" sldId="591"/>
+            <ac:spMk id="11" creationId="{27FB5A5F-2DAE-417B-BFDB-4AF27D8AC53B}"/>
+          </ac:spMkLst>
+        </pc:spChg>
+        <pc:spChg chg="del">
+          <ac:chgData name="Zhao Jin" userId="cd05a825-544c-438a-9ba1-08e63db50b47" providerId="ADAL" clId="{37A0D694-38DA-4421-B5D3-DEDBFC2EC57C}" dt="2021-02-03T08:42:46.851" v="952" actId="478"/>
+          <ac:spMkLst>
+            <pc:docMk/>
+            <pc:sldMk cId="567798019" sldId="591"/>
+            <ac:spMk id="34" creationId="{1DA4B870-5E05-4566-A46F-B6A051179C55}"/>
+          </ac:spMkLst>
+        </pc:spChg>
+        <pc:spChg chg="mod">
+          <ac:chgData name="Zhao Jin" userId="cd05a825-544c-438a-9ba1-08e63db50b47" providerId="ADAL" clId="{37A0D694-38DA-4421-B5D3-DEDBFC2EC57C}" dt="2021-02-03T08:44:43.848" v="976" actId="21"/>
+          <ac:spMkLst>
+            <pc:docMk/>
+            <pc:sldMk cId="567798019" sldId="591"/>
+            <ac:spMk id="14338" creationId="{00000000-0000-0000-0000-000000000000}"/>
+          </ac:spMkLst>
+        </pc:spChg>
+        <pc:cxnChg chg="del mod">
+          <ac:chgData name="Zhao Jin" userId="cd05a825-544c-438a-9ba1-08e63db50b47" providerId="ADAL" clId="{37A0D694-38DA-4421-B5D3-DEDBFC2EC57C}" dt="2021-02-03T08:42:43.905" v="949" actId="478"/>
+          <ac:cxnSpMkLst>
+            <pc:docMk/>
+            <pc:sldMk cId="567798019" sldId="591"/>
+            <ac:cxnSpMk id="16" creationId="{B4CC9A1D-6448-41B2-BD14-CACDC771AC2A}"/>
+          </ac:cxnSpMkLst>
+        </pc:cxnChg>
+        <pc:cxnChg chg="del">
+          <ac:chgData name="Zhao Jin" userId="cd05a825-544c-438a-9ba1-08e63db50b47" providerId="ADAL" clId="{37A0D694-38DA-4421-B5D3-DEDBFC2EC57C}" dt="2021-02-03T08:42:44.937" v="950" actId="478"/>
+          <ac:cxnSpMkLst>
+            <pc:docMk/>
+            <pc:sldMk cId="567798019" sldId="591"/>
+            <ac:cxnSpMk id="22" creationId="{6298AF59-F7D9-4F05-84BF-96ED0AC95091}"/>
+          </ac:cxnSpMkLst>
+        </pc:cxnChg>
+        <pc:cxnChg chg="del">
+          <ac:chgData name="Zhao Jin" userId="cd05a825-544c-438a-9ba1-08e63db50b47" providerId="ADAL" clId="{37A0D694-38DA-4421-B5D3-DEDBFC2EC57C}" dt="2021-02-03T08:42:45.705" v="951" actId="478"/>
+          <ac:cxnSpMkLst>
+            <pc:docMk/>
+            <pc:sldMk cId="567798019" sldId="591"/>
+            <ac:cxnSpMk id="30" creationId="{FA77C354-F87B-40D8-BAA7-811F60DDD4B1}"/>
+          </ac:cxnSpMkLst>
+        </pc:cxnChg>
+      </pc:sldChg>
+      <pc:sldChg chg="addSp delSp modSp add mod delAnim">
+        <pc:chgData name="Zhao Jin" userId="cd05a825-544c-438a-9ba1-08e63db50b47" providerId="ADAL" clId="{37A0D694-38DA-4421-B5D3-DEDBFC2EC57C}" dt="2021-02-10T03:55:38.772" v="4967"/>
+        <pc:sldMkLst>
+          <pc:docMk/>
+          <pc:sldMk cId="137810324" sldId="592"/>
+        </pc:sldMkLst>
+        <pc:spChg chg="mod">
+          <ac:chgData name="Zhao Jin" userId="cd05a825-544c-438a-9ba1-08e63db50b47" providerId="ADAL" clId="{37A0D694-38DA-4421-B5D3-DEDBFC2EC57C}" dt="2021-02-10T03:55:38.772" v="4967"/>
+          <ac:spMkLst>
+            <pc:docMk/>
+            <pc:sldMk cId="137810324" sldId="592"/>
+            <ac:spMk id="7" creationId="{00000000-0000-0000-0000-000000000000}"/>
+          </ac:spMkLst>
+        </pc:spChg>
+        <pc:spChg chg="add del mod">
+          <ac:chgData name="Zhao Jin" userId="cd05a825-544c-438a-9ba1-08e63db50b47" providerId="ADAL" clId="{37A0D694-38DA-4421-B5D3-DEDBFC2EC57C}" dt="2021-02-08T01:30:46.868" v="3629"/>
+          <ac:spMkLst>
+            <pc:docMk/>
+            <pc:sldMk cId="137810324" sldId="592"/>
+            <ac:spMk id="8" creationId="{1D4888C5-7427-41D4-A0E1-C5D8DC066CA7}"/>
+          </ac:spMkLst>
+        </pc:spChg>
+        <pc:spChg chg="add del mod">
+          <ac:chgData name="Zhao Jin" userId="cd05a825-544c-438a-9ba1-08e63db50b47" providerId="ADAL" clId="{37A0D694-38DA-4421-B5D3-DEDBFC2EC57C}" dt="2021-02-08T01:31:02.354" v="3637"/>
+          <ac:spMkLst>
+            <pc:docMk/>
+            <pc:sldMk cId="137810324" sldId="592"/>
+            <ac:spMk id="9" creationId="{7B98D121-E5CC-483E-9B8F-EF6E0F554F5C}"/>
+          </ac:spMkLst>
+        </pc:spChg>
+        <pc:spChg chg="add del mod">
+          <ac:chgData name="Zhao Jin" userId="cd05a825-544c-438a-9ba1-08e63db50b47" providerId="ADAL" clId="{37A0D694-38DA-4421-B5D3-DEDBFC2EC57C}" dt="2021-02-08T01:31:05.798" v="3639"/>
+          <ac:spMkLst>
+            <pc:docMk/>
+            <pc:sldMk cId="137810324" sldId="592"/>
+            <ac:spMk id="10" creationId="{89C502F5-8740-4FB5-954E-97A010AA4256}"/>
+          </ac:spMkLst>
+        </pc:spChg>
+        <pc:spChg chg="add del mod">
+          <ac:chgData name="Zhao Jin" userId="cd05a825-544c-438a-9ba1-08e63db50b47" providerId="ADAL" clId="{37A0D694-38DA-4421-B5D3-DEDBFC2EC57C}" dt="2021-02-08T01:32:46.621" v="3700" actId="478"/>
+          <ac:spMkLst>
+            <pc:docMk/>
+            <pc:sldMk cId="137810324" sldId="592"/>
+            <ac:spMk id="19" creationId="{A73A73BA-8D89-4B27-BFC3-9776D2EA4341}"/>
+          </ac:spMkLst>
+        </pc:spChg>
+        <pc:spChg chg="add del mod">
+          <ac:chgData name="Zhao Jin" userId="cd05a825-544c-438a-9ba1-08e63db50b47" providerId="ADAL" clId="{37A0D694-38DA-4421-B5D3-DEDBFC2EC57C}" dt="2021-02-03T08:51:15.889" v="1226"/>
+          <ac:spMkLst>
+            <pc:docMk/>
+            <pc:sldMk cId="137810324" sldId="592"/>
+            <ac:spMk id="20" creationId="{8BB54542-2902-49B4-956C-5A17427CC6C2}"/>
+          </ac:spMkLst>
+        </pc:spChg>
+        <pc:spChg chg="mod">
+          <ac:chgData name="Zhao Jin" userId="cd05a825-544c-438a-9ba1-08e63db50b47" providerId="ADAL" clId="{37A0D694-38DA-4421-B5D3-DEDBFC2EC57C}" dt="2021-02-03T08:50:25.459" v="1220" actId="20577"/>
+          <ac:spMkLst>
+            <pc:docMk/>
+            <pc:sldMk cId="137810324" sldId="592"/>
+            <ac:spMk id="49" creationId="{00000000-0000-0000-0000-000000000000}"/>
+          </ac:spMkLst>
+        </pc:spChg>
+        <pc:spChg chg="del">
+          <ac:chgData name="Zhao Jin" userId="cd05a825-544c-438a-9ba1-08e63db50b47" providerId="ADAL" clId="{37A0D694-38DA-4421-B5D3-DEDBFC2EC57C}" dt="2021-02-03T08:48:10.029" v="1077" actId="478"/>
+          <ac:spMkLst>
+            <pc:docMk/>
+            <pc:sldMk cId="137810324" sldId="592"/>
+            <ac:spMk id="60" creationId="{00000000-0000-0000-0000-000000000000}"/>
+          </ac:spMkLst>
+        </pc:spChg>
+        <pc:spChg chg="mod">
+          <ac:chgData name="Zhao Jin" userId="cd05a825-544c-438a-9ba1-08e63db50b47" providerId="ADAL" clId="{37A0D694-38DA-4421-B5D3-DEDBFC2EC57C}" dt="2021-02-03T08:45:31.559" v="978" actId="6549"/>
+          <ac:spMkLst>
+            <pc:docMk/>
+            <pc:sldMk cId="137810324" sldId="592"/>
+            <ac:spMk id="14338" creationId="{00000000-0000-0000-0000-000000000000}"/>
+          </ac:spMkLst>
+        </pc:spChg>
+        <pc:spChg chg="del">
+          <ac:chgData name="Zhao Jin" userId="cd05a825-544c-438a-9ba1-08e63db50b47" providerId="ADAL" clId="{37A0D694-38DA-4421-B5D3-DEDBFC2EC57C}" dt="2021-02-03T09:26:17.421" v="3353" actId="478"/>
+          <ac:spMkLst>
+            <pc:docMk/>
+            <pc:sldMk cId="137810324" sldId="592"/>
+            <ac:spMk id="14340" creationId="{00000000-0000-0000-0000-000000000000}"/>
+          </ac:spMkLst>
+        </pc:spChg>
+        <pc:grpChg chg="del">
+          <ac:chgData name="Zhao Jin" userId="cd05a825-544c-438a-9ba1-08e63db50b47" providerId="ADAL" clId="{37A0D694-38DA-4421-B5D3-DEDBFC2EC57C}" dt="2021-02-03T08:48:11.562" v="1078" actId="478"/>
+          <ac:grpSpMkLst>
+            <pc:docMk/>
+            <pc:sldMk cId="137810324" sldId="592"/>
+            <ac:grpSpMk id="50" creationId="{00000000-0000-0000-0000-000000000000}"/>
+          </ac:grpSpMkLst>
+        </pc:grpChg>
+        <pc:picChg chg="add mod">
+          <ac:chgData name="Zhao Jin" userId="cd05a825-544c-438a-9ba1-08e63db50b47" providerId="ADAL" clId="{37A0D694-38DA-4421-B5D3-DEDBFC2EC57C}" dt="2021-02-03T08:50:48.786" v="1224" actId="1076"/>
+          <ac:picMkLst>
+            <pc:docMk/>
+            <pc:sldMk cId="137810324" sldId="592"/>
+            <ac:picMk id="2050" creationId="{05AE613C-318D-4BEE-A9E2-BA80E156FFE6}"/>
+          </ac:picMkLst>
+        </pc:picChg>
+        <pc:cxnChg chg="mod">
+          <ac:chgData name="Zhao Jin" userId="cd05a825-544c-438a-9ba1-08e63db50b47" providerId="ADAL" clId="{37A0D694-38DA-4421-B5D3-DEDBFC2EC57C}" dt="2021-02-03T08:48:11.562" v="1078" actId="478"/>
+          <ac:cxnSpMkLst>
+            <pc:docMk/>
+            <pc:sldMk cId="137810324" sldId="592"/>
+            <ac:cxnSpMk id="52" creationId="{00000000-0000-0000-0000-000000000000}"/>
           </ac:cxnSpMkLst>
         </pc:cxnChg>
         <pc:cxnChg chg="mod">
-          <ac:chgData name="Zhao Jin" userId="cd05a825-544c-438a-9ba1-08e63db50b47" providerId="ADAL" clId="{E094A0D3-9008-D44F-B23F-E71F39C2BDEC}" dt="2021-01-27T05:24:36.894" v="377" actId="478"/>
+          <ac:chgData name="Zhao Jin" userId="cd05a825-544c-438a-9ba1-08e63db50b47" providerId="ADAL" clId="{37A0D694-38DA-4421-B5D3-DEDBFC2EC57C}" dt="2021-02-03T08:48:11.562" v="1078" actId="478"/>
           <ac:cxnSpMkLst>
             <pc:docMk/>
-            <pc:sldMk cId="1659983766" sldId="554"/>
-            <ac:cxnSpMk id="29" creationId="{00000000-0000-0000-0000-000000000000}"/>
+            <pc:sldMk cId="137810324" sldId="592"/>
+            <ac:cxnSpMk id="57" creationId="{00000000-0000-0000-0000-000000000000}"/>
           </ac:cxnSpMkLst>
         </pc:cxnChg>
         <pc:cxnChg chg="mod">
-          <ac:chgData name="Zhao Jin" userId="cd05a825-544c-438a-9ba1-08e63db50b47" providerId="ADAL" clId="{E094A0D3-9008-D44F-B23F-E71F39C2BDEC}" dt="2021-01-27T05:30:33.903" v="698" actId="14100"/>
+          <ac:chgData name="Zhao Jin" userId="cd05a825-544c-438a-9ba1-08e63db50b47" providerId="ADAL" clId="{37A0D694-38DA-4421-B5D3-DEDBFC2EC57C}" dt="2021-02-03T08:48:11.562" v="1078" actId="478"/>
           <ac:cxnSpMkLst>
             <pc:docMk/>
-            <pc:sldMk cId="1659983766" sldId="554"/>
-            <ac:cxnSpMk id="40" creationId="{00000000-0000-0000-0000-000000000000}"/>
+            <pc:sldMk cId="137810324" sldId="592"/>
+            <ac:cxnSpMk id="58" creationId="{00000000-0000-0000-0000-000000000000}"/>
+          </ac:cxnSpMkLst>
+        </pc:cxnChg>
+        <pc:cxnChg chg="mod">
+          <ac:chgData name="Zhao Jin" userId="cd05a825-544c-438a-9ba1-08e63db50b47" providerId="ADAL" clId="{37A0D694-38DA-4421-B5D3-DEDBFC2EC57C}" dt="2021-02-03T08:48:11.562" v="1078" actId="478"/>
+          <ac:cxnSpMkLst>
+            <pc:docMk/>
+            <pc:sldMk cId="137810324" sldId="592"/>
+            <ac:cxnSpMk id="59" creationId="{00000000-0000-0000-0000-000000000000}"/>
           </ac:cxnSpMkLst>
         </pc:cxnChg>
       </pc:sldChg>
-      <pc:sldChg chg="addSp delSp modSp add">
-        <pc:chgData name="Zhao Jin" userId="cd05a825-544c-438a-9ba1-08e63db50b47" providerId="ADAL" clId="{E094A0D3-9008-D44F-B23F-E71F39C2BDEC}" dt="2021-01-27T05:44:46" v="1434" actId="207"/>
+      <pc:sldChg chg="addSp delSp modSp add mod">
+        <pc:chgData name="Zhao Jin" userId="cd05a825-544c-438a-9ba1-08e63db50b47" providerId="ADAL" clId="{37A0D694-38DA-4421-B5D3-DEDBFC2EC57C}" dt="2021-02-10T03:55:38.772" v="4967"/>
         <pc:sldMkLst>
           <pc:docMk/>
-          <pc:sldMk cId="1268238251" sldId="555"/>
+          <pc:sldMk cId="3233082706" sldId="593"/>
         </pc:sldMkLst>
+        <pc:spChg chg="add mod">
+          <ac:chgData name="Zhao Jin" userId="cd05a825-544c-438a-9ba1-08e63db50b47" providerId="ADAL" clId="{37A0D694-38DA-4421-B5D3-DEDBFC2EC57C}" dt="2021-02-03T08:57:31.439" v="1415" actId="207"/>
+          <ac:spMkLst>
+            <pc:docMk/>
+            <pc:sldMk cId="3233082706" sldId="593"/>
+            <ac:spMk id="2" creationId="{4BB57D7F-D6C0-4E98-B5AC-D68743875716}"/>
+          </ac:spMkLst>
+        </pc:spChg>
+        <pc:spChg chg="mod">
+          <ac:chgData name="Zhao Jin" userId="cd05a825-544c-438a-9ba1-08e63db50b47" providerId="ADAL" clId="{37A0D694-38DA-4421-B5D3-DEDBFC2EC57C}" dt="2021-02-10T03:55:38.772" v="4967"/>
+          <ac:spMkLst>
+            <pc:docMk/>
+            <pc:sldMk cId="3233082706" sldId="593"/>
+            <ac:spMk id="7" creationId="{00000000-0000-0000-0000-000000000000}"/>
+          </ac:spMkLst>
+        </pc:spChg>
+        <pc:spChg chg="add mod">
+          <ac:chgData name="Zhao Jin" userId="cd05a825-544c-438a-9ba1-08e63db50b47" providerId="ADAL" clId="{37A0D694-38DA-4421-B5D3-DEDBFC2EC57C}" dt="2021-02-03T09:01:13.020" v="1570" actId="14100"/>
+          <ac:spMkLst>
+            <pc:docMk/>
+            <pc:sldMk cId="3233082706" sldId="593"/>
+            <ac:spMk id="11" creationId="{F029A077-040C-47D9-850C-BB5ACF662EAB}"/>
+          </ac:spMkLst>
+        </pc:spChg>
+        <pc:spChg chg="add mod">
+          <ac:chgData name="Zhao Jin" userId="cd05a825-544c-438a-9ba1-08e63db50b47" providerId="ADAL" clId="{37A0D694-38DA-4421-B5D3-DEDBFC2EC57C}" dt="2021-02-04T05:05:17.681" v="3392" actId="14100"/>
+          <ac:spMkLst>
+            <pc:docMk/>
+            <pc:sldMk cId="3233082706" sldId="593"/>
+            <ac:spMk id="13" creationId="{7E76B3B7-DB38-480B-B780-0306142FB5A0}"/>
+          </ac:spMkLst>
+        </pc:spChg>
         <pc:spChg chg="del">
-          <ac:chgData name="Zhao Jin" userId="cd05a825-544c-438a-9ba1-08e63db50b47" providerId="ADAL" clId="{E094A0D3-9008-D44F-B23F-E71F39C2BDEC}" dt="2021-01-27T05:35:16.592" v="820" actId="478"/>
-          <ac:spMkLst>
-            <pc:docMk/>
-            <pc:sldMk cId="1268238251" sldId="555"/>
-            <ac:spMk id="16" creationId="{00000000-0000-0000-0000-000000000000}"/>
+          <ac:chgData name="Zhao Jin" userId="cd05a825-544c-438a-9ba1-08e63db50b47" providerId="ADAL" clId="{37A0D694-38DA-4421-B5D3-DEDBFC2EC57C}" dt="2021-02-03T08:57:13.403" v="1412" actId="478"/>
+          <ac:spMkLst>
+            <pc:docMk/>
+            <pc:sldMk cId="3233082706" sldId="593"/>
+            <ac:spMk id="19" creationId="{A73A73BA-8D89-4B27-BFC3-9776D2EA4341}"/>
+          </ac:spMkLst>
+        </pc:spChg>
+        <pc:spChg chg="mod">
+          <ac:chgData name="Zhao Jin" userId="cd05a825-544c-438a-9ba1-08e63db50b47" providerId="ADAL" clId="{37A0D694-38DA-4421-B5D3-DEDBFC2EC57C}" dt="2021-02-03T08:57:48.855" v="1418" actId="14100"/>
+          <ac:spMkLst>
+            <pc:docMk/>
+            <pc:sldMk cId="3233082706" sldId="593"/>
+            <ac:spMk id="49" creationId="{00000000-0000-0000-0000-000000000000}"/>
+          </ac:spMkLst>
+        </pc:spChg>
+        <pc:spChg chg="mod">
+          <ac:chgData name="Zhao Jin" userId="cd05a825-544c-438a-9ba1-08e63db50b47" providerId="ADAL" clId="{37A0D694-38DA-4421-B5D3-DEDBFC2EC57C}" dt="2021-02-03T08:51:48.162" v="1263" actId="20577"/>
+          <ac:spMkLst>
+            <pc:docMk/>
+            <pc:sldMk cId="3233082706" sldId="593"/>
+            <ac:spMk id="14338" creationId="{00000000-0000-0000-0000-000000000000}"/>
+          </ac:spMkLst>
+        </pc:spChg>
+        <pc:spChg chg="del">
+          <ac:chgData name="Zhao Jin" userId="cd05a825-544c-438a-9ba1-08e63db50b47" providerId="ADAL" clId="{37A0D694-38DA-4421-B5D3-DEDBFC2EC57C}" dt="2021-02-03T09:26:15.669" v="3352" actId="478"/>
+          <ac:spMkLst>
+            <pc:docMk/>
+            <pc:sldMk cId="3233082706" sldId="593"/>
+            <ac:spMk id="14340" creationId="{00000000-0000-0000-0000-000000000000}"/>
+          </ac:spMkLst>
+        </pc:spChg>
+        <pc:picChg chg="del mod">
+          <ac:chgData name="Zhao Jin" userId="cd05a825-544c-438a-9ba1-08e63db50b47" providerId="ADAL" clId="{37A0D694-38DA-4421-B5D3-DEDBFC2EC57C}" dt="2021-02-03T08:51:58.070" v="1266" actId="478"/>
+          <ac:picMkLst>
+            <pc:docMk/>
+            <pc:sldMk cId="3233082706" sldId="593"/>
+            <ac:picMk id="2050" creationId="{05AE613C-318D-4BEE-A9E2-BA80E156FFE6}"/>
+          </ac:picMkLst>
+        </pc:picChg>
+        <pc:picChg chg="add mod">
+          <ac:chgData name="Zhao Jin" userId="cd05a825-544c-438a-9ba1-08e63db50b47" providerId="ADAL" clId="{37A0D694-38DA-4421-B5D3-DEDBFC2EC57C}" dt="2021-02-03T08:52:24.677" v="1272" actId="1076"/>
+          <ac:picMkLst>
+            <pc:docMk/>
+            <pc:sldMk cId="3233082706" sldId="593"/>
+            <ac:picMk id="6146" creationId="{D5D43BF4-41EA-4FBF-B1D8-954520609CFC}"/>
+          </ac:picMkLst>
+        </pc:picChg>
+      </pc:sldChg>
+      <pc:sldChg chg="add del">
+        <pc:chgData name="Zhao Jin" userId="cd05a825-544c-438a-9ba1-08e63db50b47" providerId="ADAL" clId="{37A0D694-38DA-4421-B5D3-DEDBFC2EC57C}" dt="2021-02-03T08:52:31.399" v="1274"/>
+        <pc:sldMkLst>
+          <pc:docMk/>
+          <pc:sldMk cId="2125946801" sldId="594"/>
+        </pc:sldMkLst>
+      </pc:sldChg>
+      <pc:sldChg chg="addSp delSp modSp add mod delAnim">
+        <pc:chgData name="Zhao Jin" userId="cd05a825-544c-438a-9ba1-08e63db50b47" providerId="ADAL" clId="{37A0D694-38DA-4421-B5D3-DEDBFC2EC57C}" dt="2021-02-10T03:55:38.772" v="4967"/>
+        <pc:sldMkLst>
+          <pc:docMk/>
+          <pc:sldMk cId="2217225800" sldId="594"/>
+        </pc:sldMkLst>
+        <pc:spChg chg="mod">
+          <ac:chgData name="Zhao Jin" userId="cd05a825-544c-438a-9ba1-08e63db50b47" providerId="ADAL" clId="{37A0D694-38DA-4421-B5D3-DEDBFC2EC57C}" dt="2021-02-10T03:55:38.772" v="4967"/>
+          <ac:spMkLst>
+            <pc:docMk/>
+            <pc:sldMk cId="2217225800" sldId="594"/>
+            <ac:spMk id="7" creationId="{00000000-0000-0000-0000-000000000000}"/>
+          </ac:spMkLst>
+        </pc:spChg>
+        <pc:spChg chg="mod">
+          <ac:chgData name="Zhao Jin" userId="cd05a825-544c-438a-9ba1-08e63db50b47" providerId="ADAL" clId="{37A0D694-38DA-4421-B5D3-DEDBFC2EC57C}" dt="2021-02-03T09:39:04.677" v="3364" actId="13926"/>
+          <ac:spMkLst>
+            <pc:docMk/>
+            <pc:sldMk cId="2217225800" sldId="594"/>
+            <ac:spMk id="8" creationId="{3895F873-6CB7-4316-B798-EE54B3634728}"/>
           </ac:spMkLst>
         </pc:spChg>
         <pc:spChg chg="add mod">
-          <ac:chgData name="Zhao Jin" userId="cd05a825-544c-438a-9ba1-08e63db50b47" providerId="ADAL" clId="{E094A0D3-9008-D44F-B23F-E71F39C2BDEC}" dt="2021-01-27T05:44:46" v="1434" actId="207"/>
-          <ac:spMkLst>
-            <pc:docMk/>
-            <pc:sldMk cId="1268238251" sldId="555"/>
-            <ac:spMk id="25" creationId="{F43FC8C1-7270-804E-9F1F-0B4AED0CEA28}"/>
+          <ac:chgData name="Zhao Jin" userId="cd05a825-544c-438a-9ba1-08e63db50b47" providerId="ADAL" clId="{37A0D694-38DA-4421-B5D3-DEDBFC2EC57C}" dt="2021-02-03T08:55:45.605" v="1357" actId="1076"/>
+          <ac:spMkLst>
+            <pc:docMk/>
+            <pc:sldMk cId="2217225800" sldId="594"/>
+            <ac:spMk id="11" creationId="{552429B4-BD20-4EAF-8B36-51498E5AACDA}"/>
+          </ac:spMkLst>
+        </pc:spChg>
+        <pc:spChg chg="del">
+          <ac:chgData name="Zhao Jin" userId="cd05a825-544c-438a-9ba1-08e63db50b47" providerId="ADAL" clId="{37A0D694-38DA-4421-B5D3-DEDBFC2EC57C}" dt="2021-02-03T08:54:12.692" v="1306" actId="478"/>
+          <ac:spMkLst>
+            <pc:docMk/>
+            <pc:sldMk cId="2217225800" sldId="594"/>
+            <ac:spMk id="34" creationId="{1DA4B870-5E05-4566-A46F-B6A051179C55}"/>
+          </ac:spMkLst>
+        </pc:spChg>
+        <pc:spChg chg="mod">
+          <ac:chgData name="Zhao Jin" userId="cd05a825-544c-438a-9ba1-08e63db50b47" providerId="ADAL" clId="{37A0D694-38DA-4421-B5D3-DEDBFC2EC57C}" dt="2021-02-03T08:53:27.759" v="1297" actId="20577"/>
+          <ac:spMkLst>
+            <pc:docMk/>
+            <pc:sldMk cId="2217225800" sldId="594"/>
+            <ac:spMk id="14338" creationId="{00000000-0000-0000-0000-000000000000}"/>
+          </ac:spMkLst>
+        </pc:spChg>
+        <pc:cxnChg chg="del">
+          <ac:chgData name="Zhao Jin" userId="cd05a825-544c-438a-9ba1-08e63db50b47" providerId="ADAL" clId="{37A0D694-38DA-4421-B5D3-DEDBFC2EC57C}" dt="2021-02-03T08:53:21.738" v="1288" actId="478"/>
+          <ac:cxnSpMkLst>
+            <pc:docMk/>
+            <pc:sldMk cId="2217225800" sldId="594"/>
+            <ac:cxnSpMk id="16" creationId="{B4CC9A1D-6448-41B2-BD14-CACDC771AC2A}"/>
+          </ac:cxnSpMkLst>
+        </pc:cxnChg>
+        <pc:cxnChg chg="del">
+          <ac:chgData name="Zhao Jin" userId="cd05a825-544c-438a-9ba1-08e63db50b47" providerId="ADAL" clId="{37A0D694-38DA-4421-B5D3-DEDBFC2EC57C}" dt="2021-02-03T08:53:22.476" v="1289" actId="478"/>
+          <ac:cxnSpMkLst>
+            <pc:docMk/>
+            <pc:sldMk cId="2217225800" sldId="594"/>
+            <ac:cxnSpMk id="22" creationId="{6298AF59-F7D9-4F05-84BF-96ED0AC95091}"/>
+          </ac:cxnSpMkLst>
+        </pc:cxnChg>
+        <pc:cxnChg chg="del">
+          <ac:chgData name="Zhao Jin" userId="cd05a825-544c-438a-9ba1-08e63db50b47" providerId="ADAL" clId="{37A0D694-38DA-4421-B5D3-DEDBFC2EC57C}" dt="2021-02-03T08:53:23.755" v="1290" actId="478"/>
+          <ac:cxnSpMkLst>
+            <pc:docMk/>
+            <pc:sldMk cId="2217225800" sldId="594"/>
+            <ac:cxnSpMk id="30" creationId="{FA77C354-F87B-40D8-BAA7-811F60DDD4B1}"/>
+          </ac:cxnSpMkLst>
+        </pc:cxnChg>
+      </pc:sldChg>
+      <pc:sldChg chg="addSp modSp add mod">
+        <pc:chgData name="Zhao Jin" userId="cd05a825-544c-438a-9ba1-08e63db50b47" providerId="ADAL" clId="{37A0D694-38DA-4421-B5D3-DEDBFC2EC57C}" dt="2021-02-10T03:55:38.772" v="4967"/>
+        <pc:sldMkLst>
+          <pc:docMk/>
+          <pc:sldMk cId="2419983458" sldId="595"/>
+        </pc:sldMkLst>
+        <pc:spChg chg="mod">
+          <ac:chgData name="Zhao Jin" userId="cd05a825-544c-438a-9ba1-08e63db50b47" providerId="ADAL" clId="{37A0D694-38DA-4421-B5D3-DEDBFC2EC57C}" dt="2021-02-10T03:55:38.772" v="4967"/>
+          <ac:spMkLst>
+            <pc:docMk/>
+            <pc:sldMk cId="2419983458" sldId="595"/>
+            <ac:spMk id="7" creationId="{00000000-0000-0000-0000-000000000000}"/>
+          </ac:spMkLst>
+        </pc:spChg>
+        <pc:spChg chg="mod">
+          <ac:chgData name="Zhao Jin" userId="cd05a825-544c-438a-9ba1-08e63db50b47" providerId="ADAL" clId="{37A0D694-38DA-4421-B5D3-DEDBFC2EC57C}" dt="2021-02-03T09:39:25.953" v="3369" actId="13926"/>
+          <ac:spMkLst>
+            <pc:docMk/>
+            <pc:sldMk cId="2419983458" sldId="595"/>
+            <ac:spMk id="8" creationId="{3895F873-6CB7-4316-B798-EE54B3634728}"/>
           </ac:spMkLst>
         </pc:spChg>
         <pc:spChg chg="add mod">
-          <ac:chgData name="Zhao Jin" userId="cd05a825-544c-438a-9ba1-08e63db50b47" providerId="ADAL" clId="{E094A0D3-9008-D44F-B23F-E71F39C2BDEC}" dt="2021-01-27T05:44:16.318" v="1429" actId="14100"/>
-          <ac:spMkLst>
-            <pc:docMk/>
-            <pc:sldMk cId="1268238251" sldId="555"/>
-            <ac:spMk id="26" creationId="{D54C351E-DA02-A443-8515-857077895051}"/>
-          </ac:spMkLst>
-        </pc:spChg>
+          <ac:chgData name="Zhao Jin" userId="cd05a825-544c-438a-9ba1-08e63db50b47" providerId="ADAL" clId="{37A0D694-38DA-4421-B5D3-DEDBFC2EC57C}" dt="2021-02-08T02:03:35.963" v="4958" actId="1076"/>
+          <ac:spMkLst>
+            <pc:docMk/>
+            <pc:sldMk cId="2419983458" sldId="595"/>
+            <ac:spMk id="9" creationId="{02DD4937-725F-46B8-8AE4-992DF5A782AD}"/>
+          </ac:spMkLst>
+        </pc:spChg>
+        <pc:spChg chg="mod">
+          <ac:chgData name="Zhao Jin" userId="cd05a825-544c-438a-9ba1-08e63db50b47" providerId="ADAL" clId="{37A0D694-38DA-4421-B5D3-DEDBFC2EC57C}" dt="2021-02-03T09:00:05.278" v="1558" actId="20577"/>
+          <ac:spMkLst>
+            <pc:docMk/>
+            <pc:sldMk cId="2419983458" sldId="595"/>
+            <ac:spMk id="14338" creationId="{00000000-0000-0000-0000-000000000000}"/>
+          </ac:spMkLst>
+        </pc:spChg>
+      </pc:sldChg>
+      <pc:sldChg chg="addSp delSp modSp add del mod delAnim">
+        <pc:chgData name="Zhao Jin" userId="cd05a825-544c-438a-9ba1-08e63db50b47" providerId="ADAL" clId="{37A0D694-38DA-4421-B5D3-DEDBFC2EC57C}" dt="2021-02-03T09:05:13.520" v="1668" actId="47"/>
+        <pc:sldMkLst>
+          <pc:docMk/>
+          <pc:sldMk cId="765980287" sldId="596"/>
+        </pc:sldMkLst>
         <pc:spChg chg="add mod">
-          <ac:chgData name="Zhao Jin" userId="cd05a825-544c-438a-9ba1-08e63db50b47" providerId="ADAL" clId="{E094A0D3-9008-D44F-B23F-E71F39C2BDEC}" dt="2021-01-27T05:41:58.527" v="1301" actId="1036"/>
-          <ac:spMkLst>
-            <pc:docMk/>
-            <pc:sldMk cId="1268238251" sldId="555"/>
-            <ac:spMk id="27" creationId="{367D5355-0C55-2E48-9F4B-AB4FC9100A05}"/>
-          </ac:spMkLst>
-        </pc:spChg>
+          <ac:chgData name="Zhao Jin" userId="cd05a825-544c-438a-9ba1-08e63db50b47" providerId="ADAL" clId="{37A0D694-38DA-4421-B5D3-DEDBFC2EC57C}" dt="2021-02-03T09:03:01.268" v="1666" actId="20577"/>
+          <ac:spMkLst>
+            <pc:docMk/>
+            <pc:sldMk cId="765980287" sldId="596"/>
+            <ac:spMk id="8" creationId="{FAD97811-8BEC-434B-B3F2-C8FE23FA8D81}"/>
+          </ac:spMkLst>
+        </pc:spChg>
+        <pc:spChg chg="del">
+          <ac:chgData name="Zhao Jin" userId="cd05a825-544c-438a-9ba1-08e63db50b47" providerId="ADAL" clId="{37A0D694-38DA-4421-B5D3-DEDBFC2EC57C}" dt="2021-02-03T09:02:13.725" v="1581" actId="478"/>
+          <ac:spMkLst>
+            <pc:docMk/>
+            <pc:sldMk cId="765980287" sldId="596"/>
+            <ac:spMk id="11" creationId="{675C9FBE-306E-46A7-BAB9-46BD27707AF2}"/>
+          </ac:spMkLst>
+        </pc:spChg>
+        <pc:spChg chg="mod">
+          <ac:chgData name="Zhao Jin" userId="cd05a825-544c-438a-9ba1-08e63db50b47" providerId="ADAL" clId="{37A0D694-38DA-4421-B5D3-DEDBFC2EC57C}" dt="2021-02-03T09:02:08.547" v="1578" actId="20577"/>
+          <ac:spMkLst>
+            <pc:docMk/>
+            <pc:sldMk cId="765980287" sldId="596"/>
+            <ac:spMk id="14338" creationId="{00000000-0000-0000-0000-000000000000}"/>
+          </ac:spMkLst>
+        </pc:spChg>
+        <pc:graphicFrameChg chg="del">
+          <ac:chgData name="Zhao Jin" userId="cd05a825-544c-438a-9ba1-08e63db50b47" providerId="ADAL" clId="{37A0D694-38DA-4421-B5D3-DEDBFC2EC57C}" dt="2021-02-03T09:02:12.549" v="1580" actId="478"/>
+          <ac:graphicFrameMkLst>
+            <pc:docMk/>
+            <pc:sldMk cId="765980287" sldId="596"/>
+            <ac:graphicFrameMk id="10" creationId="{74304014-08C4-4321-AD74-36FAC51612DB}"/>
+          </ac:graphicFrameMkLst>
+        </pc:graphicFrameChg>
+        <pc:picChg chg="del">
+          <ac:chgData name="Zhao Jin" userId="cd05a825-544c-438a-9ba1-08e63db50b47" providerId="ADAL" clId="{37A0D694-38DA-4421-B5D3-DEDBFC2EC57C}" dt="2021-02-03T09:02:10.162" v="1579" actId="478"/>
+          <ac:picMkLst>
+            <pc:docMk/>
+            <pc:sldMk cId="765980287" sldId="596"/>
+            <ac:picMk id="4" creationId="{EAFF9153-D379-4E7D-9B97-29843966A9B9}"/>
+          </ac:picMkLst>
+        </pc:picChg>
+      </pc:sldChg>
+      <pc:sldChg chg="addSp delSp modSp add mod delAnim modAnim">
+        <pc:chgData name="Zhao Jin" userId="cd05a825-544c-438a-9ba1-08e63db50b47" providerId="ADAL" clId="{37A0D694-38DA-4421-B5D3-DEDBFC2EC57C}" dt="2021-02-10T03:55:38.772" v="4967"/>
+        <pc:sldMkLst>
+          <pc:docMk/>
+          <pc:sldMk cId="3643682471" sldId="596"/>
+        </pc:sldMkLst>
+        <pc:spChg chg="add mod">
+          <ac:chgData name="Zhao Jin" userId="cd05a825-544c-438a-9ba1-08e63db50b47" providerId="ADAL" clId="{37A0D694-38DA-4421-B5D3-DEDBFC2EC57C}" dt="2021-02-03T09:20:12.333" v="3126" actId="207"/>
+          <ac:spMkLst>
+            <pc:docMk/>
+            <pc:sldMk cId="3643682471" sldId="596"/>
+            <ac:spMk id="7" creationId="{BFBA3626-DC9B-4A39-BA4F-6360F818DCE3}"/>
+          </ac:spMkLst>
+        </pc:spChg>
+        <pc:spChg chg="add mod">
+          <ac:chgData name="Zhao Jin" userId="cd05a825-544c-438a-9ba1-08e63db50b47" providerId="ADAL" clId="{37A0D694-38DA-4421-B5D3-DEDBFC2EC57C}" dt="2021-02-03T09:20:25.307" v="3127" actId="1076"/>
+          <ac:spMkLst>
+            <pc:docMk/>
+            <pc:sldMk cId="3643682471" sldId="596"/>
+            <ac:spMk id="8" creationId="{A65AE342-14B8-4A3C-8F93-D714DA24339E}"/>
+          </ac:spMkLst>
+        </pc:spChg>
+        <pc:spChg chg="mod">
+          <ac:chgData name="Zhao Jin" userId="cd05a825-544c-438a-9ba1-08e63db50b47" providerId="ADAL" clId="{37A0D694-38DA-4421-B5D3-DEDBFC2EC57C}" dt="2021-02-10T03:55:38.772" v="4967"/>
+          <ac:spMkLst>
+            <pc:docMk/>
+            <pc:sldMk cId="3643682471" sldId="596"/>
+            <ac:spMk id="9" creationId="{00000000-0000-0000-0000-000000000000}"/>
+          </ac:spMkLst>
+        </pc:spChg>
+        <pc:spChg chg="add mod">
+          <ac:chgData name="Zhao Jin" userId="cd05a825-544c-438a-9ba1-08e63db50b47" providerId="ADAL" clId="{37A0D694-38DA-4421-B5D3-DEDBFC2EC57C}" dt="2021-02-03T09:20:27.433" v="3128" actId="14100"/>
+          <ac:spMkLst>
+            <pc:docMk/>
+            <pc:sldMk cId="3643682471" sldId="596"/>
+            <ac:spMk id="10" creationId="{9981BD99-7AFF-496B-8179-D25CE6127E97}"/>
+          </ac:spMkLst>
+        </pc:spChg>
+        <pc:spChg chg="del mod">
+          <ac:chgData name="Zhao Jin" userId="cd05a825-544c-438a-9ba1-08e63db50b47" providerId="ADAL" clId="{37A0D694-38DA-4421-B5D3-DEDBFC2EC57C}" dt="2021-02-03T09:15:31.710" v="2958" actId="478"/>
+          <ac:spMkLst>
+            <pc:docMk/>
+            <pc:sldMk cId="3643682471" sldId="596"/>
+            <ac:spMk id="15" creationId="{00000000-0000-0000-0000-000000000000}"/>
+          </ac:spMkLst>
+        </pc:spChg>
+        <pc:spChg chg="del">
+          <ac:chgData name="Zhao Jin" userId="cd05a825-544c-438a-9ba1-08e63db50b47" providerId="ADAL" clId="{37A0D694-38DA-4421-B5D3-DEDBFC2EC57C}" dt="2021-02-08T01:41:53.746" v="4087" actId="478"/>
+          <ac:spMkLst>
+            <pc:docMk/>
+            <pc:sldMk cId="3643682471" sldId="596"/>
+            <ac:spMk id="25604" creationId="{00000000-0000-0000-0000-000000000000}"/>
+          </ac:spMkLst>
+        </pc:spChg>
+      </pc:sldChg>
+      <pc:sldChg chg="delSp modSp add mod modAnim">
+        <pc:chgData name="Zhao Jin" userId="cd05a825-544c-438a-9ba1-08e63db50b47" providerId="ADAL" clId="{37A0D694-38DA-4421-B5D3-DEDBFC2EC57C}" dt="2021-02-10T03:55:38.772" v="4967"/>
+        <pc:sldMkLst>
+          <pc:docMk/>
+          <pc:sldMk cId="3231946261" sldId="597"/>
+        </pc:sldMkLst>
+        <pc:spChg chg="mod">
+          <ac:chgData name="Zhao Jin" userId="cd05a825-544c-438a-9ba1-08e63db50b47" providerId="ADAL" clId="{37A0D694-38DA-4421-B5D3-DEDBFC2EC57C}" dt="2021-02-10T03:55:38.772" v="4967"/>
+          <ac:spMkLst>
+            <pc:docMk/>
+            <pc:sldMk cId="3231946261" sldId="597"/>
+            <ac:spMk id="9" creationId="{00000000-0000-0000-0000-000000000000}"/>
+          </ac:spMkLst>
+        </pc:spChg>
+        <pc:spChg chg="mod">
+          <ac:chgData name="Zhao Jin" userId="cd05a825-544c-438a-9ba1-08e63db50b47" providerId="ADAL" clId="{37A0D694-38DA-4421-B5D3-DEDBFC2EC57C}" dt="2021-02-03T09:39:34.898" v="3370" actId="6549"/>
+          <ac:spMkLst>
+            <pc:docMk/>
+            <pc:sldMk cId="3231946261" sldId="597"/>
+            <ac:spMk id="15" creationId="{00000000-0000-0000-0000-000000000000}"/>
+          </ac:spMkLst>
+        </pc:spChg>
+        <pc:spChg chg="del">
+          <ac:chgData name="Zhao Jin" userId="cd05a825-544c-438a-9ba1-08e63db50b47" providerId="ADAL" clId="{37A0D694-38DA-4421-B5D3-DEDBFC2EC57C}" dt="2021-02-03T09:26:13.830" v="3351" actId="478"/>
+          <ac:spMkLst>
+            <pc:docMk/>
+            <pc:sldMk cId="3231946261" sldId="597"/>
+            <ac:spMk id="25604" creationId="{00000000-0000-0000-0000-000000000000}"/>
+          </ac:spMkLst>
+        </pc:spChg>
+      </pc:sldChg>
+      <pc:sldChg chg="delSp modSp add mod ord">
+        <pc:chgData name="Zhao Jin" userId="cd05a825-544c-438a-9ba1-08e63db50b47" providerId="ADAL" clId="{37A0D694-38DA-4421-B5D3-DEDBFC2EC57C}" dt="2021-02-10T03:55:38.772" v="4967"/>
+        <pc:sldMkLst>
+          <pc:docMk/>
+          <pc:sldMk cId="4002657513" sldId="598"/>
+        </pc:sldMkLst>
+        <pc:spChg chg="mod">
+          <ac:chgData name="Zhao Jin" userId="cd05a825-544c-438a-9ba1-08e63db50b47" providerId="ADAL" clId="{37A0D694-38DA-4421-B5D3-DEDBFC2EC57C}" dt="2021-02-03T09:18:10.033" v="3004" actId="20577"/>
+          <ac:spMkLst>
+            <pc:docMk/>
+            <pc:sldMk cId="4002657513" sldId="598"/>
+            <ac:spMk id="7" creationId="{BFBA3626-DC9B-4A39-BA4F-6360F818DCE3}"/>
+          </ac:spMkLst>
+        </pc:spChg>
+        <pc:spChg chg="mod">
+          <ac:chgData name="Zhao Jin" userId="cd05a825-544c-438a-9ba1-08e63db50b47" providerId="ADAL" clId="{37A0D694-38DA-4421-B5D3-DEDBFC2EC57C}" dt="2021-02-10T03:55:38.772" v="4967"/>
+          <ac:spMkLst>
+            <pc:docMk/>
+            <pc:sldMk cId="4002657513" sldId="598"/>
+            <ac:spMk id="9" creationId="{00000000-0000-0000-0000-000000000000}"/>
+          </ac:spMkLst>
+        </pc:spChg>
+        <pc:spChg chg="del">
+          <ac:chgData name="Zhao Jin" userId="cd05a825-544c-438a-9ba1-08e63db50b47" providerId="ADAL" clId="{37A0D694-38DA-4421-B5D3-DEDBFC2EC57C}" dt="2021-02-04T05:03:37.840" v="3371" actId="478"/>
+          <ac:spMkLst>
+            <pc:docMk/>
+            <pc:sldMk cId="4002657513" sldId="598"/>
+            <ac:spMk id="25604" creationId="{00000000-0000-0000-0000-000000000000}"/>
+          </ac:spMkLst>
+        </pc:spChg>
+      </pc:sldChg>
+      <pc:sldChg chg="addSp delSp modSp add mod ord modClrScheme addAnim delAnim modAnim chgLayout">
+        <pc:chgData name="Zhao Jin" userId="cd05a825-544c-438a-9ba1-08e63db50b47" providerId="ADAL" clId="{37A0D694-38DA-4421-B5D3-DEDBFC2EC57C}" dt="2021-02-10T03:55:38.772" v="4967"/>
+        <pc:sldMkLst>
+          <pc:docMk/>
+          <pc:sldMk cId="2930953569" sldId="599"/>
+        </pc:sldMkLst>
         <pc:spChg chg="add del mod">
-          <ac:chgData name="Zhao Jin" userId="cd05a825-544c-438a-9ba1-08e63db50b47" providerId="ADAL" clId="{E094A0D3-9008-D44F-B23F-E71F39C2BDEC}" dt="2021-01-27T05:40:51.648" v="1180"/>
-          <ac:spMkLst>
-            <pc:docMk/>
-            <pc:sldMk cId="1268238251" sldId="555"/>
-            <ac:spMk id="28" creationId="{EE887C52-B868-F041-B2F3-E77854181B5E}"/>
+          <ac:chgData name="Zhao Jin" userId="cd05a825-544c-438a-9ba1-08e63db50b47" providerId="ADAL" clId="{37A0D694-38DA-4421-B5D3-DEDBFC2EC57C}" dt="2021-02-04T05:03:51.544" v="3374" actId="478"/>
+          <ac:spMkLst>
+            <pc:docMk/>
+            <pc:sldMk cId="2930953569" sldId="599"/>
+            <ac:spMk id="3" creationId="{3E9D9044-BC32-432C-B8FE-F025054738CB}"/>
           </ac:spMkLst>
         </pc:spChg>
         <pc:spChg chg="mod">
-          <ac:chgData name="Zhao Jin" userId="cd05a825-544c-438a-9ba1-08e63db50b47" providerId="ADAL" clId="{E094A0D3-9008-D44F-B23F-E71F39C2BDEC}" dt="2021-01-27T05:44:00.171" v="1425" actId="14100"/>
-          <ac:spMkLst>
-            <pc:docMk/>
-            <pc:sldMk cId="1268238251" sldId="555"/>
-            <ac:spMk id="49" creationId="{21EEE82A-4DB6-1D4F-9A03-5951F440FE93}"/>
-          </ac:spMkLst>
-        </pc:spChg>
-        <pc:grpChg chg="del">
-          <ac:chgData name="Zhao Jin" userId="cd05a825-544c-438a-9ba1-08e63db50b47" providerId="ADAL" clId="{E094A0D3-9008-D44F-B23F-E71F39C2BDEC}" dt="2021-01-27T05:35:18.480" v="821" actId="478"/>
+          <ac:chgData name="Zhao Jin" userId="cd05a825-544c-438a-9ba1-08e63db50b47" providerId="ADAL" clId="{37A0D694-38DA-4421-B5D3-DEDBFC2EC57C}" dt="2021-02-10T03:55:38.772" v="4967"/>
+          <ac:spMkLst>
+            <pc:docMk/>
+            <pc:sldMk cId="2930953569" sldId="599"/>
+            <ac:spMk id="7" creationId="{00000000-0000-0000-0000-000000000000}"/>
+          </ac:spMkLst>
+        </pc:spChg>
+        <pc:spChg chg="del">
+          <ac:chgData name="Zhao Jin" userId="cd05a825-544c-438a-9ba1-08e63db50b47" providerId="ADAL" clId="{37A0D694-38DA-4421-B5D3-DEDBFC2EC57C}" dt="2021-02-04T05:03:53.285" v="3376" actId="478"/>
+          <ac:spMkLst>
+            <pc:docMk/>
+            <pc:sldMk cId="2930953569" sldId="599"/>
+            <ac:spMk id="8" creationId="{3895F873-6CB7-4316-B798-EE54B3634728}"/>
+          </ac:spMkLst>
+        </pc:spChg>
+        <pc:spChg chg="del">
+          <ac:chgData name="Zhao Jin" userId="cd05a825-544c-438a-9ba1-08e63db50b47" providerId="ADAL" clId="{37A0D694-38DA-4421-B5D3-DEDBFC2EC57C}" dt="2021-02-04T05:03:55.125" v="3377" actId="478"/>
+          <ac:spMkLst>
+            <pc:docMk/>
+            <pc:sldMk cId="2930953569" sldId="599"/>
+            <ac:spMk id="11" creationId="{552429B4-BD20-4EAF-8B36-51498E5AACDA}"/>
+          </ac:spMkLst>
+        </pc:spChg>
+        <pc:spChg chg="mod modVis">
+          <ac:chgData name="Zhao Jin" userId="cd05a825-544c-438a-9ba1-08e63db50b47" providerId="ADAL" clId="{37A0D694-38DA-4421-B5D3-DEDBFC2EC57C}" dt="2021-02-04T05:04:31.896" v="3387" actId="26606"/>
+          <ac:spMkLst>
+            <pc:docMk/>
+            <pc:sldMk cId="2930953569" sldId="599"/>
+            <ac:spMk id="12" creationId="{00000000-0000-0000-0000-000000000000}"/>
+          </ac:spMkLst>
+        </pc:spChg>
+        <pc:spChg chg="add del mod">
+          <ac:chgData name="Zhao Jin" userId="cd05a825-544c-438a-9ba1-08e63db50b47" providerId="ADAL" clId="{37A0D694-38DA-4421-B5D3-DEDBFC2EC57C}" dt="2021-02-04T05:04:31.896" v="3387" actId="26606"/>
+          <ac:spMkLst>
+            <pc:docMk/>
+            <pc:sldMk cId="2930953569" sldId="599"/>
+            <ac:spMk id="71" creationId="{DE77B3E8-31F2-4F1F-ABE8-C6A0683B51CF}"/>
+          </ac:spMkLst>
+        </pc:spChg>
+        <pc:spChg chg="add del mod">
+          <ac:chgData name="Zhao Jin" userId="cd05a825-544c-438a-9ba1-08e63db50b47" providerId="ADAL" clId="{37A0D694-38DA-4421-B5D3-DEDBFC2EC57C}" dt="2021-02-04T05:04:31.896" v="3387" actId="26606"/>
+          <ac:spMkLst>
+            <pc:docMk/>
+            <pc:sldMk cId="2930953569" sldId="599"/>
+            <ac:spMk id="73" creationId="{21A3772B-FFD2-477C-980C-808FDE05940B}"/>
+          </ac:spMkLst>
+        </pc:spChg>
+        <pc:spChg chg="add del mod">
+          <ac:chgData name="Zhao Jin" userId="cd05a825-544c-438a-9ba1-08e63db50b47" providerId="ADAL" clId="{37A0D694-38DA-4421-B5D3-DEDBFC2EC57C}" dt="2021-02-04T05:04:31.896" v="3387" actId="26606"/>
+          <ac:spMkLst>
+            <pc:docMk/>
+            <pc:sldMk cId="2930953569" sldId="599"/>
+            <ac:spMk id="14338" creationId="{00000000-0000-0000-0000-000000000000}"/>
+          </ac:spMkLst>
+        </pc:spChg>
+        <pc:picChg chg="del">
+          <ac:chgData name="Zhao Jin" userId="cd05a825-544c-438a-9ba1-08e63db50b47" providerId="ADAL" clId="{37A0D694-38DA-4421-B5D3-DEDBFC2EC57C}" dt="2021-02-04T05:03:52.637" v="3375" actId="478"/>
+          <ac:picMkLst>
+            <pc:docMk/>
+            <pc:sldMk cId="2930953569" sldId="599"/>
+            <ac:picMk id="4" creationId="{EAFF9153-D379-4E7D-9B97-29843966A9B9}"/>
+          </ac:picMkLst>
+        </pc:picChg>
+        <pc:picChg chg="add mod ord">
+          <ac:chgData name="Zhao Jin" userId="cd05a825-544c-438a-9ba1-08e63db50b47" providerId="ADAL" clId="{37A0D694-38DA-4421-B5D3-DEDBFC2EC57C}" dt="2021-02-04T05:04:38.184" v="3388" actId="1076"/>
+          <ac:picMkLst>
+            <pc:docMk/>
+            <pc:sldMk cId="2930953569" sldId="599"/>
+            <ac:picMk id="6" creationId="{39011840-BE31-4880-9492-02AACF59B6E8}"/>
+          </ac:picMkLst>
+        </pc:picChg>
+        <pc:picChg chg="add del mod">
+          <ac:chgData name="Zhao Jin" userId="cd05a825-544c-438a-9ba1-08e63db50b47" providerId="ADAL" clId="{37A0D694-38DA-4421-B5D3-DEDBFC2EC57C}" dt="2021-02-04T05:05:47.079" v="3393" actId="478"/>
+          <ac:picMkLst>
+            <pc:docMk/>
+            <pc:sldMk cId="2930953569" sldId="599"/>
+            <ac:picMk id="14" creationId="{CCC34DEE-F320-477E-950C-634B3D89DB93}"/>
+          </ac:picMkLst>
+        </pc:picChg>
+      </pc:sldChg>
+      <pc:sldChg chg="addSp delSp modSp add mod ord delAnim modAnim">
+        <pc:chgData name="Zhao Jin" userId="cd05a825-544c-438a-9ba1-08e63db50b47" providerId="ADAL" clId="{37A0D694-38DA-4421-B5D3-DEDBFC2EC57C}" dt="2021-02-10T03:55:38.772" v="4967"/>
+        <pc:sldMkLst>
+          <pc:docMk/>
+          <pc:sldMk cId="880934081" sldId="600"/>
+        </pc:sldMkLst>
+        <pc:spChg chg="mod">
+          <ac:chgData name="Zhao Jin" userId="cd05a825-544c-438a-9ba1-08e63db50b47" providerId="ADAL" clId="{37A0D694-38DA-4421-B5D3-DEDBFC2EC57C}" dt="2021-02-10T03:55:38.772" v="4967"/>
+          <ac:spMkLst>
+            <pc:docMk/>
+            <pc:sldMk cId="880934081" sldId="600"/>
+            <ac:spMk id="7" creationId="{00000000-0000-0000-0000-000000000000}"/>
+          </ac:spMkLst>
+        </pc:spChg>
+        <pc:spChg chg="mod">
+          <ac:chgData name="Zhao Jin" userId="cd05a825-544c-438a-9ba1-08e63db50b47" providerId="ADAL" clId="{37A0D694-38DA-4421-B5D3-DEDBFC2EC57C}" dt="2021-02-08T01:34:33.890" v="3755" actId="1035"/>
+          <ac:spMkLst>
+            <pc:docMk/>
+            <pc:sldMk cId="880934081" sldId="600"/>
+            <ac:spMk id="9" creationId="{0F0F7443-4DFE-415D-AD17-224F6273D040}"/>
+          </ac:spMkLst>
+        </pc:spChg>
+        <pc:spChg chg="mod">
+          <ac:chgData name="Zhao Jin" userId="cd05a825-544c-438a-9ba1-08e63db50b47" providerId="ADAL" clId="{37A0D694-38DA-4421-B5D3-DEDBFC2EC57C}" dt="2021-02-08T01:34:08.258" v="3735" actId="1036"/>
+          <ac:spMkLst>
+            <pc:docMk/>
+            <pc:sldMk cId="880934081" sldId="600"/>
+            <ac:spMk id="11" creationId="{773175F5-4C96-49AA-A94B-810AFD3DA55C}"/>
+          </ac:spMkLst>
+        </pc:spChg>
+        <pc:spChg chg="mod">
+          <ac:chgData name="Zhao Jin" userId="cd05a825-544c-438a-9ba1-08e63db50b47" providerId="ADAL" clId="{37A0D694-38DA-4421-B5D3-DEDBFC2EC57C}" dt="2021-02-08T01:35:29.791" v="3798" actId="20577"/>
+          <ac:spMkLst>
+            <pc:docMk/>
+            <pc:sldMk cId="880934081" sldId="600"/>
+            <ac:spMk id="13" creationId="{C38C91FA-2FD7-40E4-8FEF-DC652DE39BDD}"/>
+          </ac:spMkLst>
+        </pc:spChg>
+        <pc:spChg chg="mod">
+          <ac:chgData name="Zhao Jin" userId="cd05a825-544c-438a-9ba1-08e63db50b47" providerId="ADAL" clId="{37A0D694-38DA-4421-B5D3-DEDBFC2EC57C}" dt="2021-02-08T01:33:08.486" v="3704"/>
+          <ac:spMkLst>
+            <pc:docMk/>
+            <pc:sldMk cId="880934081" sldId="600"/>
+            <ac:spMk id="14" creationId="{D3FFFB67-7299-4469-9FBF-DBE5B89609F5}"/>
+          </ac:spMkLst>
+        </pc:spChg>
+        <pc:spChg chg="mod">
+          <ac:chgData name="Zhao Jin" userId="cd05a825-544c-438a-9ba1-08e63db50b47" providerId="ADAL" clId="{37A0D694-38DA-4421-B5D3-DEDBFC2EC57C}" dt="2021-02-08T01:33:08.486" v="3704"/>
+          <ac:spMkLst>
+            <pc:docMk/>
+            <pc:sldMk cId="880934081" sldId="600"/>
+            <ac:spMk id="15" creationId="{5E9C53D0-6BF9-4AC9-8E89-AA6B7DB8B050}"/>
+          </ac:spMkLst>
+        </pc:spChg>
+        <pc:spChg chg="add del mod">
+          <ac:chgData name="Zhao Jin" userId="cd05a825-544c-438a-9ba1-08e63db50b47" providerId="ADAL" clId="{37A0D694-38DA-4421-B5D3-DEDBFC2EC57C}" dt="2021-02-08T01:33:38.691" v="3707" actId="478"/>
+          <ac:spMkLst>
+            <pc:docMk/>
+            <pc:sldMk cId="880934081" sldId="600"/>
+            <ac:spMk id="19" creationId="{44122FE2-3D5D-4044-9C44-0C76782521C4}"/>
+          </ac:spMkLst>
+        </pc:spChg>
+        <pc:spChg chg="add del mod">
+          <ac:chgData name="Zhao Jin" userId="cd05a825-544c-438a-9ba1-08e63db50b47" providerId="ADAL" clId="{37A0D694-38DA-4421-B5D3-DEDBFC2EC57C}" dt="2021-02-08T01:33:40.143" v="3708" actId="478"/>
+          <ac:spMkLst>
+            <pc:docMk/>
+            <pc:sldMk cId="880934081" sldId="600"/>
+            <ac:spMk id="20" creationId="{7F92D9CB-8CE1-44AC-8870-079E82385FB1}"/>
+          </ac:spMkLst>
+        </pc:spChg>
+        <pc:spChg chg="add mod">
+          <ac:chgData name="Zhao Jin" userId="cd05a825-544c-438a-9ba1-08e63db50b47" providerId="ADAL" clId="{37A0D694-38DA-4421-B5D3-DEDBFC2EC57C}" dt="2021-02-08T01:34:59.699" v="3769" actId="6549"/>
+          <ac:spMkLst>
+            <pc:docMk/>
+            <pc:sldMk cId="880934081" sldId="600"/>
+            <ac:spMk id="25" creationId="{1EDBB76C-AEFD-4199-9BA3-F48B3D729ADF}"/>
+          </ac:spMkLst>
+        </pc:spChg>
+        <pc:spChg chg="add mod">
+          <ac:chgData name="Zhao Jin" userId="cd05a825-544c-438a-9ba1-08e63db50b47" providerId="ADAL" clId="{37A0D694-38DA-4421-B5D3-DEDBFC2EC57C}" dt="2021-02-08T01:38:12.109" v="3904" actId="20577"/>
+          <ac:spMkLst>
+            <pc:docMk/>
+            <pc:sldMk cId="880934081" sldId="600"/>
+            <ac:spMk id="26" creationId="{49077400-1D22-4B84-AD24-0D61D7942A66}"/>
+          </ac:spMkLst>
+        </pc:spChg>
+        <pc:spChg chg="del">
+          <ac:chgData name="Zhao Jin" userId="cd05a825-544c-438a-9ba1-08e63db50b47" providerId="ADAL" clId="{37A0D694-38DA-4421-B5D3-DEDBFC2EC57C}" dt="2021-02-08T01:33:06.769" v="3702" actId="478"/>
+          <ac:spMkLst>
+            <pc:docMk/>
+            <pc:sldMk cId="880934081" sldId="600"/>
+            <ac:spMk id="49" creationId="{00000000-0000-0000-0000-000000000000}"/>
+          </ac:spMkLst>
+        </pc:spChg>
+        <pc:spChg chg="mod">
+          <ac:chgData name="Zhao Jin" userId="cd05a825-544c-438a-9ba1-08e63db50b47" providerId="ADAL" clId="{37A0D694-38DA-4421-B5D3-DEDBFC2EC57C}" dt="2021-02-08T02:02:28.200" v="4908" actId="20577"/>
+          <ac:spMkLst>
+            <pc:docMk/>
+            <pc:sldMk cId="880934081" sldId="600"/>
+            <ac:spMk id="14338" creationId="{00000000-0000-0000-0000-000000000000}"/>
+          </ac:spMkLst>
+        </pc:spChg>
+        <pc:grpChg chg="add mod">
+          <ac:chgData name="Zhao Jin" userId="cd05a825-544c-438a-9ba1-08e63db50b47" providerId="ADAL" clId="{37A0D694-38DA-4421-B5D3-DEDBFC2EC57C}" dt="2021-02-08T01:35:18.638" v="3797" actId="14100"/>
           <ac:grpSpMkLst>
             <pc:docMk/>
-            <pc:sldMk cId="1268238251" sldId="555"/>
-            <ac:grpSpMk id="31" creationId="{00000000-0000-0000-0000-000000000000}"/>
+            <pc:sldMk cId="880934081" sldId="600"/>
+            <ac:grpSpMk id="8" creationId="{57A95DDB-3BBC-4F7D-BE33-CBF7B31BECFF}"/>
           </ac:grpSpMkLst>
         </pc:grpChg>
+        <pc:picChg chg="del">
+          <ac:chgData name="Zhao Jin" userId="cd05a825-544c-438a-9ba1-08e63db50b47" providerId="ADAL" clId="{37A0D694-38DA-4421-B5D3-DEDBFC2EC57C}" dt="2021-02-08T01:33:07.505" v="3703" actId="478"/>
+          <ac:picMkLst>
+            <pc:docMk/>
+            <pc:sldMk cId="880934081" sldId="600"/>
+            <ac:picMk id="2050" creationId="{05AE613C-318D-4BEE-A9E2-BA80E156FFE6}"/>
+          </ac:picMkLst>
+        </pc:picChg>
         <pc:cxnChg chg="mod">
-          <ac:chgData name="Zhao Jin" userId="cd05a825-544c-438a-9ba1-08e63db50b47" providerId="ADAL" clId="{E094A0D3-9008-D44F-B23F-E71F39C2BDEC}" dt="2021-01-27T05:35:18.480" v="821" actId="478"/>
+          <ac:chgData name="Zhao Jin" userId="cd05a825-544c-438a-9ba1-08e63db50b47" providerId="ADAL" clId="{37A0D694-38DA-4421-B5D3-DEDBFC2EC57C}" dt="2021-02-08T01:34:33.890" v="3755" actId="1035"/>
           <ac:cxnSpMkLst>
             <pc:docMk/>
-            <pc:sldMk cId="1268238251" sldId="555"/>
-            <ac:cxnSpMk id="33" creationId="{00000000-0000-0000-0000-000000000000}"/>
+            <pc:sldMk cId="880934081" sldId="600"/>
+            <ac:cxnSpMk id="10" creationId="{A67C22B8-A71F-429C-BF0F-E611871C2339}"/>
+          </ac:cxnSpMkLst>
+        </pc:cxnChg>
+        <pc:cxnChg chg="mod">
+          <ac:chgData name="Zhao Jin" userId="cd05a825-544c-438a-9ba1-08e63db50b47" providerId="ADAL" clId="{37A0D694-38DA-4421-B5D3-DEDBFC2EC57C}" dt="2021-02-08T01:34:33.890" v="3755" actId="1035"/>
+          <ac:cxnSpMkLst>
+            <pc:docMk/>
+            <pc:sldMk cId="880934081" sldId="600"/>
+            <ac:cxnSpMk id="16" creationId="{244202A2-F6E5-4EB1-8FE5-5C63F127FBD4}"/>
+          </ac:cxnSpMkLst>
+        </pc:cxnChg>
+        <pc:cxnChg chg="mod">
+          <ac:chgData name="Zhao Jin" userId="cd05a825-544c-438a-9ba1-08e63db50b47" providerId="ADAL" clId="{37A0D694-38DA-4421-B5D3-DEDBFC2EC57C}" dt="2021-02-08T01:34:33.890" v="3755" actId="1035"/>
+          <ac:cxnSpMkLst>
+            <pc:docMk/>
+            <pc:sldMk cId="880934081" sldId="600"/>
+            <ac:cxnSpMk id="17" creationId="{BDAF2274-9C3B-4346-A725-B8ADDE65C577}"/>
+          </ac:cxnSpMkLst>
+        </pc:cxnChg>
+        <pc:cxnChg chg="mod">
+          <ac:chgData name="Zhao Jin" userId="cd05a825-544c-438a-9ba1-08e63db50b47" providerId="ADAL" clId="{37A0D694-38DA-4421-B5D3-DEDBFC2EC57C}" dt="2021-02-08T01:34:33.890" v="3755" actId="1035"/>
+          <ac:cxnSpMkLst>
+            <pc:docMk/>
+            <pc:sldMk cId="880934081" sldId="600"/>
+            <ac:cxnSpMk id="18" creationId="{6912DF40-1EFB-4781-BC3C-831198FCD003}"/>
           </ac:cxnSpMkLst>
         </pc:cxnChg>
       </pc:sldChg>
       <pc:sldMasterChg chg="modSp modSldLayout">
-        <pc:chgData name="Zhao Jin" userId="cd05a825-544c-438a-9ba1-08e63db50b47" providerId="ADAL" clId="{E094A0D3-9008-D44F-B23F-E71F39C2BDEC}" dt="2021-01-27T04:58:20.523" v="47"/>
+        <pc:chgData name="Zhao Jin" userId="cd05a825-544c-438a-9ba1-08e63db50b47" providerId="ADAL" clId="{37A0D694-38DA-4421-B5D3-DEDBFC2EC57C}" dt="2021-02-10T03:55:38.772" v="4967"/>
         <pc:sldMasterMkLst>
           <pc:docMk/>
           <pc:sldMasterMk cId="0" sldId="2147485087"/>
         </pc:sldMasterMkLst>
         <pc:spChg chg="mod">
-          <ac:chgData name="Zhao Jin" userId="cd05a825-544c-438a-9ba1-08e63db50b47" providerId="ADAL" clId="{E094A0D3-9008-D44F-B23F-E71F39C2BDEC}" dt="2021-01-27T04:58:20.523" v="47"/>
+          <ac:chgData name="Zhao Jin" userId="cd05a825-544c-438a-9ba1-08e63db50b47" providerId="ADAL" clId="{37A0D694-38DA-4421-B5D3-DEDBFC2EC57C}" dt="2021-02-10T03:55:38.772" v="4967"/>
           <ac:spMkLst>
             <pc:docMk/>
             <pc:sldMasterMk cId="0" sldId="2147485087"/>
@@ -1933,14 +4443,14 @@
           </ac:spMkLst>
         </pc:spChg>
         <pc:sldLayoutChg chg="modSp">
-          <pc:chgData name="Zhao Jin" userId="cd05a825-544c-438a-9ba1-08e63db50b47" providerId="ADAL" clId="{E094A0D3-9008-D44F-B23F-E71F39C2BDEC}" dt="2021-01-27T04:58:20.523" v="47"/>
+          <pc:chgData name="Zhao Jin" userId="cd05a825-544c-438a-9ba1-08e63db50b47" providerId="ADAL" clId="{37A0D694-38DA-4421-B5D3-DEDBFC2EC57C}" dt="2021-02-10T03:55:38.772" v="4967"/>
           <pc:sldLayoutMkLst>
             <pc:docMk/>
             <pc:sldMasterMk cId="0" sldId="2147485087"/>
             <pc:sldLayoutMk cId="0" sldId="2147485088"/>
           </pc:sldLayoutMkLst>
           <pc:spChg chg="mod">
-            <ac:chgData name="Zhao Jin" userId="cd05a825-544c-438a-9ba1-08e63db50b47" providerId="ADAL" clId="{E094A0D3-9008-D44F-B23F-E71F39C2BDEC}" dt="2021-01-27T04:58:20.523" v="47"/>
+            <ac:chgData name="Zhao Jin" userId="cd05a825-544c-438a-9ba1-08e63db50b47" providerId="ADAL" clId="{37A0D694-38DA-4421-B5D3-DEDBFC2EC57C}" dt="2021-02-10T03:55:38.772" v="4967"/>
             <ac:spMkLst>
               <pc:docMk/>
               <pc:sldMasterMk cId="0" sldId="2147485087"/>
@@ -1950,14 +4460,14 @@
           </pc:spChg>
         </pc:sldLayoutChg>
         <pc:sldLayoutChg chg="modSp">
-          <pc:chgData name="Zhao Jin" userId="cd05a825-544c-438a-9ba1-08e63db50b47" providerId="ADAL" clId="{E094A0D3-9008-D44F-B23F-E71F39C2BDEC}" dt="2021-01-27T04:58:20.523" v="47"/>
+          <pc:chgData name="Zhao Jin" userId="cd05a825-544c-438a-9ba1-08e63db50b47" providerId="ADAL" clId="{37A0D694-38DA-4421-B5D3-DEDBFC2EC57C}" dt="2021-02-10T03:55:38.772" v="4967"/>
           <pc:sldLayoutMkLst>
             <pc:docMk/>
             <pc:sldMasterMk cId="0" sldId="2147485087"/>
             <pc:sldLayoutMk cId="0" sldId="2147485089"/>
           </pc:sldLayoutMkLst>
           <pc:spChg chg="mod">
-            <ac:chgData name="Zhao Jin" userId="cd05a825-544c-438a-9ba1-08e63db50b47" providerId="ADAL" clId="{E094A0D3-9008-D44F-B23F-E71F39C2BDEC}" dt="2021-01-27T04:58:20.523" v="47"/>
+            <ac:chgData name="Zhao Jin" userId="cd05a825-544c-438a-9ba1-08e63db50b47" providerId="ADAL" clId="{37A0D694-38DA-4421-B5D3-DEDBFC2EC57C}" dt="2021-02-10T03:55:38.772" v="4967"/>
             <ac:spMkLst>
               <pc:docMk/>
               <pc:sldMasterMk cId="0" sldId="2147485087"/>
@@ -1967,14 +4477,14 @@
           </pc:spChg>
         </pc:sldLayoutChg>
         <pc:sldLayoutChg chg="modSp">
-          <pc:chgData name="Zhao Jin" userId="cd05a825-544c-438a-9ba1-08e63db50b47" providerId="ADAL" clId="{E094A0D3-9008-D44F-B23F-E71F39C2BDEC}" dt="2021-01-27T04:58:20.523" v="47"/>
+          <pc:chgData name="Zhao Jin" userId="cd05a825-544c-438a-9ba1-08e63db50b47" providerId="ADAL" clId="{37A0D694-38DA-4421-B5D3-DEDBFC2EC57C}" dt="2021-02-10T03:55:38.772" v="4967"/>
           <pc:sldLayoutMkLst>
             <pc:docMk/>
             <pc:sldMasterMk cId="0" sldId="2147485087"/>
             <pc:sldLayoutMk cId="0" sldId="2147485090"/>
           </pc:sldLayoutMkLst>
           <pc:spChg chg="mod">
-            <ac:chgData name="Zhao Jin" userId="cd05a825-544c-438a-9ba1-08e63db50b47" providerId="ADAL" clId="{E094A0D3-9008-D44F-B23F-E71F39C2BDEC}" dt="2021-01-27T04:58:20.523" v="47"/>
+            <ac:chgData name="Zhao Jin" userId="cd05a825-544c-438a-9ba1-08e63db50b47" providerId="ADAL" clId="{37A0D694-38DA-4421-B5D3-DEDBFC2EC57C}" dt="2021-02-10T03:55:38.772" v="4967"/>
             <ac:spMkLst>
               <pc:docMk/>
               <pc:sldMasterMk cId="0" sldId="2147485087"/>
@@ -1984,14 +4494,14 @@
           </pc:spChg>
         </pc:sldLayoutChg>
         <pc:sldLayoutChg chg="modSp">
-          <pc:chgData name="Zhao Jin" userId="cd05a825-544c-438a-9ba1-08e63db50b47" providerId="ADAL" clId="{E094A0D3-9008-D44F-B23F-E71F39C2BDEC}" dt="2021-01-27T04:58:20.523" v="47"/>
+          <pc:chgData name="Zhao Jin" userId="cd05a825-544c-438a-9ba1-08e63db50b47" providerId="ADAL" clId="{37A0D694-38DA-4421-B5D3-DEDBFC2EC57C}" dt="2021-02-10T03:55:38.772" v="4967"/>
           <pc:sldLayoutMkLst>
             <pc:docMk/>
             <pc:sldMasterMk cId="0" sldId="2147485087"/>
             <pc:sldLayoutMk cId="0" sldId="2147485091"/>
           </pc:sldLayoutMkLst>
           <pc:spChg chg="mod">
-            <ac:chgData name="Zhao Jin" userId="cd05a825-544c-438a-9ba1-08e63db50b47" providerId="ADAL" clId="{E094A0D3-9008-D44F-B23F-E71F39C2BDEC}" dt="2021-01-27T04:58:20.523" v="47"/>
+            <ac:chgData name="Zhao Jin" userId="cd05a825-544c-438a-9ba1-08e63db50b47" providerId="ADAL" clId="{37A0D694-38DA-4421-B5D3-DEDBFC2EC57C}" dt="2021-02-10T03:55:38.772" v="4967"/>
             <ac:spMkLst>
               <pc:docMk/>
               <pc:sldMasterMk cId="0" sldId="2147485087"/>
@@ -2001,14 +4511,14 @@
           </pc:spChg>
         </pc:sldLayoutChg>
         <pc:sldLayoutChg chg="modSp">
-          <pc:chgData name="Zhao Jin" userId="cd05a825-544c-438a-9ba1-08e63db50b47" providerId="ADAL" clId="{E094A0D3-9008-D44F-B23F-E71F39C2BDEC}" dt="2021-01-27T04:58:20.523" v="47"/>
+          <pc:chgData name="Zhao Jin" userId="cd05a825-544c-438a-9ba1-08e63db50b47" providerId="ADAL" clId="{37A0D694-38DA-4421-B5D3-DEDBFC2EC57C}" dt="2021-02-10T03:55:38.772" v="4967"/>
           <pc:sldLayoutMkLst>
             <pc:docMk/>
             <pc:sldMasterMk cId="0" sldId="2147485087"/>
             <pc:sldLayoutMk cId="0" sldId="2147485092"/>
           </pc:sldLayoutMkLst>
           <pc:spChg chg="mod">
-            <ac:chgData name="Zhao Jin" userId="cd05a825-544c-438a-9ba1-08e63db50b47" providerId="ADAL" clId="{E094A0D3-9008-D44F-B23F-E71F39C2BDEC}" dt="2021-01-27T04:58:20.523" v="47"/>
+            <ac:chgData name="Zhao Jin" userId="cd05a825-544c-438a-9ba1-08e63db50b47" providerId="ADAL" clId="{37A0D694-38DA-4421-B5D3-DEDBFC2EC57C}" dt="2021-02-10T03:55:38.772" v="4967"/>
             <ac:spMkLst>
               <pc:docMk/>
               <pc:sldMasterMk cId="0" sldId="2147485087"/>
@@ -2018,14 +4528,14 @@
           </pc:spChg>
         </pc:sldLayoutChg>
         <pc:sldLayoutChg chg="modSp">
-          <pc:chgData name="Zhao Jin" userId="cd05a825-544c-438a-9ba1-08e63db50b47" providerId="ADAL" clId="{E094A0D3-9008-D44F-B23F-E71F39C2BDEC}" dt="2021-01-27T04:58:20.523" v="47"/>
+          <pc:chgData name="Zhao Jin" userId="cd05a825-544c-438a-9ba1-08e63db50b47" providerId="ADAL" clId="{37A0D694-38DA-4421-B5D3-DEDBFC2EC57C}" dt="2021-02-10T03:55:38.772" v="4967"/>
           <pc:sldLayoutMkLst>
             <pc:docMk/>
             <pc:sldMasterMk cId="0" sldId="2147485087"/>
             <pc:sldLayoutMk cId="0" sldId="2147485093"/>
           </pc:sldLayoutMkLst>
           <pc:spChg chg="mod">
-            <ac:chgData name="Zhao Jin" userId="cd05a825-544c-438a-9ba1-08e63db50b47" providerId="ADAL" clId="{E094A0D3-9008-D44F-B23F-E71F39C2BDEC}" dt="2021-01-27T04:58:20.523" v="47"/>
+            <ac:chgData name="Zhao Jin" userId="cd05a825-544c-438a-9ba1-08e63db50b47" providerId="ADAL" clId="{37A0D694-38DA-4421-B5D3-DEDBFC2EC57C}" dt="2021-02-10T03:55:38.772" v="4967"/>
             <ac:spMkLst>
               <pc:docMk/>
               <pc:sldMasterMk cId="0" sldId="2147485087"/>
@@ -2035,14 +4545,14 @@
           </pc:spChg>
         </pc:sldLayoutChg>
         <pc:sldLayoutChg chg="modSp">
-          <pc:chgData name="Zhao Jin" userId="cd05a825-544c-438a-9ba1-08e63db50b47" providerId="ADAL" clId="{E094A0D3-9008-D44F-B23F-E71F39C2BDEC}" dt="2021-01-27T04:58:20.523" v="47"/>
+          <pc:chgData name="Zhao Jin" userId="cd05a825-544c-438a-9ba1-08e63db50b47" providerId="ADAL" clId="{37A0D694-38DA-4421-B5D3-DEDBFC2EC57C}" dt="2021-02-10T03:55:38.772" v="4967"/>
           <pc:sldLayoutMkLst>
             <pc:docMk/>
             <pc:sldMasterMk cId="0" sldId="2147485087"/>
             <pc:sldLayoutMk cId="0" sldId="2147485094"/>
           </pc:sldLayoutMkLst>
           <pc:spChg chg="mod">
-            <ac:chgData name="Zhao Jin" userId="cd05a825-544c-438a-9ba1-08e63db50b47" providerId="ADAL" clId="{E094A0D3-9008-D44F-B23F-E71F39C2BDEC}" dt="2021-01-27T04:58:20.523" v="47"/>
+            <ac:chgData name="Zhao Jin" userId="cd05a825-544c-438a-9ba1-08e63db50b47" providerId="ADAL" clId="{37A0D694-38DA-4421-B5D3-DEDBFC2EC57C}" dt="2021-02-10T03:55:38.772" v="4967"/>
             <ac:spMkLst>
               <pc:docMk/>
               <pc:sldMasterMk cId="0" sldId="2147485087"/>
@@ -2052,14 +4562,14 @@
           </pc:spChg>
         </pc:sldLayoutChg>
         <pc:sldLayoutChg chg="modSp">
-          <pc:chgData name="Zhao Jin" userId="cd05a825-544c-438a-9ba1-08e63db50b47" providerId="ADAL" clId="{E094A0D3-9008-D44F-B23F-E71F39C2BDEC}" dt="2021-01-27T04:58:20.523" v="47"/>
+          <pc:chgData name="Zhao Jin" userId="cd05a825-544c-438a-9ba1-08e63db50b47" providerId="ADAL" clId="{37A0D694-38DA-4421-B5D3-DEDBFC2EC57C}" dt="2021-02-10T03:55:38.772" v="4967"/>
           <pc:sldLayoutMkLst>
             <pc:docMk/>
             <pc:sldMasterMk cId="0" sldId="2147485087"/>
             <pc:sldLayoutMk cId="0" sldId="2147485095"/>
           </pc:sldLayoutMkLst>
           <pc:spChg chg="mod">
-            <ac:chgData name="Zhao Jin" userId="cd05a825-544c-438a-9ba1-08e63db50b47" providerId="ADAL" clId="{E094A0D3-9008-D44F-B23F-E71F39C2BDEC}" dt="2021-01-27T04:58:20.523" v="47"/>
+            <ac:chgData name="Zhao Jin" userId="cd05a825-544c-438a-9ba1-08e63db50b47" providerId="ADAL" clId="{37A0D694-38DA-4421-B5D3-DEDBFC2EC57C}" dt="2021-02-10T03:55:38.772" v="4967"/>
             <ac:spMkLst>
               <pc:docMk/>
               <pc:sldMasterMk cId="0" sldId="2147485087"/>
@@ -2069,14 +4579,14 @@
           </pc:spChg>
         </pc:sldLayoutChg>
         <pc:sldLayoutChg chg="modSp">
-          <pc:chgData name="Zhao Jin" userId="cd05a825-544c-438a-9ba1-08e63db50b47" providerId="ADAL" clId="{E094A0D3-9008-D44F-B23F-E71F39C2BDEC}" dt="2021-01-27T04:58:20.523" v="47"/>
+          <pc:chgData name="Zhao Jin" userId="cd05a825-544c-438a-9ba1-08e63db50b47" providerId="ADAL" clId="{37A0D694-38DA-4421-B5D3-DEDBFC2EC57C}" dt="2021-02-10T03:55:38.772" v="4967"/>
           <pc:sldLayoutMkLst>
             <pc:docMk/>
             <pc:sldMasterMk cId="0" sldId="2147485087"/>
             <pc:sldLayoutMk cId="0" sldId="2147485096"/>
           </pc:sldLayoutMkLst>
           <pc:spChg chg="mod">
-            <ac:chgData name="Zhao Jin" userId="cd05a825-544c-438a-9ba1-08e63db50b47" providerId="ADAL" clId="{E094A0D3-9008-D44F-B23F-E71F39C2BDEC}" dt="2021-01-27T04:58:20.523" v="47"/>
+            <ac:chgData name="Zhao Jin" userId="cd05a825-544c-438a-9ba1-08e63db50b47" providerId="ADAL" clId="{37A0D694-38DA-4421-B5D3-DEDBFC2EC57C}" dt="2021-02-10T03:55:38.772" v="4967"/>
             <ac:spMkLst>
               <pc:docMk/>
               <pc:sldMasterMk cId="0" sldId="2147485087"/>
@@ -2086,14 +4596,14 @@
           </pc:spChg>
         </pc:sldLayoutChg>
         <pc:sldLayoutChg chg="modSp">
-          <pc:chgData name="Zhao Jin" userId="cd05a825-544c-438a-9ba1-08e63db50b47" providerId="ADAL" clId="{E094A0D3-9008-D44F-B23F-E71F39C2BDEC}" dt="2021-01-27T04:58:20.523" v="47"/>
+          <pc:chgData name="Zhao Jin" userId="cd05a825-544c-438a-9ba1-08e63db50b47" providerId="ADAL" clId="{37A0D694-38DA-4421-B5D3-DEDBFC2EC57C}" dt="2021-02-10T03:55:38.772" v="4967"/>
           <pc:sldLayoutMkLst>
             <pc:docMk/>
             <pc:sldMasterMk cId="0" sldId="2147485087"/>
             <pc:sldLayoutMk cId="0" sldId="2147485097"/>
           </pc:sldLayoutMkLst>
           <pc:spChg chg="mod">
-            <ac:chgData name="Zhao Jin" userId="cd05a825-544c-438a-9ba1-08e63db50b47" providerId="ADAL" clId="{E094A0D3-9008-D44F-B23F-E71F39C2BDEC}" dt="2021-01-27T04:58:20.523" v="47"/>
+            <ac:chgData name="Zhao Jin" userId="cd05a825-544c-438a-9ba1-08e63db50b47" providerId="ADAL" clId="{37A0D694-38DA-4421-B5D3-DEDBFC2EC57C}" dt="2021-02-10T03:55:38.772" v="4967"/>
             <ac:spMkLst>
               <pc:docMk/>
               <pc:sldMasterMk cId="0" sldId="2147485087"/>
@@ -2103,14 +4613,14 @@
           </pc:spChg>
         </pc:sldLayoutChg>
         <pc:sldLayoutChg chg="modSp">
-          <pc:chgData name="Zhao Jin" userId="cd05a825-544c-438a-9ba1-08e63db50b47" providerId="ADAL" clId="{E094A0D3-9008-D44F-B23F-E71F39C2BDEC}" dt="2021-01-27T04:58:20.523" v="47"/>
+          <pc:chgData name="Zhao Jin" userId="cd05a825-544c-438a-9ba1-08e63db50b47" providerId="ADAL" clId="{37A0D694-38DA-4421-B5D3-DEDBFC2EC57C}" dt="2021-02-10T03:55:38.772" v="4967"/>
           <pc:sldLayoutMkLst>
             <pc:docMk/>
             <pc:sldMasterMk cId="0" sldId="2147485087"/>
             <pc:sldLayoutMk cId="0" sldId="2147485098"/>
           </pc:sldLayoutMkLst>
           <pc:spChg chg="mod">
-            <ac:chgData name="Zhao Jin" userId="cd05a825-544c-438a-9ba1-08e63db50b47" providerId="ADAL" clId="{E094A0D3-9008-D44F-B23F-E71F39C2BDEC}" dt="2021-01-27T04:58:20.523" v="47"/>
+            <ac:chgData name="Zhao Jin" userId="cd05a825-544c-438a-9ba1-08e63db50b47" providerId="ADAL" clId="{37A0D694-38DA-4421-B5D3-DEDBFC2EC57C}" dt="2021-02-10T03:55:38.772" v="4967"/>
             <ac:spMkLst>
               <pc:docMk/>
               <pc:sldMasterMk cId="0" sldId="2147485087"/>
@@ -2120,6 +4630,30 @@
           </pc:spChg>
         </pc:sldLayoutChg>
       </pc:sldMasterChg>
+    </pc:docChg>
+  </pc:docChgLst>
+  <pc:docChgLst>
+    <pc:chgData name="Zhao Jin" userId="cd05a825-544c-438a-9ba1-08e63db50b47" providerId="ADAL" clId="{A5D2469F-D67A-41CC-8F01-671A516530F2}"/>
+    <pc:docChg chg="custSel modSld">
+      <pc:chgData name="Zhao Jin" userId="cd05a825-544c-438a-9ba1-08e63db50b47" providerId="ADAL" clId="{A5D2469F-D67A-41CC-8F01-671A516530F2}" dt="2021-04-07T08:36:27.560" v="1" actId="478"/>
+      <pc:docMkLst>
+        <pc:docMk/>
+      </pc:docMkLst>
+      <pc:sldChg chg="delSp modSp mod delAnim">
+        <pc:chgData name="Zhao Jin" userId="cd05a825-544c-438a-9ba1-08e63db50b47" providerId="ADAL" clId="{A5D2469F-D67A-41CC-8F01-671A516530F2}" dt="2021-04-07T08:36:27.560" v="1" actId="478"/>
+        <pc:sldMkLst>
+          <pc:docMk/>
+          <pc:sldMk cId="92291925" sldId="563"/>
+        </pc:sldMkLst>
+        <pc:spChg chg="del mod">
+          <ac:chgData name="Zhao Jin" userId="cd05a825-544c-438a-9ba1-08e63db50b47" providerId="ADAL" clId="{A5D2469F-D67A-41CC-8F01-671A516530F2}" dt="2021-04-07T08:36:27.560" v="1" actId="478"/>
+          <ac:spMkLst>
+            <pc:docMk/>
+            <pc:sldMk cId="92291925" sldId="563"/>
+            <ac:spMk id="91" creationId="{00000000-0000-0000-0000-000000000000}"/>
+          </ac:spMkLst>
+        </pc:spChg>
+      </pc:sldChg>
     </pc:docChg>
   </pc:docChgLst>
   <pc:docChgLst>
@@ -3330,38 +5864,6 @@
     </pc:docChg>
   </pc:docChgLst>
   <pc:docChgLst>
-    <pc:chgData name="Zhao Jin" userId="cd05a825-544c-438a-9ba1-08e63db50b47" providerId="ADAL" clId="{8BE350D2-6936-4764-AEB4-6940700BA7AB}"/>
-    <pc:docChg chg="modSld">
-      <pc:chgData name="Zhao Jin" userId="cd05a825-544c-438a-9ba1-08e63db50b47" providerId="ADAL" clId="{8BE350D2-6936-4764-AEB4-6940700BA7AB}" dt="2024-01-31T05:30:40.452" v="0"/>
-      <pc:docMkLst>
-        <pc:docMk/>
-      </pc:docMkLst>
-      <pc:sldChg chg="addSp modSp">
-        <pc:chgData name="Zhao Jin" userId="cd05a825-544c-438a-9ba1-08e63db50b47" providerId="ADAL" clId="{8BE350D2-6936-4764-AEB4-6940700BA7AB}" dt="2024-01-31T05:30:40.452" v="0"/>
-        <pc:sldMkLst>
-          <pc:docMk/>
-          <pc:sldMk cId="0" sldId="256"/>
-        </pc:sldMkLst>
-        <pc:spChg chg="add mod">
-          <ac:chgData name="Zhao Jin" userId="cd05a825-544c-438a-9ba1-08e63db50b47" providerId="ADAL" clId="{8BE350D2-6936-4764-AEB4-6940700BA7AB}" dt="2024-01-31T05:30:40.452" v="0"/>
-          <ac:spMkLst>
-            <pc:docMk/>
-            <pc:sldMk cId="0" sldId="256"/>
-            <ac:spMk id="3" creationId="{28638AA2-0381-5B95-6584-1F91790DEE41}"/>
-          </ac:spMkLst>
-        </pc:spChg>
-        <pc:picChg chg="add mod">
-          <ac:chgData name="Zhao Jin" userId="cd05a825-544c-438a-9ba1-08e63db50b47" providerId="ADAL" clId="{8BE350D2-6936-4764-AEB4-6940700BA7AB}" dt="2024-01-31T05:30:40.452" v="0"/>
-          <ac:picMkLst>
-            <pc:docMk/>
-            <pc:sldMk cId="0" sldId="256"/>
-            <ac:picMk id="2" creationId="{45E52030-F1FD-2499-CDC9-DE9A3A78356C}"/>
-          </ac:picMkLst>
-        </pc:picChg>
-      </pc:sldChg>
-    </pc:docChg>
-  </pc:docChgLst>
-  <pc:docChgLst>
     <pc:chgData name="Zhao Jin" userId="cd05a825-544c-438a-9ba1-08e63db50b47" providerId="ADAL" clId="{BBE9D547-4B31-704D-9080-47B1CA4D9124}"/>
     <pc:docChg chg="modSld">
       <pc:chgData name="Zhao Jin" userId="cd05a825-544c-438a-9ba1-08e63db50b47" providerId="ADAL" clId="{BBE9D547-4B31-704D-9080-47B1CA4D9124}" dt="2021-01-18T05:40:31.767" v="29" actId="114"/>
@@ -3395,2508 +5897,6 @@
             <pc:docMk/>
             <pc:sldMk cId="2851665547" sldId="538"/>
             <ac:spMk id="13" creationId="{00000000-0000-0000-0000-000000000000}"/>
-          </ac:spMkLst>
-        </pc:spChg>
-      </pc:sldChg>
-    </pc:docChg>
-  </pc:docChgLst>
-  <pc:docChgLst>
-    <pc:chgData name="Zhao Jin" userId="cd05a825-544c-438a-9ba1-08e63db50b47" providerId="ADAL" clId="{37A0D694-38DA-4421-B5D3-DEDBFC2EC57C}"/>
-    <pc:docChg chg="undo redo custSel mod addSld delSld modSld sldOrd modMainMaster">
-      <pc:chgData name="Zhao Jin" userId="cd05a825-544c-438a-9ba1-08e63db50b47" providerId="ADAL" clId="{37A0D694-38DA-4421-B5D3-DEDBFC2EC57C}" dt="2021-02-10T03:56:06.306" v="4973" actId="20577"/>
-      <pc:docMkLst>
-        <pc:docMk/>
-      </pc:docMkLst>
-      <pc:sldChg chg="modSp mod">
-        <pc:chgData name="Zhao Jin" userId="cd05a825-544c-438a-9ba1-08e63db50b47" providerId="ADAL" clId="{37A0D694-38DA-4421-B5D3-DEDBFC2EC57C}" dt="2021-02-03T06:56:00.570" v="28" actId="20577"/>
-        <pc:sldMkLst>
-          <pc:docMk/>
-          <pc:sldMk cId="0" sldId="256"/>
-        </pc:sldMkLst>
-        <pc:spChg chg="mod">
-          <ac:chgData name="Zhao Jin" userId="cd05a825-544c-438a-9ba1-08e63db50b47" providerId="ADAL" clId="{37A0D694-38DA-4421-B5D3-DEDBFC2EC57C}" dt="2021-02-03T06:55:55.618" v="3" actId="20577"/>
-          <ac:spMkLst>
-            <pc:docMk/>
-            <pc:sldMk cId="0" sldId="256"/>
-            <ac:spMk id="8" creationId="{00000000-0000-0000-0000-000000000000}"/>
-          </ac:spMkLst>
-        </pc:spChg>
-        <pc:spChg chg="mod">
-          <ac:chgData name="Zhao Jin" userId="cd05a825-544c-438a-9ba1-08e63db50b47" providerId="ADAL" clId="{37A0D694-38DA-4421-B5D3-DEDBFC2EC57C}" dt="2021-02-03T06:56:00.570" v="28" actId="20577"/>
-          <ac:spMkLst>
-            <pc:docMk/>
-            <pc:sldMk cId="0" sldId="256"/>
-            <ac:spMk id="11" creationId="{00000000-0000-0000-0000-000000000000}"/>
-          </ac:spMkLst>
-        </pc:spChg>
-      </pc:sldChg>
-      <pc:sldChg chg="modSp mod">
-        <pc:chgData name="Zhao Jin" userId="cd05a825-544c-438a-9ba1-08e63db50b47" providerId="ADAL" clId="{37A0D694-38DA-4421-B5D3-DEDBFC2EC57C}" dt="2021-02-10T03:55:38.772" v="4967"/>
-        <pc:sldMkLst>
-          <pc:docMk/>
-          <pc:sldMk cId="2438607696" sldId="468"/>
-        </pc:sldMkLst>
-        <pc:spChg chg="mod">
-          <ac:chgData name="Zhao Jin" userId="cd05a825-544c-438a-9ba1-08e63db50b47" providerId="ADAL" clId="{37A0D694-38DA-4421-B5D3-DEDBFC2EC57C}" dt="2021-02-10T03:55:38.772" v="4967"/>
-          <ac:spMkLst>
-            <pc:docMk/>
-            <pc:sldMk cId="2438607696" sldId="468"/>
-            <ac:spMk id="7" creationId="{00000000-0000-0000-0000-000000000000}"/>
-          </ac:spMkLst>
-        </pc:spChg>
-        <pc:spChg chg="mod">
-          <ac:chgData name="Zhao Jin" userId="cd05a825-544c-438a-9ba1-08e63db50b47" providerId="ADAL" clId="{37A0D694-38DA-4421-B5D3-DEDBFC2EC57C}" dt="2021-02-03T06:56:05.506" v="35" actId="20577"/>
-          <ac:spMkLst>
-            <pc:docMk/>
-            <pc:sldMk cId="2438607696" sldId="468"/>
-            <ac:spMk id="14338" creationId="{00000000-0000-0000-0000-000000000000}"/>
-          </ac:spMkLst>
-        </pc:spChg>
-        <pc:spChg chg="mod">
-          <ac:chgData name="Zhao Jin" userId="cd05a825-544c-438a-9ba1-08e63db50b47" providerId="ADAL" clId="{37A0D694-38DA-4421-B5D3-DEDBFC2EC57C}" dt="2021-02-03T09:25:32.601" v="3334" actId="20577"/>
-          <ac:spMkLst>
-            <pc:docMk/>
-            <pc:sldMk cId="2438607696" sldId="468"/>
-            <ac:spMk id="14339" creationId="{00000000-0000-0000-0000-000000000000}"/>
-          </ac:spMkLst>
-        </pc:spChg>
-      </pc:sldChg>
-      <pc:sldChg chg="modSp del">
-        <pc:chgData name="Zhao Jin" userId="cd05a825-544c-438a-9ba1-08e63db50b47" providerId="ADAL" clId="{37A0D694-38DA-4421-B5D3-DEDBFC2EC57C}" dt="2021-02-03T07:53:06.972" v="43" actId="47"/>
-        <pc:sldMkLst>
-          <pc:docMk/>
-          <pc:sldMk cId="3792232794" sldId="504"/>
-        </pc:sldMkLst>
-        <pc:spChg chg="mod">
-          <ac:chgData name="Zhao Jin" userId="cd05a825-544c-438a-9ba1-08e63db50b47" providerId="ADAL" clId="{37A0D694-38DA-4421-B5D3-DEDBFC2EC57C}" dt="2021-02-03T06:56:12.527" v="36"/>
-          <ac:spMkLst>
-            <pc:docMk/>
-            <pc:sldMk cId="3792232794" sldId="504"/>
-            <ac:spMk id="7" creationId="{00000000-0000-0000-0000-000000000000}"/>
-          </ac:spMkLst>
-        </pc:spChg>
-      </pc:sldChg>
-      <pc:sldChg chg="addSp delSp modSp add mod ord modAnim">
-        <pc:chgData name="Zhao Jin" userId="cd05a825-544c-438a-9ba1-08e63db50b47" providerId="ADAL" clId="{37A0D694-38DA-4421-B5D3-DEDBFC2EC57C}" dt="2021-02-10T03:55:38.772" v="4967"/>
-        <pc:sldMkLst>
-          <pc:docMk/>
-          <pc:sldMk cId="1705639840" sldId="543"/>
-        </pc:sldMkLst>
-        <pc:spChg chg="mod">
-          <ac:chgData name="Zhao Jin" userId="cd05a825-544c-438a-9ba1-08e63db50b47" providerId="ADAL" clId="{37A0D694-38DA-4421-B5D3-DEDBFC2EC57C}" dt="2021-02-10T03:55:38.772" v="4967"/>
-          <ac:spMkLst>
-            <pc:docMk/>
-            <pc:sldMk cId="1705639840" sldId="543"/>
-            <ac:spMk id="9" creationId="{00000000-0000-0000-0000-000000000000}"/>
-          </ac:spMkLst>
-        </pc:spChg>
-        <pc:spChg chg="mod">
-          <ac:chgData name="Zhao Jin" userId="cd05a825-544c-438a-9ba1-08e63db50b47" providerId="ADAL" clId="{37A0D694-38DA-4421-B5D3-DEDBFC2EC57C}" dt="2021-02-03T09:15:05.685" v="2951" actId="6549"/>
-          <ac:spMkLst>
-            <pc:docMk/>
-            <pc:sldMk cId="1705639840" sldId="543"/>
-            <ac:spMk id="15" creationId="{00000000-0000-0000-0000-000000000000}"/>
-          </ac:spMkLst>
-        </pc:spChg>
-        <pc:spChg chg="add del">
-          <ac:chgData name="Zhao Jin" userId="cd05a825-544c-438a-9ba1-08e63db50b47" providerId="ADAL" clId="{37A0D694-38DA-4421-B5D3-DEDBFC2EC57C}" dt="2021-02-03T09:26:12.205" v="3350" actId="478"/>
-          <ac:spMkLst>
-            <pc:docMk/>
-            <pc:sldMk cId="1705639840" sldId="543"/>
-            <ac:spMk id="25604" creationId="{00000000-0000-0000-0000-000000000000}"/>
-          </ac:spMkLst>
-        </pc:spChg>
-      </pc:sldChg>
-      <pc:sldChg chg="modSp del">
-        <pc:chgData name="Zhao Jin" userId="cd05a825-544c-438a-9ba1-08e63db50b47" providerId="ADAL" clId="{37A0D694-38DA-4421-B5D3-DEDBFC2EC57C}" dt="2021-02-03T09:00:14.226" v="1559" actId="47"/>
-        <pc:sldMkLst>
-          <pc:docMk/>
-          <pc:sldMk cId="4228901100" sldId="545"/>
-        </pc:sldMkLst>
-        <pc:spChg chg="mod">
-          <ac:chgData name="Zhao Jin" userId="cd05a825-544c-438a-9ba1-08e63db50b47" providerId="ADAL" clId="{37A0D694-38DA-4421-B5D3-DEDBFC2EC57C}" dt="2021-02-03T06:56:12.527" v="36"/>
-          <ac:spMkLst>
-            <pc:docMk/>
-            <pc:sldMk cId="4228901100" sldId="545"/>
-            <ac:spMk id="7" creationId="{00000000-0000-0000-0000-000000000000}"/>
-          </ac:spMkLst>
-        </pc:spChg>
-      </pc:sldChg>
-      <pc:sldChg chg="modSp del">
-        <pc:chgData name="Zhao Jin" userId="cd05a825-544c-438a-9ba1-08e63db50b47" providerId="ADAL" clId="{37A0D694-38DA-4421-B5D3-DEDBFC2EC57C}" dt="2021-02-03T07:53:07.263" v="44" actId="47"/>
-        <pc:sldMkLst>
-          <pc:docMk/>
-          <pc:sldMk cId="4225956616" sldId="546"/>
-        </pc:sldMkLst>
-        <pc:spChg chg="mod">
-          <ac:chgData name="Zhao Jin" userId="cd05a825-544c-438a-9ba1-08e63db50b47" providerId="ADAL" clId="{37A0D694-38DA-4421-B5D3-DEDBFC2EC57C}" dt="2021-02-03T06:56:12.527" v="36"/>
-          <ac:spMkLst>
-            <pc:docMk/>
-            <pc:sldMk cId="4225956616" sldId="546"/>
-            <ac:spMk id="7" creationId="{00000000-0000-0000-0000-000000000000}"/>
-          </ac:spMkLst>
-        </pc:spChg>
-      </pc:sldChg>
-      <pc:sldChg chg="modSp del">
-        <pc:chgData name="Zhao Jin" userId="cd05a825-544c-438a-9ba1-08e63db50b47" providerId="ADAL" clId="{37A0D694-38DA-4421-B5D3-DEDBFC2EC57C}" dt="2021-02-03T09:00:14.226" v="1559" actId="47"/>
-        <pc:sldMkLst>
-          <pc:docMk/>
-          <pc:sldMk cId="1617257579" sldId="548"/>
-        </pc:sldMkLst>
-        <pc:spChg chg="mod">
-          <ac:chgData name="Zhao Jin" userId="cd05a825-544c-438a-9ba1-08e63db50b47" providerId="ADAL" clId="{37A0D694-38DA-4421-B5D3-DEDBFC2EC57C}" dt="2021-02-03T06:56:12.527" v="36"/>
-          <ac:spMkLst>
-            <pc:docMk/>
-            <pc:sldMk cId="1617257579" sldId="548"/>
-            <ac:spMk id="7" creationId="{00000000-0000-0000-0000-000000000000}"/>
-          </ac:spMkLst>
-        </pc:spChg>
-      </pc:sldChg>
-      <pc:sldChg chg="modSp del">
-        <pc:chgData name="Zhao Jin" userId="cd05a825-544c-438a-9ba1-08e63db50b47" providerId="ADAL" clId="{37A0D694-38DA-4421-B5D3-DEDBFC2EC57C}" dt="2021-02-03T07:53:07.458" v="45" actId="47"/>
-        <pc:sldMkLst>
-          <pc:docMk/>
-          <pc:sldMk cId="3422194935" sldId="552"/>
-        </pc:sldMkLst>
-        <pc:spChg chg="mod">
-          <ac:chgData name="Zhao Jin" userId="cd05a825-544c-438a-9ba1-08e63db50b47" providerId="ADAL" clId="{37A0D694-38DA-4421-B5D3-DEDBFC2EC57C}" dt="2021-02-03T06:56:12.527" v="36"/>
-          <ac:spMkLst>
-            <pc:docMk/>
-            <pc:sldMk cId="3422194935" sldId="552"/>
-            <ac:spMk id="7" creationId="{00000000-0000-0000-0000-000000000000}"/>
-          </ac:spMkLst>
-        </pc:spChg>
-      </pc:sldChg>
-      <pc:sldChg chg="addSp delSp modSp mod">
-        <pc:chgData name="Zhao Jin" userId="cd05a825-544c-438a-9ba1-08e63db50b47" providerId="ADAL" clId="{37A0D694-38DA-4421-B5D3-DEDBFC2EC57C}" dt="2021-02-10T03:55:38.772" v="4967"/>
-        <pc:sldMkLst>
-          <pc:docMk/>
-          <pc:sldMk cId="1427618944" sldId="553"/>
-        </pc:sldMkLst>
-        <pc:spChg chg="mod">
-          <ac:chgData name="Zhao Jin" userId="cd05a825-544c-438a-9ba1-08e63db50b47" providerId="ADAL" clId="{37A0D694-38DA-4421-B5D3-DEDBFC2EC57C}" dt="2021-02-10T03:55:38.772" v="4967"/>
-          <ac:spMkLst>
-            <pc:docMk/>
-            <pc:sldMk cId="1427618944" sldId="553"/>
-            <ac:spMk id="7" creationId="{00000000-0000-0000-0000-000000000000}"/>
-          </ac:spMkLst>
-        </pc:spChg>
-        <pc:spChg chg="mod">
-          <ac:chgData name="Zhao Jin" userId="cd05a825-544c-438a-9ba1-08e63db50b47" providerId="ADAL" clId="{37A0D694-38DA-4421-B5D3-DEDBFC2EC57C}" dt="2021-02-03T07:55:46.087" v="385" actId="20577"/>
-          <ac:spMkLst>
-            <pc:docMk/>
-            <pc:sldMk cId="1427618944" sldId="553"/>
-            <ac:spMk id="8" creationId="{00000000-0000-0000-0000-000000000000}"/>
-          </ac:spMkLst>
-        </pc:spChg>
-        <pc:spChg chg="add del mod">
-          <ac:chgData name="Zhao Jin" userId="cd05a825-544c-438a-9ba1-08e63db50b47" providerId="ADAL" clId="{37A0D694-38DA-4421-B5D3-DEDBFC2EC57C}" dt="2021-02-08T01:22:04.286" v="3395"/>
-          <ac:spMkLst>
-            <pc:docMk/>
-            <pc:sldMk cId="1427618944" sldId="553"/>
-            <ac:spMk id="9" creationId="{F914A7B2-27A3-4DA5-A96E-DC279FD60D4D}"/>
-          </ac:spMkLst>
-        </pc:spChg>
-        <pc:spChg chg="mod">
-          <ac:chgData name="Zhao Jin" userId="cd05a825-544c-438a-9ba1-08e63db50b47" providerId="ADAL" clId="{37A0D694-38DA-4421-B5D3-DEDBFC2EC57C}" dt="2021-02-03T07:55:14.471" v="364" actId="20577"/>
-          <ac:spMkLst>
-            <pc:docMk/>
-            <pc:sldMk cId="1427618944" sldId="553"/>
-            <ac:spMk id="14338" creationId="{00000000-0000-0000-0000-000000000000}"/>
-          </ac:spMkLst>
-        </pc:spChg>
-      </pc:sldChg>
-      <pc:sldChg chg="modSp del">
-        <pc:chgData name="Zhao Jin" userId="cd05a825-544c-438a-9ba1-08e63db50b47" providerId="ADAL" clId="{37A0D694-38DA-4421-B5D3-DEDBFC2EC57C}" dt="2021-02-03T09:00:14.226" v="1559" actId="47"/>
-        <pc:sldMkLst>
-          <pc:docMk/>
-          <pc:sldMk cId="1659983766" sldId="554"/>
-        </pc:sldMkLst>
-        <pc:spChg chg="mod">
-          <ac:chgData name="Zhao Jin" userId="cd05a825-544c-438a-9ba1-08e63db50b47" providerId="ADAL" clId="{37A0D694-38DA-4421-B5D3-DEDBFC2EC57C}" dt="2021-02-03T06:56:12.527" v="36"/>
-          <ac:spMkLst>
-            <pc:docMk/>
-            <pc:sldMk cId="1659983766" sldId="554"/>
-            <ac:spMk id="7" creationId="{00000000-0000-0000-0000-000000000000}"/>
-          </ac:spMkLst>
-        </pc:spChg>
-      </pc:sldChg>
-      <pc:sldChg chg="modSp del">
-        <pc:chgData name="Zhao Jin" userId="cd05a825-544c-438a-9ba1-08e63db50b47" providerId="ADAL" clId="{37A0D694-38DA-4421-B5D3-DEDBFC2EC57C}" dt="2021-02-03T09:00:14.226" v="1559" actId="47"/>
-        <pc:sldMkLst>
-          <pc:docMk/>
-          <pc:sldMk cId="1268238251" sldId="555"/>
-        </pc:sldMkLst>
-        <pc:spChg chg="mod">
-          <ac:chgData name="Zhao Jin" userId="cd05a825-544c-438a-9ba1-08e63db50b47" providerId="ADAL" clId="{37A0D694-38DA-4421-B5D3-DEDBFC2EC57C}" dt="2021-02-03T06:56:12.527" v="36"/>
-          <ac:spMkLst>
-            <pc:docMk/>
-            <pc:sldMk cId="1268238251" sldId="555"/>
-            <ac:spMk id="7" creationId="{00000000-0000-0000-0000-000000000000}"/>
-          </ac:spMkLst>
-        </pc:spChg>
-      </pc:sldChg>
-      <pc:sldChg chg="modSp del">
-        <pc:chgData name="Zhao Jin" userId="cd05a825-544c-438a-9ba1-08e63db50b47" providerId="ADAL" clId="{37A0D694-38DA-4421-B5D3-DEDBFC2EC57C}" dt="2021-02-03T09:00:14.226" v="1559" actId="47"/>
-        <pc:sldMkLst>
-          <pc:docMk/>
-          <pc:sldMk cId="3990513599" sldId="556"/>
-        </pc:sldMkLst>
-        <pc:spChg chg="mod">
-          <ac:chgData name="Zhao Jin" userId="cd05a825-544c-438a-9ba1-08e63db50b47" providerId="ADAL" clId="{37A0D694-38DA-4421-B5D3-DEDBFC2EC57C}" dt="2021-02-03T06:56:12.527" v="36"/>
-          <ac:spMkLst>
-            <pc:docMk/>
-            <pc:sldMk cId="3990513599" sldId="556"/>
-            <ac:spMk id="7" creationId="{00000000-0000-0000-0000-000000000000}"/>
-          </ac:spMkLst>
-        </pc:spChg>
-      </pc:sldChg>
-      <pc:sldChg chg="modSp del">
-        <pc:chgData name="Zhao Jin" userId="cd05a825-544c-438a-9ba1-08e63db50b47" providerId="ADAL" clId="{37A0D694-38DA-4421-B5D3-DEDBFC2EC57C}" dt="2021-02-03T09:00:14.226" v="1559" actId="47"/>
-        <pc:sldMkLst>
-          <pc:docMk/>
-          <pc:sldMk cId="788021743" sldId="557"/>
-        </pc:sldMkLst>
-        <pc:spChg chg="mod">
-          <ac:chgData name="Zhao Jin" userId="cd05a825-544c-438a-9ba1-08e63db50b47" providerId="ADAL" clId="{37A0D694-38DA-4421-B5D3-DEDBFC2EC57C}" dt="2021-02-03T06:56:12.527" v="36"/>
-          <ac:spMkLst>
-            <pc:docMk/>
-            <pc:sldMk cId="788021743" sldId="557"/>
-            <ac:spMk id="7" creationId="{00000000-0000-0000-0000-000000000000}"/>
-          </ac:spMkLst>
-        </pc:spChg>
-      </pc:sldChg>
-      <pc:sldChg chg="addSp delSp modSp add mod ord delAnim modAnim">
-        <pc:chgData name="Zhao Jin" userId="cd05a825-544c-438a-9ba1-08e63db50b47" providerId="ADAL" clId="{37A0D694-38DA-4421-B5D3-DEDBFC2EC57C}" dt="2021-02-10T03:55:38.772" v="4967"/>
-        <pc:sldMkLst>
-          <pc:docMk/>
-          <pc:sldMk cId="487843573" sldId="558"/>
-        </pc:sldMkLst>
-        <pc:spChg chg="add mod topLvl">
-          <ac:chgData name="Zhao Jin" userId="cd05a825-544c-438a-9ba1-08e63db50b47" providerId="ADAL" clId="{37A0D694-38DA-4421-B5D3-DEDBFC2EC57C}" dt="2021-02-08T01:54:54.740" v="4571" actId="1036"/>
-          <ac:spMkLst>
-            <pc:docMk/>
-            <pc:sldMk cId="487843573" sldId="558"/>
-            <ac:spMk id="2" creationId="{0AA435E6-852E-478F-B597-789A68E1C063}"/>
-          </ac:spMkLst>
-        </pc:spChg>
-        <pc:spChg chg="mod">
-          <ac:chgData name="Zhao Jin" userId="cd05a825-544c-438a-9ba1-08e63db50b47" providerId="ADAL" clId="{37A0D694-38DA-4421-B5D3-DEDBFC2EC57C}" dt="2021-02-10T03:55:38.772" v="4967"/>
-          <ac:spMkLst>
-            <pc:docMk/>
-            <pc:sldMk cId="487843573" sldId="558"/>
-            <ac:spMk id="7" creationId="{00000000-0000-0000-0000-000000000000}"/>
-          </ac:spMkLst>
-        </pc:spChg>
-        <pc:spChg chg="mod topLvl">
-          <ac:chgData name="Zhao Jin" userId="cd05a825-544c-438a-9ba1-08e63db50b47" providerId="ADAL" clId="{37A0D694-38DA-4421-B5D3-DEDBFC2EC57C}" dt="2021-02-08T07:59:31.262" v="4966" actId="20577"/>
-          <ac:spMkLst>
-            <pc:docMk/>
-            <pc:sldMk cId="487843573" sldId="558"/>
-            <ac:spMk id="14" creationId="{00000000-0000-0000-0000-000000000000}"/>
-          </ac:spMkLst>
-        </pc:spChg>
-        <pc:spChg chg="del topLvl">
-          <ac:chgData name="Zhao Jin" userId="cd05a825-544c-438a-9ba1-08e63db50b47" providerId="ADAL" clId="{37A0D694-38DA-4421-B5D3-DEDBFC2EC57C}" dt="2021-02-08T01:47:06.169" v="4274" actId="478"/>
-          <ac:spMkLst>
-            <pc:docMk/>
-            <pc:sldMk cId="487843573" sldId="558"/>
-            <ac:spMk id="15" creationId="{00000000-0000-0000-0000-000000000000}"/>
-          </ac:spMkLst>
-        </pc:spChg>
-        <pc:spChg chg="mod">
-          <ac:chgData name="Zhao Jin" userId="cd05a825-544c-438a-9ba1-08e63db50b47" providerId="ADAL" clId="{37A0D694-38DA-4421-B5D3-DEDBFC2EC57C}" dt="2021-02-08T01:51:08.577" v="4468" actId="14100"/>
-          <ac:spMkLst>
-            <pc:docMk/>
-            <pc:sldMk cId="487843573" sldId="558"/>
-            <ac:spMk id="17" creationId="{00000000-0000-0000-0000-000000000000}"/>
-          </ac:spMkLst>
-        </pc:spChg>
-        <pc:spChg chg="add mod">
-          <ac:chgData name="Zhao Jin" userId="cd05a825-544c-438a-9ba1-08e63db50b47" providerId="ADAL" clId="{37A0D694-38DA-4421-B5D3-DEDBFC2EC57C}" dt="2021-02-08T01:47:39.526" v="4317" actId="14100"/>
-          <ac:spMkLst>
-            <pc:docMk/>
-            <pc:sldMk cId="487843573" sldId="558"/>
-            <ac:spMk id="20" creationId="{B9DB2039-D266-417E-930D-88E5062D8119}"/>
-          </ac:spMkLst>
-        </pc:spChg>
-        <pc:spChg chg="add mod topLvl">
-          <ac:chgData name="Zhao Jin" userId="cd05a825-544c-438a-9ba1-08e63db50b47" providerId="ADAL" clId="{37A0D694-38DA-4421-B5D3-DEDBFC2EC57C}" dt="2021-02-08T01:54:21.354" v="4567" actId="165"/>
-          <ac:spMkLst>
-            <pc:docMk/>
-            <pc:sldMk cId="487843573" sldId="558"/>
-            <ac:spMk id="21" creationId="{BB8C38A6-8674-4E0E-B871-1FCF27E9B4CB}"/>
-          </ac:spMkLst>
-        </pc:spChg>
-        <pc:spChg chg="add mod topLvl">
-          <ac:chgData name="Zhao Jin" userId="cd05a825-544c-438a-9ba1-08e63db50b47" providerId="ADAL" clId="{37A0D694-38DA-4421-B5D3-DEDBFC2EC57C}" dt="2021-02-08T01:54:21.354" v="4567" actId="165"/>
-          <ac:spMkLst>
-            <pc:docMk/>
-            <pc:sldMk cId="487843573" sldId="558"/>
-            <ac:spMk id="22" creationId="{2F81D7AB-7D04-43DC-8CF7-A151843D9A9A}"/>
-          </ac:spMkLst>
-        </pc:spChg>
-        <pc:spChg chg="mod topLvl">
-          <ac:chgData name="Zhao Jin" userId="cd05a825-544c-438a-9ba1-08e63db50b47" providerId="ADAL" clId="{37A0D694-38DA-4421-B5D3-DEDBFC2EC57C}" dt="2021-02-08T01:54:21.354" v="4567" actId="165"/>
-          <ac:spMkLst>
-            <pc:docMk/>
-            <pc:sldMk cId="487843573" sldId="558"/>
-            <ac:spMk id="24" creationId="{B4E696D3-ADEF-4AA3-BCC9-171A8F03891A}"/>
-          </ac:spMkLst>
-        </pc:spChg>
-        <pc:spChg chg="mod topLvl">
-          <ac:chgData name="Zhao Jin" userId="cd05a825-544c-438a-9ba1-08e63db50b47" providerId="ADAL" clId="{37A0D694-38DA-4421-B5D3-DEDBFC2EC57C}" dt="2021-02-08T01:54:21.354" v="4567" actId="165"/>
-          <ac:spMkLst>
-            <pc:docMk/>
-            <pc:sldMk cId="487843573" sldId="558"/>
-            <ac:spMk id="25" creationId="{E19EB41A-2BE2-4DF1-88DC-734F0E106BC7}"/>
-          </ac:spMkLst>
-        </pc:spChg>
-        <pc:spChg chg="mod topLvl">
-          <ac:chgData name="Zhao Jin" userId="cd05a825-544c-438a-9ba1-08e63db50b47" providerId="ADAL" clId="{37A0D694-38DA-4421-B5D3-DEDBFC2EC57C}" dt="2021-02-08T01:54:21.354" v="4567" actId="165"/>
-          <ac:spMkLst>
-            <pc:docMk/>
-            <pc:sldMk cId="487843573" sldId="558"/>
-            <ac:spMk id="26" creationId="{9F2304ED-4F52-45A9-88B7-E51D4311F3B8}"/>
-          </ac:spMkLst>
-        </pc:spChg>
-        <pc:spChg chg="mod">
-          <ac:chgData name="Zhao Jin" userId="cd05a825-544c-438a-9ba1-08e63db50b47" providerId="ADAL" clId="{37A0D694-38DA-4421-B5D3-DEDBFC2EC57C}" dt="2021-02-08T01:53:55.267" v="4557"/>
-          <ac:spMkLst>
-            <pc:docMk/>
-            <pc:sldMk cId="487843573" sldId="558"/>
-            <ac:spMk id="28" creationId="{47B0747A-2E61-4716-BF5D-D2B12E6D64BF}"/>
-          </ac:spMkLst>
-        </pc:spChg>
-        <pc:spChg chg="mod">
-          <ac:chgData name="Zhao Jin" userId="cd05a825-544c-438a-9ba1-08e63db50b47" providerId="ADAL" clId="{37A0D694-38DA-4421-B5D3-DEDBFC2EC57C}" dt="2021-02-08T01:53:55.267" v="4557"/>
-          <ac:spMkLst>
-            <pc:docMk/>
-            <pc:sldMk cId="487843573" sldId="558"/>
-            <ac:spMk id="29" creationId="{54237745-C995-42F1-9126-7D86C7667923}"/>
-          </ac:spMkLst>
-        </pc:spChg>
-        <pc:spChg chg="mod">
-          <ac:chgData name="Zhao Jin" userId="cd05a825-544c-438a-9ba1-08e63db50b47" providerId="ADAL" clId="{37A0D694-38DA-4421-B5D3-DEDBFC2EC57C}" dt="2021-02-08T01:53:55.267" v="4557"/>
-          <ac:spMkLst>
-            <pc:docMk/>
-            <pc:sldMk cId="487843573" sldId="558"/>
-            <ac:spMk id="30" creationId="{6FC1D281-B735-481E-A919-8C2D0B287264}"/>
-          </ac:spMkLst>
-        </pc:spChg>
-        <pc:spChg chg="mod topLvl">
-          <ac:chgData name="Zhao Jin" userId="cd05a825-544c-438a-9ba1-08e63db50b47" providerId="ADAL" clId="{37A0D694-38DA-4421-B5D3-DEDBFC2EC57C}" dt="2021-02-08T01:54:21.354" v="4567" actId="165"/>
-          <ac:spMkLst>
-            <pc:docMk/>
-            <pc:sldMk cId="487843573" sldId="558"/>
-            <ac:spMk id="32" creationId="{659AEE1B-C8A8-4F0D-A678-BE0BB18E64EF}"/>
-          </ac:spMkLst>
-        </pc:spChg>
-        <pc:spChg chg="mod topLvl">
-          <ac:chgData name="Zhao Jin" userId="cd05a825-544c-438a-9ba1-08e63db50b47" providerId="ADAL" clId="{37A0D694-38DA-4421-B5D3-DEDBFC2EC57C}" dt="2021-02-08T01:54:21.354" v="4567" actId="165"/>
-          <ac:spMkLst>
-            <pc:docMk/>
-            <pc:sldMk cId="487843573" sldId="558"/>
-            <ac:spMk id="33" creationId="{C7A06EA1-2EC1-42CA-A56F-46A3331F7605}"/>
-          </ac:spMkLst>
-        </pc:spChg>
-        <pc:spChg chg="mod topLvl">
-          <ac:chgData name="Zhao Jin" userId="cd05a825-544c-438a-9ba1-08e63db50b47" providerId="ADAL" clId="{37A0D694-38DA-4421-B5D3-DEDBFC2EC57C}" dt="2021-02-08T01:54:21.354" v="4567" actId="165"/>
-          <ac:spMkLst>
-            <pc:docMk/>
-            <pc:sldMk cId="487843573" sldId="558"/>
-            <ac:spMk id="34" creationId="{C2A482B6-E3E6-485B-830B-6965CF701E68}"/>
-          </ac:spMkLst>
-        </pc:spChg>
-        <pc:spChg chg="mod">
-          <ac:chgData name="Zhao Jin" userId="cd05a825-544c-438a-9ba1-08e63db50b47" providerId="ADAL" clId="{37A0D694-38DA-4421-B5D3-DEDBFC2EC57C}" dt="2021-02-08T01:56:28.234" v="4577" actId="20577"/>
-          <ac:spMkLst>
-            <pc:docMk/>
-            <pc:sldMk cId="487843573" sldId="558"/>
-            <ac:spMk id="14338" creationId="{00000000-0000-0000-0000-000000000000}"/>
-          </ac:spMkLst>
-        </pc:spChg>
-        <pc:spChg chg="del">
-          <ac:chgData name="Zhao Jin" userId="cd05a825-544c-438a-9ba1-08e63db50b47" providerId="ADAL" clId="{37A0D694-38DA-4421-B5D3-DEDBFC2EC57C}" dt="2021-02-08T01:47:14.163" v="4302" actId="478"/>
-          <ac:spMkLst>
-            <pc:docMk/>
-            <pc:sldMk cId="487843573" sldId="558"/>
-            <ac:spMk id="14340" creationId="{00000000-0000-0000-0000-000000000000}"/>
-          </ac:spMkLst>
-        </pc:spChg>
-        <pc:grpChg chg="add del mod">
-          <ac:chgData name="Zhao Jin" userId="cd05a825-544c-438a-9ba1-08e63db50b47" providerId="ADAL" clId="{37A0D694-38DA-4421-B5D3-DEDBFC2EC57C}" dt="2021-02-08T01:54:21.354" v="4567" actId="165"/>
-          <ac:grpSpMkLst>
-            <pc:docMk/>
-            <pc:sldMk cId="487843573" sldId="558"/>
-            <ac:grpSpMk id="3" creationId="{FFE0EFAC-F94A-4083-BDAD-0A7670A72C75}"/>
-          </ac:grpSpMkLst>
-        </pc:grpChg>
-        <pc:grpChg chg="del">
-          <ac:chgData name="Zhao Jin" userId="cd05a825-544c-438a-9ba1-08e63db50b47" providerId="ADAL" clId="{37A0D694-38DA-4421-B5D3-DEDBFC2EC57C}" dt="2021-02-08T01:47:06.169" v="4274" actId="478"/>
-          <ac:grpSpMkLst>
-            <pc:docMk/>
-            <pc:sldMk cId="487843573" sldId="558"/>
-            <ac:grpSpMk id="13" creationId="{00000000-0000-0000-0000-000000000000}"/>
-          </ac:grpSpMkLst>
-        </pc:grpChg>
-        <pc:grpChg chg="add del mod">
-          <ac:chgData name="Zhao Jin" userId="cd05a825-544c-438a-9ba1-08e63db50b47" providerId="ADAL" clId="{37A0D694-38DA-4421-B5D3-DEDBFC2EC57C}" dt="2021-02-08T01:54:21.354" v="4567" actId="165"/>
-          <ac:grpSpMkLst>
-            <pc:docMk/>
-            <pc:sldMk cId="487843573" sldId="558"/>
-            <ac:grpSpMk id="23" creationId="{A38A66FD-989D-41D7-B35C-74B9562D2757}"/>
-          </ac:grpSpMkLst>
-        </pc:grpChg>
-        <pc:grpChg chg="add del mod">
-          <ac:chgData name="Zhao Jin" userId="cd05a825-544c-438a-9ba1-08e63db50b47" providerId="ADAL" clId="{37A0D694-38DA-4421-B5D3-DEDBFC2EC57C}" dt="2021-02-08T01:54:16.269" v="4566" actId="478"/>
-          <ac:grpSpMkLst>
-            <pc:docMk/>
-            <pc:sldMk cId="487843573" sldId="558"/>
-            <ac:grpSpMk id="27" creationId="{CA15FD60-E569-4EA9-B31B-C0ACB6092E0E}"/>
-          </ac:grpSpMkLst>
-        </pc:grpChg>
-        <pc:grpChg chg="add del mod">
-          <ac:chgData name="Zhao Jin" userId="cd05a825-544c-438a-9ba1-08e63db50b47" providerId="ADAL" clId="{37A0D694-38DA-4421-B5D3-DEDBFC2EC57C}" dt="2021-02-08T01:54:21.354" v="4567" actId="165"/>
-          <ac:grpSpMkLst>
-            <pc:docMk/>
-            <pc:sldMk cId="487843573" sldId="558"/>
-            <ac:grpSpMk id="31" creationId="{4962FE2A-AAB6-4BE4-8700-EBB12E5C89B0}"/>
-          </ac:grpSpMkLst>
-        </pc:grpChg>
-        <pc:graphicFrameChg chg="del">
-          <ac:chgData name="Zhao Jin" userId="cd05a825-544c-438a-9ba1-08e63db50b47" providerId="ADAL" clId="{37A0D694-38DA-4421-B5D3-DEDBFC2EC57C}" dt="2021-02-08T01:45:50.655" v="4102" actId="478"/>
-          <ac:graphicFrameMkLst>
-            <pc:docMk/>
-            <pc:sldMk cId="487843573" sldId="558"/>
-            <ac:graphicFrameMk id="16" creationId="{00000000-0000-0000-0000-000000000000}"/>
-          </ac:graphicFrameMkLst>
-        </pc:graphicFrameChg>
-        <pc:graphicFrameChg chg="add mod ord modGraphic">
-          <ac:chgData name="Zhao Jin" userId="cd05a825-544c-438a-9ba1-08e63db50b47" providerId="ADAL" clId="{37A0D694-38DA-4421-B5D3-DEDBFC2EC57C}" dt="2021-02-08T01:54:29.635" v="4568" actId="167"/>
-          <ac:graphicFrameMkLst>
-            <pc:docMk/>
-            <pc:sldMk cId="487843573" sldId="558"/>
-            <ac:graphicFrameMk id="19" creationId="{F406C909-98D4-47F1-9BFD-5E37D45DA926}"/>
-          </ac:graphicFrameMkLst>
-        </pc:graphicFrameChg>
-        <pc:picChg chg="del">
-          <ac:chgData name="Zhao Jin" userId="cd05a825-544c-438a-9ba1-08e63db50b47" providerId="ADAL" clId="{37A0D694-38DA-4421-B5D3-DEDBFC2EC57C}" dt="2021-02-08T01:47:00.259" v="4270" actId="478"/>
-          <ac:picMkLst>
-            <pc:docMk/>
-            <pc:sldMk cId="487843573" sldId="558"/>
-            <ac:picMk id="18" creationId="{00000000-0000-0000-0000-000000000000}"/>
-          </ac:picMkLst>
-        </pc:picChg>
-      </pc:sldChg>
-      <pc:sldChg chg="modSp del">
-        <pc:chgData name="Zhao Jin" userId="cd05a825-544c-438a-9ba1-08e63db50b47" providerId="ADAL" clId="{37A0D694-38DA-4421-B5D3-DEDBFC2EC57C}" dt="2021-02-03T09:00:14.226" v="1559" actId="47"/>
-        <pc:sldMkLst>
-          <pc:docMk/>
-          <pc:sldMk cId="686532275" sldId="558"/>
-        </pc:sldMkLst>
-        <pc:spChg chg="mod">
-          <ac:chgData name="Zhao Jin" userId="cd05a825-544c-438a-9ba1-08e63db50b47" providerId="ADAL" clId="{37A0D694-38DA-4421-B5D3-DEDBFC2EC57C}" dt="2021-02-03T06:56:12.527" v="36"/>
-          <ac:spMkLst>
-            <pc:docMk/>
-            <pc:sldMk cId="686532275" sldId="558"/>
-            <ac:spMk id="7" creationId="{00000000-0000-0000-0000-000000000000}"/>
-          </ac:spMkLst>
-        </pc:spChg>
-      </pc:sldChg>
-      <pc:sldChg chg="modSp del">
-        <pc:chgData name="Zhao Jin" userId="cd05a825-544c-438a-9ba1-08e63db50b47" providerId="ADAL" clId="{37A0D694-38DA-4421-B5D3-DEDBFC2EC57C}" dt="2021-02-03T09:00:14.226" v="1559" actId="47"/>
-        <pc:sldMkLst>
-          <pc:docMk/>
-          <pc:sldMk cId="182578491" sldId="559"/>
-        </pc:sldMkLst>
-        <pc:spChg chg="mod">
-          <ac:chgData name="Zhao Jin" userId="cd05a825-544c-438a-9ba1-08e63db50b47" providerId="ADAL" clId="{37A0D694-38DA-4421-B5D3-DEDBFC2EC57C}" dt="2021-02-03T06:56:12.527" v="36"/>
-          <ac:spMkLst>
-            <pc:docMk/>
-            <pc:sldMk cId="182578491" sldId="559"/>
-            <ac:spMk id="7" creationId="{00000000-0000-0000-0000-000000000000}"/>
-          </ac:spMkLst>
-        </pc:spChg>
-      </pc:sldChg>
-      <pc:sldChg chg="modSp del">
-        <pc:chgData name="Zhao Jin" userId="cd05a825-544c-438a-9ba1-08e63db50b47" providerId="ADAL" clId="{37A0D694-38DA-4421-B5D3-DEDBFC2EC57C}" dt="2021-02-03T09:00:14.226" v="1559" actId="47"/>
-        <pc:sldMkLst>
-          <pc:docMk/>
-          <pc:sldMk cId="2739484572" sldId="562"/>
-        </pc:sldMkLst>
-        <pc:spChg chg="mod">
-          <ac:chgData name="Zhao Jin" userId="cd05a825-544c-438a-9ba1-08e63db50b47" providerId="ADAL" clId="{37A0D694-38DA-4421-B5D3-DEDBFC2EC57C}" dt="2021-02-03T06:56:12.527" v="36"/>
-          <ac:spMkLst>
-            <pc:docMk/>
-            <pc:sldMk cId="2739484572" sldId="562"/>
-            <ac:spMk id="7" creationId="{00000000-0000-0000-0000-000000000000}"/>
-          </ac:spMkLst>
-        </pc:spChg>
-      </pc:sldChg>
-      <pc:sldChg chg="delSp modSp add del mod">
-        <pc:chgData name="Zhao Jin" userId="cd05a825-544c-438a-9ba1-08e63db50b47" providerId="ADAL" clId="{37A0D694-38DA-4421-B5D3-DEDBFC2EC57C}" dt="2021-02-10T03:55:38.772" v="4967"/>
-        <pc:sldMkLst>
-          <pc:docMk/>
-          <pc:sldMk cId="92291925" sldId="563"/>
-        </pc:sldMkLst>
-        <pc:spChg chg="mod">
-          <ac:chgData name="Zhao Jin" userId="cd05a825-544c-438a-9ba1-08e63db50b47" providerId="ADAL" clId="{37A0D694-38DA-4421-B5D3-DEDBFC2EC57C}" dt="2021-02-10T03:55:38.772" v="4967"/>
-          <ac:spMkLst>
-            <pc:docMk/>
-            <pc:sldMk cId="92291925" sldId="563"/>
-            <ac:spMk id="7" creationId="{00000000-0000-0000-0000-000000000000}"/>
-          </ac:spMkLst>
-        </pc:spChg>
-        <pc:spChg chg="mod">
-          <ac:chgData name="Zhao Jin" userId="cd05a825-544c-438a-9ba1-08e63db50b47" providerId="ADAL" clId="{37A0D694-38DA-4421-B5D3-DEDBFC2EC57C}" dt="2021-02-03T07:01:09.202" v="40" actId="20577"/>
-          <ac:spMkLst>
-            <pc:docMk/>
-            <pc:sldMk cId="92291925" sldId="563"/>
-            <ac:spMk id="91" creationId="{00000000-0000-0000-0000-000000000000}"/>
-          </ac:spMkLst>
-        </pc:spChg>
-        <pc:spChg chg="del">
-          <ac:chgData name="Zhao Jin" userId="cd05a825-544c-438a-9ba1-08e63db50b47" providerId="ADAL" clId="{37A0D694-38DA-4421-B5D3-DEDBFC2EC57C}" dt="2021-02-03T09:25:38.461" v="3335" actId="478"/>
-          <ac:spMkLst>
-            <pc:docMk/>
-            <pc:sldMk cId="92291925" sldId="563"/>
-            <ac:spMk id="14340" creationId="{00000000-0000-0000-0000-000000000000}"/>
-          </ac:spMkLst>
-        </pc:spChg>
-      </pc:sldChg>
-      <pc:sldChg chg="addSp delSp modSp add mod addAnim delAnim modAnim">
-        <pc:chgData name="Zhao Jin" userId="cd05a825-544c-438a-9ba1-08e63db50b47" providerId="ADAL" clId="{37A0D694-38DA-4421-B5D3-DEDBFC2EC57C}" dt="2021-02-10T03:55:38.772" v="4967"/>
-        <pc:sldMkLst>
-          <pc:docMk/>
-          <pc:sldMk cId="894186310" sldId="564"/>
-        </pc:sldMkLst>
-        <pc:spChg chg="add del mod">
-          <ac:chgData name="Zhao Jin" userId="cd05a825-544c-438a-9ba1-08e63db50b47" providerId="ADAL" clId="{37A0D694-38DA-4421-B5D3-DEDBFC2EC57C}" dt="2021-02-03T07:59:26.734" v="491" actId="478"/>
-          <ac:spMkLst>
-            <pc:docMk/>
-            <pc:sldMk cId="894186310" sldId="564"/>
-            <ac:spMk id="6" creationId="{E4FD3079-E00B-4FD9-86AE-A5E6CCC7EDBE}"/>
-          </ac:spMkLst>
-        </pc:spChg>
-        <pc:spChg chg="mod">
-          <ac:chgData name="Zhao Jin" userId="cd05a825-544c-438a-9ba1-08e63db50b47" providerId="ADAL" clId="{37A0D694-38DA-4421-B5D3-DEDBFC2EC57C}" dt="2021-02-10T03:55:38.772" v="4967"/>
-          <ac:spMkLst>
-            <pc:docMk/>
-            <pc:sldMk cId="894186310" sldId="564"/>
-            <ac:spMk id="7" creationId="{00000000-0000-0000-0000-000000000000}"/>
-          </ac:spMkLst>
-        </pc:spChg>
-        <pc:spChg chg="del">
-          <ac:chgData name="Zhao Jin" userId="cd05a825-544c-438a-9ba1-08e63db50b47" providerId="ADAL" clId="{37A0D694-38DA-4421-B5D3-DEDBFC2EC57C}" dt="2021-02-03T07:59:25.059" v="490" actId="478"/>
-          <ac:spMkLst>
-            <pc:docMk/>
-            <pc:sldMk cId="894186310" sldId="564"/>
-            <ac:spMk id="8" creationId="{00000000-0000-0000-0000-000000000000}"/>
-          </ac:spMkLst>
-        </pc:spChg>
-        <pc:spChg chg="add mod">
-          <ac:chgData name="Zhao Jin" userId="cd05a825-544c-438a-9ba1-08e63db50b47" providerId="ADAL" clId="{37A0D694-38DA-4421-B5D3-DEDBFC2EC57C}" dt="2021-02-08T01:23:15.974" v="3508" actId="14100"/>
-          <ac:spMkLst>
-            <pc:docMk/>
-            <pc:sldMk cId="894186310" sldId="564"/>
-            <ac:spMk id="8" creationId="{A1FCBF0D-2794-4D66-A616-CF3267CF45BD}"/>
-          </ac:spMkLst>
-        </pc:spChg>
-        <pc:spChg chg="add mod">
-          <ac:chgData name="Zhao Jin" userId="cd05a825-544c-438a-9ba1-08e63db50b47" providerId="ADAL" clId="{37A0D694-38DA-4421-B5D3-DEDBFC2EC57C}" dt="2021-02-03T08:00:25.882" v="535" actId="1035"/>
-          <ac:spMkLst>
-            <pc:docMk/>
-            <pc:sldMk cId="894186310" sldId="564"/>
-            <ac:spMk id="11" creationId="{675C9FBE-306E-46A7-BAB9-46BD27707AF2}"/>
-          </ac:spMkLst>
-        </pc:spChg>
-        <pc:spChg chg="del">
-          <ac:chgData name="Zhao Jin" userId="cd05a825-544c-438a-9ba1-08e63db50b47" providerId="ADAL" clId="{37A0D694-38DA-4421-B5D3-DEDBFC2EC57C}" dt="2021-02-03T07:56:18.626" v="405" actId="478"/>
-          <ac:spMkLst>
-            <pc:docMk/>
-            <pc:sldMk cId="894186310" sldId="564"/>
-            <ac:spMk id="84" creationId="{C4E05674-68A2-0D4E-8B47-F7A2C6A6B76F}"/>
-          </ac:spMkLst>
-        </pc:spChg>
-        <pc:spChg chg="mod">
-          <ac:chgData name="Zhao Jin" userId="cd05a825-544c-438a-9ba1-08e63db50b47" providerId="ADAL" clId="{37A0D694-38DA-4421-B5D3-DEDBFC2EC57C}" dt="2021-02-03T07:55:53.159" v="399" actId="20577"/>
-          <ac:spMkLst>
-            <pc:docMk/>
-            <pc:sldMk cId="894186310" sldId="564"/>
-            <ac:spMk id="14338" creationId="{00000000-0000-0000-0000-000000000000}"/>
-          </ac:spMkLst>
-        </pc:spChg>
-        <pc:graphicFrameChg chg="add mod modGraphic">
-          <ac:chgData name="Zhao Jin" userId="cd05a825-544c-438a-9ba1-08e63db50b47" providerId="ADAL" clId="{37A0D694-38DA-4421-B5D3-DEDBFC2EC57C}" dt="2021-02-08T01:23:58.466" v="3512" actId="14734"/>
-          <ac:graphicFrameMkLst>
-            <pc:docMk/>
-            <pc:sldMk cId="894186310" sldId="564"/>
-            <ac:graphicFrameMk id="10" creationId="{74304014-08C4-4321-AD74-36FAC51612DB}"/>
-          </ac:graphicFrameMkLst>
-        </pc:graphicFrameChg>
-        <pc:picChg chg="del">
-          <ac:chgData name="Zhao Jin" userId="cd05a825-544c-438a-9ba1-08e63db50b47" providerId="ADAL" clId="{37A0D694-38DA-4421-B5D3-DEDBFC2EC57C}" dt="2021-02-03T07:56:06.872" v="400" actId="478"/>
-          <ac:picMkLst>
-            <pc:docMk/>
-            <pc:sldMk cId="894186310" sldId="564"/>
-            <ac:picMk id="3" creationId="{78D60D94-825A-D54F-ACF5-EA46D7263418}"/>
-          </ac:picMkLst>
-        </pc:picChg>
-        <pc:picChg chg="add mod">
-          <ac:chgData name="Zhao Jin" userId="cd05a825-544c-438a-9ba1-08e63db50b47" providerId="ADAL" clId="{37A0D694-38DA-4421-B5D3-DEDBFC2EC57C}" dt="2021-02-03T08:00:23.041" v="525" actId="1076"/>
-          <ac:picMkLst>
-            <pc:docMk/>
-            <pc:sldMk cId="894186310" sldId="564"/>
-            <ac:picMk id="4" creationId="{EAFF9153-D379-4E7D-9B97-29843966A9B9}"/>
-          </ac:picMkLst>
-        </pc:picChg>
-      </pc:sldChg>
-      <pc:sldChg chg="delSp modSp add mod">
-        <pc:chgData name="Zhao Jin" userId="cd05a825-544c-438a-9ba1-08e63db50b47" providerId="ADAL" clId="{37A0D694-38DA-4421-B5D3-DEDBFC2EC57C}" dt="2021-02-10T03:55:38.772" v="4967"/>
-        <pc:sldMkLst>
-          <pc:docMk/>
-          <pc:sldMk cId="1732540191" sldId="568"/>
-        </pc:sldMkLst>
-        <pc:spChg chg="mod">
-          <ac:chgData name="Zhao Jin" userId="cd05a825-544c-438a-9ba1-08e63db50b47" providerId="ADAL" clId="{37A0D694-38DA-4421-B5D3-DEDBFC2EC57C}" dt="2021-02-10T03:55:38.772" v="4967"/>
-          <ac:spMkLst>
-            <pc:docMk/>
-            <pc:sldMk cId="1732540191" sldId="568"/>
-            <ac:spMk id="7" creationId="{00000000-0000-0000-0000-000000000000}"/>
-          </ac:spMkLst>
-        </pc:spChg>
-        <pc:spChg chg="mod">
-          <ac:chgData name="Zhao Jin" userId="cd05a825-544c-438a-9ba1-08e63db50b47" providerId="ADAL" clId="{37A0D694-38DA-4421-B5D3-DEDBFC2EC57C}" dt="2021-02-08T01:57:47.585" v="4651" actId="207"/>
-          <ac:spMkLst>
-            <pc:docMk/>
-            <pc:sldMk cId="1732540191" sldId="568"/>
-            <ac:spMk id="9" creationId="{00000000-0000-0000-0000-000000000000}"/>
-          </ac:spMkLst>
-        </pc:spChg>
-        <pc:spChg chg="mod">
-          <ac:chgData name="Zhao Jin" userId="cd05a825-544c-438a-9ba1-08e63db50b47" providerId="ADAL" clId="{37A0D694-38DA-4421-B5D3-DEDBFC2EC57C}" dt="2021-02-08T01:59:53.143" v="4810" actId="207"/>
-          <ac:spMkLst>
-            <pc:docMk/>
-            <pc:sldMk cId="1732540191" sldId="568"/>
-            <ac:spMk id="21" creationId="{00000000-0000-0000-0000-000000000000}"/>
-          </ac:spMkLst>
-        </pc:spChg>
-        <pc:spChg chg="mod">
-          <ac:chgData name="Zhao Jin" userId="cd05a825-544c-438a-9ba1-08e63db50b47" providerId="ADAL" clId="{37A0D694-38DA-4421-B5D3-DEDBFC2EC57C}" dt="2021-02-08T01:56:55.596" v="4584" actId="20577"/>
-          <ac:spMkLst>
-            <pc:docMk/>
-            <pc:sldMk cId="1732540191" sldId="568"/>
-            <ac:spMk id="14338" creationId="{00000000-0000-0000-0000-000000000000}"/>
-          </ac:spMkLst>
-        </pc:spChg>
-        <pc:spChg chg="del">
-          <ac:chgData name="Zhao Jin" userId="cd05a825-544c-438a-9ba1-08e63db50b47" providerId="ADAL" clId="{37A0D694-38DA-4421-B5D3-DEDBFC2EC57C}" dt="2021-02-08T01:56:51.648" v="4579" actId="478"/>
-          <ac:spMkLst>
-            <pc:docMk/>
-            <pc:sldMk cId="1732540191" sldId="568"/>
-            <ac:spMk id="14340" creationId="{00000000-0000-0000-0000-000000000000}"/>
-          </ac:spMkLst>
-        </pc:spChg>
-      </pc:sldChg>
-      <pc:sldChg chg="addSp delSp modSp add mod delAnim modAnim">
-        <pc:chgData name="Zhao Jin" userId="cd05a825-544c-438a-9ba1-08e63db50b47" providerId="ADAL" clId="{37A0D694-38DA-4421-B5D3-DEDBFC2EC57C}" dt="2021-02-10T03:56:06.306" v="4973" actId="20577"/>
-        <pc:sldMkLst>
-          <pc:docMk/>
-          <pc:sldMk cId="3229890649" sldId="569"/>
-        </pc:sldMkLst>
-        <pc:spChg chg="del">
-          <ac:chgData name="Zhao Jin" userId="cd05a825-544c-438a-9ba1-08e63db50b47" providerId="ADAL" clId="{37A0D694-38DA-4421-B5D3-DEDBFC2EC57C}" dt="2021-02-08T01:57:57.778" v="4652" actId="478"/>
-          <ac:spMkLst>
-            <pc:docMk/>
-            <pc:sldMk cId="3229890649" sldId="569"/>
-            <ac:spMk id="2" creationId="{00000000-0000-0000-0000-000000000000}"/>
-          </ac:spMkLst>
-        </pc:spChg>
-        <pc:spChg chg="del mod">
-          <ac:chgData name="Zhao Jin" userId="cd05a825-544c-438a-9ba1-08e63db50b47" providerId="ADAL" clId="{37A0D694-38DA-4421-B5D3-DEDBFC2EC57C}" dt="2021-02-08T01:58:06.736" v="4656" actId="478"/>
-          <ac:spMkLst>
-            <pc:docMk/>
-            <pc:sldMk cId="3229890649" sldId="569"/>
-            <ac:spMk id="3" creationId="{00000000-0000-0000-0000-000000000000}"/>
-          </ac:spMkLst>
-        </pc:spChg>
-        <pc:spChg chg="add mod">
-          <ac:chgData name="Zhao Jin" userId="cd05a825-544c-438a-9ba1-08e63db50b47" providerId="ADAL" clId="{37A0D694-38DA-4421-B5D3-DEDBFC2EC57C}" dt="2021-02-08T02:00:33.271" v="4814" actId="207"/>
-          <ac:spMkLst>
-            <pc:docMk/>
-            <pc:sldMk cId="3229890649" sldId="569"/>
-            <ac:spMk id="4" creationId="{CDCF9B36-A3E7-4464-88BD-D6D735D7C066}"/>
-          </ac:spMkLst>
-        </pc:spChg>
-        <pc:spChg chg="mod">
-          <ac:chgData name="Zhao Jin" userId="cd05a825-544c-438a-9ba1-08e63db50b47" providerId="ADAL" clId="{37A0D694-38DA-4421-B5D3-DEDBFC2EC57C}" dt="2021-02-10T03:56:06.306" v="4973" actId="20577"/>
-          <ac:spMkLst>
-            <pc:docMk/>
-            <pc:sldMk cId="3229890649" sldId="569"/>
-            <ac:spMk id="7" creationId="{00000000-0000-0000-0000-000000000000}"/>
-          </ac:spMkLst>
-        </pc:spChg>
-        <pc:spChg chg="mod">
-          <ac:chgData name="Zhao Jin" userId="cd05a825-544c-438a-9ba1-08e63db50b47" providerId="ADAL" clId="{37A0D694-38DA-4421-B5D3-DEDBFC2EC57C}" dt="2021-02-08T01:59:19.915" v="4788" actId="1036"/>
-          <ac:spMkLst>
-            <pc:docMk/>
-            <pc:sldMk cId="3229890649" sldId="569"/>
-            <ac:spMk id="9" creationId="{00000000-0000-0000-0000-000000000000}"/>
-          </ac:spMkLst>
-        </pc:spChg>
-        <pc:spChg chg="del">
-          <ac:chgData name="Zhao Jin" userId="cd05a825-544c-438a-9ba1-08e63db50b47" providerId="ADAL" clId="{37A0D694-38DA-4421-B5D3-DEDBFC2EC57C}" dt="2021-02-08T01:58:18.198" v="4676" actId="478"/>
-          <ac:spMkLst>
-            <pc:docMk/>
-            <pc:sldMk cId="3229890649" sldId="569"/>
-            <ac:spMk id="10" creationId="{00000000-0000-0000-0000-000000000000}"/>
-          </ac:spMkLst>
-        </pc:spChg>
-        <pc:spChg chg="add mod">
-          <ac:chgData name="Zhao Jin" userId="cd05a825-544c-438a-9ba1-08e63db50b47" providerId="ADAL" clId="{37A0D694-38DA-4421-B5D3-DEDBFC2EC57C}" dt="2021-02-08T02:01:55.171" v="4907" actId="20577"/>
-          <ac:spMkLst>
-            <pc:docMk/>
-            <pc:sldMk cId="3229890649" sldId="569"/>
-            <ac:spMk id="13" creationId="{2F1FA4E6-900A-4BB2-BEBE-BDBB6918E0B2}"/>
-          </ac:spMkLst>
-        </pc:spChg>
-        <pc:spChg chg="del">
-          <ac:chgData name="Zhao Jin" userId="cd05a825-544c-438a-9ba1-08e63db50b47" providerId="ADAL" clId="{37A0D694-38DA-4421-B5D3-DEDBFC2EC57C}" dt="2021-02-08T01:59:10.250" v="4757" actId="478"/>
-          <ac:spMkLst>
-            <pc:docMk/>
-            <pc:sldMk cId="3229890649" sldId="569"/>
-            <ac:spMk id="21" creationId="{00000000-0000-0000-0000-000000000000}"/>
-          </ac:spMkLst>
-        </pc:spChg>
-        <pc:spChg chg="mod">
-          <ac:chgData name="Zhao Jin" userId="cd05a825-544c-438a-9ba1-08e63db50b47" providerId="ADAL" clId="{37A0D694-38DA-4421-B5D3-DEDBFC2EC57C}" dt="2021-02-08T01:59:21.412" v="4791" actId="20577"/>
-          <ac:spMkLst>
-            <pc:docMk/>
-            <pc:sldMk cId="3229890649" sldId="569"/>
-            <ac:spMk id="14338" creationId="{00000000-0000-0000-0000-000000000000}"/>
-          </ac:spMkLst>
-        </pc:spChg>
-        <pc:spChg chg="del">
-          <ac:chgData name="Zhao Jin" userId="cd05a825-544c-438a-9ba1-08e63db50b47" providerId="ADAL" clId="{37A0D694-38DA-4421-B5D3-DEDBFC2EC57C}" dt="2021-02-08T01:59:22.694" v="4792" actId="478"/>
-          <ac:spMkLst>
-            <pc:docMk/>
-            <pc:sldMk cId="3229890649" sldId="569"/>
-            <ac:spMk id="14340" creationId="{00000000-0000-0000-0000-000000000000}"/>
-          </ac:spMkLst>
-        </pc:spChg>
-      </pc:sldChg>
-      <pc:sldChg chg="addSp delSp modSp add del mod">
-        <pc:chgData name="Zhao Jin" userId="cd05a825-544c-438a-9ba1-08e63db50b47" providerId="ADAL" clId="{37A0D694-38DA-4421-B5D3-DEDBFC2EC57C}" dt="2021-02-10T03:55:38.772" v="4967"/>
-        <pc:sldMkLst>
-          <pc:docMk/>
-          <pc:sldMk cId="3922430229" sldId="580"/>
-        </pc:sldMkLst>
-        <pc:spChg chg="mod">
-          <ac:chgData name="Zhao Jin" userId="cd05a825-544c-438a-9ba1-08e63db50b47" providerId="ADAL" clId="{37A0D694-38DA-4421-B5D3-DEDBFC2EC57C}" dt="2021-02-10T03:55:38.772" v="4967"/>
-          <ac:spMkLst>
-            <pc:docMk/>
-            <pc:sldMk cId="3922430229" sldId="580"/>
-            <ac:spMk id="7" creationId="{00000000-0000-0000-0000-000000000000}"/>
-          </ac:spMkLst>
-        </pc:spChg>
-        <pc:spChg chg="mod">
-          <ac:chgData name="Zhao Jin" userId="cd05a825-544c-438a-9ba1-08e63db50b47" providerId="ADAL" clId="{37A0D694-38DA-4421-B5D3-DEDBFC2EC57C}" dt="2021-02-08T01:40:08.440" v="3975" actId="207"/>
-          <ac:spMkLst>
-            <pc:docMk/>
-            <pc:sldMk cId="3922430229" sldId="580"/>
-            <ac:spMk id="9" creationId="{00000000-0000-0000-0000-000000000000}"/>
-          </ac:spMkLst>
-        </pc:spChg>
-        <pc:spChg chg="mod">
-          <ac:chgData name="Zhao Jin" userId="cd05a825-544c-438a-9ba1-08e63db50b47" providerId="ADAL" clId="{37A0D694-38DA-4421-B5D3-DEDBFC2EC57C}" dt="2021-02-08T01:41:10.766" v="4086" actId="1038"/>
-          <ac:spMkLst>
-            <pc:docMk/>
-            <pc:sldMk cId="3922430229" sldId="580"/>
-            <ac:spMk id="10" creationId="{00000000-0000-0000-0000-000000000000}"/>
-          </ac:spMkLst>
-        </pc:spChg>
-        <pc:spChg chg="mod">
-          <ac:chgData name="Zhao Jin" userId="cd05a825-544c-438a-9ba1-08e63db50b47" providerId="ADAL" clId="{37A0D694-38DA-4421-B5D3-DEDBFC2EC57C}" dt="2021-02-08T01:40:34.781" v="4005" actId="207"/>
-          <ac:spMkLst>
-            <pc:docMk/>
-            <pc:sldMk cId="3922430229" sldId="580"/>
-            <ac:spMk id="11" creationId="{00000000-0000-0000-0000-000000000000}"/>
-          </ac:spMkLst>
-        </pc:spChg>
-        <pc:spChg chg="add del mod">
-          <ac:chgData name="Zhao Jin" userId="cd05a825-544c-438a-9ba1-08e63db50b47" providerId="ADAL" clId="{37A0D694-38DA-4421-B5D3-DEDBFC2EC57C}" dt="2021-02-08T01:37:00.332" v="3812"/>
-          <ac:spMkLst>
-            <pc:docMk/>
-            <pc:sldMk cId="3922430229" sldId="580"/>
-            <ac:spMk id="13" creationId="{4F472ABD-E315-4BA8-AF98-DCE9D31E1B44}"/>
-          </ac:spMkLst>
-        </pc:spChg>
-        <pc:spChg chg="mod">
-          <ac:chgData name="Zhao Jin" userId="cd05a825-544c-438a-9ba1-08e63db50b47" providerId="ADAL" clId="{37A0D694-38DA-4421-B5D3-DEDBFC2EC57C}" dt="2021-02-08T01:41:06.558" v="4075" actId="20577"/>
-          <ac:spMkLst>
-            <pc:docMk/>
-            <pc:sldMk cId="3922430229" sldId="580"/>
-            <ac:spMk id="14338" creationId="{00000000-0000-0000-0000-000000000000}"/>
-          </ac:spMkLst>
-        </pc:spChg>
-        <pc:spChg chg="del">
-          <ac:chgData name="Zhao Jin" userId="cd05a825-544c-438a-9ba1-08e63db50b47" providerId="ADAL" clId="{37A0D694-38DA-4421-B5D3-DEDBFC2EC57C}" dt="2021-02-08T01:36:49.901" v="3810" actId="478"/>
-          <ac:spMkLst>
-            <pc:docMk/>
-            <pc:sldMk cId="3922430229" sldId="580"/>
-            <ac:spMk id="14340" creationId="{00000000-0000-0000-0000-000000000000}"/>
-          </ac:spMkLst>
-        </pc:spChg>
-      </pc:sldChg>
-      <pc:sldChg chg="delSp modSp add mod">
-        <pc:chgData name="Zhao Jin" userId="cd05a825-544c-438a-9ba1-08e63db50b47" providerId="ADAL" clId="{37A0D694-38DA-4421-B5D3-DEDBFC2EC57C}" dt="2021-02-10T03:55:38.772" v="4967"/>
-        <pc:sldMkLst>
-          <pc:docMk/>
-          <pc:sldMk cId="1886636263" sldId="581"/>
-        </pc:sldMkLst>
-        <pc:spChg chg="mod">
-          <ac:chgData name="Zhao Jin" userId="cd05a825-544c-438a-9ba1-08e63db50b47" providerId="ADAL" clId="{37A0D694-38DA-4421-B5D3-DEDBFC2EC57C}" dt="2021-02-10T03:55:38.772" v="4967"/>
-          <ac:spMkLst>
-            <pc:docMk/>
-            <pc:sldMk cId="1886636263" sldId="581"/>
-            <ac:spMk id="7" creationId="{00000000-0000-0000-0000-000000000000}"/>
-          </ac:spMkLst>
-        </pc:spChg>
-        <pc:spChg chg="mod">
-          <ac:chgData name="Zhao Jin" userId="cd05a825-544c-438a-9ba1-08e63db50b47" providerId="ADAL" clId="{37A0D694-38DA-4421-B5D3-DEDBFC2EC57C}" dt="2021-02-03T09:23:01.385" v="3251" actId="1038"/>
-          <ac:spMkLst>
-            <pc:docMk/>
-            <pc:sldMk cId="1886636263" sldId="581"/>
-            <ac:spMk id="10" creationId="{00000000-0000-0000-0000-000000000000}"/>
-          </ac:spMkLst>
-        </pc:spChg>
-        <pc:spChg chg="mod">
-          <ac:chgData name="Zhao Jin" userId="cd05a825-544c-438a-9ba1-08e63db50b47" providerId="ADAL" clId="{37A0D694-38DA-4421-B5D3-DEDBFC2EC57C}" dt="2021-02-03T09:23:10.247" v="3254" actId="113"/>
-          <ac:spMkLst>
-            <pc:docMk/>
-            <pc:sldMk cId="1886636263" sldId="581"/>
-            <ac:spMk id="11" creationId="{00000000-0000-0000-0000-000000000000}"/>
-          </ac:spMkLst>
-        </pc:spChg>
-        <pc:spChg chg="mod">
-          <ac:chgData name="Zhao Jin" userId="cd05a825-544c-438a-9ba1-08e63db50b47" providerId="ADAL" clId="{37A0D694-38DA-4421-B5D3-DEDBFC2EC57C}" dt="2021-02-03T09:21:16.883" v="3154" actId="20577"/>
-          <ac:spMkLst>
-            <pc:docMk/>
-            <pc:sldMk cId="1886636263" sldId="581"/>
-            <ac:spMk id="14338" creationId="{00000000-0000-0000-0000-000000000000}"/>
-          </ac:spMkLst>
-        </pc:spChg>
-        <pc:spChg chg="del">
-          <ac:chgData name="Zhao Jin" userId="cd05a825-544c-438a-9ba1-08e63db50b47" providerId="ADAL" clId="{37A0D694-38DA-4421-B5D3-DEDBFC2EC57C}" dt="2021-02-08T01:42:06.532" v="4090" actId="478"/>
-          <ac:spMkLst>
-            <pc:docMk/>
-            <pc:sldMk cId="1886636263" sldId="581"/>
-            <ac:spMk id="14340" creationId="{00000000-0000-0000-0000-000000000000}"/>
-          </ac:spMkLst>
-        </pc:spChg>
-      </pc:sldChg>
-      <pc:sldChg chg="modSp add del mod">
-        <pc:chgData name="Zhao Jin" userId="cd05a825-544c-438a-9ba1-08e63db50b47" providerId="ADAL" clId="{37A0D694-38DA-4421-B5D3-DEDBFC2EC57C}" dt="2021-02-03T08:47:45.744" v="1076" actId="47"/>
-        <pc:sldMkLst>
-          <pc:docMk/>
-          <pc:sldMk cId="893488834" sldId="587"/>
-        </pc:sldMkLst>
-        <pc:spChg chg="mod">
-          <ac:chgData name="Zhao Jin" userId="cd05a825-544c-438a-9ba1-08e63db50b47" providerId="ADAL" clId="{37A0D694-38DA-4421-B5D3-DEDBFC2EC57C}" dt="2021-02-03T08:01:59.201" v="538" actId="20577"/>
-          <ac:spMkLst>
-            <pc:docMk/>
-            <pc:sldMk cId="893488834" sldId="587"/>
-            <ac:spMk id="19" creationId="{00000000-0000-0000-0000-000000000000}"/>
-          </ac:spMkLst>
-        </pc:spChg>
-        <pc:spChg chg="mod">
-          <ac:chgData name="Zhao Jin" userId="cd05a825-544c-438a-9ba1-08e63db50b47" providerId="ADAL" clId="{37A0D694-38DA-4421-B5D3-DEDBFC2EC57C}" dt="2021-02-03T08:02:04.276" v="539" actId="6549"/>
-          <ac:spMkLst>
-            <pc:docMk/>
-            <pc:sldMk cId="893488834" sldId="587"/>
-            <ac:spMk id="14338" creationId="{00000000-0000-0000-0000-000000000000}"/>
-          </ac:spMkLst>
-        </pc:spChg>
-      </pc:sldChg>
-      <pc:sldChg chg="addSp modSp add del mod">
-        <pc:chgData name="Zhao Jin" userId="cd05a825-544c-438a-9ba1-08e63db50b47" providerId="ADAL" clId="{37A0D694-38DA-4421-B5D3-DEDBFC2EC57C}" dt="2021-02-03T08:47:43.004" v="1075" actId="47"/>
-        <pc:sldMkLst>
-          <pc:docMk/>
-          <pc:sldMk cId="2663336489" sldId="588"/>
-        </pc:sldMkLst>
-        <pc:spChg chg="mod">
-          <ac:chgData name="Zhao Jin" userId="cd05a825-544c-438a-9ba1-08e63db50b47" providerId="ADAL" clId="{37A0D694-38DA-4421-B5D3-DEDBFC2EC57C}" dt="2021-02-03T08:02:36.274" v="551" actId="404"/>
-          <ac:spMkLst>
-            <pc:docMk/>
-            <pc:sldMk cId="2663336489" sldId="588"/>
-            <ac:spMk id="19" creationId="{00000000-0000-0000-0000-000000000000}"/>
-          </ac:spMkLst>
-        </pc:spChg>
-        <pc:picChg chg="add mod">
-          <ac:chgData name="Zhao Jin" userId="cd05a825-544c-438a-9ba1-08e63db50b47" providerId="ADAL" clId="{37A0D694-38DA-4421-B5D3-DEDBFC2EC57C}" dt="2021-02-03T08:02:30.780" v="547" actId="1076"/>
-          <ac:picMkLst>
-            <pc:docMk/>
-            <pc:sldMk cId="2663336489" sldId="588"/>
-            <ac:picMk id="1026" creationId="{260029BB-3AC2-413A-B9C2-5983AA6DD1EE}"/>
-          </ac:picMkLst>
-        </pc:picChg>
-      </pc:sldChg>
-      <pc:sldChg chg="addSp delSp modSp add mod">
-        <pc:chgData name="Zhao Jin" userId="cd05a825-544c-438a-9ba1-08e63db50b47" providerId="ADAL" clId="{37A0D694-38DA-4421-B5D3-DEDBFC2EC57C}" dt="2021-02-10T03:55:38.772" v="4967"/>
-        <pc:sldMkLst>
-          <pc:docMk/>
-          <pc:sldMk cId="211149325" sldId="589"/>
-        </pc:sldMkLst>
-        <pc:spChg chg="mod">
-          <ac:chgData name="Zhao Jin" userId="cd05a825-544c-438a-9ba1-08e63db50b47" providerId="ADAL" clId="{37A0D694-38DA-4421-B5D3-DEDBFC2EC57C}" dt="2021-02-10T03:55:38.772" v="4967"/>
-          <ac:spMkLst>
-            <pc:docMk/>
-            <pc:sldMk cId="211149325" sldId="589"/>
-            <ac:spMk id="7" creationId="{00000000-0000-0000-0000-000000000000}"/>
-          </ac:spMkLst>
-        </pc:spChg>
-        <pc:spChg chg="mod">
-          <ac:chgData name="Zhao Jin" userId="cd05a825-544c-438a-9ba1-08e63db50b47" providerId="ADAL" clId="{37A0D694-38DA-4421-B5D3-DEDBFC2EC57C}" dt="2021-02-03T08:05:19.022" v="583" actId="20577"/>
-          <ac:spMkLst>
-            <pc:docMk/>
-            <pc:sldMk cId="211149325" sldId="589"/>
-            <ac:spMk id="19" creationId="{00000000-0000-0000-0000-000000000000}"/>
-          </ac:spMkLst>
-        </pc:spChg>
-        <pc:spChg chg="mod">
-          <ac:chgData name="Zhao Jin" userId="cd05a825-544c-438a-9ba1-08e63db50b47" providerId="ADAL" clId="{37A0D694-38DA-4421-B5D3-DEDBFC2EC57C}" dt="2021-02-03T08:05:48.631" v="589" actId="20577"/>
-          <ac:spMkLst>
-            <pc:docMk/>
-            <pc:sldMk cId="211149325" sldId="589"/>
-            <ac:spMk id="22" creationId="{00000000-0000-0000-0000-000000000000}"/>
-          </ac:spMkLst>
-        </pc:spChg>
-        <pc:spChg chg="mod">
-          <ac:chgData name="Zhao Jin" userId="cd05a825-544c-438a-9ba1-08e63db50b47" providerId="ADAL" clId="{37A0D694-38DA-4421-B5D3-DEDBFC2EC57C}" dt="2021-02-03T08:05:49.985" v="590" actId="20577"/>
-          <ac:spMkLst>
-            <pc:docMk/>
-            <pc:sldMk cId="211149325" sldId="589"/>
-            <ac:spMk id="27" creationId="{00000000-0000-0000-0000-000000000000}"/>
-          </ac:spMkLst>
-        </pc:spChg>
-        <pc:spChg chg="mod">
-          <ac:chgData name="Zhao Jin" userId="cd05a825-544c-438a-9ba1-08e63db50b47" providerId="ADAL" clId="{37A0D694-38DA-4421-B5D3-DEDBFC2EC57C}" dt="2021-02-03T08:05:52.229" v="591" actId="20577"/>
-          <ac:spMkLst>
-            <pc:docMk/>
-            <pc:sldMk cId="211149325" sldId="589"/>
-            <ac:spMk id="30" creationId="{00000000-0000-0000-0000-000000000000}"/>
-          </ac:spMkLst>
-        </pc:spChg>
-        <pc:spChg chg="mod">
-          <ac:chgData name="Zhao Jin" userId="cd05a825-544c-438a-9ba1-08e63db50b47" providerId="ADAL" clId="{37A0D694-38DA-4421-B5D3-DEDBFC2EC57C}" dt="2021-02-03T09:25:01.711" v="3283" actId="6549"/>
-          <ac:spMkLst>
-            <pc:docMk/>
-            <pc:sldMk cId="211149325" sldId="589"/>
-            <ac:spMk id="14338" creationId="{00000000-0000-0000-0000-000000000000}"/>
-          </ac:spMkLst>
-        </pc:spChg>
-        <pc:spChg chg="del">
-          <ac:chgData name="Zhao Jin" userId="cd05a825-544c-438a-9ba1-08e63db50b47" providerId="ADAL" clId="{37A0D694-38DA-4421-B5D3-DEDBFC2EC57C}" dt="2021-02-03T09:26:19.685" v="3354" actId="478"/>
-          <ac:spMkLst>
-            <pc:docMk/>
-            <pc:sldMk cId="211149325" sldId="589"/>
-            <ac:spMk id="14340" creationId="{00000000-0000-0000-0000-000000000000}"/>
-          </ac:spMkLst>
-        </pc:spChg>
-        <pc:grpChg chg="mod">
-          <ac:chgData name="Zhao Jin" userId="cd05a825-544c-438a-9ba1-08e63db50b47" providerId="ADAL" clId="{37A0D694-38DA-4421-B5D3-DEDBFC2EC57C}" dt="2021-02-03T08:05:47.280" v="588" actId="1076"/>
-          <ac:grpSpMkLst>
-            <pc:docMk/>
-            <pc:sldMk cId="211149325" sldId="589"/>
-            <ac:grpSpMk id="20" creationId="{00000000-0000-0000-0000-000000000000}"/>
-          </ac:grpSpMkLst>
-        </pc:grpChg>
-        <pc:grpChg chg="mod">
-          <ac:chgData name="Zhao Jin" userId="cd05a825-544c-438a-9ba1-08e63db50b47" providerId="ADAL" clId="{37A0D694-38DA-4421-B5D3-DEDBFC2EC57C}" dt="2021-02-03T08:03:56.449" v="570" actId="1076"/>
-          <ac:grpSpMkLst>
-            <pc:docMk/>
-            <pc:sldMk cId="211149325" sldId="589"/>
-            <ac:grpSpMk id="28" creationId="{00000000-0000-0000-0000-000000000000}"/>
-          </ac:grpSpMkLst>
-        </pc:grpChg>
-        <pc:picChg chg="add del mod">
-          <ac:chgData name="Zhao Jin" userId="cd05a825-544c-438a-9ba1-08e63db50b47" providerId="ADAL" clId="{37A0D694-38DA-4421-B5D3-DEDBFC2EC57C}" dt="2021-02-03T08:05:55.520" v="595" actId="1035"/>
-          <ac:picMkLst>
-            <pc:docMk/>
-            <pc:sldMk cId="211149325" sldId="589"/>
-            <ac:picMk id="1026" creationId="{260029BB-3AC2-413A-B9C2-5983AA6DD1EE}"/>
-          </ac:picMkLst>
-        </pc:picChg>
-        <pc:cxnChg chg="mod">
-          <ac:chgData name="Zhao Jin" userId="cd05a825-544c-438a-9ba1-08e63db50b47" providerId="ADAL" clId="{37A0D694-38DA-4421-B5D3-DEDBFC2EC57C}" dt="2021-02-03T08:04:23.899" v="577" actId="14100"/>
-          <ac:cxnSpMkLst>
-            <pc:docMk/>
-            <pc:sldMk cId="211149325" sldId="589"/>
-            <ac:cxnSpMk id="21" creationId="{00000000-0000-0000-0000-000000000000}"/>
-          </ac:cxnSpMkLst>
-        </pc:cxnChg>
-        <pc:cxnChg chg="mod">
-          <ac:chgData name="Zhao Jin" userId="cd05a825-544c-438a-9ba1-08e63db50b47" providerId="ADAL" clId="{37A0D694-38DA-4421-B5D3-DEDBFC2EC57C}" dt="2021-02-03T08:05:27.870" v="585" actId="14100"/>
-          <ac:cxnSpMkLst>
-            <pc:docMk/>
-            <pc:sldMk cId="211149325" sldId="589"/>
-            <ac:cxnSpMk id="26" creationId="{00000000-0000-0000-0000-000000000000}"/>
-          </ac:cxnSpMkLst>
-        </pc:cxnChg>
-        <pc:cxnChg chg="mod">
-          <ac:chgData name="Zhao Jin" userId="cd05a825-544c-438a-9ba1-08e63db50b47" providerId="ADAL" clId="{37A0D694-38DA-4421-B5D3-DEDBFC2EC57C}" dt="2021-02-03T08:05:30.610" v="586" actId="14100"/>
-          <ac:cxnSpMkLst>
-            <pc:docMk/>
-            <pc:sldMk cId="211149325" sldId="589"/>
-            <ac:cxnSpMk id="29" creationId="{00000000-0000-0000-0000-000000000000}"/>
-          </ac:cxnSpMkLst>
-        </pc:cxnChg>
-      </pc:sldChg>
-      <pc:sldChg chg="addSp delSp modSp add mod delAnim modAnim">
-        <pc:chgData name="Zhao Jin" userId="cd05a825-544c-438a-9ba1-08e63db50b47" providerId="ADAL" clId="{37A0D694-38DA-4421-B5D3-DEDBFC2EC57C}" dt="2021-02-10T03:55:38.772" v="4967"/>
-        <pc:sldMkLst>
-          <pc:docMk/>
-          <pc:sldMk cId="4156536479" sldId="590"/>
-        </pc:sldMkLst>
-        <pc:spChg chg="mod">
-          <ac:chgData name="Zhao Jin" userId="cd05a825-544c-438a-9ba1-08e63db50b47" providerId="ADAL" clId="{37A0D694-38DA-4421-B5D3-DEDBFC2EC57C}" dt="2021-02-10T03:55:38.772" v="4967"/>
-          <ac:spMkLst>
-            <pc:docMk/>
-            <pc:sldMk cId="4156536479" sldId="590"/>
-            <ac:spMk id="7" creationId="{00000000-0000-0000-0000-000000000000}"/>
-          </ac:spMkLst>
-        </pc:spChg>
-        <pc:spChg chg="add mod">
-          <ac:chgData name="Zhao Jin" userId="cd05a825-544c-438a-9ba1-08e63db50b47" providerId="ADAL" clId="{37A0D694-38DA-4421-B5D3-DEDBFC2EC57C}" dt="2021-02-03T09:38:34.228" v="3358" actId="13926"/>
-          <ac:spMkLst>
-            <pc:docMk/>
-            <pc:sldMk cId="4156536479" sldId="590"/>
-            <ac:spMk id="8" creationId="{3895F873-6CB7-4316-B798-EE54B3634728}"/>
-          </ac:spMkLst>
-        </pc:spChg>
-        <pc:spChg chg="add del mod">
-          <ac:chgData name="Zhao Jin" userId="cd05a825-544c-438a-9ba1-08e63db50b47" providerId="ADAL" clId="{37A0D694-38DA-4421-B5D3-DEDBFC2EC57C}" dt="2021-02-08T01:29:47.127" v="3514"/>
-          <ac:spMkLst>
-            <pc:docMk/>
-            <pc:sldMk cId="4156536479" sldId="590"/>
-            <ac:spMk id="11" creationId="{5846B50D-EC54-48E6-AE72-B0B5F8190097}"/>
-          </ac:spMkLst>
-        </pc:spChg>
-        <pc:spChg chg="del">
-          <ac:chgData name="Zhao Jin" userId="cd05a825-544c-438a-9ba1-08e63db50b47" providerId="ADAL" clId="{37A0D694-38DA-4421-B5D3-DEDBFC2EC57C}" dt="2021-02-03T08:06:42.479" v="598" actId="478"/>
-          <ac:spMkLst>
-            <pc:docMk/>
-            <pc:sldMk cId="4156536479" sldId="590"/>
-            <ac:spMk id="11" creationId="{675C9FBE-306E-46A7-BAB9-46BD27707AF2}"/>
-          </ac:spMkLst>
-        </pc:spChg>
-        <pc:spChg chg="add mod">
-          <ac:chgData name="Zhao Jin" userId="cd05a825-544c-438a-9ba1-08e63db50b47" providerId="ADAL" clId="{37A0D694-38DA-4421-B5D3-DEDBFC2EC57C}" dt="2021-02-08T01:38:27.881" v="3917" actId="20577"/>
-          <ac:spMkLst>
-            <pc:docMk/>
-            <pc:sldMk cId="4156536479" sldId="590"/>
-            <ac:spMk id="13" creationId="{0AD363C8-B264-4386-9E1D-EAA63F4BF1CC}"/>
-          </ac:spMkLst>
-        </pc:spChg>
-        <pc:spChg chg="add del mod">
-          <ac:chgData name="Zhao Jin" userId="cd05a825-544c-438a-9ba1-08e63db50b47" providerId="ADAL" clId="{37A0D694-38DA-4421-B5D3-DEDBFC2EC57C}" dt="2021-02-03T08:40:38.562" v="720" actId="478"/>
-          <ac:spMkLst>
-            <pc:docMk/>
-            <pc:sldMk cId="4156536479" sldId="590"/>
-            <ac:spMk id="33" creationId="{4F924E87-CB56-4AC7-8777-A327820A47C5}"/>
-          </ac:spMkLst>
-        </pc:spChg>
-        <pc:spChg chg="add mod">
-          <ac:chgData name="Zhao Jin" userId="cd05a825-544c-438a-9ba1-08e63db50b47" providerId="ADAL" clId="{37A0D694-38DA-4421-B5D3-DEDBFC2EC57C}" dt="2021-02-03T08:41:47.988" v="927" actId="14100"/>
-          <ac:spMkLst>
-            <pc:docMk/>
-            <pc:sldMk cId="4156536479" sldId="590"/>
-            <ac:spMk id="34" creationId="{1DA4B870-5E05-4566-A46F-B6A051179C55}"/>
-          </ac:spMkLst>
-        </pc:spChg>
-        <pc:spChg chg="mod">
-          <ac:chgData name="Zhao Jin" userId="cd05a825-544c-438a-9ba1-08e63db50b47" providerId="ADAL" clId="{37A0D694-38DA-4421-B5D3-DEDBFC2EC57C}" dt="2021-02-03T09:25:01.287" v="3281" actId="6549"/>
-          <ac:spMkLst>
-            <pc:docMk/>
-            <pc:sldMk cId="4156536479" sldId="590"/>
-            <ac:spMk id="14338" creationId="{00000000-0000-0000-0000-000000000000}"/>
-          </ac:spMkLst>
-        </pc:spChg>
-        <pc:graphicFrameChg chg="del">
-          <ac:chgData name="Zhao Jin" userId="cd05a825-544c-438a-9ba1-08e63db50b47" providerId="ADAL" clId="{37A0D694-38DA-4421-B5D3-DEDBFC2EC57C}" dt="2021-02-03T08:06:41.239" v="597" actId="478"/>
-          <ac:graphicFrameMkLst>
-            <pc:docMk/>
-            <pc:sldMk cId="4156536479" sldId="590"/>
-            <ac:graphicFrameMk id="10" creationId="{74304014-08C4-4321-AD74-36FAC51612DB}"/>
-          </ac:graphicFrameMkLst>
-        </pc:graphicFrameChg>
-        <pc:picChg chg="mod">
-          <ac:chgData name="Zhao Jin" userId="cd05a825-544c-438a-9ba1-08e63db50b47" providerId="ADAL" clId="{37A0D694-38DA-4421-B5D3-DEDBFC2EC57C}" dt="2021-02-03T08:38:53.114" v="646" actId="1076"/>
-          <ac:picMkLst>
-            <pc:docMk/>
-            <pc:sldMk cId="4156536479" sldId="590"/>
-            <ac:picMk id="4" creationId="{EAFF9153-D379-4E7D-9B97-29843966A9B9}"/>
-          </ac:picMkLst>
-        </pc:picChg>
-        <pc:cxnChg chg="add del mod">
-          <ac:chgData name="Zhao Jin" userId="cd05a825-544c-438a-9ba1-08e63db50b47" providerId="ADAL" clId="{37A0D694-38DA-4421-B5D3-DEDBFC2EC57C}" dt="2021-02-03T08:37:59.802" v="629" actId="478"/>
-          <ac:cxnSpMkLst>
-            <pc:docMk/>
-            <pc:sldMk cId="4156536479" sldId="590"/>
-            <ac:cxnSpMk id="9" creationId="{9652AEB2-CFC8-48BA-95AD-7242B1240B31}"/>
-          </ac:cxnSpMkLst>
-        </pc:cxnChg>
-        <pc:cxnChg chg="add del mod">
-          <ac:chgData name="Zhao Jin" userId="cd05a825-544c-438a-9ba1-08e63db50b47" providerId="ADAL" clId="{37A0D694-38DA-4421-B5D3-DEDBFC2EC57C}" dt="2021-02-03T08:38:27.270" v="636" actId="14100"/>
-          <ac:cxnSpMkLst>
-            <pc:docMk/>
-            <pc:sldMk cId="4156536479" sldId="590"/>
-            <ac:cxnSpMk id="16" creationId="{B4CC9A1D-6448-41B2-BD14-CACDC771AC2A}"/>
-          </ac:cxnSpMkLst>
-        </pc:cxnChg>
-        <pc:cxnChg chg="add mod">
-          <ac:chgData name="Zhao Jin" userId="cd05a825-544c-438a-9ba1-08e63db50b47" providerId="ADAL" clId="{37A0D694-38DA-4421-B5D3-DEDBFC2EC57C}" dt="2021-02-03T08:38:46.983" v="642" actId="14100"/>
-          <ac:cxnSpMkLst>
-            <pc:docMk/>
-            <pc:sldMk cId="4156536479" sldId="590"/>
-            <ac:cxnSpMk id="22" creationId="{6298AF59-F7D9-4F05-84BF-96ED0AC95091}"/>
-          </ac:cxnSpMkLst>
-        </pc:cxnChg>
-        <pc:cxnChg chg="add del mod">
-          <ac:chgData name="Zhao Jin" userId="cd05a825-544c-438a-9ba1-08e63db50b47" providerId="ADAL" clId="{37A0D694-38DA-4421-B5D3-DEDBFC2EC57C}" dt="2021-02-03T08:39:14.474" v="649" actId="478"/>
-          <ac:cxnSpMkLst>
-            <pc:docMk/>
-            <pc:sldMk cId="4156536479" sldId="590"/>
-            <ac:cxnSpMk id="27" creationId="{5EB59BC9-1F48-4950-A1D9-6A7B4E0368EF}"/>
-          </ac:cxnSpMkLst>
-        </pc:cxnChg>
-        <pc:cxnChg chg="add mod">
-          <ac:chgData name="Zhao Jin" userId="cd05a825-544c-438a-9ba1-08e63db50b47" providerId="ADAL" clId="{37A0D694-38DA-4421-B5D3-DEDBFC2EC57C}" dt="2021-02-03T08:39:19.424" v="652" actId="14100"/>
-          <ac:cxnSpMkLst>
-            <pc:docMk/>
-            <pc:sldMk cId="4156536479" sldId="590"/>
-            <ac:cxnSpMk id="30" creationId="{FA77C354-F87B-40D8-BAA7-811F60DDD4B1}"/>
-          </ac:cxnSpMkLst>
-        </pc:cxnChg>
-      </pc:sldChg>
-      <pc:sldChg chg="addSp delSp modSp add mod delAnim">
-        <pc:chgData name="Zhao Jin" userId="cd05a825-544c-438a-9ba1-08e63db50b47" providerId="ADAL" clId="{37A0D694-38DA-4421-B5D3-DEDBFC2EC57C}" dt="2021-02-10T03:55:38.772" v="4967"/>
-        <pc:sldMkLst>
-          <pc:docMk/>
-          <pc:sldMk cId="567798019" sldId="591"/>
-        </pc:sldMkLst>
-        <pc:spChg chg="mod">
-          <ac:chgData name="Zhao Jin" userId="cd05a825-544c-438a-9ba1-08e63db50b47" providerId="ADAL" clId="{37A0D694-38DA-4421-B5D3-DEDBFC2EC57C}" dt="2021-02-10T03:55:38.772" v="4967"/>
-          <ac:spMkLst>
-            <pc:docMk/>
-            <pc:sldMk cId="567798019" sldId="591"/>
-            <ac:spMk id="7" creationId="{00000000-0000-0000-0000-000000000000}"/>
-          </ac:spMkLst>
-        </pc:spChg>
-        <pc:spChg chg="mod">
-          <ac:chgData name="Zhao Jin" userId="cd05a825-544c-438a-9ba1-08e63db50b47" providerId="ADAL" clId="{37A0D694-38DA-4421-B5D3-DEDBFC2EC57C}" dt="2021-02-03T08:54:46.596" v="1324" actId="6549"/>
-          <ac:spMkLst>
-            <pc:docMk/>
-            <pc:sldMk cId="567798019" sldId="591"/>
-            <ac:spMk id="8" creationId="{3895F873-6CB7-4316-B798-EE54B3634728}"/>
-          </ac:spMkLst>
-        </pc:spChg>
-        <pc:spChg chg="add del mod">
-          <ac:chgData name="Zhao Jin" userId="cd05a825-544c-438a-9ba1-08e63db50b47" providerId="ADAL" clId="{37A0D694-38DA-4421-B5D3-DEDBFC2EC57C}" dt="2021-02-08T01:30:20.214" v="3620" actId="21"/>
-          <ac:spMkLst>
-            <pc:docMk/>
-            <pc:sldMk cId="567798019" sldId="591"/>
-            <ac:spMk id="9" creationId="{6806B5BD-EF55-41CA-929B-A292FC4E2456}"/>
-          </ac:spMkLst>
-        </pc:spChg>
-        <pc:spChg chg="add del mod">
-          <ac:chgData name="Zhao Jin" userId="cd05a825-544c-438a-9ba1-08e63db50b47" providerId="ADAL" clId="{37A0D694-38DA-4421-B5D3-DEDBFC2EC57C}" dt="2021-02-03T08:54:49.067" v="1325" actId="21"/>
-          <ac:spMkLst>
-            <pc:docMk/>
-            <pc:sldMk cId="567798019" sldId="591"/>
-            <ac:spMk id="11" creationId="{27FB5A5F-2DAE-417B-BFDB-4AF27D8AC53B}"/>
-          </ac:spMkLst>
-        </pc:spChg>
-        <pc:spChg chg="del">
-          <ac:chgData name="Zhao Jin" userId="cd05a825-544c-438a-9ba1-08e63db50b47" providerId="ADAL" clId="{37A0D694-38DA-4421-B5D3-DEDBFC2EC57C}" dt="2021-02-03T08:42:46.851" v="952" actId="478"/>
-          <ac:spMkLst>
-            <pc:docMk/>
-            <pc:sldMk cId="567798019" sldId="591"/>
-            <ac:spMk id="34" creationId="{1DA4B870-5E05-4566-A46F-B6A051179C55}"/>
-          </ac:spMkLst>
-        </pc:spChg>
-        <pc:spChg chg="mod">
-          <ac:chgData name="Zhao Jin" userId="cd05a825-544c-438a-9ba1-08e63db50b47" providerId="ADAL" clId="{37A0D694-38DA-4421-B5D3-DEDBFC2EC57C}" dt="2021-02-03T08:44:43.848" v="976" actId="21"/>
-          <ac:spMkLst>
-            <pc:docMk/>
-            <pc:sldMk cId="567798019" sldId="591"/>
-            <ac:spMk id="14338" creationId="{00000000-0000-0000-0000-000000000000}"/>
-          </ac:spMkLst>
-        </pc:spChg>
-        <pc:cxnChg chg="del mod">
-          <ac:chgData name="Zhao Jin" userId="cd05a825-544c-438a-9ba1-08e63db50b47" providerId="ADAL" clId="{37A0D694-38DA-4421-B5D3-DEDBFC2EC57C}" dt="2021-02-03T08:42:43.905" v="949" actId="478"/>
-          <ac:cxnSpMkLst>
-            <pc:docMk/>
-            <pc:sldMk cId="567798019" sldId="591"/>
-            <ac:cxnSpMk id="16" creationId="{B4CC9A1D-6448-41B2-BD14-CACDC771AC2A}"/>
-          </ac:cxnSpMkLst>
-        </pc:cxnChg>
-        <pc:cxnChg chg="del">
-          <ac:chgData name="Zhao Jin" userId="cd05a825-544c-438a-9ba1-08e63db50b47" providerId="ADAL" clId="{37A0D694-38DA-4421-B5D3-DEDBFC2EC57C}" dt="2021-02-03T08:42:44.937" v="950" actId="478"/>
-          <ac:cxnSpMkLst>
-            <pc:docMk/>
-            <pc:sldMk cId="567798019" sldId="591"/>
-            <ac:cxnSpMk id="22" creationId="{6298AF59-F7D9-4F05-84BF-96ED0AC95091}"/>
-          </ac:cxnSpMkLst>
-        </pc:cxnChg>
-        <pc:cxnChg chg="del">
-          <ac:chgData name="Zhao Jin" userId="cd05a825-544c-438a-9ba1-08e63db50b47" providerId="ADAL" clId="{37A0D694-38DA-4421-B5D3-DEDBFC2EC57C}" dt="2021-02-03T08:42:45.705" v="951" actId="478"/>
-          <ac:cxnSpMkLst>
-            <pc:docMk/>
-            <pc:sldMk cId="567798019" sldId="591"/>
-            <ac:cxnSpMk id="30" creationId="{FA77C354-F87B-40D8-BAA7-811F60DDD4B1}"/>
-          </ac:cxnSpMkLst>
-        </pc:cxnChg>
-      </pc:sldChg>
-      <pc:sldChg chg="addSp delSp modSp add mod delAnim">
-        <pc:chgData name="Zhao Jin" userId="cd05a825-544c-438a-9ba1-08e63db50b47" providerId="ADAL" clId="{37A0D694-38DA-4421-B5D3-DEDBFC2EC57C}" dt="2021-02-10T03:55:38.772" v="4967"/>
-        <pc:sldMkLst>
-          <pc:docMk/>
-          <pc:sldMk cId="137810324" sldId="592"/>
-        </pc:sldMkLst>
-        <pc:spChg chg="mod">
-          <ac:chgData name="Zhao Jin" userId="cd05a825-544c-438a-9ba1-08e63db50b47" providerId="ADAL" clId="{37A0D694-38DA-4421-B5D3-DEDBFC2EC57C}" dt="2021-02-10T03:55:38.772" v="4967"/>
-          <ac:spMkLst>
-            <pc:docMk/>
-            <pc:sldMk cId="137810324" sldId="592"/>
-            <ac:spMk id="7" creationId="{00000000-0000-0000-0000-000000000000}"/>
-          </ac:spMkLst>
-        </pc:spChg>
-        <pc:spChg chg="add del mod">
-          <ac:chgData name="Zhao Jin" userId="cd05a825-544c-438a-9ba1-08e63db50b47" providerId="ADAL" clId="{37A0D694-38DA-4421-B5D3-DEDBFC2EC57C}" dt="2021-02-08T01:30:46.868" v="3629"/>
-          <ac:spMkLst>
-            <pc:docMk/>
-            <pc:sldMk cId="137810324" sldId="592"/>
-            <ac:spMk id="8" creationId="{1D4888C5-7427-41D4-A0E1-C5D8DC066CA7}"/>
-          </ac:spMkLst>
-        </pc:spChg>
-        <pc:spChg chg="add del mod">
-          <ac:chgData name="Zhao Jin" userId="cd05a825-544c-438a-9ba1-08e63db50b47" providerId="ADAL" clId="{37A0D694-38DA-4421-B5D3-DEDBFC2EC57C}" dt="2021-02-08T01:31:02.354" v="3637"/>
-          <ac:spMkLst>
-            <pc:docMk/>
-            <pc:sldMk cId="137810324" sldId="592"/>
-            <ac:spMk id="9" creationId="{7B98D121-E5CC-483E-9B8F-EF6E0F554F5C}"/>
-          </ac:spMkLst>
-        </pc:spChg>
-        <pc:spChg chg="add del mod">
-          <ac:chgData name="Zhao Jin" userId="cd05a825-544c-438a-9ba1-08e63db50b47" providerId="ADAL" clId="{37A0D694-38DA-4421-B5D3-DEDBFC2EC57C}" dt="2021-02-08T01:31:05.798" v="3639"/>
-          <ac:spMkLst>
-            <pc:docMk/>
-            <pc:sldMk cId="137810324" sldId="592"/>
-            <ac:spMk id="10" creationId="{89C502F5-8740-4FB5-954E-97A010AA4256}"/>
-          </ac:spMkLst>
-        </pc:spChg>
-        <pc:spChg chg="add del mod">
-          <ac:chgData name="Zhao Jin" userId="cd05a825-544c-438a-9ba1-08e63db50b47" providerId="ADAL" clId="{37A0D694-38DA-4421-B5D3-DEDBFC2EC57C}" dt="2021-02-08T01:32:46.621" v="3700" actId="478"/>
-          <ac:spMkLst>
-            <pc:docMk/>
-            <pc:sldMk cId="137810324" sldId="592"/>
-            <ac:spMk id="19" creationId="{A73A73BA-8D89-4B27-BFC3-9776D2EA4341}"/>
-          </ac:spMkLst>
-        </pc:spChg>
-        <pc:spChg chg="add del mod">
-          <ac:chgData name="Zhao Jin" userId="cd05a825-544c-438a-9ba1-08e63db50b47" providerId="ADAL" clId="{37A0D694-38DA-4421-B5D3-DEDBFC2EC57C}" dt="2021-02-03T08:51:15.889" v="1226"/>
-          <ac:spMkLst>
-            <pc:docMk/>
-            <pc:sldMk cId="137810324" sldId="592"/>
-            <ac:spMk id="20" creationId="{8BB54542-2902-49B4-956C-5A17427CC6C2}"/>
-          </ac:spMkLst>
-        </pc:spChg>
-        <pc:spChg chg="mod">
-          <ac:chgData name="Zhao Jin" userId="cd05a825-544c-438a-9ba1-08e63db50b47" providerId="ADAL" clId="{37A0D694-38DA-4421-B5D3-DEDBFC2EC57C}" dt="2021-02-03T08:50:25.459" v="1220" actId="20577"/>
-          <ac:spMkLst>
-            <pc:docMk/>
-            <pc:sldMk cId="137810324" sldId="592"/>
-            <ac:spMk id="49" creationId="{00000000-0000-0000-0000-000000000000}"/>
-          </ac:spMkLst>
-        </pc:spChg>
-        <pc:spChg chg="del">
-          <ac:chgData name="Zhao Jin" userId="cd05a825-544c-438a-9ba1-08e63db50b47" providerId="ADAL" clId="{37A0D694-38DA-4421-B5D3-DEDBFC2EC57C}" dt="2021-02-03T08:48:10.029" v="1077" actId="478"/>
-          <ac:spMkLst>
-            <pc:docMk/>
-            <pc:sldMk cId="137810324" sldId="592"/>
-            <ac:spMk id="60" creationId="{00000000-0000-0000-0000-000000000000}"/>
-          </ac:spMkLst>
-        </pc:spChg>
-        <pc:spChg chg="mod">
-          <ac:chgData name="Zhao Jin" userId="cd05a825-544c-438a-9ba1-08e63db50b47" providerId="ADAL" clId="{37A0D694-38DA-4421-B5D3-DEDBFC2EC57C}" dt="2021-02-03T08:45:31.559" v="978" actId="6549"/>
-          <ac:spMkLst>
-            <pc:docMk/>
-            <pc:sldMk cId="137810324" sldId="592"/>
-            <ac:spMk id="14338" creationId="{00000000-0000-0000-0000-000000000000}"/>
-          </ac:spMkLst>
-        </pc:spChg>
-        <pc:spChg chg="del">
-          <ac:chgData name="Zhao Jin" userId="cd05a825-544c-438a-9ba1-08e63db50b47" providerId="ADAL" clId="{37A0D694-38DA-4421-B5D3-DEDBFC2EC57C}" dt="2021-02-03T09:26:17.421" v="3353" actId="478"/>
-          <ac:spMkLst>
-            <pc:docMk/>
-            <pc:sldMk cId="137810324" sldId="592"/>
-            <ac:spMk id="14340" creationId="{00000000-0000-0000-0000-000000000000}"/>
-          </ac:spMkLst>
-        </pc:spChg>
-        <pc:grpChg chg="del">
-          <ac:chgData name="Zhao Jin" userId="cd05a825-544c-438a-9ba1-08e63db50b47" providerId="ADAL" clId="{37A0D694-38DA-4421-B5D3-DEDBFC2EC57C}" dt="2021-02-03T08:48:11.562" v="1078" actId="478"/>
-          <ac:grpSpMkLst>
-            <pc:docMk/>
-            <pc:sldMk cId="137810324" sldId="592"/>
-            <ac:grpSpMk id="50" creationId="{00000000-0000-0000-0000-000000000000}"/>
-          </ac:grpSpMkLst>
-        </pc:grpChg>
-        <pc:picChg chg="add mod">
-          <ac:chgData name="Zhao Jin" userId="cd05a825-544c-438a-9ba1-08e63db50b47" providerId="ADAL" clId="{37A0D694-38DA-4421-B5D3-DEDBFC2EC57C}" dt="2021-02-03T08:50:48.786" v="1224" actId="1076"/>
-          <ac:picMkLst>
-            <pc:docMk/>
-            <pc:sldMk cId="137810324" sldId="592"/>
-            <ac:picMk id="2050" creationId="{05AE613C-318D-4BEE-A9E2-BA80E156FFE6}"/>
-          </ac:picMkLst>
-        </pc:picChg>
-        <pc:cxnChg chg="mod">
-          <ac:chgData name="Zhao Jin" userId="cd05a825-544c-438a-9ba1-08e63db50b47" providerId="ADAL" clId="{37A0D694-38DA-4421-B5D3-DEDBFC2EC57C}" dt="2021-02-03T08:48:11.562" v="1078" actId="478"/>
-          <ac:cxnSpMkLst>
-            <pc:docMk/>
-            <pc:sldMk cId="137810324" sldId="592"/>
-            <ac:cxnSpMk id="52" creationId="{00000000-0000-0000-0000-000000000000}"/>
-          </ac:cxnSpMkLst>
-        </pc:cxnChg>
-        <pc:cxnChg chg="mod">
-          <ac:chgData name="Zhao Jin" userId="cd05a825-544c-438a-9ba1-08e63db50b47" providerId="ADAL" clId="{37A0D694-38DA-4421-B5D3-DEDBFC2EC57C}" dt="2021-02-03T08:48:11.562" v="1078" actId="478"/>
-          <ac:cxnSpMkLst>
-            <pc:docMk/>
-            <pc:sldMk cId="137810324" sldId="592"/>
-            <ac:cxnSpMk id="57" creationId="{00000000-0000-0000-0000-000000000000}"/>
-          </ac:cxnSpMkLst>
-        </pc:cxnChg>
-        <pc:cxnChg chg="mod">
-          <ac:chgData name="Zhao Jin" userId="cd05a825-544c-438a-9ba1-08e63db50b47" providerId="ADAL" clId="{37A0D694-38DA-4421-B5D3-DEDBFC2EC57C}" dt="2021-02-03T08:48:11.562" v="1078" actId="478"/>
-          <ac:cxnSpMkLst>
-            <pc:docMk/>
-            <pc:sldMk cId="137810324" sldId="592"/>
-            <ac:cxnSpMk id="58" creationId="{00000000-0000-0000-0000-000000000000}"/>
-          </ac:cxnSpMkLst>
-        </pc:cxnChg>
-        <pc:cxnChg chg="mod">
-          <ac:chgData name="Zhao Jin" userId="cd05a825-544c-438a-9ba1-08e63db50b47" providerId="ADAL" clId="{37A0D694-38DA-4421-B5D3-DEDBFC2EC57C}" dt="2021-02-03T08:48:11.562" v="1078" actId="478"/>
-          <ac:cxnSpMkLst>
-            <pc:docMk/>
-            <pc:sldMk cId="137810324" sldId="592"/>
-            <ac:cxnSpMk id="59" creationId="{00000000-0000-0000-0000-000000000000}"/>
-          </ac:cxnSpMkLst>
-        </pc:cxnChg>
-      </pc:sldChg>
-      <pc:sldChg chg="addSp delSp modSp add mod">
-        <pc:chgData name="Zhao Jin" userId="cd05a825-544c-438a-9ba1-08e63db50b47" providerId="ADAL" clId="{37A0D694-38DA-4421-B5D3-DEDBFC2EC57C}" dt="2021-02-10T03:55:38.772" v="4967"/>
-        <pc:sldMkLst>
-          <pc:docMk/>
-          <pc:sldMk cId="3233082706" sldId="593"/>
-        </pc:sldMkLst>
-        <pc:spChg chg="add mod">
-          <ac:chgData name="Zhao Jin" userId="cd05a825-544c-438a-9ba1-08e63db50b47" providerId="ADAL" clId="{37A0D694-38DA-4421-B5D3-DEDBFC2EC57C}" dt="2021-02-03T08:57:31.439" v="1415" actId="207"/>
-          <ac:spMkLst>
-            <pc:docMk/>
-            <pc:sldMk cId="3233082706" sldId="593"/>
-            <ac:spMk id="2" creationId="{4BB57D7F-D6C0-4E98-B5AC-D68743875716}"/>
-          </ac:spMkLst>
-        </pc:spChg>
-        <pc:spChg chg="mod">
-          <ac:chgData name="Zhao Jin" userId="cd05a825-544c-438a-9ba1-08e63db50b47" providerId="ADAL" clId="{37A0D694-38DA-4421-B5D3-DEDBFC2EC57C}" dt="2021-02-10T03:55:38.772" v="4967"/>
-          <ac:spMkLst>
-            <pc:docMk/>
-            <pc:sldMk cId="3233082706" sldId="593"/>
-            <ac:spMk id="7" creationId="{00000000-0000-0000-0000-000000000000}"/>
-          </ac:spMkLst>
-        </pc:spChg>
-        <pc:spChg chg="add mod">
-          <ac:chgData name="Zhao Jin" userId="cd05a825-544c-438a-9ba1-08e63db50b47" providerId="ADAL" clId="{37A0D694-38DA-4421-B5D3-DEDBFC2EC57C}" dt="2021-02-03T09:01:13.020" v="1570" actId="14100"/>
-          <ac:spMkLst>
-            <pc:docMk/>
-            <pc:sldMk cId="3233082706" sldId="593"/>
-            <ac:spMk id="11" creationId="{F029A077-040C-47D9-850C-BB5ACF662EAB}"/>
-          </ac:spMkLst>
-        </pc:spChg>
-        <pc:spChg chg="add mod">
-          <ac:chgData name="Zhao Jin" userId="cd05a825-544c-438a-9ba1-08e63db50b47" providerId="ADAL" clId="{37A0D694-38DA-4421-B5D3-DEDBFC2EC57C}" dt="2021-02-04T05:05:17.681" v="3392" actId="14100"/>
-          <ac:spMkLst>
-            <pc:docMk/>
-            <pc:sldMk cId="3233082706" sldId="593"/>
-            <ac:spMk id="13" creationId="{7E76B3B7-DB38-480B-B780-0306142FB5A0}"/>
-          </ac:spMkLst>
-        </pc:spChg>
-        <pc:spChg chg="del">
-          <ac:chgData name="Zhao Jin" userId="cd05a825-544c-438a-9ba1-08e63db50b47" providerId="ADAL" clId="{37A0D694-38DA-4421-B5D3-DEDBFC2EC57C}" dt="2021-02-03T08:57:13.403" v="1412" actId="478"/>
-          <ac:spMkLst>
-            <pc:docMk/>
-            <pc:sldMk cId="3233082706" sldId="593"/>
-            <ac:spMk id="19" creationId="{A73A73BA-8D89-4B27-BFC3-9776D2EA4341}"/>
-          </ac:spMkLst>
-        </pc:spChg>
-        <pc:spChg chg="mod">
-          <ac:chgData name="Zhao Jin" userId="cd05a825-544c-438a-9ba1-08e63db50b47" providerId="ADAL" clId="{37A0D694-38DA-4421-B5D3-DEDBFC2EC57C}" dt="2021-02-03T08:57:48.855" v="1418" actId="14100"/>
-          <ac:spMkLst>
-            <pc:docMk/>
-            <pc:sldMk cId="3233082706" sldId="593"/>
-            <ac:spMk id="49" creationId="{00000000-0000-0000-0000-000000000000}"/>
-          </ac:spMkLst>
-        </pc:spChg>
-        <pc:spChg chg="mod">
-          <ac:chgData name="Zhao Jin" userId="cd05a825-544c-438a-9ba1-08e63db50b47" providerId="ADAL" clId="{37A0D694-38DA-4421-B5D3-DEDBFC2EC57C}" dt="2021-02-03T08:51:48.162" v="1263" actId="20577"/>
-          <ac:spMkLst>
-            <pc:docMk/>
-            <pc:sldMk cId="3233082706" sldId="593"/>
-            <ac:spMk id="14338" creationId="{00000000-0000-0000-0000-000000000000}"/>
-          </ac:spMkLst>
-        </pc:spChg>
-        <pc:spChg chg="del">
-          <ac:chgData name="Zhao Jin" userId="cd05a825-544c-438a-9ba1-08e63db50b47" providerId="ADAL" clId="{37A0D694-38DA-4421-B5D3-DEDBFC2EC57C}" dt="2021-02-03T09:26:15.669" v="3352" actId="478"/>
-          <ac:spMkLst>
-            <pc:docMk/>
-            <pc:sldMk cId="3233082706" sldId="593"/>
-            <ac:spMk id="14340" creationId="{00000000-0000-0000-0000-000000000000}"/>
-          </ac:spMkLst>
-        </pc:spChg>
-        <pc:picChg chg="del mod">
-          <ac:chgData name="Zhao Jin" userId="cd05a825-544c-438a-9ba1-08e63db50b47" providerId="ADAL" clId="{37A0D694-38DA-4421-B5D3-DEDBFC2EC57C}" dt="2021-02-03T08:51:58.070" v="1266" actId="478"/>
-          <ac:picMkLst>
-            <pc:docMk/>
-            <pc:sldMk cId="3233082706" sldId="593"/>
-            <ac:picMk id="2050" creationId="{05AE613C-318D-4BEE-A9E2-BA80E156FFE6}"/>
-          </ac:picMkLst>
-        </pc:picChg>
-        <pc:picChg chg="add mod">
-          <ac:chgData name="Zhao Jin" userId="cd05a825-544c-438a-9ba1-08e63db50b47" providerId="ADAL" clId="{37A0D694-38DA-4421-B5D3-DEDBFC2EC57C}" dt="2021-02-03T08:52:24.677" v="1272" actId="1076"/>
-          <ac:picMkLst>
-            <pc:docMk/>
-            <pc:sldMk cId="3233082706" sldId="593"/>
-            <ac:picMk id="6146" creationId="{D5D43BF4-41EA-4FBF-B1D8-954520609CFC}"/>
-          </ac:picMkLst>
-        </pc:picChg>
-      </pc:sldChg>
-      <pc:sldChg chg="add del">
-        <pc:chgData name="Zhao Jin" userId="cd05a825-544c-438a-9ba1-08e63db50b47" providerId="ADAL" clId="{37A0D694-38DA-4421-B5D3-DEDBFC2EC57C}" dt="2021-02-03T08:52:31.399" v="1274"/>
-        <pc:sldMkLst>
-          <pc:docMk/>
-          <pc:sldMk cId="2125946801" sldId="594"/>
-        </pc:sldMkLst>
-      </pc:sldChg>
-      <pc:sldChg chg="addSp delSp modSp add mod delAnim">
-        <pc:chgData name="Zhao Jin" userId="cd05a825-544c-438a-9ba1-08e63db50b47" providerId="ADAL" clId="{37A0D694-38DA-4421-B5D3-DEDBFC2EC57C}" dt="2021-02-10T03:55:38.772" v="4967"/>
-        <pc:sldMkLst>
-          <pc:docMk/>
-          <pc:sldMk cId="2217225800" sldId="594"/>
-        </pc:sldMkLst>
-        <pc:spChg chg="mod">
-          <ac:chgData name="Zhao Jin" userId="cd05a825-544c-438a-9ba1-08e63db50b47" providerId="ADAL" clId="{37A0D694-38DA-4421-B5D3-DEDBFC2EC57C}" dt="2021-02-10T03:55:38.772" v="4967"/>
-          <ac:spMkLst>
-            <pc:docMk/>
-            <pc:sldMk cId="2217225800" sldId="594"/>
-            <ac:spMk id="7" creationId="{00000000-0000-0000-0000-000000000000}"/>
-          </ac:spMkLst>
-        </pc:spChg>
-        <pc:spChg chg="mod">
-          <ac:chgData name="Zhao Jin" userId="cd05a825-544c-438a-9ba1-08e63db50b47" providerId="ADAL" clId="{37A0D694-38DA-4421-B5D3-DEDBFC2EC57C}" dt="2021-02-03T09:39:04.677" v="3364" actId="13926"/>
-          <ac:spMkLst>
-            <pc:docMk/>
-            <pc:sldMk cId="2217225800" sldId="594"/>
-            <ac:spMk id="8" creationId="{3895F873-6CB7-4316-B798-EE54B3634728}"/>
-          </ac:spMkLst>
-        </pc:spChg>
-        <pc:spChg chg="add mod">
-          <ac:chgData name="Zhao Jin" userId="cd05a825-544c-438a-9ba1-08e63db50b47" providerId="ADAL" clId="{37A0D694-38DA-4421-B5D3-DEDBFC2EC57C}" dt="2021-02-03T08:55:45.605" v="1357" actId="1076"/>
-          <ac:spMkLst>
-            <pc:docMk/>
-            <pc:sldMk cId="2217225800" sldId="594"/>
-            <ac:spMk id="11" creationId="{552429B4-BD20-4EAF-8B36-51498E5AACDA}"/>
-          </ac:spMkLst>
-        </pc:spChg>
-        <pc:spChg chg="del">
-          <ac:chgData name="Zhao Jin" userId="cd05a825-544c-438a-9ba1-08e63db50b47" providerId="ADAL" clId="{37A0D694-38DA-4421-B5D3-DEDBFC2EC57C}" dt="2021-02-03T08:54:12.692" v="1306" actId="478"/>
-          <ac:spMkLst>
-            <pc:docMk/>
-            <pc:sldMk cId="2217225800" sldId="594"/>
-            <ac:spMk id="34" creationId="{1DA4B870-5E05-4566-A46F-B6A051179C55}"/>
-          </ac:spMkLst>
-        </pc:spChg>
-        <pc:spChg chg="mod">
-          <ac:chgData name="Zhao Jin" userId="cd05a825-544c-438a-9ba1-08e63db50b47" providerId="ADAL" clId="{37A0D694-38DA-4421-B5D3-DEDBFC2EC57C}" dt="2021-02-03T08:53:27.759" v="1297" actId="20577"/>
-          <ac:spMkLst>
-            <pc:docMk/>
-            <pc:sldMk cId="2217225800" sldId="594"/>
-            <ac:spMk id="14338" creationId="{00000000-0000-0000-0000-000000000000}"/>
-          </ac:spMkLst>
-        </pc:spChg>
-        <pc:cxnChg chg="del">
-          <ac:chgData name="Zhao Jin" userId="cd05a825-544c-438a-9ba1-08e63db50b47" providerId="ADAL" clId="{37A0D694-38DA-4421-B5D3-DEDBFC2EC57C}" dt="2021-02-03T08:53:21.738" v="1288" actId="478"/>
-          <ac:cxnSpMkLst>
-            <pc:docMk/>
-            <pc:sldMk cId="2217225800" sldId="594"/>
-            <ac:cxnSpMk id="16" creationId="{B4CC9A1D-6448-41B2-BD14-CACDC771AC2A}"/>
-          </ac:cxnSpMkLst>
-        </pc:cxnChg>
-        <pc:cxnChg chg="del">
-          <ac:chgData name="Zhao Jin" userId="cd05a825-544c-438a-9ba1-08e63db50b47" providerId="ADAL" clId="{37A0D694-38DA-4421-B5D3-DEDBFC2EC57C}" dt="2021-02-03T08:53:22.476" v="1289" actId="478"/>
-          <ac:cxnSpMkLst>
-            <pc:docMk/>
-            <pc:sldMk cId="2217225800" sldId="594"/>
-            <ac:cxnSpMk id="22" creationId="{6298AF59-F7D9-4F05-84BF-96ED0AC95091}"/>
-          </ac:cxnSpMkLst>
-        </pc:cxnChg>
-        <pc:cxnChg chg="del">
-          <ac:chgData name="Zhao Jin" userId="cd05a825-544c-438a-9ba1-08e63db50b47" providerId="ADAL" clId="{37A0D694-38DA-4421-B5D3-DEDBFC2EC57C}" dt="2021-02-03T08:53:23.755" v="1290" actId="478"/>
-          <ac:cxnSpMkLst>
-            <pc:docMk/>
-            <pc:sldMk cId="2217225800" sldId="594"/>
-            <ac:cxnSpMk id="30" creationId="{FA77C354-F87B-40D8-BAA7-811F60DDD4B1}"/>
-          </ac:cxnSpMkLst>
-        </pc:cxnChg>
-      </pc:sldChg>
-      <pc:sldChg chg="addSp modSp add mod">
-        <pc:chgData name="Zhao Jin" userId="cd05a825-544c-438a-9ba1-08e63db50b47" providerId="ADAL" clId="{37A0D694-38DA-4421-B5D3-DEDBFC2EC57C}" dt="2021-02-10T03:55:38.772" v="4967"/>
-        <pc:sldMkLst>
-          <pc:docMk/>
-          <pc:sldMk cId="2419983458" sldId="595"/>
-        </pc:sldMkLst>
-        <pc:spChg chg="mod">
-          <ac:chgData name="Zhao Jin" userId="cd05a825-544c-438a-9ba1-08e63db50b47" providerId="ADAL" clId="{37A0D694-38DA-4421-B5D3-DEDBFC2EC57C}" dt="2021-02-10T03:55:38.772" v="4967"/>
-          <ac:spMkLst>
-            <pc:docMk/>
-            <pc:sldMk cId="2419983458" sldId="595"/>
-            <ac:spMk id="7" creationId="{00000000-0000-0000-0000-000000000000}"/>
-          </ac:spMkLst>
-        </pc:spChg>
-        <pc:spChg chg="mod">
-          <ac:chgData name="Zhao Jin" userId="cd05a825-544c-438a-9ba1-08e63db50b47" providerId="ADAL" clId="{37A0D694-38DA-4421-B5D3-DEDBFC2EC57C}" dt="2021-02-03T09:39:25.953" v="3369" actId="13926"/>
-          <ac:spMkLst>
-            <pc:docMk/>
-            <pc:sldMk cId="2419983458" sldId="595"/>
-            <ac:spMk id="8" creationId="{3895F873-6CB7-4316-B798-EE54B3634728}"/>
-          </ac:spMkLst>
-        </pc:spChg>
-        <pc:spChg chg="add mod">
-          <ac:chgData name="Zhao Jin" userId="cd05a825-544c-438a-9ba1-08e63db50b47" providerId="ADAL" clId="{37A0D694-38DA-4421-B5D3-DEDBFC2EC57C}" dt="2021-02-08T02:03:35.963" v="4958" actId="1076"/>
-          <ac:spMkLst>
-            <pc:docMk/>
-            <pc:sldMk cId="2419983458" sldId="595"/>
-            <ac:spMk id="9" creationId="{02DD4937-725F-46B8-8AE4-992DF5A782AD}"/>
-          </ac:spMkLst>
-        </pc:spChg>
-        <pc:spChg chg="mod">
-          <ac:chgData name="Zhao Jin" userId="cd05a825-544c-438a-9ba1-08e63db50b47" providerId="ADAL" clId="{37A0D694-38DA-4421-B5D3-DEDBFC2EC57C}" dt="2021-02-03T09:00:05.278" v="1558" actId="20577"/>
-          <ac:spMkLst>
-            <pc:docMk/>
-            <pc:sldMk cId="2419983458" sldId="595"/>
-            <ac:spMk id="14338" creationId="{00000000-0000-0000-0000-000000000000}"/>
-          </ac:spMkLst>
-        </pc:spChg>
-      </pc:sldChg>
-      <pc:sldChg chg="addSp delSp modSp add del mod delAnim">
-        <pc:chgData name="Zhao Jin" userId="cd05a825-544c-438a-9ba1-08e63db50b47" providerId="ADAL" clId="{37A0D694-38DA-4421-B5D3-DEDBFC2EC57C}" dt="2021-02-03T09:05:13.520" v="1668" actId="47"/>
-        <pc:sldMkLst>
-          <pc:docMk/>
-          <pc:sldMk cId="765980287" sldId="596"/>
-        </pc:sldMkLst>
-        <pc:spChg chg="add mod">
-          <ac:chgData name="Zhao Jin" userId="cd05a825-544c-438a-9ba1-08e63db50b47" providerId="ADAL" clId="{37A0D694-38DA-4421-B5D3-DEDBFC2EC57C}" dt="2021-02-03T09:03:01.268" v="1666" actId="20577"/>
-          <ac:spMkLst>
-            <pc:docMk/>
-            <pc:sldMk cId="765980287" sldId="596"/>
-            <ac:spMk id="8" creationId="{FAD97811-8BEC-434B-B3F2-C8FE23FA8D81}"/>
-          </ac:spMkLst>
-        </pc:spChg>
-        <pc:spChg chg="del">
-          <ac:chgData name="Zhao Jin" userId="cd05a825-544c-438a-9ba1-08e63db50b47" providerId="ADAL" clId="{37A0D694-38DA-4421-B5D3-DEDBFC2EC57C}" dt="2021-02-03T09:02:13.725" v="1581" actId="478"/>
-          <ac:spMkLst>
-            <pc:docMk/>
-            <pc:sldMk cId="765980287" sldId="596"/>
-            <ac:spMk id="11" creationId="{675C9FBE-306E-46A7-BAB9-46BD27707AF2}"/>
-          </ac:spMkLst>
-        </pc:spChg>
-        <pc:spChg chg="mod">
-          <ac:chgData name="Zhao Jin" userId="cd05a825-544c-438a-9ba1-08e63db50b47" providerId="ADAL" clId="{37A0D694-38DA-4421-B5D3-DEDBFC2EC57C}" dt="2021-02-03T09:02:08.547" v="1578" actId="20577"/>
-          <ac:spMkLst>
-            <pc:docMk/>
-            <pc:sldMk cId="765980287" sldId="596"/>
-            <ac:spMk id="14338" creationId="{00000000-0000-0000-0000-000000000000}"/>
-          </ac:spMkLst>
-        </pc:spChg>
-        <pc:graphicFrameChg chg="del">
-          <ac:chgData name="Zhao Jin" userId="cd05a825-544c-438a-9ba1-08e63db50b47" providerId="ADAL" clId="{37A0D694-38DA-4421-B5D3-DEDBFC2EC57C}" dt="2021-02-03T09:02:12.549" v="1580" actId="478"/>
-          <ac:graphicFrameMkLst>
-            <pc:docMk/>
-            <pc:sldMk cId="765980287" sldId="596"/>
-            <ac:graphicFrameMk id="10" creationId="{74304014-08C4-4321-AD74-36FAC51612DB}"/>
-          </ac:graphicFrameMkLst>
-        </pc:graphicFrameChg>
-        <pc:picChg chg="del">
-          <ac:chgData name="Zhao Jin" userId="cd05a825-544c-438a-9ba1-08e63db50b47" providerId="ADAL" clId="{37A0D694-38DA-4421-B5D3-DEDBFC2EC57C}" dt="2021-02-03T09:02:10.162" v="1579" actId="478"/>
-          <ac:picMkLst>
-            <pc:docMk/>
-            <pc:sldMk cId="765980287" sldId="596"/>
-            <ac:picMk id="4" creationId="{EAFF9153-D379-4E7D-9B97-29843966A9B9}"/>
-          </ac:picMkLst>
-        </pc:picChg>
-      </pc:sldChg>
-      <pc:sldChg chg="addSp delSp modSp add mod delAnim modAnim">
-        <pc:chgData name="Zhao Jin" userId="cd05a825-544c-438a-9ba1-08e63db50b47" providerId="ADAL" clId="{37A0D694-38DA-4421-B5D3-DEDBFC2EC57C}" dt="2021-02-10T03:55:38.772" v="4967"/>
-        <pc:sldMkLst>
-          <pc:docMk/>
-          <pc:sldMk cId="3643682471" sldId="596"/>
-        </pc:sldMkLst>
-        <pc:spChg chg="add mod">
-          <ac:chgData name="Zhao Jin" userId="cd05a825-544c-438a-9ba1-08e63db50b47" providerId="ADAL" clId="{37A0D694-38DA-4421-B5D3-DEDBFC2EC57C}" dt="2021-02-03T09:20:12.333" v="3126" actId="207"/>
-          <ac:spMkLst>
-            <pc:docMk/>
-            <pc:sldMk cId="3643682471" sldId="596"/>
-            <ac:spMk id="7" creationId="{BFBA3626-DC9B-4A39-BA4F-6360F818DCE3}"/>
-          </ac:spMkLst>
-        </pc:spChg>
-        <pc:spChg chg="add mod">
-          <ac:chgData name="Zhao Jin" userId="cd05a825-544c-438a-9ba1-08e63db50b47" providerId="ADAL" clId="{37A0D694-38DA-4421-B5D3-DEDBFC2EC57C}" dt="2021-02-03T09:20:25.307" v="3127" actId="1076"/>
-          <ac:spMkLst>
-            <pc:docMk/>
-            <pc:sldMk cId="3643682471" sldId="596"/>
-            <ac:spMk id="8" creationId="{A65AE342-14B8-4A3C-8F93-D714DA24339E}"/>
-          </ac:spMkLst>
-        </pc:spChg>
-        <pc:spChg chg="mod">
-          <ac:chgData name="Zhao Jin" userId="cd05a825-544c-438a-9ba1-08e63db50b47" providerId="ADAL" clId="{37A0D694-38DA-4421-B5D3-DEDBFC2EC57C}" dt="2021-02-10T03:55:38.772" v="4967"/>
-          <ac:spMkLst>
-            <pc:docMk/>
-            <pc:sldMk cId="3643682471" sldId="596"/>
-            <ac:spMk id="9" creationId="{00000000-0000-0000-0000-000000000000}"/>
-          </ac:spMkLst>
-        </pc:spChg>
-        <pc:spChg chg="add mod">
-          <ac:chgData name="Zhao Jin" userId="cd05a825-544c-438a-9ba1-08e63db50b47" providerId="ADAL" clId="{37A0D694-38DA-4421-B5D3-DEDBFC2EC57C}" dt="2021-02-03T09:20:27.433" v="3128" actId="14100"/>
-          <ac:spMkLst>
-            <pc:docMk/>
-            <pc:sldMk cId="3643682471" sldId="596"/>
-            <ac:spMk id="10" creationId="{9981BD99-7AFF-496B-8179-D25CE6127E97}"/>
-          </ac:spMkLst>
-        </pc:spChg>
-        <pc:spChg chg="del mod">
-          <ac:chgData name="Zhao Jin" userId="cd05a825-544c-438a-9ba1-08e63db50b47" providerId="ADAL" clId="{37A0D694-38DA-4421-B5D3-DEDBFC2EC57C}" dt="2021-02-03T09:15:31.710" v="2958" actId="478"/>
-          <ac:spMkLst>
-            <pc:docMk/>
-            <pc:sldMk cId="3643682471" sldId="596"/>
-            <ac:spMk id="15" creationId="{00000000-0000-0000-0000-000000000000}"/>
-          </ac:spMkLst>
-        </pc:spChg>
-        <pc:spChg chg="del">
-          <ac:chgData name="Zhao Jin" userId="cd05a825-544c-438a-9ba1-08e63db50b47" providerId="ADAL" clId="{37A0D694-38DA-4421-B5D3-DEDBFC2EC57C}" dt="2021-02-08T01:41:53.746" v="4087" actId="478"/>
-          <ac:spMkLst>
-            <pc:docMk/>
-            <pc:sldMk cId="3643682471" sldId="596"/>
-            <ac:spMk id="25604" creationId="{00000000-0000-0000-0000-000000000000}"/>
-          </ac:spMkLst>
-        </pc:spChg>
-      </pc:sldChg>
-      <pc:sldChg chg="delSp modSp add mod modAnim">
-        <pc:chgData name="Zhao Jin" userId="cd05a825-544c-438a-9ba1-08e63db50b47" providerId="ADAL" clId="{37A0D694-38DA-4421-B5D3-DEDBFC2EC57C}" dt="2021-02-10T03:55:38.772" v="4967"/>
-        <pc:sldMkLst>
-          <pc:docMk/>
-          <pc:sldMk cId="3231946261" sldId="597"/>
-        </pc:sldMkLst>
-        <pc:spChg chg="mod">
-          <ac:chgData name="Zhao Jin" userId="cd05a825-544c-438a-9ba1-08e63db50b47" providerId="ADAL" clId="{37A0D694-38DA-4421-B5D3-DEDBFC2EC57C}" dt="2021-02-10T03:55:38.772" v="4967"/>
-          <ac:spMkLst>
-            <pc:docMk/>
-            <pc:sldMk cId="3231946261" sldId="597"/>
-            <ac:spMk id="9" creationId="{00000000-0000-0000-0000-000000000000}"/>
-          </ac:spMkLst>
-        </pc:spChg>
-        <pc:spChg chg="mod">
-          <ac:chgData name="Zhao Jin" userId="cd05a825-544c-438a-9ba1-08e63db50b47" providerId="ADAL" clId="{37A0D694-38DA-4421-B5D3-DEDBFC2EC57C}" dt="2021-02-03T09:39:34.898" v="3370" actId="6549"/>
-          <ac:spMkLst>
-            <pc:docMk/>
-            <pc:sldMk cId="3231946261" sldId="597"/>
-            <ac:spMk id="15" creationId="{00000000-0000-0000-0000-000000000000}"/>
-          </ac:spMkLst>
-        </pc:spChg>
-        <pc:spChg chg="del">
-          <ac:chgData name="Zhao Jin" userId="cd05a825-544c-438a-9ba1-08e63db50b47" providerId="ADAL" clId="{37A0D694-38DA-4421-B5D3-DEDBFC2EC57C}" dt="2021-02-03T09:26:13.830" v="3351" actId="478"/>
-          <ac:spMkLst>
-            <pc:docMk/>
-            <pc:sldMk cId="3231946261" sldId="597"/>
-            <ac:spMk id="25604" creationId="{00000000-0000-0000-0000-000000000000}"/>
-          </ac:spMkLst>
-        </pc:spChg>
-      </pc:sldChg>
-      <pc:sldChg chg="delSp modSp add mod ord">
-        <pc:chgData name="Zhao Jin" userId="cd05a825-544c-438a-9ba1-08e63db50b47" providerId="ADAL" clId="{37A0D694-38DA-4421-B5D3-DEDBFC2EC57C}" dt="2021-02-10T03:55:38.772" v="4967"/>
-        <pc:sldMkLst>
-          <pc:docMk/>
-          <pc:sldMk cId="4002657513" sldId="598"/>
-        </pc:sldMkLst>
-        <pc:spChg chg="mod">
-          <ac:chgData name="Zhao Jin" userId="cd05a825-544c-438a-9ba1-08e63db50b47" providerId="ADAL" clId="{37A0D694-38DA-4421-B5D3-DEDBFC2EC57C}" dt="2021-02-03T09:18:10.033" v="3004" actId="20577"/>
-          <ac:spMkLst>
-            <pc:docMk/>
-            <pc:sldMk cId="4002657513" sldId="598"/>
-            <ac:spMk id="7" creationId="{BFBA3626-DC9B-4A39-BA4F-6360F818DCE3}"/>
-          </ac:spMkLst>
-        </pc:spChg>
-        <pc:spChg chg="mod">
-          <ac:chgData name="Zhao Jin" userId="cd05a825-544c-438a-9ba1-08e63db50b47" providerId="ADAL" clId="{37A0D694-38DA-4421-B5D3-DEDBFC2EC57C}" dt="2021-02-10T03:55:38.772" v="4967"/>
-          <ac:spMkLst>
-            <pc:docMk/>
-            <pc:sldMk cId="4002657513" sldId="598"/>
-            <ac:spMk id="9" creationId="{00000000-0000-0000-0000-000000000000}"/>
-          </ac:spMkLst>
-        </pc:spChg>
-        <pc:spChg chg="del">
-          <ac:chgData name="Zhao Jin" userId="cd05a825-544c-438a-9ba1-08e63db50b47" providerId="ADAL" clId="{37A0D694-38DA-4421-B5D3-DEDBFC2EC57C}" dt="2021-02-04T05:03:37.840" v="3371" actId="478"/>
-          <ac:spMkLst>
-            <pc:docMk/>
-            <pc:sldMk cId="4002657513" sldId="598"/>
-            <ac:spMk id="25604" creationId="{00000000-0000-0000-0000-000000000000}"/>
-          </ac:spMkLst>
-        </pc:spChg>
-      </pc:sldChg>
-      <pc:sldChg chg="addSp delSp modSp add mod ord modClrScheme addAnim delAnim modAnim chgLayout">
-        <pc:chgData name="Zhao Jin" userId="cd05a825-544c-438a-9ba1-08e63db50b47" providerId="ADAL" clId="{37A0D694-38DA-4421-B5D3-DEDBFC2EC57C}" dt="2021-02-10T03:55:38.772" v="4967"/>
-        <pc:sldMkLst>
-          <pc:docMk/>
-          <pc:sldMk cId="2930953569" sldId="599"/>
-        </pc:sldMkLst>
-        <pc:spChg chg="add del mod">
-          <ac:chgData name="Zhao Jin" userId="cd05a825-544c-438a-9ba1-08e63db50b47" providerId="ADAL" clId="{37A0D694-38DA-4421-B5D3-DEDBFC2EC57C}" dt="2021-02-04T05:03:51.544" v="3374" actId="478"/>
-          <ac:spMkLst>
-            <pc:docMk/>
-            <pc:sldMk cId="2930953569" sldId="599"/>
-            <ac:spMk id="3" creationId="{3E9D9044-BC32-432C-B8FE-F025054738CB}"/>
-          </ac:spMkLst>
-        </pc:spChg>
-        <pc:spChg chg="mod">
-          <ac:chgData name="Zhao Jin" userId="cd05a825-544c-438a-9ba1-08e63db50b47" providerId="ADAL" clId="{37A0D694-38DA-4421-B5D3-DEDBFC2EC57C}" dt="2021-02-10T03:55:38.772" v="4967"/>
-          <ac:spMkLst>
-            <pc:docMk/>
-            <pc:sldMk cId="2930953569" sldId="599"/>
-            <ac:spMk id="7" creationId="{00000000-0000-0000-0000-000000000000}"/>
-          </ac:spMkLst>
-        </pc:spChg>
-        <pc:spChg chg="del">
-          <ac:chgData name="Zhao Jin" userId="cd05a825-544c-438a-9ba1-08e63db50b47" providerId="ADAL" clId="{37A0D694-38DA-4421-B5D3-DEDBFC2EC57C}" dt="2021-02-04T05:03:53.285" v="3376" actId="478"/>
-          <ac:spMkLst>
-            <pc:docMk/>
-            <pc:sldMk cId="2930953569" sldId="599"/>
-            <ac:spMk id="8" creationId="{3895F873-6CB7-4316-B798-EE54B3634728}"/>
-          </ac:spMkLst>
-        </pc:spChg>
-        <pc:spChg chg="del">
-          <ac:chgData name="Zhao Jin" userId="cd05a825-544c-438a-9ba1-08e63db50b47" providerId="ADAL" clId="{37A0D694-38DA-4421-B5D3-DEDBFC2EC57C}" dt="2021-02-04T05:03:55.125" v="3377" actId="478"/>
-          <ac:spMkLst>
-            <pc:docMk/>
-            <pc:sldMk cId="2930953569" sldId="599"/>
-            <ac:spMk id="11" creationId="{552429B4-BD20-4EAF-8B36-51498E5AACDA}"/>
-          </ac:spMkLst>
-        </pc:spChg>
-        <pc:spChg chg="mod modVis">
-          <ac:chgData name="Zhao Jin" userId="cd05a825-544c-438a-9ba1-08e63db50b47" providerId="ADAL" clId="{37A0D694-38DA-4421-B5D3-DEDBFC2EC57C}" dt="2021-02-04T05:04:31.896" v="3387" actId="26606"/>
-          <ac:spMkLst>
-            <pc:docMk/>
-            <pc:sldMk cId="2930953569" sldId="599"/>
-            <ac:spMk id="12" creationId="{00000000-0000-0000-0000-000000000000}"/>
-          </ac:spMkLst>
-        </pc:spChg>
-        <pc:spChg chg="add del mod">
-          <ac:chgData name="Zhao Jin" userId="cd05a825-544c-438a-9ba1-08e63db50b47" providerId="ADAL" clId="{37A0D694-38DA-4421-B5D3-DEDBFC2EC57C}" dt="2021-02-04T05:04:31.896" v="3387" actId="26606"/>
-          <ac:spMkLst>
-            <pc:docMk/>
-            <pc:sldMk cId="2930953569" sldId="599"/>
-            <ac:spMk id="71" creationId="{DE77B3E8-31F2-4F1F-ABE8-C6A0683B51CF}"/>
-          </ac:spMkLst>
-        </pc:spChg>
-        <pc:spChg chg="add del mod">
-          <ac:chgData name="Zhao Jin" userId="cd05a825-544c-438a-9ba1-08e63db50b47" providerId="ADAL" clId="{37A0D694-38DA-4421-B5D3-DEDBFC2EC57C}" dt="2021-02-04T05:04:31.896" v="3387" actId="26606"/>
-          <ac:spMkLst>
-            <pc:docMk/>
-            <pc:sldMk cId="2930953569" sldId="599"/>
-            <ac:spMk id="73" creationId="{21A3772B-FFD2-477C-980C-808FDE05940B}"/>
-          </ac:spMkLst>
-        </pc:spChg>
-        <pc:spChg chg="add del mod">
-          <ac:chgData name="Zhao Jin" userId="cd05a825-544c-438a-9ba1-08e63db50b47" providerId="ADAL" clId="{37A0D694-38DA-4421-B5D3-DEDBFC2EC57C}" dt="2021-02-04T05:04:31.896" v="3387" actId="26606"/>
-          <ac:spMkLst>
-            <pc:docMk/>
-            <pc:sldMk cId="2930953569" sldId="599"/>
-            <ac:spMk id="14338" creationId="{00000000-0000-0000-0000-000000000000}"/>
-          </ac:spMkLst>
-        </pc:spChg>
-        <pc:picChg chg="del">
-          <ac:chgData name="Zhao Jin" userId="cd05a825-544c-438a-9ba1-08e63db50b47" providerId="ADAL" clId="{37A0D694-38DA-4421-B5D3-DEDBFC2EC57C}" dt="2021-02-04T05:03:52.637" v="3375" actId="478"/>
-          <ac:picMkLst>
-            <pc:docMk/>
-            <pc:sldMk cId="2930953569" sldId="599"/>
-            <ac:picMk id="4" creationId="{EAFF9153-D379-4E7D-9B97-29843966A9B9}"/>
-          </ac:picMkLst>
-        </pc:picChg>
-        <pc:picChg chg="add mod ord">
-          <ac:chgData name="Zhao Jin" userId="cd05a825-544c-438a-9ba1-08e63db50b47" providerId="ADAL" clId="{37A0D694-38DA-4421-B5D3-DEDBFC2EC57C}" dt="2021-02-04T05:04:38.184" v="3388" actId="1076"/>
-          <ac:picMkLst>
-            <pc:docMk/>
-            <pc:sldMk cId="2930953569" sldId="599"/>
-            <ac:picMk id="6" creationId="{39011840-BE31-4880-9492-02AACF59B6E8}"/>
-          </ac:picMkLst>
-        </pc:picChg>
-        <pc:picChg chg="add del mod">
-          <ac:chgData name="Zhao Jin" userId="cd05a825-544c-438a-9ba1-08e63db50b47" providerId="ADAL" clId="{37A0D694-38DA-4421-B5D3-DEDBFC2EC57C}" dt="2021-02-04T05:05:47.079" v="3393" actId="478"/>
-          <ac:picMkLst>
-            <pc:docMk/>
-            <pc:sldMk cId="2930953569" sldId="599"/>
-            <ac:picMk id="14" creationId="{CCC34DEE-F320-477E-950C-634B3D89DB93}"/>
-          </ac:picMkLst>
-        </pc:picChg>
-      </pc:sldChg>
-      <pc:sldChg chg="addSp delSp modSp add mod ord delAnim modAnim">
-        <pc:chgData name="Zhao Jin" userId="cd05a825-544c-438a-9ba1-08e63db50b47" providerId="ADAL" clId="{37A0D694-38DA-4421-B5D3-DEDBFC2EC57C}" dt="2021-02-10T03:55:38.772" v="4967"/>
-        <pc:sldMkLst>
-          <pc:docMk/>
-          <pc:sldMk cId="880934081" sldId="600"/>
-        </pc:sldMkLst>
-        <pc:spChg chg="mod">
-          <ac:chgData name="Zhao Jin" userId="cd05a825-544c-438a-9ba1-08e63db50b47" providerId="ADAL" clId="{37A0D694-38DA-4421-B5D3-DEDBFC2EC57C}" dt="2021-02-10T03:55:38.772" v="4967"/>
-          <ac:spMkLst>
-            <pc:docMk/>
-            <pc:sldMk cId="880934081" sldId="600"/>
-            <ac:spMk id="7" creationId="{00000000-0000-0000-0000-000000000000}"/>
-          </ac:spMkLst>
-        </pc:spChg>
-        <pc:spChg chg="mod">
-          <ac:chgData name="Zhao Jin" userId="cd05a825-544c-438a-9ba1-08e63db50b47" providerId="ADAL" clId="{37A0D694-38DA-4421-B5D3-DEDBFC2EC57C}" dt="2021-02-08T01:34:33.890" v="3755" actId="1035"/>
-          <ac:spMkLst>
-            <pc:docMk/>
-            <pc:sldMk cId="880934081" sldId="600"/>
-            <ac:spMk id="9" creationId="{0F0F7443-4DFE-415D-AD17-224F6273D040}"/>
-          </ac:spMkLst>
-        </pc:spChg>
-        <pc:spChg chg="mod">
-          <ac:chgData name="Zhao Jin" userId="cd05a825-544c-438a-9ba1-08e63db50b47" providerId="ADAL" clId="{37A0D694-38DA-4421-B5D3-DEDBFC2EC57C}" dt="2021-02-08T01:34:08.258" v="3735" actId="1036"/>
-          <ac:spMkLst>
-            <pc:docMk/>
-            <pc:sldMk cId="880934081" sldId="600"/>
-            <ac:spMk id="11" creationId="{773175F5-4C96-49AA-A94B-810AFD3DA55C}"/>
-          </ac:spMkLst>
-        </pc:spChg>
-        <pc:spChg chg="mod">
-          <ac:chgData name="Zhao Jin" userId="cd05a825-544c-438a-9ba1-08e63db50b47" providerId="ADAL" clId="{37A0D694-38DA-4421-B5D3-DEDBFC2EC57C}" dt="2021-02-08T01:35:29.791" v="3798" actId="20577"/>
-          <ac:spMkLst>
-            <pc:docMk/>
-            <pc:sldMk cId="880934081" sldId="600"/>
-            <ac:spMk id="13" creationId="{C38C91FA-2FD7-40E4-8FEF-DC652DE39BDD}"/>
-          </ac:spMkLst>
-        </pc:spChg>
-        <pc:spChg chg="mod">
-          <ac:chgData name="Zhao Jin" userId="cd05a825-544c-438a-9ba1-08e63db50b47" providerId="ADAL" clId="{37A0D694-38DA-4421-B5D3-DEDBFC2EC57C}" dt="2021-02-08T01:33:08.486" v="3704"/>
-          <ac:spMkLst>
-            <pc:docMk/>
-            <pc:sldMk cId="880934081" sldId="600"/>
-            <ac:spMk id="14" creationId="{D3FFFB67-7299-4469-9FBF-DBE5B89609F5}"/>
-          </ac:spMkLst>
-        </pc:spChg>
-        <pc:spChg chg="mod">
-          <ac:chgData name="Zhao Jin" userId="cd05a825-544c-438a-9ba1-08e63db50b47" providerId="ADAL" clId="{37A0D694-38DA-4421-B5D3-DEDBFC2EC57C}" dt="2021-02-08T01:33:08.486" v="3704"/>
-          <ac:spMkLst>
-            <pc:docMk/>
-            <pc:sldMk cId="880934081" sldId="600"/>
-            <ac:spMk id="15" creationId="{5E9C53D0-6BF9-4AC9-8E89-AA6B7DB8B050}"/>
-          </ac:spMkLst>
-        </pc:spChg>
-        <pc:spChg chg="add del mod">
-          <ac:chgData name="Zhao Jin" userId="cd05a825-544c-438a-9ba1-08e63db50b47" providerId="ADAL" clId="{37A0D694-38DA-4421-B5D3-DEDBFC2EC57C}" dt="2021-02-08T01:33:38.691" v="3707" actId="478"/>
-          <ac:spMkLst>
-            <pc:docMk/>
-            <pc:sldMk cId="880934081" sldId="600"/>
-            <ac:spMk id="19" creationId="{44122FE2-3D5D-4044-9C44-0C76782521C4}"/>
-          </ac:spMkLst>
-        </pc:spChg>
-        <pc:spChg chg="add del mod">
-          <ac:chgData name="Zhao Jin" userId="cd05a825-544c-438a-9ba1-08e63db50b47" providerId="ADAL" clId="{37A0D694-38DA-4421-B5D3-DEDBFC2EC57C}" dt="2021-02-08T01:33:40.143" v="3708" actId="478"/>
-          <ac:spMkLst>
-            <pc:docMk/>
-            <pc:sldMk cId="880934081" sldId="600"/>
-            <ac:spMk id="20" creationId="{7F92D9CB-8CE1-44AC-8870-079E82385FB1}"/>
-          </ac:spMkLst>
-        </pc:spChg>
-        <pc:spChg chg="add mod">
-          <ac:chgData name="Zhao Jin" userId="cd05a825-544c-438a-9ba1-08e63db50b47" providerId="ADAL" clId="{37A0D694-38DA-4421-B5D3-DEDBFC2EC57C}" dt="2021-02-08T01:34:59.699" v="3769" actId="6549"/>
-          <ac:spMkLst>
-            <pc:docMk/>
-            <pc:sldMk cId="880934081" sldId="600"/>
-            <ac:spMk id="25" creationId="{1EDBB76C-AEFD-4199-9BA3-F48B3D729ADF}"/>
-          </ac:spMkLst>
-        </pc:spChg>
-        <pc:spChg chg="add mod">
-          <ac:chgData name="Zhao Jin" userId="cd05a825-544c-438a-9ba1-08e63db50b47" providerId="ADAL" clId="{37A0D694-38DA-4421-B5D3-DEDBFC2EC57C}" dt="2021-02-08T01:38:12.109" v="3904" actId="20577"/>
-          <ac:spMkLst>
-            <pc:docMk/>
-            <pc:sldMk cId="880934081" sldId="600"/>
-            <ac:spMk id="26" creationId="{49077400-1D22-4B84-AD24-0D61D7942A66}"/>
-          </ac:spMkLst>
-        </pc:spChg>
-        <pc:spChg chg="del">
-          <ac:chgData name="Zhao Jin" userId="cd05a825-544c-438a-9ba1-08e63db50b47" providerId="ADAL" clId="{37A0D694-38DA-4421-B5D3-DEDBFC2EC57C}" dt="2021-02-08T01:33:06.769" v="3702" actId="478"/>
-          <ac:spMkLst>
-            <pc:docMk/>
-            <pc:sldMk cId="880934081" sldId="600"/>
-            <ac:spMk id="49" creationId="{00000000-0000-0000-0000-000000000000}"/>
-          </ac:spMkLst>
-        </pc:spChg>
-        <pc:spChg chg="mod">
-          <ac:chgData name="Zhao Jin" userId="cd05a825-544c-438a-9ba1-08e63db50b47" providerId="ADAL" clId="{37A0D694-38DA-4421-B5D3-DEDBFC2EC57C}" dt="2021-02-08T02:02:28.200" v="4908" actId="20577"/>
-          <ac:spMkLst>
-            <pc:docMk/>
-            <pc:sldMk cId="880934081" sldId="600"/>
-            <ac:spMk id="14338" creationId="{00000000-0000-0000-0000-000000000000}"/>
-          </ac:spMkLst>
-        </pc:spChg>
-        <pc:grpChg chg="add mod">
-          <ac:chgData name="Zhao Jin" userId="cd05a825-544c-438a-9ba1-08e63db50b47" providerId="ADAL" clId="{37A0D694-38DA-4421-B5D3-DEDBFC2EC57C}" dt="2021-02-08T01:35:18.638" v="3797" actId="14100"/>
-          <ac:grpSpMkLst>
-            <pc:docMk/>
-            <pc:sldMk cId="880934081" sldId="600"/>
-            <ac:grpSpMk id="8" creationId="{57A95DDB-3BBC-4F7D-BE33-CBF7B31BECFF}"/>
-          </ac:grpSpMkLst>
-        </pc:grpChg>
-        <pc:picChg chg="del">
-          <ac:chgData name="Zhao Jin" userId="cd05a825-544c-438a-9ba1-08e63db50b47" providerId="ADAL" clId="{37A0D694-38DA-4421-B5D3-DEDBFC2EC57C}" dt="2021-02-08T01:33:07.505" v="3703" actId="478"/>
-          <ac:picMkLst>
-            <pc:docMk/>
-            <pc:sldMk cId="880934081" sldId="600"/>
-            <ac:picMk id="2050" creationId="{05AE613C-318D-4BEE-A9E2-BA80E156FFE6}"/>
-          </ac:picMkLst>
-        </pc:picChg>
-        <pc:cxnChg chg="mod">
-          <ac:chgData name="Zhao Jin" userId="cd05a825-544c-438a-9ba1-08e63db50b47" providerId="ADAL" clId="{37A0D694-38DA-4421-B5D3-DEDBFC2EC57C}" dt="2021-02-08T01:34:33.890" v="3755" actId="1035"/>
-          <ac:cxnSpMkLst>
-            <pc:docMk/>
-            <pc:sldMk cId="880934081" sldId="600"/>
-            <ac:cxnSpMk id="10" creationId="{A67C22B8-A71F-429C-BF0F-E611871C2339}"/>
-          </ac:cxnSpMkLst>
-        </pc:cxnChg>
-        <pc:cxnChg chg="mod">
-          <ac:chgData name="Zhao Jin" userId="cd05a825-544c-438a-9ba1-08e63db50b47" providerId="ADAL" clId="{37A0D694-38DA-4421-B5D3-DEDBFC2EC57C}" dt="2021-02-08T01:34:33.890" v="3755" actId="1035"/>
-          <ac:cxnSpMkLst>
-            <pc:docMk/>
-            <pc:sldMk cId="880934081" sldId="600"/>
-            <ac:cxnSpMk id="16" creationId="{244202A2-F6E5-4EB1-8FE5-5C63F127FBD4}"/>
-          </ac:cxnSpMkLst>
-        </pc:cxnChg>
-        <pc:cxnChg chg="mod">
-          <ac:chgData name="Zhao Jin" userId="cd05a825-544c-438a-9ba1-08e63db50b47" providerId="ADAL" clId="{37A0D694-38DA-4421-B5D3-DEDBFC2EC57C}" dt="2021-02-08T01:34:33.890" v="3755" actId="1035"/>
-          <ac:cxnSpMkLst>
-            <pc:docMk/>
-            <pc:sldMk cId="880934081" sldId="600"/>
-            <ac:cxnSpMk id="17" creationId="{BDAF2274-9C3B-4346-A725-B8ADDE65C577}"/>
-          </ac:cxnSpMkLst>
-        </pc:cxnChg>
-        <pc:cxnChg chg="mod">
-          <ac:chgData name="Zhao Jin" userId="cd05a825-544c-438a-9ba1-08e63db50b47" providerId="ADAL" clId="{37A0D694-38DA-4421-B5D3-DEDBFC2EC57C}" dt="2021-02-08T01:34:33.890" v="3755" actId="1035"/>
-          <ac:cxnSpMkLst>
-            <pc:docMk/>
-            <pc:sldMk cId="880934081" sldId="600"/>
-            <ac:cxnSpMk id="18" creationId="{6912DF40-1EFB-4781-BC3C-831198FCD003}"/>
-          </ac:cxnSpMkLst>
-        </pc:cxnChg>
-      </pc:sldChg>
-      <pc:sldMasterChg chg="modSp modSldLayout">
-        <pc:chgData name="Zhao Jin" userId="cd05a825-544c-438a-9ba1-08e63db50b47" providerId="ADAL" clId="{37A0D694-38DA-4421-B5D3-DEDBFC2EC57C}" dt="2021-02-10T03:55:38.772" v="4967"/>
-        <pc:sldMasterMkLst>
-          <pc:docMk/>
-          <pc:sldMasterMk cId="0" sldId="2147485087"/>
-        </pc:sldMasterMkLst>
-        <pc:spChg chg="mod">
-          <ac:chgData name="Zhao Jin" userId="cd05a825-544c-438a-9ba1-08e63db50b47" providerId="ADAL" clId="{37A0D694-38DA-4421-B5D3-DEDBFC2EC57C}" dt="2021-02-10T03:55:38.772" v="4967"/>
-          <ac:spMkLst>
-            <pc:docMk/>
-            <pc:sldMasterMk cId="0" sldId="2147485087"/>
-            <ac:spMk id="6" creationId="{00000000-0000-0000-0000-000000000000}"/>
-          </ac:spMkLst>
-        </pc:spChg>
-        <pc:sldLayoutChg chg="modSp">
-          <pc:chgData name="Zhao Jin" userId="cd05a825-544c-438a-9ba1-08e63db50b47" providerId="ADAL" clId="{37A0D694-38DA-4421-B5D3-DEDBFC2EC57C}" dt="2021-02-10T03:55:38.772" v="4967"/>
-          <pc:sldLayoutMkLst>
-            <pc:docMk/>
-            <pc:sldMasterMk cId="0" sldId="2147485087"/>
-            <pc:sldLayoutMk cId="0" sldId="2147485088"/>
-          </pc:sldLayoutMkLst>
-          <pc:spChg chg="mod">
-            <ac:chgData name="Zhao Jin" userId="cd05a825-544c-438a-9ba1-08e63db50b47" providerId="ADAL" clId="{37A0D694-38DA-4421-B5D3-DEDBFC2EC57C}" dt="2021-02-10T03:55:38.772" v="4967"/>
-            <ac:spMkLst>
-              <pc:docMk/>
-              <pc:sldMasterMk cId="0" sldId="2147485087"/>
-              <pc:sldLayoutMk cId="0" sldId="2147485088"/>
-              <ac:spMk id="6" creationId="{00000000-0000-0000-0000-000000000000}"/>
-            </ac:spMkLst>
-          </pc:spChg>
-        </pc:sldLayoutChg>
-        <pc:sldLayoutChg chg="modSp">
-          <pc:chgData name="Zhao Jin" userId="cd05a825-544c-438a-9ba1-08e63db50b47" providerId="ADAL" clId="{37A0D694-38DA-4421-B5D3-DEDBFC2EC57C}" dt="2021-02-10T03:55:38.772" v="4967"/>
-          <pc:sldLayoutMkLst>
-            <pc:docMk/>
-            <pc:sldMasterMk cId="0" sldId="2147485087"/>
-            <pc:sldLayoutMk cId="0" sldId="2147485089"/>
-          </pc:sldLayoutMkLst>
-          <pc:spChg chg="mod">
-            <ac:chgData name="Zhao Jin" userId="cd05a825-544c-438a-9ba1-08e63db50b47" providerId="ADAL" clId="{37A0D694-38DA-4421-B5D3-DEDBFC2EC57C}" dt="2021-02-10T03:55:38.772" v="4967"/>
-            <ac:spMkLst>
-              <pc:docMk/>
-              <pc:sldMasterMk cId="0" sldId="2147485087"/>
-              <pc:sldLayoutMk cId="0" sldId="2147485089"/>
-              <ac:spMk id="6" creationId="{00000000-0000-0000-0000-000000000000}"/>
-            </ac:spMkLst>
-          </pc:spChg>
-        </pc:sldLayoutChg>
-        <pc:sldLayoutChg chg="modSp">
-          <pc:chgData name="Zhao Jin" userId="cd05a825-544c-438a-9ba1-08e63db50b47" providerId="ADAL" clId="{37A0D694-38DA-4421-B5D3-DEDBFC2EC57C}" dt="2021-02-10T03:55:38.772" v="4967"/>
-          <pc:sldLayoutMkLst>
-            <pc:docMk/>
-            <pc:sldMasterMk cId="0" sldId="2147485087"/>
-            <pc:sldLayoutMk cId="0" sldId="2147485090"/>
-          </pc:sldLayoutMkLst>
-          <pc:spChg chg="mod">
-            <ac:chgData name="Zhao Jin" userId="cd05a825-544c-438a-9ba1-08e63db50b47" providerId="ADAL" clId="{37A0D694-38DA-4421-B5D3-DEDBFC2EC57C}" dt="2021-02-10T03:55:38.772" v="4967"/>
-            <ac:spMkLst>
-              <pc:docMk/>
-              <pc:sldMasterMk cId="0" sldId="2147485087"/>
-              <pc:sldLayoutMk cId="0" sldId="2147485090"/>
-              <ac:spMk id="6" creationId="{00000000-0000-0000-0000-000000000000}"/>
-            </ac:spMkLst>
-          </pc:spChg>
-        </pc:sldLayoutChg>
-        <pc:sldLayoutChg chg="modSp">
-          <pc:chgData name="Zhao Jin" userId="cd05a825-544c-438a-9ba1-08e63db50b47" providerId="ADAL" clId="{37A0D694-38DA-4421-B5D3-DEDBFC2EC57C}" dt="2021-02-10T03:55:38.772" v="4967"/>
-          <pc:sldLayoutMkLst>
-            <pc:docMk/>
-            <pc:sldMasterMk cId="0" sldId="2147485087"/>
-            <pc:sldLayoutMk cId="0" sldId="2147485091"/>
-          </pc:sldLayoutMkLst>
-          <pc:spChg chg="mod">
-            <ac:chgData name="Zhao Jin" userId="cd05a825-544c-438a-9ba1-08e63db50b47" providerId="ADAL" clId="{37A0D694-38DA-4421-B5D3-DEDBFC2EC57C}" dt="2021-02-10T03:55:38.772" v="4967"/>
-            <ac:spMkLst>
-              <pc:docMk/>
-              <pc:sldMasterMk cId="0" sldId="2147485087"/>
-              <pc:sldLayoutMk cId="0" sldId="2147485091"/>
-              <ac:spMk id="7" creationId="{00000000-0000-0000-0000-000000000000}"/>
-            </ac:spMkLst>
-          </pc:spChg>
-        </pc:sldLayoutChg>
-        <pc:sldLayoutChg chg="modSp">
-          <pc:chgData name="Zhao Jin" userId="cd05a825-544c-438a-9ba1-08e63db50b47" providerId="ADAL" clId="{37A0D694-38DA-4421-B5D3-DEDBFC2EC57C}" dt="2021-02-10T03:55:38.772" v="4967"/>
-          <pc:sldLayoutMkLst>
-            <pc:docMk/>
-            <pc:sldMasterMk cId="0" sldId="2147485087"/>
-            <pc:sldLayoutMk cId="0" sldId="2147485092"/>
-          </pc:sldLayoutMkLst>
-          <pc:spChg chg="mod">
-            <ac:chgData name="Zhao Jin" userId="cd05a825-544c-438a-9ba1-08e63db50b47" providerId="ADAL" clId="{37A0D694-38DA-4421-B5D3-DEDBFC2EC57C}" dt="2021-02-10T03:55:38.772" v="4967"/>
-            <ac:spMkLst>
-              <pc:docMk/>
-              <pc:sldMasterMk cId="0" sldId="2147485087"/>
-              <pc:sldLayoutMk cId="0" sldId="2147485092"/>
-              <ac:spMk id="9" creationId="{00000000-0000-0000-0000-000000000000}"/>
-            </ac:spMkLst>
-          </pc:spChg>
-        </pc:sldLayoutChg>
-        <pc:sldLayoutChg chg="modSp">
-          <pc:chgData name="Zhao Jin" userId="cd05a825-544c-438a-9ba1-08e63db50b47" providerId="ADAL" clId="{37A0D694-38DA-4421-B5D3-DEDBFC2EC57C}" dt="2021-02-10T03:55:38.772" v="4967"/>
-          <pc:sldLayoutMkLst>
-            <pc:docMk/>
-            <pc:sldMasterMk cId="0" sldId="2147485087"/>
-            <pc:sldLayoutMk cId="0" sldId="2147485093"/>
-          </pc:sldLayoutMkLst>
-          <pc:spChg chg="mod">
-            <ac:chgData name="Zhao Jin" userId="cd05a825-544c-438a-9ba1-08e63db50b47" providerId="ADAL" clId="{37A0D694-38DA-4421-B5D3-DEDBFC2EC57C}" dt="2021-02-10T03:55:38.772" v="4967"/>
-            <ac:spMkLst>
-              <pc:docMk/>
-              <pc:sldMasterMk cId="0" sldId="2147485087"/>
-              <pc:sldLayoutMk cId="0" sldId="2147485093"/>
-              <ac:spMk id="5" creationId="{00000000-0000-0000-0000-000000000000}"/>
-            </ac:spMkLst>
-          </pc:spChg>
-        </pc:sldLayoutChg>
-        <pc:sldLayoutChg chg="modSp">
-          <pc:chgData name="Zhao Jin" userId="cd05a825-544c-438a-9ba1-08e63db50b47" providerId="ADAL" clId="{37A0D694-38DA-4421-B5D3-DEDBFC2EC57C}" dt="2021-02-10T03:55:38.772" v="4967"/>
-          <pc:sldLayoutMkLst>
-            <pc:docMk/>
-            <pc:sldMasterMk cId="0" sldId="2147485087"/>
-            <pc:sldLayoutMk cId="0" sldId="2147485094"/>
-          </pc:sldLayoutMkLst>
-          <pc:spChg chg="mod">
-            <ac:chgData name="Zhao Jin" userId="cd05a825-544c-438a-9ba1-08e63db50b47" providerId="ADAL" clId="{37A0D694-38DA-4421-B5D3-DEDBFC2EC57C}" dt="2021-02-10T03:55:38.772" v="4967"/>
-            <ac:spMkLst>
-              <pc:docMk/>
-              <pc:sldMasterMk cId="0" sldId="2147485087"/>
-              <pc:sldLayoutMk cId="0" sldId="2147485094"/>
-              <ac:spMk id="4" creationId="{00000000-0000-0000-0000-000000000000}"/>
-            </ac:spMkLst>
-          </pc:spChg>
-        </pc:sldLayoutChg>
-        <pc:sldLayoutChg chg="modSp">
-          <pc:chgData name="Zhao Jin" userId="cd05a825-544c-438a-9ba1-08e63db50b47" providerId="ADAL" clId="{37A0D694-38DA-4421-B5D3-DEDBFC2EC57C}" dt="2021-02-10T03:55:38.772" v="4967"/>
-          <pc:sldLayoutMkLst>
-            <pc:docMk/>
-            <pc:sldMasterMk cId="0" sldId="2147485087"/>
-            <pc:sldLayoutMk cId="0" sldId="2147485095"/>
-          </pc:sldLayoutMkLst>
-          <pc:spChg chg="mod">
-            <ac:chgData name="Zhao Jin" userId="cd05a825-544c-438a-9ba1-08e63db50b47" providerId="ADAL" clId="{37A0D694-38DA-4421-B5D3-DEDBFC2EC57C}" dt="2021-02-10T03:55:38.772" v="4967"/>
-            <ac:spMkLst>
-              <pc:docMk/>
-              <pc:sldMasterMk cId="0" sldId="2147485087"/>
-              <pc:sldLayoutMk cId="0" sldId="2147485095"/>
-              <ac:spMk id="7" creationId="{00000000-0000-0000-0000-000000000000}"/>
-            </ac:spMkLst>
-          </pc:spChg>
-        </pc:sldLayoutChg>
-        <pc:sldLayoutChg chg="modSp">
-          <pc:chgData name="Zhao Jin" userId="cd05a825-544c-438a-9ba1-08e63db50b47" providerId="ADAL" clId="{37A0D694-38DA-4421-B5D3-DEDBFC2EC57C}" dt="2021-02-10T03:55:38.772" v="4967"/>
-          <pc:sldLayoutMkLst>
-            <pc:docMk/>
-            <pc:sldMasterMk cId="0" sldId="2147485087"/>
-            <pc:sldLayoutMk cId="0" sldId="2147485096"/>
-          </pc:sldLayoutMkLst>
-          <pc:spChg chg="mod">
-            <ac:chgData name="Zhao Jin" userId="cd05a825-544c-438a-9ba1-08e63db50b47" providerId="ADAL" clId="{37A0D694-38DA-4421-B5D3-DEDBFC2EC57C}" dt="2021-02-10T03:55:38.772" v="4967"/>
-            <ac:spMkLst>
-              <pc:docMk/>
-              <pc:sldMasterMk cId="0" sldId="2147485087"/>
-              <pc:sldLayoutMk cId="0" sldId="2147485096"/>
-              <ac:spMk id="7" creationId="{00000000-0000-0000-0000-000000000000}"/>
-            </ac:spMkLst>
-          </pc:spChg>
-        </pc:sldLayoutChg>
-        <pc:sldLayoutChg chg="modSp">
-          <pc:chgData name="Zhao Jin" userId="cd05a825-544c-438a-9ba1-08e63db50b47" providerId="ADAL" clId="{37A0D694-38DA-4421-B5D3-DEDBFC2EC57C}" dt="2021-02-10T03:55:38.772" v="4967"/>
-          <pc:sldLayoutMkLst>
-            <pc:docMk/>
-            <pc:sldMasterMk cId="0" sldId="2147485087"/>
-            <pc:sldLayoutMk cId="0" sldId="2147485097"/>
-          </pc:sldLayoutMkLst>
-          <pc:spChg chg="mod">
-            <ac:chgData name="Zhao Jin" userId="cd05a825-544c-438a-9ba1-08e63db50b47" providerId="ADAL" clId="{37A0D694-38DA-4421-B5D3-DEDBFC2EC57C}" dt="2021-02-10T03:55:38.772" v="4967"/>
-            <ac:spMkLst>
-              <pc:docMk/>
-              <pc:sldMasterMk cId="0" sldId="2147485087"/>
-              <pc:sldLayoutMk cId="0" sldId="2147485097"/>
-              <ac:spMk id="6" creationId="{00000000-0000-0000-0000-000000000000}"/>
-            </ac:spMkLst>
-          </pc:spChg>
-        </pc:sldLayoutChg>
-        <pc:sldLayoutChg chg="modSp">
-          <pc:chgData name="Zhao Jin" userId="cd05a825-544c-438a-9ba1-08e63db50b47" providerId="ADAL" clId="{37A0D694-38DA-4421-B5D3-DEDBFC2EC57C}" dt="2021-02-10T03:55:38.772" v="4967"/>
-          <pc:sldLayoutMkLst>
-            <pc:docMk/>
-            <pc:sldMasterMk cId="0" sldId="2147485087"/>
-            <pc:sldLayoutMk cId="0" sldId="2147485098"/>
-          </pc:sldLayoutMkLst>
-          <pc:spChg chg="mod">
-            <ac:chgData name="Zhao Jin" userId="cd05a825-544c-438a-9ba1-08e63db50b47" providerId="ADAL" clId="{37A0D694-38DA-4421-B5D3-DEDBFC2EC57C}" dt="2021-02-10T03:55:38.772" v="4967"/>
-            <ac:spMkLst>
-              <pc:docMk/>
-              <pc:sldMasterMk cId="0" sldId="2147485087"/>
-              <pc:sldLayoutMk cId="0" sldId="2147485098"/>
-              <ac:spMk id="6" creationId="{00000000-0000-0000-0000-000000000000}"/>
-            </ac:spMkLst>
-          </pc:spChg>
-        </pc:sldLayoutChg>
-      </pc:sldMasterChg>
-    </pc:docChg>
-  </pc:docChgLst>
-  <pc:docChgLst>
-    <pc:chgData name="Zhao Jin" userId="cd05a825-544c-438a-9ba1-08e63db50b47" providerId="ADAL" clId="{A5D2469F-D67A-41CC-8F01-671A516530F2}"/>
-    <pc:docChg chg="custSel modSld">
-      <pc:chgData name="Zhao Jin" userId="cd05a825-544c-438a-9ba1-08e63db50b47" providerId="ADAL" clId="{A5D2469F-D67A-41CC-8F01-671A516530F2}" dt="2021-04-07T08:36:27.560" v="1" actId="478"/>
-      <pc:docMkLst>
-        <pc:docMk/>
-      </pc:docMkLst>
-      <pc:sldChg chg="delSp modSp mod delAnim">
-        <pc:chgData name="Zhao Jin" userId="cd05a825-544c-438a-9ba1-08e63db50b47" providerId="ADAL" clId="{A5D2469F-D67A-41CC-8F01-671A516530F2}" dt="2021-04-07T08:36:27.560" v="1" actId="478"/>
-        <pc:sldMkLst>
-          <pc:docMk/>
-          <pc:sldMk cId="92291925" sldId="563"/>
-        </pc:sldMkLst>
-        <pc:spChg chg="del mod">
-          <ac:chgData name="Zhao Jin" userId="cd05a825-544c-438a-9ba1-08e63db50b47" providerId="ADAL" clId="{A5D2469F-D67A-41CC-8F01-671A516530F2}" dt="2021-04-07T08:36:27.560" v="1" actId="478"/>
-          <ac:spMkLst>
-            <pc:docMk/>
-            <pc:sldMk cId="92291925" sldId="563"/>
-            <ac:spMk id="91" creationId="{00000000-0000-0000-0000-000000000000}"/>
-          </ac:spMkLst>
-        </pc:spChg>
-      </pc:sldChg>
-    </pc:docChg>
-  </pc:docChgLst>
-  <pc:docChgLst>
-    <pc:chgData name="Zhao Jin" userId="S::dcszjin@nus.edu.sg::cd05a825-544c-438a-9ba1-08e63db50b47" providerId="AD" clId="Web-{66D5AB6E-AF24-491D-9529-2DDB49AD3149}"/>
-    <pc:docChg chg="modSld">
-      <pc:chgData name="Zhao Jin" userId="S::dcszjin@nus.edu.sg::cd05a825-544c-438a-9ba1-08e63db50b47" providerId="AD" clId="Web-{66D5AB6E-AF24-491D-9529-2DDB49AD3149}" dt="2021-01-20T08:43:03.224" v="8" actId="14100"/>
-      <pc:docMkLst>
-        <pc:docMk/>
-      </pc:docMkLst>
-      <pc:sldChg chg="modSp">
-        <pc:chgData name="Zhao Jin" userId="S::dcszjin@nus.edu.sg::cd05a825-544c-438a-9ba1-08e63db50b47" providerId="AD" clId="Web-{66D5AB6E-AF24-491D-9529-2DDB49AD3149}" dt="2021-01-20T08:43:03.224" v="8" actId="14100"/>
-        <pc:sldMkLst>
-          <pc:docMk/>
-          <pc:sldMk cId="901453530" sldId="546"/>
-        </pc:sldMkLst>
-        <pc:spChg chg="mod">
-          <ac:chgData name="Zhao Jin" userId="S::dcszjin@nus.edu.sg::cd05a825-544c-438a-9ba1-08e63db50b47" providerId="AD" clId="Web-{66D5AB6E-AF24-491D-9529-2DDB49AD3149}" dt="2021-01-20T08:43:03.224" v="8" actId="14100"/>
-          <ac:spMkLst>
-            <pc:docMk/>
-            <pc:sldMk cId="901453530" sldId="546"/>
-            <ac:spMk id="9" creationId="{00000000-0000-0000-0000-000000000000}"/>
-          </ac:spMkLst>
-        </pc:spChg>
-        <pc:spChg chg="mod">
-          <ac:chgData name="Zhao Jin" userId="S::dcszjin@nus.edu.sg::cd05a825-544c-438a-9ba1-08e63db50b47" providerId="AD" clId="Web-{66D5AB6E-AF24-491D-9529-2DDB49AD3149}" dt="2021-01-20T08:42:24.723" v="4" actId="1076"/>
-          <ac:spMkLst>
-            <pc:docMk/>
-            <pc:sldMk cId="901453530" sldId="546"/>
-            <ac:spMk id="14" creationId="{00000000-0000-0000-0000-000000000000}"/>
-          </ac:spMkLst>
-        </pc:spChg>
-      </pc:sldChg>
-    </pc:docChg>
-  </pc:docChgLst>
-  <pc:docChgLst>
-    <pc:chgData name="Zhao Jin" userId="cd05a825-544c-438a-9ba1-08e63db50b47" providerId="ADAL" clId="{CD38D953-E846-244A-835A-192CE52710D4}"/>
-    <pc:docChg chg="undo custSel addSld delSld modSld">
-      <pc:chgData name="Zhao Jin" userId="cd05a825-544c-438a-9ba1-08e63db50b47" providerId="ADAL" clId="{CD38D953-E846-244A-835A-192CE52710D4}" dt="2021-01-25T03:26:17.801" v="482" actId="20577"/>
-      <pc:docMkLst>
-        <pc:docMk/>
-      </pc:docMkLst>
-      <pc:sldChg chg="modSp addAnim delAnim modAnim">
-        <pc:chgData name="Zhao Jin" userId="cd05a825-544c-438a-9ba1-08e63db50b47" providerId="ADAL" clId="{CD38D953-E846-244A-835A-192CE52710D4}" dt="2021-01-25T03:18:14.928" v="172"/>
-        <pc:sldMkLst>
-          <pc:docMk/>
-          <pc:sldMk cId="1311126165" sldId="485"/>
-        </pc:sldMkLst>
-        <pc:spChg chg="mod">
-          <ac:chgData name="Zhao Jin" userId="cd05a825-544c-438a-9ba1-08e63db50b47" providerId="ADAL" clId="{CD38D953-E846-244A-835A-192CE52710D4}" dt="2021-01-25T03:16:30.240" v="159" actId="20577"/>
-          <ac:spMkLst>
-            <pc:docMk/>
-            <pc:sldMk cId="1311126165" sldId="485"/>
-            <ac:spMk id="11" creationId="{00000000-0000-0000-0000-000000000000}"/>
-          </ac:spMkLst>
-        </pc:spChg>
-        <pc:spChg chg="mod">
-          <ac:chgData name="Zhao Jin" userId="cd05a825-544c-438a-9ba1-08e63db50b47" providerId="ADAL" clId="{CD38D953-E846-244A-835A-192CE52710D4}" dt="2021-01-25T03:16:24.406" v="157" actId="1036"/>
-          <ac:spMkLst>
-            <pc:docMk/>
-            <pc:sldMk cId="1311126165" sldId="485"/>
-            <ac:spMk id="12" creationId="{149FB3A4-124F-4FB3-9CA1-6EA45A21DCBC}"/>
-          </ac:spMkLst>
-        </pc:spChg>
-        <pc:spChg chg="mod">
-          <ac:chgData name="Zhao Jin" userId="cd05a825-544c-438a-9ba1-08e63db50b47" providerId="ADAL" clId="{CD38D953-E846-244A-835A-192CE52710D4}" dt="2021-01-25T03:16:24.406" v="157" actId="1036"/>
-          <ac:spMkLst>
-            <pc:docMk/>
-            <pc:sldMk cId="1311126165" sldId="485"/>
-            <ac:spMk id="13" creationId="{24ED3F77-DB19-42FF-90A5-6260114FAC12}"/>
-          </ac:spMkLst>
-        </pc:spChg>
-      </pc:sldChg>
-      <pc:sldChg chg="modSp">
-        <pc:chgData name="Zhao Jin" userId="cd05a825-544c-438a-9ba1-08e63db50b47" providerId="ADAL" clId="{CD38D953-E846-244A-835A-192CE52710D4}" dt="2021-01-25T03:08:51.440" v="84" actId="20577"/>
-        <pc:sldMkLst>
-          <pc:docMk/>
-          <pc:sldMk cId="901453530" sldId="546"/>
-        </pc:sldMkLst>
-        <pc:spChg chg="mod">
-          <ac:chgData name="Zhao Jin" userId="cd05a825-544c-438a-9ba1-08e63db50b47" providerId="ADAL" clId="{CD38D953-E846-244A-835A-192CE52710D4}" dt="2021-01-25T03:08:51.440" v="84" actId="20577"/>
-          <ac:spMkLst>
-            <pc:docMk/>
-            <pc:sldMk cId="901453530" sldId="546"/>
-            <ac:spMk id="8" creationId="{00000000-0000-0000-0000-000000000000}"/>
-          </ac:spMkLst>
-        </pc:spChg>
-      </pc:sldChg>
-      <pc:sldChg chg="modSp">
-        <pc:chgData name="Zhao Jin" userId="cd05a825-544c-438a-9ba1-08e63db50b47" providerId="ADAL" clId="{CD38D953-E846-244A-835A-192CE52710D4}" dt="2021-01-25T03:11:48.514" v="112" actId="207"/>
-        <pc:sldMkLst>
-          <pc:docMk/>
-          <pc:sldMk cId="884841463" sldId="547"/>
-        </pc:sldMkLst>
-        <pc:spChg chg="mod">
-          <ac:chgData name="Zhao Jin" userId="cd05a825-544c-438a-9ba1-08e63db50b47" providerId="ADAL" clId="{CD38D953-E846-244A-835A-192CE52710D4}" dt="2021-01-25T03:11:48.514" v="112" actId="207"/>
-          <ac:spMkLst>
-            <pc:docMk/>
-            <pc:sldMk cId="884841463" sldId="547"/>
-            <ac:spMk id="8" creationId="{00000000-0000-0000-0000-000000000000}"/>
-          </ac:spMkLst>
-        </pc:spChg>
-      </pc:sldChg>
-      <pc:sldChg chg="modSp">
-        <pc:chgData name="Zhao Jin" userId="cd05a825-544c-438a-9ba1-08e63db50b47" providerId="ADAL" clId="{CD38D953-E846-244A-835A-192CE52710D4}" dt="2021-01-25T03:10:55.270" v="107" actId="20577"/>
-        <pc:sldMkLst>
-          <pc:docMk/>
-          <pc:sldMk cId="1617257579" sldId="548"/>
-        </pc:sldMkLst>
-        <pc:spChg chg="mod">
-          <ac:chgData name="Zhao Jin" userId="cd05a825-544c-438a-9ba1-08e63db50b47" providerId="ADAL" clId="{CD38D953-E846-244A-835A-192CE52710D4}" dt="2021-01-25T03:10:55.270" v="107" actId="20577"/>
-          <ac:spMkLst>
-            <pc:docMk/>
-            <pc:sldMk cId="1617257579" sldId="548"/>
-            <ac:spMk id="8" creationId="{00000000-0000-0000-0000-000000000000}"/>
-          </ac:spMkLst>
-        </pc:spChg>
-        <pc:spChg chg="mod">
-          <ac:chgData name="Zhao Jin" userId="cd05a825-544c-438a-9ba1-08e63db50b47" providerId="ADAL" clId="{CD38D953-E846-244A-835A-192CE52710D4}" dt="2021-01-25T03:09:46.206" v="102" actId="1035"/>
-          <ac:spMkLst>
-            <pc:docMk/>
-            <pc:sldMk cId="1617257579" sldId="548"/>
-            <ac:spMk id="9" creationId="{00000000-0000-0000-0000-000000000000}"/>
-          </ac:spMkLst>
-        </pc:spChg>
-      </pc:sldChg>
-      <pc:sldChg chg="addSp delSp modSp delAnim modAnim">
-        <pc:chgData name="Zhao Jin" userId="cd05a825-544c-438a-9ba1-08e63db50b47" providerId="ADAL" clId="{CD38D953-E846-244A-835A-192CE52710D4}" dt="2021-01-25T03:24:05.008" v="382"/>
-        <pc:sldMkLst>
-          <pc:docMk/>
-          <pc:sldMk cId="3394924879" sldId="549"/>
-        </pc:sldMkLst>
-        <pc:spChg chg="mod">
-          <ac:chgData name="Zhao Jin" userId="cd05a825-544c-438a-9ba1-08e63db50b47" providerId="ADAL" clId="{CD38D953-E846-244A-835A-192CE52710D4}" dt="2021-01-25T02:21:10.043" v="62" actId="20577"/>
-          <ac:spMkLst>
-            <pc:docMk/>
-            <pc:sldMk cId="3394924879" sldId="549"/>
-            <ac:spMk id="10" creationId="{00000000-0000-0000-0000-000000000000}"/>
-          </ac:spMkLst>
-        </pc:spChg>
-        <pc:spChg chg="add mod">
-          <ac:chgData name="Zhao Jin" userId="cd05a825-544c-438a-9ba1-08e63db50b47" providerId="ADAL" clId="{CD38D953-E846-244A-835A-192CE52710D4}" dt="2021-01-25T03:23:28.207" v="376" actId="1076"/>
-          <ac:spMkLst>
-            <pc:docMk/>
-            <pc:sldMk cId="3394924879" sldId="549"/>
-            <ac:spMk id="11" creationId="{CF30CDDD-4206-994C-A14B-ADCEC7C6B094}"/>
-          </ac:spMkLst>
-        </pc:spChg>
-        <pc:picChg chg="del">
-          <ac:chgData name="Zhao Jin" userId="cd05a825-544c-438a-9ba1-08e63db50b47" providerId="ADAL" clId="{CD38D953-E846-244A-835A-192CE52710D4}" dt="2021-01-25T03:15:27.398" v="115" actId="478"/>
-          <ac:picMkLst>
-            <pc:docMk/>
-            <pc:sldMk cId="3394924879" sldId="549"/>
-            <ac:picMk id="14" creationId="{9F0342D1-68B4-4418-BA3C-115BA014738F}"/>
-          </ac:picMkLst>
-        </pc:picChg>
-        <pc:picChg chg="add mod">
-          <ac:chgData name="Zhao Jin" userId="cd05a825-544c-438a-9ba1-08e63db50b47" providerId="ADAL" clId="{CD38D953-E846-244A-835A-192CE52710D4}" dt="2021-01-25T03:23:34.931" v="378" actId="1076"/>
-          <ac:picMkLst>
-            <pc:docMk/>
-            <pc:sldMk cId="3394924879" sldId="549"/>
-            <ac:picMk id="16" creationId="{1AA83BD7-4016-DB49-B6DC-C69FB6894961}"/>
-          </ac:picMkLst>
-        </pc:picChg>
-      </pc:sldChg>
-      <pc:sldChg chg="addSp delSp modSp addAnim delAnim modAnim">
-        <pc:chgData name="Zhao Jin" userId="cd05a825-544c-438a-9ba1-08e63db50b47" providerId="ADAL" clId="{CD38D953-E846-244A-835A-192CE52710D4}" dt="2021-01-25T03:26:17.801" v="482" actId="20577"/>
-        <pc:sldMkLst>
-          <pc:docMk/>
-          <pc:sldMk cId="784668950" sldId="550"/>
-        </pc:sldMkLst>
-        <pc:spChg chg="add del">
-          <ac:chgData name="Zhao Jin" userId="cd05a825-544c-438a-9ba1-08e63db50b47" providerId="ADAL" clId="{CD38D953-E846-244A-835A-192CE52710D4}" dt="2021-01-25T03:03:03.116" v="66" actId="478"/>
-          <ac:spMkLst>
-            <pc:docMk/>
-            <pc:sldMk cId="784668950" sldId="550"/>
-            <ac:spMk id="8" creationId="{9BA3CD25-E0A6-43C6-ACBF-2582BD134206}"/>
-          </ac:spMkLst>
-        </pc:spChg>
-        <pc:spChg chg="add del">
-          <ac:chgData name="Zhao Jin" userId="cd05a825-544c-438a-9ba1-08e63db50b47" providerId="ADAL" clId="{CD38D953-E846-244A-835A-192CE52710D4}" dt="2021-01-25T03:03:02.420" v="65"/>
-          <ac:spMkLst>
-            <pc:docMk/>
-            <pc:sldMk cId="784668950" sldId="550"/>
-            <ac:spMk id="9" creationId="{512F67EF-C498-8D43-817A-42B6CE524F76}"/>
-          </ac:spMkLst>
-        </pc:spChg>
-        <pc:spChg chg="add del mod">
-          <ac:chgData name="Zhao Jin" userId="cd05a825-544c-438a-9ba1-08e63db50b47" providerId="ADAL" clId="{CD38D953-E846-244A-835A-192CE52710D4}" dt="2021-01-25T03:26:17.801" v="482" actId="20577"/>
-          <ac:spMkLst>
-            <pc:docMk/>
-            <pc:sldMk cId="784668950" sldId="550"/>
-            <ac:spMk id="10" creationId="{00000000-0000-0000-0000-000000000000}"/>
-          </ac:spMkLst>
-        </pc:spChg>
-      </pc:sldChg>
-      <pc:sldChg chg="addSp delSp modSp add del addAnim delAnim">
-        <pc:chgData name="Zhao Jin" userId="cd05a825-544c-438a-9ba1-08e63db50b47" providerId="ADAL" clId="{CD38D953-E846-244A-835A-192CE52710D4}" dt="2021-01-25T03:08:44.385" v="80" actId="2696"/>
-        <pc:sldMkLst>
-          <pc:docMk/>
-          <pc:sldMk cId="335305844" sldId="551"/>
-        </pc:sldMkLst>
-        <pc:spChg chg="add del">
-          <ac:chgData name="Zhao Jin" userId="cd05a825-544c-438a-9ba1-08e63db50b47" providerId="ADAL" clId="{CD38D953-E846-244A-835A-192CE52710D4}" dt="2021-01-25T03:08:18.867" v="70"/>
-          <ac:spMkLst>
-            <pc:docMk/>
-            <pc:sldMk cId="335305844" sldId="551"/>
-            <ac:spMk id="2" creationId="{DC3EBD9F-7043-2B4B-93E2-27FFDA9DBEA2}"/>
-          </ac:spMkLst>
-        </pc:spChg>
-        <pc:spChg chg="add del mod">
-          <ac:chgData name="Zhao Jin" userId="cd05a825-544c-438a-9ba1-08e63db50b47" providerId="ADAL" clId="{CD38D953-E846-244A-835A-192CE52710D4}" dt="2021-01-25T03:08:32.511" v="77" actId="14100"/>
-          <ac:spMkLst>
-            <pc:docMk/>
-            <pc:sldMk cId="335305844" sldId="551"/>
-            <ac:spMk id="9" creationId="{00000000-0000-0000-0000-000000000000}"/>
-          </ac:spMkLst>
-        </pc:spChg>
-        <pc:spChg chg="add del">
-          <ac:chgData name="Zhao Jin" userId="cd05a825-544c-438a-9ba1-08e63db50b47" providerId="ADAL" clId="{CD38D953-E846-244A-835A-192CE52710D4}" dt="2021-01-25T03:08:34.550" v="78" actId="478"/>
-          <ac:spMkLst>
-            <pc:docMk/>
-            <pc:sldMk cId="335305844" sldId="551"/>
-            <ac:spMk id="10" creationId="{00000000-0000-0000-0000-000000000000}"/>
-          </ac:spMkLst>
-        </pc:spChg>
-        <pc:spChg chg="add del">
-          <ac:chgData name="Zhao Jin" userId="cd05a825-544c-438a-9ba1-08e63db50b47" providerId="ADAL" clId="{CD38D953-E846-244A-835A-192CE52710D4}" dt="2021-01-25T03:08:34.550" v="78" actId="478"/>
-          <ac:spMkLst>
-            <pc:docMk/>
-            <pc:sldMk cId="335305844" sldId="551"/>
-            <ac:spMk id="11" creationId="{D0457CA0-460D-4546-82C4-4CDEB1E2F62C}"/>
-          </ac:spMkLst>
-        </pc:spChg>
-        <pc:spChg chg="add del">
-          <ac:chgData name="Zhao Jin" userId="cd05a825-544c-438a-9ba1-08e63db50b47" providerId="ADAL" clId="{CD38D953-E846-244A-835A-192CE52710D4}" dt="2021-01-25T03:08:34.550" v="78" actId="478"/>
-          <ac:spMkLst>
-            <pc:docMk/>
-            <pc:sldMk cId="335305844" sldId="551"/>
-            <ac:spMk id="14" creationId="{00000000-0000-0000-0000-000000000000}"/>
-          </ac:spMkLst>
-        </pc:spChg>
-        <pc:spChg chg="add del">
-          <ac:chgData name="Zhao Jin" userId="cd05a825-544c-438a-9ba1-08e63db50b47" providerId="ADAL" clId="{CD38D953-E846-244A-835A-192CE52710D4}" dt="2021-01-25T03:08:34.550" v="78" actId="478"/>
-          <ac:spMkLst>
-            <pc:docMk/>
-            <pc:sldMk cId="335305844" sldId="551"/>
-            <ac:spMk id="15" creationId="{7EB43FB0-D261-4751-8823-0A4CC64F83DB}"/>
-          </ac:spMkLst>
-        </pc:spChg>
-        <pc:spChg chg="add del mod">
-          <ac:chgData name="Zhao Jin" userId="cd05a825-544c-438a-9ba1-08e63db50b47" providerId="ADAL" clId="{CD38D953-E846-244A-835A-192CE52710D4}" dt="2021-01-25T03:08:37.712" v="79" actId="20577"/>
-          <ac:spMkLst>
-            <pc:docMk/>
-            <pc:sldMk cId="335305844" sldId="551"/>
-            <ac:spMk id="17" creationId="{196941FF-7411-441D-AE2E-5CF96E80B024}"/>
-          </ac:spMkLst>
-        </pc:spChg>
-        <pc:spChg chg="add del">
-          <ac:chgData name="Zhao Jin" userId="cd05a825-544c-438a-9ba1-08e63db50b47" providerId="ADAL" clId="{CD38D953-E846-244A-835A-192CE52710D4}" dt="2021-01-25T03:08:22.144" v="71" actId="478"/>
-          <ac:spMkLst>
-            <pc:docMk/>
-            <pc:sldMk cId="335305844" sldId="551"/>
-            <ac:spMk id="18" creationId="{FC6CF3F5-B435-44FE-A32E-F676476A0C6D}"/>
           </ac:spMkLst>
         </pc:spChg>
       </pc:sldChg>
@@ -6379,7 +6379,7 @@
               <a:pPr>
                 <a:defRPr/>
               </a:pPr>
-              <a:t>1/31/2024</a:t>
+              <a:t>2/13/2024</a:t>
             </a:fld>
             <a:endParaRPr lang="en-US" dirty="0"/>
           </a:p>
@@ -7047,7 +7047,7 @@
     </p:spTree>
     <p:extLst>
       <p:ext uri="{BB962C8B-B14F-4D97-AF65-F5344CB8AC3E}">
-        <p14:creationId xmlns:p14="http://schemas.microsoft.com/office/powerpoint/2010/main" val="822163349"/>
+        <p14:creationId xmlns:p14="http://schemas.microsoft.com/office/powerpoint/2010/main" val="1560920463"/>
       </p:ext>
     </p:extLst>
   </p:cSld>
@@ -7164,7 +7164,7 @@
     </p:spTree>
     <p:extLst>
       <p:ext uri="{BB962C8B-B14F-4D97-AF65-F5344CB8AC3E}">
-        <p14:creationId xmlns:p14="http://schemas.microsoft.com/office/powerpoint/2010/main" val="1560920463"/>
+        <p14:creationId xmlns:p14="http://schemas.microsoft.com/office/powerpoint/2010/main" val="822163349"/>
       </p:ext>
     </p:extLst>
   </p:cSld>
@@ -13405,7 +13405,7 @@
                 <a:latin typeface="Courier New" panose="02070309020205020404" pitchFamily="49" charset="0"/>
                 <a:cs typeface="Courier New" panose="02070309020205020404" pitchFamily="49" charset="0"/>
               </a:rPr>
-              <a:t> num=lower; num&lt;=upper; num++) {</a:t>
+              <a:t> num=lower; num&lt;=upper; num+=1) {</a:t>
             </a:r>
           </a:p>
           <a:p>
@@ -13419,7 +13419,7 @@
                 <a:latin typeface="Courier New" panose="02070309020205020404" pitchFamily="49" charset="0"/>
                 <a:cs typeface="Courier New" panose="02070309020205020404" pitchFamily="49" charset="0"/>
               </a:rPr>
-              <a:t>	  cs1010_print_long(num);</a:t>
+              <a:t>	  cs1010_println_long(num);</a:t>
             </a:r>
           </a:p>
           <a:p>
@@ -13479,7 +13479,7 @@
         </p:nvSpPr>
         <p:spPr>
           <a:xfrm>
-            <a:off x="1041149" y="1819747"/>
+            <a:off x="1127156" y="1820061"/>
             <a:ext cx="6889687" cy="1222217"/>
           </a:xfrm>
           <a:prstGeom prst="rect">
@@ -14153,7 +14153,7 @@
           <a:lstStyle/>
           <a:p>
             <a:r>
-              <a:rPr lang="en-GB" sz="3600">
+              <a:rPr lang="en-GB" sz="3600" dirty="0">
                 <a:solidFill>
                   <a:srgbClr val="0000FF"/>
                 </a:solidFill>
@@ -14161,7 +14161,7 @@
               <a:t>The </a:t>
             </a:r>
             <a:r>
-              <a:rPr lang="en-GB" sz="3600" i="1">
+              <a:rPr lang="en-GB" sz="3600" i="1" dirty="0">
                 <a:solidFill>
                   <a:srgbClr val="0000FF"/>
                 </a:solidFill>
@@ -14170,18 +14170,13 @@
               <a:t>while</a:t>
             </a:r>
             <a:r>
-              <a:rPr lang="en-GB" sz="3600">
+              <a:rPr lang="en-GB" sz="3600" dirty="0">
                 <a:solidFill>
                   <a:srgbClr val="0000FF"/>
                 </a:solidFill>
               </a:rPr>
               <a:t> Loop </a:t>
             </a:r>
-            <a:endParaRPr lang="en-GB" sz="3600" dirty="0">
-              <a:solidFill>
-                <a:srgbClr val="0000FF"/>
-              </a:solidFill>
-            </a:endParaRPr>
           </a:p>
         </p:txBody>
       </p:sp>
@@ -14207,7 +14202,11 @@
             </a:pPr>
             <a:r>
               <a:rPr lang="en-US" sz="1200" dirty="0"/>
-              <a:t>Unit11 - </a:t>
+              <a:t>Unit11</a:t>
+            </a:r>
+            <a:r>
+              <a:rPr sz="1200" dirty="0"/>
+              <a:t> - </a:t>
             </a:r>
             <a:fld id="{F7EC234A-9094-4BB8-9EA4-75ECDA8A365B}" type="slidenum">
               <a:rPr sz="1200" smtClean="0"/>
@@ -14215,227 +14214,6 @@
                 <a:defRPr/>
               </a:pPr>
               <a:t>12</a:t>
-            </a:fld>
-            <a:endParaRPr sz="1200" dirty="0"/>
-          </a:p>
-        </p:txBody>
-      </p:sp>
-      <p:sp>
-        <p:nvSpPr>
-          <p:cNvPr id="12" name="[Date Placeholder 3]"/>
-          <p:cNvSpPr>
-            <a:spLocks noGrp="1"/>
-          </p:cNvSpPr>
-          <p:nvPr>
-            <p:ph type="dt" sz="half" idx="10"/>
-          </p:nvPr>
-        </p:nvSpPr>
-        <p:spPr>
-          <a:xfrm>
-            <a:off x="457200" y="18288"/>
-            <a:ext cx="2895600" cy="329184"/>
-          </a:xfrm>
-        </p:spPr>
-        <p:txBody>
-          <a:bodyPr/>
-          <a:lstStyle/>
-          <a:p>
-            <a:pPr>
-              <a:defRPr/>
-            </a:pPr>
-            <a:r>
-              <a:rPr lang="en-US"/>
-              <a:t>© NUS</a:t>
-            </a:r>
-            <a:endParaRPr lang="en-US" dirty="0"/>
-          </a:p>
-        </p:txBody>
-      </p:sp>
-      <p:pic>
-        <p:nvPicPr>
-          <p:cNvPr id="6" name="Picture 5" descr="A picture containing letter&#10;&#10;Description automatically generated">
-            <a:extLst>
-              <a:ext uri="{FF2B5EF4-FFF2-40B4-BE49-F238E27FC236}">
-                <a16:creationId xmlns:a16="http://schemas.microsoft.com/office/drawing/2014/main" id="{39011840-BE31-4880-9492-02AACF59B6E8}"/>
-              </a:ext>
-            </a:extLst>
-          </p:cNvPr>
-          <p:cNvPicPr>
-            <a:picLocks noChangeAspect="1"/>
-          </p:cNvPicPr>
-          <p:nvPr/>
-        </p:nvPicPr>
-        <p:blipFill>
-          <a:blip r:embed="rId3">
-            <a:extLst>
-              <a:ext uri="{28A0092B-C50C-407E-A947-70E740481C1C}">
-                <a14:useLocalDpi xmlns:a14="http://schemas.microsoft.com/office/drawing/2010/main" val="0"/>
-              </a:ext>
-            </a:extLst>
-          </a:blip>
-          <a:stretch>
-            <a:fillRect/>
-          </a:stretch>
-        </p:blipFill>
-        <p:spPr>
-          <a:xfrm>
-            <a:off x="2393496" y="1441704"/>
-            <a:ext cx="4357007" cy="4879848"/>
-          </a:xfrm>
-          <a:prstGeom prst="rect">
-            <a:avLst/>
-          </a:prstGeom>
-        </p:spPr>
-      </p:pic>
-      <p:sp>
-        <p:nvSpPr>
-          <p:cNvPr id="2" name="Footer Placeholder 1">
-            <a:extLst>
-              <a:ext uri="{FF2B5EF4-FFF2-40B4-BE49-F238E27FC236}">
-                <a16:creationId xmlns:a16="http://schemas.microsoft.com/office/drawing/2014/main" id="{35EB762E-5415-EA5E-DC97-93CA91A7C17C}"/>
-              </a:ext>
-            </a:extLst>
-          </p:cNvPr>
-          <p:cNvSpPr>
-            <a:spLocks noGrp="1"/>
-          </p:cNvSpPr>
-          <p:nvPr>
-            <p:ph type="ftr" sz="quarter" idx="11"/>
-          </p:nvPr>
-        </p:nvSpPr>
-        <p:spPr/>
-        <p:txBody>
-          <a:bodyPr/>
-          <a:lstStyle/>
-          <a:p>
-            <a:pPr algn="l">
-              <a:defRPr/>
-            </a:pPr>
-            <a:r>
-              <a:rPr lang="en-US"/>
-              <a:t>CS1010 (AY2023/24 Semester 2)</a:t>
-            </a:r>
-            <a:endParaRPr lang="en-US" dirty="0"/>
-          </a:p>
-        </p:txBody>
-      </p:sp>
-    </p:spTree>
-    <p:extLst>
-      <p:ext uri="{BB962C8B-B14F-4D97-AF65-F5344CB8AC3E}">
-        <p14:creationId xmlns:p14="http://schemas.microsoft.com/office/powerpoint/2010/main" val="2930953569"/>
-      </p:ext>
-    </p:extLst>
-  </p:cSld>
-  <p:clrMapOvr>
-    <a:masterClrMapping/>
-  </p:clrMapOvr>
-  <p:transition>
-    <p:fade/>
-  </p:transition>
-</p:sld>
-</file>
-
-<file path=ppt/slides/slide13.xml><?xml version="1.0" encoding="utf-8"?>
-<p:sld xmlns:a="http://schemas.openxmlformats.org/drawingml/2006/main" xmlns:r="http://schemas.openxmlformats.org/officeDocument/2006/relationships" xmlns:p="http://schemas.openxmlformats.org/presentationml/2006/main">
-  <p:cSld>
-    <p:spTree>
-      <p:nvGrpSpPr>
-        <p:cNvPr id="1" name=""/>
-        <p:cNvGrpSpPr/>
-        <p:nvPr/>
-      </p:nvGrpSpPr>
-      <p:grpSpPr>
-        <a:xfrm>
-          <a:off x="0" y="0"/>
-          <a:ext cx="0" cy="0"/>
-          <a:chOff x="0" y="0"/>
-          <a:chExt cx="0" cy="0"/>
-        </a:xfrm>
-      </p:grpSpPr>
-      <p:sp>
-        <p:nvSpPr>
-          <p:cNvPr id="14338" name="Rectangle 2"/>
-          <p:cNvSpPr>
-            <a:spLocks noGrp="1" noChangeArrowheads="1"/>
-          </p:cNvSpPr>
-          <p:nvPr>
-            <p:ph type="title"/>
-          </p:nvPr>
-        </p:nvSpPr>
-        <p:spPr>
-          <a:xfrm>
-            <a:off x="533400" y="381000"/>
-            <a:ext cx="8382000" cy="838200"/>
-          </a:xfrm>
-        </p:spPr>
-        <p:txBody>
-          <a:bodyPr>
-            <a:normAutofit/>
-          </a:bodyPr>
-          <a:lstStyle/>
-          <a:p>
-            <a:r>
-              <a:rPr lang="en-GB" sz="3600" dirty="0">
-                <a:solidFill>
-                  <a:srgbClr val="0000FF"/>
-                </a:solidFill>
-              </a:rPr>
-              <a:t>The </a:t>
-            </a:r>
-            <a:r>
-              <a:rPr lang="en-GB" sz="3600" i="1" dirty="0">
-                <a:solidFill>
-                  <a:srgbClr val="0000FF"/>
-                </a:solidFill>
-                <a:latin typeface="Garamond" panose="02020404030301010803" pitchFamily="18" charset="0"/>
-              </a:rPr>
-              <a:t>while</a:t>
-            </a:r>
-            <a:r>
-              <a:rPr lang="en-GB" sz="3600" dirty="0">
-                <a:solidFill>
-                  <a:srgbClr val="0000FF"/>
-                </a:solidFill>
-              </a:rPr>
-              <a:t> Loop </a:t>
-            </a:r>
-          </a:p>
-        </p:txBody>
-      </p:sp>
-      <p:sp>
-        <p:nvSpPr>
-          <p:cNvPr id="7" name="Slide Number Placeholder 6"/>
-          <p:cNvSpPr>
-            <a:spLocks noGrp="1"/>
-          </p:cNvSpPr>
-          <p:nvPr>
-            <p:ph type="sldNum" sz="quarter" idx="12"/>
-          </p:nvPr>
-        </p:nvSpPr>
-        <p:spPr/>
-        <p:txBody>
-          <a:bodyPr>
-            <a:normAutofit/>
-          </a:bodyPr>
-          <a:lstStyle/>
-          <a:p>
-            <a:pPr>
-              <a:defRPr/>
-            </a:pPr>
-            <a:r>
-              <a:rPr lang="en-US" sz="1200" dirty="0"/>
-              <a:t>Unit11</a:t>
-            </a:r>
-            <a:r>
-              <a:rPr sz="1200" dirty="0"/>
-              <a:t> - </a:t>
-            </a:r>
-            <a:fld id="{F7EC234A-9094-4BB8-9EA4-75ECDA8A365B}" type="slidenum">
-              <a:rPr sz="1200" smtClean="0"/>
-              <a:pPr>
-                <a:defRPr/>
-              </a:pPr>
-              <a:t>13</a:t>
             </a:fld>
             <a:endParaRPr sz="1200" dirty="0"/>
           </a:p>
@@ -15117,7 +14895,7 @@
                 <a:latin typeface="Courier New" panose="02070309020205020404" pitchFamily="49" charset="0"/>
                 <a:cs typeface="Courier New" panose="02070309020205020404" pitchFamily="49" charset="0"/>
               </a:rPr>
-              <a:t>        product *= </a:t>
+              <a:t>    product *= </a:t>
             </a:r>
             <a:r>
               <a:rPr lang="en-US" b="1" dirty="0" err="1">
@@ -15199,6 +14977,306 @@
     <p:extLst>
       <p:ext uri="{BB962C8B-B14F-4D97-AF65-F5344CB8AC3E}">
         <p14:creationId xmlns:p14="http://schemas.microsoft.com/office/powerpoint/2010/main" val="2217225800"/>
+      </p:ext>
+    </p:extLst>
+  </p:cSld>
+  <p:clrMapOvr>
+    <a:masterClrMapping/>
+  </p:clrMapOvr>
+  <p:transition>
+    <p:fade/>
+  </p:transition>
+  <p:timing>
+    <p:tnLst>
+      <p:par>
+        <p:cTn id="1" dur="indefinite" restart="never" nodeType="tmRoot">
+          <p:childTnLst>
+            <p:seq concurrent="1" nextAc="seek">
+              <p:cTn id="2" dur="indefinite" nodeType="mainSeq">
+                <p:childTnLst>
+                  <p:par>
+                    <p:cTn id="3" fill="hold">
+                      <p:stCondLst>
+                        <p:cond delay="indefinite"/>
+                      </p:stCondLst>
+                      <p:childTnLst>
+                        <p:par>
+                          <p:cTn id="4" fill="hold">
+                            <p:stCondLst>
+                              <p:cond delay="0"/>
+                            </p:stCondLst>
+                            <p:childTnLst>
+                              <p:par>
+                                <p:cTn id="5" presetID="1" presetClass="entr" presetSubtype="0" fill="hold" grpId="0" nodeType="clickEffect">
+                                  <p:stCondLst>
+                                    <p:cond delay="0"/>
+                                  </p:stCondLst>
+                                  <p:childTnLst>
+                                    <p:set>
+                                      <p:cBhvr>
+                                        <p:cTn id="6" dur="1" fill="hold">
+                                          <p:stCondLst>
+                                            <p:cond delay="0"/>
+                                          </p:stCondLst>
+                                        </p:cTn>
+                                        <p:tgtEl>
+                                          <p:spTgt spid="11"/>
+                                        </p:tgtEl>
+                                        <p:attrNameLst>
+                                          <p:attrName>style.visibility</p:attrName>
+                                        </p:attrNameLst>
+                                      </p:cBhvr>
+                                      <p:to>
+                                        <p:strVal val="visible"/>
+                                      </p:to>
+                                    </p:set>
+                                  </p:childTnLst>
+                                </p:cTn>
+                              </p:par>
+                            </p:childTnLst>
+                          </p:cTn>
+                        </p:par>
+                      </p:childTnLst>
+                    </p:cTn>
+                  </p:par>
+                </p:childTnLst>
+              </p:cTn>
+              <p:prevCondLst>
+                <p:cond evt="onPrev" delay="0">
+                  <p:tgtEl>
+                    <p:sldTgt/>
+                  </p:tgtEl>
+                </p:cond>
+              </p:prevCondLst>
+              <p:nextCondLst>
+                <p:cond evt="onNext" delay="0">
+                  <p:tgtEl>
+                    <p:sldTgt/>
+                  </p:tgtEl>
+                </p:cond>
+              </p:nextCondLst>
+            </p:seq>
+          </p:childTnLst>
+        </p:cTn>
+      </p:par>
+    </p:tnLst>
+    <p:bldLst>
+      <p:bldP spid="11" grpId="0" animBg="1"/>
+    </p:bldLst>
+  </p:timing>
+</p:sld>
+</file>
+
+<file path=ppt/slides/slide13.xml><?xml version="1.0" encoding="utf-8"?>
+<p:sld xmlns:a="http://schemas.openxmlformats.org/drawingml/2006/main" xmlns:r="http://schemas.openxmlformats.org/officeDocument/2006/relationships" xmlns:p="http://schemas.openxmlformats.org/presentationml/2006/main">
+  <p:cSld>
+    <p:spTree>
+      <p:nvGrpSpPr>
+        <p:cNvPr id="1" name=""/>
+        <p:cNvGrpSpPr/>
+        <p:nvPr/>
+      </p:nvGrpSpPr>
+      <p:grpSpPr>
+        <a:xfrm>
+          <a:off x="0" y="0"/>
+          <a:ext cx="0" cy="0"/>
+          <a:chOff x="0" y="0"/>
+          <a:chExt cx="0" cy="0"/>
+        </a:xfrm>
+      </p:grpSpPr>
+      <p:sp>
+        <p:nvSpPr>
+          <p:cNvPr id="14338" name="Rectangle 2"/>
+          <p:cNvSpPr>
+            <a:spLocks noGrp="1" noChangeArrowheads="1"/>
+          </p:cNvSpPr>
+          <p:nvPr>
+            <p:ph type="title"/>
+          </p:nvPr>
+        </p:nvSpPr>
+        <p:spPr>
+          <a:xfrm>
+            <a:off x="533400" y="381000"/>
+            <a:ext cx="8382000" cy="838200"/>
+          </a:xfrm>
+        </p:spPr>
+        <p:txBody>
+          <a:bodyPr>
+            <a:normAutofit/>
+          </a:bodyPr>
+          <a:lstStyle/>
+          <a:p>
+            <a:r>
+              <a:rPr lang="en-GB" sz="3600">
+                <a:solidFill>
+                  <a:srgbClr val="0000FF"/>
+                </a:solidFill>
+              </a:rPr>
+              <a:t>The </a:t>
+            </a:r>
+            <a:r>
+              <a:rPr lang="en-GB" sz="3600" i="1">
+                <a:solidFill>
+                  <a:srgbClr val="0000FF"/>
+                </a:solidFill>
+                <a:latin typeface="Garamond" panose="02020404030301010803" pitchFamily="18" charset="0"/>
+              </a:rPr>
+              <a:t>while</a:t>
+            </a:r>
+            <a:r>
+              <a:rPr lang="en-GB" sz="3600">
+                <a:solidFill>
+                  <a:srgbClr val="0000FF"/>
+                </a:solidFill>
+              </a:rPr>
+              <a:t> Loop </a:t>
+            </a:r>
+            <a:endParaRPr lang="en-GB" sz="3600" dirty="0">
+              <a:solidFill>
+                <a:srgbClr val="0000FF"/>
+              </a:solidFill>
+            </a:endParaRPr>
+          </a:p>
+        </p:txBody>
+      </p:sp>
+      <p:sp>
+        <p:nvSpPr>
+          <p:cNvPr id="7" name="Slide Number Placeholder 6"/>
+          <p:cNvSpPr>
+            <a:spLocks noGrp="1"/>
+          </p:cNvSpPr>
+          <p:nvPr>
+            <p:ph type="sldNum" sz="quarter" idx="12"/>
+          </p:nvPr>
+        </p:nvSpPr>
+        <p:spPr/>
+        <p:txBody>
+          <a:bodyPr>
+            <a:normAutofit/>
+          </a:bodyPr>
+          <a:lstStyle/>
+          <a:p>
+            <a:pPr>
+              <a:defRPr/>
+            </a:pPr>
+            <a:r>
+              <a:rPr lang="en-US" sz="1200" dirty="0"/>
+              <a:t>Unit11 - </a:t>
+            </a:r>
+            <a:fld id="{F7EC234A-9094-4BB8-9EA4-75ECDA8A365B}" type="slidenum">
+              <a:rPr sz="1200" smtClean="0"/>
+              <a:pPr>
+                <a:defRPr/>
+              </a:pPr>
+              <a:t>13</a:t>
+            </a:fld>
+            <a:endParaRPr sz="1200" dirty="0"/>
+          </a:p>
+        </p:txBody>
+      </p:sp>
+      <p:sp>
+        <p:nvSpPr>
+          <p:cNvPr id="12" name="[Date Placeholder 3]"/>
+          <p:cNvSpPr>
+            <a:spLocks noGrp="1"/>
+          </p:cNvSpPr>
+          <p:nvPr>
+            <p:ph type="dt" sz="half" idx="10"/>
+          </p:nvPr>
+        </p:nvSpPr>
+        <p:spPr>
+          <a:xfrm>
+            <a:off x="457200" y="18288"/>
+            <a:ext cx="2895600" cy="329184"/>
+          </a:xfrm>
+        </p:spPr>
+        <p:txBody>
+          <a:bodyPr/>
+          <a:lstStyle/>
+          <a:p>
+            <a:pPr>
+              <a:defRPr/>
+            </a:pPr>
+            <a:r>
+              <a:rPr lang="en-US"/>
+              <a:t>© NUS</a:t>
+            </a:r>
+            <a:endParaRPr lang="en-US" dirty="0"/>
+          </a:p>
+        </p:txBody>
+      </p:sp>
+      <p:pic>
+        <p:nvPicPr>
+          <p:cNvPr id="6" name="Picture 5" descr="A picture containing letter&#10;&#10;Description automatically generated">
+            <a:extLst>
+              <a:ext uri="{FF2B5EF4-FFF2-40B4-BE49-F238E27FC236}">
+                <a16:creationId xmlns:a16="http://schemas.microsoft.com/office/drawing/2014/main" id="{39011840-BE31-4880-9492-02AACF59B6E8}"/>
+              </a:ext>
+            </a:extLst>
+          </p:cNvPr>
+          <p:cNvPicPr>
+            <a:picLocks noChangeAspect="1"/>
+          </p:cNvPicPr>
+          <p:nvPr/>
+        </p:nvPicPr>
+        <p:blipFill>
+          <a:blip r:embed="rId3">
+            <a:extLst>
+              <a:ext uri="{28A0092B-C50C-407E-A947-70E740481C1C}">
+                <a14:useLocalDpi xmlns:a14="http://schemas.microsoft.com/office/drawing/2010/main" val="0"/>
+              </a:ext>
+            </a:extLst>
+          </a:blip>
+          <a:stretch>
+            <a:fillRect/>
+          </a:stretch>
+        </p:blipFill>
+        <p:spPr>
+          <a:xfrm>
+            <a:off x="2393496" y="1441704"/>
+            <a:ext cx="4357007" cy="4879848"/>
+          </a:xfrm>
+          <a:prstGeom prst="rect">
+            <a:avLst/>
+          </a:prstGeom>
+        </p:spPr>
+      </p:pic>
+      <p:sp>
+        <p:nvSpPr>
+          <p:cNvPr id="2" name="Footer Placeholder 1">
+            <a:extLst>
+              <a:ext uri="{FF2B5EF4-FFF2-40B4-BE49-F238E27FC236}">
+                <a16:creationId xmlns:a16="http://schemas.microsoft.com/office/drawing/2014/main" id="{35EB762E-5415-EA5E-DC97-93CA91A7C17C}"/>
+              </a:ext>
+            </a:extLst>
+          </p:cNvPr>
+          <p:cNvSpPr>
+            <a:spLocks noGrp="1"/>
+          </p:cNvSpPr>
+          <p:nvPr>
+            <p:ph type="ftr" sz="quarter" idx="11"/>
+          </p:nvPr>
+        </p:nvSpPr>
+        <p:spPr/>
+        <p:txBody>
+          <a:bodyPr/>
+          <a:lstStyle/>
+          <a:p>
+            <a:pPr algn="l">
+              <a:defRPr/>
+            </a:pPr>
+            <a:r>
+              <a:rPr lang="en-US"/>
+              <a:t>CS1010 (AY2023/24 Semester 2)</a:t>
+            </a:r>
+            <a:endParaRPr lang="en-US" dirty="0"/>
+          </a:p>
+        </p:txBody>
+      </p:sp>
+    </p:spTree>
+    <p:extLst>
+      <p:ext uri="{BB962C8B-B14F-4D97-AF65-F5344CB8AC3E}">
+        <p14:creationId xmlns:p14="http://schemas.microsoft.com/office/powerpoint/2010/main" val="2930953569"/>
       </p:ext>
     </p:extLst>
   </p:cSld>
@@ -16004,14 +16082,14 @@
           <p:nvPr>
             <p:extLst>
               <p:ext uri="{D42A27DB-BD31-4B8C-83A1-F6EECF244321}">
-                <p14:modId xmlns:p14="http://schemas.microsoft.com/office/powerpoint/2010/main" val="2913575788"/>
+                <p14:modId xmlns:p14="http://schemas.microsoft.com/office/powerpoint/2010/main" val="4174182465"/>
               </p:ext>
             </p:extLst>
           </p:nvPr>
         </p:nvGraphicFramePr>
         <p:xfrm>
           <a:off x="643025" y="4823156"/>
-          <a:ext cx="5200333" cy="1463040"/>
+          <a:ext cx="5420891" cy="1463040"/>
         </p:xfrm>
         <a:graphic>
           <a:graphicData uri="http://schemas.openxmlformats.org/drawingml/2006/table">
@@ -16041,7 +16119,7 @@
                     </a:ext>
                   </a:extLst>
                 </a:gridCol>
-                <a:gridCol w="2816543">
+                <a:gridCol w="3037101">
                   <a:extLst>
                     <a:ext uri="{9D8B030D-6E8A-4147-A177-3AD203B41FA5}">
                       <a16:colId xmlns:a16="http://schemas.microsoft.com/office/drawing/2014/main" val="1647156905"/>
@@ -16237,7 +16315,7 @@
                     <a:p>
                       <a:r>
                         <a:rPr lang="en-US" dirty="0"/>
-                        <a:t>After the first round…</a:t>
+                        <a:t>After the first iteration…</a:t>
                       </a:r>
                     </a:p>
                   </a:txBody>
@@ -16324,7 +16402,7 @@
                       </a:pPr>
                       <a:r>
                         <a:rPr lang="en-US" dirty="0"/>
-                        <a:t>After the second round…</a:t>
+                        <a:t>After the second iteration…</a:t>
                       </a:r>
                     </a:p>
                   </a:txBody>
@@ -16476,7 +16554,7 @@
         <p:spPr>
           <a:xfrm>
             <a:off x="643025" y="1275194"/>
-            <a:ext cx="4991725" cy="2862322"/>
+            <a:ext cx="5159899" cy="2862322"/>
           </a:xfrm>
           <a:prstGeom prst="rect">
             <a:avLst/>
@@ -16535,14 +16613,14 @@
               <a:t>print_digits</a:t>
             </a:r>
             <a:r>
-              <a:rPr lang="en-US" sz="2000" b="1">
+              <a:rPr lang="en-US" sz="2000" b="1" dirty="0">
                 <a:latin typeface="Courier New" pitchFamily="49" charset="0"/>
                 <a:cs typeface="Courier New" pitchFamily="49" charset="0"/>
               </a:rPr>
               <a:t>(</a:t>
             </a:r>
             <a:r>
-              <a:rPr lang="en-US" sz="2000" b="1">
+              <a:rPr lang="en-US" sz="2000" b="1" dirty="0">
                 <a:solidFill>
                   <a:srgbClr val="0000FF"/>
                 </a:solidFill>
@@ -16736,7 +16814,7 @@
                 <a:latin typeface="Courier New" pitchFamily="49" charset="0"/>
                 <a:cs typeface="Courier New" pitchFamily="49" charset="0"/>
               </a:rPr>
-              <a:t>		CS1010_print_long(digit);</a:t>
+              <a:t>		CS1010_println_long(digit);</a:t>
             </a:r>
           </a:p>
           <a:p>
@@ -16830,7 +16908,7 @@
         </p:nvSpPr>
         <p:spPr>
           <a:xfrm>
-            <a:off x="5802924" y="2382176"/>
+            <a:off x="5899179" y="2382176"/>
             <a:ext cx="3112476" cy="1200329"/>
           </a:xfrm>
           <a:prstGeom prst="rect">
@@ -20282,7 +20360,7 @@
           <a:p>
             <a:r>
               <a:rPr lang="en-US" dirty="0"/>
-              <a:t>These two are NOT completely the same!</a:t>
+              <a:t>These two are NOT exactly the same!</a:t>
             </a:r>
           </a:p>
         </p:txBody>
@@ -29066,11 +29144,14 @@
               </a:tabLst>
             </a:pPr>
             <a:r>
-              <a:rPr lang="en-US" b="0" i="0" dirty="0">
-                <a:effectLst/>
-                <a:latin typeface="Roboto Mono"/>
-              </a:rPr>
-              <a:t>         </a:t>
+              <a:rPr lang="en-US" b="1" dirty="0">
+                <a:solidFill>
+                  <a:schemeClr val="tx1"/>
+                </a:solidFill>
+                <a:latin typeface="Courier New" panose="02070309020205020404" pitchFamily="49" charset="0"/>
+                <a:cs typeface="Courier New" panose="02070309020205020404" pitchFamily="49" charset="0"/>
+              </a:rPr>
+              <a:t>    </a:t>
             </a:r>
             <a:r>
               <a:rPr lang="en-US" b="1" i="0" dirty="0">

--- a/slides/Unit11_Loops.pptx
+++ b/slides/Unit11_Loops.pptx
@@ -198,1265 +198,13 @@
 <file path=ppt/revisionInfo.xml><?xml version="1.0" encoding="utf-8"?>
 <p1510:revInfo xmlns:a="http://schemas.openxmlformats.org/drawingml/2006/main" xmlns:r="http://schemas.openxmlformats.org/officeDocument/2006/relationships" xmlns:p1510="http://schemas.microsoft.com/office/powerpoint/2015/10/main">
   <p1510:revLst>
-    <p1510:client id="{8BE350D2-6936-4764-AEB4-6940700BA7AB}" v="2" dt="2024-01-31T05:32:49.534"/>
+    <p1510:client id="{2707BC5D-D3D5-477E-B1F5-A74E6C040B7D}" v="3" dt="2024-02-13T01:39:05.354"/>
   </p1510:revLst>
 </p1510:revInfo>
 </file>
 
 <file path=ppt/changesInfos/changesInfo1.xml><?xml version="1.0" encoding="utf-8"?>
 <pc:chgInfo xmlns:a="http://schemas.openxmlformats.org/drawingml/2006/main" xmlns:r="http://schemas.openxmlformats.org/officeDocument/2006/relationships" xmlns:ac="http://schemas.microsoft.com/office/drawing/2013/main/command" xmlns:pc="http://schemas.microsoft.com/office/powerpoint/2013/main/command">
-  <pc:docChgLst>
-    <pc:chgData name="Zhao Jin" userId="cd05a825-544c-438a-9ba1-08e63db50b47" providerId="ADAL" clId="{E094A0D3-9008-D44F-B23F-E71F39C2BDEC}"/>
-    <pc:docChg chg="undo custSel addSld delSld modSld sldOrd modMainMaster">
-      <pc:chgData name="Zhao Jin" userId="cd05a825-544c-438a-9ba1-08e63db50b47" providerId="ADAL" clId="{E094A0D3-9008-D44F-B23F-E71F39C2BDEC}" dt="2021-01-27T05:44:46" v="1434" actId="207"/>
-      <pc:docMkLst>
-        <pc:docMk/>
-      </pc:docMkLst>
-      <pc:sldChg chg="modSp">
-        <pc:chgData name="Zhao Jin" userId="cd05a825-544c-438a-9ba1-08e63db50b47" providerId="ADAL" clId="{E094A0D3-9008-D44F-B23F-E71F39C2BDEC}" dt="2021-01-27T04:57:42.438" v="23" actId="20577"/>
-        <pc:sldMkLst>
-          <pc:docMk/>
-          <pc:sldMk cId="0" sldId="256"/>
-        </pc:sldMkLst>
-        <pc:spChg chg="mod">
-          <ac:chgData name="Zhao Jin" userId="cd05a825-544c-438a-9ba1-08e63db50b47" providerId="ADAL" clId="{E094A0D3-9008-D44F-B23F-E71F39C2BDEC}" dt="2021-01-27T04:57:38.527" v="1" actId="20577"/>
-          <ac:spMkLst>
-            <pc:docMk/>
-            <pc:sldMk cId="0" sldId="256"/>
-            <ac:spMk id="8" creationId="{00000000-0000-0000-0000-000000000000}"/>
-          </ac:spMkLst>
-        </pc:spChg>
-        <pc:spChg chg="mod">
-          <ac:chgData name="Zhao Jin" userId="cd05a825-544c-438a-9ba1-08e63db50b47" providerId="ADAL" clId="{E094A0D3-9008-D44F-B23F-E71F39C2BDEC}" dt="2021-01-27T04:57:42.438" v="23" actId="20577"/>
-          <ac:spMkLst>
-            <pc:docMk/>
-            <pc:sldMk cId="0" sldId="256"/>
-            <ac:spMk id="11" creationId="{00000000-0000-0000-0000-000000000000}"/>
-          </ac:spMkLst>
-        </pc:spChg>
-      </pc:sldChg>
-      <pc:sldChg chg="modSp">
-        <pc:chgData name="Zhao Jin" userId="cd05a825-544c-438a-9ba1-08e63db50b47" providerId="ADAL" clId="{E094A0D3-9008-D44F-B23F-E71F39C2BDEC}" dt="2021-01-27T05:17:21.390" v="251" actId="20577"/>
-        <pc:sldMkLst>
-          <pc:docMk/>
-          <pc:sldMk cId="2438607696" sldId="468"/>
-        </pc:sldMkLst>
-        <pc:spChg chg="mod">
-          <ac:chgData name="Zhao Jin" userId="cd05a825-544c-438a-9ba1-08e63db50b47" providerId="ADAL" clId="{E094A0D3-9008-D44F-B23F-E71F39C2BDEC}" dt="2021-01-27T04:58:20.523" v="47"/>
-          <ac:spMkLst>
-            <pc:docMk/>
-            <pc:sldMk cId="2438607696" sldId="468"/>
-            <ac:spMk id="7" creationId="{00000000-0000-0000-0000-000000000000}"/>
-          </ac:spMkLst>
-        </pc:spChg>
-        <pc:spChg chg="mod">
-          <ac:chgData name="Zhao Jin" userId="cd05a825-544c-438a-9ba1-08e63db50b47" providerId="ADAL" clId="{E094A0D3-9008-D44F-B23F-E71F39C2BDEC}" dt="2021-01-27T04:57:50.314" v="46" actId="20577"/>
-          <ac:spMkLst>
-            <pc:docMk/>
-            <pc:sldMk cId="2438607696" sldId="468"/>
-            <ac:spMk id="14338" creationId="{00000000-0000-0000-0000-000000000000}"/>
-          </ac:spMkLst>
-        </pc:spChg>
-        <pc:spChg chg="mod">
-          <ac:chgData name="Zhao Jin" userId="cd05a825-544c-438a-9ba1-08e63db50b47" providerId="ADAL" clId="{E094A0D3-9008-D44F-B23F-E71F39C2BDEC}" dt="2021-01-27T05:17:21.390" v="251" actId="20577"/>
-          <ac:spMkLst>
-            <pc:docMk/>
-            <pc:sldMk cId="2438607696" sldId="468"/>
-            <ac:spMk id="14339" creationId="{00000000-0000-0000-0000-000000000000}"/>
-          </ac:spMkLst>
-        </pc:spChg>
-      </pc:sldChg>
-      <pc:sldChg chg="modSp">
-        <pc:chgData name="Zhao Jin" userId="cd05a825-544c-438a-9ba1-08e63db50b47" providerId="ADAL" clId="{E094A0D3-9008-D44F-B23F-E71F39C2BDEC}" dt="2021-01-27T04:58:20.523" v="47"/>
-        <pc:sldMkLst>
-          <pc:docMk/>
-          <pc:sldMk cId="1311126165" sldId="485"/>
-        </pc:sldMkLst>
-        <pc:spChg chg="mod">
-          <ac:chgData name="Zhao Jin" userId="cd05a825-544c-438a-9ba1-08e63db50b47" providerId="ADAL" clId="{E094A0D3-9008-D44F-B23F-E71F39C2BDEC}" dt="2021-01-27T04:58:20.523" v="47"/>
-          <ac:spMkLst>
-            <pc:docMk/>
-            <pc:sldMk cId="1311126165" sldId="485"/>
-            <ac:spMk id="9" creationId="{00000000-0000-0000-0000-000000000000}"/>
-          </ac:spMkLst>
-        </pc:spChg>
-      </pc:sldChg>
-      <pc:sldChg chg="modSp add">
-        <pc:chgData name="Zhao Jin" userId="cd05a825-544c-438a-9ba1-08e63db50b47" providerId="ADAL" clId="{E094A0D3-9008-D44F-B23F-E71F39C2BDEC}" dt="2021-01-27T05:17:26.077" v="252" actId="20577"/>
-        <pc:sldMkLst>
-          <pc:docMk/>
-          <pc:sldMk cId="3792232794" sldId="504"/>
-        </pc:sldMkLst>
-        <pc:spChg chg="mod">
-          <ac:chgData name="Zhao Jin" userId="cd05a825-544c-438a-9ba1-08e63db50b47" providerId="ADAL" clId="{E094A0D3-9008-D44F-B23F-E71F39C2BDEC}" dt="2021-01-27T05:14:34.766" v="156" actId="27636"/>
-          <ac:spMkLst>
-            <pc:docMk/>
-            <pc:sldMk cId="3792232794" sldId="504"/>
-            <ac:spMk id="8" creationId="{00000000-0000-0000-0000-000000000000}"/>
-          </ac:spMkLst>
-        </pc:spChg>
-        <pc:spChg chg="mod">
-          <ac:chgData name="Zhao Jin" userId="cd05a825-544c-438a-9ba1-08e63db50b47" providerId="ADAL" clId="{E094A0D3-9008-D44F-B23F-E71F39C2BDEC}" dt="2021-01-27T05:15:13.559" v="159" actId="113"/>
-          <ac:spMkLst>
-            <pc:docMk/>
-            <pc:sldMk cId="3792232794" sldId="504"/>
-            <ac:spMk id="47" creationId="{00000000-0000-0000-0000-000000000000}"/>
-          </ac:spMkLst>
-        </pc:spChg>
-        <pc:spChg chg="mod">
-          <ac:chgData name="Zhao Jin" userId="cd05a825-544c-438a-9ba1-08e63db50b47" providerId="ADAL" clId="{E094A0D3-9008-D44F-B23F-E71F39C2BDEC}" dt="2021-01-27T05:17:26.077" v="252" actId="20577"/>
-          <ac:spMkLst>
-            <pc:docMk/>
-            <pc:sldMk cId="3792232794" sldId="504"/>
-            <ac:spMk id="14338" creationId="{00000000-0000-0000-0000-000000000000}"/>
-          </ac:spMkLst>
-        </pc:spChg>
-      </pc:sldChg>
-      <pc:sldChg chg="modSp">
-        <pc:chgData name="Zhao Jin" userId="cd05a825-544c-438a-9ba1-08e63db50b47" providerId="ADAL" clId="{E094A0D3-9008-D44F-B23F-E71F39C2BDEC}" dt="2021-01-27T04:58:20.523" v="47"/>
-        <pc:sldMkLst>
-          <pc:docMk/>
-          <pc:sldMk cId="681224785" sldId="531"/>
-        </pc:sldMkLst>
-        <pc:spChg chg="mod">
-          <ac:chgData name="Zhao Jin" userId="cd05a825-544c-438a-9ba1-08e63db50b47" providerId="ADAL" clId="{E094A0D3-9008-D44F-B23F-E71F39C2BDEC}" dt="2021-01-27T04:58:20.523" v="47"/>
-          <ac:spMkLst>
-            <pc:docMk/>
-            <pc:sldMk cId="681224785" sldId="531"/>
-            <ac:spMk id="43" creationId="{00000000-0000-0000-0000-000000000000}"/>
-          </ac:spMkLst>
-        </pc:spChg>
-      </pc:sldChg>
-      <pc:sldChg chg="modSp del">
-        <pc:chgData name="Zhao Jin" userId="cd05a825-544c-438a-9ba1-08e63db50b47" providerId="ADAL" clId="{E094A0D3-9008-D44F-B23F-E71F39C2BDEC}" dt="2021-01-27T05:12:53.568" v="127" actId="2696"/>
-        <pc:sldMkLst>
-          <pc:docMk/>
-          <pc:sldMk cId="901453530" sldId="546"/>
-        </pc:sldMkLst>
-        <pc:spChg chg="mod">
-          <ac:chgData name="Zhao Jin" userId="cd05a825-544c-438a-9ba1-08e63db50b47" providerId="ADAL" clId="{E094A0D3-9008-D44F-B23F-E71F39C2BDEC}" dt="2021-01-27T04:58:20.523" v="47"/>
-          <ac:spMkLst>
-            <pc:docMk/>
-            <pc:sldMk cId="901453530" sldId="546"/>
-            <ac:spMk id="7" creationId="{00000000-0000-0000-0000-000000000000}"/>
-          </ac:spMkLst>
-        </pc:spChg>
-        <pc:spChg chg="mod">
-          <ac:chgData name="Zhao Jin" userId="cd05a825-544c-438a-9ba1-08e63db50b47" providerId="ADAL" clId="{E094A0D3-9008-D44F-B23F-E71F39C2BDEC}" dt="2021-01-27T05:10:30.946" v="126" actId="20577"/>
-          <ac:spMkLst>
-            <pc:docMk/>
-            <pc:sldMk cId="901453530" sldId="546"/>
-            <ac:spMk id="14338" creationId="{00000000-0000-0000-0000-000000000000}"/>
-          </ac:spMkLst>
-        </pc:spChg>
-      </pc:sldChg>
-      <pc:sldChg chg="modSp add">
-        <pc:chgData name="Zhao Jin" userId="cd05a825-544c-438a-9ba1-08e63db50b47" providerId="ADAL" clId="{E094A0D3-9008-D44F-B23F-E71F39C2BDEC}" dt="2021-01-27T05:17:29.706" v="253" actId="20577"/>
-        <pc:sldMkLst>
-          <pc:docMk/>
-          <pc:sldMk cId="4225956616" sldId="546"/>
-        </pc:sldMkLst>
-        <pc:spChg chg="mod">
-          <ac:chgData name="Zhao Jin" userId="cd05a825-544c-438a-9ba1-08e63db50b47" providerId="ADAL" clId="{E094A0D3-9008-D44F-B23F-E71F39C2BDEC}" dt="2021-01-27T05:15:19.785" v="160" actId="113"/>
-          <ac:spMkLst>
-            <pc:docMk/>
-            <pc:sldMk cId="4225956616" sldId="546"/>
-            <ac:spMk id="120" creationId="{00000000-0000-0000-0000-000000000000}"/>
-          </ac:spMkLst>
-        </pc:spChg>
-        <pc:spChg chg="mod">
-          <ac:chgData name="Zhao Jin" userId="cd05a825-544c-438a-9ba1-08e63db50b47" providerId="ADAL" clId="{E094A0D3-9008-D44F-B23F-E71F39C2BDEC}" dt="2021-01-27T05:17:29.706" v="253" actId="20577"/>
-          <ac:spMkLst>
-            <pc:docMk/>
-            <pc:sldMk cId="4225956616" sldId="546"/>
-            <ac:spMk id="14338" creationId="{00000000-0000-0000-0000-000000000000}"/>
-          </ac:spMkLst>
-        </pc:spChg>
-      </pc:sldChg>
-      <pc:sldChg chg="modSp del">
-        <pc:chgData name="Zhao Jin" userId="cd05a825-544c-438a-9ba1-08e63db50b47" providerId="ADAL" clId="{E094A0D3-9008-D44F-B23F-E71F39C2BDEC}" dt="2021-01-27T05:16:20.724" v="163" actId="2696"/>
-        <pc:sldMkLst>
-          <pc:docMk/>
-          <pc:sldMk cId="884841463" sldId="547"/>
-        </pc:sldMkLst>
-        <pc:spChg chg="mod">
-          <ac:chgData name="Zhao Jin" userId="cd05a825-544c-438a-9ba1-08e63db50b47" providerId="ADAL" clId="{E094A0D3-9008-D44F-B23F-E71F39C2BDEC}" dt="2021-01-27T04:58:20.523" v="47"/>
-          <ac:spMkLst>
-            <pc:docMk/>
-            <pc:sldMk cId="884841463" sldId="547"/>
-            <ac:spMk id="7" creationId="{00000000-0000-0000-0000-000000000000}"/>
-          </ac:spMkLst>
-        </pc:spChg>
-      </pc:sldChg>
-      <pc:sldChg chg="modSp">
-        <pc:chgData name="Zhao Jin" userId="cd05a825-544c-438a-9ba1-08e63db50b47" providerId="ADAL" clId="{E094A0D3-9008-D44F-B23F-E71F39C2BDEC}" dt="2021-01-27T04:58:20.523" v="47"/>
-        <pc:sldMkLst>
-          <pc:docMk/>
-          <pc:sldMk cId="1617257579" sldId="548"/>
-        </pc:sldMkLst>
-        <pc:spChg chg="mod">
-          <ac:chgData name="Zhao Jin" userId="cd05a825-544c-438a-9ba1-08e63db50b47" providerId="ADAL" clId="{E094A0D3-9008-D44F-B23F-E71F39C2BDEC}" dt="2021-01-27T04:58:20.523" v="47"/>
-          <ac:spMkLst>
-            <pc:docMk/>
-            <pc:sldMk cId="1617257579" sldId="548"/>
-            <ac:spMk id="7" creationId="{00000000-0000-0000-0000-000000000000}"/>
-          </ac:spMkLst>
-        </pc:spChg>
-      </pc:sldChg>
-      <pc:sldChg chg="modSp">
-        <pc:chgData name="Zhao Jin" userId="cd05a825-544c-438a-9ba1-08e63db50b47" providerId="ADAL" clId="{E094A0D3-9008-D44F-B23F-E71F39C2BDEC}" dt="2021-01-27T04:58:20.523" v="47"/>
-        <pc:sldMkLst>
-          <pc:docMk/>
-          <pc:sldMk cId="3394924879" sldId="549"/>
-        </pc:sldMkLst>
-        <pc:spChg chg="mod">
-          <ac:chgData name="Zhao Jin" userId="cd05a825-544c-438a-9ba1-08e63db50b47" providerId="ADAL" clId="{E094A0D3-9008-D44F-B23F-E71F39C2BDEC}" dt="2021-01-27T04:58:20.523" v="47"/>
-          <ac:spMkLst>
-            <pc:docMk/>
-            <pc:sldMk cId="3394924879" sldId="549"/>
-            <ac:spMk id="43" creationId="{00000000-0000-0000-0000-000000000000}"/>
-          </ac:spMkLst>
-        </pc:spChg>
-      </pc:sldChg>
-      <pc:sldChg chg="modSp">
-        <pc:chgData name="Zhao Jin" userId="cd05a825-544c-438a-9ba1-08e63db50b47" providerId="ADAL" clId="{E094A0D3-9008-D44F-B23F-E71F39C2BDEC}" dt="2021-01-27T04:58:20.523" v="47"/>
-        <pc:sldMkLst>
-          <pc:docMk/>
-          <pc:sldMk cId="784668950" sldId="550"/>
-        </pc:sldMkLst>
-        <pc:spChg chg="mod">
-          <ac:chgData name="Zhao Jin" userId="cd05a825-544c-438a-9ba1-08e63db50b47" providerId="ADAL" clId="{E094A0D3-9008-D44F-B23F-E71F39C2BDEC}" dt="2021-01-27T04:58:20.523" v="47"/>
-          <ac:spMkLst>
-            <pc:docMk/>
-            <pc:sldMk cId="784668950" sldId="550"/>
-            <ac:spMk id="43" creationId="{00000000-0000-0000-0000-000000000000}"/>
-          </ac:spMkLst>
-        </pc:spChg>
-      </pc:sldChg>
-      <pc:sldChg chg="modSp add del">
-        <pc:chgData name="Zhao Jin" userId="cd05a825-544c-438a-9ba1-08e63db50b47" providerId="ADAL" clId="{E094A0D3-9008-D44F-B23F-E71F39C2BDEC}" dt="2021-01-27T05:17:38.111" v="258" actId="2696"/>
-        <pc:sldMkLst>
-          <pc:docMk/>
-          <pc:sldMk cId="2538842699" sldId="551"/>
-        </pc:sldMkLst>
-        <pc:spChg chg="mod">
-          <ac:chgData name="Zhao Jin" userId="cd05a825-544c-438a-9ba1-08e63db50b47" providerId="ADAL" clId="{E094A0D3-9008-D44F-B23F-E71F39C2BDEC}" dt="2021-01-27T05:17:36.555" v="257" actId="20577"/>
-          <ac:spMkLst>
-            <pc:docMk/>
-            <pc:sldMk cId="2538842699" sldId="551"/>
-            <ac:spMk id="14338" creationId="{00000000-0000-0000-0000-000000000000}"/>
-          </ac:spMkLst>
-        </pc:spChg>
-      </pc:sldChg>
-      <pc:sldChg chg="addSp delSp modSp add delAnim">
-        <pc:chgData name="Zhao Jin" userId="cd05a825-544c-438a-9ba1-08e63db50b47" providerId="ADAL" clId="{E094A0D3-9008-D44F-B23F-E71F39C2BDEC}" dt="2021-01-27T05:22:23.124" v="370" actId="20577"/>
-        <pc:sldMkLst>
-          <pc:docMk/>
-          <pc:sldMk cId="3422194935" sldId="552"/>
-        </pc:sldMkLst>
-        <pc:spChg chg="mod">
-          <ac:chgData name="Zhao Jin" userId="cd05a825-544c-438a-9ba1-08e63db50b47" providerId="ADAL" clId="{E094A0D3-9008-D44F-B23F-E71F39C2BDEC}" dt="2021-01-27T05:22:23.124" v="370" actId="20577"/>
-          <ac:spMkLst>
-            <pc:docMk/>
-            <pc:sldMk cId="3422194935" sldId="552"/>
-            <ac:spMk id="8" creationId="{00000000-0000-0000-0000-000000000000}"/>
-          </ac:spMkLst>
-        </pc:spChg>
-        <pc:spChg chg="add del mod">
-          <ac:chgData name="Zhao Jin" userId="cd05a825-544c-438a-9ba1-08e63db50b47" providerId="ADAL" clId="{E094A0D3-9008-D44F-B23F-E71F39C2BDEC}" dt="2021-01-27T05:20:48.010" v="345" actId="478"/>
-          <ac:spMkLst>
-            <pc:docMk/>
-            <pc:sldMk cId="3422194935" sldId="552"/>
-            <ac:spMk id="84" creationId="{C4E05674-68A2-0D4E-8B47-F7A2C6A6B76F}"/>
-          </ac:spMkLst>
-        </pc:spChg>
-        <pc:spChg chg="mod">
-          <ac:chgData name="Zhao Jin" userId="cd05a825-544c-438a-9ba1-08e63db50b47" providerId="ADAL" clId="{E094A0D3-9008-D44F-B23F-E71F39C2BDEC}" dt="2021-01-27T05:17:40.396" v="259" actId="20577"/>
-          <ac:spMkLst>
-            <pc:docMk/>
-            <pc:sldMk cId="3422194935" sldId="552"/>
-            <ac:spMk id="14338" creationId="{00000000-0000-0000-0000-000000000000}"/>
-          </ac:spMkLst>
-        </pc:spChg>
-        <pc:grpChg chg="del">
-          <ac:chgData name="Zhao Jin" userId="cd05a825-544c-438a-9ba1-08e63db50b47" providerId="ADAL" clId="{E094A0D3-9008-D44F-B23F-E71F39C2BDEC}" dt="2021-01-27T05:16:32.725" v="165" actId="478"/>
-          <ac:grpSpMkLst>
-            <pc:docMk/>
-            <pc:sldMk cId="3422194935" sldId="552"/>
-            <ac:grpSpMk id="86" creationId="{00000000-0000-0000-0000-000000000000}"/>
-          </ac:grpSpMkLst>
-        </pc:grpChg>
-        <pc:grpChg chg="del">
-          <ac:chgData name="Zhao Jin" userId="cd05a825-544c-438a-9ba1-08e63db50b47" providerId="ADAL" clId="{E094A0D3-9008-D44F-B23F-E71F39C2BDEC}" dt="2021-01-27T05:16:27.485" v="164" actId="478"/>
-          <ac:grpSpMkLst>
-            <pc:docMk/>
-            <pc:sldMk cId="3422194935" sldId="552"/>
-            <ac:grpSpMk id="91" creationId="{00000000-0000-0000-0000-000000000000}"/>
-          </ac:grpSpMkLst>
-        </pc:grpChg>
-        <pc:grpChg chg="del">
-          <ac:chgData name="Zhao Jin" userId="cd05a825-544c-438a-9ba1-08e63db50b47" providerId="ADAL" clId="{E094A0D3-9008-D44F-B23F-E71F39C2BDEC}" dt="2021-01-27T05:16:27.485" v="164" actId="478"/>
-          <ac:grpSpMkLst>
-            <pc:docMk/>
-            <pc:sldMk cId="3422194935" sldId="552"/>
-            <ac:grpSpMk id="94" creationId="{00000000-0000-0000-0000-000000000000}"/>
-          </ac:grpSpMkLst>
-        </pc:grpChg>
-        <pc:grpChg chg="del">
-          <ac:chgData name="Zhao Jin" userId="cd05a825-544c-438a-9ba1-08e63db50b47" providerId="ADAL" clId="{E094A0D3-9008-D44F-B23F-E71F39C2BDEC}" dt="2021-01-27T05:16:27.485" v="164" actId="478"/>
-          <ac:grpSpMkLst>
-            <pc:docMk/>
-            <pc:sldMk cId="3422194935" sldId="552"/>
-            <ac:grpSpMk id="97" creationId="{00000000-0000-0000-0000-000000000000}"/>
-          </ac:grpSpMkLst>
-        </pc:grpChg>
-        <pc:grpChg chg="del">
-          <ac:chgData name="Zhao Jin" userId="cd05a825-544c-438a-9ba1-08e63db50b47" providerId="ADAL" clId="{E094A0D3-9008-D44F-B23F-E71F39C2BDEC}" dt="2021-01-27T05:16:27.485" v="164" actId="478"/>
-          <ac:grpSpMkLst>
-            <pc:docMk/>
-            <pc:sldMk cId="3422194935" sldId="552"/>
-            <ac:grpSpMk id="100" creationId="{00000000-0000-0000-0000-000000000000}"/>
-          </ac:grpSpMkLst>
-        </pc:grpChg>
-        <pc:grpChg chg="del">
-          <ac:chgData name="Zhao Jin" userId="cd05a825-544c-438a-9ba1-08e63db50b47" providerId="ADAL" clId="{E094A0D3-9008-D44F-B23F-E71F39C2BDEC}" dt="2021-01-27T05:16:27.485" v="164" actId="478"/>
-          <ac:grpSpMkLst>
-            <pc:docMk/>
-            <pc:sldMk cId="3422194935" sldId="552"/>
-            <ac:grpSpMk id="103" creationId="{00000000-0000-0000-0000-000000000000}"/>
-          </ac:grpSpMkLst>
-        </pc:grpChg>
-        <pc:grpChg chg="del">
-          <ac:chgData name="Zhao Jin" userId="cd05a825-544c-438a-9ba1-08e63db50b47" providerId="ADAL" clId="{E094A0D3-9008-D44F-B23F-E71F39C2BDEC}" dt="2021-01-27T05:16:27.485" v="164" actId="478"/>
-          <ac:grpSpMkLst>
-            <pc:docMk/>
-            <pc:sldMk cId="3422194935" sldId="552"/>
-            <ac:grpSpMk id="106" creationId="{00000000-0000-0000-0000-000000000000}"/>
-          </ac:grpSpMkLst>
-        </pc:grpChg>
-        <pc:grpChg chg="del">
-          <ac:chgData name="Zhao Jin" userId="cd05a825-544c-438a-9ba1-08e63db50b47" providerId="ADAL" clId="{E094A0D3-9008-D44F-B23F-E71F39C2BDEC}" dt="2021-01-27T05:16:32.725" v="165" actId="478"/>
-          <ac:grpSpMkLst>
-            <pc:docMk/>
-            <pc:sldMk cId="3422194935" sldId="552"/>
-            <ac:grpSpMk id="109" creationId="{00000000-0000-0000-0000-000000000000}"/>
-          </ac:grpSpMkLst>
-        </pc:grpChg>
-        <pc:grpChg chg="del">
-          <ac:chgData name="Zhao Jin" userId="cd05a825-544c-438a-9ba1-08e63db50b47" providerId="ADAL" clId="{E094A0D3-9008-D44F-B23F-E71F39C2BDEC}" dt="2021-01-27T05:16:32.725" v="165" actId="478"/>
-          <ac:grpSpMkLst>
-            <pc:docMk/>
-            <pc:sldMk cId="3422194935" sldId="552"/>
-            <ac:grpSpMk id="112" creationId="{00000000-0000-0000-0000-000000000000}"/>
-          </ac:grpSpMkLst>
-        </pc:grpChg>
-        <pc:grpChg chg="del">
-          <ac:chgData name="Zhao Jin" userId="cd05a825-544c-438a-9ba1-08e63db50b47" providerId="ADAL" clId="{E094A0D3-9008-D44F-B23F-E71F39C2BDEC}" dt="2021-01-27T05:16:32.725" v="165" actId="478"/>
-          <ac:grpSpMkLst>
-            <pc:docMk/>
-            <pc:sldMk cId="3422194935" sldId="552"/>
-            <ac:grpSpMk id="115" creationId="{00000000-0000-0000-0000-000000000000}"/>
-          </ac:grpSpMkLst>
-        </pc:grpChg>
-        <pc:grpChg chg="del">
-          <ac:chgData name="Zhao Jin" userId="cd05a825-544c-438a-9ba1-08e63db50b47" providerId="ADAL" clId="{E094A0D3-9008-D44F-B23F-E71F39C2BDEC}" dt="2021-01-27T05:16:27.485" v="164" actId="478"/>
-          <ac:grpSpMkLst>
-            <pc:docMk/>
-            <pc:sldMk cId="3422194935" sldId="552"/>
-            <ac:grpSpMk id="118" creationId="{00000000-0000-0000-0000-000000000000}"/>
-          </ac:grpSpMkLst>
-        </pc:grpChg>
-        <pc:grpChg chg="del">
-          <ac:chgData name="Zhao Jin" userId="cd05a825-544c-438a-9ba1-08e63db50b47" providerId="ADAL" clId="{E094A0D3-9008-D44F-B23F-E71F39C2BDEC}" dt="2021-01-27T05:16:27.485" v="164" actId="478"/>
-          <ac:grpSpMkLst>
-            <pc:docMk/>
-            <pc:sldMk cId="3422194935" sldId="552"/>
-            <ac:grpSpMk id="121" creationId="{00000000-0000-0000-0000-000000000000}"/>
-          </ac:grpSpMkLst>
-        </pc:grpChg>
-        <pc:grpChg chg="del">
-          <ac:chgData name="Zhao Jin" userId="cd05a825-544c-438a-9ba1-08e63db50b47" providerId="ADAL" clId="{E094A0D3-9008-D44F-B23F-E71F39C2BDEC}" dt="2021-01-27T05:16:27.485" v="164" actId="478"/>
-          <ac:grpSpMkLst>
-            <pc:docMk/>
-            <pc:sldMk cId="3422194935" sldId="552"/>
-            <ac:grpSpMk id="124" creationId="{00000000-0000-0000-0000-000000000000}"/>
-          </ac:grpSpMkLst>
-        </pc:grpChg>
-        <pc:grpChg chg="del">
-          <ac:chgData name="Zhao Jin" userId="cd05a825-544c-438a-9ba1-08e63db50b47" providerId="ADAL" clId="{E094A0D3-9008-D44F-B23F-E71F39C2BDEC}" dt="2021-01-27T05:16:27.485" v="164" actId="478"/>
-          <ac:grpSpMkLst>
-            <pc:docMk/>
-            <pc:sldMk cId="3422194935" sldId="552"/>
-            <ac:grpSpMk id="127" creationId="{00000000-0000-0000-0000-000000000000}"/>
-          </ac:grpSpMkLst>
-        </pc:grpChg>
-        <pc:grpChg chg="del">
-          <ac:chgData name="Zhao Jin" userId="cd05a825-544c-438a-9ba1-08e63db50b47" providerId="ADAL" clId="{E094A0D3-9008-D44F-B23F-E71F39C2BDEC}" dt="2021-01-27T05:16:27.485" v="164" actId="478"/>
-          <ac:grpSpMkLst>
-            <pc:docMk/>
-            <pc:sldMk cId="3422194935" sldId="552"/>
-            <ac:grpSpMk id="130" creationId="{00000000-0000-0000-0000-000000000000}"/>
-          </ac:grpSpMkLst>
-        </pc:grpChg>
-        <pc:grpChg chg="del">
-          <ac:chgData name="Zhao Jin" userId="cd05a825-544c-438a-9ba1-08e63db50b47" providerId="ADAL" clId="{E094A0D3-9008-D44F-B23F-E71F39C2BDEC}" dt="2021-01-27T05:16:27.485" v="164" actId="478"/>
-          <ac:grpSpMkLst>
-            <pc:docMk/>
-            <pc:sldMk cId="3422194935" sldId="552"/>
-            <ac:grpSpMk id="136" creationId="{00000000-0000-0000-0000-000000000000}"/>
-          </ac:grpSpMkLst>
-        </pc:grpChg>
-        <pc:grpChg chg="del">
-          <ac:chgData name="Zhao Jin" userId="cd05a825-544c-438a-9ba1-08e63db50b47" providerId="ADAL" clId="{E094A0D3-9008-D44F-B23F-E71F39C2BDEC}" dt="2021-01-27T05:16:27.485" v="164" actId="478"/>
-          <ac:grpSpMkLst>
-            <pc:docMk/>
-            <pc:sldMk cId="3422194935" sldId="552"/>
-            <ac:grpSpMk id="144" creationId="{00000000-0000-0000-0000-000000000000}"/>
-          </ac:grpSpMkLst>
-        </pc:grpChg>
-        <pc:grpChg chg="del">
-          <ac:chgData name="Zhao Jin" userId="cd05a825-544c-438a-9ba1-08e63db50b47" providerId="ADAL" clId="{E094A0D3-9008-D44F-B23F-E71F39C2BDEC}" dt="2021-01-27T05:16:27.485" v="164" actId="478"/>
-          <ac:grpSpMkLst>
-            <pc:docMk/>
-            <pc:sldMk cId="3422194935" sldId="552"/>
-            <ac:grpSpMk id="152" creationId="{00000000-0000-0000-0000-000000000000}"/>
-          </ac:grpSpMkLst>
-        </pc:grpChg>
-        <pc:grpChg chg="del">
-          <ac:chgData name="Zhao Jin" userId="cd05a825-544c-438a-9ba1-08e63db50b47" providerId="ADAL" clId="{E094A0D3-9008-D44F-B23F-E71F39C2BDEC}" dt="2021-01-27T05:16:27.485" v="164" actId="478"/>
-          <ac:grpSpMkLst>
-            <pc:docMk/>
-            <pc:sldMk cId="3422194935" sldId="552"/>
-            <ac:grpSpMk id="156" creationId="{00000000-0000-0000-0000-000000000000}"/>
-          </ac:grpSpMkLst>
-        </pc:grpChg>
-        <pc:picChg chg="add mod modCrop">
-          <ac:chgData name="Zhao Jin" userId="cd05a825-544c-438a-9ba1-08e63db50b47" providerId="ADAL" clId="{E094A0D3-9008-D44F-B23F-E71F39C2BDEC}" dt="2021-01-27T05:20:55.481" v="348" actId="1076"/>
-          <ac:picMkLst>
-            <pc:docMk/>
-            <pc:sldMk cId="3422194935" sldId="552"/>
-            <ac:picMk id="3" creationId="{78D60D94-825A-D54F-ACF5-EA46D7263418}"/>
-          </ac:picMkLst>
-        </pc:picChg>
-        <pc:cxnChg chg="del mod">
-          <ac:chgData name="Zhao Jin" userId="cd05a825-544c-438a-9ba1-08e63db50b47" providerId="ADAL" clId="{E094A0D3-9008-D44F-B23F-E71F39C2BDEC}" dt="2021-01-27T05:16:27.485" v="164" actId="478"/>
-          <ac:cxnSpMkLst>
-            <pc:docMk/>
-            <pc:sldMk cId="3422194935" sldId="552"/>
-            <ac:cxnSpMk id="135" creationId="{00000000-0000-0000-0000-000000000000}"/>
-          </ac:cxnSpMkLst>
-        </pc:cxnChg>
-        <pc:cxnChg chg="del">
-          <ac:chgData name="Zhao Jin" userId="cd05a825-544c-438a-9ba1-08e63db50b47" providerId="ADAL" clId="{E094A0D3-9008-D44F-B23F-E71F39C2BDEC}" dt="2021-01-27T05:16:27.485" v="164" actId="478"/>
-          <ac:cxnSpMkLst>
-            <pc:docMk/>
-            <pc:sldMk cId="3422194935" sldId="552"/>
-            <ac:cxnSpMk id="141" creationId="{00000000-0000-0000-0000-000000000000}"/>
-          </ac:cxnSpMkLst>
-        </pc:cxnChg>
-        <pc:cxnChg chg="del">
-          <ac:chgData name="Zhao Jin" userId="cd05a825-544c-438a-9ba1-08e63db50b47" providerId="ADAL" clId="{E094A0D3-9008-D44F-B23F-E71F39C2BDEC}" dt="2021-01-27T05:16:27.485" v="164" actId="478"/>
-          <ac:cxnSpMkLst>
-            <pc:docMk/>
-            <pc:sldMk cId="3422194935" sldId="552"/>
-            <ac:cxnSpMk id="142" creationId="{00000000-0000-0000-0000-000000000000}"/>
-          </ac:cxnSpMkLst>
-        </pc:cxnChg>
-        <pc:cxnChg chg="del">
-          <ac:chgData name="Zhao Jin" userId="cd05a825-544c-438a-9ba1-08e63db50b47" providerId="ADAL" clId="{E094A0D3-9008-D44F-B23F-E71F39C2BDEC}" dt="2021-01-27T05:16:27.485" v="164" actId="478"/>
-          <ac:cxnSpMkLst>
-            <pc:docMk/>
-            <pc:sldMk cId="3422194935" sldId="552"/>
-            <ac:cxnSpMk id="143" creationId="{00000000-0000-0000-0000-000000000000}"/>
-          </ac:cxnSpMkLst>
-        </pc:cxnChg>
-        <pc:cxnChg chg="del">
-          <ac:chgData name="Zhao Jin" userId="cd05a825-544c-438a-9ba1-08e63db50b47" providerId="ADAL" clId="{E094A0D3-9008-D44F-B23F-E71F39C2BDEC}" dt="2021-01-27T05:16:32.725" v="165" actId="478"/>
-          <ac:cxnSpMkLst>
-            <pc:docMk/>
-            <pc:sldMk cId="3422194935" sldId="552"/>
-            <ac:cxnSpMk id="149" creationId="{00000000-0000-0000-0000-000000000000}"/>
-          </ac:cxnSpMkLst>
-        </pc:cxnChg>
-        <pc:cxnChg chg="del">
-          <ac:chgData name="Zhao Jin" userId="cd05a825-544c-438a-9ba1-08e63db50b47" providerId="ADAL" clId="{E094A0D3-9008-D44F-B23F-E71F39C2BDEC}" dt="2021-01-27T05:16:32.725" v="165" actId="478"/>
-          <ac:cxnSpMkLst>
-            <pc:docMk/>
-            <pc:sldMk cId="3422194935" sldId="552"/>
-            <ac:cxnSpMk id="150" creationId="{00000000-0000-0000-0000-000000000000}"/>
-          </ac:cxnSpMkLst>
-        </pc:cxnChg>
-        <pc:cxnChg chg="del">
-          <ac:chgData name="Zhao Jin" userId="cd05a825-544c-438a-9ba1-08e63db50b47" providerId="ADAL" clId="{E094A0D3-9008-D44F-B23F-E71F39C2BDEC}" dt="2021-01-27T05:16:27.485" v="164" actId="478"/>
-          <ac:cxnSpMkLst>
-            <pc:docMk/>
-            <pc:sldMk cId="3422194935" sldId="552"/>
-            <ac:cxnSpMk id="151" creationId="{00000000-0000-0000-0000-000000000000}"/>
-          </ac:cxnSpMkLst>
-        </pc:cxnChg>
-      </pc:sldChg>
-      <pc:sldChg chg="add del">
-        <pc:chgData name="Zhao Jin" userId="cd05a825-544c-438a-9ba1-08e63db50b47" providerId="ADAL" clId="{E094A0D3-9008-D44F-B23F-E71F39C2BDEC}" dt="2021-01-27T05:18:00.826" v="262"/>
-        <pc:sldMkLst>
-          <pc:docMk/>
-          <pc:sldMk cId="153180961" sldId="553"/>
-        </pc:sldMkLst>
-      </pc:sldChg>
-      <pc:sldChg chg="modSp add">
-        <pc:chgData name="Zhao Jin" userId="cd05a825-544c-438a-9ba1-08e63db50b47" providerId="ADAL" clId="{E094A0D3-9008-D44F-B23F-E71F39C2BDEC}" dt="2021-01-27T05:33:55.712" v="791" actId="14100"/>
-        <pc:sldMkLst>
-          <pc:docMk/>
-          <pc:sldMk cId="1427618944" sldId="553"/>
-        </pc:sldMkLst>
-        <pc:spChg chg="mod">
-          <ac:chgData name="Zhao Jin" userId="cd05a825-544c-438a-9ba1-08e63db50b47" providerId="ADAL" clId="{E094A0D3-9008-D44F-B23F-E71F39C2BDEC}" dt="2021-01-27T05:33:55.712" v="791" actId="14100"/>
-          <ac:spMkLst>
-            <pc:docMk/>
-            <pc:sldMk cId="1427618944" sldId="553"/>
-            <ac:spMk id="84" creationId="{C4E05674-68A2-0D4E-8B47-F7A2C6A6B76F}"/>
-          </ac:spMkLst>
-        </pc:spChg>
-        <pc:picChg chg="mod">
-          <ac:chgData name="Zhao Jin" userId="cd05a825-544c-438a-9ba1-08e63db50b47" providerId="ADAL" clId="{E094A0D3-9008-D44F-B23F-E71F39C2BDEC}" dt="2021-01-27T05:21:27.060" v="366" actId="1076"/>
-          <ac:picMkLst>
-            <pc:docMk/>
-            <pc:sldMk cId="1427618944" sldId="553"/>
-            <ac:picMk id="3" creationId="{78D60D94-825A-D54F-ACF5-EA46D7263418}"/>
-          </ac:picMkLst>
-        </pc:picChg>
-      </pc:sldChg>
-      <pc:sldChg chg="addSp delSp modSp add ord delAnim modAnim">
-        <pc:chgData name="Zhao Jin" userId="cd05a825-544c-438a-9ba1-08e63db50b47" providerId="ADAL" clId="{E094A0D3-9008-D44F-B23F-E71F39C2BDEC}" dt="2021-01-27T05:37:50.456" v="1042" actId="1035"/>
-        <pc:sldMkLst>
-          <pc:docMk/>
-          <pc:sldMk cId="1659983766" sldId="554"/>
-        </pc:sldMkLst>
-        <pc:spChg chg="del">
-          <ac:chgData name="Zhao Jin" userId="cd05a825-544c-438a-9ba1-08e63db50b47" providerId="ADAL" clId="{E094A0D3-9008-D44F-B23F-E71F39C2BDEC}" dt="2021-01-27T05:24:43.231" v="381" actId="478"/>
-          <ac:spMkLst>
-            <pc:docMk/>
-            <pc:sldMk cId="1659983766" sldId="554"/>
-            <ac:spMk id="11" creationId="{00000000-0000-0000-0000-000000000000}"/>
-          </ac:spMkLst>
-        </pc:spChg>
-        <pc:spChg chg="del">
-          <ac:chgData name="Zhao Jin" userId="cd05a825-544c-438a-9ba1-08e63db50b47" providerId="ADAL" clId="{E094A0D3-9008-D44F-B23F-E71F39C2BDEC}" dt="2021-01-27T05:24:35.188" v="376" actId="478"/>
-          <ac:spMkLst>
-            <pc:docMk/>
-            <pc:sldMk cId="1659983766" sldId="554"/>
-            <ac:spMk id="13" creationId="{00000000-0000-0000-0000-000000000000}"/>
-          </ac:spMkLst>
-        </pc:spChg>
-        <pc:spChg chg="del mod">
-          <ac:chgData name="Zhao Jin" userId="cd05a825-544c-438a-9ba1-08e63db50b47" providerId="ADAL" clId="{E094A0D3-9008-D44F-B23F-E71F39C2BDEC}" dt="2021-01-27T05:27:49.217" v="613" actId="478"/>
-          <ac:spMkLst>
-            <pc:docMk/>
-            <pc:sldMk cId="1659983766" sldId="554"/>
-            <ac:spMk id="14" creationId="{00000000-0000-0000-0000-000000000000}"/>
-          </ac:spMkLst>
-        </pc:spChg>
-        <pc:spChg chg="del">
-          <ac:chgData name="Zhao Jin" userId="cd05a825-544c-438a-9ba1-08e63db50b47" providerId="ADAL" clId="{E094A0D3-9008-D44F-B23F-E71F39C2BDEC}" dt="2021-01-27T05:24:33.113" v="375" actId="478"/>
-          <ac:spMkLst>
-            <pc:docMk/>
-            <pc:sldMk cId="1659983766" sldId="554"/>
-            <ac:spMk id="15" creationId="{00000000-0000-0000-0000-000000000000}"/>
-          </ac:spMkLst>
-        </pc:spChg>
-        <pc:spChg chg="mod">
-          <ac:chgData name="Zhao Jin" userId="cd05a825-544c-438a-9ba1-08e63db50b47" providerId="ADAL" clId="{E094A0D3-9008-D44F-B23F-E71F39C2BDEC}" dt="2021-01-27T05:37:50.456" v="1042" actId="1035"/>
-          <ac:spMkLst>
-            <pc:docMk/>
-            <pc:sldMk cId="1659983766" sldId="554"/>
-            <ac:spMk id="16" creationId="{00000000-0000-0000-0000-000000000000}"/>
-          </ac:spMkLst>
-        </pc:spChg>
-        <pc:spChg chg="del">
-          <ac:chgData name="Zhao Jin" userId="cd05a825-544c-438a-9ba1-08e63db50b47" providerId="ADAL" clId="{E094A0D3-9008-D44F-B23F-E71F39C2BDEC}" dt="2021-01-27T05:24:46.336" v="382" actId="478"/>
-          <ac:spMkLst>
-            <pc:docMk/>
-            <pc:sldMk cId="1659983766" sldId="554"/>
-            <ac:spMk id="17" creationId="{00000000-0000-0000-0000-000000000000}"/>
-          </ac:spMkLst>
-        </pc:spChg>
-        <pc:spChg chg="del">
-          <ac:chgData name="Zhao Jin" userId="cd05a825-544c-438a-9ba1-08e63db50b47" providerId="ADAL" clId="{E094A0D3-9008-D44F-B23F-E71F39C2BDEC}" dt="2021-01-27T05:24:41.620" v="380" actId="478"/>
-          <ac:spMkLst>
-            <pc:docMk/>
-            <pc:sldMk cId="1659983766" sldId="554"/>
-            <ac:spMk id="18" creationId="{00000000-0000-0000-0000-000000000000}"/>
-          </ac:spMkLst>
-        </pc:spChg>
-        <pc:spChg chg="mod">
-          <ac:chgData name="Zhao Jin" userId="cd05a825-544c-438a-9ba1-08e63db50b47" providerId="ADAL" clId="{E094A0D3-9008-D44F-B23F-E71F39C2BDEC}" dt="2021-01-27T05:31:04.899" v="719" actId="20577"/>
-          <ac:spMkLst>
-            <pc:docMk/>
-            <pc:sldMk cId="1659983766" sldId="554"/>
-            <ac:spMk id="34" creationId="{00000000-0000-0000-0000-000000000000}"/>
-          </ac:spMkLst>
-        </pc:spChg>
-        <pc:spChg chg="del mod">
-          <ac:chgData name="Zhao Jin" userId="cd05a825-544c-438a-9ba1-08e63db50b47" providerId="ADAL" clId="{E094A0D3-9008-D44F-B23F-E71F39C2BDEC}" dt="2021-01-27T05:24:40.087" v="379" actId="478"/>
-          <ac:spMkLst>
-            <pc:docMk/>
-            <pc:sldMk cId="1659983766" sldId="554"/>
-            <ac:spMk id="48" creationId="{00000000-0000-0000-0000-000000000000}"/>
-          </ac:spMkLst>
-        </pc:spChg>
-        <pc:spChg chg="add mod">
-          <ac:chgData name="Zhao Jin" userId="cd05a825-544c-438a-9ba1-08e63db50b47" providerId="ADAL" clId="{E094A0D3-9008-D44F-B23F-E71F39C2BDEC}" dt="2021-01-27T05:35:32.267" v="828" actId="1035"/>
-          <ac:spMkLst>
-            <pc:docMk/>
-            <pc:sldMk cId="1659983766" sldId="554"/>
-            <ac:spMk id="49" creationId="{21EEE82A-4DB6-1D4F-9A03-5951F440FE93}"/>
-          </ac:spMkLst>
-        </pc:spChg>
-        <pc:spChg chg="add mod">
-          <ac:chgData name="Zhao Jin" userId="cd05a825-544c-438a-9ba1-08e63db50b47" providerId="ADAL" clId="{E094A0D3-9008-D44F-B23F-E71F39C2BDEC}" dt="2021-01-27T05:37:45.636" v="1033" actId="139"/>
-          <ac:spMkLst>
-            <pc:docMk/>
-            <pc:sldMk cId="1659983766" sldId="554"/>
-            <ac:spMk id="50" creationId="{6A68E681-1A88-9040-8F49-07716663CAA5}"/>
-          </ac:spMkLst>
-        </pc:spChg>
-        <pc:spChg chg="mod">
-          <ac:chgData name="Zhao Jin" userId="cd05a825-544c-438a-9ba1-08e63db50b47" providerId="ADAL" clId="{E094A0D3-9008-D44F-B23F-E71F39C2BDEC}" dt="2021-01-27T05:24:26.093" v="374" actId="20577"/>
-          <ac:spMkLst>
-            <pc:docMk/>
-            <pc:sldMk cId="1659983766" sldId="554"/>
-            <ac:spMk id="14338" creationId="{00000000-0000-0000-0000-000000000000}"/>
-          </ac:spMkLst>
-        </pc:spChg>
-        <pc:grpChg chg="del">
-          <ac:chgData name="Zhao Jin" userId="cd05a825-544c-438a-9ba1-08e63db50b47" providerId="ADAL" clId="{E094A0D3-9008-D44F-B23F-E71F39C2BDEC}" dt="2021-01-27T05:24:36.894" v="377" actId="478"/>
-          <ac:grpSpMkLst>
-            <pc:docMk/>
-            <pc:sldMk cId="1659983766" sldId="554"/>
-            <ac:grpSpMk id="19" creationId="{00000000-0000-0000-0000-000000000000}"/>
-          </ac:grpSpMkLst>
-        </pc:grpChg>
-        <pc:grpChg chg="mod">
-          <ac:chgData name="Zhao Jin" userId="cd05a825-544c-438a-9ba1-08e63db50b47" providerId="ADAL" clId="{E094A0D3-9008-D44F-B23F-E71F39C2BDEC}" dt="2021-01-27T05:36:20.397" v="880" actId="1076"/>
-          <ac:grpSpMkLst>
-            <pc:docMk/>
-            <pc:sldMk cId="1659983766" sldId="554"/>
-            <ac:grpSpMk id="31" creationId="{00000000-0000-0000-0000-000000000000}"/>
-          </ac:grpSpMkLst>
-        </pc:grpChg>
-        <pc:cxnChg chg="mod">
-          <ac:chgData name="Zhao Jin" userId="cd05a825-544c-438a-9ba1-08e63db50b47" providerId="ADAL" clId="{E094A0D3-9008-D44F-B23F-E71F39C2BDEC}" dt="2021-01-27T05:24:36.894" v="377" actId="478"/>
-          <ac:cxnSpMkLst>
-            <pc:docMk/>
-            <pc:sldMk cId="1659983766" sldId="554"/>
-            <ac:cxnSpMk id="21" creationId="{00000000-0000-0000-0000-000000000000}"/>
-          </ac:cxnSpMkLst>
-        </pc:cxnChg>
-        <pc:cxnChg chg="mod">
-          <ac:chgData name="Zhao Jin" userId="cd05a825-544c-438a-9ba1-08e63db50b47" providerId="ADAL" clId="{E094A0D3-9008-D44F-B23F-E71F39C2BDEC}" dt="2021-01-27T05:24:36.894" v="377" actId="478"/>
-          <ac:cxnSpMkLst>
-            <pc:docMk/>
-            <pc:sldMk cId="1659983766" sldId="554"/>
-            <ac:cxnSpMk id="23" creationId="{00000000-0000-0000-0000-000000000000}"/>
-          </ac:cxnSpMkLst>
-        </pc:cxnChg>
-        <pc:cxnChg chg="mod">
-          <ac:chgData name="Zhao Jin" userId="cd05a825-544c-438a-9ba1-08e63db50b47" providerId="ADAL" clId="{E094A0D3-9008-D44F-B23F-E71F39C2BDEC}" dt="2021-01-27T05:24:36.894" v="377" actId="478"/>
-          <ac:cxnSpMkLst>
-            <pc:docMk/>
-            <pc:sldMk cId="1659983766" sldId="554"/>
-            <ac:cxnSpMk id="28" creationId="{00000000-0000-0000-0000-000000000000}"/>
-          </ac:cxnSpMkLst>
-        </pc:cxnChg>
-        <pc:cxnChg chg="mod">
-          <ac:chgData name="Zhao Jin" userId="cd05a825-544c-438a-9ba1-08e63db50b47" providerId="ADAL" clId="{E094A0D3-9008-D44F-B23F-E71F39C2BDEC}" dt="2021-01-27T05:24:36.894" v="377" actId="478"/>
-          <ac:cxnSpMkLst>
-            <pc:docMk/>
-            <pc:sldMk cId="1659983766" sldId="554"/>
-            <ac:cxnSpMk id="29" creationId="{00000000-0000-0000-0000-000000000000}"/>
-          </ac:cxnSpMkLst>
-        </pc:cxnChg>
-        <pc:cxnChg chg="mod">
-          <ac:chgData name="Zhao Jin" userId="cd05a825-544c-438a-9ba1-08e63db50b47" providerId="ADAL" clId="{E094A0D3-9008-D44F-B23F-E71F39C2BDEC}" dt="2021-01-27T05:30:33.903" v="698" actId="14100"/>
-          <ac:cxnSpMkLst>
-            <pc:docMk/>
-            <pc:sldMk cId="1659983766" sldId="554"/>
-            <ac:cxnSpMk id="40" creationId="{00000000-0000-0000-0000-000000000000}"/>
-          </ac:cxnSpMkLst>
-        </pc:cxnChg>
-      </pc:sldChg>
-      <pc:sldChg chg="addSp delSp modSp add">
-        <pc:chgData name="Zhao Jin" userId="cd05a825-544c-438a-9ba1-08e63db50b47" providerId="ADAL" clId="{E094A0D3-9008-D44F-B23F-E71F39C2BDEC}" dt="2021-01-27T05:44:46" v="1434" actId="207"/>
-        <pc:sldMkLst>
-          <pc:docMk/>
-          <pc:sldMk cId="1268238251" sldId="555"/>
-        </pc:sldMkLst>
-        <pc:spChg chg="del">
-          <ac:chgData name="Zhao Jin" userId="cd05a825-544c-438a-9ba1-08e63db50b47" providerId="ADAL" clId="{E094A0D3-9008-D44F-B23F-E71F39C2BDEC}" dt="2021-01-27T05:35:16.592" v="820" actId="478"/>
-          <ac:spMkLst>
-            <pc:docMk/>
-            <pc:sldMk cId="1268238251" sldId="555"/>
-            <ac:spMk id="16" creationId="{00000000-0000-0000-0000-000000000000}"/>
-          </ac:spMkLst>
-        </pc:spChg>
-        <pc:spChg chg="add mod">
-          <ac:chgData name="Zhao Jin" userId="cd05a825-544c-438a-9ba1-08e63db50b47" providerId="ADAL" clId="{E094A0D3-9008-D44F-B23F-E71F39C2BDEC}" dt="2021-01-27T05:44:46" v="1434" actId="207"/>
-          <ac:spMkLst>
-            <pc:docMk/>
-            <pc:sldMk cId="1268238251" sldId="555"/>
-            <ac:spMk id="25" creationId="{F43FC8C1-7270-804E-9F1F-0B4AED0CEA28}"/>
-          </ac:spMkLst>
-        </pc:spChg>
-        <pc:spChg chg="add mod">
-          <ac:chgData name="Zhao Jin" userId="cd05a825-544c-438a-9ba1-08e63db50b47" providerId="ADAL" clId="{E094A0D3-9008-D44F-B23F-E71F39C2BDEC}" dt="2021-01-27T05:44:16.318" v="1429" actId="14100"/>
-          <ac:spMkLst>
-            <pc:docMk/>
-            <pc:sldMk cId="1268238251" sldId="555"/>
-            <ac:spMk id="26" creationId="{D54C351E-DA02-A443-8515-857077895051}"/>
-          </ac:spMkLst>
-        </pc:spChg>
-        <pc:spChg chg="add mod">
-          <ac:chgData name="Zhao Jin" userId="cd05a825-544c-438a-9ba1-08e63db50b47" providerId="ADAL" clId="{E094A0D3-9008-D44F-B23F-E71F39C2BDEC}" dt="2021-01-27T05:41:58.527" v="1301" actId="1036"/>
-          <ac:spMkLst>
-            <pc:docMk/>
-            <pc:sldMk cId="1268238251" sldId="555"/>
-            <ac:spMk id="27" creationId="{367D5355-0C55-2E48-9F4B-AB4FC9100A05}"/>
-          </ac:spMkLst>
-        </pc:spChg>
-        <pc:spChg chg="add del mod">
-          <ac:chgData name="Zhao Jin" userId="cd05a825-544c-438a-9ba1-08e63db50b47" providerId="ADAL" clId="{E094A0D3-9008-D44F-B23F-E71F39C2BDEC}" dt="2021-01-27T05:40:51.648" v="1180"/>
-          <ac:spMkLst>
-            <pc:docMk/>
-            <pc:sldMk cId="1268238251" sldId="555"/>
-            <ac:spMk id="28" creationId="{EE887C52-B868-F041-B2F3-E77854181B5E}"/>
-          </ac:spMkLst>
-        </pc:spChg>
-        <pc:spChg chg="mod">
-          <ac:chgData name="Zhao Jin" userId="cd05a825-544c-438a-9ba1-08e63db50b47" providerId="ADAL" clId="{E094A0D3-9008-D44F-B23F-E71F39C2BDEC}" dt="2021-01-27T05:44:00.171" v="1425" actId="14100"/>
-          <ac:spMkLst>
-            <pc:docMk/>
-            <pc:sldMk cId="1268238251" sldId="555"/>
-            <ac:spMk id="49" creationId="{21EEE82A-4DB6-1D4F-9A03-5951F440FE93}"/>
-          </ac:spMkLst>
-        </pc:spChg>
-        <pc:grpChg chg="del">
-          <ac:chgData name="Zhao Jin" userId="cd05a825-544c-438a-9ba1-08e63db50b47" providerId="ADAL" clId="{E094A0D3-9008-D44F-B23F-E71F39C2BDEC}" dt="2021-01-27T05:35:18.480" v="821" actId="478"/>
-          <ac:grpSpMkLst>
-            <pc:docMk/>
-            <pc:sldMk cId="1268238251" sldId="555"/>
-            <ac:grpSpMk id="31" creationId="{00000000-0000-0000-0000-000000000000}"/>
-          </ac:grpSpMkLst>
-        </pc:grpChg>
-        <pc:cxnChg chg="mod">
-          <ac:chgData name="Zhao Jin" userId="cd05a825-544c-438a-9ba1-08e63db50b47" providerId="ADAL" clId="{E094A0D3-9008-D44F-B23F-E71F39C2BDEC}" dt="2021-01-27T05:35:18.480" v="821" actId="478"/>
-          <ac:cxnSpMkLst>
-            <pc:docMk/>
-            <pc:sldMk cId="1268238251" sldId="555"/>
-            <ac:cxnSpMk id="33" creationId="{00000000-0000-0000-0000-000000000000}"/>
-          </ac:cxnSpMkLst>
-        </pc:cxnChg>
-      </pc:sldChg>
-      <pc:sldMasterChg chg="modSp modSldLayout">
-        <pc:chgData name="Zhao Jin" userId="cd05a825-544c-438a-9ba1-08e63db50b47" providerId="ADAL" clId="{E094A0D3-9008-D44F-B23F-E71F39C2BDEC}" dt="2021-01-27T04:58:20.523" v="47"/>
-        <pc:sldMasterMkLst>
-          <pc:docMk/>
-          <pc:sldMasterMk cId="0" sldId="2147485087"/>
-        </pc:sldMasterMkLst>
-        <pc:spChg chg="mod">
-          <ac:chgData name="Zhao Jin" userId="cd05a825-544c-438a-9ba1-08e63db50b47" providerId="ADAL" clId="{E094A0D3-9008-D44F-B23F-E71F39C2BDEC}" dt="2021-01-27T04:58:20.523" v="47"/>
-          <ac:spMkLst>
-            <pc:docMk/>
-            <pc:sldMasterMk cId="0" sldId="2147485087"/>
-            <ac:spMk id="6" creationId="{00000000-0000-0000-0000-000000000000}"/>
-          </ac:spMkLst>
-        </pc:spChg>
-        <pc:sldLayoutChg chg="modSp">
-          <pc:chgData name="Zhao Jin" userId="cd05a825-544c-438a-9ba1-08e63db50b47" providerId="ADAL" clId="{E094A0D3-9008-D44F-B23F-E71F39C2BDEC}" dt="2021-01-27T04:58:20.523" v="47"/>
-          <pc:sldLayoutMkLst>
-            <pc:docMk/>
-            <pc:sldMasterMk cId="0" sldId="2147485087"/>
-            <pc:sldLayoutMk cId="0" sldId="2147485088"/>
-          </pc:sldLayoutMkLst>
-          <pc:spChg chg="mod">
-            <ac:chgData name="Zhao Jin" userId="cd05a825-544c-438a-9ba1-08e63db50b47" providerId="ADAL" clId="{E094A0D3-9008-D44F-B23F-E71F39C2BDEC}" dt="2021-01-27T04:58:20.523" v="47"/>
-            <ac:spMkLst>
-              <pc:docMk/>
-              <pc:sldMasterMk cId="0" sldId="2147485087"/>
-              <pc:sldLayoutMk cId="0" sldId="2147485088"/>
-              <ac:spMk id="6" creationId="{00000000-0000-0000-0000-000000000000}"/>
-            </ac:spMkLst>
-          </pc:spChg>
-        </pc:sldLayoutChg>
-        <pc:sldLayoutChg chg="modSp">
-          <pc:chgData name="Zhao Jin" userId="cd05a825-544c-438a-9ba1-08e63db50b47" providerId="ADAL" clId="{E094A0D3-9008-D44F-B23F-E71F39C2BDEC}" dt="2021-01-27T04:58:20.523" v="47"/>
-          <pc:sldLayoutMkLst>
-            <pc:docMk/>
-            <pc:sldMasterMk cId="0" sldId="2147485087"/>
-            <pc:sldLayoutMk cId="0" sldId="2147485089"/>
-          </pc:sldLayoutMkLst>
-          <pc:spChg chg="mod">
-            <ac:chgData name="Zhao Jin" userId="cd05a825-544c-438a-9ba1-08e63db50b47" providerId="ADAL" clId="{E094A0D3-9008-D44F-B23F-E71F39C2BDEC}" dt="2021-01-27T04:58:20.523" v="47"/>
-            <ac:spMkLst>
-              <pc:docMk/>
-              <pc:sldMasterMk cId="0" sldId="2147485087"/>
-              <pc:sldLayoutMk cId="0" sldId="2147485089"/>
-              <ac:spMk id="6" creationId="{00000000-0000-0000-0000-000000000000}"/>
-            </ac:spMkLst>
-          </pc:spChg>
-        </pc:sldLayoutChg>
-        <pc:sldLayoutChg chg="modSp">
-          <pc:chgData name="Zhao Jin" userId="cd05a825-544c-438a-9ba1-08e63db50b47" providerId="ADAL" clId="{E094A0D3-9008-D44F-B23F-E71F39C2BDEC}" dt="2021-01-27T04:58:20.523" v="47"/>
-          <pc:sldLayoutMkLst>
-            <pc:docMk/>
-            <pc:sldMasterMk cId="0" sldId="2147485087"/>
-            <pc:sldLayoutMk cId="0" sldId="2147485090"/>
-          </pc:sldLayoutMkLst>
-          <pc:spChg chg="mod">
-            <ac:chgData name="Zhao Jin" userId="cd05a825-544c-438a-9ba1-08e63db50b47" providerId="ADAL" clId="{E094A0D3-9008-D44F-B23F-E71F39C2BDEC}" dt="2021-01-27T04:58:20.523" v="47"/>
-            <ac:spMkLst>
-              <pc:docMk/>
-              <pc:sldMasterMk cId="0" sldId="2147485087"/>
-              <pc:sldLayoutMk cId="0" sldId="2147485090"/>
-              <ac:spMk id="6" creationId="{00000000-0000-0000-0000-000000000000}"/>
-            </ac:spMkLst>
-          </pc:spChg>
-        </pc:sldLayoutChg>
-        <pc:sldLayoutChg chg="modSp">
-          <pc:chgData name="Zhao Jin" userId="cd05a825-544c-438a-9ba1-08e63db50b47" providerId="ADAL" clId="{E094A0D3-9008-D44F-B23F-E71F39C2BDEC}" dt="2021-01-27T04:58:20.523" v="47"/>
-          <pc:sldLayoutMkLst>
-            <pc:docMk/>
-            <pc:sldMasterMk cId="0" sldId="2147485087"/>
-            <pc:sldLayoutMk cId="0" sldId="2147485091"/>
-          </pc:sldLayoutMkLst>
-          <pc:spChg chg="mod">
-            <ac:chgData name="Zhao Jin" userId="cd05a825-544c-438a-9ba1-08e63db50b47" providerId="ADAL" clId="{E094A0D3-9008-D44F-B23F-E71F39C2BDEC}" dt="2021-01-27T04:58:20.523" v="47"/>
-            <ac:spMkLst>
-              <pc:docMk/>
-              <pc:sldMasterMk cId="0" sldId="2147485087"/>
-              <pc:sldLayoutMk cId="0" sldId="2147485091"/>
-              <ac:spMk id="7" creationId="{00000000-0000-0000-0000-000000000000}"/>
-            </ac:spMkLst>
-          </pc:spChg>
-        </pc:sldLayoutChg>
-        <pc:sldLayoutChg chg="modSp">
-          <pc:chgData name="Zhao Jin" userId="cd05a825-544c-438a-9ba1-08e63db50b47" providerId="ADAL" clId="{E094A0D3-9008-D44F-B23F-E71F39C2BDEC}" dt="2021-01-27T04:58:20.523" v="47"/>
-          <pc:sldLayoutMkLst>
-            <pc:docMk/>
-            <pc:sldMasterMk cId="0" sldId="2147485087"/>
-            <pc:sldLayoutMk cId="0" sldId="2147485092"/>
-          </pc:sldLayoutMkLst>
-          <pc:spChg chg="mod">
-            <ac:chgData name="Zhao Jin" userId="cd05a825-544c-438a-9ba1-08e63db50b47" providerId="ADAL" clId="{E094A0D3-9008-D44F-B23F-E71F39C2BDEC}" dt="2021-01-27T04:58:20.523" v="47"/>
-            <ac:spMkLst>
-              <pc:docMk/>
-              <pc:sldMasterMk cId="0" sldId="2147485087"/>
-              <pc:sldLayoutMk cId="0" sldId="2147485092"/>
-              <ac:spMk id="9" creationId="{00000000-0000-0000-0000-000000000000}"/>
-            </ac:spMkLst>
-          </pc:spChg>
-        </pc:sldLayoutChg>
-        <pc:sldLayoutChg chg="modSp">
-          <pc:chgData name="Zhao Jin" userId="cd05a825-544c-438a-9ba1-08e63db50b47" providerId="ADAL" clId="{E094A0D3-9008-D44F-B23F-E71F39C2BDEC}" dt="2021-01-27T04:58:20.523" v="47"/>
-          <pc:sldLayoutMkLst>
-            <pc:docMk/>
-            <pc:sldMasterMk cId="0" sldId="2147485087"/>
-            <pc:sldLayoutMk cId="0" sldId="2147485093"/>
-          </pc:sldLayoutMkLst>
-          <pc:spChg chg="mod">
-            <ac:chgData name="Zhao Jin" userId="cd05a825-544c-438a-9ba1-08e63db50b47" providerId="ADAL" clId="{E094A0D3-9008-D44F-B23F-E71F39C2BDEC}" dt="2021-01-27T04:58:20.523" v="47"/>
-            <ac:spMkLst>
-              <pc:docMk/>
-              <pc:sldMasterMk cId="0" sldId="2147485087"/>
-              <pc:sldLayoutMk cId="0" sldId="2147485093"/>
-              <ac:spMk id="5" creationId="{00000000-0000-0000-0000-000000000000}"/>
-            </ac:spMkLst>
-          </pc:spChg>
-        </pc:sldLayoutChg>
-        <pc:sldLayoutChg chg="modSp">
-          <pc:chgData name="Zhao Jin" userId="cd05a825-544c-438a-9ba1-08e63db50b47" providerId="ADAL" clId="{E094A0D3-9008-D44F-B23F-E71F39C2BDEC}" dt="2021-01-27T04:58:20.523" v="47"/>
-          <pc:sldLayoutMkLst>
-            <pc:docMk/>
-            <pc:sldMasterMk cId="0" sldId="2147485087"/>
-            <pc:sldLayoutMk cId="0" sldId="2147485094"/>
-          </pc:sldLayoutMkLst>
-          <pc:spChg chg="mod">
-            <ac:chgData name="Zhao Jin" userId="cd05a825-544c-438a-9ba1-08e63db50b47" providerId="ADAL" clId="{E094A0D3-9008-D44F-B23F-E71F39C2BDEC}" dt="2021-01-27T04:58:20.523" v="47"/>
-            <ac:spMkLst>
-              <pc:docMk/>
-              <pc:sldMasterMk cId="0" sldId="2147485087"/>
-              <pc:sldLayoutMk cId="0" sldId="2147485094"/>
-              <ac:spMk id="4" creationId="{00000000-0000-0000-0000-000000000000}"/>
-            </ac:spMkLst>
-          </pc:spChg>
-        </pc:sldLayoutChg>
-        <pc:sldLayoutChg chg="modSp">
-          <pc:chgData name="Zhao Jin" userId="cd05a825-544c-438a-9ba1-08e63db50b47" providerId="ADAL" clId="{E094A0D3-9008-D44F-B23F-E71F39C2BDEC}" dt="2021-01-27T04:58:20.523" v="47"/>
-          <pc:sldLayoutMkLst>
-            <pc:docMk/>
-            <pc:sldMasterMk cId="0" sldId="2147485087"/>
-            <pc:sldLayoutMk cId="0" sldId="2147485095"/>
-          </pc:sldLayoutMkLst>
-          <pc:spChg chg="mod">
-            <ac:chgData name="Zhao Jin" userId="cd05a825-544c-438a-9ba1-08e63db50b47" providerId="ADAL" clId="{E094A0D3-9008-D44F-B23F-E71F39C2BDEC}" dt="2021-01-27T04:58:20.523" v="47"/>
-            <ac:spMkLst>
-              <pc:docMk/>
-              <pc:sldMasterMk cId="0" sldId="2147485087"/>
-              <pc:sldLayoutMk cId="0" sldId="2147485095"/>
-              <ac:spMk id="7" creationId="{00000000-0000-0000-0000-000000000000}"/>
-            </ac:spMkLst>
-          </pc:spChg>
-        </pc:sldLayoutChg>
-        <pc:sldLayoutChg chg="modSp">
-          <pc:chgData name="Zhao Jin" userId="cd05a825-544c-438a-9ba1-08e63db50b47" providerId="ADAL" clId="{E094A0D3-9008-D44F-B23F-E71F39C2BDEC}" dt="2021-01-27T04:58:20.523" v="47"/>
-          <pc:sldLayoutMkLst>
-            <pc:docMk/>
-            <pc:sldMasterMk cId="0" sldId="2147485087"/>
-            <pc:sldLayoutMk cId="0" sldId="2147485096"/>
-          </pc:sldLayoutMkLst>
-          <pc:spChg chg="mod">
-            <ac:chgData name="Zhao Jin" userId="cd05a825-544c-438a-9ba1-08e63db50b47" providerId="ADAL" clId="{E094A0D3-9008-D44F-B23F-E71F39C2BDEC}" dt="2021-01-27T04:58:20.523" v="47"/>
-            <ac:spMkLst>
-              <pc:docMk/>
-              <pc:sldMasterMk cId="0" sldId="2147485087"/>
-              <pc:sldLayoutMk cId="0" sldId="2147485096"/>
-              <ac:spMk id="7" creationId="{00000000-0000-0000-0000-000000000000}"/>
-            </ac:spMkLst>
-          </pc:spChg>
-        </pc:sldLayoutChg>
-        <pc:sldLayoutChg chg="modSp">
-          <pc:chgData name="Zhao Jin" userId="cd05a825-544c-438a-9ba1-08e63db50b47" providerId="ADAL" clId="{E094A0D3-9008-D44F-B23F-E71F39C2BDEC}" dt="2021-01-27T04:58:20.523" v="47"/>
-          <pc:sldLayoutMkLst>
-            <pc:docMk/>
-            <pc:sldMasterMk cId="0" sldId="2147485087"/>
-            <pc:sldLayoutMk cId="0" sldId="2147485097"/>
-          </pc:sldLayoutMkLst>
-          <pc:spChg chg="mod">
-            <ac:chgData name="Zhao Jin" userId="cd05a825-544c-438a-9ba1-08e63db50b47" providerId="ADAL" clId="{E094A0D3-9008-D44F-B23F-E71F39C2BDEC}" dt="2021-01-27T04:58:20.523" v="47"/>
-            <ac:spMkLst>
-              <pc:docMk/>
-              <pc:sldMasterMk cId="0" sldId="2147485087"/>
-              <pc:sldLayoutMk cId="0" sldId="2147485097"/>
-              <ac:spMk id="6" creationId="{00000000-0000-0000-0000-000000000000}"/>
-            </ac:spMkLst>
-          </pc:spChg>
-        </pc:sldLayoutChg>
-        <pc:sldLayoutChg chg="modSp">
-          <pc:chgData name="Zhao Jin" userId="cd05a825-544c-438a-9ba1-08e63db50b47" providerId="ADAL" clId="{E094A0D3-9008-D44F-B23F-E71F39C2BDEC}" dt="2021-01-27T04:58:20.523" v="47"/>
-          <pc:sldLayoutMkLst>
-            <pc:docMk/>
-            <pc:sldMasterMk cId="0" sldId="2147485087"/>
-            <pc:sldLayoutMk cId="0" sldId="2147485098"/>
-          </pc:sldLayoutMkLst>
-          <pc:spChg chg="mod">
-            <ac:chgData name="Zhao Jin" userId="cd05a825-544c-438a-9ba1-08e63db50b47" providerId="ADAL" clId="{E094A0D3-9008-D44F-B23F-E71F39C2BDEC}" dt="2021-01-27T04:58:20.523" v="47"/>
-            <ac:spMkLst>
-              <pc:docMk/>
-              <pc:sldMasterMk cId="0" sldId="2147485087"/>
-              <pc:sldLayoutMk cId="0" sldId="2147485098"/>
-              <ac:spMk id="6" creationId="{00000000-0000-0000-0000-000000000000}"/>
-            </ac:spMkLst>
-          </pc:spChg>
-        </pc:sldLayoutChg>
-      </pc:sldMasterChg>
-    </pc:docChg>
-  </pc:docChgLst>
-  <pc:docChgLst>
-    <pc:chgData name="Zhao Jin" userId="S::dcszjin@nus.edu.sg::cd05a825-544c-438a-9ba1-08e63db50b47" providerId="AD" clId="Web-{66D5AB6E-AF24-491D-9529-2DDB49AD3149}"/>
-    <pc:docChg chg="modSld">
-      <pc:chgData name="Zhao Jin" userId="S::dcszjin@nus.edu.sg::cd05a825-544c-438a-9ba1-08e63db50b47" providerId="AD" clId="Web-{66D5AB6E-AF24-491D-9529-2DDB49AD3149}" dt="2021-01-20T08:43:03.224" v="8" actId="14100"/>
-      <pc:docMkLst>
-        <pc:docMk/>
-      </pc:docMkLst>
-      <pc:sldChg chg="modSp">
-        <pc:chgData name="Zhao Jin" userId="S::dcszjin@nus.edu.sg::cd05a825-544c-438a-9ba1-08e63db50b47" providerId="AD" clId="Web-{66D5AB6E-AF24-491D-9529-2DDB49AD3149}" dt="2021-01-20T08:43:03.224" v="8" actId="14100"/>
-        <pc:sldMkLst>
-          <pc:docMk/>
-          <pc:sldMk cId="901453530" sldId="546"/>
-        </pc:sldMkLst>
-        <pc:spChg chg="mod">
-          <ac:chgData name="Zhao Jin" userId="S::dcszjin@nus.edu.sg::cd05a825-544c-438a-9ba1-08e63db50b47" providerId="AD" clId="Web-{66D5AB6E-AF24-491D-9529-2DDB49AD3149}" dt="2021-01-20T08:43:03.224" v="8" actId="14100"/>
-          <ac:spMkLst>
-            <pc:docMk/>
-            <pc:sldMk cId="901453530" sldId="546"/>
-            <ac:spMk id="9" creationId="{00000000-0000-0000-0000-000000000000}"/>
-          </ac:spMkLst>
-        </pc:spChg>
-        <pc:spChg chg="mod">
-          <ac:chgData name="Zhao Jin" userId="S::dcszjin@nus.edu.sg::cd05a825-544c-438a-9ba1-08e63db50b47" providerId="AD" clId="Web-{66D5AB6E-AF24-491D-9529-2DDB49AD3149}" dt="2021-01-20T08:42:24.723" v="4" actId="1076"/>
-          <ac:spMkLst>
-            <pc:docMk/>
-            <pc:sldMk cId="901453530" sldId="546"/>
-            <ac:spMk id="14" creationId="{00000000-0000-0000-0000-000000000000}"/>
-          </ac:spMkLst>
-        </pc:spChg>
-      </pc:sldChg>
-    </pc:docChg>
-  </pc:docChgLst>
-  <pc:docChgLst>
-    <pc:chgData name="Zhao Jin" userId="cd05a825-544c-438a-9ba1-08e63db50b47" providerId="ADAL" clId="{8BE350D2-6936-4764-AEB4-6940700BA7AB}"/>
-    <pc:docChg chg="modSld">
-      <pc:chgData name="Zhao Jin" userId="cd05a825-544c-438a-9ba1-08e63db50b47" providerId="ADAL" clId="{8BE350D2-6936-4764-AEB4-6940700BA7AB}" dt="2024-01-31T05:30:40.452" v="0"/>
-      <pc:docMkLst>
-        <pc:docMk/>
-      </pc:docMkLst>
-      <pc:sldChg chg="addSp modSp">
-        <pc:chgData name="Zhao Jin" userId="cd05a825-544c-438a-9ba1-08e63db50b47" providerId="ADAL" clId="{8BE350D2-6936-4764-AEB4-6940700BA7AB}" dt="2024-01-31T05:30:40.452" v="0"/>
-        <pc:sldMkLst>
-          <pc:docMk/>
-          <pc:sldMk cId="0" sldId="256"/>
-        </pc:sldMkLst>
-        <pc:spChg chg="add mod">
-          <ac:chgData name="Zhao Jin" userId="cd05a825-544c-438a-9ba1-08e63db50b47" providerId="ADAL" clId="{8BE350D2-6936-4764-AEB4-6940700BA7AB}" dt="2024-01-31T05:30:40.452" v="0"/>
-          <ac:spMkLst>
-            <pc:docMk/>
-            <pc:sldMk cId="0" sldId="256"/>
-            <ac:spMk id="3" creationId="{28638AA2-0381-5B95-6584-1F91790DEE41}"/>
-          </ac:spMkLst>
-        </pc:spChg>
-        <pc:picChg chg="add mod">
-          <ac:chgData name="Zhao Jin" userId="cd05a825-544c-438a-9ba1-08e63db50b47" providerId="ADAL" clId="{8BE350D2-6936-4764-AEB4-6940700BA7AB}" dt="2024-01-31T05:30:40.452" v="0"/>
-          <ac:picMkLst>
-            <pc:docMk/>
-            <pc:sldMk cId="0" sldId="256"/>
-            <ac:picMk id="2" creationId="{45E52030-F1FD-2499-CDC9-DE9A3A78356C}"/>
-          </ac:picMkLst>
-        </pc:picChg>
-      </pc:sldChg>
-    </pc:docChg>
-  </pc:docChgLst>
-  <pc:docChgLst>
-    <pc:chgData name="Zhao Jin" userId="cd05a825-544c-438a-9ba1-08e63db50b47" providerId="ADAL" clId="{CD38D953-E846-244A-835A-192CE52710D4}"/>
-    <pc:docChg chg="undo custSel addSld delSld modSld">
-      <pc:chgData name="Zhao Jin" userId="cd05a825-544c-438a-9ba1-08e63db50b47" providerId="ADAL" clId="{CD38D953-E846-244A-835A-192CE52710D4}" dt="2021-01-25T03:26:17.801" v="482" actId="20577"/>
-      <pc:docMkLst>
-        <pc:docMk/>
-      </pc:docMkLst>
-      <pc:sldChg chg="modSp addAnim delAnim modAnim">
-        <pc:chgData name="Zhao Jin" userId="cd05a825-544c-438a-9ba1-08e63db50b47" providerId="ADAL" clId="{CD38D953-E846-244A-835A-192CE52710D4}" dt="2021-01-25T03:18:14.928" v="172"/>
-        <pc:sldMkLst>
-          <pc:docMk/>
-          <pc:sldMk cId="1311126165" sldId="485"/>
-        </pc:sldMkLst>
-        <pc:spChg chg="mod">
-          <ac:chgData name="Zhao Jin" userId="cd05a825-544c-438a-9ba1-08e63db50b47" providerId="ADAL" clId="{CD38D953-E846-244A-835A-192CE52710D4}" dt="2021-01-25T03:16:30.240" v="159" actId="20577"/>
-          <ac:spMkLst>
-            <pc:docMk/>
-            <pc:sldMk cId="1311126165" sldId="485"/>
-            <ac:spMk id="11" creationId="{00000000-0000-0000-0000-000000000000}"/>
-          </ac:spMkLst>
-        </pc:spChg>
-        <pc:spChg chg="mod">
-          <ac:chgData name="Zhao Jin" userId="cd05a825-544c-438a-9ba1-08e63db50b47" providerId="ADAL" clId="{CD38D953-E846-244A-835A-192CE52710D4}" dt="2021-01-25T03:16:24.406" v="157" actId="1036"/>
-          <ac:spMkLst>
-            <pc:docMk/>
-            <pc:sldMk cId="1311126165" sldId="485"/>
-            <ac:spMk id="12" creationId="{149FB3A4-124F-4FB3-9CA1-6EA45A21DCBC}"/>
-          </ac:spMkLst>
-        </pc:spChg>
-        <pc:spChg chg="mod">
-          <ac:chgData name="Zhao Jin" userId="cd05a825-544c-438a-9ba1-08e63db50b47" providerId="ADAL" clId="{CD38D953-E846-244A-835A-192CE52710D4}" dt="2021-01-25T03:16:24.406" v="157" actId="1036"/>
-          <ac:spMkLst>
-            <pc:docMk/>
-            <pc:sldMk cId="1311126165" sldId="485"/>
-            <ac:spMk id="13" creationId="{24ED3F77-DB19-42FF-90A5-6260114FAC12}"/>
-          </ac:spMkLst>
-        </pc:spChg>
-      </pc:sldChg>
-      <pc:sldChg chg="modSp">
-        <pc:chgData name="Zhao Jin" userId="cd05a825-544c-438a-9ba1-08e63db50b47" providerId="ADAL" clId="{CD38D953-E846-244A-835A-192CE52710D4}" dt="2021-01-25T03:08:51.440" v="84" actId="20577"/>
-        <pc:sldMkLst>
-          <pc:docMk/>
-          <pc:sldMk cId="901453530" sldId="546"/>
-        </pc:sldMkLst>
-        <pc:spChg chg="mod">
-          <ac:chgData name="Zhao Jin" userId="cd05a825-544c-438a-9ba1-08e63db50b47" providerId="ADAL" clId="{CD38D953-E846-244A-835A-192CE52710D4}" dt="2021-01-25T03:08:51.440" v="84" actId="20577"/>
-          <ac:spMkLst>
-            <pc:docMk/>
-            <pc:sldMk cId="901453530" sldId="546"/>
-            <ac:spMk id="8" creationId="{00000000-0000-0000-0000-000000000000}"/>
-          </ac:spMkLst>
-        </pc:spChg>
-      </pc:sldChg>
-      <pc:sldChg chg="modSp">
-        <pc:chgData name="Zhao Jin" userId="cd05a825-544c-438a-9ba1-08e63db50b47" providerId="ADAL" clId="{CD38D953-E846-244A-835A-192CE52710D4}" dt="2021-01-25T03:11:48.514" v="112" actId="207"/>
-        <pc:sldMkLst>
-          <pc:docMk/>
-          <pc:sldMk cId="884841463" sldId="547"/>
-        </pc:sldMkLst>
-        <pc:spChg chg="mod">
-          <ac:chgData name="Zhao Jin" userId="cd05a825-544c-438a-9ba1-08e63db50b47" providerId="ADAL" clId="{CD38D953-E846-244A-835A-192CE52710D4}" dt="2021-01-25T03:11:48.514" v="112" actId="207"/>
-          <ac:spMkLst>
-            <pc:docMk/>
-            <pc:sldMk cId="884841463" sldId="547"/>
-            <ac:spMk id="8" creationId="{00000000-0000-0000-0000-000000000000}"/>
-          </ac:spMkLst>
-        </pc:spChg>
-      </pc:sldChg>
-      <pc:sldChg chg="modSp">
-        <pc:chgData name="Zhao Jin" userId="cd05a825-544c-438a-9ba1-08e63db50b47" providerId="ADAL" clId="{CD38D953-E846-244A-835A-192CE52710D4}" dt="2021-01-25T03:10:55.270" v="107" actId="20577"/>
-        <pc:sldMkLst>
-          <pc:docMk/>
-          <pc:sldMk cId="1617257579" sldId="548"/>
-        </pc:sldMkLst>
-        <pc:spChg chg="mod">
-          <ac:chgData name="Zhao Jin" userId="cd05a825-544c-438a-9ba1-08e63db50b47" providerId="ADAL" clId="{CD38D953-E846-244A-835A-192CE52710D4}" dt="2021-01-25T03:10:55.270" v="107" actId="20577"/>
-          <ac:spMkLst>
-            <pc:docMk/>
-            <pc:sldMk cId="1617257579" sldId="548"/>
-            <ac:spMk id="8" creationId="{00000000-0000-0000-0000-000000000000}"/>
-          </ac:spMkLst>
-        </pc:spChg>
-        <pc:spChg chg="mod">
-          <ac:chgData name="Zhao Jin" userId="cd05a825-544c-438a-9ba1-08e63db50b47" providerId="ADAL" clId="{CD38D953-E846-244A-835A-192CE52710D4}" dt="2021-01-25T03:09:46.206" v="102" actId="1035"/>
-          <ac:spMkLst>
-            <pc:docMk/>
-            <pc:sldMk cId="1617257579" sldId="548"/>
-            <ac:spMk id="9" creationId="{00000000-0000-0000-0000-000000000000}"/>
-          </ac:spMkLst>
-        </pc:spChg>
-      </pc:sldChg>
-      <pc:sldChg chg="addSp delSp modSp delAnim modAnim">
-        <pc:chgData name="Zhao Jin" userId="cd05a825-544c-438a-9ba1-08e63db50b47" providerId="ADAL" clId="{CD38D953-E846-244A-835A-192CE52710D4}" dt="2021-01-25T03:24:05.008" v="382"/>
-        <pc:sldMkLst>
-          <pc:docMk/>
-          <pc:sldMk cId="3394924879" sldId="549"/>
-        </pc:sldMkLst>
-        <pc:spChg chg="mod">
-          <ac:chgData name="Zhao Jin" userId="cd05a825-544c-438a-9ba1-08e63db50b47" providerId="ADAL" clId="{CD38D953-E846-244A-835A-192CE52710D4}" dt="2021-01-25T02:21:10.043" v="62" actId="20577"/>
-          <ac:spMkLst>
-            <pc:docMk/>
-            <pc:sldMk cId="3394924879" sldId="549"/>
-            <ac:spMk id="10" creationId="{00000000-0000-0000-0000-000000000000}"/>
-          </ac:spMkLst>
-        </pc:spChg>
-        <pc:spChg chg="add mod">
-          <ac:chgData name="Zhao Jin" userId="cd05a825-544c-438a-9ba1-08e63db50b47" providerId="ADAL" clId="{CD38D953-E846-244A-835A-192CE52710D4}" dt="2021-01-25T03:23:28.207" v="376" actId="1076"/>
-          <ac:spMkLst>
-            <pc:docMk/>
-            <pc:sldMk cId="3394924879" sldId="549"/>
-            <ac:spMk id="11" creationId="{CF30CDDD-4206-994C-A14B-ADCEC7C6B094}"/>
-          </ac:spMkLst>
-        </pc:spChg>
-        <pc:picChg chg="del">
-          <ac:chgData name="Zhao Jin" userId="cd05a825-544c-438a-9ba1-08e63db50b47" providerId="ADAL" clId="{CD38D953-E846-244A-835A-192CE52710D4}" dt="2021-01-25T03:15:27.398" v="115" actId="478"/>
-          <ac:picMkLst>
-            <pc:docMk/>
-            <pc:sldMk cId="3394924879" sldId="549"/>
-            <ac:picMk id="14" creationId="{9F0342D1-68B4-4418-BA3C-115BA014738F}"/>
-          </ac:picMkLst>
-        </pc:picChg>
-        <pc:picChg chg="add mod">
-          <ac:chgData name="Zhao Jin" userId="cd05a825-544c-438a-9ba1-08e63db50b47" providerId="ADAL" clId="{CD38D953-E846-244A-835A-192CE52710D4}" dt="2021-01-25T03:23:34.931" v="378" actId="1076"/>
-          <ac:picMkLst>
-            <pc:docMk/>
-            <pc:sldMk cId="3394924879" sldId="549"/>
-            <ac:picMk id="16" creationId="{1AA83BD7-4016-DB49-B6DC-C69FB6894961}"/>
-          </ac:picMkLst>
-        </pc:picChg>
-      </pc:sldChg>
-      <pc:sldChg chg="addSp delSp modSp addAnim delAnim modAnim">
-        <pc:chgData name="Zhao Jin" userId="cd05a825-544c-438a-9ba1-08e63db50b47" providerId="ADAL" clId="{CD38D953-E846-244A-835A-192CE52710D4}" dt="2021-01-25T03:26:17.801" v="482" actId="20577"/>
-        <pc:sldMkLst>
-          <pc:docMk/>
-          <pc:sldMk cId="784668950" sldId="550"/>
-        </pc:sldMkLst>
-        <pc:spChg chg="add del">
-          <ac:chgData name="Zhao Jin" userId="cd05a825-544c-438a-9ba1-08e63db50b47" providerId="ADAL" clId="{CD38D953-E846-244A-835A-192CE52710D4}" dt="2021-01-25T03:03:03.116" v="66" actId="478"/>
-          <ac:spMkLst>
-            <pc:docMk/>
-            <pc:sldMk cId="784668950" sldId="550"/>
-            <ac:spMk id="8" creationId="{9BA3CD25-E0A6-43C6-ACBF-2582BD134206}"/>
-          </ac:spMkLst>
-        </pc:spChg>
-        <pc:spChg chg="add del">
-          <ac:chgData name="Zhao Jin" userId="cd05a825-544c-438a-9ba1-08e63db50b47" providerId="ADAL" clId="{CD38D953-E846-244A-835A-192CE52710D4}" dt="2021-01-25T03:03:02.420" v="65"/>
-          <ac:spMkLst>
-            <pc:docMk/>
-            <pc:sldMk cId="784668950" sldId="550"/>
-            <ac:spMk id="9" creationId="{512F67EF-C498-8D43-817A-42B6CE524F76}"/>
-          </ac:spMkLst>
-        </pc:spChg>
-        <pc:spChg chg="add del mod">
-          <ac:chgData name="Zhao Jin" userId="cd05a825-544c-438a-9ba1-08e63db50b47" providerId="ADAL" clId="{CD38D953-E846-244A-835A-192CE52710D4}" dt="2021-01-25T03:26:17.801" v="482" actId="20577"/>
-          <ac:spMkLst>
-            <pc:docMk/>
-            <pc:sldMk cId="784668950" sldId="550"/>
-            <ac:spMk id="10" creationId="{00000000-0000-0000-0000-000000000000}"/>
-          </ac:spMkLst>
-        </pc:spChg>
-      </pc:sldChg>
-      <pc:sldChg chg="addSp delSp modSp add del addAnim delAnim">
-        <pc:chgData name="Zhao Jin" userId="cd05a825-544c-438a-9ba1-08e63db50b47" providerId="ADAL" clId="{CD38D953-E846-244A-835A-192CE52710D4}" dt="2021-01-25T03:08:44.385" v="80" actId="2696"/>
-        <pc:sldMkLst>
-          <pc:docMk/>
-          <pc:sldMk cId="335305844" sldId="551"/>
-        </pc:sldMkLst>
-        <pc:spChg chg="add del">
-          <ac:chgData name="Zhao Jin" userId="cd05a825-544c-438a-9ba1-08e63db50b47" providerId="ADAL" clId="{CD38D953-E846-244A-835A-192CE52710D4}" dt="2021-01-25T03:08:18.867" v="70"/>
-          <ac:spMkLst>
-            <pc:docMk/>
-            <pc:sldMk cId="335305844" sldId="551"/>
-            <ac:spMk id="2" creationId="{DC3EBD9F-7043-2B4B-93E2-27FFDA9DBEA2}"/>
-          </ac:spMkLst>
-        </pc:spChg>
-        <pc:spChg chg="add del mod">
-          <ac:chgData name="Zhao Jin" userId="cd05a825-544c-438a-9ba1-08e63db50b47" providerId="ADAL" clId="{CD38D953-E846-244A-835A-192CE52710D4}" dt="2021-01-25T03:08:32.511" v="77" actId="14100"/>
-          <ac:spMkLst>
-            <pc:docMk/>
-            <pc:sldMk cId="335305844" sldId="551"/>
-            <ac:spMk id="9" creationId="{00000000-0000-0000-0000-000000000000}"/>
-          </ac:spMkLst>
-        </pc:spChg>
-        <pc:spChg chg="add del">
-          <ac:chgData name="Zhao Jin" userId="cd05a825-544c-438a-9ba1-08e63db50b47" providerId="ADAL" clId="{CD38D953-E846-244A-835A-192CE52710D4}" dt="2021-01-25T03:08:34.550" v="78" actId="478"/>
-          <ac:spMkLst>
-            <pc:docMk/>
-            <pc:sldMk cId="335305844" sldId="551"/>
-            <ac:spMk id="10" creationId="{00000000-0000-0000-0000-000000000000}"/>
-          </ac:spMkLst>
-        </pc:spChg>
-        <pc:spChg chg="add del">
-          <ac:chgData name="Zhao Jin" userId="cd05a825-544c-438a-9ba1-08e63db50b47" providerId="ADAL" clId="{CD38D953-E846-244A-835A-192CE52710D4}" dt="2021-01-25T03:08:34.550" v="78" actId="478"/>
-          <ac:spMkLst>
-            <pc:docMk/>
-            <pc:sldMk cId="335305844" sldId="551"/>
-            <ac:spMk id="11" creationId="{D0457CA0-460D-4546-82C4-4CDEB1E2F62C}"/>
-          </ac:spMkLst>
-        </pc:spChg>
-        <pc:spChg chg="add del">
-          <ac:chgData name="Zhao Jin" userId="cd05a825-544c-438a-9ba1-08e63db50b47" providerId="ADAL" clId="{CD38D953-E846-244A-835A-192CE52710D4}" dt="2021-01-25T03:08:34.550" v="78" actId="478"/>
-          <ac:spMkLst>
-            <pc:docMk/>
-            <pc:sldMk cId="335305844" sldId="551"/>
-            <ac:spMk id="14" creationId="{00000000-0000-0000-0000-000000000000}"/>
-          </ac:spMkLst>
-        </pc:spChg>
-        <pc:spChg chg="add del">
-          <ac:chgData name="Zhao Jin" userId="cd05a825-544c-438a-9ba1-08e63db50b47" providerId="ADAL" clId="{CD38D953-E846-244A-835A-192CE52710D4}" dt="2021-01-25T03:08:34.550" v="78" actId="478"/>
-          <ac:spMkLst>
-            <pc:docMk/>
-            <pc:sldMk cId="335305844" sldId="551"/>
-            <ac:spMk id="15" creationId="{7EB43FB0-D261-4751-8823-0A4CC64F83DB}"/>
-          </ac:spMkLst>
-        </pc:spChg>
-        <pc:spChg chg="add del mod">
-          <ac:chgData name="Zhao Jin" userId="cd05a825-544c-438a-9ba1-08e63db50b47" providerId="ADAL" clId="{CD38D953-E846-244A-835A-192CE52710D4}" dt="2021-01-25T03:08:37.712" v="79" actId="20577"/>
-          <ac:spMkLst>
-            <pc:docMk/>
-            <pc:sldMk cId="335305844" sldId="551"/>
-            <ac:spMk id="17" creationId="{196941FF-7411-441D-AE2E-5CF96E80B024}"/>
-          </ac:spMkLst>
-        </pc:spChg>
-        <pc:spChg chg="add del">
-          <ac:chgData name="Zhao Jin" userId="cd05a825-544c-438a-9ba1-08e63db50b47" providerId="ADAL" clId="{CD38D953-E846-244A-835A-192CE52710D4}" dt="2021-01-25T03:08:22.144" v="71" actId="478"/>
-          <ac:spMkLst>
-            <pc:docMk/>
-            <pc:sldMk cId="335305844" sldId="551"/>
-            <ac:spMk id="18" creationId="{FC6CF3F5-B435-44FE-A32E-F676476A0C6D}"/>
-          </ac:spMkLst>
-        </pc:spChg>
-      </pc:sldChg>
-    </pc:docChg>
-  </pc:docChgLst>
   <pc:docChgLst>
     <pc:chgData name="Zhao Jin" userId="cd05a825-544c-438a-9ba1-08e63db50b47" providerId="ADAL" clId="{3342749F-A4A3-4CC6-8E89-A279285BF1FF}"/>
     <pc:docChg chg="undo custSel addSld delSld modSld sldOrd">
@@ -2421,20 +1169,20 @@
     </pc:docChg>
   </pc:docChgLst>
   <pc:docChgLst>
-    <pc:chgData name="Zhao Jin" userId="cd05a825-544c-438a-9ba1-08e63db50b47" providerId="ADAL" clId="{37A0D694-38DA-4421-B5D3-DEDBFC2EC57C}"/>
-    <pc:docChg chg="undo redo custSel mod addSld delSld modSld sldOrd modMainMaster">
-      <pc:chgData name="Zhao Jin" userId="cd05a825-544c-438a-9ba1-08e63db50b47" providerId="ADAL" clId="{37A0D694-38DA-4421-B5D3-DEDBFC2EC57C}" dt="2021-02-10T03:56:06.306" v="4973" actId="20577"/>
+    <pc:chgData name="Zhao Jin" userId="cd05a825-544c-438a-9ba1-08e63db50b47" providerId="ADAL" clId="{E094A0D3-9008-D44F-B23F-E71F39C2BDEC}"/>
+    <pc:docChg chg="undo custSel addSld delSld modSld sldOrd modMainMaster">
+      <pc:chgData name="Zhao Jin" userId="cd05a825-544c-438a-9ba1-08e63db50b47" providerId="ADAL" clId="{E094A0D3-9008-D44F-B23F-E71F39C2BDEC}" dt="2021-01-27T05:44:46" v="1434" actId="207"/>
       <pc:docMkLst>
         <pc:docMk/>
       </pc:docMkLst>
-      <pc:sldChg chg="modSp mod">
-        <pc:chgData name="Zhao Jin" userId="cd05a825-544c-438a-9ba1-08e63db50b47" providerId="ADAL" clId="{37A0D694-38DA-4421-B5D3-DEDBFC2EC57C}" dt="2021-02-03T06:56:00.570" v="28" actId="20577"/>
+      <pc:sldChg chg="modSp">
+        <pc:chgData name="Zhao Jin" userId="cd05a825-544c-438a-9ba1-08e63db50b47" providerId="ADAL" clId="{E094A0D3-9008-D44F-B23F-E71F39C2BDEC}" dt="2021-01-27T04:57:42.438" v="23" actId="20577"/>
         <pc:sldMkLst>
           <pc:docMk/>
           <pc:sldMk cId="0" sldId="256"/>
         </pc:sldMkLst>
         <pc:spChg chg="mod">
-          <ac:chgData name="Zhao Jin" userId="cd05a825-544c-438a-9ba1-08e63db50b47" providerId="ADAL" clId="{37A0D694-38DA-4421-B5D3-DEDBFC2EC57C}" dt="2021-02-03T06:55:55.618" v="3" actId="20577"/>
+          <ac:chgData name="Zhao Jin" userId="cd05a825-544c-438a-9ba1-08e63db50b47" providerId="ADAL" clId="{E094A0D3-9008-D44F-B23F-E71F39C2BDEC}" dt="2021-01-27T04:57:38.527" v="1" actId="20577"/>
           <ac:spMkLst>
             <pc:docMk/>
             <pc:sldMk cId="0" sldId="256"/>
@@ -2442,7 +1190,7 @@
           </ac:spMkLst>
         </pc:spChg>
         <pc:spChg chg="mod">
-          <ac:chgData name="Zhao Jin" userId="cd05a825-544c-438a-9ba1-08e63db50b47" providerId="ADAL" clId="{37A0D694-38DA-4421-B5D3-DEDBFC2EC57C}" dt="2021-02-03T06:56:00.570" v="28" actId="20577"/>
+          <ac:chgData name="Zhao Jin" userId="cd05a825-544c-438a-9ba1-08e63db50b47" providerId="ADAL" clId="{E094A0D3-9008-D44F-B23F-E71F39C2BDEC}" dt="2021-01-27T04:57:42.438" v="23" actId="20577"/>
           <ac:spMkLst>
             <pc:docMk/>
             <pc:sldMk cId="0" sldId="256"/>
@@ -2450,14 +1198,14 @@
           </ac:spMkLst>
         </pc:spChg>
       </pc:sldChg>
-      <pc:sldChg chg="modSp mod">
-        <pc:chgData name="Zhao Jin" userId="cd05a825-544c-438a-9ba1-08e63db50b47" providerId="ADAL" clId="{37A0D694-38DA-4421-B5D3-DEDBFC2EC57C}" dt="2021-02-10T03:55:38.772" v="4967"/>
+      <pc:sldChg chg="modSp">
+        <pc:chgData name="Zhao Jin" userId="cd05a825-544c-438a-9ba1-08e63db50b47" providerId="ADAL" clId="{E094A0D3-9008-D44F-B23F-E71F39C2BDEC}" dt="2021-01-27T05:17:21.390" v="251" actId="20577"/>
         <pc:sldMkLst>
           <pc:docMk/>
           <pc:sldMk cId="2438607696" sldId="468"/>
         </pc:sldMkLst>
         <pc:spChg chg="mod">
-          <ac:chgData name="Zhao Jin" userId="cd05a825-544c-438a-9ba1-08e63db50b47" providerId="ADAL" clId="{37A0D694-38DA-4421-B5D3-DEDBFC2EC57C}" dt="2021-02-10T03:55:38.772" v="4967"/>
+          <ac:chgData name="Zhao Jin" userId="cd05a825-544c-438a-9ba1-08e63db50b47" providerId="ADAL" clId="{E094A0D3-9008-D44F-B23F-E71F39C2BDEC}" dt="2021-01-27T04:58:20.523" v="47"/>
           <ac:spMkLst>
             <pc:docMk/>
             <pc:sldMk cId="2438607696" sldId="468"/>
@@ -2465,7 +1213,7 @@
           </ac:spMkLst>
         </pc:spChg>
         <pc:spChg chg="mod">
-          <ac:chgData name="Zhao Jin" userId="cd05a825-544c-438a-9ba1-08e63db50b47" providerId="ADAL" clId="{37A0D694-38DA-4421-B5D3-DEDBFC2EC57C}" dt="2021-02-03T06:56:05.506" v="35" actId="20577"/>
+          <ac:chgData name="Zhao Jin" userId="cd05a825-544c-438a-9ba1-08e63db50b47" providerId="ADAL" clId="{E094A0D3-9008-D44F-B23F-E71F39C2BDEC}" dt="2021-01-27T04:57:50.314" v="46" actId="20577"/>
           <ac:spMkLst>
             <pc:docMk/>
             <pc:sldMk cId="2438607696" sldId="468"/>
@@ -2473,7 +1221,7 @@
           </ac:spMkLst>
         </pc:spChg>
         <pc:spChg chg="mod">
-          <ac:chgData name="Zhao Jin" userId="cd05a825-544c-438a-9ba1-08e63db50b47" providerId="ADAL" clId="{37A0D694-38DA-4421-B5D3-DEDBFC2EC57C}" dt="2021-02-03T09:25:32.601" v="3334" actId="20577"/>
+          <ac:chgData name="Zhao Jin" userId="cd05a825-544c-438a-9ba1-08e63db50b47" providerId="ADAL" clId="{E094A0D3-9008-D44F-B23F-E71F39C2BDEC}" dt="2021-01-27T05:17:21.390" v="251" actId="20577"/>
           <ac:spMkLst>
             <pc:docMk/>
             <pc:sldMk cId="2438607696" sldId="468"/>
@@ -2481,90 +1229,136 @@
           </ac:spMkLst>
         </pc:spChg>
       </pc:sldChg>
-      <pc:sldChg chg="modSp del">
-        <pc:chgData name="Zhao Jin" userId="cd05a825-544c-438a-9ba1-08e63db50b47" providerId="ADAL" clId="{37A0D694-38DA-4421-B5D3-DEDBFC2EC57C}" dt="2021-02-03T07:53:06.972" v="43" actId="47"/>
+      <pc:sldChg chg="modSp">
+        <pc:chgData name="Zhao Jin" userId="cd05a825-544c-438a-9ba1-08e63db50b47" providerId="ADAL" clId="{E094A0D3-9008-D44F-B23F-E71F39C2BDEC}" dt="2021-01-27T04:58:20.523" v="47"/>
+        <pc:sldMkLst>
+          <pc:docMk/>
+          <pc:sldMk cId="1311126165" sldId="485"/>
+        </pc:sldMkLst>
+        <pc:spChg chg="mod">
+          <ac:chgData name="Zhao Jin" userId="cd05a825-544c-438a-9ba1-08e63db50b47" providerId="ADAL" clId="{E094A0D3-9008-D44F-B23F-E71F39C2BDEC}" dt="2021-01-27T04:58:20.523" v="47"/>
+          <ac:spMkLst>
+            <pc:docMk/>
+            <pc:sldMk cId="1311126165" sldId="485"/>
+            <ac:spMk id="9" creationId="{00000000-0000-0000-0000-000000000000}"/>
+          </ac:spMkLst>
+        </pc:spChg>
+      </pc:sldChg>
+      <pc:sldChg chg="modSp add">
+        <pc:chgData name="Zhao Jin" userId="cd05a825-544c-438a-9ba1-08e63db50b47" providerId="ADAL" clId="{E094A0D3-9008-D44F-B23F-E71F39C2BDEC}" dt="2021-01-27T05:17:26.077" v="252" actId="20577"/>
         <pc:sldMkLst>
           <pc:docMk/>
           <pc:sldMk cId="3792232794" sldId="504"/>
         </pc:sldMkLst>
         <pc:spChg chg="mod">
-          <ac:chgData name="Zhao Jin" userId="cd05a825-544c-438a-9ba1-08e63db50b47" providerId="ADAL" clId="{37A0D694-38DA-4421-B5D3-DEDBFC2EC57C}" dt="2021-02-03T06:56:12.527" v="36"/>
+          <ac:chgData name="Zhao Jin" userId="cd05a825-544c-438a-9ba1-08e63db50b47" providerId="ADAL" clId="{E094A0D3-9008-D44F-B23F-E71F39C2BDEC}" dt="2021-01-27T05:14:34.766" v="156" actId="27636"/>
           <ac:spMkLst>
             <pc:docMk/>
             <pc:sldMk cId="3792232794" sldId="504"/>
-            <ac:spMk id="7" creationId="{00000000-0000-0000-0000-000000000000}"/>
+            <ac:spMk id="8" creationId="{00000000-0000-0000-0000-000000000000}"/>
+          </ac:spMkLst>
+        </pc:spChg>
+        <pc:spChg chg="mod">
+          <ac:chgData name="Zhao Jin" userId="cd05a825-544c-438a-9ba1-08e63db50b47" providerId="ADAL" clId="{E094A0D3-9008-D44F-B23F-E71F39C2BDEC}" dt="2021-01-27T05:15:13.559" v="159" actId="113"/>
+          <ac:spMkLst>
+            <pc:docMk/>
+            <pc:sldMk cId="3792232794" sldId="504"/>
+            <ac:spMk id="47" creationId="{00000000-0000-0000-0000-000000000000}"/>
+          </ac:spMkLst>
+        </pc:spChg>
+        <pc:spChg chg="mod">
+          <ac:chgData name="Zhao Jin" userId="cd05a825-544c-438a-9ba1-08e63db50b47" providerId="ADAL" clId="{E094A0D3-9008-D44F-B23F-E71F39C2BDEC}" dt="2021-01-27T05:17:26.077" v="252" actId="20577"/>
+          <ac:spMkLst>
+            <pc:docMk/>
+            <pc:sldMk cId="3792232794" sldId="504"/>
+            <ac:spMk id="14338" creationId="{00000000-0000-0000-0000-000000000000}"/>
           </ac:spMkLst>
         </pc:spChg>
       </pc:sldChg>
-      <pc:sldChg chg="addSp delSp modSp add mod ord modAnim">
-        <pc:chgData name="Zhao Jin" userId="cd05a825-544c-438a-9ba1-08e63db50b47" providerId="ADAL" clId="{37A0D694-38DA-4421-B5D3-DEDBFC2EC57C}" dt="2021-02-10T03:55:38.772" v="4967"/>
+      <pc:sldChg chg="modSp">
+        <pc:chgData name="Zhao Jin" userId="cd05a825-544c-438a-9ba1-08e63db50b47" providerId="ADAL" clId="{E094A0D3-9008-D44F-B23F-E71F39C2BDEC}" dt="2021-01-27T04:58:20.523" v="47"/>
         <pc:sldMkLst>
           <pc:docMk/>
-          <pc:sldMk cId="1705639840" sldId="543"/>
+          <pc:sldMk cId="681224785" sldId="531"/>
         </pc:sldMkLst>
         <pc:spChg chg="mod">
-          <ac:chgData name="Zhao Jin" userId="cd05a825-544c-438a-9ba1-08e63db50b47" providerId="ADAL" clId="{37A0D694-38DA-4421-B5D3-DEDBFC2EC57C}" dt="2021-02-10T03:55:38.772" v="4967"/>
-          <ac:spMkLst>
-            <pc:docMk/>
-            <pc:sldMk cId="1705639840" sldId="543"/>
-            <ac:spMk id="9" creationId="{00000000-0000-0000-0000-000000000000}"/>
-          </ac:spMkLst>
-        </pc:spChg>
-        <pc:spChg chg="mod">
-          <ac:chgData name="Zhao Jin" userId="cd05a825-544c-438a-9ba1-08e63db50b47" providerId="ADAL" clId="{37A0D694-38DA-4421-B5D3-DEDBFC2EC57C}" dt="2021-02-03T09:15:05.685" v="2951" actId="6549"/>
-          <ac:spMkLst>
-            <pc:docMk/>
-            <pc:sldMk cId="1705639840" sldId="543"/>
-            <ac:spMk id="15" creationId="{00000000-0000-0000-0000-000000000000}"/>
-          </ac:spMkLst>
-        </pc:spChg>
-        <pc:spChg chg="add del">
-          <ac:chgData name="Zhao Jin" userId="cd05a825-544c-438a-9ba1-08e63db50b47" providerId="ADAL" clId="{37A0D694-38DA-4421-B5D3-DEDBFC2EC57C}" dt="2021-02-03T09:26:12.205" v="3350" actId="478"/>
-          <ac:spMkLst>
-            <pc:docMk/>
-            <pc:sldMk cId="1705639840" sldId="543"/>
-            <ac:spMk id="25604" creationId="{00000000-0000-0000-0000-000000000000}"/>
+          <ac:chgData name="Zhao Jin" userId="cd05a825-544c-438a-9ba1-08e63db50b47" providerId="ADAL" clId="{E094A0D3-9008-D44F-B23F-E71F39C2BDEC}" dt="2021-01-27T04:58:20.523" v="47"/>
+          <ac:spMkLst>
+            <pc:docMk/>
+            <pc:sldMk cId="681224785" sldId="531"/>
+            <ac:spMk id="43" creationId="{00000000-0000-0000-0000-000000000000}"/>
           </ac:spMkLst>
         </pc:spChg>
       </pc:sldChg>
       <pc:sldChg chg="modSp del">
-        <pc:chgData name="Zhao Jin" userId="cd05a825-544c-438a-9ba1-08e63db50b47" providerId="ADAL" clId="{37A0D694-38DA-4421-B5D3-DEDBFC2EC57C}" dt="2021-02-03T09:00:14.226" v="1559" actId="47"/>
+        <pc:chgData name="Zhao Jin" userId="cd05a825-544c-438a-9ba1-08e63db50b47" providerId="ADAL" clId="{E094A0D3-9008-D44F-B23F-E71F39C2BDEC}" dt="2021-01-27T05:12:53.568" v="127" actId="2696"/>
         <pc:sldMkLst>
           <pc:docMk/>
-          <pc:sldMk cId="4228901100" sldId="545"/>
+          <pc:sldMk cId="901453530" sldId="546"/>
         </pc:sldMkLst>
         <pc:spChg chg="mod">
-          <ac:chgData name="Zhao Jin" userId="cd05a825-544c-438a-9ba1-08e63db50b47" providerId="ADAL" clId="{37A0D694-38DA-4421-B5D3-DEDBFC2EC57C}" dt="2021-02-03T06:56:12.527" v="36"/>
-          <ac:spMkLst>
-            <pc:docMk/>
-            <pc:sldMk cId="4228901100" sldId="545"/>
+          <ac:chgData name="Zhao Jin" userId="cd05a825-544c-438a-9ba1-08e63db50b47" providerId="ADAL" clId="{E094A0D3-9008-D44F-B23F-E71F39C2BDEC}" dt="2021-01-27T04:58:20.523" v="47"/>
+          <ac:spMkLst>
+            <pc:docMk/>
+            <pc:sldMk cId="901453530" sldId="546"/>
             <ac:spMk id="7" creationId="{00000000-0000-0000-0000-000000000000}"/>
           </ac:spMkLst>
         </pc:spChg>
+        <pc:spChg chg="mod">
+          <ac:chgData name="Zhao Jin" userId="cd05a825-544c-438a-9ba1-08e63db50b47" providerId="ADAL" clId="{E094A0D3-9008-D44F-B23F-E71F39C2BDEC}" dt="2021-01-27T05:10:30.946" v="126" actId="20577"/>
+          <ac:spMkLst>
+            <pc:docMk/>
+            <pc:sldMk cId="901453530" sldId="546"/>
+            <ac:spMk id="14338" creationId="{00000000-0000-0000-0000-000000000000}"/>
+          </ac:spMkLst>
+        </pc:spChg>
       </pc:sldChg>
-      <pc:sldChg chg="modSp del">
-        <pc:chgData name="Zhao Jin" userId="cd05a825-544c-438a-9ba1-08e63db50b47" providerId="ADAL" clId="{37A0D694-38DA-4421-B5D3-DEDBFC2EC57C}" dt="2021-02-03T07:53:07.263" v="44" actId="47"/>
+      <pc:sldChg chg="modSp add">
+        <pc:chgData name="Zhao Jin" userId="cd05a825-544c-438a-9ba1-08e63db50b47" providerId="ADAL" clId="{E094A0D3-9008-D44F-B23F-E71F39C2BDEC}" dt="2021-01-27T05:17:29.706" v="253" actId="20577"/>
         <pc:sldMkLst>
           <pc:docMk/>
           <pc:sldMk cId="4225956616" sldId="546"/>
         </pc:sldMkLst>
         <pc:spChg chg="mod">
-          <ac:chgData name="Zhao Jin" userId="cd05a825-544c-438a-9ba1-08e63db50b47" providerId="ADAL" clId="{37A0D694-38DA-4421-B5D3-DEDBFC2EC57C}" dt="2021-02-03T06:56:12.527" v="36"/>
+          <ac:chgData name="Zhao Jin" userId="cd05a825-544c-438a-9ba1-08e63db50b47" providerId="ADAL" clId="{E094A0D3-9008-D44F-B23F-E71F39C2BDEC}" dt="2021-01-27T05:15:19.785" v="160" actId="113"/>
           <ac:spMkLst>
             <pc:docMk/>
             <pc:sldMk cId="4225956616" sldId="546"/>
-            <ac:spMk id="7" creationId="{00000000-0000-0000-0000-000000000000}"/>
+            <ac:spMk id="120" creationId="{00000000-0000-0000-0000-000000000000}"/>
+          </ac:spMkLst>
+        </pc:spChg>
+        <pc:spChg chg="mod">
+          <ac:chgData name="Zhao Jin" userId="cd05a825-544c-438a-9ba1-08e63db50b47" providerId="ADAL" clId="{E094A0D3-9008-D44F-B23F-E71F39C2BDEC}" dt="2021-01-27T05:17:29.706" v="253" actId="20577"/>
+          <ac:spMkLst>
+            <pc:docMk/>
+            <pc:sldMk cId="4225956616" sldId="546"/>
+            <ac:spMk id="14338" creationId="{00000000-0000-0000-0000-000000000000}"/>
           </ac:spMkLst>
         </pc:spChg>
       </pc:sldChg>
       <pc:sldChg chg="modSp del">
-        <pc:chgData name="Zhao Jin" userId="cd05a825-544c-438a-9ba1-08e63db50b47" providerId="ADAL" clId="{37A0D694-38DA-4421-B5D3-DEDBFC2EC57C}" dt="2021-02-03T09:00:14.226" v="1559" actId="47"/>
+        <pc:chgData name="Zhao Jin" userId="cd05a825-544c-438a-9ba1-08e63db50b47" providerId="ADAL" clId="{E094A0D3-9008-D44F-B23F-E71F39C2BDEC}" dt="2021-01-27T05:16:20.724" v="163" actId="2696"/>
+        <pc:sldMkLst>
+          <pc:docMk/>
+          <pc:sldMk cId="884841463" sldId="547"/>
+        </pc:sldMkLst>
+        <pc:spChg chg="mod">
+          <ac:chgData name="Zhao Jin" userId="cd05a825-544c-438a-9ba1-08e63db50b47" providerId="ADAL" clId="{E094A0D3-9008-D44F-B23F-E71F39C2BDEC}" dt="2021-01-27T04:58:20.523" v="47"/>
+          <ac:spMkLst>
+            <pc:docMk/>
+            <pc:sldMk cId="884841463" sldId="547"/>
+            <ac:spMk id="7" creationId="{00000000-0000-0000-0000-000000000000}"/>
+          </ac:spMkLst>
+        </pc:spChg>
+      </pc:sldChg>
+      <pc:sldChg chg="modSp">
+        <pc:chgData name="Zhao Jin" userId="cd05a825-544c-438a-9ba1-08e63db50b47" providerId="ADAL" clId="{E094A0D3-9008-D44F-B23F-E71F39C2BDEC}" dt="2021-01-27T04:58:20.523" v="47"/>
         <pc:sldMkLst>
           <pc:docMk/>
           <pc:sldMk cId="1617257579" sldId="548"/>
         </pc:sldMkLst>
         <pc:spChg chg="mod">
-          <ac:chgData name="Zhao Jin" userId="cd05a825-544c-438a-9ba1-08e63db50b47" providerId="ADAL" clId="{37A0D694-38DA-4421-B5D3-DEDBFC2EC57C}" dt="2021-02-03T06:56:12.527" v="36"/>
+          <ac:chgData name="Zhao Jin" userId="cd05a825-544c-438a-9ba1-08e63db50b47" providerId="ADAL" clId="{E094A0D3-9008-D44F-B23F-E71F39C2BDEC}" dt="2021-01-27T04:58:20.523" v="47"/>
           <ac:spMkLst>
             <pc:docMk/>
             <pc:sldMk cId="1617257579" sldId="548"/>
@@ -2572,1870 +1366,566 @@
           </ac:spMkLst>
         </pc:spChg>
       </pc:sldChg>
-      <pc:sldChg chg="modSp del">
-        <pc:chgData name="Zhao Jin" userId="cd05a825-544c-438a-9ba1-08e63db50b47" providerId="ADAL" clId="{37A0D694-38DA-4421-B5D3-DEDBFC2EC57C}" dt="2021-02-03T07:53:07.458" v="45" actId="47"/>
+      <pc:sldChg chg="modSp">
+        <pc:chgData name="Zhao Jin" userId="cd05a825-544c-438a-9ba1-08e63db50b47" providerId="ADAL" clId="{E094A0D3-9008-D44F-B23F-E71F39C2BDEC}" dt="2021-01-27T04:58:20.523" v="47"/>
+        <pc:sldMkLst>
+          <pc:docMk/>
+          <pc:sldMk cId="3394924879" sldId="549"/>
+        </pc:sldMkLst>
+        <pc:spChg chg="mod">
+          <ac:chgData name="Zhao Jin" userId="cd05a825-544c-438a-9ba1-08e63db50b47" providerId="ADAL" clId="{E094A0D3-9008-D44F-B23F-E71F39C2BDEC}" dt="2021-01-27T04:58:20.523" v="47"/>
+          <ac:spMkLst>
+            <pc:docMk/>
+            <pc:sldMk cId="3394924879" sldId="549"/>
+            <ac:spMk id="43" creationId="{00000000-0000-0000-0000-000000000000}"/>
+          </ac:spMkLst>
+        </pc:spChg>
+      </pc:sldChg>
+      <pc:sldChg chg="modSp">
+        <pc:chgData name="Zhao Jin" userId="cd05a825-544c-438a-9ba1-08e63db50b47" providerId="ADAL" clId="{E094A0D3-9008-D44F-B23F-E71F39C2BDEC}" dt="2021-01-27T04:58:20.523" v="47"/>
+        <pc:sldMkLst>
+          <pc:docMk/>
+          <pc:sldMk cId="784668950" sldId="550"/>
+        </pc:sldMkLst>
+        <pc:spChg chg="mod">
+          <ac:chgData name="Zhao Jin" userId="cd05a825-544c-438a-9ba1-08e63db50b47" providerId="ADAL" clId="{E094A0D3-9008-D44F-B23F-E71F39C2BDEC}" dt="2021-01-27T04:58:20.523" v="47"/>
+          <ac:spMkLst>
+            <pc:docMk/>
+            <pc:sldMk cId="784668950" sldId="550"/>
+            <ac:spMk id="43" creationId="{00000000-0000-0000-0000-000000000000}"/>
+          </ac:spMkLst>
+        </pc:spChg>
+      </pc:sldChg>
+      <pc:sldChg chg="modSp add del">
+        <pc:chgData name="Zhao Jin" userId="cd05a825-544c-438a-9ba1-08e63db50b47" providerId="ADAL" clId="{E094A0D3-9008-D44F-B23F-E71F39C2BDEC}" dt="2021-01-27T05:17:38.111" v="258" actId="2696"/>
+        <pc:sldMkLst>
+          <pc:docMk/>
+          <pc:sldMk cId="2538842699" sldId="551"/>
+        </pc:sldMkLst>
+        <pc:spChg chg="mod">
+          <ac:chgData name="Zhao Jin" userId="cd05a825-544c-438a-9ba1-08e63db50b47" providerId="ADAL" clId="{E094A0D3-9008-D44F-B23F-E71F39C2BDEC}" dt="2021-01-27T05:17:36.555" v="257" actId="20577"/>
+          <ac:spMkLst>
+            <pc:docMk/>
+            <pc:sldMk cId="2538842699" sldId="551"/>
+            <ac:spMk id="14338" creationId="{00000000-0000-0000-0000-000000000000}"/>
+          </ac:spMkLst>
+        </pc:spChg>
+      </pc:sldChg>
+      <pc:sldChg chg="addSp delSp modSp add delAnim">
+        <pc:chgData name="Zhao Jin" userId="cd05a825-544c-438a-9ba1-08e63db50b47" providerId="ADAL" clId="{E094A0D3-9008-D44F-B23F-E71F39C2BDEC}" dt="2021-01-27T05:22:23.124" v="370" actId="20577"/>
         <pc:sldMkLst>
           <pc:docMk/>
           <pc:sldMk cId="3422194935" sldId="552"/>
         </pc:sldMkLst>
         <pc:spChg chg="mod">
-          <ac:chgData name="Zhao Jin" userId="cd05a825-544c-438a-9ba1-08e63db50b47" providerId="ADAL" clId="{37A0D694-38DA-4421-B5D3-DEDBFC2EC57C}" dt="2021-02-03T06:56:12.527" v="36"/>
+          <ac:chgData name="Zhao Jin" userId="cd05a825-544c-438a-9ba1-08e63db50b47" providerId="ADAL" clId="{E094A0D3-9008-D44F-B23F-E71F39C2BDEC}" dt="2021-01-27T05:22:23.124" v="370" actId="20577"/>
           <ac:spMkLst>
             <pc:docMk/>
             <pc:sldMk cId="3422194935" sldId="552"/>
-            <ac:spMk id="7" creationId="{00000000-0000-0000-0000-000000000000}"/>
-          </ac:spMkLst>
-        </pc:spChg>
+            <ac:spMk id="8" creationId="{00000000-0000-0000-0000-000000000000}"/>
+          </ac:spMkLst>
+        </pc:spChg>
+        <pc:spChg chg="add del mod">
+          <ac:chgData name="Zhao Jin" userId="cd05a825-544c-438a-9ba1-08e63db50b47" providerId="ADAL" clId="{E094A0D3-9008-D44F-B23F-E71F39C2BDEC}" dt="2021-01-27T05:20:48.010" v="345" actId="478"/>
+          <ac:spMkLst>
+            <pc:docMk/>
+            <pc:sldMk cId="3422194935" sldId="552"/>
+            <ac:spMk id="84" creationId="{C4E05674-68A2-0D4E-8B47-F7A2C6A6B76F}"/>
+          </ac:spMkLst>
+        </pc:spChg>
+        <pc:spChg chg="mod">
+          <ac:chgData name="Zhao Jin" userId="cd05a825-544c-438a-9ba1-08e63db50b47" providerId="ADAL" clId="{E094A0D3-9008-D44F-B23F-E71F39C2BDEC}" dt="2021-01-27T05:17:40.396" v="259" actId="20577"/>
+          <ac:spMkLst>
+            <pc:docMk/>
+            <pc:sldMk cId="3422194935" sldId="552"/>
+            <ac:spMk id="14338" creationId="{00000000-0000-0000-0000-000000000000}"/>
+          </ac:spMkLst>
+        </pc:spChg>
+        <pc:grpChg chg="del">
+          <ac:chgData name="Zhao Jin" userId="cd05a825-544c-438a-9ba1-08e63db50b47" providerId="ADAL" clId="{E094A0D3-9008-D44F-B23F-E71F39C2BDEC}" dt="2021-01-27T05:16:32.725" v="165" actId="478"/>
+          <ac:grpSpMkLst>
+            <pc:docMk/>
+            <pc:sldMk cId="3422194935" sldId="552"/>
+            <ac:grpSpMk id="86" creationId="{00000000-0000-0000-0000-000000000000}"/>
+          </ac:grpSpMkLst>
+        </pc:grpChg>
+        <pc:grpChg chg="del">
+          <ac:chgData name="Zhao Jin" userId="cd05a825-544c-438a-9ba1-08e63db50b47" providerId="ADAL" clId="{E094A0D3-9008-D44F-B23F-E71F39C2BDEC}" dt="2021-01-27T05:16:27.485" v="164" actId="478"/>
+          <ac:grpSpMkLst>
+            <pc:docMk/>
+            <pc:sldMk cId="3422194935" sldId="552"/>
+            <ac:grpSpMk id="91" creationId="{00000000-0000-0000-0000-000000000000}"/>
+          </ac:grpSpMkLst>
+        </pc:grpChg>
+        <pc:grpChg chg="del">
+          <ac:chgData name="Zhao Jin" userId="cd05a825-544c-438a-9ba1-08e63db50b47" providerId="ADAL" clId="{E094A0D3-9008-D44F-B23F-E71F39C2BDEC}" dt="2021-01-27T05:16:27.485" v="164" actId="478"/>
+          <ac:grpSpMkLst>
+            <pc:docMk/>
+            <pc:sldMk cId="3422194935" sldId="552"/>
+            <ac:grpSpMk id="94" creationId="{00000000-0000-0000-0000-000000000000}"/>
+          </ac:grpSpMkLst>
+        </pc:grpChg>
+        <pc:grpChg chg="del">
+          <ac:chgData name="Zhao Jin" userId="cd05a825-544c-438a-9ba1-08e63db50b47" providerId="ADAL" clId="{E094A0D3-9008-D44F-B23F-E71F39C2BDEC}" dt="2021-01-27T05:16:27.485" v="164" actId="478"/>
+          <ac:grpSpMkLst>
+            <pc:docMk/>
+            <pc:sldMk cId="3422194935" sldId="552"/>
+            <ac:grpSpMk id="97" creationId="{00000000-0000-0000-0000-000000000000}"/>
+          </ac:grpSpMkLst>
+        </pc:grpChg>
+        <pc:grpChg chg="del">
+          <ac:chgData name="Zhao Jin" userId="cd05a825-544c-438a-9ba1-08e63db50b47" providerId="ADAL" clId="{E094A0D3-9008-D44F-B23F-E71F39C2BDEC}" dt="2021-01-27T05:16:27.485" v="164" actId="478"/>
+          <ac:grpSpMkLst>
+            <pc:docMk/>
+            <pc:sldMk cId="3422194935" sldId="552"/>
+            <ac:grpSpMk id="100" creationId="{00000000-0000-0000-0000-000000000000}"/>
+          </ac:grpSpMkLst>
+        </pc:grpChg>
+        <pc:grpChg chg="del">
+          <ac:chgData name="Zhao Jin" userId="cd05a825-544c-438a-9ba1-08e63db50b47" providerId="ADAL" clId="{E094A0D3-9008-D44F-B23F-E71F39C2BDEC}" dt="2021-01-27T05:16:27.485" v="164" actId="478"/>
+          <ac:grpSpMkLst>
+            <pc:docMk/>
+            <pc:sldMk cId="3422194935" sldId="552"/>
+            <ac:grpSpMk id="103" creationId="{00000000-0000-0000-0000-000000000000}"/>
+          </ac:grpSpMkLst>
+        </pc:grpChg>
+        <pc:grpChg chg="del">
+          <ac:chgData name="Zhao Jin" userId="cd05a825-544c-438a-9ba1-08e63db50b47" providerId="ADAL" clId="{E094A0D3-9008-D44F-B23F-E71F39C2BDEC}" dt="2021-01-27T05:16:27.485" v="164" actId="478"/>
+          <ac:grpSpMkLst>
+            <pc:docMk/>
+            <pc:sldMk cId="3422194935" sldId="552"/>
+            <ac:grpSpMk id="106" creationId="{00000000-0000-0000-0000-000000000000}"/>
+          </ac:grpSpMkLst>
+        </pc:grpChg>
+        <pc:grpChg chg="del">
+          <ac:chgData name="Zhao Jin" userId="cd05a825-544c-438a-9ba1-08e63db50b47" providerId="ADAL" clId="{E094A0D3-9008-D44F-B23F-E71F39C2BDEC}" dt="2021-01-27T05:16:32.725" v="165" actId="478"/>
+          <ac:grpSpMkLst>
+            <pc:docMk/>
+            <pc:sldMk cId="3422194935" sldId="552"/>
+            <ac:grpSpMk id="109" creationId="{00000000-0000-0000-0000-000000000000}"/>
+          </ac:grpSpMkLst>
+        </pc:grpChg>
+        <pc:grpChg chg="del">
+          <ac:chgData name="Zhao Jin" userId="cd05a825-544c-438a-9ba1-08e63db50b47" providerId="ADAL" clId="{E094A0D3-9008-D44F-B23F-E71F39C2BDEC}" dt="2021-01-27T05:16:32.725" v="165" actId="478"/>
+          <ac:grpSpMkLst>
+            <pc:docMk/>
+            <pc:sldMk cId="3422194935" sldId="552"/>
+            <ac:grpSpMk id="112" creationId="{00000000-0000-0000-0000-000000000000}"/>
+          </ac:grpSpMkLst>
+        </pc:grpChg>
+        <pc:grpChg chg="del">
+          <ac:chgData name="Zhao Jin" userId="cd05a825-544c-438a-9ba1-08e63db50b47" providerId="ADAL" clId="{E094A0D3-9008-D44F-B23F-E71F39C2BDEC}" dt="2021-01-27T05:16:32.725" v="165" actId="478"/>
+          <ac:grpSpMkLst>
+            <pc:docMk/>
+            <pc:sldMk cId="3422194935" sldId="552"/>
+            <ac:grpSpMk id="115" creationId="{00000000-0000-0000-0000-000000000000}"/>
+          </ac:grpSpMkLst>
+        </pc:grpChg>
+        <pc:grpChg chg="del">
+          <ac:chgData name="Zhao Jin" userId="cd05a825-544c-438a-9ba1-08e63db50b47" providerId="ADAL" clId="{E094A0D3-9008-D44F-B23F-E71F39C2BDEC}" dt="2021-01-27T05:16:27.485" v="164" actId="478"/>
+          <ac:grpSpMkLst>
+            <pc:docMk/>
+            <pc:sldMk cId="3422194935" sldId="552"/>
+            <ac:grpSpMk id="118" creationId="{00000000-0000-0000-0000-000000000000}"/>
+          </ac:grpSpMkLst>
+        </pc:grpChg>
+        <pc:grpChg chg="del">
+          <ac:chgData name="Zhao Jin" userId="cd05a825-544c-438a-9ba1-08e63db50b47" providerId="ADAL" clId="{E094A0D3-9008-D44F-B23F-E71F39C2BDEC}" dt="2021-01-27T05:16:27.485" v="164" actId="478"/>
+          <ac:grpSpMkLst>
+            <pc:docMk/>
+            <pc:sldMk cId="3422194935" sldId="552"/>
+            <ac:grpSpMk id="121" creationId="{00000000-0000-0000-0000-000000000000}"/>
+          </ac:grpSpMkLst>
+        </pc:grpChg>
+        <pc:grpChg chg="del">
+          <ac:chgData name="Zhao Jin" userId="cd05a825-544c-438a-9ba1-08e63db50b47" providerId="ADAL" clId="{E094A0D3-9008-D44F-B23F-E71F39C2BDEC}" dt="2021-01-27T05:16:27.485" v="164" actId="478"/>
+          <ac:grpSpMkLst>
+            <pc:docMk/>
+            <pc:sldMk cId="3422194935" sldId="552"/>
+            <ac:grpSpMk id="124" creationId="{00000000-0000-0000-0000-000000000000}"/>
+          </ac:grpSpMkLst>
+        </pc:grpChg>
+        <pc:grpChg chg="del">
+          <ac:chgData name="Zhao Jin" userId="cd05a825-544c-438a-9ba1-08e63db50b47" providerId="ADAL" clId="{E094A0D3-9008-D44F-B23F-E71F39C2BDEC}" dt="2021-01-27T05:16:27.485" v="164" actId="478"/>
+          <ac:grpSpMkLst>
+            <pc:docMk/>
+            <pc:sldMk cId="3422194935" sldId="552"/>
+            <ac:grpSpMk id="127" creationId="{00000000-0000-0000-0000-000000000000}"/>
+          </ac:grpSpMkLst>
+        </pc:grpChg>
+        <pc:grpChg chg="del">
+          <ac:chgData name="Zhao Jin" userId="cd05a825-544c-438a-9ba1-08e63db50b47" providerId="ADAL" clId="{E094A0D3-9008-D44F-B23F-E71F39C2BDEC}" dt="2021-01-27T05:16:27.485" v="164" actId="478"/>
+          <ac:grpSpMkLst>
+            <pc:docMk/>
+            <pc:sldMk cId="3422194935" sldId="552"/>
+            <ac:grpSpMk id="130" creationId="{00000000-0000-0000-0000-000000000000}"/>
+          </ac:grpSpMkLst>
+        </pc:grpChg>
+        <pc:grpChg chg="del">
+          <ac:chgData name="Zhao Jin" userId="cd05a825-544c-438a-9ba1-08e63db50b47" providerId="ADAL" clId="{E094A0D3-9008-D44F-B23F-E71F39C2BDEC}" dt="2021-01-27T05:16:27.485" v="164" actId="478"/>
+          <ac:grpSpMkLst>
+            <pc:docMk/>
+            <pc:sldMk cId="3422194935" sldId="552"/>
+            <ac:grpSpMk id="136" creationId="{00000000-0000-0000-0000-000000000000}"/>
+          </ac:grpSpMkLst>
+        </pc:grpChg>
+        <pc:grpChg chg="del">
+          <ac:chgData name="Zhao Jin" userId="cd05a825-544c-438a-9ba1-08e63db50b47" providerId="ADAL" clId="{E094A0D3-9008-D44F-B23F-E71F39C2BDEC}" dt="2021-01-27T05:16:27.485" v="164" actId="478"/>
+          <ac:grpSpMkLst>
+            <pc:docMk/>
+            <pc:sldMk cId="3422194935" sldId="552"/>
+            <ac:grpSpMk id="144" creationId="{00000000-0000-0000-0000-000000000000}"/>
+          </ac:grpSpMkLst>
+        </pc:grpChg>
+        <pc:grpChg chg="del">
+          <ac:chgData name="Zhao Jin" userId="cd05a825-544c-438a-9ba1-08e63db50b47" providerId="ADAL" clId="{E094A0D3-9008-D44F-B23F-E71F39C2BDEC}" dt="2021-01-27T05:16:27.485" v="164" actId="478"/>
+          <ac:grpSpMkLst>
+            <pc:docMk/>
+            <pc:sldMk cId="3422194935" sldId="552"/>
+            <ac:grpSpMk id="152" creationId="{00000000-0000-0000-0000-000000000000}"/>
+          </ac:grpSpMkLst>
+        </pc:grpChg>
+        <pc:grpChg chg="del">
+          <ac:chgData name="Zhao Jin" userId="cd05a825-544c-438a-9ba1-08e63db50b47" providerId="ADAL" clId="{E094A0D3-9008-D44F-B23F-E71F39C2BDEC}" dt="2021-01-27T05:16:27.485" v="164" actId="478"/>
+          <ac:grpSpMkLst>
+            <pc:docMk/>
+            <pc:sldMk cId="3422194935" sldId="552"/>
+            <ac:grpSpMk id="156" creationId="{00000000-0000-0000-0000-000000000000}"/>
+          </ac:grpSpMkLst>
+        </pc:grpChg>
+        <pc:picChg chg="add mod modCrop">
+          <ac:chgData name="Zhao Jin" userId="cd05a825-544c-438a-9ba1-08e63db50b47" providerId="ADAL" clId="{E094A0D3-9008-D44F-B23F-E71F39C2BDEC}" dt="2021-01-27T05:20:55.481" v="348" actId="1076"/>
+          <ac:picMkLst>
+            <pc:docMk/>
+            <pc:sldMk cId="3422194935" sldId="552"/>
+            <ac:picMk id="3" creationId="{78D60D94-825A-D54F-ACF5-EA46D7263418}"/>
+          </ac:picMkLst>
+        </pc:picChg>
+        <pc:cxnChg chg="del mod">
+          <ac:chgData name="Zhao Jin" userId="cd05a825-544c-438a-9ba1-08e63db50b47" providerId="ADAL" clId="{E094A0D3-9008-D44F-B23F-E71F39C2BDEC}" dt="2021-01-27T05:16:27.485" v="164" actId="478"/>
+          <ac:cxnSpMkLst>
+            <pc:docMk/>
+            <pc:sldMk cId="3422194935" sldId="552"/>
+            <ac:cxnSpMk id="135" creationId="{00000000-0000-0000-0000-000000000000}"/>
+          </ac:cxnSpMkLst>
+        </pc:cxnChg>
+        <pc:cxnChg chg="del">
+          <ac:chgData name="Zhao Jin" userId="cd05a825-544c-438a-9ba1-08e63db50b47" providerId="ADAL" clId="{E094A0D3-9008-D44F-B23F-E71F39C2BDEC}" dt="2021-01-27T05:16:27.485" v="164" actId="478"/>
+          <ac:cxnSpMkLst>
+            <pc:docMk/>
+            <pc:sldMk cId="3422194935" sldId="552"/>
+            <ac:cxnSpMk id="141" creationId="{00000000-0000-0000-0000-000000000000}"/>
+          </ac:cxnSpMkLst>
+        </pc:cxnChg>
+        <pc:cxnChg chg="del">
+          <ac:chgData name="Zhao Jin" userId="cd05a825-544c-438a-9ba1-08e63db50b47" providerId="ADAL" clId="{E094A0D3-9008-D44F-B23F-E71F39C2BDEC}" dt="2021-01-27T05:16:27.485" v="164" actId="478"/>
+          <ac:cxnSpMkLst>
+            <pc:docMk/>
+            <pc:sldMk cId="3422194935" sldId="552"/>
+            <ac:cxnSpMk id="142" creationId="{00000000-0000-0000-0000-000000000000}"/>
+          </ac:cxnSpMkLst>
+        </pc:cxnChg>
+        <pc:cxnChg chg="del">
+          <ac:chgData name="Zhao Jin" userId="cd05a825-544c-438a-9ba1-08e63db50b47" providerId="ADAL" clId="{E094A0D3-9008-D44F-B23F-E71F39C2BDEC}" dt="2021-01-27T05:16:27.485" v="164" actId="478"/>
+          <ac:cxnSpMkLst>
+            <pc:docMk/>
+            <pc:sldMk cId="3422194935" sldId="552"/>
+            <ac:cxnSpMk id="143" creationId="{00000000-0000-0000-0000-000000000000}"/>
+          </ac:cxnSpMkLst>
+        </pc:cxnChg>
+        <pc:cxnChg chg="del">
+          <ac:chgData name="Zhao Jin" userId="cd05a825-544c-438a-9ba1-08e63db50b47" providerId="ADAL" clId="{E094A0D3-9008-D44F-B23F-E71F39C2BDEC}" dt="2021-01-27T05:16:32.725" v="165" actId="478"/>
+          <ac:cxnSpMkLst>
+            <pc:docMk/>
+            <pc:sldMk cId="3422194935" sldId="552"/>
+            <ac:cxnSpMk id="149" creationId="{00000000-0000-0000-0000-000000000000}"/>
+          </ac:cxnSpMkLst>
+        </pc:cxnChg>
+        <pc:cxnChg chg="del">
+          <ac:chgData name="Zhao Jin" userId="cd05a825-544c-438a-9ba1-08e63db50b47" providerId="ADAL" clId="{E094A0D3-9008-D44F-B23F-E71F39C2BDEC}" dt="2021-01-27T05:16:32.725" v="165" actId="478"/>
+          <ac:cxnSpMkLst>
+            <pc:docMk/>
+            <pc:sldMk cId="3422194935" sldId="552"/>
+            <ac:cxnSpMk id="150" creationId="{00000000-0000-0000-0000-000000000000}"/>
+          </ac:cxnSpMkLst>
+        </pc:cxnChg>
+        <pc:cxnChg chg="del">
+          <ac:chgData name="Zhao Jin" userId="cd05a825-544c-438a-9ba1-08e63db50b47" providerId="ADAL" clId="{E094A0D3-9008-D44F-B23F-E71F39C2BDEC}" dt="2021-01-27T05:16:27.485" v="164" actId="478"/>
+          <ac:cxnSpMkLst>
+            <pc:docMk/>
+            <pc:sldMk cId="3422194935" sldId="552"/>
+            <ac:cxnSpMk id="151" creationId="{00000000-0000-0000-0000-000000000000}"/>
+          </ac:cxnSpMkLst>
+        </pc:cxnChg>
       </pc:sldChg>
-      <pc:sldChg chg="addSp delSp modSp mod">
-        <pc:chgData name="Zhao Jin" userId="cd05a825-544c-438a-9ba1-08e63db50b47" providerId="ADAL" clId="{37A0D694-38DA-4421-B5D3-DEDBFC2EC57C}" dt="2021-02-10T03:55:38.772" v="4967"/>
+      <pc:sldChg chg="add del">
+        <pc:chgData name="Zhao Jin" userId="cd05a825-544c-438a-9ba1-08e63db50b47" providerId="ADAL" clId="{E094A0D3-9008-D44F-B23F-E71F39C2BDEC}" dt="2021-01-27T05:18:00.826" v="262"/>
+        <pc:sldMkLst>
+          <pc:docMk/>
+          <pc:sldMk cId="153180961" sldId="553"/>
+        </pc:sldMkLst>
+      </pc:sldChg>
+      <pc:sldChg chg="modSp add">
+        <pc:chgData name="Zhao Jin" userId="cd05a825-544c-438a-9ba1-08e63db50b47" providerId="ADAL" clId="{E094A0D3-9008-D44F-B23F-E71F39C2BDEC}" dt="2021-01-27T05:33:55.712" v="791" actId="14100"/>
         <pc:sldMkLst>
           <pc:docMk/>
           <pc:sldMk cId="1427618944" sldId="553"/>
         </pc:sldMkLst>
         <pc:spChg chg="mod">
-          <ac:chgData name="Zhao Jin" userId="cd05a825-544c-438a-9ba1-08e63db50b47" providerId="ADAL" clId="{37A0D694-38DA-4421-B5D3-DEDBFC2EC57C}" dt="2021-02-10T03:55:38.772" v="4967"/>
+          <ac:chgData name="Zhao Jin" userId="cd05a825-544c-438a-9ba1-08e63db50b47" providerId="ADAL" clId="{E094A0D3-9008-D44F-B23F-E71F39C2BDEC}" dt="2021-01-27T05:33:55.712" v="791" actId="14100"/>
           <ac:spMkLst>
             <pc:docMk/>
             <pc:sldMk cId="1427618944" sldId="553"/>
-            <ac:spMk id="7" creationId="{00000000-0000-0000-0000-000000000000}"/>
-          </ac:spMkLst>
-        </pc:spChg>
-        <pc:spChg chg="mod">
-          <ac:chgData name="Zhao Jin" userId="cd05a825-544c-438a-9ba1-08e63db50b47" providerId="ADAL" clId="{37A0D694-38DA-4421-B5D3-DEDBFC2EC57C}" dt="2021-02-03T07:55:46.087" v="385" actId="20577"/>
-          <ac:spMkLst>
+            <ac:spMk id="84" creationId="{C4E05674-68A2-0D4E-8B47-F7A2C6A6B76F}"/>
+          </ac:spMkLst>
+        </pc:spChg>
+        <pc:picChg chg="mod">
+          <ac:chgData name="Zhao Jin" userId="cd05a825-544c-438a-9ba1-08e63db50b47" providerId="ADAL" clId="{E094A0D3-9008-D44F-B23F-E71F39C2BDEC}" dt="2021-01-27T05:21:27.060" v="366" actId="1076"/>
+          <ac:picMkLst>
             <pc:docMk/>
             <pc:sldMk cId="1427618944" sldId="553"/>
-            <ac:spMk id="8" creationId="{00000000-0000-0000-0000-000000000000}"/>
-          </ac:spMkLst>
-        </pc:spChg>
-        <pc:spChg chg="add del mod">
-          <ac:chgData name="Zhao Jin" userId="cd05a825-544c-438a-9ba1-08e63db50b47" providerId="ADAL" clId="{37A0D694-38DA-4421-B5D3-DEDBFC2EC57C}" dt="2021-02-08T01:22:04.286" v="3395"/>
-          <ac:spMkLst>
-            <pc:docMk/>
-            <pc:sldMk cId="1427618944" sldId="553"/>
-            <ac:spMk id="9" creationId="{F914A7B2-27A3-4DA5-A96E-DC279FD60D4D}"/>
-          </ac:spMkLst>
-        </pc:spChg>
-        <pc:spChg chg="mod">
-          <ac:chgData name="Zhao Jin" userId="cd05a825-544c-438a-9ba1-08e63db50b47" providerId="ADAL" clId="{37A0D694-38DA-4421-B5D3-DEDBFC2EC57C}" dt="2021-02-03T07:55:14.471" v="364" actId="20577"/>
-          <ac:spMkLst>
-            <pc:docMk/>
-            <pc:sldMk cId="1427618944" sldId="553"/>
-            <ac:spMk id="14338" creationId="{00000000-0000-0000-0000-000000000000}"/>
-          </ac:spMkLst>
-        </pc:spChg>
+            <ac:picMk id="3" creationId="{78D60D94-825A-D54F-ACF5-EA46D7263418}"/>
+          </ac:picMkLst>
+        </pc:picChg>
       </pc:sldChg>
-      <pc:sldChg chg="modSp del">
-        <pc:chgData name="Zhao Jin" userId="cd05a825-544c-438a-9ba1-08e63db50b47" providerId="ADAL" clId="{37A0D694-38DA-4421-B5D3-DEDBFC2EC57C}" dt="2021-02-03T09:00:14.226" v="1559" actId="47"/>
+      <pc:sldChg chg="addSp delSp modSp add ord delAnim modAnim">
+        <pc:chgData name="Zhao Jin" userId="cd05a825-544c-438a-9ba1-08e63db50b47" providerId="ADAL" clId="{E094A0D3-9008-D44F-B23F-E71F39C2BDEC}" dt="2021-01-27T05:37:50.456" v="1042" actId="1035"/>
         <pc:sldMkLst>
           <pc:docMk/>
           <pc:sldMk cId="1659983766" sldId="554"/>
         </pc:sldMkLst>
+        <pc:spChg chg="del">
+          <ac:chgData name="Zhao Jin" userId="cd05a825-544c-438a-9ba1-08e63db50b47" providerId="ADAL" clId="{E094A0D3-9008-D44F-B23F-E71F39C2BDEC}" dt="2021-01-27T05:24:43.231" v="381" actId="478"/>
+          <ac:spMkLst>
+            <pc:docMk/>
+            <pc:sldMk cId="1659983766" sldId="554"/>
+            <ac:spMk id="11" creationId="{00000000-0000-0000-0000-000000000000}"/>
+          </ac:spMkLst>
+        </pc:spChg>
+        <pc:spChg chg="del">
+          <ac:chgData name="Zhao Jin" userId="cd05a825-544c-438a-9ba1-08e63db50b47" providerId="ADAL" clId="{E094A0D3-9008-D44F-B23F-E71F39C2BDEC}" dt="2021-01-27T05:24:35.188" v="376" actId="478"/>
+          <ac:spMkLst>
+            <pc:docMk/>
+            <pc:sldMk cId="1659983766" sldId="554"/>
+            <ac:spMk id="13" creationId="{00000000-0000-0000-0000-000000000000}"/>
+          </ac:spMkLst>
+        </pc:spChg>
+        <pc:spChg chg="del mod">
+          <ac:chgData name="Zhao Jin" userId="cd05a825-544c-438a-9ba1-08e63db50b47" providerId="ADAL" clId="{E094A0D3-9008-D44F-B23F-E71F39C2BDEC}" dt="2021-01-27T05:27:49.217" v="613" actId="478"/>
+          <ac:spMkLst>
+            <pc:docMk/>
+            <pc:sldMk cId="1659983766" sldId="554"/>
+            <ac:spMk id="14" creationId="{00000000-0000-0000-0000-000000000000}"/>
+          </ac:spMkLst>
+        </pc:spChg>
+        <pc:spChg chg="del">
+          <ac:chgData name="Zhao Jin" userId="cd05a825-544c-438a-9ba1-08e63db50b47" providerId="ADAL" clId="{E094A0D3-9008-D44F-B23F-E71F39C2BDEC}" dt="2021-01-27T05:24:33.113" v="375" actId="478"/>
+          <ac:spMkLst>
+            <pc:docMk/>
+            <pc:sldMk cId="1659983766" sldId="554"/>
+            <ac:spMk id="15" creationId="{00000000-0000-0000-0000-000000000000}"/>
+          </ac:spMkLst>
+        </pc:spChg>
         <pc:spChg chg="mod">
-          <ac:chgData name="Zhao Jin" userId="cd05a825-544c-438a-9ba1-08e63db50b47" providerId="ADAL" clId="{37A0D694-38DA-4421-B5D3-DEDBFC2EC57C}" dt="2021-02-03T06:56:12.527" v="36"/>
+          <ac:chgData name="Zhao Jin" userId="cd05a825-544c-438a-9ba1-08e63db50b47" providerId="ADAL" clId="{E094A0D3-9008-D44F-B23F-E71F39C2BDEC}" dt="2021-01-27T05:37:50.456" v="1042" actId="1035"/>
           <ac:spMkLst>
             <pc:docMk/>
             <pc:sldMk cId="1659983766" sldId="554"/>
-            <ac:spMk id="7" creationId="{00000000-0000-0000-0000-000000000000}"/>
-          </ac:spMkLst>
-        </pc:spChg>
+            <ac:spMk id="16" creationId="{00000000-0000-0000-0000-000000000000}"/>
+          </ac:spMkLst>
+        </pc:spChg>
+        <pc:spChg chg="del">
+          <ac:chgData name="Zhao Jin" userId="cd05a825-544c-438a-9ba1-08e63db50b47" providerId="ADAL" clId="{E094A0D3-9008-D44F-B23F-E71F39C2BDEC}" dt="2021-01-27T05:24:46.336" v="382" actId="478"/>
+          <ac:spMkLst>
+            <pc:docMk/>
+            <pc:sldMk cId="1659983766" sldId="554"/>
+            <ac:spMk id="17" creationId="{00000000-0000-0000-0000-000000000000}"/>
+          </ac:spMkLst>
+        </pc:spChg>
+        <pc:spChg chg="del">
+          <ac:chgData name="Zhao Jin" userId="cd05a825-544c-438a-9ba1-08e63db50b47" providerId="ADAL" clId="{E094A0D3-9008-D44F-B23F-E71F39C2BDEC}" dt="2021-01-27T05:24:41.620" v="380" actId="478"/>
+          <ac:spMkLst>
+            <pc:docMk/>
+            <pc:sldMk cId="1659983766" sldId="554"/>
+            <ac:spMk id="18" creationId="{00000000-0000-0000-0000-000000000000}"/>
+          </ac:spMkLst>
+        </pc:spChg>
+        <pc:spChg chg="mod">
+          <ac:chgData name="Zhao Jin" userId="cd05a825-544c-438a-9ba1-08e63db50b47" providerId="ADAL" clId="{E094A0D3-9008-D44F-B23F-E71F39C2BDEC}" dt="2021-01-27T05:31:04.899" v="719" actId="20577"/>
+          <ac:spMkLst>
+            <pc:docMk/>
+            <pc:sldMk cId="1659983766" sldId="554"/>
+            <ac:spMk id="34" creationId="{00000000-0000-0000-0000-000000000000}"/>
+          </ac:spMkLst>
+        </pc:spChg>
+        <pc:spChg chg="del mod">
+          <ac:chgData name="Zhao Jin" userId="cd05a825-544c-438a-9ba1-08e63db50b47" providerId="ADAL" clId="{E094A0D3-9008-D44F-B23F-E71F39C2BDEC}" dt="2021-01-27T05:24:40.087" v="379" actId="478"/>
+          <ac:spMkLst>
+            <pc:docMk/>
+            <pc:sldMk cId="1659983766" sldId="554"/>
+            <ac:spMk id="48" creationId="{00000000-0000-0000-0000-000000000000}"/>
+          </ac:spMkLst>
+        </pc:spChg>
+        <pc:spChg chg="add mod">
+          <ac:chgData name="Zhao Jin" userId="cd05a825-544c-438a-9ba1-08e63db50b47" providerId="ADAL" clId="{E094A0D3-9008-D44F-B23F-E71F39C2BDEC}" dt="2021-01-27T05:35:32.267" v="828" actId="1035"/>
+          <ac:spMkLst>
+            <pc:docMk/>
+            <pc:sldMk cId="1659983766" sldId="554"/>
+            <ac:spMk id="49" creationId="{21EEE82A-4DB6-1D4F-9A03-5951F440FE93}"/>
+          </ac:spMkLst>
+        </pc:spChg>
+        <pc:spChg chg="add mod">
+          <ac:chgData name="Zhao Jin" userId="cd05a825-544c-438a-9ba1-08e63db50b47" providerId="ADAL" clId="{E094A0D3-9008-D44F-B23F-E71F39C2BDEC}" dt="2021-01-27T05:37:45.636" v="1033" actId="139"/>
+          <ac:spMkLst>
+            <pc:docMk/>
+            <pc:sldMk cId="1659983766" sldId="554"/>
+            <ac:spMk id="50" creationId="{6A68E681-1A88-9040-8F49-07716663CAA5}"/>
+          </ac:spMkLst>
+        </pc:spChg>
+        <pc:spChg chg="mod">
+          <ac:chgData name="Zhao Jin" userId="cd05a825-544c-438a-9ba1-08e63db50b47" providerId="ADAL" clId="{E094A0D3-9008-D44F-B23F-E71F39C2BDEC}" dt="2021-01-27T05:24:26.093" v="374" actId="20577"/>
+          <ac:spMkLst>
+            <pc:docMk/>
+            <pc:sldMk cId="1659983766" sldId="554"/>
+            <ac:spMk id="14338" creationId="{00000000-0000-0000-0000-000000000000}"/>
+          </ac:spMkLst>
+        </pc:spChg>
+        <pc:grpChg chg="del">
+          <ac:chgData name="Zhao Jin" userId="cd05a825-544c-438a-9ba1-08e63db50b47" providerId="ADAL" clId="{E094A0D3-9008-D44F-B23F-E71F39C2BDEC}" dt="2021-01-27T05:24:36.894" v="377" actId="478"/>
+          <ac:grpSpMkLst>
+            <pc:docMk/>
+            <pc:sldMk cId="1659983766" sldId="554"/>
+            <ac:grpSpMk id="19" creationId="{00000000-0000-0000-0000-000000000000}"/>
+          </ac:grpSpMkLst>
+        </pc:grpChg>
+        <pc:grpChg chg="mod">
+          <ac:chgData name="Zhao Jin" userId="cd05a825-544c-438a-9ba1-08e63db50b47" providerId="ADAL" clId="{E094A0D3-9008-D44F-B23F-E71F39C2BDEC}" dt="2021-01-27T05:36:20.397" v="880" actId="1076"/>
+          <ac:grpSpMkLst>
+            <pc:docMk/>
+            <pc:sldMk cId="1659983766" sldId="554"/>
+            <ac:grpSpMk id="31" creationId="{00000000-0000-0000-0000-000000000000}"/>
+          </ac:grpSpMkLst>
+        </pc:grpChg>
+        <pc:cxnChg chg="mod">
+          <ac:chgData name="Zhao Jin" userId="cd05a825-544c-438a-9ba1-08e63db50b47" providerId="ADAL" clId="{E094A0D3-9008-D44F-B23F-E71F39C2BDEC}" dt="2021-01-27T05:24:36.894" v="377" actId="478"/>
+          <ac:cxnSpMkLst>
+            <pc:docMk/>
+            <pc:sldMk cId="1659983766" sldId="554"/>
+            <ac:cxnSpMk id="21" creationId="{00000000-0000-0000-0000-000000000000}"/>
+          </ac:cxnSpMkLst>
+        </pc:cxnChg>
+        <pc:cxnChg chg="mod">
+          <ac:chgData name="Zhao Jin" userId="cd05a825-544c-438a-9ba1-08e63db50b47" providerId="ADAL" clId="{E094A0D3-9008-D44F-B23F-E71F39C2BDEC}" dt="2021-01-27T05:24:36.894" v="377" actId="478"/>
+          <ac:cxnSpMkLst>
+            <pc:docMk/>
+            <pc:sldMk cId="1659983766" sldId="554"/>
+            <ac:cxnSpMk id="23" creationId="{00000000-0000-0000-0000-000000000000}"/>
+          </ac:cxnSpMkLst>
+        </pc:cxnChg>
+        <pc:cxnChg chg="mod">
+          <ac:chgData name="Zhao Jin" userId="cd05a825-544c-438a-9ba1-08e63db50b47" providerId="ADAL" clId="{E094A0D3-9008-D44F-B23F-E71F39C2BDEC}" dt="2021-01-27T05:24:36.894" v="377" actId="478"/>
+          <ac:cxnSpMkLst>
+            <pc:docMk/>
+            <pc:sldMk cId="1659983766" sldId="554"/>
+            <ac:cxnSpMk id="28" creationId="{00000000-0000-0000-0000-000000000000}"/>
+          </ac:cxnSpMkLst>
+        </pc:cxnChg>
+        <pc:cxnChg chg="mod">
+          <ac:chgData name="Zhao Jin" userId="cd05a825-544c-438a-9ba1-08e63db50b47" providerId="ADAL" clId="{E094A0D3-9008-D44F-B23F-E71F39C2BDEC}" dt="2021-01-27T05:24:36.894" v="377" actId="478"/>
+          <ac:cxnSpMkLst>
+            <pc:docMk/>
+            <pc:sldMk cId="1659983766" sldId="554"/>
+            <ac:cxnSpMk id="29" creationId="{00000000-0000-0000-0000-000000000000}"/>
+          </ac:cxnSpMkLst>
+        </pc:cxnChg>
+        <pc:cxnChg chg="mod">
+          <ac:chgData name="Zhao Jin" userId="cd05a825-544c-438a-9ba1-08e63db50b47" providerId="ADAL" clId="{E094A0D3-9008-D44F-B23F-E71F39C2BDEC}" dt="2021-01-27T05:30:33.903" v="698" actId="14100"/>
+          <ac:cxnSpMkLst>
+            <pc:docMk/>
+            <pc:sldMk cId="1659983766" sldId="554"/>
+            <ac:cxnSpMk id="40" creationId="{00000000-0000-0000-0000-000000000000}"/>
+          </ac:cxnSpMkLst>
+        </pc:cxnChg>
       </pc:sldChg>
-      <pc:sldChg chg="modSp del">
-        <pc:chgData name="Zhao Jin" userId="cd05a825-544c-438a-9ba1-08e63db50b47" providerId="ADAL" clId="{37A0D694-38DA-4421-B5D3-DEDBFC2EC57C}" dt="2021-02-03T09:00:14.226" v="1559" actId="47"/>
+      <pc:sldChg chg="addSp delSp modSp add">
+        <pc:chgData name="Zhao Jin" userId="cd05a825-544c-438a-9ba1-08e63db50b47" providerId="ADAL" clId="{E094A0D3-9008-D44F-B23F-E71F39C2BDEC}" dt="2021-01-27T05:44:46" v="1434" actId="207"/>
         <pc:sldMkLst>
           <pc:docMk/>
           <pc:sldMk cId="1268238251" sldId="555"/>
         </pc:sldMkLst>
+        <pc:spChg chg="del">
+          <ac:chgData name="Zhao Jin" userId="cd05a825-544c-438a-9ba1-08e63db50b47" providerId="ADAL" clId="{E094A0D3-9008-D44F-B23F-E71F39C2BDEC}" dt="2021-01-27T05:35:16.592" v="820" actId="478"/>
+          <ac:spMkLst>
+            <pc:docMk/>
+            <pc:sldMk cId="1268238251" sldId="555"/>
+            <ac:spMk id="16" creationId="{00000000-0000-0000-0000-000000000000}"/>
+          </ac:spMkLst>
+        </pc:spChg>
+        <pc:spChg chg="add mod">
+          <ac:chgData name="Zhao Jin" userId="cd05a825-544c-438a-9ba1-08e63db50b47" providerId="ADAL" clId="{E094A0D3-9008-D44F-B23F-E71F39C2BDEC}" dt="2021-01-27T05:44:46" v="1434" actId="207"/>
+          <ac:spMkLst>
+            <pc:docMk/>
+            <pc:sldMk cId="1268238251" sldId="555"/>
+            <ac:spMk id="25" creationId="{F43FC8C1-7270-804E-9F1F-0B4AED0CEA28}"/>
+          </ac:spMkLst>
+        </pc:spChg>
+        <pc:spChg chg="add mod">
+          <ac:chgData name="Zhao Jin" userId="cd05a825-544c-438a-9ba1-08e63db50b47" providerId="ADAL" clId="{E094A0D3-9008-D44F-B23F-E71F39C2BDEC}" dt="2021-01-27T05:44:16.318" v="1429" actId="14100"/>
+          <ac:spMkLst>
+            <pc:docMk/>
+            <pc:sldMk cId="1268238251" sldId="555"/>
+            <ac:spMk id="26" creationId="{D54C351E-DA02-A443-8515-857077895051}"/>
+          </ac:spMkLst>
+        </pc:spChg>
+        <pc:spChg chg="add mod">
+          <ac:chgData name="Zhao Jin" userId="cd05a825-544c-438a-9ba1-08e63db50b47" providerId="ADAL" clId="{E094A0D3-9008-D44F-B23F-E71F39C2BDEC}" dt="2021-01-27T05:41:58.527" v="1301" actId="1036"/>
+          <ac:spMkLst>
+            <pc:docMk/>
+            <pc:sldMk cId="1268238251" sldId="555"/>
+            <ac:spMk id="27" creationId="{367D5355-0C55-2E48-9F4B-AB4FC9100A05}"/>
+          </ac:spMkLst>
+        </pc:spChg>
+        <pc:spChg chg="add del mod">
+          <ac:chgData name="Zhao Jin" userId="cd05a825-544c-438a-9ba1-08e63db50b47" providerId="ADAL" clId="{E094A0D3-9008-D44F-B23F-E71F39C2BDEC}" dt="2021-01-27T05:40:51.648" v="1180"/>
+          <ac:spMkLst>
+            <pc:docMk/>
+            <pc:sldMk cId="1268238251" sldId="555"/>
+            <ac:spMk id="28" creationId="{EE887C52-B868-F041-B2F3-E77854181B5E}"/>
+          </ac:spMkLst>
+        </pc:spChg>
         <pc:spChg chg="mod">
-          <ac:chgData name="Zhao Jin" userId="cd05a825-544c-438a-9ba1-08e63db50b47" providerId="ADAL" clId="{37A0D694-38DA-4421-B5D3-DEDBFC2EC57C}" dt="2021-02-03T06:56:12.527" v="36"/>
+          <ac:chgData name="Zhao Jin" userId="cd05a825-544c-438a-9ba1-08e63db50b47" providerId="ADAL" clId="{E094A0D3-9008-D44F-B23F-E71F39C2BDEC}" dt="2021-01-27T05:44:00.171" v="1425" actId="14100"/>
           <ac:spMkLst>
             <pc:docMk/>
             <pc:sldMk cId="1268238251" sldId="555"/>
-            <ac:spMk id="7" creationId="{00000000-0000-0000-0000-000000000000}"/>
-          </ac:spMkLst>
-        </pc:spChg>
-      </pc:sldChg>
-      <pc:sldChg chg="modSp del">
-        <pc:chgData name="Zhao Jin" userId="cd05a825-544c-438a-9ba1-08e63db50b47" providerId="ADAL" clId="{37A0D694-38DA-4421-B5D3-DEDBFC2EC57C}" dt="2021-02-03T09:00:14.226" v="1559" actId="47"/>
-        <pc:sldMkLst>
-          <pc:docMk/>
-          <pc:sldMk cId="3990513599" sldId="556"/>
-        </pc:sldMkLst>
-        <pc:spChg chg="mod">
-          <ac:chgData name="Zhao Jin" userId="cd05a825-544c-438a-9ba1-08e63db50b47" providerId="ADAL" clId="{37A0D694-38DA-4421-B5D3-DEDBFC2EC57C}" dt="2021-02-03T06:56:12.527" v="36"/>
-          <ac:spMkLst>
-            <pc:docMk/>
-            <pc:sldMk cId="3990513599" sldId="556"/>
-            <ac:spMk id="7" creationId="{00000000-0000-0000-0000-000000000000}"/>
-          </ac:spMkLst>
-        </pc:spChg>
-      </pc:sldChg>
-      <pc:sldChg chg="modSp del">
-        <pc:chgData name="Zhao Jin" userId="cd05a825-544c-438a-9ba1-08e63db50b47" providerId="ADAL" clId="{37A0D694-38DA-4421-B5D3-DEDBFC2EC57C}" dt="2021-02-03T09:00:14.226" v="1559" actId="47"/>
-        <pc:sldMkLst>
-          <pc:docMk/>
-          <pc:sldMk cId="788021743" sldId="557"/>
-        </pc:sldMkLst>
-        <pc:spChg chg="mod">
-          <ac:chgData name="Zhao Jin" userId="cd05a825-544c-438a-9ba1-08e63db50b47" providerId="ADAL" clId="{37A0D694-38DA-4421-B5D3-DEDBFC2EC57C}" dt="2021-02-03T06:56:12.527" v="36"/>
-          <ac:spMkLst>
-            <pc:docMk/>
-            <pc:sldMk cId="788021743" sldId="557"/>
-            <ac:spMk id="7" creationId="{00000000-0000-0000-0000-000000000000}"/>
-          </ac:spMkLst>
-        </pc:spChg>
-      </pc:sldChg>
-      <pc:sldChg chg="addSp delSp modSp add mod ord delAnim modAnim">
-        <pc:chgData name="Zhao Jin" userId="cd05a825-544c-438a-9ba1-08e63db50b47" providerId="ADAL" clId="{37A0D694-38DA-4421-B5D3-DEDBFC2EC57C}" dt="2021-02-10T03:55:38.772" v="4967"/>
-        <pc:sldMkLst>
-          <pc:docMk/>
-          <pc:sldMk cId="487843573" sldId="558"/>
-        </pc:sldMkLst>
-        <pc:spChg chg="add mod topLvl">
-          <ac:chgData name="Zhao Jin" userId="cd05a825-544c-438a-9ba1-08e63db50b47" providerId="ADAL" clId="{37A0D694-38DA-4421-B5D3-DEDBFC2EC57C}" dt="2021-02-08T01:54:54.740" v="4571" actId="1036"/>
-          <ac:spMkLst>
-            <pc:docMk/>
-            <pc:sldMk cId="487843573" sldId="558"/>
-            <ac:spMk id="2" creationId="{0AA435E6-852E-478F-B597-789A68E1C063}"/>
-          </ac:spMkLst>
-        </pc:spChg>
-        <pc:spChg chg="mod">
-          <ac:chgData name="Zhao Jin" userId="cd05a825-544c-438a-9ba1-08e63db50b47" providerId="ADAL" clId="{37A0D694-38DA-4421-B5D3-DEDBFC2EC57C}" dt="2021-02-10T03:55:38.772" v="4967"/>
-          <ac:spMkLst>
-            <pc:docMk/>
-            <pc:sldMk cId="487843573" sldId="558"/>
-            <ac:spMk id="7" creationId="{00000000-0000-0000-0000-000000000000}"/>
-          </ac:spMkLst>
-        </pc:spChg>
-        <pc:spChg chg="mod topLvl">
-          <ac:chgData name="Zhao Jin" userId="cd05a825-544c-438a-9ba1-08e63db50b47" providerId="ADAL" clId="{37A0D694-38DA-4421-B5D3-DEDBFC2EC57C}" dt="2021-02-08T07:59:31.262" v="4966" actId="20577"/>
-          <ac:spMkLst>
-            <pc:docMk/>
-            <pc:sldMk cId="487843573" sldId="558"/>
-            <ac:spMk id="14" creationId="{00000000-0000-0000-0000-000000000000}"/>
-          </ac:spMkLst>
-        </pc:spChg>
-        <pc:spChg chg="del topLvl">
-          <ac:chgData name="Zhao Jin" userId="cd05a825-544c-438a-9ba1-08e63db50b47" providerId="ADAL" clId="{37A0D694-38DA-4421-B5D3-DEDBFC2EC57C}" dt="2021-02-08T01:47:06.169" v="4274" actId="478"/>
-          <ac:spMkLst>
-            <pc:docMk/>
-            <pc:sldMk cId="487843573" sldId="558"/>
-            <ac:spMk id="15" creationId="{00000000-0000-0000-0000-000000000000}"/>
-          </ac:spMkLst>
-        </pc:spChg>
-        <pc:spChg chg="mod">
-          <ac:chgData name="Zhao Jin" userId="cd05a825-544c-438a-9ba1-08e63db50b47" providerId="ADAL" clId="{37A0D694-38DA-4421-B5D3-DEDBFC2EC57C}" dt="2021-02-08T01:51:08.577" v="4468" actId="14100"/>
-          <ac:spMkLst>
-            <pc:docMk/>
-            <pc:sldMk cId="487843573" sldId="558"/>
-            <ac:spMk id="17" creationId="{00000000-0000-0000-0000-000000000000}"/>
-          </ac:spMkLst>
-        </pc:spChg>
-        <pc:spChg chg="add mod">
-          <ac:chgData name="Zhao Jin" userId="cd05a825-544c-438a-9ba1-08e63db50b47" providerId="ADAL" clId="{37A0D694-38DA-4421-B5D3-DEDBFC2EC57C}" dt="2021-02-08T01:47:39.526" v="4317" actId="14100"/>
-          <ac:spMkLst>
-            <pc:docMk/>
-            <pc:sldMk cId="487843573" sldId="558"/>
-            <ac:spMk id="20" creationId="{B9DB2039-D266-417E-930D-88E5062D8119}"/>
-          </ac:spMkLst>
-        </pc:spChg>
-        <pc:spChg chg="add mod topLvl">
-          <ac:chgData name="Zhao Jin" userId="cd05a825-544c-438a-9ba1-08e63db50b47" providerId="ADAL" clId="{37A0D694-38DA-4421-B5D3-DEDBFC2EC57C}" dt="2021-02-08T01:54:21.354" v="4567" actId="165"/>
-          <ac:spMkLst>
-            <pc:docMk/>
-            <pc:sldMk cId="487843573" sldId="558"/>
-            <ac:spMk id="21" creationId="{BB8C38A6-8674-4E0E-B871-1FCF27E9B4CB}"/>
-          </ac:spMkLst>
-        </pc:spChg>
-        <pc:spChg chg="add mod topLvl">
-          <ac:chgData name="Zhao Jin" userId="cd05a825-544c-438a-9ba1-08e63db50b47" providerId="ADAL" clId="{37A0D694-38DA-4421-B5D3-DEDBFC2EC57C}" dt="2021-02-08T01:54:21.354" v="4567" actId="165"/>
-          <ac:spMkLst>
-            <pc:docMk/>
-            <pc:sldMk cId="487843573" sldId="558"/>
-            <ac:spMk id="22" creationId="{2F81D7AB-7D04-43DC-8CF7-A151843D9A9A}"/>
-          </ac:spMkLst>
-        </pc:spChg>
-        <pc:spChg chg="mod topLvl">
-          <ac:chgData name="Zhao Jin" userId="cd05a825-544c-438a-9ba1-08e63db50b47" providerId="ADAL" clId="{37A0D694-38DA-4421-B5D3-DEDBFC2EC57C}" dt="2021-02-08T01:54:21.354" v="4567" actId="165"/>
-          <ac:spMkLst>
-            <pc:docMk/>
-            <pc:sldMk cId="487843573" sldId="558"/>
-            <ac:spMk id="24" creationId="{B4E696D3-ADEF-4AA3-BCC9-171A8F03891A}"/>
-          </ac:spMkLst>
-        </pc:spChg>
-        <pc:spChg chg="mod topLvl">
-          <ac:chgData name="Zhao Jin" userId="cd05a825-544c-438a-9ba1-08e63db50b47" providerId="ADAL" clId="{37A0D694-38DA-4421-B5D3-DEDBFC2EC57C}" dt="2021-02-08T01:54:21.354" v="4567" actId="165"/>
-          <ac:spMkLst>
-            <pc:docMk/>
-            <pc:sldMk cId="487843573" sldId="558"/>
-            <ac:spMk id="25" creationId="{E19EB41A-2BE2-4DF1-88DC-734F0E106BC7}"/>
-          </ac:spMkLst>
-        </pc:spChg>
-        <pc:spChg chg="mod topLvl">
-          <ac:chgData name="Zhao Jin" userId="cd05a825-544c-438a-9ba1-08e63db50b47" providerId="ADAL" clId="{37A0D694-38DA-4421-B5D3-DEDBFC2EC57C}" dt="2021-02-08T01:54:21.354" v="4567" actId="165"/>
-          <ac:spMkLst>
-            <pc:docMk/>
-            <pc:sldMk cId="487843573" sldId="558"/>
-            <ac:spMk id="26" creationId="{9F2304ED-4F52-45A9-88B7-E51D4311F3B8}"/>
-          </ac:spMkLst>
-        </pc:spChg>
-        <pc:spChg chg="mod">
-          <ac:chgData name="Zhao Jin" userId="cd05a825-544c-438a-9ba1-08e63db50b47" providerId="ADAL" clId="{37A0D694-38DA-4421-B5D3-DEDBFC2EC57C}" dt="2021-02-08T01:53:55.267" v="4557"/>
-          <ac:spMkLst>
-            <pc:docMk/>
-            <pc:sldMk cId="487843573" sldId="558"/>
-            <ac:spMk id="28" creationId="{47B0747A-2E61-4716-BF5D-D2B12E6D64BF}"/>
-          </ac:spMkLst>
-        </pc:spChg>
-        <pc:spChg chg="mod">
-          <ac:chgData name="Zhao Jin" userId="cd05a825-544c-438a-9ba1-08e63db50b47" providerId="ADAL" clId="{37A0D694-38DA-4421-B5D3-DEDBFC2EC57C}" dt="2021-02-08T01:53:55.267" v="4557"/>
-          <ac:spMkLst>
-            <pc:docMk/>
-            <pc:sldMk cId="487843573" sldId="558"/>
-            <ac:spMk id="29" creationId="{54237745-C995-42F1-9126-7D86C7667923}"/>
-          </ac:spMkLst>
-        </pc:spChg>
-        <pc:spChg chg="mod">
-          <ac:chgData name="Zhao Jin" userId="cd05a825-544c-438a-9ba1-08e63db50b47" providerId="ADAL" clId="{37A0D694-38DA-4421-B5D3-DEDBFC2EC57C}" dt="2021-02-08T01:53:55.267" v="4557"/>
-          <ac:spMkLst>
-            <pc:docMk/>
-            <pc:sldMk cId="487843573" sldId="558"/>
-            <ac:spMk id="30" creationId="{6FC1D281-B735-481E-A919-8C2D0B287264}"/>
-          </ac:spMkLst>
-        </pc:spChg>
-        <pc:spChg chg="mod topLvl">
-          <ac:chgData name="Zhao Jin" userId="cd05a825-544c-438a-9ba1-08e63db50b47" providerId="ADAL" clId="{37A0D694-38DA-4421-B5D3-DEDBFC2EC57C}" dt="2021-02-08T01:54:21.354" v="4567" actId="165"/>
-          <ac:spMkLst>
-            <pc:docMk/>
-            <pc:sldMk cId="487843573" sldId="558"/>
-            <ac:spMk id="32" creationId="{659AEE1B-C8A8-4F0D-A678-BE0BB18E64EF}"/>
-          </ac:spMkLst>
-        </pc:spChg>
-        <pc:spChg chg="mod topLvl">
-          <ac:chgData name="Zhao Jin" userId="cd05a825-544c-438a-9ba1-08e63db50b47" providerId="ADAL" clId="{37A0D694-38DA-4421-B5D3-DEDBFC2EC57C}" dt="2021-02-08T01:54:21.354" v="4567" actId="165"/>
-          <ac:spMkLst>
-            <pc:docMk/>
-            <pc:sldMk cId="487843573" sldId="558"/>
-            <ac:spMk id="33" creationId="{C7A06EA1-2EC1-42CA-A56F-46A3331F7605}"/>
-          </ac:spMkLst>
-        </pc:spChg>
-        <pc:spChg chg="mod topLvl">
-          <ac:chgData name="Zhao Jin" userId="cd05a825-544c-438a-9ba1-08e63db50b47" providerId="ADAL" clId="{37A0D694-38DA-4421-B5D3-DEDBFC2EC57C}" dt="2021-02-08T01:54:21.354" v="4567" actId="165"/>
-          <ac:spMkLst>
-            <pc:docMk/>
-            <pc:sldMk cId="487843573" sldId="558"/>
-            <ac:spMk id="34" creationId="{C2A482B6-E3E6-485B-830B-6965CF701E68}"/>
-          </ac:spMkLst>
-        </pc:spChg>
-        <pc:spChg chg="mod">
-          <ac:chgData name="Zhao Jin" userId="cd05a825-544c-438a-9ba1-08e63db50b47" providerId="ADAL" clId="{37A0D694-38DA-4421-B5D3-DEDBFC2EC57C}" dt="2021-02-08T01:56:28.234" v="4577" actId="20577"/>
-          <ac:spMkLst>
-            <pc:docMk/>
-            <pc:sldMk cId="487843573" sldId="558"/>
-            <ac:spMk id="14338" creationId="{00000000-0000-0000-0000-000000000000}"/>
-          </ac:spMkLst>
-        </pc:spChg>
-        <pc:spChg chg="del">
-          <ac:chgData name="Zhao Jin" userId="cd05a825-544c-438a-9ba1-08e63db50b47" providerId="ADAL" clId="{37A0D694-38DA-4421-B5D3-DEDBFC2EC57C}" dt="2021-02-08T01:47:14.163" v="4302" actId="478"/>
-          <ac:spMkLst>
-            <pc:docMk/>
-            <pc:sldMk cId="487843573" sldId="558"/>
-            <ac:spMk id="14340" creationId="{00000000-0000-0000-0000-000000000000}"/>
-          </ac:spMkLst>
-        </pc:spChg>
-        <pc:grpChg chg="add del mod">
-          <ac:chgData name="Zhao Jin" userId="cd05a825-544c-438a-9ba1-08e63db50b47" providerId="ADAL" clId="{37A0D694-38DA-4421-B5D3-DEDBFC2EC57C}" dt="2021-02-08T01:54:21.354" v="4567" actId="165"/>
+            <ac:spMk id="49" creationId="{21EEE82A-4DB6-1D4F-9A03-5951F440FE93}"/>
+          </ac:spMkLst>
+        </pc:spChg>
+        <pc:grpChg chg="del">
+          <ac:chgData name="Zhao Jin" userId="cd05a825-544c-438a-9ba1-08e63db50b47" providerId="ADAL" clId="{E094A0D3-9008-D44F-B23F-E71F39C2BDEC}" dt="2021-01-27T05:35:18.480" v="821" actId="478"/>
           <ac:grpSpMkLst>
             <pc:docMk/>
-            <pc:sldMk cId="487843573" sldId="558"/>
-            <ac:grpSpMk id="3" creationId="{FFE0EFAC-F94A-4083-BDAD-0A7670A72C75}"/>
+            <pc:sldMk cId="1268238251" sldId="555"/>
+            <ac:grpSpMk id="31" creationId="{00000000-0000-0000-0000-000000000000}"/>
           </ac:grpSpMkLst>
         </pc:grpChg>
-        <pc:grpChg chg="del">
-          <ac:chgData name="Zhao Jin" userId="cd05a825-544c-438a-9ba1-08e63db50b47" providerId="ADAL" clId="{37A0D694-38DA-4421-B5D3-DEDBFC2EC57C}" dt="2021-02-08T01:47:06.169" v="4274" actId="478"/>
-          <ac:grpSpMkLst>
-            <pc:docMk/>
-            <pc:sldMk cId="487843573" sldId="558"/>
-            <ac:grpSpMk id="13" creationId="{00000000-0000-0000-0000-000000000000}"/>
-          </ac:grpSpMkLst>
-        </pc:grpChg>
-        <pc:grpChg chg="add del mod">
-          <ac:chgData name="Zhao Jin" userId="cd05a825-544c-438a-9ba1-08e63db50b47" providerId="ADAL" clId="{37A0D694-38DA-4421-B5D3-DEDBFC2EC57C}" dt="2021-02-08T01:54:21.354" v="4567" actId="165"/>
-          <ac:grpSpMkLst>
-            <pc:docMk/>
-            <pc:sldMk cId="487843573" sldId="558"/>
-            <ac:grpSpMk id="23" creationId="{A38A66FD-989D-41D7-B35C-74B9562D2757}"/>
-          </ac:grpSpMkLst>
-        </pc:grpChg>
-        <pc:grpChg chg="add del mod">
-          <ac:chgData name="Zhao Jin" userId="cd05a825-544c-438a-9ba1-08e63db50b47" providerId="ADAL" clId="{37A0D694-38DA-4421-B5D3-DEDBFC2EC57C}" dt="2021-02-08T01:54:16.269" v="4566" actId="478"/>
-          <ac:grpSpMkLst>
-            <pc:docMk/>
-            <pc:sldMk cId="487843573" sldId="558"/>
-            <ac:grpSpMk id="27" creationId="{CA15FD60-E569-4EA9-B31B-C0ACB6092E0E}"/>
-          </ac:grpSpMkLst>
-        </pc:grpChg>
-        <pc:grpChg chg="add del mod">
-          <ac:chgData name="Zhao Jin" userId="cd05a825-544c-438a-9ba1-08e63db50b47" providerId="ADAL" clId="{37A0D694-38DA-4421-B5D3-DEDBFC2EC57C}" dt="2021-02-08T01:54:21.354" v="4567" actId="165"/>
-          <ac:grpSpMkLst>
-            <pc:docMk/>
-            <pc:sldMk cId="487843573" sldId="558"/>
-            <ac:grpSpMk id="31" creationId="{4962FE2A-AAB6-4BE4-8700-EBB12E5C89B0}"/>
-          </ac:grpSpMkLst>
-        </pc:grpChg>
-        <pc:graphicFrameChg chg="del">
-          <ac:chgData name="Zhao Jin" userId="cd05a825-544c-438a-9ba1-08e63db50b47" providerId="ADAL" clId="{37A0D694-38DA-4421-B5D3-DEDBFC2EC57C}" dt="2021-02-08T01:45:50.655" v="4102" actId="478"/>
-          <ac:graphicFrameMkLst>
-            <pc:docMk/>
-            <pc:sldMk cId="487843573" sldId="558"/>
-            <ac:graphicFrameMk id="16" creationId="{00000000-0000-0000-0000-000000000000}"/>
-          </ac:graphicFrameMkLst>
-        </pc:graphicFrameChg>
-        <pc:graphicFrameChg chg="add mod ord modGraphic">
-          <ac:chgData name="Zhao Jin" userId="cd05a825-544c-438a-9ba1-08e63db50b47" providerId="ADAL" clId="{37A0D694-38DA-4421-B5D3-DEDBFC2EC57C}" dt="2021-02-08T01:54:29.635" v="4568" actId="167"/>
-          <ac:graphicFrameMkLst>
-            <pc:docMk/>
-            <pc:sldMk cId="487843573" sldId="558"/>
-            <ac:graphicFrameMk id="19" creationId="{F406C909-98D4-47F1-9BFD-5E37D45DA926}"/>
-          </ac:graphicFrameMkLst>
-        </pc:graphicFrameChg>
-        <pc:picChg chg="del">
-          <ac:chgData name="Zhao Jin" userId="cd05a825-544c-438a-9ba1-08e63db50b47" providerId="ADAL" clId="{37A0D694-38DA-4421-B5D3-DEDBFC2EC57C}" dt="2021-02-08T01:47:00.259" v="4270" actId="478"/>
-          <ac:picMkLst>
-            <pc:docMk/>
-            <pc:sldMk cId="487843573" sldId="558"/>
-            <ac:picMk id="18" creationId="{00000000-0000-0000-0000-000000000000}"/>
-          </ac:picMkLst>
-        </pc:picChg>
-      </pc:sldChg>
-      <pc:sldChg chg="modSp del">
-        <pc:chgData name="Zhao Jin" userId="cd05a825-544c-438a-9ba1-08e63db50b47" providerId="ADAL" clId="{37A0D694-38DA-4421-B5D3-DEDBFC2EC57C}" dt="2021-02-03T09:00:14.226" v="1559" actId="47"/>
-        <pc:sldMkLst>
-          <pc:docMk/>
-          <pc:sldMk cId="686532275" sldId="558"/>
-        </pc:sldMkLst>
-        <pc:spChg chg="mod">
-          <ac:chgData name="Zhao Jin" userId="cd05a825-544c-438a-9ba1-08e63db50b47" providerId="ADAL" clId="{37A0D694-38DA-4421-B5D3-DEDBFC2EC57C}" dt="2021-02-03T06:56:12.527" v="36"/>
-          <ac:spMkLst>
-            <pc:docMk/>
-            <pc:sldMk cId="686532275" sldId="558"/>
-            <ac:spMk id="7" creationId="{00000000-0000-0000-0000-000000000000}"/>
-          </ac:spMkLst>
-        </pc:spChg>
-      </pc:sldChg>
-      <pc:sldChg chg="modSp del">
-        <pc:chgData name="Zhao Jin" userId="cd05a825-544c-438a-9ba1-08e63db50b47" providerId="ADAL" clId="{37A0D694-38DA-4421-B5D3-DEDBFC2EC57C}" dt="2021-02-03T09:00:14.226" v="1559" actId="47"/>
-        <pc:sldMkLst>
-          <pc:docMk/>
-          <pc:sldMk cId="182578491" sldId="559"/>
-        </pc:sldMkLst>
-        <pc:spChg chg="mod">
-          <ac:chgData name="Zhao Jin" userId="cd05a825-544c-438a-9ba1-08e63db50b47" providerId="ADAL" clId="{37A0D694-38DA-4421-B5D3-DEDBFC2EC57C}" dt="2021-02-03T06:56:12.527" v="36"/>
-          <ac:spMkLst>
-            <pc:docMk/>
-            <pc:sldMk cId="182578491" sldId="559"/>
-            <ac:spMk id="7" creationId="{00000000-0000-0000-0000-000000000000}"/>
-          </ac:spMkLst>
-        </pc:spChg>
-      </pc:sldChg>
-      <pc:sldChg chg="modSp del">
-        <pc:chgData name="Zhao Jin" userId="cd05a825-544c-438a-9ba1-08e63db50b47" providerId="ADAL" clId="{37A0D694-38DA-4421-B5D3-DEDBFC2EC57C}" dt="2021-02-03T09:00:14.226" v="1559" actId="47"/>
-        <pc:sldMkLst>
-          <pc:docMk/>
-          <pc:sldMk cId="2739484572" sldId="562"/>
-        </pc:sldMkLst>
-        <pc:spChg chg="mod">
-          <ac:chgData name="Zhao Jin" userId="cd05a825-544c-438a-9ba1-08e63db50b47" providerId="ADAL" clId="{37A0D694-38DA-4421-B5D3-DEDBFC2EC57C}" dt="2021-02-03T06:56:12.527" v="36"/>
-          <ac:spMkLst>
-            <pc:docMk/>
-            <pc:sldMk cId="2739484572" sldId="562"/>
-            <ac:spMk id="7" creationId="{00000000-0000-0000-0000-000000000000}"/>
-          </ac:spMkLst>
-        </pc:spChg>
-      </pc:sldChg>
-      <pc:sldChg chg="delSp modSp add del mod">
-        <pc:chgData name="Zhao Jin" userId="cd05a825-544c-438a-9ba1-08e63db50b47" providerId="ADAL" clId="{37A0D694-38DA-4421-B5D3-DEDBFC2EC57C}" dt="2021-02-10T03:55:38.772" v="4967"/>
-        <pc:sldMkLst>
-          <pc:docMk/>
-          <pc:sldMk cId="92291925" sldId="563"/>
-        </pc:sldMkLst>
-        <pc:spChg chg="mod">
-          <ac:chgData name="Zhao Jin" userId="cd05a825-544c-438a-9ba1-08e63db50b47" providerId="ADAL" clId="{37A0D694-38DA-4421-B5D3-DEDBFC2EC57C}" dt="2021-02-10T03:55:38.772" v="4967"/>
-          <ac:spMkLst>
-            <pc:docMk/>
-            <pc:sldMk cId="92291925" sldId="563"/>
-            <ac:spMk id="7" creationId="{00000000-0000-0000-0000-000000000000}"/>
-          </ac:spMkLst>
-        </pc:spChg>
-        <pc:spChg chg="mod">
-          <ac:chgData name="Zhao Jin" userId="cd05a825-544c-438a-9ba1-08e63db50b47" providerId="ADAL" clId="{37A0D694-38DA-4421-B5D3-DEDBFC2EC57C}" dt="2021-02-03T07:01:09.202" v="40" actId="20577"/>
-          <ac:spMkLst>
-            <pc:docMk/>
-            <pc:sldMk cId="92291925" sldId="563"/>
-            <ac:spMk id="91" creationId="{00000000-0000-0000-0000-000000000000}"/>
-          </ac:spMkLst>
-        </pc:spChg>
-        <pc:spChg chg="del">
-          <ac:chgData name="Zhao Jin" userId="cd05a825-544c-438a-9ba1-08e63db50b47" providerId="ADAL" clId="{37A0D694-38DA-4421-B5D3-DEDBFC2EC57C}" dt="2021-02-03T09:25:38.461" v="3335" actId="478"/>
-          <ac:spMkLst>
-            <pc:docMk/>
-            <pc:sldMk cId="92291925" sldId="563"/>
-            <ac:spMk id="14340" creationId="{00000000-0000-0000-0000-000000000000}"/>
-          </ac:spMkLst>
-        </pc:spChg>
-      </pc:sldChg>
-      <pc:sldChg chg="addSp delSp modSp add mod addAnim delAnim modAnim">
-        <pc:chgData name="Zhao Jin" userId="cd05a825-544c-438a-9ba1-08e63db50b47" providerId="ADAL" clId="{37A0D694-38DA-4421-B5D3-DEDBFC2EC57C}" dt="2021-02-10T03:55:38.772" v="4967"/>
-        <pc:sldMkLst>
-          <pc:docMk/>
-          <pc:sldMk cId="894186310" sldId="564"/>
-        </pc:sldMkLst>
-        <pc:spChg chg="add del mod">
-          <ac:chgData name="Zhao Jin" userId="cd05a825-544c-438a-9ba1-08e63db50b47" providerId="ADAL" clId="{37A0D694-38DA-4421-B5D3-DEDBFC2EC57C}" dt="2021-02-03T07:59:26.734" v="491" actId="478"/>
-          <ac:spMkLst>
-            <pc:docMk/>
-            <pc:sldMk cId="894186310" sldId="564"/>
-            <ac:spMk id="6" creationId="{E4FD3079-E00B-4FD9-86AE-A5E6CCC7EDBE}"/>
-          </ac:spMkLst>
-        </pc:spChg>
-        <pc:spChg chg="mod">
-          <ac:chgData name="Zhao Jin" userId="cd05a825-544c-438a-9ba1-08e63db50b47" providerId="ADAL" clId="{37A0D694-38DA-4421-B5D3-DEDBFC2EC57C}" dt="2021-02-10T03:55:38.772" v="4967"/>
-          <ac:spMkLst>
-            <pc:docMk/>
-            <pc:sldMk cId="894186310" sldId="564"/>
-            <ac:spMk id="7" creationId="{00000000-0000-0000-0000-000000000000}"/>
-          </ac:spMkLst>
-        </pc:spChg>
-        <pc:spChg chg="del">
-          <ac:chgData name="Zhao Jin" userId="cd05a825-544c-438a-9ba1-08e63db50b47" providerId="ADAL" clId="{37A0D694-38DA-4421-B5D3-DEDBFC2EC57C}" dt="2021-02-03T07:59:25.059" v="490" actId="478"/>
-          <ac:spMkLst>
-            <pc:docMk/>
-            <pc:sldMk cId="894186310" sldId="564"/>
-            <ac:spMk id="8" creationId="{00000000-0000-0000-0000-000000000000}"/>
-          </ac:spMkLst>
-        </pc:spChg>
-        <pc:spChg chg="add mod">
-          <ac:chgData name="Zhao Jin" userId="cd05a825-544c-438a-9ba1-08e63db50b47" providerId="ADAL" clId="{37A0D694-38DA-4421-B5D3-DEDBFC2EC57C}" dt="2021-02-08T01:23:15.974" v="3508" actId="14100"/>
-          <ac:spMkLst>
-            <pc:docMk/>
-            <pc:sldMk cId="894186310" sldId="564"/>
-            <ac:spMk id="8" creationId="{A1FCBF0D-2794-4D66-A616-CF3267CF45BD}"/>
-          </ac:spMkLst>
-        </pc:spChg>
-        <pc:spChg chg="add mod">
-          <ac:chgData name="Zhao Jin" userId="cd05a825-544c-438a-9ba1-08e63db50b47" providerId="ADAL" clId="{37A0D694-38DA-4421-B5D3-DEDBFC2EC57C}" dt="2021-02-03T08:00:25.882" v="535" actId="1035"/>
-          <ac:spMkLst>
-            <pc:docMk/>
-            <pc:sldMk cId="894186310" sldId="564"/>
-            <ac:spMk id="11" creationId="{675C9FBE-306E-46A7-BAB9-46BD27707AF2}"/>
-          </ac:spMkLst>
-        </pc:spChg>
-        <pc:spChg chg="del">
-          <ac:chgData name="Zhao Jin" userId="cd05a825-544c-438a-9ba1-08e63db50b47" providerId="ADAL" clId="{37A0D694-38DA-4421-B5D3-DEDBFC2EC57C}" dt="2021-02-03T07:56:18.626" v="405" actId="478"/>
-          <ac:spMkLst>
-            <pc:docMk/>
-            <pc:sldMk cId="894186310" sldId="564"/>
-            <ac:spMk id="84" creationId="{C4E05674-68A2-0D4E-8B47-F7A2C6A6B76F}"/>
-          </ac:spMkLst>
-        </pc:spChg>
-        <pc:spChg chg="mod">
-          <ac:chgData name="Zhao Jin" userId="cd05a825-544c-438a-9ba1-08e63db50b47" providerId="ADAL" clId="{37A0D694-38DA-4421-B5D3-DEDBFC2EC57C}" dt="2021-02-03T07:55:53.159" v="399" actId="20577"/>
-          <ac:spMkLst>
-            <pc:docMk/>
-            <pc:sldMk cId="894186310" sldId="564"/>
-            <ac:spMk id="14338" creationId="{00000000-0000-0000-0000-000000000000}"/>
-          </ac:spMkLst>
-        </pc:spChg>
-        <pc:graphicFrameChg chg="add mod modGraphic">
-          <ac:chgData name="Zhao Jin" userId="cd05a825-544c-438a-9ba1-08e63db50b47" providerId="ADAL" clId="{37A0D694-38DA-4421-B5D3-DEDBFC2EC57C}" dt="2021-02-08T01:23:58.466" v="3512" actId="14734"/>
-          <ac:graphicFrameMkLst>
-            <pc:docMk/>
-            <pc:sldMk cId="894186310" sldId="564"/>
-            <ac:graphicFrameMk id="10" creationId="{74304014-08C4-4321-AD74-36FAC51612DB}"/>
-          </ac:graphicFrameMkLst>
-        </pc:graphicFrameChg>
-        <pc:picChg chg="del">
-          <ac:chgData name="Zhao Jin" userId="cd05a825-544c-438a-9ba1-08e63db50b47" providerId="ADAL" clId="{37A0D694-38DA-4421-B5D3-DEDBFC2EC57C}" dt="2021-02-03T07:56:06.872" v="400" actId="478"/>
-          <ac:picMkLst>
-            <pc:docMk/>
-            <pc:sldMk cId="894186310" sldId="564"/>
-            <ac:picMk id="3" creationId="{78D60D94-825A-D54F-ACF5-EA46D7263418}"/>
-          </ac:picMkLst>
-        </pc:picChg>
-        <pc:picChg chg="add mod">
-          <ac:chgData name="Zhao Jin" userId="cd05a825-544c-438a-9ba1-08e63db50b47" providerId="ADAL" clId="{37A0D694-38DA-4421-B5D3-DEDBFC2EC57C}" dt="2021-02-03T08:00:23.041" v="525" actId="1076"/>
-          <ac:picMkLst>
-            <pc:docMk/>
-            <pc:sldMk cId="894186310" sldId="564"/>
-            <ac:picMk id="4" creationId="{EAFF9153-D379-4E7D-9B97-29843966A9B9}"/>
-          </ac:picMkLst>
-        </pc:picChg>
-      </pc:sldChg>
-      <pc:sldChg chg="delSp modSp add mod">
-        <pc:chgData name="Zhao Jin" userId="cd05a825-544c-438a-9ba1-08e63db50b47" providerId="ADAL" clId="{37A0D694-38DA-4421-B5D3-DEDBFC2EC57C}" dt="2021-02-10T03:55:38.772" v="4967"/>
-        <pc:sldMkLst>
-          <pc:docMk/>
-          <pc:sldMk cId="1732540191" sldId="568"/>
-        </pc:sldMkLst>
-        <pc:spChg chg="mod">
-          <ac:chgData name="Zhao Jin" userId="cd05a825-544c-438a-9ba1-08e63db50b47" providerId="ADAL" clId="{37A0D694-38DA-4421-B5D3-DEDBFC2EC57C}" dt="2021-02-10T03:55:38.772" v="4967"/>
-          <ac:spMkLst>
-            <pc:docMk/>
-            <pc:sldMk cId="1732540191" sldId="568"/>
-            <ac:spMk id="7" creationId="{00000000-0000-0000-0000-000000000000}"/>
-          </ac:spMkLst>
-        </pc:spChg>
-        <pc:spChg chg="mod">
-          <ac:chgData name="Zhao Jin" userId="cd05a825-544c-438a-9ba1-08e63db50b47" providerId="ADAL" clId="{37A0D694-38DA-4421-B5D3-DEDBFC2EC57C}" dt="2021-02-08T01:57:47.585" v="4651" actId="207"/>
-          <ac:spMkLst>
-            <pc:docMk/>
-            <pc:sldMk cId="1732540191" sldId="568"/>
-            <ac:spMk id="9" creationId="{00000000-0000-0000-0000-000000000000}"/>
-          </ac:spMkLst>
-        </pc:spChg>
-        <pc:spChg chg="mod">
-          <ac:chgData name="Zhao Jin" userId="cd05a825-544c-438a-9ba1-08e63db50b47" providerId="ADAL" clId="{37A0D694-38DA-4421-B5D3-DEDBFC2EC57C}" dt="2021-02-08T01:59:53.143" v="4810" actId="207"/>
-          <ac:spMkLst>
-            <pc:docMk/>
-            <pc:sldMk cId="1732540191" sldId="568"/>
-            <ac:spMk id="21" creationId="{00000000-0000-0000-0000-000000000000}"/>
-          </ac:spMkLst>
-        </pc:spChg>
-        <pc:spChg chg="mod">
-          <ac:chgData name="Zhao Jin" userId="cd05a825-544c-438a-9ba1-08e63db50b47" providerId="ADAL" clId="{37A0D694-38DA-4421-B5D3-DEDBFC2EC57C}" dt="2021-02-08T01:56:55.596" v="4584" actId="20577"/>
-          <ac:spMkLst>
-            <pc:docMk/>
-            <pc:sldMk cId="1732540191" sldId="568"/>
-            <ac:spMk id="14338" creationId="{00000000-0000-0000-0000-000000000000}"/>
-          </ac:spMkLst>
-        </pc:spChg>
-        <pc:spChg chg="del">
-          <ac:chgData name="Zhao Jin" userId="cd05a825-544c-438a-9ba1-08e63db50b47" providerId="ADAL" clId="{37A0D694-38DA-4421-B5D3-DEDBFC2EC57C}" dt="2021-02-08T01:56:51.648" v="4579" actId="478"/>
-          <ac:spMkLst>
-            <pc:docMk/>
-            <pc:sldMk cId="1732540191" sldId="568"/>
-            <ac:spMk id="14340" creationId="{00000000-0000-0000-0000-000000000000}"/>
-          </ac:spMkLst>
-        </pc:spChg>
-      </pc:sldChg>
-      <pc:sldChg chg="addSp delSp modSp add mod delAnim modAnim">
-        <pc:chgData name="Zhao Jin" userId="cd05a825-544c-438a-9ba1-08e63db50b47" providerId="ADAL" clId="{37A0D694-38DA-4421-B5D3-DEDBFC2EC57C}" dt="2021-02-10T03:56:06.306" v="4973" actId="20577"/>
-        <pc:sldMkLst>
-          <pc:docMk/>
-          <pc:sldMk cId="3229890649" sldId="569"/>
-        </pc:sldMkLst>
-        <pc:spChg chg="del">
-          <ac:chgData name="Zhao Jin" userId="cd05a825-544c-438a-9ba1-08e63db50b47" providerId="ADAL" clId="{37A0D694-38DA-4421-B5D3-DEDBFC2EC57C}" dt="2021-02-08T01:57:57.778" v="4652" actId="478"/>
-          <ac:spMkLst>
-            <pc:docMk/>
-            <pc:sldMk cId="3229890649" sldId="569"/>
-            <ac:spMk id="2" creationId="{00000000-0000-0000-0000-000000000000}"/>
-          </ac:spMkLst>
-        </pc:spChg>
-        <pc:spChg chg="del mod">
-          <ac:chgData name="Zhao Jin" userId="cd05a825-544c-438a-9ba1-08e63db50b47" providerId="ADAL" clId="{37A0D694-38DA-4421-B5D3-DEDBFC2EC57C}" dt="2021-02-08T01:58:06.736" v="4656" actId="478"/>
-          <ac:spMkLst>
-            <pc:docMk/>
-            <pc:sldMk cId="3229890649" sldId="569"/>
-            <ac:spMk id="3" creationId="{00000000-0000-0000-0000-000000000000}"/>
-          </ac:spMkLst>
-        </pc:spChg>
-        <pc:spChg chg="add mod">
-          <ac:chgData name="Zhao Jin" userId="cd05a825-544c-438a-9ba1-08e63db50b47" providerId="ADAL" clId="{37A0D694-38DA-4421-B5D3-DEDBFC2EC57C}" dt="2021-02-08T02:00:33.271" v="4814" actId="207"/>
-          <ac:spMkLst>
-            <pc:docMk/>
-            <pc:sldMk cId="3229890649" sldId="569"/>
-            <ac:spMk id="4" creationId="{CDCF9B36-A3E7-4464-88BD-D6D735D7C066}"/>
-          </ac:spMkLst>
-        </pc:spChg>
-        <pc:spChg chg="mod">
-          <ac:chgData name="Zhao Jin" userId="cd05a825-544c-438a-9ba1-08e63db50b47" providerId="ADAL" clId="{37A0D694-38DA-4421-B5D3-DEDBFC2EC57C}" dt="2021-02-10T03:56:06.306" v="4973" actId="20577"/>
-          <ac:spMkLst>
-            <pc:docMk/>
-            <pc:sldMk cId="3229890649" sldId="569"/>
-            <ac:spMk id="7" creationId="{00000000-0000-0000-0000-000000000000}"/>
-          </ac:spMkLst>
-        </pc:spChg>
-        <pc:spChg chg="mod">
-          <ac:chgData name="Zhao Jin" userId="cd05a825-544c-438a-9ba1-08e63db50b47" providerId="ADAL" clId="{37A0D694-38DA-4421-B5D3-DEDBFC2EC57C}" dt="2021-02-08T01:59:19.915" v="4788" actId="1036"/>
-          <ac:spMkLst>
-            <pc:docMk/>
-            <pc:sldMk cId="3229890649" sldId="569"/>
-            <ac:spMk id="9" creationId="{00000000-0000-0000-0000-000000000000}"/>
-          </ac:spMkLst>
-        </pc:spChg>
-        <pc:spChg chg="del">
-          <ac:chgData name="Zhao Jin" userId="cd05a825-544c-438a-9ba1-08e63db50b47" providerId="ADAL" clId="{37A0D694-38DA-4421-B5D3-DEDBFC2EC57C}" dt="2021-02-08T01:58:18.198" v="4676" actId="478"/>
-          <ac:spMkLst>
-            <pc:docMk/>
-            <pc:sldMk cId="3229890649" sldId="569"/>
-            <ac:spMk id="10" creationId="{00000000-0000-0000-0000-000000000000}"/>
-          </ac:spMkLst>
-        </pc:spChg>
-        <pc:spChg chg="add mod">
-          <ac:chgData name="Zhao Jin" userId="cd05a825-544c-438a-9ba1-08e63db50b47" providerId="ADAL" clId="{37A0D694-38DA-4421-B5D3-DEDBFC2EC57C}" dt="2021-02-08T02:01:55.171" v="4907" actId="20577"/>
-          <ac:spMkLst>
-            <pc:docMk/>
-            <pc:sldMk cId="3229890649" sldId="569"/>
-            <ac:spMk id="13" creationId="{2F1FA4E6-900A-4BB2-BEBE-BDBB6918E0B2}"/>
-          </ac:spMkLst>
-        </pc:spChg>
-        <pc:spChg chg="del">
-          <ac:chgData name="Zhao Jin" userId="cd05a825-544c-438a-9ba1-08e63db50b47" providerId="ADAL" clId="{37A0D694-38DA-4421-B5D3-DEDBFC2EC57C}" dt="2021-02-08T01:59:10.250" v="4757" actId="478"/>
-          <ac:spMkLst>
-            <pc:docMk/>
-            <pc:sldMk cId="3229890649" sldId="569"/>
-            <ac:spMk id="21" creationId="{00000000-0000-0000-0000-000000000000}"/>
-          </ac:spMkLst>
-        </pc:spChg>
-        <pc:spChg chg="mod">
-          <ac:chgData name="Zhao Jin" userId="cd05a825-544c-438a-9ba1-08e63db50b47" providerId="ADAL" clId="{37A0D694-38DA-4421-B5D3-DEDBFC2EC57C}" dt="2021-02-08T01:59:21.412" v="4791" actId="20577"/>
-          <ac:spMkLst>
-            <pc:docMk/>
-            <pc:sldMk cId="3229890649" sldId="569"/>
-            <ac:spMk id="14338" creationId="{00000000-0000-0000-0000-000000000000}"/>
-          </ac:spMkLst>
-        </pc:spChg>
-        <pc:spChg chg="del">
-          <ac:chgData name="Zhao Jin" userId="cd05a825-544c-438a-9ba1-08e63db50b47" providerId="ADAL" clId="{37A0D694-38DA-4421-B5D3-DEDBFC2EC57C}" dt="2021-02-08T01:59:22.694" v="4792" actId="478"/>
-          <ac:spMkLst>
-            <pc:docMk/>
-            <pc:sldMk cId="3229890649" sldId="569"/>
-            <ac:spMk id="14340" creationId="{00000000-0000-0000-0000-000000000000}"/>
-          </ac:spMkLst>
-        </pc:spChg>
-      </pc:sldChg>
-      <pc:sldChg chg="addSp delSp modSp add del mod">
-        <pc:chgData name="Zhao Jin" userId="cd05a825-544c-438a-9ba1-08e63db50b47" providerId="ADAL" clId="{37A0D694-38DA-4421-B5D3-DEDBFC2EC57C}" dt="2021-02-10T03:55:38.772" v="4967"/>
-        <pc:sldMkLst>
-          <pc:docMk/>
-          <pc:sldMk cId="3922430229" sldId="580"/>
-        </pc:sldMkLst>
-        <pc:spChg chg="mod">
-          <ac:chgData name="Zhao Jin" userId="cd05a825-544c-438a-9ba1-08e63db50b47" providerId="ADAL" clId="{37A0D694-38DA-4421-B5D3-DEDBFC2EC57C}" dt="2021-02-10T03:55:38.772" v="4967"/>
-          <ac:spMkLst>
-            <pc:docMk/>
-            <pc:sldMk cId="3922430229" sldId="580"/>
-            <ac:spMk id="7" creationId="{00000000-0000-0000-0000-000000000000}"/>
-          </ac:spMkLst>
-        </pc:spChg>
-        <pc:spChg chg="mod">
-          <ac:chgData name="Zhao Jin" userId="cd05a825-544c-438a-9ba1-08e63db50b47" providerId="ADAL" clId="{37A0D694-38DA-4421-B5D3-DEDBFC2EC57C}" dt="2021-02-08T01:40:08.440" v="3975" actId="207"/>
-          <ac:spMkLst>
-            <pc:docMk/>
-            <pc:sldMk cId="3922430229" sldId="580"/>
-            <ac:spMk id="9" creationId="{00000000-0000-0000-0000-000000000000}"/>
-          </ac:spMkLst>
-        </pc:spChg>
-        <pc:spChg chg="mod">
-          <ac:chgData name="Zhao Jin" userId="cd05a825-544c-438a-9ba1-08e63db50b47" providerId="ADAL" clId="{37A0D694-38DA-4421-B5D3-DEDBFC2EC57C}" dt="2021-02-08T01:41:10.766" v="4086" actId="1038"/>
-          <ac:spMkLst>
-            <pc:docMk/>
-            <pc:sldMk cId="3922430229" sldId="580"/>
-            <ac:spMk id="10" creationId="{00000000-0000-0000-0000-000000000000}"/>
-          </ac:spMkLst>
-        </pc:spChg>
-        <pc:spChg chg="mod">
-          <ac:chgData name="Zhao Jin" userId="cd05a825-544c-438a-9ba1-08e63db50b47" providerId="ADAL" clId="{37A0D694-38DA-4421-B5D3-DEDBFC2EC57C}" dt="2021-02-08T01:40:34.781" v="4005" actId="207"/>
-          <ac:spMkLst>
-            <pc:docMk/>
-            <pc:sldMk cId="3922430229" sldId="580"/>
-            <ac:spMk id="11" creationId="{00000000-0000-0000-0000-000000000000}"/>
-          </ac:spMkLst>
-        </pc:spChg>
-        <pc:spChg chg="add del mod">
-          <ac:chgData name="Zhao Jin" userId="cd05a825-544c-438a-9ba1-08e63db50b47" providerId="ADAL" clId="{37A0D694-38DA-4421-B5D3-DEDBFC2EC57C}" dt="2021-02-08T01:37:00.332" v="3812"/>
-          <ac:spMkLst>
-            <pc:docMk/>
-            <pc:sldMk cId="3922430229" sldId="580"/>
-            <ac:spMk id="13" creationId="{4F472ABD-E315-4BA8-AF98-DCE9D31E1B44}"/>
-          </ac:spMkLst>
-        </pc:spChg>
-        <pc:spChg chg="mod">
-          <ac:chgData name="Zhao Jin" userId="cd05a825-544c-438a-9ba1-08e63db50b47" providerId="ADAL" clId="{37A0D694-38DA-4421-B5D3-DEDBFC2EC57C}" dt="2021-02-08T01:41:06.558" v="4075" actId="20577"/>
-          <ac:spMkLst>
-            <pc:docMk/>
-            <pc:sldMk cId="3922430229" sldId="580"/>
-            <ac:spMk id="14338" creationId="{00000000-0000-0000-0000-000000000000}"/>
-          </ac:spMkLst>
-        </pc:spChg>
-        <pc:spChg chg="del">
-          <ac:chgData name="Zhao Jin" userId="cd05a825-544c-438a-9ba1-08e63db50b47" providerId="ADAL" clId="{37A0D694-38DA-4421-B5D3-DEDBFC2EC57C}" dt="2021-02-08T01:36:49.901" v="3810" actId="478"/>
-          <ac:spMkLst>
-            <pc:docMk/>
-            <pc:sldMk cId="3922430229" sldId="580"/>
-            <ac:spMk id="14340" creationId="{00000000-0000-0000-0000-000000000000}"/>
-          </ac:spMkLst>
-        </pc:spChg>
-      </pc:sldChg>
-      <pc:sldChg chg="delSp modSp add mod">
-        <pc:chgData name="Zhao Jin" userId="cd05a825-544c-438a-9ba1-08e63db50b47" providerId="ADAL" clId="{37A0D694-38DA-4421-B5D3-DEDBFC2EC57C}" dt="2021-02-10T03:55:38.772" v="4967"/>
-        <pc:sldMkLst>
-          <pc:docMk/>
-          <pc:sldMk cId="1886636263" sldId="581"/>
-        </pc:sldMkLst>
-        <pc:spChg chg="mod">
-          <ac:chgData name="Zhao Jin" userId="cd05a825-544c-438a-9ba1-08e63db50b47" providerId="ADAL" clId="{37A0D694-38DA-4421-B5D3-DEDBFC2EC57C}" dt="2021-02-10T03:55:38.772" v="4967"/>
-          <ac:spMkLst>
-            <pc:docMk/>
-            <pc:sldMk cId="1886636263" sldId="581"/>
-            <ac:spMk id="7" creationId="{00000000-0000-0000-0000-000000000000}"/>
-          </ac:spMkLst>
-        </pc:spChg>
-        <pc:spChg chg="mod">
-          <ac:chgData name="Zhao Jin" userId="cd05a825-544c-438a-9ba1-08e63db50b47" providerId="ADAL" clId="{37A0D694-38DA-4421-B5D3-DEDBFC2EC57C}" dt="2021-02-03T09:23:01.385" v="3251" actId="1038"/>
-          <ac:spMkLst>
-            <pc:docMk/>
-            <pc:sldMk cId="1886636263" sldId="581"/>
-            <ac:spMk id="10" creationId="{00000000-0000-0000-0000-000000000000}"/>
-          </ac:spMkLst>
-        </pc:spChg>
-        <pc:spChg chg="mod">
-          <ac:chgData name="Zhao Jin" userId="cd05a825-544c-438a-9ba1-08e63db50b47" providerId="ADAL" clId="{37A0D694-38DA-4421-B5D3-DEDBFC2EC57C}" dt="2021-02-03T09:23:10.247" v="3254" actId="113"/>
-          <ac:spMkLst>
-            <pc:docMk/>
-            <pc:sldMk cId="1886636263" sldId="581"/>
-            <ac:spMk id="11" creationId="{00000000-0000-0000-0000-000000000000}"/>
-          </ac:spMkLst>
-        </pc:spChg>
-        <pc:spChg chg="mod">
-          <ac:chgData name="Zhao Jin" userId="cd05a825-544c-438a-9ba1-08e63db50b47" providerId="ADAL" clId="{37A0D694-38DA-4421-B5D3-DEDBFC2EC57C}" dt="2021-02-03T09:21:16.883" v="3154" actId="20577"/>
-          <ac:spMkLst>
-            <pc:docMk/>
-            <pc:sldMk cId="1886636263" sldId="581"/>
-            <ac:spMk id="14338" creationId="{00000000-0000-0000-0000-000000000000}"/>
-          </ac:spMkLst>
-        </pc:spChg>
-        <pc:spChg chg="del">
-          <ac:chgData name="Zhao Jin" userId="cd05a825-544c-438a-9ba1-08e63db50b47" providerId="ADAL" clId="{37A0D694-38DA-4421-B5D3-DEDBFC2EC57C}" dt="2021-02-08T01:42:06.532" v="4090" actId="478"/>
-          <ac:spMkLst>
-            <pc:docMk/>
-            <pc:sldMk cId="1886636263" sldId="581"/>
-            <ac:spMk id="14340" creationId="{00000000-0000-0000-0000-000000000000}"/>
-          </ac:spMkLst>
-        </pc:spChg>
-      </pc:sldChg>
-      <pc:sldChg chg="modSp add del mod">
-        <pc:chgData name="Zhao Jin" userId="cd05a825-544c-438a-9ba1-08e63db50b47" providerId="ADAL" clId="{37A0D694-38DA-4421-B5D3-DEDBFC2EC57C}" dt="2021-02-03T08:47:45.744" v="1076" actId="47"/>
-        <pc:sldMkLst>
-          <pc:docMk/>
-          <pc:sldMk cId="893488834" sldId="587"/>
-        </pc:sldMkLst>
-        <pc:spChg chg="mod">
-          <ac:chgData name="Zhao Jin" userId="cd05a825-544c-438a-9ba1-08e63db50b47" providerId="ADAL" clId="{37A0D694-38DA-4421-B5D3-DEDBFC2EC57C}" dt="2021-02-03T08:01:59.201" v="538" actId="20577"/>
-          <ac:spMkLst>
-            <pc:docMk/>
-            <pc:sldMk cId="893488834" sldId="587"/>
-            <ac:spMk id="19" creationId="{00000000-0000-0000-0000-000000000000}"/>
-          </ac:spMkLst>
-        </pc:spChg>
-        <pc:spChg chg="mod">
-          <ac:chgData name="Zhao Jin" userId="cd05a825-544c-438a-9ba1-08e63db50b47" providerId="ADAL" clId="{37A0D694-38DA-4421-B5D3-DEDBFC2EC57C}" dt="2021-02-03T08:02:04.276" v="539" actId="6549"/>
-          <ac:spMkLst>
-            <pc:docMk/>
-            <pc:sldMk cId="893488834" sldId="587"/>
-            <ac:spMk id="14338" creationId="{00000000-0000-0000-0000-000000000000}"/>
-          </ac:spMkLst>
-        </pc:spChg>
-      </pc:sldChg>
-      <pc:sldChg chg="addSp modSp add del mod">
-        <pc:chgData name="Zhao Jin" userId="cd05a825-544c-438a-9ba1-08e63db50b47" providerId="ADAL" clId="{37A0D694-38DA-4421-B5D3-DEDBFC2EC57C}" dt="2021-02-03T08:47:43.004" v="1075" actId="47"/>
-        <pc:sldMkLst>
-          <pc:docMk/>
-          <pc:sldMk cId="2663336489" sldId="588"/>
-        </pc:sldMkLst>
-        <pc:spChg chg="mod">
-          <ac:chgData name="Zhao Jin" userId="cd05a825-544c-438a-9ba1-08e63db50b47" providerId="ADAL" clId="{37A0D694-38DA-4421-B5D3-DEDBFC2EC57C}" dt="2021-02-03T08:02:36.274" v="551" actId="404"/>
-          <ac:spMkLst>
-            <pc:docMk/>
-            <pc:sldMk cId="2663336489" sldId="588"/>
-            <ac:spMk id="19" creationId="{00000000-0000-0000-0000-000000000000}"/>
-          </ac:spMkLst>
-        </pc:spChg>
-        <pc:picChg chg="add mod">
-          <ac:chgData name="Zhao Jin" userId="cd05a825-544c-438a-9ba1-08e63db50b47" providerId="ADAL" clId="{37A0D694-38DA-4421-B5D3-DEDBFC2EC57C}" dt="2021-02-03T08:02:30.780" v="547" actId="1076"/>
-          <ac:picMkLst>
-            <pc:docMk/>
-            <pc:sldMk cId="2663336489" sldId="588"/>
-            <ac:picMk id="1026" creationId="{260029BB-3AC2-413A-B9C2-5983AA6DD1EE}"/>
-          </ac:picMkLst>
-        </pc:picChg>
-      </pc:sldChg>
-      <pc:sldChg chg="addSp delSp modSp add mod">
-        <pc:chgData name="Zhao Jin" userId="cd05a825-544c-438a-9ba1-08e63db50b47" providerId="ADAL" clId="{37A0D694-38DA-4421-B5D3-DEDBFC2EC57C}" dt="2021-02-10T03:55:38.772" v="4967"/>
-        <pc:sldMkLst>
-          <pc:docMk/>
-          <pc:sldMk cId="211149325" sldId="589"/>
-        </pc:sldMkLst>
-        <pc:spChg chg="mod">
-          <ac:chgData name="Zhao Jin" userId="cd05a825-544c-438a-9ba1-08e63db50b47" providerId="ADAL" clId="{37A0D694-38DA-4421-B5D3-DEDBFC2EC57C}" dt="2021-02-10T03:55:38.772" v="4967"/>
-          <ac:spMkLst>
-            <pc:docMk/>
-            <pc:sldMk cId="211149325" sldId="589"/>
-            <ac:spMk id="7" creationId="{00000000-0000-0000-0000-000000000000}"/>
-          </ac:spMkLst>
-        </pc:spChg>
-        <pc:spChg chg="mod">
-          <ac:chgData name="Zhao Jin" userId="cd05a825-544c-438a-9ba1-08e63db50b47" providerId="ADAL" clId="{37A0D694-38DA-4421-B5D3-DEDBFC2EC57C}" dt="2021-02-03T08:05:19.022" v="583" actId="20577"/>
-          <ac:spMkLst>
-            <pc:docMk/>
-            <pc:sldMk cId="211149325" sldId="589"/>
-            <ac:spMk id="19" creationId="{00000000-0000-0000-0000-000000000000}"/>
-          </ac:spMkLst>
-        </pc:spChg>
-        <pc:spChg chg="mod">
-          <ac:chgData name="Zhao Jin" userId="cd05a825-544c-438a-9ba1-08e63db50b47" providerId="ADAL" clId="{37A0D694-38DA-4421-B5D3-DEDBFC2EC57C}" dt="2021-02-03T08:05:48.631" v="589" actId="20577"/>
-          <ac:spMkLst>
-            <pc:docMk/>
-            <pc:sldMk cId="211149325" sldId="589"/>
-            <ac:spMk id="22" creationId="{00000000-0000-0000-0000-000000000000}"/>
-          </ac:spMkLst>
-        </pc:spChg>
-        <pc:spChg chg="mod">
-          <ac:chgData name="Zhao Jin" userId="cd05a825-544c-438a-9ba1-08e63db50b47" providerId="ADAL" clId="{37A0D694-38DA-4421-B5D3-DEDBFC2EC57C}" dt="2021-02-03T08:05:49.985" v="590" actId="20577"/>
-          <ac:spMkLst>
-            <pc:docMk/>
-            <pc:sldMk cId="211149325" sldId="589"/>
-            <ac:spMk id="27" creationId="{00000000-0000-0000-0000-000000000000}"/>
-          </ac:spMkLst>
-        </pc:spChg>
-        <pc:spChg chg="mod">
-          <ac:chgData name="Zhao Jin" userId="cd05a825-544c-438a-9ba1-08e63db50b47" providerId="ADAL" clId="{37A0D694-38DA-4421-B5D3-DEDBFC2EC57C}" dt="2021-02-03T08:05:52.229" v="591" actId="20577"/>
-          <ac:spMkLst>
-            <pc:docMk/>
-            <pc:sldMk cId="211149325" sldId="589"/>
-            <ac:spMk id="30" creationId="{00000000-0000-0000-0000-000000000000}"/>
-          </ac:spMkLst>
-        </pc:spChg>
-        <pc:spChg chg="mod">
-          <ac:chgData name="Zhao Jin" userId="cd05a825-544c-438a-9ba1-08e63db50b47" providerId="ADAL" clId="{37A0D694-38DA-4421-B5D3-DEDBFC2EC57C}" dt="2021-02-03T09:25:01.711" v="3283" actId="6549"/>
-          <ac:spMkLst>
-            <pc:docMk/>
-            <pc:sldMk cId="211149325" sldId="589"/>
-            <ac:spMk id="14338" creationId="{00000000-0000-0000-0000-000000000000}"/>
-          </ac:spMkLst>
-        </pc:spChg>
-        <pc:spChg chg="del">
-          <ac:chgData name="Zhao Jin" userId="cd05a825-544c-438a-9ba1-08e63db50b47" providerId="ADAL" clId="{37A0D694-38DA-4421-B5D3-DEDBFC2EC57C}" dt="2021-02-03T09:26:19.685" v="3354" actId="478"/>
-          <ac:spMkLst>
-            <pc:docMk/>
-            <pc:sldMk cId="211149325" sldId="589"/>
-            <ac:spMk id="14340" creationId="{00000000-0000-0000-0000-000000000000}"/>
-          </ac:spMkLst>
-        </pc:spChg>
-        <pc:grpChg chg="mod">
-          <ac:chgData name="Zhao Jin" userId="cd05a825-544c-438a-9ba1-08e63db50b47" providerId="ADAL" clId="{37A0D694-38DA-4421-B5D3-DEDBFC2EC57C}" dt="2021-02-03T08:05:47.280" v="588" actId="1076"/>
-          <ac:grpSpMkLst>
-            <pc:docMk/>
-            <pc:sldMk cId="211149325" sldId="589"/>
-            <ac:grpSpMk id="20" creationId="{00000000-0000-0000-0000-000000000000}"/>
-          </ac:grpSpMkLst>
-        </pc:grpChg>
-        <pc:grpChg chg="mod">
-          <ac:chgData name="Zhao Jin" userId="cd05a825-544c-438a-9ba1-08e63db50b47" providerId="ADAL" clId="{37A0D694-38DA-4421-B5D3-DEDBFC2EC57C}" dt="2021-02-03T08:03:56.449" v="570" actId="1076"/>
-          <ac:grpSpMkLst>
-            <pc:docMk/>
-            <pc:sldMk cId="211149325" sldId="589"/>
-            <ac:grpSpMk id="28" creationId="{00000000-0000-0000-0000-000000000000}"/>
-          </ac:grpSpMkLst>
-        </pc:grpChg>
-        <pc:picChg chg="add del mod">
-          <ac:chgData name="Zhao Jin" userId="cd05a825-544c-438a-9ba1-08e63db50b47" providerId="ADAL" clId="{37A0D694-38DA-4421-B5D3-DEDBFC2EC57C}" dt="2021-02-03T08:05:55.520" v="595" actId="1035"/>
-          <ac:picMkLst>
-            <pc:docMk/>
-            <pc:sldMk cId="211149325" sldId="589"/>
-            <ac:picMk id="1026" creationId="{260029BB-3AC2-413A-B9C2-5983AA6DD1EE}"/>
-          </ac:picMkLst>
-        </pc:picChg>
         <pc:cxnChg chg="mod">
-          <ac:chgData name="Zhao Jin" userId="cd05a825-544c-438a-9ba1-08e63db50b47" providerId="ADAL" clId="{37A0D694-38DA-4421-B5D3-DEDBFC2EC57C}" dt="2021-02-03T08:04:23.899" v="577" actId="14100"/>
+          <ac:chgData name="Zhao Jin" userId="cd05a825-544c-438a-9ba1-08e63db50b47" providerId="ADAL" clId="{E094A0D3-9008-D44F-B23F-E71F39C2BDEC}" dt="2021-01-27T05:35:18.480" v="821" actId="478"/>
           <ac:cxnSpMkLst>
             <pc:docMk/>
-            <pc:sldMk cId="211149325" sldId="589"/>
-            <ac:cxnSpMk id="21" creationId="{00000000-0000-0000-0000-000000000000}"/>
-          </ac:cxnSpMkLst>
-        </pc:cxnChg>
-        <pc:cxnChg chg="mod">
-          <ac:chgData name="Zhao Jin" userId="cd05a825-544c-438a-9ba1-08e63db50b47" providerId="ADAL" clId="{37A0D694-38DA-4421-B5D3-DEDBFC2EC57C}" dt="2021-02-03T08:05:27.870" v="585" actId="14100"/>
-          <ac:cxnSpMkLst>
-            <pc:docMk/>
-            <pc:sldMk cId="211149325" sldId="589"/>
-            <ac:cxnSpMk id="26" creationId="{00000000-0000-0000-0000-000000000000}"/>
-          </ac:cxnSpMkLst>
-        </pc:cxnChg>
-        <pc:cxnChg chg="mod">
-          <ac:chgData name="Zhao Jin" userId="cd05a825-544c-438a-9ba1-08e63db50b47" providerId="ADAL" clId="{37A0D694-38DA-4421-B5D3-DEDBFC2EC57C}" dt="2021-02-03T08:05:30.610" v="586" actId="14100"/>
-          <ac:cxnSpMkLst>
-            <pc:docMk/>
-            <pc:sldMk cId="211149325" sldId="589"/>
-            <ac:cxnSpMk id="29" creationId="{00000000-0000-0000-0000-000000000000}"/>
-          </ac:cxnSpMkLst>
-        </pc:cxnChg>
-      </pc:sldChg>
-      <pc:sldChg chg="addSp delSp modSp add mod delAnim modAnim">
-        <pc:chgData name="Zhao Jin" userId="cd05a825-544c-438a-9ba1-08e63db50b47" providerId="ADAL" clId="{37A0D694-38DA-4421-B5D3-DEDBFC2EC57C}" dt="2021-02-10T03:55:38.772" v="4967"/>
-        <pc:sldMkLst>
-          <pc:docMk/>
-          <pc:sldMk cId="4156536479" sldId="590"/>
-        </pc:sldMkLst>
-        <pc:spChg chg="mod">
-          <ac:chgData name="Zhao Jin" userId="cd05a825-544c-438a-9ba1-08e63db50b47" providerId="ADAL" clId="{37A0D694-38DA-4421-B5D3-DEDBFC2EC57C}" dt="2021-02-10T03:55:38.772" v="4967"/>
-          <ac:spMkLst>
-            <pc:docMk/>
-            <pc:sldMk cId="4156536479" sldId="590"/>
-            <ac:spMk id="7" creationId="{00000000-0000-0000-0000-000000000000}"/>
-          </ac:spMkLst>
-        </pc:spChg>
-        <pc:spChg chg="add mod">
-          <ac:chgData name="Zhao Jin" userId="cd05a825-544c-438a-9ba1-08e63db50b47" providerId="ADAL" clId="{37A0D694-38DA-4421-B5D3-DEDBFC2EC57C}" dt="2021-02-03T09:38:34.228" v="3358" actId="13926"/>
-          <ac:spMkLst>
-            <pc:docMk/>
-            <pc:sldMk cId="4156536479" sldId="590"/>
-            <ac:spMk id="8" creationId="{3895F873-6CB7-4316-B798-EE54B3634728}"/>
-          </ac:spMkLst>
-        </pc:spChg>
-        <pc:spChg chg="add del mod">
-          <ac:chgData name="Zhao Jin" userId="cd05a825-544c-438a-9ba1-08e63db50b47" providerId="ADAL" clId="{37A0D694-38DA-4421-B5D3-DEDBFC2EC57C}" dt="2021-02-08T01:29:47.127" v="3514"/>
-          <ac:spMkLst>
-            <pc:docMk/>
-            <pc:sldMk cId="4156536479" sldId="590"/>
-            <ac:spMk id="11" creationId="{5846B50D-EC54-48E6-AE72-B0B5F8190097}"/>
-          </ac:spMkLst>
-        </pc:spChg>
-        <pc:spChg chg="del">
-          <ac:chgData name="Zhao Jin" userId="cd05a825-544c-438a-9ba1-08e63db50b47" providerId="ADAL" clId="{37A0D694-38DA-4421-B5D3-DEDBFC2EC57C}" dt="2021-02-03T08:06:42.479" v="598" actId="478"/>
-          <ac:spMkLst>
-            <pc:docMk/>
-            <pc:sldMk cId="4156536479" sldId="590"/>
-            <ac:spMk id="11" creationId="{675C9FBE-306E-46A7-BAB9-46BD27707AF2}"/>
-          </ac:spMkLst>
-        </pc:spChg>
-        <pc:spChg chg="add mod">
-          <ac:chgData name="Zhao Jin" userId="cd05a825-544c-438a-9ba1-08e63db50b47" providerId="ADAL" clId="{37A0D694-38DA-4421-B5D3-DEDBFC2EC57C}" dt="2021-02-08T01:38:27.881" v="3917" actId="20577"/>
-          <ac:spMkLst>
-            <pc:docMk/>
-            <pc:sldMk cId="4156536479" sldId="590"/>
-            <ac:spMk id="13" creationId="{0AD363C8-B264-4386-9E1D-EAA63F4BF1CC}"/>
-          </ac:spMkLst>
-        </pc:spChg>
-        <pc:spChg chg="add del mod">
-          <ac:chgData name="Zhao Jin" userId="cd05a825-544c-438a-9ba1-08e63db50b47" providerId="ADAL" clId="{37A0D694-38DA-4421-B5D3-DEDBFC2EC57C}" dt="2021-02-03T08:40:38.562" v="720" actId="478"/>
-          <ac:spMkLst>
-            <pc:docMk/>
-            <pc:sldMk cId="4156536479" sldId="590"/>
-            <ac:spMk id="33" creationId="{4F924E87-CB56-4AC7-8777-A327820A47C5}"/>
-          </ac:spMkLst>
-        </pc:spChg>
-        <pc:spChg chg="add mod">
-          <ac:chgData name="Zhao Jin" userId="cd05a825-544c-438a-9ba1-08e63db50b47" providerId="ADAL" clId="{37A0D694-38DA-4421-B5D3-DEDBFC2EC57C}" dt="2021-02-03T08:41:47.988" v="927" actId="14100"/>
-          <ac:spMkLst>
-            <pc:docMk/>
-            <pc:sldMk cId="4156536479" sldId="590"/>
-            <ac:spMk id="34" creationId="{1DA4B870-5E05-4566-A46F-B6A051179C55}"/>
-          </ac:spMkLst>
-        </pc:spChg>
-        <pc:spChg chg="mod">
-          <ac:chgData name="Zhao Jin" userId="cd05a825-544c-438a-9ba1-08e63db50b47" providerId="ADAL" clId="{37A0D694-38DA-4421-B5D3-DEDBFC2EC57C}" dt="2021-02-03T09:25:01.287" v="3281" actId="6549"/>
-          <ac:spMkLst>
-            <pc:docMk/>
-            <pc:sldMk cId="4156536479" sldId="590"/>
-            <ac:spMk id="14338" creationId="{00000000-0000-0000-0000-000000000000}"/>
-          </ac:spMkLst>
-        </pc:spChg>
-        <pc:graphicFrameChg chg="del">
-          <ac:chgData name="Zhao Jin" userId="cd05a825-544c-438a-9ba1-08e63db50b47" providerId="ADAL" clId="{37A0D694-38DA-4421-B5D3-DEDBFC2EC57C}" dt="2021-02-03T08:06:41.239" v="597" actId="478"/>
-          <ac:graphicFrameMkLst>
-            <pc:docMk/>
-            <pc:sldMk cId="4156536479" sldId="590"/>
-            <ac:graphicFrameMk id="10" creationId="{74304014-08C4-4321-AD74-36FAC51612DB}"/>
-          </ac:graphicFrameMkLst>
-        </pc:graphicFrameChg>
-        <pc:picChg chg="mod">
-          <ac:chgData name="Zhao Jin" userId="cd05a825-544c-438a-9ba1-08e63db50b47" providerId="ADAL" clId="{37A0D694-38DA-4421-B5D3-DEDBFC2EC57C}" dt="2021-02-03T08:38:53.114" v="646" actId="1076"/>
-          <ac:picMkLst>
-            <pc:docMk/>
-            <pc:sldMk cId="4156536479" sldId="590"/>
-            <ac:picMk id="4" creationId="{EAFF9153-D379-4E7D-9B97-29843966A9B9}"/>
-          </ac:picMkLst>
-        </pc:picChg>
-        <pc:cxnChg chg="add del mod">
-          <ac:chgData name="Zhao Jin" userId="cd05a825-544c-438a-9ba1-08e63db50b47" providerId="ADAL" clId="{37A0D694-38DA-4421-B5D3-DEDBFC2EC57C}" dt="2021-02-03T08:37:59.802" v="629" actId="478"/>
-          <ac:cxnSpMkLst>
-            <pc:docMk/>
-            <pc:sldMk cId="4156536479" sldId="590"/>
-            <ac:cxnSpMk id="9" creationId="{9652AEB2-CFC8-48BA-95AD-7242B1240B31}"/>
-          </ac:cxnSpMkLst>
-        </pc:cxnChg>
-        <pc:cxnChg chg="add del mod">
-          <ac:chgData name="Zhao Jin" userId="cd05a825-544c-438a-9ba1-08e63db50b47" providerId="ADAL" clId="{37A0D694-38DA-4421-B5D3-DEDBFC2EC57C}" dt="2021-02-03T08:38:27.270" v="636" actId="14100"/>
-          <ac:cxnSpMkLst>
-            <pc:docMk/>
-            <pc:sldMk cId="4156536479" sldId="590"/>
-            <ac:cxnSpMk id="16" creationId="{B4CC9A1D-6448-41B2-BD14-CACDC771AC2A}"/>
-          </ac:cxnSpMkLst>
-        </pc:cxnChg>
-        <pc:cxnChg chg="add mod">
-          <ac:chgData name="Zhao Jin" userId="cd05a825-544c-438a-9ba1-08e63db50b47" providerId="ADAL" clId="{37A0D694-38DA-4421-B5D3-DEDBFC2EC57C}" dt="2021-02-03T08:38:46.983" v="642" actId="14100"/>
-          <ac:cxnSpMkLst>
-            <pc:docMk/>
-            <pc:sldMk cId="4156536479" sldId="590"/>
-            <ac:cxnSpMk id="22" creationId="{6298AF59-F7D9-4F05-84BF-96ED0AC95091}"/>
-          </ac:cxnSpMkLst>
-        </pc:cxnChg>
-        <pc:cxnChg chg="add del mod">
-          <ac:chgData name="Zhao Jin" userId="cd05a825-544c-438a-9ba1-08e63db50b47" providerId="ADAL" clId="{37A0D694-38DA-4421-B5D3-DEDBFC2EC57C}" dt="2021-02-03T08:39:14.474" v="649" actId="478"/>
-          <ac:cxnSpMkLst>
-            <pc:docMk/>
-            <pc:sldMk cId="4156536479" sldId="590"/>
-            <ac:cxnSpMk id="27" creationId="{5EB59BC9-1F48-4950-A1D9-6A7B4E0368EF}"/>
-          </ac:cxnSpMkLst>
-        </pc:cxnChg>
-        <pc:cxnChg chg="add mod">
-          <ac:chgData name="Zhao Jin" userId="cd05a825-544c-438a-9ba1-08e63db50b47" providerId="ADAL" clId="{37A0D694-38DA-4421-B5D3-DEDBFC2EC57C}" dt="2021-02-03T08:39:19.424" v="652" actId="14100"/>
-          <ac:cxnSpMkLst>
-            <pc:docMk/>
-            <pc:sldMk cId="4156536479" sldId="590"/>
-            <ac:cxnSpMk id="30" creationId="{FA77C354-F87B-40D8-BAA7-811F60DDD4B1}"/>
-          </ac:cxnSpMkLst>
-        </pc:cxnChg>
-      </pc:sldChg>
-      <pc:sldChg chg="addSp delSp modSp add mod delAnim">
-        <pc:chgData name="Zhao Jin" userId="cd05a825-544c-438a-9ba1-08e63db50b47" providerId="ADAL" clId="{37A0D694-38DA-4421-B5D3-DEDBFC2EC57C}" dt="2021-02-10T03:55:38.772" v="4967"/>
-        <pc:sldMkLst>
-          <pc:docMk/>
-          <pc:sldMk cId="567798019" sldId="591"/>
-        </pc:sldMkLst>
-        <pc:spChg chg="mod">
-          <ac:chgData name="Zhao Jin" userId="cd05a825-544c-438a-9ba1-08e63db50b47" providerId="ADAL" clId="{37A0D694-38DA-4421-B5D3-DEDBFC2EC57C}" dt="2021-02-10T03:55:38.772" v="4967"/>
-          <ac:spMkLst>
-            <pc:docMk/>
-            <pc:sldMk cId="567798019" sldId="591"/>
-            <ac:spMk id="7" creationId="{00000000-0000-0000-0000-000000000000}"/>
-          </ac:spMkLst>
-        </pc:spChg>
-        <pc:spChg chg="mod">
-          <ac:chgData name="Zhao Jin" userId="cd05a825-544c-438a-9ba1-08e63db50b47" providerId="ADAL" clId="{37A0D694-38DA-4421-B5D3-DEDBFC2EC57C}" dt="2021-02-03T08:54:46.596" v="1324" actId="6549"/>
-          <ac:spMkLst>
-            <pc:docMk/>
-            <pc:sldMk cId="567798019" sldId="591"/>
-            <ac:spMk id="8" creationId="{3895F873-6CB7-4316-B798-EE54B3634728}"/>
-          </ac:spMkLst>
-        </pc:spChg>
-        <pc:spChg chg="add del mod">
-          <ac:chgData name="Zhao Jin" userId="cd05a825-544c-438a-9ba1-08e63db50b47" providerId="ADAL" clId="{37A0D694-38DA-4421-B5D3-DEDBFC2EC57C}" dt="2021-02-08T01:30:20.214" v="3620" actId="21"/>
-          <ac:spMkLst>
-            <pc:docMk/>
-            <pc:sldMk cId="567798019" sldId="591"/>
-            <ac:spMk id="9" creationId="{6806B5BD-EF55-41CA-929B-A292FC4E2456}"/>
-          </ac:spMkLst>
-        </pc:spChg>
-        <pc:spChg chg="add del mod">
-          <ac:chgData name="Zhao Jin" userId="cd05a825-544c-438a-9ba1-08e63db50b47" providerId="ADAL" clId="{37A0D694-38DA-4421-B5D3-DEDBFC2EC57C}" dt="2021-02-03T08:54:49.067" v="1325" actId="21"/>
-          <ac:spMkLst>
-            <pc:docMk/>
-            <pc:sldMk cId="567798019" sldId="591"/>
-            <ac:spMk id="11" creationId="{27FB5A5F-2DAE-417B-BFDB-4AF27D8AC53B}"/>
-          </ac:spMkLst>
-        </pc:spChg>
-        <pc:spChg chg="del">
-          <ac:chgData name="Zhao Jin" userId="cd05a825-544c-438a-9ba1-08e63db50b47" providerId="ADAL" clId="{37A0D694-38DA-4421-B5D3-DEDBFC2EC57C}" dt="2021-02-03T08:42:46.851" v="952" actId="478"/>
-          <ac:spMkLst>
-            <pc:docMk/>
-            <pc:sldMk cId="567798019" sldId="591"/>
-            <ac:spMk id="34" creationId="{1DA4B870-5E05-4566-A46F-B6A051179C55}"/>
-          </ac:spMkLst>
-        </pc:spChg>
-        <pc:spChg chg="mod">
-          <ac:chgData name="Zhao Jin" userId="cd05a825-544c-438a-9ba1-08e63db50b47" providerId="ADAL" clId="{37A0D694-38DA-4421-B5D3-DEDBFC2EC57C}" dt="2021-02-03T08:44:43.848" v="976" actId="21"/>
-          <ac:spMkLst>
-            <pc:docMk/>
-            <pc:sldMk cId="567798019" sldId="591"/>
-            <ac:spMk id="14338" creationId="{00000000-0000-0000-0000-000000000000}"/>
-          </ac:spMkLst>
-        </pc:spChg>
-        <pc:cxnChg chg="del mod">
-          <ac:chgData name="Zhao Jin" userId="cd05a825-544c-438a-9ba1-08e63db50b47" providerId="ADAL" clId="{37A0D694-38DA-4421-B5D3-DEDBFC2EC57C}" dt="2021-02-03T08:42:43.905" v="949" actId="478"/>
-          <ac:cxnSpMkLst>
-            <pc:docMk/>
-            <pc:sldMk cId="567798019" sldId="591"/>
-            <ac:cxnSpMk id="16" creationId="{B4CC9A1D-6448-41B2-BD14-CACDC771AC2A}"/>
-          </ac:cxnSpMkLst>
-        </pc:cxnChg>
-        <pc:cxnChg chg="del">
-          <ac:chgData name="Zhao Jin" userId="cd05a825-544c-438a-9ba1-08e63db50b47" providerId="ADAL" clId="{37A0D694-38DA-4421-B5D3-DEDBFC2EC57C}" dt="2021-02-03T08:42:44.937" v="950" actId="478"/>
-          <ac:cxnSpMkLst>
-            <pc:docMk/>
-            <pc:sldMk cId="567798019" sldId="591"/>
-            <ac:cxnSpMk id="22" creationId="{6298AF59-F7D9-4F05-84BF-96ED0AC95091}"/>
-          </ac:cxnSpMkLst>
-        </pc:cxnChg>
-        <pc:cxnChg chg="del">
-          <ac:chgData name="Zhao Jin" userId="cd05a825-544c-438a-9ba1-08e63db50b47" providerId="ADAL" clId="{37A0D694-38DA-4421-B5D3-DEDBFC2EC57C}" dt="2021-02-03T08:42:45.705" v="951" actId="478"/>
-          <ac:cxnSpMkLst>
-            <pc:docMk/>
-            <pc:sldMk cId="567798019" sldId="591"/>
-            <ac:cxnSpMk id="30" creationId="{FA77C354-F87B-40D8-BAA7-811F60DDD4B1}"/>
-          </ac:cxnSpMkLst>
-        </pc:cxnChg>
-      </pc:sldChg>
-      <pc:sldChg chg="addSp delSp modSp add mod delAnim">
-        <pc:chgData name="Zhao Jin" userId="cd05a825-544c-438a-9ba1-08e63db50b47" providerId="ADAL" clId="{37A0D694-38DA-4421-B5D3-DEDBFC2EC57C}" dt="2021-02-10T03:55:38.772" v="4967"/>
-        <pc:sldMkLst>
-          <pc:docMk/>
-          <pc:sldMk cId="137810324" sldId="592"/>
-        </pc:sldMkLst>
-        <pc:spChg chg="mod">
-          <ac:chgData name="Zhao Jin" userId="cd05a825-544c-438a-9ba1-08e63db50b47" providerId="ADAL" clId="{37A0D694-38DA-4421-B5D3-DEDBFC2EC57C}" dt="2021-02-10T03:55:38.772" v="4967"/>
-          <ac:spMkLst>
-            <pc:docMk/>
-            <pc:sldMk cId="137810324" sldId="592"/>
-            <ac:spMk id="7" creationId="{00000000-0000-0000-0000-000000000000}"/>
-          </ac:spMkLst>
-        </pc:spChg>
-        <pc:spChg chg="add del mod">
-          <ac:chgData name="Zhao Jin" userId="cd05a825-544c-438a-9ba1-08e63db50b47" providerId="ADAL" clId="{37A0D694-38DA-4421-B5D3-DEDBFC2EC57C}" dt="2021-02-08T01:30:46.868" v="3629"/>
-          <ac:spMkLst>
-            <pc:docMk/>
-            <pc:sldMk cId="137810324" sldId="592"/>
-            <ac:spMk id="8" creationId="{1D4888C5-7427-41D4-A0E1-C5D8DC066CA7}"/>
-          </ac:spMkLst>
-        </pc:spChg>
-        <pc:spChg chg="add del mod">
-          <ac:chgData name="Zhao Jin" userId="cd05a825-544c-438a-9ba1-08e63db50b47" providerId="ADAL" clId="{37A0D694-38DA-4421-B5D3-DEDBFC2EC57C}" dt="2021-02-08T01:31:02.354" v="3637"/>
-          <ac:spMkLst>
-            <pc:docMk/>
-            <pc:sldMk cId="137810324" sldId="592"/>
-            <ac:spMk id="9" creationId="{7B98D121-E5CC-483E-9B8F-EF6E0F554F5C}"/>
-          </ac:spMkLst>
-        </pc:spChg>
-        <pc:spChg chg="add del mod">
-          <ac:chgData name="Zhao Jin" userId="cd05a825-544c-438a-9ba1-08e63db50b47" providerId="ADAL" clId="{37A0D694-38DA-4421-B5D3-DEDBFC2EC57C}" dt="2021-02-08T01:31:05.798" v="3639"/>
-          <ac:spMkLst>
-            <pc:docMk/>
-            <pc:sldMk cId="137810324" sldId="592"/>
-            <ac:spMk id="10" creationId="{89C502F5-8740-4FB5-954E-97A010AA4256}"/>
-          </ac:spMkLst>
-        </pc:spChg>
-        <pc:spChg chg="add del mod">
-          <ac:chgData name="Zhao Jin" userId="cd05a825-544c-438a-9ba1-08e63db50b47" providerId="ADAL" clId="{37A0D694-38DA-4421-B5D3-DEDBFC2EC57C}" dt="2021-02-08T01:32:46.621" v="3700" actId="478"/>
-          <ac:spMkLst>
-            <pc:docMk/>
-            <pc:sldMk cId="137810324" sldId="592"/>
-            <ac:spMk id="19" creationId="{A73A73BA-8D89-4B27-BFC3-9776D2EA4341}"/>
-          </ac:spMkLst>
-        </pc:spChg>
-        <pc:spChg chg="add del mod">
-          <ac:chgData name="Zhao Jin" userId="cd05a825-544c-438a-9ba1-08e63db50b47" providerId="ADAL" clId="{37A0D694-38DA-4421-B5D3-DEDBFC2EC57C}" dt="2021-02-03T08:51:15.889" v="1226"/>
-          <ac:spMkLst>
-            <pc:docMk/>
-            <pc:sldMk cId="137810324" sldId="592"/>
-            <ac:spMk id="20" creationId="{8BB54542-2902-49B4-956C-5A17427CC6C2}"/>
-          </ac:spMkLst>
-        </pc:spChg>
-        <pc:spChg chg="mod">
-          <ac:chgData name="Zhao Jin" userId="cd05a825-544c-438a-9ba1-08e63db50b47" providerId="ADAL" clId="{37A0D694-38DA-4421-B5D3-DEDBFC2EC57C}" dt="2021-02-03T08:50:25.459" v="1220" actId="20577"/>
-          <ac:spMkLst>
-            <pc:docMk/>
-            <pc:sldMk cId="137810324" sldId="592"/>
-            <ac:spMk id="49" creationId="{00000000-0000-0000-0000-000000000000}"/>
-          </ac:spMkLst>
-        </pc:spChg>
-        <pc:spChg chg="del">
-          <ac:chgData name="Zhao Jin" userId="cd05a825-544c-438a-9ba1-08e63db50b47" providerId="ADAL" clId="{37A0D694-38DA-4421-B5D3-DEDBFC2EC57C}" dt="2021-02-03T08:48:10.029" v="1077" actId="478"/>
-          <ac:spMkLst>
-            <pc:docMk/>
-            <pc:sldMk cId="137810324" sldId="592"/>
-            <ac:spMk id="60" creationId="{00000000-0000-0000-0000-000000000000}"/>
-          </ac:spMkLst>
-        </pc:spChg>
-        <pc:spChg chg="mod">
-          <ac:chgData name="Zhao Jin" userId="cd05a825-544c-438a-9ba1-08e63db50b47" providerId="ADAL" clId="{37A0D694-38DA-4421-B5D3-DEDBFC2EC57C}" dt="2021-02-03T08:45:31.559" v="978" actId="6549"/>
-          <ac:spMkLst>
-            <pc:docMk/>
-            <pc:sldMk cId="137810324" sldId="592"/>
-            <ac:spMk id="14338" creationId="{00000000-0000-0000-0000-000000000000}"/>
-          </ac:spMkLst>
-        </pc:spChg>
-        <pc:spChg chg="del">
-          <ac:chgData name="Zhao Jin" userId="cd05a825-544c-438a-9ba1-08e63db50b47" providerId="ADAL" clId="{37A0D694-38DA-4421-B5D3-DEDBFC2EC57C}" dt="2021-02-03T09:26:17.421" v="3353" actId="478"/>
-          <ac:spMkLst>
-            <pc:docMk/>
-            <pc:sldMk cId="137810324" sldId="592"/>
-            <ac:spMk id="14340" creationId="{00000000-0000-0000-0000-000000000000}"/>
-          </ac:spMkLst>
-        </pc:spChg>
-        <pc:grpChg chg="del">
-          <ac:chgData name="Zhao Jin" userId="cd05a825-544c-438a-9ba1-08e63db50b47" providerId="ADAL" clId="{37A0D694-38DA-4421-B5D3-DEDBFC2EC57C}" dt="2021-02-03T08:48:11.562" v="1078" actId="478"/>
-          <ac:grpSpMkLst>
-            <pc:docMk/>
-            <pc:sldMk cId="137810324" sldId="592"/>
-            <ac:grpSpMk id="50" creationId="{00000000-0000-0000-0000-000000000000}"/>
-          </ac:grpSpMkLst>
-        </pc:grpChg>
-        <pc:picChg chg="add mod">
-          <ac:chgData name="Zhao Jin" userId="cd05a825-544c-438a-9ba1-08e63db50b47" providerId="ADAL" clId="{37A0D694-38DA-4421-B5D3-DEDBFC2EC57C}" dt="2021-02-03T08:50:48.786" v="1224" actId="1076"/>
-          <ac:picMkLst>
-            <pc:docMk/>
-            <pc:sldMk cId="137810324" sldId="592"/>
-            <ac:picMk id="2050" creationId="{05AE613C-318D-4BEE-A9E2-BA80E156FFE6}"/>
-          </ac:picMkLst>
-        </pc:picChg>
-        <pc:cxnChg chg="mod">
-          <ac:chgData name="Zhao Jin" userId="cd05a825-544c-438a-9ba1-08e63db50b47" providerId="ADAL" clId="{37A0D694-38DA-4421-B5D3-DEDBFC2EC57C}" dt="2021-02-03T08:48:11.562" v="1078" actId="478"/>
-          <ac:cxnSpMkLst>
-            <pc:docMk/>
-            <pc:sldMk cId="137810324" sldId="592"/>
-            <ac:cxnSpMk id="52" creationId="{00000000-0000-0000-0000-000000000000}"/>
-          </ac:cxnSpMkLst>
-        </pc:cxnChg>
-        <pc:cxnChg chg="mod">
-          <ac:chgData name="Zhao Jin" userId="cd05a825-544c-438a-9ba1-08e63db50b47" providerId="ADAL" clId="{37A0D694-38DA-4421-B5D3-DEDBFC2EC57C}" dt="2021-02-03T08:48:11.562" v="1078" actId="478"/>
-          <ac:cxnSpMkLst>
-            <pc:docMk/>
-            <pc:sldMk cId="137810324" sldId="592"/>
-            <ac:cxnSpMk id="57" creationId="{00000000-0000-0000-0000-000000000000}"/>
-          </ac:cxnSpMkLst>
-        </pc:cxnChg>
-        <pc:cxnChg chg="mod">
-          <ac:chgData name="Zhao Jin" userId="cd05a825-544c-438a-9ba1-08e63db50b47" providerId="ADAL" clId="{37A0D694-38DA-4421-B5D3-DEDBFC2EC57C}" dt="2021-02-03T08:48:11.562" v="1078" actId="478"/>
-          <ac:cxnSpMkLst>
-            <pc:docMk/>
-            <pc:sldMk cId="137810324" sldId="592"/>
-            <ac:cxnSpMk id="58" creationId="{00000000-0000-0000-0000-000000000000}"/>
-          </ac:cxnSpMkLst>
-        </pc:cxnChg>
-        <pc:cxnChg chg="mod">
-          <ac:chgData name="Zhao Jin" userId="cd05a825-544c-438a-9ba1-08e63db50b47" providerId="ADAL" clId="{37A0D694-38DA-4421-B5D3-DEDBFC2EC57C}" dt="2021-02-03T08:48:11.562" v="1078" actId="478"/>
-          <ac:cxnSpMkLst>
-            <pc:docMk/>
-            <pc:sldMk cId="137810324" sldId="592"/>
-            <ac:cxnSpMk id="59" creationId="{00000000-0000-0000-0000-000000000000}"/>
-          </ac:cxnSpMkLst>
-        </pc:cxnChg>
-      </pc:sldChg>
-      <pc:sldChg chg="addSp delSp modSp add mod">
-        <pc:chgData name="Zhao Jin" userId="cd05a825-544c-438a-9ba1-08e63db50b47" providerId="ADAL" clId="{37A0D694-38DA-4421-B5D3-DEDBFC2EC57C}" dt="2021-02-10T03:55:38.772" v="4967"/>
-        <pc:sldMkLst>
-          <pc:docMk/>
-          <pc:sldMk cId="3233082706" sldId="593"/>
-        </pc:sldMkLst>
-        <pc:spChg chg="add mod">
-          <ac:chgData name="Zhao Jin" userId="cd05a825-544c-438a-9ba1-08e63db50b47" providerId="ADAL" clId="{37A0D694-38DA-4421-B5D3-DEDBFC2EC57C}" dt="2021-02-03T08:57:31.439" v="1415" actId="207"/>
-          <ac:spMkLst>
-            <pc:docMk/>
-            <pc:sldMk cId="3233082706" sldId="593"/>
-            <ac:spMk id="2" creationId="{4BB57D7F-D6C0-4E98-B5AC-D68743875716}"/>
-          </ac:spMkLst>
-        </pc:spChg>
-        <pc:spChg chg="mod">
-          <ac:chgData name="Zhao Jin" userId="cd05a825-544c-438a-9ba1-08e63db50b47" providerId="ADAL" clId="{37A0D694-38DA-4421-B5D3-DEDBFC2EC57C}" dt="2021-02-10T03:55:38.772" v="4967"/>
-          <ac:spMkLst>
-            <pc:docMk/>
-            <pc:sldMk cId="3233082706" sldId="593"/>
-            <ac:spMk id="7" creationId="{00000000-0000-0000-0000-000000000000}"/>
-          </ac:spMkLst>
-        </pc:spChg>
-        <pc:spChg chg="add mod">
-          <ac:chgData name="Zhao Jin" userId="cd05a825-544c-438a-9ba1-08e63db50b47" providerId="ADAL" clId="{37A0D694-38DA-4421-B5D3-DEDBFC2EC57C}" dt="2021-02-03T09:01:13.020" v="1570" actId="14100"/>
-          <ac:spMkLst>
-            <pc:docMk/>
-            <pc:sldMk cId="3233082706" sldId="593"/>
-            <ac:spMk id="11" creationId="{F029A077-040C-47D9-850C-BB5ACF662EAB}"/>
-          </ac:spMkLst>
-        </pc:spChg>
-        <pc:spChg chg="add mod">
-          <ac:chgData name="Zhao Jin" userId="cd05a825-544c-438a-9ba1-08e63db50b47" providerId="ADAL" clId="{37A0D694-38DA-4421-B5D3-DEDBFC2EC57C}" dt="2021-02-04T05:05:17.681" v="3392" actId="14100"/>
-          <ac:spMkLst>
-            <pc:docMk/>
-            <pc:sldMk cId="3233082706" sldId="593"/>
-            <ac:spMk id="13" creationId="{7E76B3B7-DB38-480B-B780-0306142FB5A0}"/>
-          </ac:spMkLst>
-        </pc:spChg>
-        <pc:spChg chg="del">
-          <ac:chgData name="Zhao Jin" userId="cd05a825-544c-438a-9ba1-08e63db50b47" providerId="ADAL" clId="{37A0D694-38DA-4421-B5D3-DEDBFC2EC57C}" dt="2021-02-03T08:57:13.403" v="1412" actId="478"/>
-          <ac:spMkLst>
-            <pc:docMk/>
-            <pc:sldMk cId="3233082706" sldId="593"/>
-            <ac:spMk id="19" creationId="{A73A73BA-8D89-4B27-BFC3-9776D2EA4341}"/>
-          </ac:spMkLst>
-        </pc:spChg>
-        <pc:spChg chg="mod">
-          <ac:chgData name="Zhao Jin" userId="cd05a825-544c-438a-9ba1-08e63db50b47" providerId="ADAL" clId="{37A0D694-38DA-4421-B5D3-DEDBFC2EC57C}" dt="2021-02-03T08:57:48.855" v="1418" actId="14100"/>
-          <ac:spMkLst>
-            <pc:docMk/>
-            <pc:sldMk cId="3233082706" sldId="593"/>
-            <ac:spMk id="49" creationId="{00000000-0000-0000-0000-000000000000}"/>
-          </ac:spMkLst>
-        </pc:spChg>
-        <pc:spChg chg="mod">
-          <ac:chgData name="Zhao Jin" userId="cd05a825-544c-438a-9ba1-08e63db50b47" providerId="ADAL" clId="{37A0D694-38DA-4421-B5D3-DEDBFC2EC57C}" dt="2021-02-03T08:51:48.162" v="1263" actId="20577"/>
-          <ac:spMkLst>
-            <pc:docMk/>
-            <pc:sldMk cId="3233082706" sldId="593"/>
-            <ac:spMk id="14338" creationId="{00000000-0000-0000-0000-000000000000}"/>
-          </ac:spMkLst>
-        </pc:spChg>
-        <pc:spChg chg="del">
-          <ac:chgData name="Zhao Jin" userId="cd05a825-544c-438a-9ba1-08e63db50b47" providerId="ADAL" clId="{37A0D694-38DA-4421-B5D3-DEDBFC2EC57C}" dt="2021-02-03T09:26:15.669" v="3352" actId="478"/>
-          <ac:spMkLst>
-            <pc:docMk/>
-            <pc:sldMk cId="3233082706" sldId="593"/>
-            <ac:spMk id="14340" creationId="{00000000-0000-0000-0000-000000000000}"/>
-          </ac:spMkLst>
-        </pc:spChg>
-        <pc:picChg chg="del mod">
-          <ac:chgData name="Zhao Jin" userId="cd05a825-544c-438a-9ba1-08e63db50b47" providerId="ADAL" clId="{37A0D694-38DA-4421-B5D3-DEDBFC2EC57C}" dt="2021-02-03T08:51:58.070" v="1266" actId="478"/>
-          <ac:picMkLst>
-            <pc:docMk/>
-            <pc:sldMk cId="3233082706" sldId="593"/>
-            <ac:picMk id="2050" creationId="{05AE613C-318D-4BEE-A9E2-BA80E156FFE6}"/>
-          </ac:picMkLst>
-        </pc:picChg>
-        <pc:picChg chg="add mod">
-          <ac:chgData name="Zhao Jin" userId="cd05a825-544c-438a-9ba1-08e63db50b47" providerId="ADAL" clId="{37A0D694-38DA-4421-B5D3-DEDBFC2EC57C}" dt="2021-02-03T08:52:24.677" v="1272" actId="1076"/>
-          <ac:picMkLst>
-            <pc:docMk/>
-            <pc:sldMk cId="3233082706" sldId="593"/>
-            <ac:picMk id="6146" creationId="{D5D43BF4-41EA-4FBF-B1D8-954520609CFC}"/>
-          </ac:picMkLst>
-        </pc:picChg>
-      </pc:sldChg>
-      <pc:sldChg chg="add del">
-        <pc:chgData name="Zhao Jin" userId="cd05a825-544c-438a-9ba1-08e63db50b47" providerId="ADAL" clId="{37A0D694-38DA-4421-B5D3-DEDBFC2EC57C}" dt="2021-02-03T08:52:31.399" v="1274"/>
-        <pc:sldMkLst>
-          <pc:docMk/>
-          <pc:sldMk cId="2125946801" sldId="594"/>
-        </pc:sldMkLst>
-      </pc:sldChg>
-      <pc:sldChg chg="addSp delSp modSp add mod delAnim">
-        <pc:chgData name="Zhao Jin" userId="cd05a825-544c-438a-9ba1-08e63db50b47" providerId="ADAL" clId="{37A0D694-38DA-4421-B5D3-DEDBFC2EC57C}" dt="2021-02-10T03:55:38.772" v="4967"/>
-        <pc:sldMkLst>
-          <pc:docMk/>
-          <pc:sldMk cId="2217225800" sldId="594"/>
-        </pc:sldMkLst>
-        <pc:spChg chg="mod">
-          <ac:chgData name="Zhao Jin" userId="cd05a825-544c-438a-9ba1-08e63db50b47" providerId="ADAL" clId="{37A0D694-38DA-4421-B5D3-DEDBFC2EC57C}" dt="2021-02-10T03:55:38.772" v="4967"/>
-          <ac:spMkLst>
-            <pc:docMk/>
-            <pc:sldMk cId="2217225800" sldId="594"/>
-            <ac:spMk id="7" creationId="{00000000-0000-0000-0000-000000000000}"/>
-          </ac:spMkLst>
-        </pc:spChg>
-        <pc:spChg chg="mod">
-          <ac:chgData name="Zhao Jin" userId="cd05a825-544c-438a-9ba1-08e63db50b47" providerId="ADAL" clId="{37A0D694-38DA-4421-B5D3-DEDBFC2EC57C}" dt="2021-02-03T09:39:04.677" v="3364" actId="13926"/>
-          <ac:spMkLst>
-            <pc:docMk/>
-            <pc:sldMk cId="2217225800" sldId="594"/>
-            <ac:spMk id="8" creationId="{3895F873-6CB7-4316-B798-EE54B3634728}"/>
-          </ac:spMkLst>
-        </pc:spChg>
-        <pc:spChg chg="add mod">
-          <ac:chgData name="Zhao Jin" userId="cd05a825-544c-438a-9ba1-08e63db50b47" providerId="ADAL" clId="{37A0D694-38DA-4421-B5D3-DEDBFC2EC57C}" dt="2021-02-03T08:55:45.605" v="1357" actId="1076"/>
-          <ac:spMkLst>
-            <pc:docMk/>
-            <pc:sldMk cId="2217225800" sldId="594"/>
-            <ac:spMk id="11" creationId="{552429B4-BD20-4EAF-8B36-51498E5AACDA}"/>
-          </ac:spMkLst>
-        </pc:spChg>
-        <pc:spChg chg="del">
-          <ac:chgData name="Zhao Jin" userId="cd05a825-544c-438a-9ba1-08e63db50b47" providerId="ADAL" clId="{37A0D694-38DA-4421-B5D3-DEDBFC2EC57C}" dt="2021-02-03T08:54:12.692" v="1306" actId="478"/>
-          <ac:spMkLst>
-            <pc:docMk/>
-            <pc:sldMk cId="2217225800" sldId="594"/>
-            <ac:spMk id="34" creationId="{1DA4B870-5E05-4566-A46F-B6A051179C55}"/>
-          </ac:spMkLst>
-        </pc:spChg>
-        <pc:spChg chg="mod">
-          <ac:chgData name="Zhao Jin" userId="cd05a825-544c-438a-9ba1-08e63db50b47" providerId="ADAL" clId="{37A0D694-38DA-4421-B5D3-DEDBFC2EC57C}" dt="2021-02-03T08:53:27.759" v="1297" actId="20577"/>
-          <ac:spMkLst>
-            <pc:docMk/>
-            <pc:sldMk cId="2217225800" sldId="594"/>
-            <ac:spMk id="14338" creationId="{00000000-0000-0000-0000-000000000000}"/>
-          </ac:spMkLst>
-        </pc:spChg>
-        <pc:cxnChg chg="del">
-          <ac:chgData name="Zhao Jin" userId="cd05a825-544c-438a-9ba1-08e63db50b47" providerId="ADAL" clId="{37A0D694-38DA-4421-B5D3-DEDBFC2EC57C}" dt="2021-02-03T08:53:21.738" v="1288" actId="478"/>
-          <ac:cxnSpMkLst>
-            <pc:docMk/>
-            <pc:sldMk cId="2217225800" sldId="594"/>
-            <ac:cxnSpMk id="16" creationId="{B4CC9A1D-6448-41B2-BD14-CACDC771AC2A}"/>
-          </ac:cxnSpMkLst>
-        </pc:cxnChg>
-        <pc:cxnChg chg="del">
-          <ac:chgData name="Zhao Jin" userId="cd05a825-544c-438a-9ba1-08e63db50b47" providerId="ADAL" clId="{37A0D694-38DA-4421-B5D3-DEDBFC2EC57C}" dt="2021-02-03T08:53:22.476" v="1289" actId="478"/>
-          <ac:cxnSpMkLst>
-            <pc:docMk/>
-            <pc:sldMk cId="2217225800" sldId="594"/>
-            <ac:cxnSpMk id="22" creationId="{6298AF59-F7D9-4F05-84BF-96ED0AC95091}"/>
-          </ac:cxnSpMkLst>
-        </pc:cxnChg>
-        <pc:cxnChg chg="del">
-          <ac:chgData name="Zhao Jin" userId="cd05a825-544c-438a-9ba1-08e63db50b47" providerId="ADAL" clId="{37A0D694-38DA-4421-B5D3-DEDBFC2EC57C}" dt="2021-02-03T08:53:23.755" v="1290" actId="478"/>
-          <ac:cxnSpMkLst>
-            <pc:docMk/>
-            <pc:sldMk cId="2217225800" sldId="594"/>
-            <ac:cxnSpMk id="30" creationId="{FA77C354-F87B-40D8-BAA7-811F60DDD4B1}"/>
-          </ac:cxnSpMkLst>
-        </pc:cxnChg>
-      </pc:sldChg>
-      <pc:sldChg chg="addSp modSp add mod">
-        <pc:chgData name="Zhao Jin" userId="cd05a825-544c-438a-9ba1-08e63db50b47" providerId="ADAL" clId="{37A0D694-38DA-4421-B5D3-DEDBFC2EC57C}" dt="2021-02-10T03:55:38.772" v="4967"/>
-        <pc:sldMkLst>
-          <pc:docMk/>
-          <pc:sldMk cId="2419983458" sldId="595"/>
-        </pc:sldMkLst>
-        <pc:spChg chg="mod">
-          <ac:chgData name="Zhao Jin" userId="cd05a825-544c-438a-9ba1-08e63db50b47" providerId="ADAL" clId="{37A0D694-38DA-4421-B5D3-DEDBFC2EC57C}" dt="2021-02-10T03:55:38.772" v="4967"/>
-          <ac:spMkLst>
-            <pc:docMk/>
-            <pc:sldMk cId="2419983458" sldId="595"/>
-            <ac:spMk id="7" creationId="{00000000-0000-0000-0000-000000000000}"/>
-          </ac:spMkLst>
-        </pc:spChg>
-        <pc:spChg chg="mod">
-          <ac:chgData name="Zhao Jin" userId="cd05a825-544c-438a-9ba1-08e63db50b47" providerId="ADAL" clId="{37A0D694-38DA-4421-B5D3-DEDBFC2EC57C}" dt="2021-02-03T09:39:25.953" v="3369" actId="13926"/>
-          <ac:spMkLst>
-            <pc:docMk/>
-            <pc:sldMk cId="2419983458" sldId="595"/>
-            <ac:spMk id="8" creationId="{3895F873-6CB7-4316-B798-EE54B3634728}"/>
-          </ac:spMkLst>
-        </pc:spChg>
-        <pc:spChg chg="add mod">
-          <ac:chgData name="Zhao Jin" userId="cd05a825-544c-438a-9ba1-08e63db50b47" providerId="ADAL" clId="{37A0D694-38DA-4421-B5D3-DEDBFC2EC57C}" dt="2021-02-08T02:03:35.963" v="4958" actId="1076"/>
-          <ac:spMkLst>
-            <pc:docMk/>
-            <pc:sldMk cId="2419983458" sldId="595"/>
-            <ac:spMk id="9" creationId="{02DD4937-725F-46B8-8AE4-992DF5A782AD}"/>
-          </ac:spMkLst>
-        </pc:spChg>
-        <pc:spChg chg="mod">
-          <ac:chgData name="Zhao Jin" userId="cd05a825-544c-438a-9ba1-08e63db50b47" providerId="ADAL" clId="{37A0D694-38DA-4421-B5D3-DEDBFC2EC57C}" dt="2021-02-03T09:00:05.278" v="1558" actId="20577"/>
-          <ac:spMkLst>
-            <pc:docMk/>
-            <pc:sldMk cId="2419983458" sldId="595"/>
-            <ac:spMk id="14338" creationId="{00000000-0000-0000-0000-000000000000}"/>
-          </ac:spMkLst>
-        </pc:spChg>
-      </pc:sldChg>
-      <pc:sldChg chg="addSp delSp modSp add del mod delAnim">
-        <pc:chgData name="Zhao Jin" userId="cd05a825-544c-438a-9ba1-08e63db50b47" providerId="ADAL" clId="{37A0D694-38DA-4421-B5D3-DEDBFC2EC57C}" dt="2021-02-03T09:05:13.520" v="1668" actId="47"/>
-        <pc:sldMkLst>
-          <pc:docMk/>
-          <pc:sldMk cId="765980287" sldId="596"/>
-        </pc:sldMkLst>
-        <pc:spChg chg="add mod">
-          <ac:chgData name="Zhao Jin" userId="cd05a825-544c-438a-9ba1-08e63db50b47" providerId="ADAL" clId="{37A0D694-38DA-4421-B5D3-DEDBFC2EC57C}" dt="2021-02-03T09:03:01.268" v="1666" actId="20577"/>
-          <ac:spMkLst>
-            <pc:docMk/>
-            <pc:sldMk cId="765980287" sldId="596"/>
-            <ac:spMk id="8" creationId="{FAD97811-8BEC-434B-B3F2-C8FE23FA8D81}"/>
-          </ac:spMkLst>
-        </pc:spChg>
-        <pc:spChg chg="del">
-          <ac:chgData name="Zhao Jin" userId="cd05a825-544c-438a-9ba1-08e63db50b47" providerId="ADAL" clId="{37A0D694-38DA-4421-B5D3-DEDBFC2EC57C}" dt="2021-02-03T09:02:13.725" v="1581" actId="478"/>
-          <ac:spMkLst>
-            <pc:docMk/>
-            <pc:sldMk cId="765980287" sldId="596"/>
-            <ac:spMk id="11" creationId="{675C9FBE-306E-46A7-BAB9-46BD27707AF2}"/>
-          </ac:spMkLst>
-        </pc:spChg>
-        <pc:spChg chg="mod">
-          <ac:chgData name="Zhao Jin" userId="cd05a825-544c-438a-9ba1-08e63db50b47" providerId="ADAL" clId="{37A0D694-38DA-4421-B5D3-DEDBFC2EC57C}" dt="2021-02-03T09:02:08.547" v="1578" actId="20577"/>
-          <ac:spMkLst>
-            <pc:docMk/>
-            <pc:sldMk cId="765980287" sldId="596"/>
-            <ac:spMk id="14338" creationId="{00000000-0000-0000-0000-000000000000}"/>
-          </ac:spMkLst>
-        </pc:spChg>
-        <pc:graphicFrameChg chg="del">
-          <ac:chgData name="Zhao Jin" userId="cd05a825-544c-438a-9ba1-08e63db50b47" providerId="ADAL" clId="{37A0D694-38DA-4421-B5D3-DEDBFC2EC57C}" dt="2021-02-03T09:02:12.549" v="1580" actId="478"/>
-          <ac:graphicFrameMkLst>
-            <pc:docMk/>
-            <pc:sldMk cId="765980287" sldId="596"/>
-            <ac:graphicFrameMk id="10" creationId="{74304014-08C4-4321-AD74-36FAC51612DB}"/>
-          </ac:graphicFrameMkLst>
-        </pc:graphicFrameChg>
-        <pc:picChg chg="del">
-          <ac:chgData name="Zhao Jin" userId="cd05a825-544c-438a-9ba1-08e63db50b47" providerId="ADAL" clId="{37A0D694-38DA-4421-B5D3-DEDBFC2EC57C}" dt="2021-02-03T09:02:10.162" v="1579" actId="478"/>
-          <ac:picMkLst>
-            <pc:docMk/>
-            <pc:sldMk cId="765980287" sldId="596"/>
-            <ac:picMk id="4" creationId="{EAFF9153-D379-4E7D-9B97-29843966A9B9}"/>
-          </ac:picMkLst>
-        </pc:picChg>
-      </pc:sldChg>
-      <pc:sldChg chg="addSp delSp modSp add mod delAnim modAnim">
-        <pc:chgData name="Zhao Jin" userId="cd05a825-544c-438a-9ba1-08e63db50b47" providerId="ADAL" clId="{37A0D694-38DA-4421-B5D3-DEDBFC2EC57C}" dt="2021-02-10T03:55:38.772" v="4967"/>
-        <pc:sldMkLst>
-          <pc:docMk/>
-          <pc:sldMk cId="3643682471" sldId="596"/>
-        </pc:sldMkLst>
-        <pc:spChg chg="add mod">
-          <ac:chgData name="Zhao Jin" userId="cd05a825-544c-438a-9ba1-08e63db50b47" providerId="ADAL" clId="{37A0D694-38DA-4421-B5D3-DEDBFC2EC57C}" dt="2021-02-03T09:20:12.333" v="3126" actId="207"/>
-          <ac:spMkLst>
-            <pc:docMk/>
-            <pc:sldMk cId="3643682471" sldId="596"/>
-            <ac:spMk id="7" creationId="{BFBA3626-DC9B-4A39-BA4F-6360F818DCE3}"/>
-          </ac:spMkLst>
-        </pc:spChg>
-        <pc:spChg chg="add mod">
-          <ac:chgData name="Zhao Jin" userId="cd05a825-544c-438a-9ba1-08e63db50b47" providerId="ADAL" clId="{37A0D694-38DA-4421-B5D3-DEDBFC2EC57C}" dt="2021-02-03T09:20:25.307" v="3127" actId="1076"/>
-          <ac:spMkLst>
-            <pc:docMk/>
-            <pc:sldMk cId="3643682471" sldId="596"/>
-            <ac:spMk id="8" creationId="{A65AE342-14B8-4A3C-8F93-D714DA24339E}"/>
-          </ac:spMkLst>
-        </pc:spChg>
-        <pc:spChg chg="mod">
-          <ac:chgData name="Zhao Jin" userId="cd05a825-544c-438a-9ba1-08e63db50b47" providerId="ADAL" clId="{37A0D694-38DA-4421-B5D3-DEDBFC2EC57C}" dt="2021-02-10T03:55:38.772" v="4967"/>
-          <ac:spMkLst>
-            <pc:docMk/>
-            <pc:sldMk cId="3643682471" sldId="596"/>
-            <ac:spMk id="9" creationId="{00000000-0000-0000-0000-000000000000}"/>
-          </ac:spMkLst>
-        </pc:spChg>
-        <pc:spChg chg="add mod">
-          <ac:chgData name="Zhao Jin" userId="cd05a825-544c-438a-9ba1-08e63db50b47" providerId="ADAL" clId="{37A0D694-38DA-4421-B5D3-DEDBFC2EC57C}" dt="2021-02-03T09:20:27.433" v="3128" actId="14100"/>
-          <ac:spMkLst>
-            <pc:docMk/>
-            <pc:sldMk cId="3643682471" sldId="596"/>
-            <ac:spMk id="10" creationId="{9981BD99-7AFF-496B-8179-D25CE6127E97}"/>
-          </ac:spMkLst>
-        </pc:spChg>
-        <pc:spChg chg="del mod">
-          <ac:chgData name="Zhao Jin" userId="cd05a825-544c-438a-9ba1-08e63db50b47" providerId="ADAL" clId="{37A0D694-38DA-4421-B5D3-DEDBFC2EC57C}" dt="2021-02-03T09:15:31.710" v="2958" actId="478"/>
-          <ac:spMkLst>
-            <pc:docMk/>
-            <pc:sldMk cId="3643682471" sldId="596"/>
-            <ac:spMk id="15" creationId="{00000000-0000-0000-0000-000000000000}"/>
-          </ac:spMkLst>
-        </pc:spChg>
-        <pc:spChg chg="del">
-          <ac:chgData name="Zhao Jin" userId="cd05a825-544c-438a-9ba1-08e63db50b47" providerId="ADAL" clId="{37A0D694-38DA-4421-B5D3-DEDBFC2EC57C}" dt="2021-02-08T01:41:53.746" v="4087" actId="478"/>
-          <ac:spMkLst>
-            <pc:docMk/>
-            <pc:sldMk cId="3643682471" sldId="596"/>
-            <ac:spMk id="25604" creationId="{00000000-0000-0000-0000-000000000000}"/>
-          </ac:spMkLst>
-        </pc:spChg>
-      </pc:sldChg>
-      <pc:sldChg chg="delSp modSp add mod modAnim">
-        <pc:chgData name="Zhao Jin" userId="cd05a825-544c-438a-9ba1-08e63db50b47" providerId="ADAL" clId="{37A0D694-38DA-4421-B5D3-DEDBFC2EC57C}" dt="2021-02-10T03:55:38.772" v="4967"/>
-        <pc:sldMkLst>
-          <pc:docMk/>
-          <pc:sldMk cId="3231946261" sldId="597"/>
-        </pc:sldMkLst>
-        <pc:spChg chg="mod">
-          <ac:chgData name="Zhao Jin" userId="cd05a825-544c-438a-9ba1-08e63db50b47" providerId="ADAL" clId="{37A0D694-38DA-4421-B5D3-DEDBFC2EC57C}" dt="2021-02-10T03:55:38.772" v="4967"/>
-          <ac:spMkLst>
-            <pc:docMk/>
-            <pc:sldMk cId="3231946261" sldId="597"/>
-            <ac:spMk id="9" creationId="{00000000-0000-0000-0000-000000000000}"/>
-          </ac:spMkLst>
-        </pc:spChg>
-        <pc:spChg chg="mod">
-          <ac:chgData name="Zhao Jin" userId="cd05a825-544c-438a-9ba1-08e63db50b47" providerId="ADAL" clId="{37A0D694-38DA-4421-B5D3-DEDBFC2EC57C}" dt="2021-02-03T09:39:34.898" v="3370" actId="6549"/>
-          <ac:spMkLst>
-            <pc:docMk/>
-            <pc:sldMk cId="3231946261" sldId="597"/>
-            <ac:spMk id="15" creationId="{00000000-0000-0000-0000-000000000000}"/>
-          </ac:spMkLst>
-        </pc:spChg>
-        <pc:spChg chg="del">
-          <ac:chgData name="Zhao Jin" userId="cd05a825-544c-438a-9ba1-08e63db50b47" providerId="ADAL" clId="{37A0D694-38DA-4421-B5D3-DEDBFC2EC57C}" dt="2021-02-03T09:26:13.830" v="3351" actId="478"/>
-          <ac:spMkLst>
-            <pc:docMk/>
-            <pc:sldMk cId="3231946261" sldId="597"/>
-            <ac:spMk id="25604" creationId="{00000000-0000-0000-0000-000000000000}"/>
-          </ac:spMkLst>
-        </pc:spChg>
-      </pc:sldChg>
-      <pc:sldChg chg="delSp modSp add mod ord">
-        <pc:chgData name="Zhao Jin" userId="cd05a825-544c-438a-9ba1-08e63db50b47" providerId="ADAL" clId="{37A0D694-38DA-4421-B5D3-DEDBFC2EC57C}" dt="2021-02-10T03:55:38.772" v="4967"/>
-        <pc:sldMkLst>
-          <pc:docMk/>
-          <pc:sldMk cId="4002657513" sldId="598"/>
-        </pc:sldMkLst>
-        <pc:spChg chg="mod">
-          <ac:chgData name="Zhao Jin" userId="cd05a825-544c-438a-9ba1-08e63db50b47" providerId="ADAL" clId="{37A0D694-38DA-4421-B5D3-DEDBFC2EC57C}" dt="2021-02-03T09:18:10.033" v="3004" actId="20577"/>
-          <ac:spMkLst>
-            <pc:docMk/>
-            <pc:sldMk cId="4002657513" sldId="598"/>
-            <ac:spMk id="7" creationId="{BFBA3626-DC9B-4A39-BA4F-6360F818DCE3}"/>
-          </ac:spMkLst>
-        </pc:spChg>
-        <pc:spChg chg="mod">
-          <ac:chgData name="Zhao Jin" userId="cd05a825-544c-438a-9ba1-08e63db50b47" providerId="ADAL" clId="{37A0D694-38DA-4421-B5D3-DEDBFC2EC57C}" dt="2021-02-10T03:55:38.772" v="4967"/>
-          <ac:spMkLst>
-            <pc:docMk/>
-            <pc:sldMk cId="4002657513" sldId="598"/>
-            <ac:spMk id="9" creationId="{00000000-0000-0000-0000-000000000000}"/>
-          </ac:spMkLst>
-        </pc:spChg>
-        <pc:spChg chg="del">
-          <ac:chgData name="Zhao Jin" userId="cd05a825-544c-438a-9ba1-08e63db50b47" providerId="ADAL" clId="{37A0D694-38DA-4421-B5D3-DEDBFC2EC57C}" dt="2021-02-04T05:03:37.840" v="3371" actId="478"/>
-          <ac:spMkLst>
-            <pc:docMk/>
-            <pc:sldMk cId="4002657513" sldId="598"/>
-            <ac:spMk id="25604" creationId="{00000000-0000-0000-0000-000000000000}"/>
-          </ac:spMkLst>
-        </pc:spChg>
-      </pc:sldChg>
-      <pc:sldChg chg="addSp delSp modSp add mod ord modClrScheme addAnim delAnim modAnim chgLayout">
-        <pc:chgData name="Zhao Jin" userId="cd05a825-544c-438a-9ba1-08e63db50b47" providerId="ADAL" clId="{37A0D694-38DA-4421-B5D3-DEDBFC2EC57C}" dt="2021-02-10T03:55:38.772" v="4967"/>
-        <pc:sldMkLst>
-          <pc:docMk/>
-          <pc:sldMk cId="2930953569" sldId="599"/>
-        </pc:sldMkLst>
-        <pc:spChg chg="add del mod">
-          <ac:chgData name="Zhao Jin" userId="cd05a825-544c-438a-9ba1-08e63db50b47" providerId="ADAL" clId="{37A0D694-38DA-4421-B5D3-DEDBFC2EC57C}" dt="2021-02-04T05:03:51.544" v="3374" actId="478"/>
-          <ac:spMkLst>
-            <pc:docMk/>
-            <pc:sldMk cId="2930953569" sldId="599"/>
-            <ac:spMk id="3" creationId="{3E9D9044-BC32-432C-B8FE-F025054738CB}"/>
-          </ac:spMkLst>
-        </pc:spChg>
-        <pc:spChg chg="mod">
-          <ac:chgData name="Zhao Jin" userId="cd05a825-544c-438a-9ba1-08e63db50b47" providerId="ADAL" clId="{37A0D694-38DA-4421-B5D3-DEDBFC2EC57C}" dt="2021-02-10T03:55:38.772" v="4967"/>
-          <ac:spMkLst>
-            <pc:docMk/>
-            <pc:sldMk cId="2930953569" sldId="599"/>
-            <ac:spMk id="7" creationId="{00000000-0000-0000-0000-000000000000}"/>
-          </ac:spMkLst>
-        </pc:spChg>
-        <pc:spChg chg="del">
-          <ac:chgData name="Zhao Jin" userId="cd05a825-544c-438a-9ba1-08e63db50b47" providerId="ADAL" clId="{37A0D694-38DA-4421-B5D3-DEDBFC2EC57C}" dt="2021-02-04T05:03:53.285" v="3376" actId="478"/>
-          <ac:spMkLst>
-            <pc:docMk/>
-            <pc:sldMk cId="2930953569" sldId="599"/>
-            <ac:spMk id="8" creationId="{3895F873-6CB7-4316-B798-EE54B3634728}"/>
-          </ac:spMkLst>
-        </pc:spChg>
-        <pc:spChg chg="del">
-          <ac:chgData name="Zhao Jin" userId="cd05a825-544c-438a-9ba1-08e63db50b47" providerId="ADAL" clId="{37A0D694-38DA-4421-B5D3-DEDBFC2EC57C}" dt="2021-02-04T05:03:55.125" v="3377" actId="478"/>
-          <ac:spMkLst>
-            <pc:docMk/>
-            <pc:sldMk cId="2930953569" sldId="599"/>
-            <ac:spMk id="11" creationId="{552429B4-BD20-4EAF-8B36-51498E5AACDA}"/>
-          </ac:spMkLst>
-        </pc:spChg>
-        <pc:spChg chg="mod modVis">
-          <ac:chgData name="Zhao Jin" userId="cd05a825-544c-438a-9ba1-08e63db50b47" providerId="ADAL" clId="{37A0D694-38DA-4421-B5D3-DEDBFC2EC57C}" dt="2021-02-04T05:04:31.896" v="3387" actId="26606"/>
-          <ac:spMkLst>
-            <pc:docMk/>
-            <pc:sldMk cId="2930953569" sldId="599"/>
-            <ac:spMk id="12" creationId="{00000000-0000-0000-0000-000000000000}"/>
-          </ac:spMkLst>
-        </pc:spChg>
-        <pc:spChg chg="add del mod">
-          <ac:chgData name="Zhao Jin" userId="cd05a825-544c-438a-9ba1-08e63db50b47" providerId="ADAL" clId="{37A0D694-38DA-4421-B5D3-DEDBFC2EC57C}" dt="2021-02-04T05:04:31.896" v="3387" actId="26606"/>
-          <ac:spMkLst>
-            <pc:docMk/>
-            <pc:sldMk cId="2930953569" sldId="599"/>
-            <ac:spMk id="71" creationId="{DE77B3E8-31F2-4F1F-ABE8-C6A0683B51CF}"/>
-          </ac:spMkLst>
-        </pc:spChg>
-        <pc:spChg chg="add del mod">
-          <ac:chgData name="Zhao Jin" userId="cd05a825-544c-438a-9ba1-08e63db50b47" providerId="ADAL" clId="{37A0D694-38DA-4421-B5D3-DEDBFC2EC57C}" dt="2021-02-04T05:04:31.896" v="3387" actId="26606"/>
-          <ac:spMkLst>
-            <pc:docMk/>
-            <pc:sldMk cId="2930953569" sldId="599"/>
-            <ac:spMk id="73" creationId="{21A3772B-FFD2-477C-980C-808FDE05940B}"/>
-          </ac:spMkLst>
-        </pc:spChg>
-        <pc:spChg chg="add del mod">
-          <ac:chgData name="Zhao Jin" userId="cd05a825-544c-438a-9ba1-08e63db50b47" providerId="ADAL" clId="{37A0D694-38DA-4421-B5D3-DEDBFC2EC57C}" dt="2021-02-04T05:04:31.896" v="3387" actId="26606"/>
-          <ac:spMkLst>
-            <pc:docMk/>
-            <pc:sldMk cId="2930953569" sldId="599"/>
-            <ac:spMk id="14338" creationId="{00000000-0000-0000-0000-000000000000}"/>
-          </ac:spMkLst>
-        </pc:spChg>
-        <pc:picChg chg="del">
-          <ac:chgData name="Zhao Jin" userId="cd05a825-544c-438a-9ba1-08e63db50b47" providerId="ADAL" clId="{37A0D694-38DA-4421-B5D3-DEDBFC2EC57C}" dt="2021-02-04T05:03:52.637" v="3375" actId="478"/>
-          <ac:picMkLst>
-            <pc:docMk/>
-            <pc:sldMk cId="2930953569" sldId="599"/>
-            <ac:picMk id="4" creationId="{EAFF9153-D379-4E7D-9B97-29843966A9B9}"/>
-          </ac:picMkLst>
-        </pc:picChg>
-        <pc:picChg chg="add mod ord">
-          <ac:chgData name="Zhao Jin" userId="cd05a825-544c-438a-9ba1-08e63db50b47" providerId="ADAL" clId="{37A0D694-38DA-4421-B5D3-DEDBFC2EC57C}" dt="2021-02-04T05:04:38.184" v="3388" actId="1076"/>
-          <ac:picMkLst>
-            <pc:docMk/>
-            <pc:sldMk cId="2930953569" sldId="599"/>
-            <ac:picMk id="6" creationId="{39011840-BE31-4880-9492-02AACF59B6E8}"/>
-          </ac:picMkLst>
-        </pc:picChg>
-        <pc:picChg chg="add del mod">
-          <ac:chgData name="Zhao Jin" userId="cd05a825-544c-438a-9ba1-08e63db50b47" providerId="ADAL" clId="{37A0D694-38DA-4421-B5D3-DEDBFC2EC57C}" dt="2021-02-04T05:05:47.079" v="3393" actId="478"/>
-          <ac:picMkLst>
-            <pc:docMk/>
-            <pc:sldMk cId="2930953569" sldId="599"/>
-            <ac:picMk id="14" creationId="{CCC34DEE-F320-477E-950C-634B3D89DB93}"/>
-          </ac:picMkLst>
-        </pc:picChg>
-      </pc:sldChg>
-      <pc:sldChg chg="addSp delSp modSp add mod ord delAnim modAnim">
-        <pc:chgData name="Zhao Jin" userId="cd05a825-544c-438a-9ba1-08e63db50b47" providerId="ADAL" clId="{37A0D694-38DA-4421-B5D3-DEDBFC2EC57C}" dt="2021-02-10T03:55:38.772" v="4967"/>
-        <pc:sldMkLst>
-          <pc:docMk/>
-          <pc:sldMk cId="880934081" sldId="600"/>
-        </pc:sldMkLst>
-        <pc:spChg chg="mod">
-          <ac:chgData name="Zhao Jin" userId="cd05a825-544c-438a-9ba1-08e63db50b47" providerId="ADAL" clId="{37A0D694-38DA-4421-B5D3-DEDBFC2EC57C}" dt="2021-02-10T03:55:38.772" v="4967"/>
-          <ac:spMkLst>
-            <pc:docMk/>
-            <pc:sldMk cId="880934081" sldId="600"/>
-            <ac:spMk id="7" creationId="{00000000-0000-0000-0000-000000000000}"/>
-          </ac:spMkLst>
-        </pc:spChg>
-        <pc:spChg chg="mod">
-          <ac:chgData name="Zhao Jin" userId="cd05a825-544c-438a-9ba1-08e63db50b47" providerId="ADAL" clId="{37A0D694-38DA-4421-B5D3-DEDBFC2EC57C}" dt="2021-02-08T01:34:33.890" v="3755" actId="1035"/>
-          <ac:spMkLst>
-            <pc:docMk/>
-            <pc:sldMk cId="880934081" sldId="600"/>
-            <ac:spMk id="9" creationId="{0F0F7443-4DFE-415D-AD17-224F6273D040}"/>
-          </ac:spMkLst>
-        </pc:spChg>
-        <pc:spChg chg="mod">
-          <ac:chgData name="Zhao Jin" userId="cd05a825-544c-438a-9ba1-08e63db50b47" providerId="ADAL" clId="{37A0D694-38DA-4421-B5D3-DEDBFC2EC57C}" dt="2021-02-08T01:34:08.258" v="3735" actId="1036"/>
-          <ac:spMkLst>
-            <pc:docMk/>
-            <pc:sldMk cId="880934081" sldId="600"/>
-            <ac:spMk id="11" creationId="{773175F5-4C96-49AA-A94B-810AFD3DA55C}"/>
-          </ac:spMkLst>
-        </pc:spChg>
-        <pc:spChg chg="mod">
-          <ac:chgData name="Zhao Jin" userId="cd05a825-544c-438a-9ba1-08e63db50b47" providerId="ADAL" clId="{37A0D694-38DA-4421-B5D3-DEDBFC2EC57C}" dt="2021-02-08T01:35:29.791" v="3798" actId="20577"/>
-          <ac:spMkLst>
-            <pc:docMk/>
-            <pc:sldMk cId="880934081" sldId="600"/>
-            <ac:spMk id="13" creationId="{C38C91FA-2FD7-40E4-8FEF-DC652DE39BDD}"/>
-          </ac:spMkLst>
-        </pc:spChg>
-        <pc:spChg chg="mod">
-          <ac:chgData name="Zhao Jin" userId="cd05a825-544c-438a-9ba1-08e63db50b47" providerId="ADAL" clId="{37A0D694-38DA-4421-B5D3-DEDBFC2EC57C}" dt="2021-02-08T01:33:08.486" v="3704"/>
-          <ac:spMkLst>
-            <pc:docMk/>
-            <pc:sldMk cId="880934081" sldId="600"/>
-            <ac:spMk id="14" creationId="{D3FFFB67-7299-4469-9FBF-DBE5B89609F5}"/>
-          </ac:spMkLst>
-        </pc:spChg>
-        <pc:spChg chg="mod">
-          <ac:chgData name="Zhao Jin" userId="cd05a825-544c-438a-9ba1-08e63db50b47" providerId="ADAL" clId="{37A0D694-38DA-4421-B5D3-DEDBFC2EC57C}" dt="2021-02-08T01:33:08.486" v="3704"/>
-          <ac:spMkLst>
-            <pc:docMk/>
-            <pc:sldMk cId="880934081" sldId="600"/>
-            <ac:spMk id="15" creationId="{5E9C53D0-6BF9-4AC9-8E89-AA6B7DB8B050}"/>
-          </ac:spMkLst>
-        </pc:spChg>
-        <pc:spChg chg="add del mod">
-          <ac:chgData name="Zhao Jin" userId="cd05a825-544c-438a-9ba1-08e63db50b47" providerId="ADAL" clId="{37A0D694-38DA-4421-B5D3-DEDBFC2EC57C}" dt="2021-02-08T01:33:38.691" v="3707" actId="478"/>
-          <ac:spMkLst>
-            <pc:docMk/>
-            <pc:sldMk cId="880934081" sldId="600"/>
-            <ac:spMk id="19" creationId="{44122FE2-3D5D-4044-9C44-0C76782521C4}"/>
-          </ac:spMkLst>
-        </pc:spChg>
-        <pc:spChg chg="add del mod">
-          <ac:chgData name="Zhao Jin" userId="cd05a825-544c-438a-9ba1-08e63db50b47" providerId="ADAL" clId="{37A0D694-38DA-4421-B5D3-DEDBFC2EC57C}" dt="2021-02-08T01:33:40.143" v="3708" actId="478"/>
-          <ac:spMkLst>
-            <pc:docMk/>
-            <pc:sldMk cId="880934081" sldId="600"/>
-            <ac:spMk id="20" creationId="{7F92D9CB-8CE1-44AC-8870-079E82385FB1}"/>
-          </ac:spMkLst>
-        </pc:spChg>
-        <pc:spChg chg="add mod">
-          <ac:chgData name="Zhao Jin" userId="cd05a825-544c-438a-9ba1-08e63db50b47" providerId="ADAL" clId="{37A0D694-38DA-4421-B5D3-DEDBFC2EC57C}" dt="2021-02-08T01:34:59.699" v="3769" actId="6549"/>
-          <ac:spMkLst>
-            <pc:docMk/>
-            <pc:sldMk cId="880934081" sldId="600"/>
-            <ac:spMk id="25" creationId="{1EDBB76C-AEFD-4199-9BA3-F48B3D729ADF}"/>
-          </ac:spMkLst>
-        </pc:spChg>
-        <pc:spChg chg="add mod">
-          <ac:chgData name="Zhao Jin" userId="cd05a825-544c-438a-9ba1-08e63db50b47" providerId="ADAL" clId="{37A0D694-38DA-4421-B5D3-DEDBFC2EC57C}" dt="2021-02-08T01:38:12.109" v="3904" actId="20577"/>
-          <ac:spMkLst>
-            <pc:docMk/>
-            <pc:sldMk cId="880934081" sldId="600"/>
-            <ac:spMk id="26" creationId="{49077400-1D22-4B84-AD24-0D61D7942A66}"/>
-          </ac:spMkLst>
-        </pc:spChg>
-        <pc:spChg chg="del">
-          <ac:chgData name="Zhao Jin" userId="cd05a825-544c-438a-9ba1-08e63db50b47" providerId="ADAL" clId="{37A0D694-38DA-4421-B5D3-DEDBFC2EC57C}" dt="2021-02-08T01:33:06.769" v="3702" actId="478"/>
-          <ac:spMkLst>
-            <pc:docMk/>
-            <pc:sldMk cId="880934081" sldId="600"/>
-            <ac:spMk id="49" creationId="{00000000-0000-0000-0000-000000000000}"/>
-          </ac:spMkLst>
-        </pc:spChg>
-        <pc:spChg chg="mod">
-          <ac:chgData name="Zhao Jin" userId="cd05a825-544c-438a-9ba1-08e63db50b47" providerId="ADAL" clId="{37A0D694-38DA-4421-B5D3-DEDBFC2EC57C}" dt="2021-02-08T02:02:28.200" v="4908" actId="20577"/>
-          <ac:spMkLst>
-            <pc:docMk/>
-            <pc:sldMk cId="880934081" sldId="600"/>
-            <ac:spMk id="14338" creationId="{00000000-0000-0000-0000-000000000000}"/>
-          </ac:spMkLst>
-        </pc:spChg>
-        <pc:grpChg chg="add mod">
-          <ac:chgData name="Zhao Jin" userId="cd05a825-544c-438a-9ba1-08e63db50b47" providerId="ADAL" clId="{37A0D694-38DA-4421-B5D3-DEDBFC2EC57C}" dt="2021-02-08T01:35:18.638" v="3797" actId="14100"/>
-          <ac:grpSpMkLst>
-            <pc:docMk/>
-            <pc:sldMk cId="880934081" sldId="600"/>
-            <ac:grpSpMk id="8" creationId="{57A95DDB-3BBC-4F7D-BE33-CBF7B31BECFF}"/>
-          </ac:grpSpMkLst>
-        </pc:grpChg>
-        <pc:picChg chg="del">
-          <ac:chgData name="Zhao Jin" userId="cd05a825-544c-438a-9ba1-08e63db50b47" providerId="ADAL" clId="{37A0D694-38DA-4421-B5D3-DEDBFC2EC57C}" dt="2021-02-08T01:33:07.505" v="3703" actId="478"/>
-          <ac:picMkLst>
-            <pc:docMk/>
-            <pc:sldMk cId="880934081" sldId="600"/>
-            <ac:picMk id="2050" creationId="{05AE613C-318D-4BEE-A9E2-BA80E156FFE6}"/>
-          </ac:picMkLst>
-        </pc:picChg>
-        <pc:cxnChg chg="mod">
-          <ac:chgData name="Zhao Jin" userId="cd05a825-544c-438a-9ba1-08e63db50b47" providerId="ADAL" clId="{37A0D694-38DA-4421-B5D3-DEDBFC2EC57C}" dt="2021-02-08T01:34:33.890" v="3755" actId="1035"/>
-          <ac:cxnSpMkLst>
-            <pc:docMk/>
-            <pc:sldMk cId="880934081" sldId="600"/>
-            <ac:cxnSpMk id="10" creationId="{A67C22B8-A71F-429C-BF0F-E611871C2339}"/>
-          </ac:cxnSpMkLst>
-        </pc:cxnChg>
-        <pc:cxnChg chg="mod">
-          <ac:chgData name="Zhao Jin" userId="cd05a825-544c-438a-9ba1-08e63db50b47" providerId="ADAL" clId="{37A0D694-38DA-4421-B5D3-DEDBFC2EC57C}" dt="2021-02-08T01:34:33.890" v="3755" actId="1035"/>
-          <ac:cxnSpMkLst>
-            <pc:docMk/>
-            <pc:sldMk cId="880934081" sldId="600"/>
-            <ac:cxnSpMk id="16" creationId="{244202A2-F6E5-4EB1-8FE5-5C63F127FBD4}"/>
-          </ac:cxnSpMkLst>
-        </pc:cxnChg>
-        <pc:cxnChg chg="mod">
-          <ac:chgData name="Zhao Jin" userId="cd05a825-544c-438a-9ba1-08e63db50b47" providerId="ADAL" clId="{37A0D694-38DA-4421-B5D3-DEDBFC2EC57C}" dt="2021-02-08T01:34:33.890" v="3755" actId="1035"/>
-          <ac:cxnSpMkLst>
-            <pc:docMk/>
-            <pc:sldMk cId="880934081" sldId="600"/>
-            <ac:cxnSpMk id="17" creationId="{BDAF2274-9C3B-4346-A725-B8ADDE65C577}"/>
-          </ac:cxnSpMkLst>
-        </pc:cxnChg>
-        <pc:cxnChg chg="mod">
-          <ac:chgData name="Zhao Jin" userId="cd05a825-544c-438a-9ba1-08e63db50b47" providerId="ADAL" clId="{37A0D694-38DA-4421-B5D3-DEDBFC2EC57C}" dt="2021-02-08T01:34:33.890" v="3755" actId="1035"/>
-          <ac:cxnSpMkLst>
-            <pc:docMk/>
-            <pc:sldMk cId="880934081" sldId="600"/>
-            <ac:cxnSpMk id="18" creationId="{6912DF40-1EFB-4781-BC3C-831198FCD003}"/>
+            <pc:sldMk cId="1268238251" sldId="555"/>
+            <ac:cxnSpMk id="33" creationId="{00000000-0000-0000-0000-000000000000}"/>
           </ac:cxnSpMkLst>
         </pc:cxnChg>
       </pc:sldChg>
       <pc:sldMasterChg chg="modSp modSldLayout">
-        <pc:chgData name="Zhao Jin" userId="cd05a825-544c-438a-9ba1-08e63db50b47" providerId="ADAL" clId="{37A0D694-38DA-4421-B5D3-DEDBFC2EC57C}" dt="2021-02-10T03:55:38.772" v="4967"/>
+        <pc:chgData name="Zhao Jin" userId="cd05a825-544c-438a-9ba1-08e63db50b47" providerId="ADAL" clId="{E094A0D3-9008-D44F-B23F-E71F39C2BDEC}" dt="2021-01-27T04:58:20.523" v="47"/>
         <pc:sldMasterMkLst>
           <pc:docMk/>
           <pc:sldMasterMk cId="0" sldId="2147485087"/>
         </pc:sldMasterMkLst>
         <pc:spChg chg="mod">
-          <ac:chgData name="Zhao Jin" userId="cd05a825-544c-438a-9ba1-08e63db50b47" providerId="ADAL" clId="{37A0D694-38DA-4421-B5D3-DEDBFC2EC57C}" dt="2021-02-10T03:55:38.772" v="4967"/>
+          <ac:chgData name="Zhao Jin" userId="cd05a825-544c-438a-9ba1-08e63db50b47" providerId="ADAL" clId="{E094A0D3-9008-D44F-B23F-E71F39C2BDEC}" dt="2021-01-27T04:58:20.523" v="47"/>
           <ac:spMkLst>
             <pc:docMk/>
             <pc:sldMasterMk cId="0" sldId="2147485087"/>
@@ -4443,14 +1933,14 @@
           </ac:spMkLst>
         </pc:spChg>
         <pc:sldLayoutChg chg="modSp">
-          <pc:chgData name="Zhao Jin" userId="cd05a825-544c-438a-9ba1-08e63db50b47" providerId="ADAL" clId="{37A0D694-38DA-4421-B5D3-DEDBFC2EC57C}" dt="2021-02-10T03:55:38.772" v="4967"/>
+          <pc:chgData name="Zhao Jin" userId="cd05a825-544c-438a-9ba1-08e63db50b47" providerId="ADAL" clId="{E094A0D3-9008-D44F-B23F-E71F39C2BDEC}" dt="2021-01-27T04:58:20.523" v="47"/>
           <pc:sldLayoutMkLst>
             <pc:docMk/>
             <pc:sldMasterMk cId="0" sldId="2147485087"/>
             <pc:sldLayoutMk cId="0" sldId="2147485088"/>
           </pc:sldLayoutMkLst>
           <pc:spChg chg="mod">
-            <ac:chgData name="Zhao Jin" userId="cd05a825-544c-438a-9ba1-08e63db50b47" providerId="ADAL" clId="{37A0D694-38DA-4421-B5D3-DEDBFC2EC57C}" dt="2021-02-10T03:55:38.772" v="4967"/>
+            <ac:chgData name="Zhao Jin" userId="cd05a825-544c-438a-9ba1-08e63db50b47" providerId="ADAL" clId="{E094A0D3-9008-D44F-B23F-E71F39C2BDEC}" dt="2021-01-27T04:58:20.523" v="47"/>
             <ac:spMkLst>
               <pc:docMk/>
               <pc:sldMasterMk cId="0" sldId="2147485087"/>
@@ -4460,14 +1950,14 @@
           </pc:spChg>
         </pc:sldLayoutChg>
         <pc:sldLayoutChg chg="modSp">
-          <pc:chgData name="Zhao Jin" userId="cd05a825-544c-438a-9ba1-08e63db50b47" providerId="ADAL" clId="{37A0D694-38DA-4421-B5D3-DEDBFC2EC57C}" dt="2021-02-10T03:55:38.772" v="4967"/>
+          <pc:chgData name="Zhao Jin" userId="cd05a825-544c-438a-9ba1-08e63db50b47" providerId="ADAL" clId="{E094A0D3-9008-D44F-B23F-E71F39C2BDEC}" dt="2021-01-27T04:58:20.523" v="47"/>
           <pc:sldLayoutMkLst>
             <pc:docMk/>
             <pc:sldMasterMk cId="0" sldId="2147485087"/>
             <pc:sldLayoutMk cId="0" sldId="2147485089"/>
           </pc:sldLayoutMkLst>
           <pc:spChg chg="mod">
-            <ac:chgData name="Zhao Jin" userId="cd05a825-544c-438a-9ba1-08e63db50b47" providerId="ADAL" clId="{37A0D694-38DA-4421-B5D3-DEDBFC2EC57C}" dt="2021-02-10T03:55:38.772" v="4967"/>
+            <ac:chgData name="Zhao Jin" userId="cd05a825-544c-438a-9ba1-08e63db50b47" providerId="ADAL" clId="{E094A0D3-9008-D44F-B23F-E71F39C2BDEC}" dt="2021-01-27T04:58:20.523" v="47"/>
             <ac:spMkLst>
               <pc:docMk/>
               <pc:sldMasterMk cId="0" sldId="2147485087"/>
@@ -4477,14 +1967,14 @@
           </pc:spChg>
         </pc:sldLayoutChg>
         <pc:sldLayoutChg chg="modSp">
-          <pc:chgData name="Zhao Jin" userId="cd05a825-544c-438a-9ba1-08e63db50b47" providerId="ADAL" clId="{37A0D694-38DA-4421-B5D3-DEDBFC2EC57C}" dt="2021-02-10T03:55:38.772" v="4967"/>
+          <pc:chgData name="Zhao Jin" userId="cd05a825-544c-438a-9ba1-08e63db50b47" providerId="ADAL" clId="{E094A0D3-9008-D44F-B23F-E71F39C2BDEC}" dt="2021-01-27T04:58:20.523" v="47"/>
           <pc:sldLayoutMkLst>
             <pc:docMk/>
             <pc:sldMasterMk cId="0" sldId="2147485087"/>
             <pc:sldLayoutMk cId="0" sldId="2147485090"/>
           </pc:sldLayoutMkLst>
           <pc:spChg chg="mod">
-            <ac:chgData name="Zhao Jin" userId="cd05a825-544c-438a-9ba1-08e63db50b47" providerId="ADAL" clId="{37A0D694-38DA-4421-B5D3-DEDBFC2EC57C}" dt="2021-02-10T03:55:38.772" v="4967"/>
+            <ac:chgData name="Zhao Jin" userId="cd05a825-544c-438a-9ba1-08e63db50b47" providerId="ADAL" clId="{E094A0D3-9008-D44F-B23F-E71F39C2BDEC}" dt="2021-01-27T04:58:20.523" v="47"/>
             <ac:spMkLst>
               <pc:docMk/>
               <pc:sldMasterMk cId="0" sldId="2147485087"/>
@@ -4494,14 +1984,14 @@
           </pc:spChg>
         </pc:sldLayoutChg>
         <pc:sldLayoutChg chg="modSp">
-          <pc:chgData name="Zhao Jin" userId="cd05a825-544c-438a-9ba1-08e63db50b47" providerId="ADAL" clId="{37A0D694-38DA-4421-B5D3-DEDBFC2EC57C}" dt="2021-02-10T03:55:38.772" v="4967"/>
+          <pc:chgData name="Zhao Jin" userId="cd05a825-544c-438a-9ba1-08e63db50b47" providerId="ADAL" clId="{E094A0D3-9008-D44F-B23F-E71F39C2BDEC}" dt="2021-01-27T04:58:20.523" v="47"/>
           <pc:sldLayoutMkLst>
             <pc:docMk/>
             <pc:sldMasterMk cId="0" sldId="2147485087"/>
             <pc:sldLayoutMk cId="0" sldId="2147485091"/>
           </pc:sldLayoutMkLst>
           <pc:spChg chg="mod">
-            <ac:chgData name="Zhao Jin" userId="cd05a825-544c-438a-9ba1-08e63db50b47" providerId="ADAL" clId="{37A0D694-38DA-4421-B5D3-DEDBFC2EC57C}" dt="2021-02-10T03:55:38.772" v="4967"/>
+            <ac:chgData name="Zhao Jin" userId="cd05a825-544c-438a-9ba1-08e63db50b47" providerId="ADAL" clId="{E094A0D3-9008-D44F-B23F-E71F39C2BDEC}" dt="2021-01-27T04:58:20.523" v="47"/>
             <ac:spMkLst>
               <pc:docMk/>
               <pc:sldMasterMk cId="0" sldId="2147485087"/>
@@ -4511,14 +2001,14 @@
           </pc:spChg>
         </pc:sldLayoutChg>
         <pc:sldLayoutChg chg="modSp">
-          <pc:chgData name="Zhao Jin" userId="cd05a825-544c-438a-9ba1-08e63db50b47" providerId="ADAL" clId="{37A0D694-38DA-4421-B5D3-DEDBFC2EC57C}" dt="2021-02-10T03:55:38.772" v="4967"/>
+          <pc:chgData name="Zhao Jin" userId="cd05a825-544c-438a-9ba1-08e63db50b47" providerId="ADAL" clId="{E094A0D3-9008-D44F-B23F-E71F39C2BDEC}" dt="2021-01-27T04:58:20.523" v="47"/>
           <pc:sldLayoutMkLst>
             <pc:docMk/>
             <pc:sldMasterMk cId="0" sldId="2147485087"/>
             <pc:sldLayoutMk cId="0" sldId="2147485092"/>
           </pc:sldLayoutMkLst>
           <pc:spChg chg="mod">
-            <ac:chgData name="Zhao Jin" userId="cd05a825-544c-438a-9ba1-08e63db50b47" providerId="ADAL" clId="{37A0D694-38DA-4421-B5D3-DEDBFC2EC57C}" dt="2021-02-10T03:55:38.772" v="4967"/>
+            <ac:chgData name="Zhao Jin" userId="cd05a825-544c-438a-9ba1-08e63db50b47" providerId="ADAL" clId="{E094A0D3-9008-D44F-B23F-E71F39C2BDEC}" dt="2021-01-27T04:58:20.523" v="47"/>
             <ac:spMkLst>
               <pc:docMk/>
               <pc:sldMasterMk cId="0" sldId="2147485087"/>
@@ -4528,14 +2018,14 @@
           </pc:spChg>
         </pc:sldLayoutChg>
         <pc:sldLayoutChg chg="modSp">
-          <pc:chgData name="Zhao Jin" userId="cd05a825-544c-438a-9ba1-08e63db50b47" providerId="ADAL" clId="{37A0D694-38DA-4421-B5D3-DEDBFC2EC57C}" dt="2021-02-10T03:55:38.772" v="4967"/>
+          <pc:chgData name="Zhao Jin" userId="cd05a825-544c-438a-9ba1-08e63db50b47" providerId="ADAL" clId="{E094A0D3-9008-D44F-B23F-E71F39C2BDEC}" dt="2021-01-27T04:58:20.523" v="47"/>
           <pc:sldLayoutMkLst>
             <pc:docMk/>
             <pc:sldMasterMk cId="0" sldId="2147485087"/>
             <pc:sldLayoutMk cId="0" sldId="2147485093"/>
           </pc:sldLayoutMkLst>
           <pc:spChg chg="mod">
-            <ac:chgData name="Zhao Jin" userId="cd05a825-544c-438a-9ba1-08e63db50b47" providerId="ADAL" clId="{37A0D694-38DA-4421-B5D3-DEDBFC2EC57C}" dt="2021-02-10T03:55:38.772" v="4967"/>
+            <ac:chgData name="Zhao Jin" userId="cd05a825-544c-438a-9ba1-08e63db50b47" providerId="ADAL" clId="{E094A0D3-9008-D44F-B23F-E71F39C2BDEC}" dt="2021-01-27T04:58:20.523" v="47"/>
             <ac:spMkLst>
               <pc:docMk/>
               <pc:sldMasterMk cId="0" sldId="2147485087"/>
@@ -4545,14 +2035,14 @@
           </pc:spChg>
         </pc:sldLayoutChg>
         <pc:sldLayoutChg chg="modSp">
-          <pc:chgData name="Zhao Jin" userId="cd05a825-544c-438a-9ba1-08e63db50b47" providerId="ADAL" clId="{37A0D694-38DA-4421-B5D3-DEDBFC2EC57C}" dt="2021-02-10T03:55:38.772" v="4967"/>
+          <pc:chgData name="Zhao Jin" userId="cd05a825-544c-438a-9ba1-08e63db50b47" providerId="ADAL" clId="{E094A0D3-9008-D44F-B23F-E71F39C2BDEC}" dt="2021-01-27T04:58:20.523" v="47"/>
           <pc:sldLayoutMkLst>
             <pc:docMk/>
             <pc:sldMasterMk cId="0" sldId="2147485087"/>
             <pc:sldLayoutMk cId="0" sldId="2147485094"/>
           </pc:sldLayoutMkLst>
           <pc:spChg chg="mod">
-            <ac:chgData name="Zhao Jin" userId="cd05a825-544c-438a-9ba1-08e63db50b47" providerId="ADAL" clId="{37A0D694-38DA-4421-B5D3-DEDBFC2EC57C}" dt="2021-02-10T03:55:38.772" v="4967"/>
+            <ac:chgData name="Zhao Jin" userId="cd05a825-544c-438a-9ba1-08e63db50b47" providerId="ADAL" clId="{E094A0D3-9008-D44F-B23F-E71F39C2BDEC}" dt="2021-01-27T04:58:20.523" v="47"/>
             <ac:spMkLst>
               <pc:docMk/>
               <pc:sldMasterMk cId="0" sldId="2147485087"/>
@@ -4562,14 +2052,14 @@
           </pc:spChg>
         </pc:sldLayoutChg>
         <pc:sldLayoutChg chg="modSp">
-          <pc:chgData name="Zhao Jin" userId="cd05a825-544c-438a-9ba1-08e63db50b47" providerId="ADAL" clId="{37A0D694-38DA-4421-B5D3-DEDBFC2EC57C}" dt="2021-02-10T03:55:38.772" v="4967"/>
+          <pc:chgData name="Zhao Jin" userId="cd05a825-544c-438a-9ba1-08e63db50b47" providerId="ADAL" clId="{E094A0D3-9008-D44F-B23F-E71F39C2BDEC}" dt="2021-01-27T04:58:20.523" v="47"/>
           <pc:sldLayoutMkLst>
             <pc:docMk/>
             <pc:sldMasterMk cId="0" sldId="2147485087"/>
             <pc:sldLayoutMk cId="0" sldId="2147485095"/>
           </pc:sldLayoutMkLst>
           <pc:spChg chg="mod">
-            <ac:chgData name="Zhao Jin" userId="cd05a825-544c-438a-9ba1-08e63db50b47" providerId="ADAL" clId="{37A0D694-38DA-4421-B5D3-DEDBFC2EC57C}" dt="2021-02-10T03:55:38.772" v="4967"/>
+            <ac:chgData name="Zhao Jin" userId="cd05a825-544c-438a-9ba1-08e63db50b47" providerId="ADAL" clId="{E094A0D3-9008-D44F-B23F-E71F39C2BDEC}" dt="2021-01-27T04:58:20.523" v="47"/>
             <ac:spMkLst>
               <pc:docMk/>
               <pc:sldMasterMk cId="0" sldId="2147485087"/>
@@ -4579,14 +2069,14 @@
           </pc:spChg>
         </pc:sldLayoutChg>
         <pc:sldLayoutChg chg="modSp">
-          <pc:chgData name="Zhao Jin" userId="cd05a825-544c-438a-9ba1-08e63db50b47" providerId="ADAL" clId="{37A0D694-38DA-4421-B5D3-DEDBFC2EC57C}" dt="2021-02-10T03:55:38.772" v="4967"/>
+          <pc:chgData name="Zhao Jin" userId="cd05a825-544c-438a-9ba1-08e63db50b47" providerId="ADAL" clId="{E094A0D3-9008-D44F-B23F-E71F39C2BDEC}" dt="2021-01-27T04:58:20.523" v="47"/>
           <pc:sldLayoutMkLst>
             <pc:docMk/>
             <pc:sldMasterMk cId="0" sldId="2147485087"/>
             <pc:sldLayoutMk cId="0" sldId="2147485096"/>
           </pc:sldLayoutMkLst>
           <pc:spChg chg="mod">
-            <ac:chgData name="Zhao Jin" userId="cd05a825-544c-438a-9ba1-08e63db50b47" providerId="ADAL" clId="{37A0D694-38DA-4421-B5D3-DEDBFC2EC57C}" dt="2021-02-10T03:55:38.772" v="4967"/>
+            <ac:chgData name="Zhao Jin" userId="cd05a825-544c-438a-9ba1-08e63db50b47" providerId="ADAL" clId="{E094A0D3-9008-D44F-B23F-E71F39C2BDEC}" dt="2021-01-27T04:58:20.523" v="47"/>
             <ac:spMkLst>
               <pc:docMk/>
               <pc:sldMasterMk cId="0" sldId="2147485087"/>
@@ -4596,14 +2086,14 @@
           </pc:spChg>
         </pc:sldLayoutChg>
         <pc:sldLayoutChg chg="modSp">
-          <pc:chgData name="Zhao Jin" userId="cd05a825-544c-438a-9ba1-08e63db50b47" providerId="ADAL" clId="{37A0D694-38DA-4421-B5D3-DEDBFC2EC57C}" dt="2021-02-10T03:55:38.772" v="4967"/>
+          <pc:chgData name="Zhao Jin" userId="cd05a825-544c-438a-9ba1-08e63db50b47" providerId="ADAL" clId="{E094A0D3-9008-D44F-B23F-E71F39C2BDEC}" dt="2021-01-27T04:58:20.523" v="47"/>
           <pc:sldLayoutMkLst>
             <pc:docMk/>
             <pc:sldMasterMk cId="0" sldId="2147485087"/>
             <pc:sldLayoutMk cId="0" sldId="2147485097"/>
           </pc:sldLayoutMkLst>
           <pc:spChg chg="mod">
-            <ac:chgData name="Zhao Jin" userId="cd05a825-544c-438a-9ba1-08e63db50b47" providerId="ADAL" clId="{37A0D694-38DA-4421-B5D3-DEDBFC2EC57C}" dt="2021-02-10T03:55:38.772" v="4967"/>
+            <ac:chgData name="Zhao Jin" userId="cd05a825-544c-438a-9ba1-08e63db50b47" providerId="ADAL" clId="{E094A0D3-9008-D44F-B23F-E71F39C2BDEC}" dt="2021-01-27T04:58:20.523" v="47"/>
             <ac:spMkLst>
               <pc:docMk/>
               <pc:sldMasterMk cId="0" sldId="2147485087"/>
@@ -4613,14 +2103,14 @@
           </pc:spChg>
         </pc:sldLayoutChg>
         <pc:sldLayoutChg chg="modSp">
-          <pc:chgData name="Zhao Jin" userId="cd05a825-544c-438a-9ba1-08e63db50b47" providerId="ADAL" clId="{37A0D694-38DA-4421-B5D3-DEDBFC2EC57C}" dt="2021-02-10T03:55:38.772" v="4967"/>
+          <pc:chgData name="Zhao Jin" userId="cd05a825-544c-438a-9ba1-08e63db50b47" providerId="ADAL" clId="{E094A0D3-9008-D44F-B23F-E71F39C2BDEC}" dt="2021-01-27T04:58:20.523" v="47"/>
           <pc:sldLayoutMkLst>
             <pc:docMk/>
             <pc:sldMasterMk cId="0" sldId="2147485087"/>
             <pc:sldLayoutMk cId="0" sldId="2147485098"/>
           </pc:sldLayoutMkLst>
           <pc:spChg chg="mod">
-            <ac:chgData name="Zhao Jin" userId="cd05a825-544c-438a-9ba1-08e63db50b47" providerId="ADAL" clId="{37A0D694-38DA-4421-B5D3-DEDBFC2EC57C}" dt="2021-02-10T03:55:38.772" v="4967"/>
+            <ac:chgData name="Zhao Jin" userId="cd05a825-544c-438a-9ba1-08e63db50b47" providerId="ADAL" clId="{E094A0D3-9008-D44F-B23F-E71F39C2BDEC}" dt="2021-01-27T04:58:20.523" v="47"/>
             <ac:spMkLst>
               <pc:docMk/>
               <pc:sldMasterMk cId="0" sldId="2147485087"/>
@@ -4630,30 +2120,6 @@
           </pc:spChg>
         </pc:sldLayoutChg>
       </pc:sldMasterChg>
-    </pc:docChg>
-  </pc:docChgLst>
-  <pc:docChgLst>
-    <pc:chgData name="Zhao Jin" userId="cd05a825-544c-438a-9ba1-08e63db50b47" providerId="ADAL" clId="{A5D2469F-D67A-41CC-8F01-671A516530F2}"/>
-    <pc:docChg chg="custSel modSld">
-      <pc:chgData name="Zhao Jin" userId="cd05a825-544c-438a-9ba1-08e63db50b47" providerId="ADAL" clId="{A5D2469F-D67A-41CC-8F01-671A516530F2}" dt="2021-04-07T08:36:27.560" v="1" actId="478"/>
-      <pc:docMkLst>
-        <pc:docMk/>
-      </pc:docMkLst>
-      <pc:sldChg chg="delSp modSp mod delAnim">
-        <pc:chgData name="Zhao Jin" userId="cd05a825-544c-438a-9ba1-08e63db50b47" providerId="ADAL" clId="{A5D2469F-D67A-41CC-8F01-671A516530F2}" dt="2021-04-07T08:36:27.560" v="1" actId="478"/>
-        <pc:sldMkLst>
-          <pc:docMk/>
-          <pc:sldMk cId="92291925" sldId="563"/>
-        </pc:sldMkLst>
-        <pc:spChg chg="del mod">
-          <ac:chgData name="Zhao Jin" userId="cd05a825-544c-438a-9ba1-08e63db50b47" providerId="ADAL" clId="{A5D2469F-D67A-41CC-8F01-671A516530F2}" dt="2021-04-07T08:36:27.560" v="1" actId="478"/>
-          <ac:spMkLst>
-            <pc:docMk/>
-            <pc:sldMk cId="92291925" sldId="563"/>
-            <ac:spMk id="91" creationId="{00000000-0000-0000-0000-000000000000}"/>
-          </ac:spMkLst>
-        </pc:spChg>
-      </pc:sldChg>
     </pc:docChg>
   </pc:docChgLst>
   <pc:docChgLst>
@@ -5864,6 +3330,38 @@
     </pc:docChg>
   </pc:docChgLst>
   <pc:docChgLst>
+    <pc:chgData name="Zhao Jin" userId="cd05a825-544c-438a-9ba1-08e63db50b47" providerId="ADAL" clId="{8BE350D2-6936-4764-AEB4-6940700BA7AB}"/>
+    <pc:docChg chg="modSld">
+      <pc:chgData name="Zhao Jin" userId="cd05a825-544c-438a-9ba1-08e63db50b47" providerId="ADAL" clId="{8BE350D2-6936-4764-AEB4-6940700BA7AB}" dt="2024-01-31T05:30:40.452" v="0"/>
+      <pc:docMkLst>
+        <pc:docMk/>
+      </pc:docMkLst>
+      <pc:sldChg chg="addSp modSp">
+        <pc:chgData name="Zhao Jin" userId="cd05a825-544c-438a-9ba1-08e63db50b47" providerId="ADAL" clId="{8BE350D2-6936-4764-AEB4-6940700BA7AB}" dt="2024-01-31T05:30:40.452" v="0"/>
+        <pc:sldMkLst>
+          <pc:docMk/>
+          <pc:sldMk cId="0" sldId="256"/>
+        </pc:sldMkLst>
+        <pc:spChg chg="add mod">
+          <ac:chgData name="Zhao Jin" userId="cd05a825-544c-438a-9ba1-08e63db50b47" providerId="ADAL" clId="{8BE350D2-6936-4764-AEB4-6940700BA7AB}" dt="2024-01-31T05:30:40.452" v="0"/>
+          <ac:spMkLst>
+            <pc:docMk/>
+            <pc:sldMk cId="0" sldId="256"/>
+            <ac:spMk id="3" creationId="{28638AA2-0381-5B95-6584-1F91790DEE41}"/>
+          </ac:spMkLst>
+        </pc:spChg>
+        <pc:picChg chg="add mod">
+          <ac:chgData name="Zhao Jin" userId="cd05a825-544c-438a-9ba1-08e63db50b47" providerId="ADAL" clId="{8BE350D2-6936-4764-AEB4-6940700BA7AB}" dt="2024-01-31T05:30:40.452" v="0"/>
+          <ac:picMkLst>
+            <pc:docMk/>
+            <pc:sldMk cId="0" sldId="256"/>
+            <ac:picMk id="2" creationId="{45E52030-F1FD-2499-CDC9-DE9A3A78356C}"/>
+          </ac:picMkLst>
+        </pc:picChg>
+      </pc:sldChg>
+    </pc:docChg>
+  </pc:docChgLst>
+  <pc:docChgLst>
     <pc:chgData name="Zhao Jin" userId="cd05a825-544c-438a-9ba1-08e63db50b47" providerId="ADAL" clId="{BBE9D547-4B31-704D-9080-47B1CA4D9124}"/>
     <pc:docChg chg="modSld">
       <pc:chgData name="Zhao Jin" userId="cd05a825-544c-438a-9ba1-08e63db50b47" providerId="ADAL" clId="{BBE9D547-4B31-704D-9080-47B1CA4D9124}" dt="2021-01-18T05:40:31.767" v="29" actId="114"/>
@@ -5897,6 +3395,2634 @@
             <pc:docMk/>
             <pc:sldMk cId="2851665547" sldId="538"/>
             <ac:spMk id="13" creationId="{00000000-0000-0000-0000-000000000000}"/>
+          </ac:spMkLst>
+        </pc:spChg>
+      </pc:sldChg>
+    </pc:docChg>
+  </pc:docChgLst>
+  <pc:docChgLst>
+    <pc:chgData name="Zhao Jin" userId="cd05a825-544c-438a-9ba1-08e63db50b47" providerId="ADAL" clId="{2707BC5D-D3D5-477E-B1F5-A74E6C040B7D}"/>
+    <pc:docChg chg="undo custSel addSld delSld modSld">
+      <pc:chgData name="Zhao Jin" userId="cd05a825-544c-438a-9ba1-08e63db50b47" providerId="ADAL" clId="{2707BC5D-D3D5-477E-B1F5-A74E6C040B7D}" dt="2024-02-13T01:39:17.114" v="16" actId="20577"/>
+      <pc:docMkLst>
+        <pc:docMk/>
+      </pc:docMkLst>
+      <pc:sldChg chg="add del">
+        <pc:chgData name="Zhao Jin" userId="cd05a825-544c-438a-9ba1-08e63db50b47" providerId="ADAL" clId="{2707BC5D-D3D5-477E-B1F5-A74E6C040B7D}" dt="2024-02-13T01:38:52.557" v="4"/>
+        <pc:sldMkLst>
+          <pc:docMk/>
+          <pc:sldMk cId="1903328497" sldId="521"/>
+        </pc:sldMkLst>
+      </pc:sldChg>
+      <pc:sldChg chg="add del">
+        <pc:chgData name="Zhao Jin" userId="cd05a825-544c-438a-9ba1-08e63db50b47" providerId="ADAL" clId="{2707BC5D-D3D5-477E-B1F5-A74E6C040B7D}" dt="2024-02-13T01:38:44.462" v="1" actId="47"/>
+        <pc:sldMkLst>
+          <pc:docMk/>
+          <pc:sldMk cId="1427618944" sldId="553"/>
+        </pc:sldMkLst>
+      </pc:sldChg>
+      <pc:sldChg chg="addSp delSp modSp add del mod delAnim">
+        <pc:chgData name="Zhao Jin" userId="cd05a825-544c-438a-9ba1-08e63db50b47" providerId="ADAL" clId="{2707BC5D-D3D5-477E-B1F5-A74E6C040B7D}" dt="2024-02-13T01:39:17.114" v="16" actId="20577"/>
+        <pc:sldMkLst>
+          <pc:docMk/>
+          <pc:sldMk cId="92291925" sldId="563"/>
+        </pc:sldMkLst>
+        <pc:spChg chg="add del mod">
+          <ac:chgData name="Zhao Jin" userId="cd05a825-544c-438a-9ba1-08e63db50b47" providerId="ADAL" clId="{2707BC5D-D3D5-477E-B1F5-A74E6C040B7D}" dt="2024-02-13T01:39:04.225" v="7" actId="478"/>
+          <ac:spMkLst>
+            <pc:docMk/>
+            <pc:sldMk cId="92291925" sldId="563"/>
+            <ac:spMk id="4" creationId="{E7A90195-299B-BF93-75AA-B728C0490C00}"/>
+          </ac:spMkLst>
+        </pc:spChg>
+        <pc:spChg chg="add mod">
+          <ac:chgData name="Zhao Jin" userId="cd05a825-544c-438a-9ba1-08e63db50b47" providerId="ADAL" clId="{2707BC5D-D3D5-477E-B1F5-A74E6C040B7D}" dt="2024-02-13T01:39:17.114" v="16" actId="20577"/>
+          <ac:spMkLst>
+            <pc:docMk/>
+            <pc:sldMk cId="92291925" sldId="563"/>
+            <ac:spMk id="5" creationId="{925BC5A9-EBDB-3074-B2F1-8E0E7FCCCFE2}"/>
+          </ac:spMkLst>
+        </pc:spChg>
+        <pc:spChg chg="add mod">
+          <ac:chgData name="Zhao Jin" userId="cd05a825-544c-438a-9ba1-08e63db50b47" providerId="ADAL" clId="{2707BC5D-D3D5-477E-B1F5-A74E6C040B7D}" dt="2024-02-13T01:39:05.354" v="8"/>
+          <ac:spMkLst>
+            <pc:docMk/>
+            <pc:sldMk cId="92291925" sldId="563"/>
+            <ac:spMk id="6" creationId="{D81F7CBB-1621-E323-938B-6841E0EC6C27}"/>
+          </ac:spMkLst>
+        </pc:spChg>
+        <pc:spChg chg="del">
+          <ac:chgData name="Zhao Jin" userId="cd05a825-544c-438a-9ba1-08e63db50b47" providerId="ADAL" clId="{2707BC5D-D3D5-477E-B1F5-A74E6C040B7D}" dt="2024-02-13T01:39:02.440" v="6" actId="478"/>
+          <ac:spMkLst>
+            <pc:docMk/>
+            <pc:sldMk cId="92291925" sldId="563"/>
+            <ac:spMk id="86" creationId="{00000000-0000-0000-0000-000000000000}"/>
+          </ac:spMkLst>
+        </pc:spChg>
+        <pc:spChg chg="del">
+          <ac:chgData name="Zhao Jin" userId="cd05a825-544c-438a-9ba1-08e63db50b47" providerId="ADAL" clId="{2707BC5D-D3D5-477E-B1F5-A74E6C040B7D}" dt="2024-02-13T01:39:02.440" v="6" actId="478"/>
+          <ac:spMkLst>
+            <pc:docMk/>
+            <pc:sldMk cId="92291925" sldId="563"/>
+            <ac:spMk id="87" creationId="{00000000-0000-0000-0000-000000000000}"/>
+          </ac:spMkLst>
+        </pc:spChg>
+        <pc:spChg chg="del">
+          <ac:chgData name="Zhao Jin" userId="cd05a825-544c-438a-9ba1-08e63db50b47" providerId="ADAL" clId="{2707BC5D-D3D5-477E-B1F5-A74E6C040B7D}" dt="2024-02-13T01:39:02.440" v="6" actId="478"/>
+          <ac:spMkLst>
+            <pc:docMk/>
+            <pc:sldMk cId="92291925" sldId="563"/>
+            <ac:spMk id="88" creationId="{00000000-0000-0000-0000-000000000000}"/>
+          </ac:spMkLst>
+        </pc:spChg>
+        <pc:spChg chg="del">
+          <ac:chgData name="Zhao Jin" userId="cd05a825-544c-438a-9ba1-08e63db50b47" providerId="ADAL" clId="{2707BC5D-D3D5-477E-B1F5-A74E6C040B7D}" dt="2024-02-13T01:39:02.440" v="6" actId="478"/>
+          <ac:spMkLst>
+            <pc:docMk/>
+            <pc:sldMk cId="92291925" sldId="563"/>
+            <ac:spMk id="14338" creationId="{00000000-0000-0000-0000-000000000000}"/>
+          </ac:spMkLst>
+        </pc:spChg>
+        <pc:picChg chg="add mod">
+          <ac:chgData name="Zhao Jin" userId="cd05a825-544c-438a-9ba1-08e63db50b47" providerId="ADAL" clId="{2707BC5D-D3D5-477E-B1F5-A74E6C040B7D}" dt="2024-02-13T01:39:05.354" v="8"/>
+          <ac:picMkLst>
+            <pc:docMk/>
+            <pc:sldMk cId="92291925" sldId="563"/>
+            <ac:picMk id="8" creationId="{FF54709F-D8F8-6758-88EB-AB5E61ED07C2}"/>
+          </ac:picMkLst>
+        </pc:picChg>
+        <pc:picChg chg="add mod">
+          <ac:chgData name="Zhao Jin" userId="cd05a825-544c-438a-9ba1-08e63db50b47" providerId="ADAL" clId="{2707BC5D-D3D5-477E-B1F5-A74E6C040B7D}" dt="2024-02-13T01:39:05.354" v="8"/>
+          <ac:picMkLst>
+            <pc:docMk/>
+            <pc:sldMk cId="92291925" sldId="563"/>
+            <ac:picMk id="9" creationId="{048DBF11-32BE-EBB6-F5A9-F0D1B1DF8E91}"/>
+          </ac:picMkLst>
+        </pc:picChg>
+        <pc:picChg chg="add mod">
+          <ac:chgData name="Zhao Jin" userId="cd05a825-544c-438a-9ba1-08e63db50b47" providerId="ADAL" clId="{2707BC5D-D3D5-477E-B1F5-A74E6C040B7D}" dt="2024-02-13T01:39:05.354" v="8"/>
+          <ac:picMkLst>
+            <pc:docMk/>
+            <pc:sldMk cId="92291925" sldId="563"/>
+            <ac:picMk id="10" creationId="{77ED7787-EA07-20B8-FDD9-C74C4617F533}"/>
+          </ac:picMkLst>
+        </pc:picChg>
+        <pc:picChg chg="del">
+          <ac:chgData name="Zhao Jin" userId="cd05a825-544c-438a-9ba1-08e63db50b47" providerId="ADAL" clId="{2707BC5D-D3D5-477E-B1F5-A74E6C040B7D}" dt="2024-02-13T01:39:02.440" v="6" actId="478"/>
+          <ac:picMkLst>
+            <pc:docMk/>
+            <pc:sldMk cId="92291925" sldId="563"/>
+            <ac:picMk id="89" creationId="{00000000-0000-0000-0000-000000000000}"/>
+          </ac:picMkLst>
+        </pc:picChg>
+        <pc:picChg chg="del">
+          <ac:chgData name="Zhao Jin" userId="cd05a825-544c-438a-9ba1-08e63db50b47" providerId="ADAL" clId="{2707BC5D-D3D5-477E-B1F5-A74E6C040B7D}" dt="2024-02-13T01:39:02.440" v="6" actId="478"/>
+          <ac:picMkLst>
+            <pc:docMk/>
+            <pc:sldMk cId="92291925" sldId="563"/>
+            <ac:picMk id="90" creationId="{00000000-0000-0000-0000-000000000000}"/>
+          </ac:picMkLst>
+        </pc:picChg>
+      </pc:sldChg>
+    </pc:docChg>
+  </pc:docChgLst>
+  <pc:docChgLst>
+    <pc:chgData name="Zhao Jin" userId="cd05a825-544c-438a-9ba1-08e63db50b47" providerId="ADAL" clId="{37A0D694-38DA-4421-B5D3-DEDBFC2EC57C}"/>
+    <pc:docChg chg="undo redo custSel mod addSld delSld modSld sldOrd modMainMaster">
+      <pc:chgData name="Zhao Jin" userId="cd05a825-544c-438a-9ba1-08e63db50b47" providerId="ADAL" clId="{37A0D694-38DA-4421-B5D3-DEDBFC2EC57C}" dt="2021-02-10T03:56:06.306" v="4973" actId="20577"/>
+      <pc:docMkLst>
+        <pc:docMk/>
+      </pc:docMkLst>
+      <pc:sldChg chg="modSp mod">
+        <pc:chgData name="Zhao Jin" userId="cd05a825-544c-438a-9ba1-08e63db50b47" providerId="ADAL" clId="{37A0D694-38DA-4421-B5D3-DEDBFC2EC57C}" dt="2021-02-03T06:56:00.570" v="28" actId="20577"/>
+        <pc:sldMkLst>
+          <pc:docMk/>
+          <pc:sldMk cId="0" sldId="256"/>
+        </pc:sldMkLst>
+        <pc:spChg chg="mod">
+          <ac:chgData name="Zhao Jin" userId="cd05a825-544c-438a-9ba1-08e63db50b47" providerId="ADAL" clId="{37A0D694-38DA-4421-B5D3-DEDBFC2EC57C}" dt="2021-02-03T06:55:55.618" v="3" actId="20577"/>
+          <ac:spMkLst>
+            <pc:docMk/>
+            <pc:sldMk cId="0" sldId="256"/>
+            <ac:spMk id="8" creationId="{00000000-0000-0000-0000-000000000000}"/>
+          </ac:spMkLst>
+        </pc:spChg>
+        <pc:spChg chg="mod">
+          <ac:chgData name="Zhao Jin" userId="cd05a825-544c-438a-9ba1-08e63db50b47" providerId="ADAL" clId="{37A0D694-38DA-4421-B5D3-DEDBFC2EC57C}" dt="2021-02-03T06:56:00.570" v="28" actId="20577"/>
+          <ac:spMkLst>
+            <pc:docMk/>
+            <pc:sldMk cId="0" sldId="256"/>
+            <ac:spMk id="11" creationId="{00000000-0000-0000-0000-000000000000}"/>
+          </ac:spMkLst>
+        </pc:spChg>
+      </pc:sldChg>
+      <pc:sldChg chg="modSp mod">
+        <pc:chgData name="Zhao Jin" userId="cd05a825-544c-438a-9ba1-08e63db50b47" providerId="ADAL" clId="{37A0D694-38DA-4421-B5D3-DEDBFC2EC57C}" dt="2021-02-10T03:55:38.772" v="4967"/>
+        <pc:sldMkLst>
+          <pc:docMk/>
+          <pc:sldMk cId="2438607696" sldId="468"/>
+        </pc:sldMkLst>
+        <pc:spChg chg="mod">
+          <ac:chgData name="Zhao Jin" userId="cd05a825-544c-438a-9ba1-08e63db50b47" providerId="ADAL" clId="{37A0D694-38DA-4421-B5D3-DEDBFC2EC57C}" dt="2021-02-10T03:55:38.772" v="4967"/>
+          <ac:spMkLst>
+            <pc:docMk/>
+            <pc:sldMk cId="2438607696" sldId="468"/>
+            <ac:spMk id="7" creationId="{00000000-0000-0000-0000-000000000000}"/>
+          </ac:spMkLst>
+        </pc:spChg>
+        <pc:spChg chg="mod">
+          <ac:chgData name="Zhao Jin" userId="cd05a825-544c-438a-9ba1-08e63db50b47" providerId="ADAL" clId="{37A0D694-38DA-4421-B5D3-DEDBFC2EC57C}" dt="2021-02-03T06:56:05.506" v="35" actId="20577"/>
+          <ac:spMkLst>
+            <pc:docMk/>
+            <pc:sldMk cId="2438607696" sldId="468"/>
+            <ac:spMk id="14338" creationId="{00000000-0000-0000-0000-000000000000}"/>
+          </ac:spMkLst>
+        </pc:spChg>
+        <pc:spChg chg="mod">
+          <ac:chgData name="Zhao Jin" userId="cd05a825-544c-438a-9ba1-08e63db50b47" providerId="ADAL" clId="{37A0D694-38DA-4421-B5D3-DEDBFC2EC57C}" dt="2021-02-03T09:25:32.601" v="3334" actId="20577"/>
+          <ac:spMkLst>
+            <pc:docMk/>
+            <pc:sldMk cId="2438607696" sldId="468"/>
+            <ac:spMk id="14339" creationId="{00000000-0000-0000-0000-000000000000}"/>
+          </ac:spMkLst>
+        </pc:spChg>
+      </pc:sldChg>
+      <pc:sldChg chg="modSp del">
+        <pc:chgData name="Zhao Jin" userId="cd05a825-544c-438a-9ba1-08e63db50b47" providerId="ADAL" clId="{37A0D694-38DA-4421-B5D3-DEDBFC2EC57C}" dt="2021-02-03T07:53:06.972" v="43" actId="47"/>
+        <pc:sldMkLst>
+          <pc:docMk/>
+          <pc:sldMk cId="3792232794" sldId="504"/>
+        </pc:sldMkLst>
+        <pc:spChg chg="mod">
+          <ac:chgData name="Zhao Jin" userId="cd05a825-544c-438a-9ba1-08e63db50b47" providerId="ADAL" clId="{37A0D694-38DA-4421-B5D3-DEDBFC2EC57C}" dt="2021-02-03T06:56:12.527" v="36"/>
+          <ac:spMkLst>
+            <pc:docMk/>
+            <pc:sldMk cId="3792232794" sldId="504"/>
+            <ac:spMk id="7" creationId="{00000000-0000-0000-0000-000000000000}"/>
+          </ac:spMkLst>
+        </pc:spChg>
+      </pc:sldChg>
+      <pc:sldChg chg="addSp delSp modSp add mod ord modAnim">
+        <pc:chgData name="Zhao Jin" userId="cd05a825-544c-438a-9ba1-08e63db50b47" providerId="ADAL" clId="{37A0D694-38DA-4421-B5D3-DEDBFC2EC57C}" dt="2021-02-10T03:55:38.772" v="4967"/>
+        <pc:sldMkLst>
+          <pc:docMk/>
+          <pc:sldMk cId="1705639840" sldId="543"/>
+        </pc:sldMkLst>
+        <pc:spChg chg="mod">
+          <ac:chgData name="Zhao Jin" userId="cd05a825-544c-438a-9ba1-08e63db50b47" providerId="ADAL" clId="{37A0D694-38DA-4421-B5D3-DEDBFC2EC57C}" dt="2021-02-10T03:55:38.772" v="4967"/>
+          <ac:spMkLst>
+            <pc:docMk/>
+            <pc:sldMk cId="1705639840" sldId="543"/>
+            <ac:spMk id="9" creationId="{00000000-0000-0000-0000-000000000000}"/>
+          </ac:spMkLst>
+        </pc:spChg>
+        <pc:spChg chg="mod">
+          <ac:chgData name="Zhao Jin" userId="cd05a825-544c-438a-9ba1-08e63db50b47" providerId="ADAL" clId="{37A0D694-38DA-4421-B5D3-DEDBFC2EC57C}" dt="2021-02-03T09:15:05.685" v="2951" actId="6549"/>
+          <ac:spMkLst>
+            <pc:docMk/>
+            <pc:sldMk cId="1705639840" sldId="543"/>
+            <ac:spMk id="15" creationId="{00000000-0000-0000-0000-000000000000}"/>
+          </ac:spMkLst>
+        </pc:spChg>
+        <pc:spChg chg="add del">
+          <ac:chgData name="Zhao Jin" userId="cd05a825-544c-438a-9ba1-08e63db50b47" providerId="ADAL" clId="{37A0D694-38DA-4421-B5D3-DEDBFC2EC57C}" dt="2021-02-03T09:26:12.205" v="3350" actId="478"/>
+          <ac:spMkLst>
+            <pc:docMk/>
+            <pc:sldMk cId="1705639840" sldId="543"/>
+            <ac:spMk id="25604" creationId="{00000000-0000-0000-0000-000000000000}"/>
+          </ac:spMkLst>
+        </pc:spChg>
+      </pc:sldChg>
+      <pc:sldChg chg="modSp del">
+        <pc:chgData name="Zhao Jin" userId="cd05a825-544c-438a-9ba1-08e63db50b47" providerId="ADAL" clId="{37A0D694-38DA-4421-B5D3-DEDBFC2EC57C}" dt="2021-02-03T09:00:14.226" v="1559" actId="47"/>
+        <pc:sldMkLst>
+          <pc:docMk/>
+          <pc:sldMk cId="4228901100" sldId="545"/>
+        </pc:sldMkLst>
+        <pc:spChg chg="mod">
+          <ac:chgData name="Zhao Jin" userId="cd05a825-544c-438a-9ba1-08e63db50b47" providerId="ADAL" clId="{37A0D694-38DA-4421-B5D3-DEDBFC2EC57C}" dt="2021-02-03T06:56:12.527" v="36"/>
+          <ac:spMkLst>
+            <pc:docMk/>
+            <pc:sldMk cId="4228901100" sldId="545"/>
+            <ac:spMk id="7" creationId="{00000000-0000-0000-0000-000000000000}"/>
+          </ac:spMkLst>
+        </pc:spChg>
+      </pc:sldChg>
+      <pc:sldChg chg="modSp del">
+        <pc:chgData name="Zhao Jin" userId="cd05a825-544c-438a-9ba1-08e63db50b47" providerId="ADAL" clId="{37A0D694-38DA-4421-B5D3-DEDBFC2EC57C}" dt="2021-02-03T07:53:07.263" v="44" actId="47"/>
+        <pc:sldMkLst>
+          <pc:docMk/>
+          <pc:sldMk cId="4225956616" sldId="546"/>
+        </pc:sldMkLst>
+        <pc:spChg chg="mod">
+          <ac:chgData name="Zhao Jin" userId="cd05a825-544c-438a-9ba1-08e63db50b47" providerId="ADAL" clId="{37A0D694-38DA-4421-B5D3-DEDBFC2EC57C}" dt="2021-02-03T06:56:12.527" v="36"/>
+          <ac:spMkLst>
+            <pc:docMk/>
+            <pc:sldMk cId="4225956616" sldId="546"/>
+            <ac:spMk id="7" creationId="{00000000-0000-0000-0000-000000000000}"/>
+          </ac:spMkLst>
+        </pc:spChg>
+      </pc:sldChg>
+      <pc:sldChg chg="modSp del">
+        <pc:chgData name="Zhao Jin" userId="cd05a825-544c-438a-9ba1-08e63db50b47" providerId="ADAL" clId="{37A0D694-38DA-4421-B5D3-DEDBFC2EC57C}" dt="2021-02-03T09:00:14.226" v="1559" actId="47"/>
+        <pc:sldMkLst>
+          <pc:docMk/>
+          <pc:sldMk cId="1617257579" sldId="548"/>
+        </pc:sldMkLst>
+        <pc:spChg chg="mod">
+          <ac:chgData name="Zhao Jin" userId="cd05a825-544c-438a-9ba1-08e63db50b47" providerId="ADAL" clId="{37A0D694-38DA-4421-B5D3-DEDBFC2EC57C}" dt="2021-02-03T06:56:12.527" v="36"/>
+          <ac:spMkLst>
+            <pc:docMk/>
+            <pc:sldMk cId="1617257579" sldId="548"/>
+            <ac:spMk id="7" creationId="{00000000-0000-0000-0000-000000000000}"/>
+          </ac:spMkLst>
+        </pc:spChg>
+      </pc:sldChg>
+      <pc:sldChg chg="modSp del">
+        <pc:chgData name="Zhao Jin" userId="cd05a825-544c-438a-9ba1-08e63db50b47" providerId="ADAL" clId="{37A0D694-38DA-4421-B5D3-DEDBFC2EC57C}" dt="2021-02-03T07:53:07.458" v="45" actId="47"/>
+        <pc:sldMkLst>
+          <pc:docMk/>
+          <pc:sldMk cId="3422194935" sldId="552"/>
+        </pc:sldMkLst>
+        <pc:spChg chg="mod">
+          <ac:chgData name="Zhao Jin" userId="cd05a825-544c-438a-9ba1-08e63db50b47" providerId="ADAL" clId="{37A0D694-38DA-4421-B5D3-DEDBFC2EC57C}" dt="2021-02-03T06:56:12.527" v="36"/>
+          <ac:spMkLst>
+            <pc:docMk/>
+            <pc:sldMk cId="3422194935" sldId="552"/>
+            <ac:spMk id="7" creationId="{00000000-0000-0000-0000-000000000000}"/>
+          </ac:spMkLst>
+        </pc:spChg>
+      </pc:sldChg>
+      <pc:sldChg chg="addSp delSp modSp mod">
+        <pc:chgData name="Zhao Jin" userId="cd05a825-544c-438a-9ba1-08e63db50b47" providerId="ADAL" clId="{37A0D694-38DA-4421-B5D3-DEDBFC2EC57C}" dt="2021-02-10T03:55:38.772" v="4967"/>
+        <pc:sldMkLst>
+          <pc:docMk/>
+          <pc:sldMk cId="1427618944" sldId="553"/>
+        </pc:sldMkLst>
+        <pc:spChg chg="mod">
+          <ac:chgData name="Zhao Jin" userId="cd05a825-544c-438a-9ba1-08e63db50b47" providerId="ADAL" clId="{37A0D694-38DA-4421-B5D3-DEDBFC2EC57C}" dt="2021-02-10T03:55:38.772" v="4967"/>
+          <ac:spMkLst>
+            <pc:docMk/>
+            <pc:sldMk cId="1427618944" sldId="553"/>
+            <ac:spMk id="7" creationId="{00000000-0000-0000-0000-000000000000}"/>
+          </ac:spMkLst>
+        </pc:spChg>
+        <pc:spChg chg="mod">
+          <ac:chgData name="Zhao Jin" userId="cd05a825-544c-438a-9ba1-08e63db50b47" providerId="ADAL" clId="{37A0D694-38DA-4421-B5D3-DEDBFC2EC57C}" dt="2021-02-03T07:55:46.087" v="385" actId="20577"/>
+          <ac:spMkLst>
+            <pc:docMk/>
+            <pc:sldMk cId="1427618944" sldId="553"/>
+            <ac:spMk id="8" creationId="{00000000-0000-0000-0000-000000000000}"/>
+          </ac:spMkLst>
+        </pc:spChg>
+        <pc:spChg chg="add del mod">
+          <ac:chgData name="Zhao Jin" userId="cd05a825-544c-438a-9ba1-08e63db50b47" providerId="ADAL" clId="{37A0D694-38DA-4421-B5D3-DEDBFC2EC57C}" dt="2021-02-08T01:22:04.286" v="3395"/>
+          <ac:spMkLst>
+            <pc:docMk/>
+            <pc:sldMk cId="1427618944" sldId="553"/>
+            <ac:spMk id="9" creationId="{F914A7B2-27A3-4DA5-A96E-DC279FD60D4D}"/>
+          </ac:spMkLst>
+        </pc:spChg>
+        <pc:spChg chg="mod">
+          <ac:chgData name="Zhao Jin" userId="cd05a825-544c-438a-9ba1-08e63db50b47" providerId="ADAL" clId="{37A0D694-38DA-4421-B5D3-DEDBFC2EC57C}" dt="2021-02-03T07:55:14.471" v="364" actId="20577"/>
+          <ac:spMkLst>
+            <pc:docMk/>
+            <pc:sldMk cId="1427618944" sldId="553"/>
+            <ac:spMk id="14338" creationId="{00000000-0000-0000-0000-000000000000}"/>
+          </ac:spMkLst>
+        </pc:spChg>
+      </pc:sldChg>
+      <pc:sldChg chg="modSp del">
+        <pc:chgData name="Zhao Jin" userId="cd05a825-544c-438a-9ba1-08e63db50b47" providerId="ADAL" clId="{37A0D694-38DA-4421-B5D3-DEDBFC2EC57C}" dt="2021-02-03T09:00:14.226" v="1559" actId="47"/>
+        <pc:sldMkLst>
+          <pc:docMk/>
+          <pc:sldMk cId="1659983766" sldId="554"/>
+        </pc:sldMkLst>
+        <pc:spChg chg="mod">
+          <ac:chgData name="Zhao Jin" userId="cd05a825-544c-438a-9ba1-08e63db50b47" providerId="ADAL" clId="{37A0D694-38DA-4421-B5D3-DEDBFC2EC57C}" dt="2021-02-03T06:56:12.527" v="36"/>
+          <ac:spMkLst>
+            <pc:docMk/>
+            <pc:sldMk cId="1659983766" sldId="554"/>
+            <ac:spMk id="7" creationId="{00000000-0000-0000-0000-000000000000}"/>
+          </ac:spMkLst>
+        </pc:spChg>
+      </pc:sldChg>
+      <pc:sldChg chg="modSp del">
+        <pc:chgData name="Zhao Jin" userId="cd05a825-544c-438a-9ba1-08e63db50b47" providerId="ADAL" clId="{37A0D694-38DA-4421-B5D3-DEDBFC2EC57C}" dt="2021-02-03T09:00:14.226" v="1559" actId="47"/>
+        <pc:sldMkLst>
+          <pc:docMk/>
+          <pc:sldMk cId="1268238251" sldId="555"/>
+        </pc:sldMkLst>
+        <pc:spChg chg="mod">
+          <ac:chgData name="Zhao Jin" userId="cd05a825-544c-438a-9ba1-08e63db50b47" providerId="ADAL" clId="{37A0D694-38DA-4421-B5D3-DEDBFC2EC57C}" dt="2021-02-03T06:56:12.527" v="36"/>
+          <ac:spMkLst>
+            <pc:docMk/>
+            <pc:sldMk cId="1268238251" sldId="555"/>
+            <ac:spMk id="7" creationId="{00000000-0000-0000-0000-000000000000}"/>
+          </ac:spMkLst>
+        </pc:spChg>
+      </pc:sldChg>
+      <pc:sldChg chg="modSp del">
+        <pc:chgData name="Zhao Jin" userId="cd05a825-544c-438a-9ba1-08e63db50b47" providerId="ADAL" clId="{37A0D694-38DA-4421-B5D3-DEDBFC2EC57C}" dt="2021-02-03T09:00:14.226" v="1559" actId="47"/>
+        <pc:sldMkLst>
+          <pc:docMk/>
+          <pc:sldMk cId="3990513599" sldId="556"/>
+        </pc:sldMkLst>
+        <pc:spChg chg="mod">
+          <ac:chgData name="Zhao Jin" userId="cd05a825-544c-438a-9ba1-08e63db50b47" providerId="ADAL" clId="{37A0D694-38DA-4421-B5D3-DEDBFC2EC57C}" dt="2021-02-03T06:56:12.527" v="36"/>
+          <ac:spMkLst>
+            <pc:docMk/>
+            <pc:sldMk cId="3990513599" sldId="556"/>
+            <ac:spMk id="7" creationId="{00000000-0000-0000-0000-000000000000}"/>
+          </ac:spMkLst>
+        </pc:spChg>
+      </pc:sldChg>
+      <pc:sldChg chg="modSp del">
+        <pc:chgData name="Zhao Jin" userId="cd05a825-544c-438a-9ba1-08e63db50b47" providerId="ADAL" clId="{37A0D694-38DA-4421-B5D3-DEDBFC2EC57C}" dt="2021-02-03T09:00:14.226" v="1559" actId="47"/>
+        <pc:sldMkLst>
+          <pc:docMk/>
+          <pc:sldMk cId="788021743" sldId="557"/>
+        </pc:sldMkLst>
+        <pc:spChg chg="mod">
+          <ac:chgData name="Zhao Jin" userId="cd05a825-544c-438a-9ba1-08e63db50b47" providerId="ADAL" clId="{37A0D694-38DA-4421-B5D3-DEDBFC2EC57C}" dt="2021-02-03T06:56:12.527" v="36"/>
+          <ac:spMkLst>
+            <pc:docMk/>
+            <pc:sldMk cId="788021743" sldId="557"/>
+            <ac:spMk id="7" creationId="{00000000-0000-0000-0000-000000000000}"/>
+          </ac:spMkLst>
+        </pc:spChg>
+      </pc:sldChg>
+      <pc:sldChg chg="addSp delSp modSp add mod ord delAnim modAnim">
+        <pc:chgData name="Zhao Jin" userId="cd05a825-544c-438a-9ba1-08e63db50b47" providerId="ADAL" clId="{37A0D694-38DA-4421-B5D3-DEDBFC2EC57C}" dt="2021-02-10T03:55:38.772" v="4967"/>
+        <pc:sldMkLst>
+          <pc:docMk/>
+          <pc:sldMk cId="487843573" sldId="558"/>
+        </pc:sldMkLst>
+        <pc:spChg chg="add mod topLvl">
+          <ac:chgData name="Zhao Jin" userId="cd05a825-544c-438a-9ba1-08e63db50b47" providerId="ADAL" clId="{37A0D694-38DA-4421-B5D3-DEDBFC2EC57C}" dt="2021-02-08T01:54:54.740" v="4571" actId="1036"/>
+          <ac:spMkLst>
+            <pc:docMk/>
+            <pc:sldMk cId="487843573" sldId="558"/>
+            <ac:spMk id="2" creationId="{0AA435E6-852E-478F-B597-789A68E1C063}"/>
+          </ac:spMkLst>
+        </pc:spChg>
+        <pc:spChg chg="mod">
+          <ac:chgData name="Zhao Jin" userId="cd05a825-544c-438a-9ba1-08e63db50b47" providerId="ADAL" clId="{37A0D694-38DA-4421-B5D3-DEDBFC2EC57C}" dt="2021-02-10T03:55:38.772" v="4967"/>
+          <ac:spMkLst>
+            <pc:docMk/>
+            <pc:sldMk cId="487843573" sldId="558"/>
+            <ac:spMk id="7" creationId="{00000000-0000-0000-0000-000000000000}"/>
+          </ac:spMkLst>
+        </pc:spChg>
+        <pc:spChg chg="mod topLvl">
+          <ac:chgData name="Zhao Jin" userId="cd05a825-544c-438a-9ba1-08e63db50b47" providerId="ADAL" clId="{37A0D694-38DA-4421-B5D3-DEDBFC2EC57C}" dt="2021-02-08T07:59:31.262" v="4966" actId="20577"/>
+          <ac:spMkLst>
+            <pc:docMk/>
+            <pc:sldMk cId="487843573" sldId="558"/>
+            <ac:spMk id="14" creationId="{00000000-0000-0000-0000-000000000000}"/>
+          </ac:spMkLst>
+        </pc:spChg>
+        <pc:spChg chg="del topLvl">
+          <ac:chgData name="Zhao Jin" userId="cd05a825-544c-438a-9ba1-08e63db50b47" providerId="ADAL" clId="{37A0D694-38DA-4421-B5D3-DEDBFC2EC57C}" dt="2021-02-08T01:47:06.169" v="4274" actId="478"/>
+          <ac:spMkLst>
+            <pc:docMk/>
+            <pc:sldMk cId="487843573" sldId="558"/>
+            <ac:spMk id="15" creationId="{00000000-0000-0000-0000-000000000000}"/>
+          </ac:spMkLst>
+        </pc:spChg>
+        <pc:spChg chg="mod">
+          <ac:chgData name="Zhao Jin" userId="cd05a825-544c-438a-9ba1-08e63db50b47" providerId="ADAL" clId="{37A0D694-38DA-4421-B5D3-DEDBFC2EC57C}" dt="2021-02-08T01:51:08.577" v="4468" actId="14100"/>
+          <ac:spMkLst>
+            <pc:docMk/>
+            <pc:sldMk cId="487843573" sldId="558"/>
+            <ac:spMk id="17" creationId="{00000000-0000-0000-0000-000000000000}"/>
+          </ac:spMkLst>
+        </pc:spChg>
+        <pc:spChg chg="add mod">
+          <ac:chgData name="Zhao Jin" userId="cd05a825-544c-438a-9ba1-08e63db50b47" providerId="ADAL" clId="{37A0D694-38DA-4421-B5D3-DEDBFC2EC57C}" dt="2021-02-08T01:47:39.526" v="4317" actId="14100"/>
+          <ac:spMkLst>
+            <pc:docMk/>
+            <pc:sldMk cId="487843573" sldId="558"/>
+            <ac:spMk id="20" creationId="{B9DB2039-D266-417E-930D-88E5062D8119}"/>
+          </ac:spMkLst>
+        </pc:spChg>
+        <pc:spChg chg="add mod topLvl">
+          <ac:chgData name="Zhao Jin" userId="cd05a825-544c-438a-9ba1-08e63db50b47" providerId="ADAL" clId="{37A0D694-38DA-4421-B5D3-DEDBFC2EC57C}" dt="2021-02-08T01:54:21.354" v="4567" actId="165"/>
+          <ac:spMkLst>
+            <pc:docMk/>
+            <pc:sldMk cId="487843573" sldId="558"/>
+            <ac:spMk id="21" creationId="{BB8C38A6-8674-4E0E-B871-1FCF27E9B4CB}"/>
+          </ac:spMkLst>
+        </pc:spChg>
+        <pc:spChg chg="add mod topLvl">
+          <ac:chgData name="Zhao Jin" userId="cd05a825-544c-438a-9ba1-08e63db50b47" providerId="ADAL" clId="{37A0D694-38DA-4421-B5D3-DEDBFC2EC57C}" dt="2021-02-08T01:54:21.354" v="4567" actId="165"/>
+          <ac:spMkLst>
+            <pc:docMk/>
+            <pc:sldMk cId="487843573" sldId="558"/>
+            <ac:spMk id="22" creationId="{2F81D7AB-7D04-43DC-8CF7-A151843D9A9A}"/>
+          </ac:spMkLst>
+        </pc:spChg>
+        <pc:spChg chg="mod topLvl">
+          <ac:chgData name="Zhao Jin" userId="cd05a825-544c-438a-9ba1-08e63db50b47" providerId="ADAL" clId="{37A0D694-38DA-4421-B5D3-DEDBFC2EC57C}" dt="2021-02-08T01:54:21.354" v="4567" actId="165"/>
+          <ac:spMkLst>
+            <pc:docMk/>
+            <pc:sldMk cId="487843573" sldId="558"/>
+            <ac:spMk id="24" creationId="{B4E696D3-ADEF-4AA3-BCC9-171A8F03891A}"/>
+          </ac:spMkLst>
+        </pc:spChg>
+        <pc:spChg chg="mod topLvl">
+          <ac:chgData name="Zhao Jin" userId="cd05a825-544c-438a-9ba1-08e63db50b47" providerId="ADAL" clId="{37A0D694-38DA-4421-B5D3-DEDBFC2EC57C}" dt="2021-02-08T01:54:21.354" v="4567" actId="165"/>
+          <ac:spMkLst>
+            <pc:docMk/>
+            <pc:sldMk cId="487843573" sldId="558"/>
+            <ac:spMk id="25" creationId="{E19EB41A-2BE2-4DF1-88DC-734F0E106BC7}"/>
+          </ac:spMkLst>
+        </pc:spChg>
+        <pc:spChg chg="mod topLvl">
+          <ac:chgData name="Zhao Jin" userId="cd05a825-544c-438a-9ba1-08e63db50b47" providerId="ADAL" clId="{37A0D694-38DA-4421-B5D3-DEDBFC2EC57C}" dt="2021-02-08T01:54:21.354" v="4567" actId="165"/>
+          <ac:spMkLst>
+            <pc:docMk/>
+            <pc:sldMk cId="487843573" sldId="558"/>
+            <ac:spMk id="26" creationId="{9F2304ED-4F52-45A9-88B7-E51D4311F3B8}"/>
+          </ac:spMkLst>
+        </pc:spChg>
+        <pc:spChg chg="mod">
+          <ac:chgData name="Zhao Jin" userId="cd05a825-544c-438a-9ba1-08e63db50b47" providerId="ADAL" clId="{37A0D694-38DA-4421-B5D3-DEDBFC2EC57C}" dt="2021-02-08T01:53:55.267" v="4557"/>
+          <ac:spMkLst>
+            <pc:docMk/>
+            <pc:sldMk cId="487843573" sldId="558"/>
+            <ac:spMk id="28" creationId="{47B0747A-2E61-4716-BF5D-D2B12E6D64BF}"/>
+          </ac:spMkLst>
+        </pc:spChg>
+        <pc:spChg chg="mod">
+          <ac:chgData name="Zhao Jin" userId="cd05a825-544c-438a-9ba1-08e63db50b47" providerId="ADAL" clId="{37A0D694-38DA-4421-B5D3-DEDBFC2EC57C}" dt="2021-02-08T01:53:55.267" v="4557"/>
+          <ac:spMkLst>
+            <pc:docMk/>
+            <pc:sldMk cId="487843573" sldId="558"/>
+            <ac:spMk id="29" creationId="{54237745-C995-42F1-9126-7D86C7667923}"/>
+          </ac:spMkLst>
+        </pc:spChg>
+        <pc:spChg chg="mod">
+          <ac:chgData name="Zhao Jin" userId="cd05a825-544c-438a-9ba1-08e63db50b47" providerId="ADAL" clId="{37A0D694-38DA-4421-B5D3-DEDBFC2EC57C}" dt="2021-02-08T01:53:55.267" v="4557"/>
+          <ac:spMkLst>
+            <pc:docMk/>
+            <pc:sldMk cId="487843573" sldId="558"/>
+            <ac:spMk id="30" creationId="{6FC1D281-B735-481E-A919-8C2D0B287264}"/>
+          </ac:spMkLst>
+        </pc:spChg>
+        <pc:spChg chg="mod topLvl">
+          <ac:chgData name="Zhao Jin" userId="cd05a825-544c-438a-9ba1-08e63db50b47" providerId="ADAL" clId="{37A0D694-38DA-4421-B5D3-DEDBFC2EC57C}" dt="2021-02-08T01:54:21.354" v="4567" actId="165"/>
+          <ac:spMkLst>
+            <pc:docMk/>
+            <pc:sldMk cId="487843573" sldId="558"/>
+            <ac:spMk id="32" creationId="{659AEE1B-C8A8-4F0D-A678-BE0BB18E64EF}"/>
+          </ac:spMkLst>
+        </pc:spChg>
+        <pc:spChg chg="mod topLvl">
+          <ac:chgData name="Zhao Jin" userId="cd05a825-544c-438a-9ba1-08e63db50b47" providerId="ADAL" clId="{37A0D694-38DA-4421-B5D3-DEDBFC2EC57C}" dt="2021-02-08T01:54:21.354" v="4567" actId="165"/>
+          <ac:spMkLst>
+            <pc:docMk/>
+            <pc:sldMk cId="487843573" sldId="558"/>
+            <ac:spMk id="33" creationId="{C7A06EA1-2EC1-42CA-A56F-46A3331F7605}"/>
+          </ac:spMkLst>
+        </pc:spChg>
+        <pc:spChg chg="mod topLvl">
+          <ac:chgData name="Zhao Jin" userId="cd05a825-544c-438a-9ba1-08e63db50b47" providerId="ADAL" clId="{37A0D694-38DA-4421-B5D3-DEDBFC2EC57C}" dt="2021-02-08T01:54:21.354" v="4567" actId="165"/>
+          <ac:spMkLst>
+            <pc:docMk/>
+            <pc:sldMk cId="487843573" sldId="558"/>
+            <ac:spMk id="34" creationId="{C2A482B6-E3E6-485B-830B-6965CF701E68}"/>
+          </ac:spMkLst>
+        </pc:spChg>
+        <pc:spChg chg="mod">
+          <ac:chgData name="Zhao Jin" userId="cd05a825-544c-438a-9ba1-08e63db50b47" providerId="ADAL" clId="{37A0D694-38DA-4421-B5D3-DEDBFC2EC57C}" dt="2021-02-08T01:56:28.234" v="4577" actId="20577"/>
+          <ac:spMkLst>
+            <pc:docMk/>
+            <pc:sldMk cId="487843573" sldId="558"/>
+            <ac:spMk id="14338" creationId="{00000000-0000-0000-0000-000000000000}"/>
+          </ac:spMkLst>
+        </pc:spChg>
+        <pc:spChg chg="del">
+          <ac:chgData name="Zhao Jin" userId="cd05a825-544c-438a-9ba1-08e63db50b47" providerId="ADAL" clId="{37A0D694-38DA-4421-B5D3-DEDBFC2EC57C}" dt="2021-02-08T01:47:14.163" v="4302" actId="478"/>
+          <ac:spMkLst>
+            <pc:docMk/>
+            <pc:sldMk cId="487843573" sldId="558"/>
+            <ac:spMk id="14340" creationId="{00000000-0000-0000-0000-000000000000}"/>
+          </ac:spMkLst>
+        </pc:spChg>
+        <pc:grpChg chg="add del mod">
+          <ac:chgData name="Zhao Jin" userId="cd05a825-544c-438a-9ba1-08e63db50b47" providerId="ADAL" clId="{37A0D694-38DA-4421-B5D3-DEDBFC2EC57C}" dt="2021-02-08T01:54:21.354" v="4567" actId="165"/>
+          <ac:grpSpMkLst>
+            <pc:docMk/>
+            <pc:sldMk cId="487843573" sldId="558"/>
+            <ac:grpSpMk id="3" creationId="{FFE0EFAC-F94A-4083-BDAD-0A7670A72C75}"/>
+          </ac:grpSpMkLst>
+        </pc:grpChg>
+        <pc:grpChg chg="del">
+          <ac:chgData name="Zhao Jin" userId="cd05a825-544c-438a-9ba1-08e63db50b47" providerId="ADAL" clId="{37A0D694-38DA-4421-B5D3-DEDBFC2EC57C}" dt="2021-02-08T01:47:06.169" v="4274" actId="478"/>
+          <ac:grpSpMkLst>
+            <pc:docMk/>
+            <pc:sldMk cId="487843573" sldId="558"/>
+            <ac:grpSpMk id="13" creationId="{00000000-0000-0000-0000-000000000000}"/>
+          </ac:grpSpMkLst>
+        </pc:grpChg>
+        <pc:grpChg chg="add del mod">
+          <ac:chgData name="Zhao Jin" userId="cd05a825-544c-438a-9ba1-08e63db50b47" providerId="ADAL" clId="{37A0D694-38DA-4421-B5D3-DEDBFC2EC57C}" dt="2021-02-08T01:54:21.354" v="4567" actId="165"/>
+          <ac:grpSpMkLst>
+            <pc:docMk/>
+            <pc:sldMk cId="487843573" sldId="558"/>
+            <ac:grpSpMk id="23" creationId="{A38A66FD-989D-41D7-B35C-74B9562D2757}"/>
+          </ac:grpSpMkLst>
+        </pc:grpChg>
+        <pc:grpChg chg="add del mod">
+          <ac:chgData name="Zhao Jin" userId="cd05a825-544c-438a-9ba1-08e63db50b47" providerId="ADAL" clId="{37A0D694-38DA-4421-B5D3-DEDBFC2EC57C}" dt="2021-02-08T01:54:16.269" v="4566" actId="478"/>
+          <ac:grpSpMkLst>
+            <pc:docMk/>
+            <pc:sldMk cId="487843573" sldId="558"/>
+            <ac:grpSpMk id="27" creationId="{CA15FD60-E569-4EA9-B31B-C0ACB6092E0E}"/>
+          </ac:grpSpMkLst>
+        </pc:grpChg>
+        <pc:grpChg chg="add del mod">
+          <ac:chgData name="Zhao Jin" userId="cd05a825-544c-438a-9ba1-08e63db50b47" providerId="ADAL" clId="{37A0D694-38DA-4421-B5D3-DEDBFC2EC57C}" dt="2021-02-08T01:54:21.354" v="4567" actId="165"/>
+          <ac:grpSpMkLst>
+            <pc:docMk/>
+            <pc:sldMk cId="487843573" sldId="558"/>
+            <ac:grpSpMk id="31" creationId="{4962FE2A-AAB6-4BE4-8700-EBB12E5C89B0}"/>
+          </ac:grpSpMkLst>
+        </pc:grpChg>
+        <pc:graphicFrameChg chg="del">
+          <ac:chgData name="Zhao Jin" userId="cd05a825-544c-438a-9ba1-08e63db50b47" providerId="ADAL" clId="{37A0D694-38DA-4421-B5D3-DEDBFC2EC57C}" dt="2021-02-08T01:45:50.655" v="4102" actId="478"/>
+          <ac:graphicFrameMkLst>
+            <pc:docMk/>
+            <pc:sldMk cId="487843573" sldId="558"/>
+            <ac:graphicFrameMk id="16" creationId="{00000000-0000-0000-0000-000000000000}"/>
+          </ac:graphicFrameMkLst>
+        </pc:graphicFrameChg>
+        <pc:graphicFrameChg chg="add mod ord modGraphic">
+          <ac:chgData name="Zhao Jin" userId="cd05a825-544c-438a-9ba1-08e63db50b47" providerId="ADAL" clId="{37A0D694-38DA-4421-B5D3-DEDBFC2EC57C}" dt="2021-02-08T01:54:29.635" v="4568" actId="167"/>
+          <ac:graphicFrameMkLst>
+            <pc:docMk/>
+            <pc:sldMk cId="487843573" sldId="558"/>
+            <ac:graphicFrameMk id="19" creationId="{F406C909-98D4-47F1-9BFD-5E37D45DA926}"/>
+          </ac:graphicFrameMkLst>
+        </pc:graphicFrameChg>
+        <pc:picChg chg="del">
+          <ac:chgData name="Zhao Jin" userId="cd05a825-544c-438a-9ba1-08e63db50b47" providerId="ADAL" clId="{37A0D694-38DA-4421-B5D3-DEDBFC2EC57C}" dt="2021-02-08T01:47:00.259" v="4270" actId="478"/>
+          <ac:picMkLst>
+            <pc:docMk/>
+            <pc:sldMk cId="487843573" sldId="558"/>
+            <ac:picMk id="18" creationId="{00000000-0000-0000-0000-000000000000}"/>
+          </ac:picMkLst>
+        </pc:picChg>
+      </pc:sldChg>
+      <pc:sldChg chg="modSp del">
+        <pc:chgData name="Zhao Jin" userId="cd05a825-544c-438a-9ba1-08e63db50b47" providerId="ADAL" clId="{37A0D694-38DA-4421-B5D3-DEDBFC2EC57C}" dt="2021-02-03T09:00:14.226" v="1559" actId="47"/>
+        <pc:sldMkLst>
+          <pc:docMk/>
+          <pc:sldMk cId="686532275" sldId="558"/>
+        </pc:sldMkLst>
+        <pc:spChg chg="mod">
+          <ac:chgData name="Zhao Jin" userId="cd05a825-544c-438a-9ba1-08e63db50b47" providerId="ADAL" clId="{37A0D694-38DA-4421-B5D3-DEDBFC2EC57C}" dt="2021-02-03T06:56:12.527" v="36"/>
+          <ac:spMkLst>
+            <pc:docMk/>
+            <pc:sldMk cId="686532275" sldId="558"/>
+            <ac:spMk id="7" creationId="{00000000-0000-0000-0000-000000000000}"/>
+          </ac:spMkLst>
+        </pc:spChg>
+      </pc:sldChg>
+      <pc:sldChg chg="modSp del">
+        <pc:chgData name="Zhao Jin" userId="cd05a825-544c-438a-9ba1-08e63db50b47" providerId="ADAL" clId="{37A0D694-38DA-4421-B5D3-DEDBFC2EC57C}" dt="2021-02-03T09:00:14.226" v="1559" actId="47"/>
+        <pc:sldMkLst>
+          <pc:docMk/>
+          <pc:sldMk cId="182578491" sldId="559"/>
+        </pc:sldMkLst>
+        <pc:spChg chg="mod">
+          <ac:chgData name="Zhao Jin" userId="cd05a825-544c-438a-9ba1-08e63db50b47" providerId="ADAL" clId="{37A0D694-38DA-4421-B5D3-DEDBFC2EC57C}" dt="2021-02-03T06:56:12.527" v="36"/>
+          <ac:spMkLst>
+            <pc:docMk/>
+            <pc:sldMk cId="182578491" sldId="559"/>
+            <ac:spMk id="7" creationId="{00000000-0000-0000-0000-000000000000}"/>
+          </ac:spMkLst>
+        </pc:spChg>
+      </pc:sldChg>
+      <pc:sldChg chg="modSp del">
+        <pc:chgData name="Zhao Jin" userId="cd05a825-544c-438a-9ba1-08e63db50b47" providerId="ADAL" clId="{37A0D694-38DA-4421-B5D3-DEDBFC2EC57C}" dt="2021-02-03T09:00:14.226" v="1559" actId="47"/>
+        <pc:sldMkLst>
+          <pc:docMk/>
+          <pc:sldMk cId="2739484572" sldId="562"/>
+        </pc:sldMkLst>
+        <pc:spChg chg="mod">
+          <ac:chgData name="Zhao Jin" userId="cd05a825-544c-438a-9ba1-08e63db50b47" providerId="ADAL" clId="{37A0D694-38DA-4421-B5D3-DEDBFC2EC57C}" dt="2021-02-03T06:56:12.527" v="36"/>
+          <ac:spMkLst>
+            <pc:docMk/>
+            <pc:sldMk cId="2739484572" sldId="562"/>
+            <ac:spMk id="7" creationId="{00000000-0000-0000-0000-000000000000}"/>
+          </ac:spMkLst>
+        </pc:spChg>
+      </pc:sldChg>
+      <pc:sldChg chg="delSp modSp add del mod">
+        <pc:chgData name="Zhao Jin" userId="cd05a825-544c-438a-9ba1-08e63db50b47" providerId="ADAL" clId="{37A0D694-38DA-4421-B5D3-DEDBFC2EC57C}" dt="2021-02-10T03:55:38.772" v="4967"/>
+        <pc:sldMkLst>
+          <pc:docMk/>
+          <pc:sldMk cId="92291925" sldId="563"/>
+        </pc:sldMkLst>
+        <pc:spChg chg="mod">
+          <ac:chgData name="Zhao Jin" userId="cd05a825-544c-438a-9ba1-08e63db50b47" providerId="ADAL" clId="{37A0D694-38DA-4421-B5D3-DEDBFC2EC57C}" dt="2021-02-10T03:55:38.772" v="4967"/>
+          <ac:spMkLst>
+            <pc:docMk/>
+            <pc:sldMk cId="92291925" sldId="563"/>
+            <ac:spMk id="7" creationId="{00000000-0000-0000-0000-000000000000}"/>
+          </ac:spMkLst>
+        </pc:spChg>
+        <pc:spChg chg="mod">
+          <ac:chgData name="Zhao Jin" userId="cd05a825-544c-438a-9ba1-08e63db50b47" providerId="ADAL" clId="{37A0D694-38DA-4421-B5D3-DEDBFC2EC57C}" dt="2021-02-03T07:01:09.202" v="40" actId="20577"/>
+          <ac:spMkLst>
+            <pc:docMk/>
+            <pc:sldMk cId="92291925" sldId="563"/>
+            <ac:spMk id="91" creationId="{00000000-0000-0000-0000-000000000000}"/>
+          </ac:spMkLst>
+        </pc:spChg>
+        <pc:spChg chg="del">
+          <ac:chgData name="Zhao Jin" userId="cd05a825-544c-438a-9ba1-08e63db50b47" providerId="ADAL" clId="{37A0D694-38DA-4421-B5D3-DEDBFC2EC57C}" dt="2021-02-03T09:25:38.461" v="3335" actId="478"/>
+          <ac:spMkLst>
+            <pc:docMk/>
+            <pc:sldMk cId="92291925" sldId="563"/>
+            <ac:spMk id="14340" creationId="{00000000-0000-0000-0000-000000000000}"/>
+          </ac:spMkLst>
+        </pc:spChg>
+      </pc:sldChg>
+      <pc:sldChg chg="addSp delSp modSp add mod addAnim delAnim modAnim">
+        <pc:chgData name="Zhao Jin" userId="cd05a825-544c-438a-9ba1-08e63db50b47" providerId="ADAL" clId="{37A0D694-38DA-4421-B5D3-DEDBFC2EC57C}" dt="2021-02-10T03:55:38.772" v="4967"/>
+        <pc:sldMkLst>
+          <pc:docMk/>
+          <pc:sldMk cId="894186310" sldId="564"/>
+        </pc:sldMkLst>
+        <pc:spChg chg="add del mod">
+          <ac:chgData name="Zhao Jin" userId="cd05a825-544c-438a-9ba1-08e63db50b47" providerId="ADAL" clId="{37A0D694-38DA-4421-B5D3-DEDBFC2EC57C}" dt="2021-02-03T07:59:26.734" v="491" actId="478"/>
+          <ac:spMkLst>
+            <pc:docMk/>
+            <pc:sldMk cId="894186310" sldId="564"/>
+            <ac:spMk id="6" creationId="{E4FD3079-E00B-4FD9-86AE-A5E6CCC7EDBE}"/>
+          </ac:spMkLst>
+        </pc:spChg>
+        <pc:spChg chg="mod">
+          <ac:chgData name="Zhao Jin" userId="cd05a825-544c-438a-9ba1-08e63db50b47" providerId="ADAL" clId="{37A0D694-38DA-4421-B5D3-DEDBFC2EC57C}" dt="2021-02-10T03:55:38.772" v="4967"/>
+          <ac:spMkLst>
+            <pc:docMk/>
+            <pc:sldMk cId="894186310" sldId="564"/>
+            <ac:spMk id="7" creationId="{00000000-0000-0000-0000-000000000000}"/>
+          </ac:spMkLst>
+        </pc:spChg>
+        <pc:spChg chg="del">
+          <ac:chgData name="Zhao Jin" userId="cd05a825-544c-438a-9ba1-08e63db50b47" providerId="ADAL" clId="{37A0D694-38DA-4421-B5D3-DEDBFC2EC57C}" dt="2021-02-03T07:59:25.059" v="490" actId="478"/>
+          <ac:spMkLst>
+            <pc:docMk/>
+            <pc:sldMk cId="894186310" sldId="564"/>
+            <ac:spMk id="8" creationId="{00000000-0000-0000-0000-000000000000}"/>
+          </ac:spMkLst>
+        </pc:spChg>
+        <pc:spChg chg="add mod">
+          <ac:chgData name="Zhao Jin" userId="cd05a825-544c-438a-9ba1-08e63db50b47" providerId="ADAL" clId="{37A0D694-38DA-4421-B5D3-DEDBFC2EC57C}" dt="2021-02-08T01:23:15.974" v="3508" actId="14100"/>
+          <ac:spMkLst>
+            <pc:docMk/>
+            <pc:sldMk cId="894186310" sldId="564"/>
+            <ac:spMk id="8" creationId="{A1FCBF0D-2794-4D66-A616-CF3267CF45BD}"/>
+          </ac:spMkLst>
+        </pc:spChg>
+        <pc:spChg chg="add mod">
+          <ac:chgData name="Zhao Jin" userId="cd05a825-544c-438a-9ba1-08e63db50b47" providerId="ADAL" clId="{37A0D694-38DA-4421-B5D3-DEDBFC2EC57C}" dt="2021-02-03T08:00:25.882" v="535" actId="1035"/>
+          <ac:spMkLst>
+            <pc:docMk/>
+            <pc:sldMk cId="894186310" sldId="564"/>
+            <ac:spMk id="11" creationId="{675C9FBE-306E-46A7-BAB9-46BD27707AF2}"/>
+          </ac:spMkLst>
+        </pc:spChg>
+        <pc:spChg chg="del">
+          <ac:chgData name="Zhao Jin" userId="cd05a825-544c-438a-9ba1-08e63db50b47" providerId="ADAL" clId="{37A0D694-38DA-4421-B5D3-DEDBFC2EC57C}" dt="2021-02-03T07:56:18.626" v="405" actId="478"/>
+          <ac:spMkLst>
+            <pc:docMk/>
+            <pc:sldMk cId="894186310" sldId="564"/>
+            <ac:spMk id="84" creationId="{C4E05674-68A2-0D4E-8B47-F7A2C6A6B76F}"/>
+          </ac:spMkLst>
+        </pc:spChg>
+        <pc:spChg chg="mod">
+          <ac:chgData name="Zhao Jin" userId="cd05a825-544c-438a-9ba1-08e63db50b47" providerId="ADAL" clId="{37A0D694-38DA-4421-B5D3-DEDBFC2EC57C}" dt="2021-02-03T07:55:53.159" v="399" actId="20577"/>
+          <ac:spMkLst>
+            <pc:docMk/>
+            <pc:sldMk cId="894186310" sldId="564"/>
+            <ac:spMk id="14338" creationId="{00000000-0000-0000-0000-000000000000}"/>
+          </ac:spMkLst>
+        </pc:spChg>
+        <pc:graphicFrameChg chg="add mod modGraphic">
+          <ac:chgData name="Zhao Jin" userId="cd05a825-544c-438a-9ba1-08e63db50b47" providerId="ADAL" clId="{37A0D694-38DA-4421-B5D3-DEDBFC2EC57C}" dt="2021-02-08T01:23:58.466" v="3512" actId="14734"/>
+          <ac:graphicFrameMkLst>
+            <pc:docMk/>
+            <pc:sldMk cId="894186310" sldId="564"/>
+            <ac:graphicFrameMk id="10" creationId="{74304014-08C4-4321-AD74-36FAC51612DB}"/>
+          </ac:graphicFrameMkLst>
+        </pc:graphicFrameChg>
+        <pc:picChg chg="del">
+          <ac:chgData name="Zhao Jin" userId="cd05a825-544c-438a-9ba1-08e63db50b47" providerId="ADAL" clId="{37A0D694-38DA-4421-B5D3-DEDBFC2EC57C}" dt="2021-02-03T07:56:06.872" v="400" actId="478"/>
+          <ac:picMkLst>
+            <pc:docMk/>
+            <pc:sldMk cId="894186310" sldId="564"/>
+            <ac:picMk id="3" creationId="{78D60D94-825A-D54F-ACF5-EA46D7263418}"/>
+          </ac:picMkLst>
+        </pc:picChg>
+        <pc:picChg chg="add mod">
+          <ac:chgData name="Zhao Jin" userId="cd05a825-544c-438a-9ba1-08e63db50b47" providerId="ADAL" clId="{37A0D694-38DA-4421-B5D3-DEDBFC2EC57C}" dt="2021-02-03T08:00:23.041" v="525" actId="1076"/>
+          <ac:picMkLst>
+            <pc:docMk/>
+            <pc:sldMk cId="894186310" sldId="564"/>
+            <ac:picMk id="4" creationId="{EAFF9153-D379-4E7D-9B97-29843966A9B9}"/>
+          </ac:picMkLst>
+        </pc:picChg>
+      </pc:sldChg>
+      <pc:sldChg chg="delSp modSp add mod">
+        <pc:chgData name="Zhao Jin" userId="cd05a825-544c-438a-9ba1-08e63db50b47" providerId="ADAL" clId="{37A0D694-38DA-4421-B5D3-DEDBFC2EC57C}" dt="2021-02-10T03:55:38.772" v="4967"/>
+        <pc:sldMkLst>
+          <pc:docMk/>
+          <pc:sldMk cId="1732540191" sldId="568"/>
+        </pc:sldMkLst>
+        <pc:spChg chg="mod">
+          <ac:chgData name="Zhao Jin" userId="cd05a825-544c-438a-9ba1-08e63db50b47" providerId="ADAL" clId="{37A0D694-38DA-4421-B5D3-DEDBFC2EC57C}" dt="2021-02-10T03:55:38.772" v="4967"/>
+          <ac:spMkLst>
+            <pc:docMk/>
+            <pc:sldMk cId="1732540191" sldId="568"/>
+            <ac:spMk id="7" creationId="{00000000-0000-0000-0000-000000000000}"/>
+          </ac:spMkLst>
+        </pc:spChg>
+        <pc:spChg chg="mod">
+          <ac:chgData name="Zhao Jin" userId="cd05a825-544c-438a-9ba1-08e63db50b47" providerId="ADAL" clId="{37A0D694-38DA-4421-B5D3-DEDBFC2EC57C}" dt="2021-02-08T01:57:47.585" v="4651" actId="207"/>
+          <ac:spMkLst>
+            <pc:docMk/>
+            <pc:sldMk cId="1732540191" sldId="568"/>
+            <ac:spMk id="9" creationId="{00000000-0000-0000-0000-000000000000}"/>
+          </ac:spMkLst>
+        </pc:spChg>
+        <pc:spChg chg="mod">
+          <ac:chgData name="Zhao Jin" userId="cd05a825-544c-438a-9ba1-08e63db50b47" providerId="ADAL" clId="{37A0D694-38DA-4421-B5D3-DEDBFC2EC57C}" dt="2021-02-08T01:59:53.143" v="4810" actId="207"/>
+          <ac:spMkLst>
+            <pc:docMk/>
+            <pc:sldMk cId="1732540191" sldId="568"/>
+            <ac:spMk id="21" creationId="{00000000-0000-0000-0000-000000000000}"/>
+          </ac:spMkLst>
+        </pc:spChg>
+        <pc:spChg chg="mod">
+          <ac:chgData name="Zhao Jin" userId="cd05a825-544c-438a-9ba1-08e63db50b47" providerId="ADAL" clId="{37A0D694-38DA-4421-B5D3-DEDBFC2EC57C}" dt="2021-02-08T01:56:55.596" v="4584" actId="20577"/>
+          <ac:spMkLst>
+            <pc:docMk/>
+            <pc:sldMk cId="1732540191" sldId="568"/>
+            <ac:spMk id="14338" creationId="{00000000-0000-0000-0000-000000000000}"/>
+          </ac:spMkLst>
+        </pc:spChg>
+        <pc:spChg chg="del">
+          <ac:chgData name="Zhao Jin" userId="cd05a825-544c-438a-9ba1-08e63db50b47" providerId="ADAL" clId="{37A0D694-38DA-4421-B5D3-DEDBFC2EC57C}" dt="2021-02-08T01:56:51.648" v="4579" actId="478"/>
+          <ac:spMkLst>
+            <pc:docMk/>
+            <pc:sldMk cId="1732540191" sldId="568"/>
+            <ac:spMk id="14340" creationId="{00000000-0000-0000-0000-000000000000}"/>
+          </ac:spMkLst>
+        </pc:spChg>
+      </pc:sldChg>
+      <pc:sldChg chg="addSp delSp modSp add mod delAnim modAnim">
+        <pc:chgData name="Zhao Jin" userId="cd05a825-544c-438a-9ba1-08e63db50b47" providerId="ADAL" clId="{37A0D694-38DA-4421-B5D3-DEDBFC2EC57C}" dt="2021-02-10T03:56:06.306" v="4973" actId="20577"/>
+        <pc:sldMkLst>
+          <pc:docMk/>
+          <pc:sldMk cId="3229890649" sldId="569"/>
+        </pc:sldMkLst>
+        <pc:spChg chg="del">
+          <ac:chgData name="Zhao Jin" userId="cd05a825-544c-438a-9ba1-08e63db50b47" providerId="ADAL" clId="{37A0D694-38DA-4421-B5D3-DEDBFC2EC57C}" dt="2021-02-08T01:57:57.778" v="4652" actId="478"/>
+          <ac:spMkLst>
+            <pc:docMk/>
+            <pc:sldMk cId="3229890649" sldId="569"/>
+            <ac:spMk id="2" creationId="{00000000-0000-0000-0000-000000000000}"/>
+          </ac:spMkLst>
+        </pc:spChg>
+        <pc:spChg chg="del mod">
+          <ac:chgData name="Zhao Jin" userId="cd05a825-544c-438a-9ba1-08e63db50b47" providerId="ADAL" clId="{37A0D694-38DA-4421-B5D3-DEDBFC2EC57C}" dt="2021-02-08T01:58:06.736" v="4656" actId="478"/>
+          <ac:spMkLst>
+            <pc:docMk/>
+            <pc:sldMk cId="3229890649" sldId="569"/>
+            <ac:spMk id="3" creationId="{00000000-0000-0000-0000-000000000000}"/>
+          </ac:spMkLst>
+        </pc:spChg>
+        <pc:spChg chg="add mod">
+          <ac:chgData name="Zhao Jin" userId="cd05a825-544c-438a-9ba1-08e63db50b47" providerId="ADAL" clId="{37A0D694-38DA-4421-B5D3-DEDBFC2EC57C}" dt="2021-02-08T02:00:33.271" v="4814" actId="207"/>
+          <ac:spMkLst>
+            <pc:docMk/>
+            <pc:sldMk cId="3229890649" sldId="569"/>
+            <ac:spMk id="4" creationId="{CDCF9B36-A3E7-4464-88BD-D6D735D7C066}"/>
+          </ac:spMkLst>
+        </pc:spChg>
+        <pc:spChg chg="mod">
+          <ac:chgData name="Zhao Jin" userId="cd05a825-544c-438a-9ba1-08e63db50b47" providerId="ADAL" clId="{37A0D694-38DA-4421-B5D3-DEDBFC2EC57C}" dt="2021-02-10T03:56:06.306" v="4973" actId="20577"/>
+          <ac:spMkLst>
+            <pc:docMk/>
+            <pc:sldMk cId="3229890649" sldId="569"/>
+            <ac:spMk id="7" creationId="{00000000-0000-0000-0000-000000000000}"/>
+          </ac:spMkLst>
+        </pc:spChg>
+        <pc:spChg chg="mod">
+          <ac:chgData name="Zhao Jin" userId="cd05a825-544c-438a-9ba1-08e63db50b47" providerId="ADAL" clId="{37A0D694-38DA-4421-B5D3-DEDBFC2EC57C}" dt="2021-02-08T01:59:19.915" v="4788" actId="1036"/>
+          <ac:spMkLst>
+            <pc:docMk/>
+            <pc:sldMk cId="3229890649" sldId="569"/>
+            <ac:spMk id="9" creationId="{00000000-0000-0000-0000-000000000000}"/>
+          </ac:spMkLst>
+        </pc:spChg>
+        <pc:spChg chg="del">
+          <ac:chgData name="Zhao Jin" userId="cd05a825-544c-438a-9ba1-08e63db50b47" providerId="ADAL" clId="{37A0D694-38DA-4421-B5D3-DEDBFC2EC57C}" dt="2021-02-08T01:58:18.198" v="4676" actId="478"/>
+          <ac:spMkLst>
+            <pc:docMk/>
+            <pc:sldMk cId="3229890649" sldId="569"/>
+            <ac:spMk id="10" creationId="{00000000-0000-0000-0000-000000000000}"/>
+          </ac:spMkLst>
+        </pc:spChg>
+        <pc:spChg chg="add mod">
+          <ac:chgData name="Zhao Jin" userId="cd05a825-544c-438a-9ba1-08e63db50b47" providerId="ADAL" clId="{37A0D694-38DA-4421-B5D3-DEDBFC2EC57C}" dt="2021-02-08T02:01:55.171" v="4907" actId="20577"/>
+          <ac:spMkLst>
+            <pc:docMk/>
+            <pc:sldMk cId="3229890649" sldId="569"/>
+            <ac:spMk id="13" creationId="{2F1FA4E6-900A-4BB2-BEBE-BDBB6918E0B2}"/>
+          </ac:spMkLst>
+        </pc:spChg>
+        <pc:spChg chg="del">
+          <ac:chgData name="Zhao Jin" userId="cd05a825-544c-438a-9ba1-08e63db50b47" providerId="ADAL" clId="{37A0D694-38DA-4421-B5D3-DEDBFC2EC57C}" dt="2021-02-08T01:59:10.250" v="4757" actId="478"/>
+          <ac:spMkLst>
+            <pc:docMk/>
+            <pc:sldMk cId="3229890649" sldId="569"/>
+            <ac:spMk id="21" creationId="{00000000-0000-0000-0000-000000000000}"/>
+          </ac:spMkLst>
+        </pc:spChg>
+        <pc:spChg chg="mod">
+          <ac:chgData name="Zhao Jin" userId="cd05a825-544c-438a-9ba1-08e63db50b47" providerId="ADAL" clId="{37A0D694-38DA-4421-B5D3-DEDBFC2EC57C}" dt="2021-02-08T01:59:21.412" v="4791" actId="20577"/>
+          <ac:spMkLst>
+            <pc:docMk/>
+            <pc:sldMk cId="3229890649" sldId="569"/>
+            <ac:spMk id="14338" creationId="{00000000-0000-0000-0000-000000000000}"/>
+          </ac:spMkLst>
+        </pc:spChg>
+        <pc:spChg chg="del">
+          <ac:chgData name="Zhao Jin" userId="cd05a825-544c-438a-9ba1-08e63db50b47" providerId="ADAL" clId="{37A0D694-38DA-4421-B5D3-DEDBFC2EC57C}" dt="2021-02-08T01:59:22.694" v="4792" actId="478"/>
+          <ac:spMkLst>
+            <pc:docMk/>
+            <pc:sldMk cId="3229890649" sldId="569"/>
+            <ac:spMk id="14340" creationId="{00000000-0000-0000-0000-000000000000}"/>
+          </ac:spMkLst>
+        </pc:spChg>
+      </pc:sldChg>
+      <pc:sldChg chg="addSp delSp modSp add del mod">
+        <pc:chgData name="Zhao Jin" userId="cd05a825-544c-438a-9ba1-08e63db50b47" providerId="ADAL" clId="{37A0D694-38DA-4421-B5D3-DEDBFC2EC57C}" dt="2021-02-10T03:55:38.772" v="4967"/>
+        <pc:sldMkLst>
+          <pc:docMk/>
+          <pc:sldMk cId="3922430229" sldId="580"/>
+        </pc:sldMkLst>
+        <pc:spChg chg="mod">
+          <ac:chgData name="Zhao Jin" userId="cd05a825-544c-438a-9ba1-08e63db50b47" providerId="ADAL" clId="{37A0D694-38DA-4421-B5D3-DEDBFC2EC57C}" dt="2021-02-10T03:55:38.772" v="4967"/>
+          <ac:spMkLst>
+            <pc:docMk/>
+            <pc:sldMk cId="3922430229" sldId="580"/>
+            <ac:spMk id="7" creationId="{00000000-0000-0000-0000-000000000000}"/>
+          </ac:spMkLst>
+        </pc:spChg>
+        <pc:spChg chg="mod">
+          <ac:chgData name="Zhao Jin" userId="cd05a825-544c-438a-9ba1-08e63db50b47" providerId="ADAL" clId="{37A0D694-38DA-4421-B5D3-DEDBFC2EC57C}" dt="2021-02-08T01:40:08.440" v="3975" actId="207"/>
+          <ac:spMkLst>
+            <pc:docMk/>
+            <pc:sldMk cId="3922430229" sldId="580"/>
+            <ac:spMk id="9" creationId="{00000000-0000-0000-0000-000000000000}"/>
+          </ac:spMkLst>
+        </pc:spChg>
+        <pc:spChg chg="mod">
+          <ac:chgData name="Zhao Jin" userId="cd05a825-544c-438a-9ba1-08e63db50b47" providerId="ADAL" clId="{37A0D694-38DA-4421-B5D3-DEDBFC2EC57C}" dt="2021-02-08T01:41:10.766" v="4086" actId="1038"/>
+          <ac:spMkLst>
+            <pc:docMk/>
+            <pc:sldMk cId="3922430229" sldId="580"/>
+            <ac:spMk id="10" creationId="{00000000-0000-0000-0000-000000000000}"/>
+          </ac:spMkLst>
+        </pc:spChg>
+        <pc:spChg chg="mod">
+          <ac:chgData name="Zhao Jin" userId="cd05a825-544c-438a-9ba1-08e63db50b47" providerId="ADAL" clId="{37A0D694-38DA-4421-B5D3-DEDBFC2EC57C}" dt="2021-02-08T01:40:34.781" v="4005" actId="207"/>
+          <ac:spMkLst>
+            <pc:docMk/>
+            <pc:sldMk cId="3922430229" sldId="580"/>
+            <ac:spMk id="11" creationId="{00000000-0000-0000-0000-000000000000}"/>
+          </ac:spMkLst>
+        </pc:spChg>
+        <pc:spChg chg="add del mod">
+          <ac:chgData name="Zhao Jin" userId="cd05a825-544c-438a-9ba1-08e63db50b47" providerId="ADAL" clId="{37A0D694-38DA-4421-B5D3-DEDBFC2EC57C}" dt="2021-02-08T01:37:00.332" v="3812"/>
+          <ac:spMkLst>
+            <pc:docMk/>
+            <pc:sldMk cId="3922430229" sldId="580"/>
+            <ac:spMk id="13" creationId="{4F472ABD-E315-4BA8-AF98-DCE9D31E1B44}"/>
+          </ac:spMkLst>
+        </pc:spChg>
+        <pc:spChg chg="mod">
+          <ac:chgData name="Zhao Jin" userId="cd05a825-544c-438a-9ba1-08e63db50b47" providerId="ADAL" clId="{37A0D694-38DA-4421-B5D3-DEDBFC2EC57C}" dt="2021-02-08T01:41:06.558" v="4075" actId="20577"/>
+          <ac:spMkLst>
+            <pc:docMk/>
+            <pc:sldMk cId="3922430229" sldId="580"/>
+            <ac:spMk id="14338" creationId="{00000000-0000-0000-0000-000000000000}"/>
+          </ac:spMkLst>
+        </pc:spChg>
+        <pc:spChg chg="del">
+          <ac:chgData name="Zhao Jin" userId="cd05a825-544c-438a-9ba1-08e63db50b47" providerId="ADAL" clId="{37A0D694-38DA-4421-B5D3-DEDBFC2EC57C}" dt="2021-02-08T01:36:49.901" v="3810" actId="478"/>
+          <ac:spMkLst>
+            <pc:docMk/>
+            <pc:sldMk cId="3922430229" sldId="580"/>
+            <ac:spMk id="14340" creationId="{00000000-0000-0000-0000-000000000000}"/>
+          </ac:spMkLst>
+        </pc:spChg>
+      </pc:sldChg>
+      <pc:sldChg chg="delSp modSp add mod">
+        <pc:chgData name="Zhao Jin" userId="cd05a825-544c-438a-9ba1-08e63db50b47" providerId="ADAL" clId="{37A0D694-38DA-4421-B5D3-DEDBFC2EC57C}" dt="2021-02-10T03:55:38.772" v="4967"/>
+        <pc:sldMkLst>
+          <pc:docMk/>
+          <pc:sldMk cId="1886636263" sldId="581"/>
+        </pc:sldMkLst>
+        <pc:spChg chg="mod">
+          <ac:chgData name="Zhao Jin" userId="cd05a825-544c-438a-9ba1-08e63db50b47" providerId="ADAL" clId="{37A0D694-38DA-4421-B5D3-DEDBFC2EC57C}" dt="2021-02-10T03:55:38.772" v="4967"/>
+          <ac:spMkLst>
+            <pc:docMk/>
+            <pc:sldMk cId="1886636263" sldId="581"/>
+            <ac:spMk id="7" creationId="{00000000-0000-0000-0000-000000000000}"/>
+          </ac:spMkLst>
+        </pc:spChg>
+        <pc:spChg chg="mod">
+          <ac:chgData name="Zhao Jin" userId="cd05a825-544c-438a-9ba1-08e63db50b47" providerId="ADAL" clId="{37A0D694-38DA-4421-B5D3-DEDBFC2EC57C}" dt="2021-02-03T09:23:01.385" v="3251" actId="1038"/>
+          <ac:spMkLst>
+            <pc:docMk/>
+            <pc:sldMk cId="1886636263" sldId="581"/>
+            <ac:spMk id="10" creationId="{00000000-0000-0000-0000-000000000000}"/>
+          </ac:spMkLst>
+        </pc:spChg>
+        <pc:spChg chg="mod">
+          <ac:chgData name="Zhao Jin" userId="cd05a825-544c-438a-9ba1-08e63db50b47" providerId="ADAL" clId="{37A0D694-38DA-4421-B5D3-DEDBFC2EC57C}" dt="2021-02-03T09:23:10.247" v="3254" actId="113"/>
+          <ac:spMkLst>
+            <pc:docMk/>
+            <pc:sldMk cId="1886636263" sldId="581"/>
+            <ac:spMk id="11" creationId="{00000000-0000-0000-0000-000000000000}"/>
+          </ac:spMkLst>
+        </pc:spChg>
+        <pc:spChg chg="mod">
+          <ac:chgData name="Zhao Jin" userId="cd05a825-544c-438a-9ba1-08e63db50b47" providerId="ADAL" clId="{37A0D694-38DA-4421-B5D3-DEDBFC2EC57C}" dt="2021-02-03T09:21:16.883" v="3154" actId="20577"/>
+          <ac:spMkLst>
+            <pc:docMk/>
+            <pc:sldMk cId="1886636263" sldId="581"/>
+            <ac:spMk id="14338" creationId="{00000000-0000-0000-0000-000000000000}"/>
+          </ac:spMkLst>
+        </pc:spChg>
+        <pc:spChg chg="del">
+          <ac:chgData name="Zhao Jin" userId="cd05a825-544c-438a-9ba1-08e63db50b47" providerId="ADAL" clId="{37A0D694-38DA-4421-B5D3-DEDBFC2EC57C}" dt="2021-02-08T01:42:06.532" v="4090" actId="478"/>
+          <ac:spMkLst>
+            <pc:docMk/>
+            <pc:sldMk cId="1886636263" sldId="581"/>
+            <ac:spMk id="14340" creationId="{00000000-0000-0000-0000-000000000000}"/>
+          </ac:spMkLst>
+        </pc:spChg>
+      </pc:sldChg>
+      <pc:sldChg chg="modSp add del mod">
+        <pc:chgData name="Zhao Jin" userId="cd05a825-544c-438a-9ba1-08e63db50b47" providerId="ADAL" clId="{37A0D694-38DA-4421-B5D3-DEDBFC2EC57C}" dt="2021-02-03T08:47:45.744" v="1076" actId="47"/>
+        <pc:sldMkLst>
+          <pc:docMk/>
+          <pc:sldMk cId="893488834" sldId="587"/>
+        </pc:sldMkLst>
+        <pc:spChg chg="mod">
+          <ac:chgData name="Zhao Jin" userId="cd05a825-544c-438a-9ba1-08e63db50b47" providerId="ADAL" clId="{37A0D694-38DA-4421-B5D3-DEDBFC2EC57C}" dt="2021-02-03T08:01:59.201" v="538" actId="20577"/>
+          <ac:spMkLst>
+            <pc:docMk/>
+            <pc:sldMk cId="893488834" sldId="587"/>
+            <ac:spMk id="19" creationId="{00000000-0000-0000-0000-000000000000}"/>
+          </ac:spMkLst>
+        </pc:spChg>
+        <pc:spChg chg="mod">
+          <ac:chgData name="Zhao Jin" userId="cd05a825-544c-438a-9ba1-08e63db50b47" providerId="ADAL" clId="{37A0D694-38DA-4421-B5D3-DEDBFC2EC57C}" dt="2021-02-03T08:02:04.276" v="539" actId="6549"/>
+          <ac:spMkLst>
+            <pc:docMk/>
+            <pc:sldMk cId="893488834" sldId="587"/>
+            <ac:spMk id="14338" creationId="{00000000-0000-0000-0000-000000000000}"/>
+          </ac:spMkLst>
+        </pc:spChg>
+      </pc:sldChg>
+      <pc:sldChg chg="addSp modSp add del mod">
+        <pc:chgData name="Zhao Jin" userId="cd05a825-544c-438a-9ba1-08e63db50b47" providerId="ADAL" clId="{37A0D694-38DA-4421-B5D3-DEDBFC2EC57C}" dt="2021-02-03T08:47:43.004" v="1075" actId="47"/>
+        <pc:sldMkLst>
+          <pc:docMk/>
+          <pc:sldMk cId="2663336489" sldId="588"/>
+        </pc:sldMkLst>
+        <pc:spChg chg="mod">
+          <ac:chgData name="Zhao Jin" userId="cd05a825-544c-438a-9ba1-08e63db50b47" providerId="ADAL" clId="{37A0D694-38DA-4421-B5D3-DEDBFC2EC57C}" dt="2021-02-03T08:02:36.274" v="551" actId="404"/>
+          <ac:spMkLst>
+            <pc:docMk/>
+            <pc:sldMk cId="2663336489" sldId="588"/>
+            <ac:spMk id="19" creationId="{00000000-0000-0000-0000-000000000000}"/>
+          </ac:spMkLst>
+        </pc:spChg>
+        <pc:picChg chg="add mod">
+          <ac:chgData name="Zhao Jin" userId="cd05a825-544c-438a-9ba1-08e63db50b47" providerId="ADAL" clId="{37A0D694-38DA-4421-B5D3-DEDBFC2EC57C}" dt="2021-02-03T08:02:30.780" v="547" actId="1076"/>
+          <ac:picMkLst>
+            <pc:docMk/>
+            <pc:sldMk cId="2663336489" sldId="588"/>
+            <ac:picMk id="1026" creationId="{260029BB-3AC2-413A-B9C2-5983AA6DD1EE}"/>
+          </ac:picMkLst>
+        </pc:picChg>
+      </pc:sldChg>
+      <pc:sldChg chg="addSp delSp modSp add mod">
+        <pc:chgData name="Zhao Jin" userId="cd05a825-544c-438a-9ba1-08e63db50b47" providerId="ADAL" clId="{37A0D694-38DA-4421-B5D3-DEDBFC2EC57C}" dt="2021-02-10T03:55:38.772" v="4967"/>
+        <pc:sldMkLst>
+          <pc:docMk/>
+          <pc:sldMk cId="211149325" sldId="589"/>
+        </pc:sldMkLst>
+        <pc:spChg chg="mod">
+          <ac:chgData name="Zhao Jin" userId="cd05a825-544c-438a-9ba1-08e63db50b47" providerId="ADAL" clId="{37A0D694-38DA-4421-B5D3-DEDBFC2EC57C}" dt="2021-02-10T03:55:38.772" v="4967"/>
+          <ac:spMkLst>
+            <pc:docMk/>
+            <pc:sldMk cId="211149325" sldId="589"/>
+            <ac:spMk id="7" creationId="{00000000-0000-0000-0000-000000000000}"/>
+          </ac:spMkLst>
+        </pc:spChg>
+        <pc:spChg chg="mod">
+          <ac:chgData name="Zhao Jin" userId="cd05a825-544c-438a-9ba1-08e63db50b47" providerId="ADAL" clId="{37A0D694-38DA-4421-B5D3-DEDBFC2EC57C}" dt="2021-02-03T08:05:19.022" v="583" actId="20577"/>
+          <ac:spMkLst>
+            <pc:docMk/>
+            <pc:sldMk cId="211149325" sldId="589"/>
+            <ac:spMk id="19" creationId="{00000000-0000-0000-0000-000000000000}"/>
+          </ac:spMkLst>
+        </pc:spChg>
+        <pc:spChg chg="mod">
+          <ac:chgData name="Zhao Jin" userId="cd05a825-544c-438a-9ba1-08e63db50b47" providerId="ADAL" clId="{37A0D694-38DA-4421-B5D3-DEDBFC2EC57C}" dt="2021-02-03T08:05:48.631" v="589" actId="20577"/>
+          <ac:spMkLst>
+            <pc:docMk/>
+            <pc:sldMk cId="211149325" sldId="589"/>
+            <ac:spMk id="22" creationId="{00000000-0000-0000-0000-000000000000}"/>
+          </ac:spMkLst>
+        </pc:spChg>
+        <pc:spChg chg="mod">
+          <ac:chgData name="Zhao Jin" userId="cd05a825-544c-438a-9ba1-08e63db50b47" providerId="ADAL" clId="{37A0D694-38DA-4421-B5D3-DEDBFC2EC57C}" dt="2021-02-03T08:05:49.985" v="590" actId="20577"/>
+          <ac:spMkLst>
+            <pc:docMk/>
+            <pc:sldMk cId="211149325" sldId="589"/>
+            <ac:spMk id="27" creationId="{00000000-0000-0000-0000-000000000000}"/>
+          </ac:spMkLst>
+        </pc:spChg>
+        <pc:spChg chg="mod">
+          <ac:chgData name="Zhao Jin" userId="cd05a825-544c-438a-9ba1-08e63db50b47" providerId="ADAL" clId="{37A0D694-38DA-4421-B5D3-DEDBFC2EC57C}" dt="2021-02-03T08:05:52.229" v="591" actId="20577"/>
+          <ac:spMkLst>
+            <pc:docMk/>
+            <pc:sldMk cId="211149325" sldId="589"/>
+            <ac:spMk id="30" creationId="{00000000-0000-0000-0000-000000000000}"/>
+          </ac:spMkLst>
+        </pc:spChg>
+        <pc:spChg chg="mod">
+          <ac:chgData name="Zhao Jin" userId="cd05a825-544c-438a-9ba1-08e63db50b47" providerId="ADAL" clId="{37A0D694-38DA-4421-B5D3-DEDBFC2EC57C}" dt="2021-02-03T09:25:01.711" v="3283" actId="6549"/>
+          <ac:spMkLst>
+            <pc:docMk/>
+            <pc:sldMk cId="211149325" sldId="589"/>
+            <ac:spMk id="14338" creationId="{00000000-0000-0000-0000-000000000000}"/>
+          </ac:spMkLst>
+        </pc:spChg>
+        <pc:spChg chg="del">
+          <ac:chgData name="Zhao Jin" userId="cd05a825-544c-438a-9ba1-08e63db50b47" providerId="ADAL" clId="{37A0D694-38DA-4421-B5D3-DEDBFC2EC57C}" dt="2021-02-03T09:26:19.685" v="3354" actId="478"/>
+          <ac:spMkLst>
+            <pc:docMk/>
+            <pc:sldMk cId="211149325" sldId="589"/>
+            <ac:spMk id="14340" creationId="{00000000-0000-0000-0000-000000000000}"/>
+          </ac:spMkLst>
+        </pc:spChg>
+        <pc:grpChg chg="mod">
+          <ac:chgData name="Zhao Jin" userId="cd05a825-544c-438a-9ba1-08e63db50b47" providerId="ADAL" clId="{37A0D694-38DA-4421-B5D3-DEDBFC2EC57C}" dt="2021-02-03T08:05:47.280" v="588" actId="1076"/>
+          <ac:grpSpMkLst>
+            <pc:docMk/>
+            <pc:sldMk cId="211149325" sldId="589"/>
+            <ac:grpSpMk id="20" creationId="{00000000-0000-0000-0000-000000000000}"/>
+          </ac:grpSpMkLst>
+        </pc:grpChg>
+        <pc:grpChg chg="mod">
+          <ac:chgData name="Zhao Jin" userId="cd05a825-544c-438a-9ba1-08e63db50b47" providerId="ADAL" clId="{37A0D694-38DA-4421-B5D3-DEDBFC2EC57C}" dt="2021-02-03T08:03:56.449" v="570" actId="1076"/>
+          <ac:grpSpMkLst>
+            <pc:docMk/>
+            <pc:sldMk cId="211149325" sldId="589"/>
+            <ac:grpSpMk id="28" creationId="{00000000-0000-0000-0000-000000000000}"/>
+          </ac:grpSpMkLst>
+        </pc:grpChg>
+        <pc:picChg chg="add del mod">
+          <ac:chgData name="Zhao Jin" userId="cd05a825-544c-438a-9ba1-08e63db50b47" providerId="ADAL" clId="{37A0D694-38DA-4421-B5D3-DEDBFC2EC57C}" dt="2021-02-03T08:05:55.520" v="595" actId="1035"/>
+          <ac:picMkLst>
+            <pc:docMk/>
+            <pc:sldMk cId="211149325" sldId="589"/>
+            <ac:picMk id="1026" creationId="{260029BB-3AC2-413A-B9C2-5983AA6DD1EE}"/>
+          </ac:picMkLst>
+        </pc:picChg>
+        <pc:cxnChg chg="mod">
+          <ac:chgData name="Zhao Jin" userId="cd05a825-544c-438a-9ba1-08e63db50b47" providerId="ADAL" clId="{37A0D694-38DA-4421-B5D3-DEDBFC2EC57C}" dt="2021-02-03T08:04:23.899" v="577" actId="14100"/>
+          <ac:cxnSpMkLst>
+            <pc:docMk/>
+            <pc:sldMk cId="211149325" sldId="589"/>
+            <ac:cxnSpMk id="21" creationId="{00000000-0000-0000-0000-000000000000}"/>
+          </ac:cxnSpMkLst>
+        </pc:cxnChg>
+        <pc:cxnChg chg="mod">
+          <ac:chgData name="Zhao Jin" userId="cd05a825-544c-438a-9ba1-08e63db50b47" providerId="ADAL" clId="{37A0D694-38DA-4421-B5D3-DEDBFC2EC57C}" dt="2021-02-03T08:05:27.870" v="585" actId="14100"/>
+          <ac:cxnSpMkLst>
+            <pc:docMk/>
+            <pc:sldMk cId="211149325" sldId="589"/>
+            <ac:cxnSpMk id="26" creationId="{00000000-0000-0000-0000-000000000000}"/>
+          </ac:cxnSpMkLst>
+        </pc:cxnChg>
+        <pc:cxnChg chg="mod">
+          <ac:chgData name="Zhao Jin" userId="cd05a825-544c-438a-9ba1-08e63db50b47" providerId="ADAL" clId="{37A0D694-38DA-4421-B5D3-DEDBFC2EC57C}" dt="2021-02-03T08:05:30.610" v="586" actId="14100"/>
+          <ac:cxnSpMkLst>
+            <pc:docMk/>
+            <pc:sldMk cId="211149325" sldId="589"/>
+            <ac:cxnSpMk id="29" creationId="{00000000-0000-0000-0000-000000000000}"/>
+          </ac:cxnSpMkLst>
+        </pc:cxnChg>
+      </pc:sldChg>
+      <pc:sldChg chg="addSp delSp modSp add mod delAnim modAnim">
+        <pc:chgData name="Zhao Jin" userId="cd05a825-544c-438a-9ba1-08e63db50b47" providerId="ADAL" clId="{37A0D694-38DA-4421-B5D3-DEDBFC2EC57C}" dt="2021-02-10T03:55:38.772" v="4967"/>
+        <pc:sldMkLst>
+          <pc:docMk/>
+          <pc:sldMk cId="4156536479" sldId="590"/>
+        </pc:sldMkLst>
+        <pc:spChg chg="mod">
+          <ac:chgData name="Zhao Jin" userId="cd05a825-544c-438a-9ba1-08e63db50b47" providerId="ADAL" clId="{37A0D694-38DA-4421-B5D3-DEDBFC2EC57C}" dt="2021-02-10T03:55:38.772" v="4967"/>
+          <ac:spMkLst>
+            <pc:docMk/>
+            <pc:sldMk cId="4156536479" sldId="590"/>
+            <ac:spMk id="7" creationId="{00000000-0000-0000-0000-000000000000}"/>
+          </ac:spMkLst>
+        </pc:spChg>
+        <pc:spChg chg="add mod">
+          <ac:chgData name="Zhao Jin" userId="cd05a825-544c-438a-9ba1-08e63db50b47" providerId="ADAL" clId="{37A0D694-38DA-4421-B5D3-DEDBFC2EC57C}" dt="2021-02-03T09:38:34.228" v="3358" actId="13926"/>
+          <ac:spMkLst>
+            <pc:docMk/>
+            <pc:sldMk cId="4156536479" sldId="590"/>
+            <ac:spMk id="8" creationId="{3895F873-6CB7-4316-B798-EE54B3634728}"/>
+          </ac:spMkLst>
+        </pc:spChg>
+        <pc:spChg chg="add del mod">
+          <ac:chgData name="Zhao Jin" userId="cd05a825-544c-438a-9ba1-08e63db50b47" providerId="ADAL" clId="{37A0D694-38DA-4421-B5D3-DEDBFC2EC57C}" dt="2021-02-08T01:29:47.127" v="3514"/>
+          <ac:spMkLst>
+            <pc:docMk/>
+            <pc:sldMk cId="4156536479" sldId="590"/>
+            <ac:spMk id="11" creationId="{5846B50D-EC54-48E6-AE72-B0B5F8190097}"/>
+          </ac:spMkLst>
+        </pc:spChg>
+        <pc:spChg chg="del">
+          <ac:chgData name="Zhao Jin" userId="cd05a825-544c-438a-9ba1-08e63db50b47" providerId="ADAL" clId="{37A0D694-38DA-4421-B5D3-DEDBFC2EC57C}" dt="2021-02-03T08:06:42.479" v="598" actId="478"/>
+          <ac:spMkLst>
+            <pc:docMk/>
+            <pc:sldMk cId="4156536479" sldId="590"/>
+            <ac:spMk id="11" creationId="{675C9FBE-306E-46A7-BAB9-46BD27707AF2}"/>
+          </ac:spMkLst>
+        </pc:spChg>
+        <pc:spChg chg="add mod">
+          <ac:chgData name="Zhao Jin" userId="cd05a825-544c-438a-9ba1-08e63db50b47" providerId="ADAL" clId="{37A0D694-38DA-4421-B5D3-DEDBFC2EC57C}" dt="2021-02-08T01:38:27.881" v="3917" actId="20577"/>
+          <ac:spMkLst>
+            <pc:docMk/>
+            <pc:sldMk cId="4156536479" sldId="590"/>
+            <ac:spMk id="13" creationId="{0AD363C8-B264-4386-9E1D-EAA63F4BF1CC}"/>
+          </ac:spMkLst>
+        </pc:spChg>
+        <pc:spChg chg="add del mod">
+          <ac:chgData name="Zhao Jin" userId="cd05a825-544c-438a-9ba1-08e63db50b47" providerId="ADAL" clId="{37A0D694-38DA-4421-B5D3-DEDBFC2EC57C}" dt="2021-02-03T08:40:38.562" v="720" actId="478"/>
+          <ac:spMkLst>
+            <pc:docMk/>
+            <pc:sldMk cId="4156536479" sldId="590"/>
+            <ac:spMk id="33" creationId="{4F924E87-CB56-4AC7-8777-A327820A47C5}"/>
+          </ac:spMkLst>
+        </pc:spChg>
+        <pc:spChg chg="add mod">
+          <ac:chgData name="Zhao Jin" userId="cd05a825-544c-438a-9ba1-08e63db50b47" providerId="ADAL" clId="{37A0D694-38DA-4421-B5D3-DEDBFC2EC57C}" dt="2021-02-03T08:41:47.988" v="927" actId="14100"/>
+          <ac:spMkLst>
+            <pc:docMk/>
+            <pc:sldMk cId="4156536479" sldId="590"/>
+            <ac:spMk id="34" creationId="{1DA4B870-5E05-4566-A46F-B6A051179C55}"/>
+          </ac:spMkLst>
+        </pc:spChg>
+        <pc:spChg chg="mod">
+          <ac:chgData name="Zhao Jin" userId="cd05a825-544c-438a-9ba1-08e63db50b47" providerId="ADAL" clId="{37A0D694-38DA-4421-B5D3-DEDBFC2EC57C}" dt="2021-02-03T09:25:01.287" v="3281" actId="6549"/>
+          <ac:spMkLst>
+            <pc:docMk/>
+            <pc:sldMk cId="4156536479" sldId="590"/>
+            <ac:spMk id="14338" creationId="{00000000-0000-0000-0000-000000000000}"/>
+          </ac:spMkLst>
+        </pc:spChg>
+        <pc:graphicFrameChg chg="del">
+          <ac:chgData name="Zhao Jin" userId="cd05a825-544c-438a-9ba1-08e63db50b47" providerId="ADAL" clId="{37A0D694-38DA-4421-B5D3-DEDBFC2EC57C}" dt="2021-02-03T08:06:41.239" v="597" actId="478"/>
+          <ac:graphicFrameMkLst>
+            <pc:docMk/>
+            <pc:sldMk cId="4156536479" sldId="590"/>
+            <ac:graphicFrameMk id="10" creationId="{74304014-08C4-4321-AD74-36FAC51612DB}"/>
+          </ac:graphicFrameMkLst>
+        </pc:graphicFrameChg>
+        <pc:picChg chg="mod">
+          <ac:chgData name="Zhao Jin" userId="cd05a825-544c-438a-9ba1-08e63db50b47" providerId="ADAL" clId="{37A0D694-38DA-4421-B5D3-DEDBFC2EC57C}" dt="2021-02-03T08:38:53.114" v="646" actId="1076"/>
+          <ac:picMkLst>
+            <pc:docMk/>
+            <pc:sldMk cId="4156536479" sldId="590"/>
+            <ac:picMk id="4" creationId="{EAFF9153-D379-4E7D-9B97-29843966A9B9}"/>
+          </ac:picMkLst>
+        </pc:picChg>
+        <pc:cxnChg chg="add del mod">
+          <ac:chgData name="Zhao Jin" userId="cd05a825-544c-438a-9ba1-08e63db50b47" providerId="ADAL" clId="{37A0D694-38DA-4421-B5D3-DEDBFC2EC57C}" dt="2021-02-03T08:37:59.802" v="629" actId="478"/>
+          <ac:cxnSpMkLst>
+            <pc:docMk/>
+            <pc:sldMk cId="4156536479" sldId="590"/>
+            <ac:cxnSpMk id="9" creationId="{9652AEB2-CFC8-48BA-95AD-7242B1240B31}"/>
+          </ac:cxnSpMkLst>
+        </pc:cxnChg>
+        <pc:cxnChg chg="add del mod">
+          <ac:chgData name="Zhao Jin" userId="cd05a825-544c-438a-9ba1-08e63db50b47" providerId="ADAL" clId="{37A0D694-38DA-4421-B5D3-DEDBFC2EC57C}" dt="2021-02-03T08:38:27.270" v="636" actId="14100"/>
+          <ac:cxnSpMkLst>
+            <pc:docMk/>
+            <pc:sldMk cId="4156536479" sldId="590"/>
+            <ac:cxnSpMk id="16" creationId="{B4CC9A1D-6448-41B2-BD14-CACDC771AC2A}"/>
+          </ac:cxnSpMkLst>
+        </pc:cxnChg>
+        <pc:cxnChg chg="add mod">
+          <ac:chgData name="Zhao Jin" userId="cd05a825-544c-438a-9ba1-08e63db50b47" providerId="ADAL" clId="{37A0D694-38DA-4421-B5D3-DEDBFC2EC57C}" dt="2021-02-03T08:38:46.983" v="642" actId="14100"/>
+          <ac:cxnSpMkLst>
+            <pc:docMk/>
+            <pc:sldMk cId="4156536479" sldId="590"/>
+            <ac:cxnSpMk id="22" creationId="{6298AF59-F7D9-4F05-84BF-96ED0AC95091}"/>
+          </ac:cxnSpMkLst>
+        </pc:cxnChg>
+        <pc:cxnChg chg="add del mod">
+          <ac:chgData name="Zhao Jin" userId="cd05a825-544c-438a-9ba1-08e63db50b47" providerId="ADAL" clId="{37A0D694-38DA-4421-B5D3-DEDBFC2EC57C}" dt="2021-02-03T08:39:14.474" v="649" actId="478"/>
+          <ac:cxnSpMkLst>
+            <pc:docMk/>
+            <pc:sldMk cId="4156536479" sldId="590"/>
+            <ac:cxnSpMk id="27" creationId="{5EB59BC9-1F48-4950-A1D9-6A7B4E0368EF}"/>
+          </ac:cxnSpMkLst>
+        </pc:cxnChg>
+        <pc:cxnChg chg="add mod">
+          <ac:chgData name="Zhao Jin" userId="cd05a825-544c-438a-9ba1-08e63db50b47" providerId="ADAL" clId="{37A0D694-38DA-4421-B5D3-DEDBFC2EC57C}" dt="2021-02-03T08:39:19.424" v="652" actId="14100"/>
+          <ac:cxnSpMkLst>
+            <pc:docMk/>
+            <pc:sldMk cId="4156536479" sldId="590"/>
+            <ac:cxnSpMk id="30" creationId="{FA77C354-F87B-40D8-BAA7-811F60DDD4B1}"/>
+          </ac:cxnSpMkLst>
+        </pc:cxnChg>
+      </pc:sldChg>
+      <pc:sldChg chg="addSp delSp modSp add mod delAnim">
+        <pc:chgData name="Zhao Jin" userId="cd05a825-544c-438a-9ba1-08e63db50b47" providerId="ADAL" clId="{37A0D694-38DA-4421-B5D3-DEDBFC2EC57C}" dt="2021-02-10T03:55:38.772" v="4967"/>
+        <pc:sldMkLst>
+          <pc:docMk/>
+          <pc:sldMk cId="567798019" sldId="591"/>
+        </pc:sldMkLst>
+        <pc:spChg chg="mod">
+          <ac:chgData name="Zhao Jin" userId="cd05a825-544c-438a-9ba1-08e63db50b47" providerId="ADAL" clId="{37A0D694-38DA-4421-B5D3-DEDBFC2EC57C}" dt="2021-02-10T03:55:38.772" v="4967"/>
+          <ac:spMkLst>
+            <pc:docMk/>
+            <pc:sldMk cId="567798019" sldId="591"/>
+            <ac:spMk id="7" creationId="{00000000-0000-0000-0000-000000000000}"/>
+          </ac:spMkLst>
+        </pc:spChg>
+        <pc:spChg chg="mod">
+          <ac:chgData name="Zhao Jin" userId="cd05a825-544c-438a-9ba1-08e63db50b47" providerId="ADAL" clId="{37A0D694-38DA-4421-B5D3-DEDBFC2EC57C}" dt="2021-02-03T08:54:46.596" v="1324" actId="6549"/>
+          <ac:spMkLst>
+            <pc:docMk/>
+            <pc:sldMk cId="567798019" sldId="591"/>
+            <ac:spMk id="8" creationId="{3895F873-6CB7-4316-B798-EE54B3634728}"/>
+          </ac:spMkLst>
+        </pc:spChg>
+        <pc:spChg chg="add del mod">
+          <ac:chgData name="Zhao Jin" userId="cd05a825-544c-438a-9ba1-08e63db50b47" providerId="ADAL" clId="{37A0D694-38DA-4421-B5D3-DEDBFC2EC57C}" dt="2021-02-08T01:30:20.214" v="3620" actId="21"/>
+          <ac:spMkLst>
+            <pc:docMk/>
+            <pc:sldMk cId="567798019" sldId="591"/>
+            <ac:spMk id="9" creationId="{6806B5BD-EF55-41CA-929B-A292FC4E2456}"/>
+          </ac:spMkLst>
+        </pc:spChg>
+        <pc:spChg chg="add del mod">
+          <ac:chgData name="Zhao Jin" userId="cd05a825-544c-438a-9ba1-08e63db50b47" providerId="ADAL" clId="{37A0D694-38DA-4421-B5D3-DEDBFC2EC57C}" dt="2021-02-03T08:54:49.067" v="1325" actId="21"/>
+          <ac:spMkLst>
+            <pc:docMk/>
+            <pc:sldMk cId="567798019" sldId="591"/>
+            <ac:spMk id="11" creationId="{27FB5A5F-2DAE-417B-BFDB-4AF27D8AC53B}"/>
+          </ac:spMkLst>
+        </pc:spChg>
+        <pc:spChg chg="del">
+          <ac:chgData name="Zhao Jin" userId="cd05a825-544c-438a-9ba1-08e63db50b47" providerId="ADAL" clId="{37A0D694-38DA-4421-B5D3-DEDBFC2EC57C}" dt="2021-02-03T08:42:46.851" v="952" actId="478"/>
+          <ac:spMkLst>
+            <pc:docMk/>
+            <pc:sldMk cId="567798019" sldId="591"/>
+            <ac:spMk id="34" creationId="{1DA4B870-5E05-4566-A46F-B6A051179C55}"/>
+          </ac:spMkLst>
+        </pc:spChg>
+        <pc:spChg chg="mod">
+          <ac:chgData name="Zhao Jin" userId="cd05a825-544c-438a-9ba1-08e63db50b47" providerId="ADAL" clId="{37A0D694-38DA-4421-B5D3-DEDBFC2EC57C}" dt="2021-02-03T08:44:43.848" v="976" actId="21"/>
+          <ac:spMkLst>
+            <pc:docMk/>
+            <pc:sldMk cId="567798019" sldId="591"/>
+            <ac:spMk id="14338" creationId="{00000000-0000-0000-0000-000000000000}"/>
+          </ac:spMkLst>
+        </pc:spChg>
+        <pc:cxnChg chg="del mod">
+          <ac:chgData name="Zhao Jin" userId="cd05a825-544c-438a-9ba1-08e63db50b47" providerId="ADAL" clId="{37A0D694-38DA-4421-B5D3-DEDBFC2EC57C}" dt="2021-02-03T08:42:43.905" v="949" actId="478"/>
+          <ac:cxnSpMkLst>
+            <pc:docMk/>
+            <pc:sldMk cId="567798019" sldId="591"/>
+            <ac:cxnSpMk id="16" creationId="{B4CC9A1D-6448-41B2-BD14-CACDC771AC2A}"/>
+          </ac:cxnSpMkLst>
+        </pc:cxnChg>
+        <pc:cxnChg chg="del">
+          <ac:chgData name="Zhao Jin" userId="cd05a825-544c-438a-9ba1-08e63db50b47" providerId="ADAL" clId="{37A0D694-38DA-4421-B5D3-DEDBFC2EC57C}" dt="2021-02-03T08:42:44.937" v="950" actId="478"/>
+          <ac:cxnSpMkLst>
+            <pc:docMk/>
+            <pc:sldMk cId="567798019" sldId="591"/>
+            <ac:cxnSpMk id="22" creationId="{6298AF59-F7D9-4F05-84BF-96ED0AC95091}"/>
+          </ac:cxnSpMkLst>
+        </pc:cxnChg>
+        <pc:cxnChg chg="del">
+          <ac:chgData name="Zhao Jin" userId="cd05a825-544c-438a-9ba1-08e63db50b47" providerId="ADAL" clId="{37A0D694-38DA-4421-B5D3-DEDBFC2EC57C}" dt="2021-02-03T08:42:45.705" v="951" actId="478"/>
+          <ac:cxnSpMkLst>
+            <pc:docMk/>
+            <pc:sldMk cId="567798019" sldId="591"/>
+            <ac:cxnSpMk id="30" creationId="{FA77C354-F87B-40D8-BAA7-811F60DDD4B1}"/>
+          </ac:cxnSpMkLst>
+        </pc:cxnChg>
+      </pc:sldChg>
+      <pc:sldChg chg="addSp delSp modSp add mod delAnim">
+        <pc:chgData name="Zhao Jin" userId="cd05a825-544c-438a-9ba1-08e63db50b47" providerId="ADAL" clId="{37A0D694-38DA-4421-B5D3-DEDBFC2EC57C}" dt="2021-02-10T03:55:38.772" v="4967"/>
+        <pc:sldMkLst>
+          <pc:docMk/>
+          <pc:sldMk cId="137810324" sldId="592"/>
+        </pc:sldMkLst>
+        <pc:spChg chg="mod">
+          <ac:chgData name="Zhao Jin" userId="cd05a825-544c-438a-9ba1-08e63db50b47" providerId="ADAL" clId="{37A0D694-38DA-4421-B5D3-DEDBFC2EC57C}" dt="2021-02-10T03:55:38.772" v="4967"/>
+          <ac:spMkLst>
+            <pc:docMk/>
+            <pc:sldMk cId="137810324" sldId="592"/>
+            <ac:spMk id="7" creationId="{00000000-0000-0000-0000-000000000000}"/>
+          </ac:spMkLst>
+        </pc:spChg>
+        <pc:spChg chg="add del mod">
+          <ac:chgData name="Zhao Jin" userId="cd05a825-544c-438a-9ba1-08e63db50b47" providerId="ADAL" clId="{37A0D694-38DA-4421-B5D3-DEDBFC2EC57C}" dt="2021-02-08T01:30:46.868" v="3629"/>
+          <ac:spMkLst>
+            <pc:docMk/>
+            <pc:sldMk cId="137810324" sldId="592"/>
+            <ac:spMk id="8" creationId="{1D4888C5-7427-41D4-A0E1-C5D8DC066CA7}"/>
+          </ac:spMkLst>
+        </pc:spChg>
+        <pc:spChg chg="add del mod">
+          <ac:chgData name="Zhao Jin" userId="cd05a825-544c-438a-9ba1-08e63db50b47" providerId="ADAL" clId="{37A0D694-38DA-4421-B5D3-DEDBFC2EC57C}" dt="2021-02-08T01:31:02.354" v="3637"/>
+          <ac:spMkLst>
+            <pc:docMk/>
+            <pc:sldMk cId="137810324" sldId="592"/>
+            <ac:spMk id="9" creationId="{7B98D121-E5CC-483E-9B8F-EF6E0F554F5C}"/>
+          </ac:spMkLst>
+        </pc:spChg>
+        <pc:spChg chg="add del mod">
+          <ac:chgData name="Zhao Jin" userId="cd05a825-544c-438a-9ba1-08e63db50b47" providerId="ADAL" clId="{37A0D694-38DA-4421-B5D3-DEDBFC2EC57C}" dt="2021-02-08T01:31:05.798" v="3639"/>
+          <ac:spMkLst>
+            <pc:docMk/>
+            <pc:sldMk cId="137810324" sldId="592"/>
+            <ac:spMk id="10" creationId="{89C502F5-8740-4FB5-954E-97A010AA4256}"/>
+          </ac:spMkLst>
+        </pc:spChg>
+        <pc:spChg chg="add del mod">
+          <ac:chgData name="Zhao Jin" userId="cd05a825-544c-438a-9ba1-08e63db50b47" providerId="ADAL" clId="{37A0D694-38DA-4421-B5D3-DEDBFC2EC57C}" dt="2021-02-08T01:32:46.621" v="3700" actId="478"/>
+          <ac:spMkLst>
+            <pc:docMk/>
+            <pc:sldMk cId="137810324" sldId="592"/>
+            <ac:spMk id="19" creationId="{A73A73BA-8D89-4B27-BFC3-9776D2EA4341}"/>
+          </ac:spMkLst>
+        </pc:spChg>
+        <pc:spChg chg="add del mod">
+          <ac:chgData name="Zhao Jin" userId="cd05a825-544c-438a-9ba1-08e63db50b47" providerId="ADAL" clId="{37A0D694-38DA-4421-B5D3-DEDBFC2EC57C}" dt="2021-02-03T08:51:15.889" v="1226"/>
+          <ac:spMkLst>
+            <pc:docMk/>
+            <pc:sldMk cId="137810324" sldId="592"/>
+            <ac:spMk id="20" creationId="{8BB54542-2902-49B4-956C-5A17427CC6C2}"/>
+          </ac:spMkLst>
+        </pc:spChg>
+        <pc:spChg chg="mod">
+          <ac:chgData name="Zhao Jin" userId="cd05a825-544c-438a-9ba1-08e63db50b47" providerId="ADAL" clId="{37A0D694-38DA-4421-B5D3-DEDBFC2EC57C}" dt="2021-02-03T08:50:25.459" v="1220" actId="20577"/>
+          <ac:spMkLst>
+            <pc:docMk/>
+            <pc:sldMk cId="137810324" sldId="592"/>
+            <ac:spMk id="49" creationId="{00000000-0000-0000-0000-000000000000}"/>
+          </ac:spMkLst>
+        </pc:spChg>
+        <pc:spChg chg="del">
+          <ac:chgData name="Zhao Jin" userId="cd05a825-544c-438a-9ba1-08e63db50b47" providerId="ADAL" clId="{37A0D694-38DA-4421-B5D3-DEDBFC2EC57C}" dt="2021-02-03T08:48:10.029" v="1077" actId="478"/>
+          <ac:spMkLst>
+            <pc:docMk/>
+            <pc:sldMk cId="137810324" sldId="592"/>
+            <ac:spMk id="60" creationId="{00000000-0000-0000-0000-000000000000}"/>
+          </ac:spMkLst>
+        </pc:spChg>
+        <pc:spChg chg="mod">
+          <ac:chgData name="Zhao Jin" userId="cd05a825-544c-438a-9ba1-08e63db50b47" providerId="ADAL" clId="{37A0D694-38DA-4421-B5D3-DEDBFC2EC57C}" dt="2021-02-03T08:45:31.559" v="978" actId="6549"/>
+          <ac:spMkLst>
+            <pc:docMk/>
+            <pc:sldMk cId="137810324" sldId="592"/>
+            <ac:spMk id="14338" creationId="{00000000-0000-0000-0000-000000000000}"/>
+          </ac:spMkLst>
+        </pc:spChg>
+        <pc:spChg chg="del">
+          <ac:chgData name="Zhao Jin" userId="cd05a825-544c-438a-9ba1-08e63db50b47" providerId="ADAL" clId="{37A0D694-38DA-4421-B5D3-DEDBFC2EC57C}" dt="2021-02-03T09:26:17.421" v="3353" actId="478"/>
+          <ac:spMkLst>
+            <pc:docMk/>
+            <pc:sldMk cId="137810324" sldId="592"/>
+            <ac:spMk id="14340" creationId="{00000000-0000-0000-0000-000000000000}"/>
+          </ac:spMkLst>
+        </pc:spChg>
+        <pc:grpChg chg="del">
+          <ac:chgData name="Zhao Jin" userId="cd05a825-544c-438a-9ba1-08e63db50b47" providerId="ADAL" clId="{37A0D694-38DA-4421-B5D3-DEDBFC2EC57C}" dt="2021-02-03T08:48:11.562" v="1078" actId="478"/>
+          <ac:grpSpMkLst>
+            <pc:docMk/>
+            <pc:sldMk cId="137810324" sldId="592"/>
+            <ac:grpSpMk id="50" creationId="{00000000-0000-0000-0000-000000000000}"/>
+          </ac:grpSpMkLst>
+        </pc:grpChg>
+        <pc:picChg chg="add mod">
+          <ac:chgData name="Zhao Jin" userId="cd05a825-544c-438a-9ba1-08e63db50b47" providerId="ADAL" clId="{37A0D694-38DA-4421-B5D3-DEDBFC2EC57C}" dt="2021-02-03T08:50:48.786" v="1224" actId="1076"/>
+          <ac:picMkLst>
+            <pc:docMk/>
+            <pc:sldMk cId="137810324" sldId="592"/>
+            <ac:picMk id="2050" creationId="{05AE613C-318D-4BEE-A9E2-BA80E156FFE6}"/>
+          </ac:picMkLst>
+        </pc:picChg>
+        <pc:cxnChg chg="mod">
+          <ac:chgData name="Zhao Jin" userId="cd05a825-544c-438a-9ba1-08e63db50b47" providerId="ADAL" clId="{37A0D694-38DA-4421-B5D3-DEDBFC2EC57C}" dt="2021-02-03T08:48:11.562" v="1078" actId="478"/>
+          <ac:cxnSpMkLst>
+            <pc:docMk/>
+            <pc:sldMk cId="137810324" sldId="592"/>
+            <ac:cxnSpMk id="52" creationId="{00000000-0000-0000-0000-000000000000}"/>
+          </ac:cxnSpMkLst>
+        </pc:cxnChg>
+        <pc:cxnChg chg="mod">
+          <ac:chgData name="Zhao Jin" userId="cd05a825-544c-438a-9ba1-08e63db50b47" providerId="ADAL" clId="{37A0D694-38DA-4421-B5D3-DEDBFC2EC57C}" dt="2021-02-03T08:48:11.562" v="1078" actId="478"/>
+          <ac:cxnSpMkLst>
+            <pc:docMk/>
+            <pc:sldMk cId="137810324" sldId="592"/>
+            <ac:cxnSpMk id="57" creationId="{00000000-0000-0000-0000-000000000000}"/>
+          </ac:cxnSpMkLst>
+        </pc:cxnChg>
+        <pc:cxnChg chg="mod">
+          <ac:chgData name="Zhao Jin" userId="cd05a825-544c-438a-9ba1-08e63db50b47" providerId="ADAL" clId="{37A0D694-38DA-4421-B5D3-DEDBFC2EC57C}" dt="2021-02-03T08:48:11.562" v="1078" actId="478"/>
+          <ac:cxnSpMkLst>
+            <pc:docMk/>
+            <pc:sldMk cId="137810324" sldId="592"/>
+            <ac:cxnSpMk id="58" creationId="{00000000-0000-0000-0000-000000000000}"/>
+          </ac:cxnSpMkLst>
+        </pc:cxnChg>
+        <pc:cxnChg chg="mod">
+          <ac:chgData name="Zhao Jin" userId="cd05a825-544c-438a-9ba1-08e63db50b47" providerId="ADAL" clId="{37A0D694-38DA-4421-B5D3-DEDBFC2EC57C}" dt="2021-02-03T08:48:11.562" v="1078" actId="478"/>
+          <ac:cxnSpMkLst>
+            <pc:docMk/>
+            <pc:sldMk cId="137810324" sldId="592"/>
+            <ac:cxnSpMk id="59" creationId="{00000000-0000-0000-0000-000000000000}"/>
+          </ac:cxnSpMkLst>
+        </pc:cxnChg>
+      </pc:sldChg>
+      <pc:sldChg chg="addSp delSp modSp add mod">
+        <pc:chgData name="Zhao Jin" userId="cd05a825-544c-438a-9ba1-08e63db50b47" providerId="ADAL" clId="{37A0D694-38DA-4421-B5D3-DEDBFC2EC57C}" dt="2021-02-10T03:55:38.772" v="4967"/>
+        <pc:sldMkLst>
+          <pc:docMk/>
+          <pc:sldMk cId="3233082706" sldId="593"/>
+        </pc:sldMkLst>
+        <pc:spChg chg="add mod">
+          <ac:chgData name="Zhao Jin" userId="cd05a825-544c-438a-9ba1-08e63db50b47" providerId="ADAL" clId="{37A0D694-38DA-4421-B5D3-DEDBFC2EC57C}" dt="2021-02-03T08:57:31.439" v="1415" actId="207"/>
+          <ac:spMkLst>
+            <pc:docMk/>
+            <pc:sldMk cId="3233082706" sldId="593"/>
+            <ac:spMk id="2" creationId="{4BB57D7F-D6C0-4E98-B5AC-D68743875716}"/>
+          </ac:spMkLst>
+        </pc:spChg>
+        <pc:spChg chg="mod">
+          <ac:chgData name="Zhao Jin" userId="cd05a825-544c-438a-9ba1-08e63db50b47" providerId="ADAL" clId="{37A0D694-38DA-4421-B5D3-DEDBFC2EC57C}" dt="2021-02-10T03:55:38.772" v="4967"/>
+          <ac:spMkLst>
+            <pc:docMk/>
+            <pc:sldMk cId="3233082706" sldId="593"/>
+            <ac:spMk id="7" creationId="{00000000-0000-0000-0000-000000000000}"/>
+          </ac:spMkLst>
+        </pc:spChg>
+        <pc:spChg chg="add mod">
+          <ac:chgData name="Zhao Jin" userId="cd05a825-544c-438a-9ba1-08e63db50b47" providerId="ADAL" clId="{37A0D694-38DA-4421-B5D3-DEDBFC2EC57C}" dt="2021-02-03T09:01:13.020" v="1570" actId="14100"/>
+          <ac:spMkLst>
+            <pc:docMk/>
+            <pc:sldMk cId="3233082706" sldId="593"/>
+            <ac:spMk id="11" creationId="{F029A077-040C-47D9-850C-BB5ACF662EAB}"/>
+          </ac:spMkLst>
+        </pc:spChg>
+        <pc:spChg chg="add mod">
+          <ac:chgData name="Zhao Jin" userId="cd05a825-544c-438a-9ba1-08e63db50b47" providerId="ADAL" clId="{37A0D694-38DA-4421-B5D3-DEDBFC2EC57C}" dt="2021-02-04T05:05:17.681" v="3392" actId="14100"/>
+          <ac:spMkLst>
+            <pc:docMk/>
+            <pc:sldMk cId="3233082706" sldId="593"/>
+            <ac:spMk id="13" creationId="{7E76B3B7-DB38-480B-B780-0306142FB5A0}"/>
+          </ac:spMkLst>
+        </pc:spChg>
+        <pc:spChg chg="del">
+          <ac:chgData name="Zhao Jin" userId="cd05a825-544c-438a-9ba1-08e63db50b47" providerId="ADAL" clId="{37A0D694-38DA-4421-B5D3-DEDBFC2EC57C}" dt="2021-02-03T08:57:13.403" v="1412" actId="478"/>
+          <ac:spMkLst>
+            <pc:docMk/>
+            <pc:sldMk cId="3233082706" sldId="593"/>
+            <ac:spMk id="19" creationId="{A73A73BA-8D89-4B27-BFC3-9776D2EA4341}"/>
+          </ac:spMkLst>
+        </pc:spChg>
+        <pc:spChg chg="mod">
+          <ac:chgData name="Zhao Jin" userId="cd05a825-544c-438a-9ba1-08e63db50b47" providerId="ADAL" clId="{37A0D694-38DA-4421-B5D3-DEDBFC2EC57C}" dt="2021-02-03T08:57:48.855" v="1418" actId="14100"/>
+          <ac:spMkLst>
+            <pc:docMk/>
+            <pc:sldMk cId="3233082706" sldId="593"/>
+            <ac:spMk id="49" creationId="{00000000-0000-0000-0000-000000000000}"/>
+          </ac:spMkLst>
+        </pc:spChg>
+        <pc:spChg chg="mod">
+          <ac:chgData name="Zhao Jin" userId="cd05a825-544c-438a-9ba1-08e63db50b47" providerId="ADAL" clId="{37A0D694-38DA-4421-B5D3-DEDBFC2EC57C}" dt="2021-02-03T08:51:48.162" v="1263" actId="20577"/>
+          <ac:spMkLst>
+            <pc:docMk/>
+            <pc:sldMk cId="3233082706" sldId="593"/>
+            <ac:spMk id="14338" creationId="{00000000-0000-0000-0000-000000000000}"/>
+          </ac:spMkLst>
+        </pc:spChg>
+        <pc:spChg chg="del">
+          <ac:chgData name="Zhao Jin" userId="cd05a825-544c-438a-9ba1-08e63db50b47" providerId="ADAL" clId="{37A0D694-38DA-4421-B5D3-DEDBFC2EC57C}" dt="2021-02-03T09:26:15.669" v="3352" actId="478"/>
+          <ac:spMkLst>
+            <pc:docMk/>
+            <pc:sldMk cId="3233082706" sldId="593"/>
+            <ac:spMk id="14340" creationId="{00000000-0000-0000-0000-000000000000}"/>
+          </ac:spMkLst>
+        </pc:spChg>
+        <pc:picChg chg="del mod">
+          <ac:chgData name="Zhao Jin" userId="cd05a825-544c-438a-9ba1-08e63db50b47" providerId="ADAL" clId="{37A0D694-38DA-4421-B5D3-DEDBFC2EC57C}" dt="2021-02-03T08:51:58.070" v="1266" actId="478"/>
+          <ac:picMkLst>
+            <pc:docMk/>
+            <pc:sldMk cId="3233082706" sldId="593"/>
+            <ac:picMk id="2050" creationId="{05AE613C-318D-4BEE-A9E2-BA80E156FFE6}"/>
+          </ac:picMkLst>
+        </pc:picChg>
+        <pc:picChg chg="add mod">
+          <ac:chgData name="Zhao Jin" userId="cd05a825-544c-438a-9ba1-08e63db50b47" providerId="ADAL" clId="{37A0D694-38DA-4421-B5D3-DEDBFC2EC57C}" dt="2021-02-03T08:52:24.677" v="1272" actId="1076"/>
+          <ac:picMkLst>
+            <pc:docMk/>
+            <pc:sldMk cId="3233082706" sldId="593"/>
+            <ac:picMk id="6146" creationId="{D5D43BF4-41EA-4FBF-B1D8-954520609CFC}"/>
+          </ac:picMkLst>
+        </pc:picChg>
+      </pc:sldChg>
+      <pc:sldChg chg="add del">
+        <pc:chgData name="Zhao Jin" userId="cd05a825-544c-438a-9ba1-08e63db50b47" providerId="ADAL" clId="{37A0D694-38DA-4421-B5D3-DEDBFC2EC57C}" dt="2021-02-03T08:52:31.399" v="1274"/>
+        <pc:sldMkLst>
+          <pc:docMk/>
+          <pc:sldMk cId="2125946801" sldId="594"/>
+        </pc:sldMkLst>
+      </pc:sldChg>
+      <pc:sldChg chg="addSp delSp modSp add mod delAnim">
+        <pc:chgData name="Zhao Jin" userId="cd05a825-544c-438a-9ba1-08e63db50b47" providerId="ADAL" clId="{37A0D694-38DA-4421-B5D3-DEDBFC2EC57C}" dt="2021-02-10T03:55:38.772" v="4967"/>
+        <pc:sldMkLst>
+          <pc:docMk/>
+          <pc:sldMk cId="2217225800" sldId="594"/>
+        </pc:sldMkLst>
+        <pc:spChg chg="mod">
+          <ac:chgData name="Zhao Jin" userId="cd05a825-544c-438a-9ba1-08e63db50b47" providerId="ADAL" clId="{37A0D694-38DA-4421-B5D3-DEDBFC2EC57C}" dt="2021-02-10T03:55:38.772" v="4967"/>
+          <ac:spMkLst>
+            <pc:docMk/>
+            <pc:sldMk cId="2217225800" sldId="594"/>
+            <ac:spMk id="7" creationId="{00000000-0000-0000-0000-000000000000}"/>
+          </ac:spMkLst>
+        </pc:spChg>
+        <pc:spChg chg="mod">
+          <ac:chgData name="Zhao Jin" userId="cd05a825-544c-438a-9ba1-08e63db50b47" providerId="ADAL" clId="{37A0D694-38DA-4421-B5D3-DEDBFC2EC57C}" dt="2021-02-03T09:39:04.677" v="3364" actId="13926"/>
+          <ac:spMkLst>
+            <pc:docMk/>
+            <pc:sldMk cId="2217225800" sldId="594"/>
+            <ac:spMk id="8" creationId="{3895F873-6CB7-4316-B798-EE54B3634728}"/>
+          </ac:spMkLst>
+        </pc:spChg>
+        <pc:spChg chg="add mod">
+          <ac:chgData name="Zhao Jin" userId="cd05a825-544c-438a-9ba1-08e63db50b47" providerId="ADAL" clId="{37A0D694-38DA-4421-B5D3-DEDBFC2EC57C}" dt="2021-02-03T08:55:45.605" v="1357" actId="1076"/>
+          <ac:spMkLst>
+            <pc:docMk/>
+            <pc:sldMk cId="2217225800" sldId="594"/>
+            <ac:spMk id="11" creationId="{552429B4-BD20-4EAF-8B36-51498E5AACDA}"/>
+          </ac:spMkLst>
+        </pc:spChg>
+        <pc:spChg chg="del">
+          <ac:chgData name="Zhao Jin" userId="cd05a825-544c-438a-9ba1-08e63db50b47" providerId="ADAL" clId="{37A0D694-38DA-4421-B5D3-DEDBFC2EC57C}" dt="2021-02-03T08:54:12.692" v="1306" actId="478"/>
+          <ac:spMkLst>
+            <pc:docMk/>
+            <pc:sldMk cId="2217225800" sldId="594"/>
+            <ac:spMk id="34" creationId="{1DA4B870-5E05-4566-A46F-B6A051179C55}"/>
+          </ac:spMkLst>
+        </pc:spChg>
+        <pc:spChg chg="mod">
+          <ac:chgData name="Zhao Jin" userId="cd05a825-544c-438a-9ba1-08e63db50b47" providerId="ADAL" clId="{37A0D694-38DA-4421-B5D3-DEDBFC2EC57C}" dt="2021-02-03T08:53:27.759" v="1297" actId="20577"/>
+          <ac:spMkLst>
+            <pc:docMk/>
+            <pc:sldMk cId="2217225800" sldId="594"/>
+            <ac:spMk id="14338" creationId="{00000000-0000-0000-0000-000000000000}"/>
+          </ac:spMkLst>
+        </pc:spChg>
+        <pc:cxnChg chg="del">
+          <ac:chgData name="Zhao Jin" userId="cd05a825-544c-438a-9ba1-08e63db50b47" providerId="ADAL" clId="{37A0D694-38DA-4421-B5D3-DEDBFC2EC57C}" dt="2021-02-03T08:53:21.738" v="1288" actId="478"/>
+          <ac:cxnSpMkLst>
+            <pc:docMk/>
+            <pc:sldMk cId="2217225800" sldId="594"/>
+            <ac:cxnSpMk id="16" creationId="{B4CC9A1D-6448-41B2-BD14-CACDC771AC2A}"/>
+          </ac:cxnSpMkLst>
+        </pc:cxnChg>
+        <pc:cxnChg chg="del">
+          <ac:chgData name="Zhao Jin" userId="cd05a825-544c-438a-9ba1-08e63db50b47" providerId="ADAL" clId="{37A0D694-38DA-4421-B5D3-DEDBFC2EC57C}" dt="2021-02-03T08:53:22.476" v="1289" actId="478"/>
+          <ac:cxnSpMkLst>
+            <pc:docMk/>
+            <pc:sldMk cId="2217225800" sldId="594"/>
+            <ac:cxnSpMk id="22" creationId="{6298AF59-F7D9-4F05-84BF-96ED0AC95091}"/>
+          </ac:cxnSpMkLst>
+        </pc:cxnChg>
+        <pc:cxnChg chg="del">
+          <ac:chgData name="Zhao Jin" userId="cd05a825-544c-438a-9ba1-08e63db50b47" providerId="ADAL" clId="{37A0D694-38DA-4421-B5D3-DEDBFC2EC57C}" dt="2021-02-03T08:53:23.755" v="1290" actId="478"/>
+          <ac:cxnSpMkLst>
+            <pc:docMk/>
+            <pc:sldMk cId="2217225800" sldId="594"/>
+            <ac:cxnSpMk id="30" creationId="{FA77C354-F87B-40D8-BAA7-811F60DDD4B1}"/>
+          </ac:cxnSpMkLst>
+        </pc:cxnChg>
+      </pc:sldChg>
+      <pc:sldChg chg="addSp modSp add mod">
+        <pc:chgData name="Zhao Jin" userId="cd05a825-544c-438a-9ba1-08e63db50b47" providerId="ADAL" clId="{37A0D694-38DA-4421-B5D3-DEDBFC2EC57C}" dt="2021-02-10T03:55:38.772" v="4967"/>
+        <pc:sldMkLst>
+          <pc:docMk/>
+          <pc:sldMk cId="2419983458" sldId="595"/>
+        </pc:sldMkLst>
+        <pc:spChg chg="mod">
+          <ac:chgData name="Zhao Jin" userId="cd05a825-544c-438a-9ba1-08e63db50b47" providerId="ADAL" clId="{37A0D694-38DA-4421-B5D3-DEDBFC2EC57C}" dt="2021-02-10T03:55:38.772" v="4967"/>
+          <ac:spMkLst>
+            <pc:docMk/>
+            <pc:sldMk cId="2419983458" sldId="595"/>
+            <ac:spMk id="7" creationId="{00000000-0000-0000-0000-000000000000}"/>
+          </ac:spMkLst>
+        </pc:spChg>
+        <pc:spChg chg="mod">
+          <ac:chgData name="Zhao Jin" userId="cd05a825-544c-438a-9ba1-08e63db50b47" providerId="ADAL" clId="{37A0D694-38DA-4421-B5D3-DEDBFC2EC57C}" dt="2021-02-03T09:39:25.953" v="3369" actId="13926"/>
+          <ac:spMkLst>
+            <pc:docMk/>
+            <pc:sldMk cId="2419983458" sldId="595"/>
+            <ac:spMk id="8" creationId="{3895F873-6CB7-4316-B798-EE54B3634728}"/>
+          </ac:spMkLst>
+        </pc:spChg>
+        <pc:spChg chg="add mod">
+          <ac:chgData name="Zhao Jin" userId="cd05a825-544c-438a-9ba1-08e63db50b47" providerId="ADAL" clId="{37A0D694-38DA-4421-B5D3-DEDBFC2EC57C}" dt="2021-02-08T02:03:35.963" v="4958" actId="1076"/>
+          <ac:spMkLst>
+            <pc:docMk/>
+            <pc:sldMk cId="2419983458" sldId="595"/>
+            <ac:spMk id="9" creationId="{02DD4937-725F-46B8-8AE4-992DF5A782AD}"/>
+          </ac:spMkLst>
+        </pc:spChg>
+        <pc:spChg chg="mod">
+          <ac:chgData name="Zhao Jin" userId="cd05a825-544c-438a-9ba1-08e63db50b47" providerId="ADAL" clId="{37A0D694-38DA-4421-B5D3-DEDBFC2EC57C}" dt="2021-02-03T09:00:05.278" v="1558" actId="20577"/>
+          <ac:spMkLst>
+            <pc:docMk/>
+            <pc:sldMk cId="2419983458" sldId="595"/>
+            <ac:spMk id="14338" creationId="{00000000-0000-0000-0000-000000000000}"/>
+          </ac:spMkLst>
+        </pc:spChg>
+      </pc:sldChg>
+      <pc:sldChg chg="addSp delSp modSp add del mod delAnim">
+        <pc:chgData name="Zhao Jin" userId="cd05a825-544c-438a-9ba1-08e63db50b47" providerId="ADAL" clId="{37A0D694-38DA-4421-B5D3-DEDBFC2EC57C}" dt="2021-02-03T09:05:13.520" v="1668" actId="47"/>
+        <pc:sldMkLst>
+          <pc:docMk/>
+          <pc:sldMk cId="765980287" sldId="596"/>
+        </pc:sldMkLst>
+        <pc:spChg chg="add mod">
+          <ac:chgData name="Zhao Jin" userId="cd05a825-544c-438a-9ba1-08e63db50b47" providerId="ADAL" clId="{37A0D694-38DA-4421-B5D3-DEDBFC2EC57C}" dt="2021-02-03T09:03:01.268" v="1666" actId="20577"/>
+          <ac:spMkLst>
+            <pc:docMk/>
+            <pc:sldMk cId="765980287" sldId="596"/>
+            <ac:spMk id="8" creationId="{FAD97811-8BEC-434B-B3F2-C8FE23FA8D81}"/>
+          </ac:spMkLst>
+        </pc:spChg>
+        <pc:spChg chg="del">
+          <ac:chgData name="Zhao Jin" userId="cd05a825-544c-438a-9ba1-08e63db50b47" providerId="ADAL" clId="{37A0D694-38DA-4421-B5D3-DEDBFC2EC57C}" dt="2021-02-03T09:02:13.725" v="1581" actId="478"/>
+          <ac:spMkLst>
+            <pc:docMk/>
+            <pc:sldMk cId="765980287" sldId="596"/>
+            <ac:spMk id="11" creationId="{675C9FBE-306E-46A7-BAB9-46BD27707AF2}"/>
+          </ac:spMkLst>
+        </pc:spChg>
+        <pc:spChg chg="mod">
+          <ac:chgData name="Zhao Jin" userId="cd05a825-544c-438a-9ba1-08e63db50b47" providerId="ADAL" clId="{37A0D694-38DA-4421-B5D3-DEDBFC2EC57C}" dt="2021-02-03T09:02:08.547" v="1578" actId="20577"/>
+          <ac:spMkLst>
+            <pc:docMk/>
+            <pc:sldMk cId="765980287" sldId="596"/>
+            <ac:spMk id="14338" creationId="{00000000-0000-0000-0000-000000000000}"/>
+          </ac:spMkLst>
+        </pc:spChg>
+        <pc:graphicFrameChg chg="del">
+          <ac:chgData name="Zhao Jin" userId="cd05a825-544c-438a-9ba1-08e63db50b47" providerId="ADAL" clId="{37A0D694-38DA-4421-B5D3-DEDBFC2EC57C}" dt="2021-02-03T09:02:12.549" v="1580" actId="478"/>
+          <ac:graphicFrameMkLst>
+            <pc:docMk/>
+            <pc:sldMk cId="765980287" sldId="596"/>
+            <ac:graphicFrameMk id="10" creationId="{74304014-08C4-4321-AD74-36FAC51612DB}"/>
+          </ac:graphicFrameMkLst>
+        </pc:graphicFrameChg>
+        <pc:picChg chg="del">
+          <ac:chgData name="Zhao Jin" userId="cd05a825-544c-438a-9ba1-08e63db50b47" providerId="ADAL" clId="{37A0D694-38DA-4421-B5D3-DEDBFC2EC57C}" dt="2021-02-03T09:02:10.162" v="1579" actId="478"/>
+          <ac:picMkLst>
+            <pc:docMk/>
+            <pc:sldMk cId="765980287" sldId="596"/>
+            <ac:picMk id="4" creationId="{EAFF9153-D379-4E7D-9B97-29843966A9B9}"/>
+          </ac:picMkLst>
+        </pc:picChg>
+      </pc:sldChg>
+      <pc:sldChg chg="addSp delSp modSp add mod delAnim modAnim">
+        <pc:chgData name="Zhao Jin" userId="cd05a825-544c-438a-9ba1-08e63db50b47" providerId="ADAL" clId="{37A0D694-38DA-4421-B5D3-DEDBFC2EC57C}" dt="2021-02-10T03:55:38.772" v="4967"/>
+        <pc:sldMkLst>
+          <pc:docMk/>
+          <pc:sldMk cId="3643682471" sldId="596"/>
+        </pc:sldMkLst>
+        <pc:spChg chg="add mod">
+          <ac:chgData name="Zhao Jin" userId="cd05a825-544c-438a-9ba1-08e63db50b47" providerId="ADAL" clId="{37A0D694-38DA-4421-B5D3-DEDBFC2EC57C}" dt="2021-02-03T09:20:12.333" v="3126" actId="207"/>
+          <ac:spMkLst>
+            <pc:docMk/>
+            <pc:sldMk cId="3643682471" sldId="596"/>
+            <ac:spMk id="7" creationId="{BFBA3626-DC9B-4A39-BA4F-6360F818DCE3}"/>
+          </ac:spMkLst>
+        </pc:spChg>
+        <pc:spChg chg="add mod">
+          <ac:chgData name="Zhao Jin" userId="cd05a825-544c-438a-9ba1-08e63db50b47" providerId="ADAL" clId="{37A0D694-38DA-4421-B5D3-DEDBFC2EC57C}" dt="2021-02-03T09:20:25.307" v="3127" actId="1076"/>
+          <ac:spMkLst>
+            <pc:docMk/>
+            <pc:sldMk cId="3643682471" sldId="596"/>
+            <ac:spMk id="8" creationId="{A65AE342-14B8-4A3C-8F93-D714DA24339E}"/>
+          </ac:spMkLst>
+        </pc:spChg>
+        <pc:spChg chg="mod">
+          <ac:chgData name="Zhao Jin" userId="cd05a825-544c-438a-9ba1-08e63db50b47" providerId="ADAL" clId="{37A0D694-38DA-4421-B5D3-DEDBFC2EC57C}" dt="2021-02-10T03:55:38.772" v="4967"/>
+          <ac:spMkLst>
+            <pc:docMk/>
+            <pc:sldMk cId="3643682471" sldId="596"/>
+            <ac:spMk id="9" creationId="{00000000-0000-0000-0000-000000000000}"/>
+          </ac:spMkLst>
+        </pc:spChg>
+        <pc:spChg chg="add mod">
+          <ac:chgData name="Zhao Jin" userId="cd05a825-544c-438a-9ba1-08e63db50b47" providerId="ADAL" clId="{37A0D694-38DA-4421-B5D3-DEDBFC2EC57C}" dt="2021-02-03T09:20:27.433" v="3128" actId="14100"/>
+          <ac:spMkLst>
+            <pc:docMk/>
+            <pc:sldMk cId="3643682471" sldId="596"/>
+            <ac:spMk id="10" creationId="{9981BD99-7AFF-496B-8179-D25CE6127E97}"/>
+          </ac:spMkLst>
+        </pc:spChg>
+        <pc:spChg chg="del mod">
+          <ac:chgData name="Zhao Jin" userId="cd05a825-544c-438a-9ba1-08e63db50b47" providerId="ADAL" clId="{37A0D694-38DA-4421-B5D3-DEDBFC2EC57C}" dt="2021-02-03T09:15:31.710" v="2958" actId="478"/>
+          <ac:spMkLst>
+            <pc:docMk/>
+            <pc:sldMk cId="3643682471" sldId="596"/>
+            <ac:spMk id="15" creationId="{00000000-0000-0000-0000-000000000000}"/>
+          </ac:spMkLst>
+        </pc:spChg>
+        <pc:spChg chg="del">
+          <ac:chgData name="Zhao Jin" userId="cd05a825-544c-438a-9ba1-08e63db50b47" providerId="ADAL" clId="{37A0D694-38DA-4421-B5D3-DEDBFC2EC57C}" dt="2021-02-08T01:41:53.746" v="4087" actId="478"/>
+          <ac:spMkLst>
+            <pc:docMk/>
+            <pc:sldMk cId="3643682471" sldId="596"/>
+            <ac:spMk id="25604" creationId="{00000000-0000-0000-0000-000000000000}"/>
+          </ac:spMkLst>
+        </pc:spChg>
+      </pc:sldChg>
+      <pc:sldChg chg="delSp modSp add mod modAnim">
+        <pc:chgData name="Zhao Jin" userId="cd05a825-544c-438a-9ba1-08e63db50b47" providerId="ADAL" clId="{37A0D694-38DA-4421-B5D3-DEDBFC2EC57C}" dt="2021-02-10T03:55:38.772" v="4967"/>
+        <pc:sldMkLst>
+          <pc:docMk/>
+          <pc:sldMk cId="3231946261" sldId="597"/>
+        </pc:sldMkLst>
+        <pc:spChg chg="mod">
+          <ac:chgData name="Zhao Jin" userId="cd05a825-544c-438a-9ba1-08e63db50b47" providerId="ADAL" clId="{37A0D694-38DA-4421-B5D3-DEDBFC2EC57C}" dt="2021-02-10T03:55:38.772" v="4967"/>
+          <ac:spMkLst>
+            <pc:docMk/>
+            <pc:sldMk cId="3231946261" sldId="597"/>
+            <ac:spMk id="9" creationId="{00000000-0000-0000-0000-000000000000}"/>
+          </ac:spMkLst>
+        </pc:spChg>
+        <pc:spChg chg="mod">
+          <ac:chgData name="Zhao Jin" userId="cd05a825-544c-438a-9ba1-08e63db50b47" providerId="ADAL" clId="{37A0D694-38DA-4421-B5D3-DEDBFC2EC57C}" dt="2021-02-03T09:39:34.898" v="3370" actId="6549"/>
+          <ac:spMkLst>
+            <pc:docMk/>
+            <pc:sldMk cId="3231946261" sldId="597"/>
+            <ac:spMk id="15" creationId="{00000000-0000-0000-0000-000000000000}"/>
+          </ac:spMkLst>
+        </pc:spChg>
+        <pc:spChg chg="del">
+          <ac:chgData name="Zhao Jin" userId="cd05a825-544c-438a-9ba1-08e63db50b47" providerId="ADAL" clId="{37A0D694-38DA-4421-B5D3-DEDBFC2EC57C}" dt="2021-02-03T09:26:13.830" v="3351" actId="478"/>
+          <ac:spMkLst>
+            <pc:docMk/>
+            <pc:sldMk cId="3231946261" sldId="597"/>
+            <ac:spMk id="25604" creationId="{00000000-0000-0000-0000-000000000000}"/>
+          </ac:spMkLst>
+        </pc:spChg>
+      </pc:sldChg>
+      <pc:sldChg chg="delSp modSp add mod ord">
+        <pc:chgData name="Zhao Jin" userId="cd05a825-544c-438a-9ba1-08e63db50b47" providerId="ADAL" clId="{37A0D694-38DA-4421-B5D3-DEDBFC2EC57C}" dt="2021-02-10T03:55:38.772" v="4967"/>
+        <pc:sldMkLst>
+          <pc:docMk/>
+          <pc:sldMk cId="4002657513" sldId="598"/>
+        </pc:sldMkLst>
+        <pc:spChg chg="mod">
+          <ac:chgData name="Zhao Jin" userId="cd05a825-544c-438a-9ba1-08e63db50b47" providerId="ADAL" clId="{37A0D694-38DA-4421-B5D3-DEDBFC2EC57C}" dt="2021-02-03T09:18:10.033" v="3004" actId="20577"/>
+          <ac:spMkLst>
+            <pc:docMk/>
+            <pc:sldMk cId="4002657513" sldId="598"/>
+            <ac:spMk id="7" creationId="{BFBA3626-DC9B-4A39-BA4F-6360F818DCE3}"/>
+          </ac:spMkLst>
+        </pc:spChg>
+        <pc:spChg chg="mod">
+          <ac:chgData name="Zhao Jin" userId="cd05a825-544c-438a-9ba1-08e63db50b47" providerId="ADAL" clId="{37A0D694-38DA-4421-B5D3-DEDBFC2EC57C}" dt="2021-02-10T03:55:38.772" v="4967"/>
+          <ac:spMkLst>
+            <pc:docMk/>
+            <pc:sldMk cId="4002657513" sldId="598"/>
+            <ac:spMk id="9" creationId="{00000000-0000-0000-0000-000000000000}"/>
+          </ac:spMkLst>
+        </pc:spChg>
+        <pc:spChg chg="del">
+          <ac:chgData name="Zhao Jin" userId="cd05a825-544c-438a-9ba1-08e63db50b47" providerId="ADAL" clId="{37A0D694-38DA-4421-B5D3-DEDBFC2EC57C}" dt="2021-02-04T05:03:37.840" v="3371" actId="478"/>
+          <ac:spMkLst>
+            <pc:docMk/>
+            <pc:sldMk cId="4002657513" sldId="598"/>
+            <ac:spMk id="25604" creationId="{00000000-0000-0000-0000-000000000000}"/>
+          </ac:spMkLst>
+        </pc:spChg>
+      </pc:sldChg>
+      <pc:sldChg chg="addSp delSp modSp add mod ord modClrScheme addAnim delAnim modAnim chgLayout">
+        <pc:chgData name="Zhao Jin" userId="cd05a825-544c-438a-9ba1-08e63db50b47" providerId="ADAL" clId="{37A0D694-38DA-4421-B5D3-DEDBFC2EC57C}" dt="2021-02-10T03:55:38.772" v="4967"/>
+        <pc:sldMkLst>
+          <pc:docMk/>
+          <pc:sldMk cId="2930953569" sldId="599"/>
+        </pc:sldMkLst>
+        <pc:spChg chg="add del mod">
+          <ac:chgData name="Zhao Jin" userId="cd05a825-544c-438a-9ba1-08e63db50b47" providerId="ADAL" clId="{37A0D694-38DA-4421-B5D3-DEDBFC2EC57C}" dt="2021-02-04T05:03:51.544" v="3374" actId="478"/>
+          <ac:spMkLst>
+            <pc:docMk/>
+            <pc:sldMk cId="2930953569" sldId="599"/>
+            <ac:spMk id="3" creationId="{3E9D9044-BC32-432C-B8FE-F025054738CB}"/>
+          </ac:spMkLst>
+        </pc:spChg>
+        <pc:spChg chg="mod">
+          <ac:chgData name="Zhao Jin" userId="cd05a825-544c-438a-9ba1-08e63db50b47" providerId="ADAL" clId="{37A0D694-38DA-4421-B5D3-DEDBFC2EC57C}" dt="2021-02-10T03:55:38.772" v="4967"/>
+          <ac:spMkLst>
+            <pc:docMk/>
+            <pc:sldMk cId="2930953569" sldId="599"/>
+            <ac:spMk id="7" creationId="{00000000-0000-0000-0000-000000000000}"/>
+          </ac:spMkLst>
+        </pc:spChg>
+        <pc:spChg chg="del">
+          <ac:chgData name="Zhao Jin" userId="cd05a825-544c-438a-9ba1-08e63db50b47" providerId="ADAL" clId="{37A0D694-38DA-4421-B5D3-DEDBFC2EC57C}" dt="2021-02-04T05:03:53.285" v="3376" actId="478"/>
+          <ac:spMkLst>
+            <pc:docMk/>
+            <pc:sldMk cId="2930953569" sldId="599"/>
+            <ac:spMk id="8" creationId="{3895F873-6CB7-4316-B798-EE54B3634728}"/>
+          </ac:spMkLst>
+        </pc:spChg>
+        <pc:spChg chg="del">
+          <ac:chgData name="Zhao Jin" userId="cd05a825-544c-438a-9ba1-08e63db50b47" providerId="ADAL" clId="{37A0D694-38DA-4421-B5D3-DEDBFC2EC57C}" dt="2021-02-04T05:03:55.125" v="3377" actId="478"/>
+          <ac:spMkLst>
+            <pc:docMk/>
+            <pc:sldMk cId="2930953569" sldId="599"/>
+            <ac:spMk id="11" creationId="{552429B4-BD20-4EAF-8B36-51498E5AACDA}"/>
+          </ac:spMkLst>
+        </pc:spChg>
+        <pc:spChg chg="mod modVis">
+          <ac:chgData name="Zhao Jin" userId="cd05a825-544c-438a-9ba1-08e63db50b47" providerId="ADAL" clId="{37A0D694-38DA-4421-B5D3-DEDBFC2EC57C}" dt="2021-02-04T05:04:31.896" v="3387" actId="26606"/>
+          <ac:spMkLst>
+            <pc:docMk/>
+            <pc:sldMk cId="2930953569" sldId="599"/>
+            <ac:spMk id="12" creationId="{00000000-0000-0000-0000-000000000000}"/>
+          </ac:spMkLst>
+        </pc:spChg>
+        <pc:spChg chg="add del mod">
+          <ac:chgData name="Zhao Jin" userId="cd05a825-544c-438a-9ba1-08e63db50b47" providerId="ADAL" clId="{37A0D694-38DA-4421-B5D3-DEDBFC2EC57C}" dt="2021-02-04T05:04:31.896" v="3387" actId="26606"/>
+          <ac:spMkLst>
+            <pc:docMk/>
+            <pc:sldMk cId="2930953569" sldId="599"/>
+            <ac:spMk id="71" creationId="{DE77B3E8-31F2-4F1F-ABE8-C6A0683B51CF}"/>
+          </ac:spMkLst>
+        </pc:spChg>
+        <pc:spChg chg="add del mod">
+          <ac:chgData name="Zhao Jin" userId="cd05a825-544c-438a-9ba1-08e63db50b47" providerId="ADAL" clId="{37A0D694-38DA-4421-B5D3-DEDBFC2EC57C}" dt="2021-02-04T05:04:31.896" v="3387" actId="26606"/>
+          <ac:spMkLst>
+            <pc:docMk/>
+            <pc:sldMk cId="2930953569" sldId="599"/>
+            <ac:spMk id="73" creationId="{21A3772B-FFD2-477C-980C-808FDE05940B}"/>
+          </ac:spMkLst>
+        </pc:spChg>
+        <pc:spChg chg="add del mod">
+          <ac:chgData name="Zhao Jin" userId="cd05a825-544c-438a-9ba1-08e63db50b47" providerId="ADAL" clId="{37A0D694-38DA-4421-B5D3-DEDBFC2EC57C}" dt="2021-02-04T05:04:31.896" v="3387" actId="26606"/>
+          <ac:spMkLst>
+            <pc:docMk/>
+            <pc:sldMk cId="2930953569" sldId="599"/>
+            <ac:spMk id="14338" creationId="{00000000-0000-0000-0000-000000000000}"/>
+          </ac:spMkLst>
+        </pc:spChg>
+        <pc:picChg chg="del">
+          <ac:chgData name="Zhao Jin" userId="cd05a825-544c-438a-9ba1-08e63db50b47" providerId="ADAL" clId="{37A0D694-38DA-4421-B5D3-DEDBFC2EC57C}" dt="2021-02-04T05:03:52.637" v="3375" actId="478"/>
+          <ac:picMkLst>
+            <pc:docMk/>
+            <pc:sldMk cId="2930953569" sldId="599"/>
+            <ac:picMk id="4" creationId="{EAFF9153-D379-4E7D-9B97-29843966A9B9}"/>
+          </ac:picMkLst>
+        </pc:picChg>
+        <pc:picChg chg="add mod ord">
+          <ac:chgData name="Zhao Jin" userId="cd05a825-544c-438a-9ba1-08e63db50b47" providerId="ADAL" clId="{37A0D694-38DA-4421-B5D3-DEDBFC2EC57C}" dt="2021-02-04T05:04:38.184" v="3388" actId="1076"/>
+          <ac:picMkLst>
+            <pc:docMk/>
+            <pc:sldMk cId="2930953569" sldId="599"/>
+            <ac:picMk id="6" creationId="{39011840-BE31-4880-9492-02AACF59B6E8}"/>
+          </ac:picMkLst>
+        </pc:picChg>
+        <pc:picChg chg="add del mod">
+          <ac:chgData name="Zhao Jin" userId="cd05a825-544c-438a-9ba1-08e63db50b47" providerId="ADAL" clId="{37A0D694-38DA-4421-B5D3-DEDBFC2EC57C}" dt="2021-02-04T05:05:47.079" v="3393" actId="478"/>
+          <ac:picMkLst>
+            <pc:docMk/>
+            <pc:sldMk cId="2930953569" sldId="599"/>
+            <ac:picMk id="14" creationId="{CCC34DEE-F320-477E-950C-634B3D89DB93}"/>
+          </ac:picMkLst>
+        </pc:picChg>
+      </pc:sldChg>
+      <pc:sldChg chg="addSp delSp modSp add mod ord delAnim modAnim">
+        <pc:chgData name="Zhao Jin" userId="cd05a825-544c-438a-9ba1-08e63db50b47" providerId="ADAL" clId="{37A0D694-38DA-4421-B5D3-DEDBFC2EC57C}" dt="2021-02-10T03:55:38.772" v="4967"/>
+        <pc:sldMkLst>
+          <pc:docMk/>
+          <pc:sldMk cId="880934081" sldId="600"/>
+        </pc:sldMkLst>
+        <pc:spChg chg="mod">
+          <ac:chgData name="Zhao Jin" userId="cd05a825-544c-438a-9ba1-08e63db50b47" providerId="ADAL" clId="{37A0D694-38DA-4421-B5D3-DEDBFC2EC57C}" dt="2021-02-10T03:55:38.772" v="4967"/>
+          <ac:spMkLst>
+            <pc:docMk/>
+            <pc:sldMk cId="880934081" sldId="600"/>
+            <ac:spMk id="7" creationId="{00000000-0000-0000-0000-000000000000}"/>
+          </ac:spMkLst>
+        </pc:spChg>
+        <pc:spChg chg="mod">
+          <ac:chgData name="Zhao Jin" userId="cd05a825-544c-438a-9ba1-08e63db50b47" providerId="ADAL" clId="{37A0D694-38DA-4421-B5D3-DEDBFC2EC57C}" dt="2021-02-08T01:34:33.890" v="3755" actId="1035"/>
+          <ac:spMkLst>
+            <pc:docMk/>
+            <pc:sldMk cId="880934081" sldId="600"/>
+            <ac:spMk id="9" creationId="{0F0F7443-4DFE-415D-AD17-224F6273D040}"/>
+          </ac:spMkLst>
+        </pc:spChg>
+        <pc:spChg chg="mod">
+          <ac:chgData name="Zhao Jin" userId="cd05a825-544c-438a-9ba1-08e63db50b47" providerId="ADAL" clId="{37A0D694-38DA-4421-B5D3-DEDBFC2EC57C}" dt="2021-02-08T01:34:08.258" v="3735" actId="1036"/>
+          <ac:spMkLst>
+            <pc:docMk/>
+            <pc:sldMk cId="880934081" sldId="600"/>
+            <ac:spMk id="11" creationId="{773175F5-4C96-49AA-A94B-810AFD3DA55C}"/>
+          </ac:spMkLst>
+        </pc:spChg>
+        <pc:spChg chg="mod">
+          <ac:chgData name="Zhao Jin" userId="cd05a825-544c-438a-9ba1-08e63db50b47" providerId="ADAL" clId="{37A0D694-38DA-4421-B5D3-DEDBFC2EC57C}" dt="2021-02-08T01:35:29.791" v="3798" actId="20577"/>
+          <ac:spMkLst>
+            <pc:docMk/>
+            <pc:sldMk cId="880934081" sldId="600"/>
+            <ac:spMk id="13" creationId="{C38C91FA-2FD7-40E4-8FEF-DC652DE39BDD}"/>
+          </ac:spMkLst>
+        </pc:spChg>
+        <pc:spChg chg="mod">
+          <ac:chgData name="Zhao Jin" userId="cd05a825-544c-438a-9ba1-08e63db50b47" providerId="ADAL" clId="{37A0D694-38DA-4421-B5D3-DEDBFC2EC57C}" dt="2021-02-08T01:33:08.486" v="3704"/>
+          <ac:spMkLst>
+            <pc:docMk/>
+            <pc:sldMk cId="880934081" sldId="600"/>
+            <ac:spMk id="14" creationId="{D3FFFB67-7299-4469-9FBF-DBE5B89609F5}"/>
+          </ac:spMkLst>
+        </pc:spChg>
+        <pc:spChg chg="mod">
+          <ac:chgData name="Zhao Jin" userId="cd05a825-544c-438a-9ba1-08e63db50b47" providerId="ADAL" clId="{37A0D694-38DA-4421-B5D3-DEDBFC2EC57C}" dt="2021-02-08T01:33:08.486" v="3704"/>
+          <ac:spMkLst>
+            <pc:docMk/>
+            <pc:sldMk cId="880934081" sldId="600"/>
+            <ac:spMk id="15" creationId="{5E9C53D0-6BF9-4AC9-8E89-AA6B7DB8B050}"/>
+          </ac:spMkLst>
+        </pc:spChg>
+        <pc:spChg chg="add del mod">
+          <ac:chgData name="Zhao Jin" userId="cd05a825-544c-438a-9ba1-08e63db50b47" providerId="ADAL" clId="{37A0D694-38DA-4421-B5D3-DEDBFC2EC57C}" dt="2021-02-08T01:33:38.691" v="3707" actId="478"/>
+          <ac:spMkLst>
+            <pc:docMk/>
+            <pc:sldMk cId="880934081" sldId="600"/>
+            <ac:spMk id="19" creationId="{44122FE2-3D5D-4044-9C44-0C76782521C4}"/>
+          </ac:spMkLst>
+        </pc:spChg>
+        <pc:spChg chg="add del mod">
+          <ac:chgData name="Zhao Jin" userId="cd05a825-544c-438a-9ba1-08e63db50b47" providerId="ADAL" clId="{37A0D694-38DA-4421-B5D3-DEDBFC2EC57C}" dt="2021-02-08T01:33:40.143" v="3708" actId="478"/>
+          <ac:spMkLst>
+            <pc:docMk/>
+            <pc:sldMk cId="880934081" sldId="600"/>
+            <ac:spMk id="20" creationId="{7F92D9CB-8CE1-44AC-8870-079E82385FB1}"/>
+          </ac:spMkLst>
+        </pc:spChg>
+        <pc:spChg chg="add mod">
+          <ac:chgData name="Zhao Jin" userId="cd05a825-544c-438a-9ba1-08e63db50b47" providerId="ADAL" clId="{37A0D694-38DA-4421-B5D3-DEDBFC2EC57C}" dt="2021-02-08T01:34:59.699" v="3769" actId="6549"/>
+          <ac:spMkLst>
+            <pc:docMk/>
+            <pc:sldMk cId="880934081" sldId="600"/>
+            <ac:spMk id="25" creationId="{1EDBB76C-AEFD-4199-9BA3-F48B3D729ADF}"/>
+          </ac:spMkLst>
+        </pc:spChg>
+        <pc:spChg chg="add mod">
+          <ac:chgData name="Zhao Jin" userId="cd05a825-544c-438a-9ba1-08e63db50b47" providerId="ADAL" clId="{37A0D694-38DA-4421-B5D3-DEDBFC2EC57C}" dt="2021-02-08T01:38:12.109" v="3904" actId="20577"/>
+          <ac:spMkLst>
+            <pc:docMk/>
+            <pc:sldMk cId="880934081" sldId="600"/>
+            <ac:spMk id="26" creationId="{49077400-1D22-4B84-AD24-0D61D7942A66}"/>
+          </ac:spMkLst>
+        </pc:spChg>
+        <pc:spChg chg="del">
+          <ac:chgData name="Zhao Jin" userId="cd05a825-544c-438a-9ba1-08e63db50b47" providerId="ADAL" clId="{37A0D694-38DA-4421-B5D3-DEDBFC2EC57C}" dt="2021-02-08T01:33:06.769" v="3702" actId="478"/>
+          <ac:spMkLst>
+            <pc:docMk/>
+            <pc:sldMk cId="880934081" sldId="600"/>
+            <ac:spMk id="49" creationId="{00000000-0000-0000-0000-000000000000}"/>
+          </ac:spMkLst>
+        </pc:spChg>
+        <pc:spChg chg="mod">
+          <ac:chgData name="Zhao Jin" userId="cd05a825-544c-438a-9ba1-08e63db50b47" providerId="ADAL" clId="{37A0D694-38DA-4421-B5D3-DEDBFC2EC57C}" dt="2021-02-08T02:02:28.200" v="4908" actId="20577"/>
+          <ac:spMkLst>
+            <pc:docMk/>
+            <pc:sldMk cId="880934081" sldId="600"/>
+            <ac:spMk id="14338" creationId="{00000000-0000-0000-0000-000000000000}"/>
+          </ac:spMkLst>
+        </pc:spChg>
+        <pc:grpChg chg="add mod">
+          <ac:chgData name="Zhao Jin" userId="cd05a825-544c-438a-9ba1-08e63db50b47" providerId="ADAL" clId="{37A0D694-38DA-4421-B5D3-DEDBFC2EC57C}" dt="2021-02-08T01:35:18.638" v="3797" actId="14100"/>
+          <ac:grpSpMkLst>
+            <pc:docMk/>
+            <pc:sldMk cId="880934081" sldId="600"/>
+            <ac:grpSpMk id="8" creationId="{57A95DDB-3BBC-4F7D-BE33-CBF7B31BECFF}"/>
+          </ac:grpSpMkLst>
+        </pc:grpChg>
+        <pc:picChg chg="del">
+          <ac:chgData name="Zhao Jin" userId="cd05a825-544c-438a-9ba1-08e63db50b47" providerId="ADAL" clId="{37A0D694-38DA-4421-B5D3-DEDBFC2EC57C}" dt="2021-02-08T01:33:07.505" v="3703" actId="478"/>
+          <ac:picMkLst>
+            <pc:docMk/>
+            <pc:sldMk cId="880934081" sldId="600"/>
+            <ac:picMk id="2050" creationId="{05AE613C-318D-4BEE-A9E2-BA80E156FFE6}"/>
+          </ac:picMkLst>
+        </pc:picChg>
+        <pc:cxnChg chg="mod">
+          <ac:chgData name="Zhao Jin" userId="cd05a825-544c-438a-9ba1-08e63db50b47" providerId="ADAL" clId="{37A0D694-38DA-4421-B5D3-DEDBFC2EC57C}" dt="2021-02-08T01:34:33.890" v="3755" actId="1035"/>
+          <ac:cxnSpMkLst>
+            <pc:docMk/>
+            <pc:sldMk cId="880934081" sldId="600"/>
+            <ac:cxnSpMk id="10" creationId="{A67C22B8-A71F-429C-BF0F-E611871C2339}"/>
+          </ac:cxnSpMkLst>
+        </pc:cxnChg>
+        <pc:cxnChg chg="mod">
+          <ac:chgData name="Zhao Jin" userId="cd05a825-544c-438a-9ba1-08e63db50b47" providerId="ADAL" clId="{37A0D694-38DA-4421-B5D3-DEDBFC2EC57C}" dt="2021-02-08T01:34:33.890" v="3755" actId="1035"/>
+          <ac:cxnSpMkLst>
+            <pc:docMk/>
+            <pc:sldMk cId="880934081" sldId="600"/>
+            <ac:cxnSpMk id="16" creationId="{244202A2-F6E5-4EB1-8FE5-5C63F127FBD4}"/>
+          </ac:cxnSpMkLst>
+        </pc:cxnChg>
+        <pc:cxnChg chg="mod">
+          <ac:chgData name="Zhao Jin" userId="cd05a825-544c-438a-9ba1-08e63db50b47" providerId="ADAL" clId="{37A0D694-38DA-4421-B5D3-DEDBFC2EC57C}" dt="2021-02-08T01:34:33.890" v="3755" actId="1035"/>
+          <ac:cxnSpMkLst>
+            <pc:docMk/>
+            <pc:sldMk cId="880934081" sldId="600"/>
+            <ac:cxnSpMk id="17" creationId="{BDAF2274-9C3B-4346-A725-B8ADDE65C577}"/>
+          </ac:cxnSpMkLst>
+        </pc:cxnChg>
+        <pc:cxnChg chg="mod">
+          <ac:chgData name="Zhao Jin" userId="cd05a825-544c-438a-9ba1-08e63db50b47" providerId="ADAL" clId="{37A0D694-38DA-4421-B5D3-DEDBFC2EC57C}" dt="2021-02-08T01:34:33.890" v="3755" actId="1035"/>
+          <ac:cxnSpMkLst>
+            <pc:docMk/>
+            <pc:sldMk cId="880934081" sldId="600"/>
+            <ac:cxnSpMk id="18" creationId="{6912DF40-1EFB-4781-BC3C-831198FCD003}"/>
+          </ac:cxnSpMkLst>
+        </pc:cxnChg>
+      </pc:sldChg>
+      <pc:sldMasterChg chg="modSp modSldLayout">
+        <pc:chgData name="Zhao Jin" userId="cd05a825-544c-438a-9ba1-08e63db50b47" providerId="ADAL" clId="{37A0D694-38DA-4421-B5D3-DEDBFC2EC57C}" dt="2021-02-10T03:55:38.772" v="4967"/>
+        <pc:sldMasterMkLst>
+          <pc:docMk/>
+          <pc:sldMasterMk cId="0" sldId="2147485087"/>
+        </pc:sldMasterMkLst>
+        <pc:spChg chg="mod">
+          <ac:chgData name="Zhao Jin" userId="cd05a825-544c-438a-9ba1-08e63db50b47" providerId="ADAL" clId="{37A0D694-38DA-4421-B5D3-DEDBFC2EC57C}" dt="2021-02-10T03:55:38.772" v="4967"/>
+          <ac:spMkLst>
+            <pc:docMk/>
+            <pc:sldMasterMk cId="0" sldId="2147485087"/>
+            <ac:spMk id="6" creationId="{00000000-0000-0000-0000-000000000000}"/>
+          </ac:spMkLst>
+        </pc:spChg>
+        <pc:sldLayoutChg chg="modSp">
+          <pc:chgData name="Zhao Jin" userId="cd05a825-544c-438a-9ba1-08e63db50b47" providerId="ADAL" clId="{37A0D694-38DA-4421-B5D3-DEDBFC2EC57C}" dt="2021-02-10T03:55:38.772" v="4967"/>
+          <pc:sldLayoutMkLst>
+            <pc:docMk/>
+            <pc:sldMasterMk cId="0" sldId="2147485087"/>
+            <pc:sldLayoutMk cId="0" sldId="2147485088"/>
+          </pc:sldLayoutMkLst>
+          <pc:spChg chg="mod">
+            <ac:chgData name="Zhao Jin" userId="cd05a825-544c-438a-9ba1-08e63db50b47" providerId="ADAL" clId="{37A0D694-38DA-4421-B5D3-DEDBFC2EC57C}" dt="2021-02-10T03:55:38.772" v="4967"/>
+            <ac:spMkLst>
+              <pc:docMk/>
+              <pc:sldMasterMk cId="0" sldId="2147485087"/>
+              <pc:sldLayoutMk cId="0" sldId="2147485088"/>
+              <ac:spMk id="6" creationId="{00000000-0000-0000-0000-000000000000}"/>
+            </ac:spMkLst>
+          </pc:spChg>
+        </pc:sldLayoutChg>
+        <pc:sldLayoutChg chg="modSp">
+          <pc:chgData name="Zhao Jin" userId="cd05a825-544c-438a-9ba1-08e63db50b47" providerId="ADAL" clId="{37A0D694-38DA-4421-B5D3-DEDBFC2EC57C}" dt="2021-02-10T03:55:38.772" v="4967"/>
+          <pc:sldLayoutMkLst>
+            <pc:docMk/>
+            <pc:sldMasterMk cId="0" sldId="2147485087"/>
+            <pc:sldLayoutMk cId="0" sldId="2147485089"/>
+          </pc:sldLayoutMkLst>
+          <pc:spChg chg="mod">
+            <ac:chgData name="Zhao Jin" userId="cd05a825-544c-438a-9ba1-08e63db50b47" providerId="ADAL" clId="{37A0D694-38DA-4421-B5D3-DEDBFC2EC57C}" dt="2021-02-10T03:55:38.772" v="4967"/>
+            <ac:spMkLst>
+              <pc:docMk/>
+              <pc:sldMasterMk cId="0" sldId="2147485087"/>
+              <pc:sldLayoutMk cId="0" sldId="2147485089"/>
+              <ac:spMk id="6" creationId="{00000000-0000-0000-0000-000000000000}"/>
+            </ac:spMkLst>
+          </pc:spChg>
+        </pc:sldLayoutChg>
+        <pc:sldLayoutChg chg="modSp">
+          <pc:chgData name="Zhao Jin" userId="cd05a825-544c-438a-9ba1-08e63db50b47" providerId="ADAL" clId="{37A0D694-38DA-4421-B5D3-DEDBFC2EC57C}" dt="2021-02-10T03:55:38.772" v="4967"/>
+          <pc:sldLayoutMkLst>
+            <pc:docMk/>
+            <pc:sldMasterMk cId="0" sldId="2147485087"/>
+            <pc:sldLayoutMk cId="0" sldId="2147485090"/>
+          </pc:sldLayoutMkLst>
+          <pc:spChg chg="mod">
+            <ac:chgData name="Zhao Jin" userId="cd05a825-544c-438a-9ba1-08e63db50b47" providerId="ADAL" clId="{37A0D694-38DA-4421-B5D3-DEDBFC2EC57C}" dt="2021-02-10T03:55:38.772" v="4967"/>
+            <ac:spMkLst>
+              <pc:docMk/>
+              <pc:sldMasterMk cId="0" sldId="2147485087"/>
+              <pc:sldLayoutMk cId="0" sldId="2147485090"/>
+              <ac:spMk id="6" creationId="{00000000-0000-0000-0000-000000000000}"/>
+            </ac:spMkLst>
+          </pc:spChg>
+        </pc:sldLayoutChg>
+        <pc:sldLayoutChg chg="modSp">
+          <pc:chgData name="Zhao Jin" userId="cd05a825-544c-438a-9ba1-08e63db50b47" providerId="ADAL" clId="{37A0D694-38DA-4421-B5D3-DEDBFC2EC57C}" dt="2021-02-10T03:55:38.772" v="4967"/>
+          <pc:sldLayoutMkLst>
+            <pc:docMk/>
+            <pc:sldMasterMk cId="0" sldId="2147485087"/>
+            <pc:sldLayoutMk cId="0" sldId="2147485091"/>
+          </pc:sldLayoutMkLst>
+          <pc:spChg chg="mod">
+            <ac:chgData name="Zhao Jin" userId="cd05a825-544c-438a-9ba1-08e63db50b47" providerId="ADAL" clId="{37A0D694-38DA-4421-B5D3-DEDBFC2EC57C}" dt="2021-02-10T03:55:38.772" v="4967"/>
+            <ac:spMkLst>
+              <pc:docMk/>
+              <pc:sldMasterMk cId="0" sldId="2147485087"/>
+              <pc:sldLayoutMk cId="0" sldId="2147485091"/>
+              <ac:spMk id="7" creationId="{00000000-0000-0000-0000-000000000000}"/>
+            </ac:spMkLst>
+          </pc:spChg>
+        </pc:sldLayoutChg>
+        <pc:sldLayoutChg chg="modSp">
+          <pc:chgData name="Zhao Jin" userId="cd05a825-544c-438a-9ba1-08e63db50b47" providerId="ADAL" clId="{37A0D694-38DA-4421-B5D3-DEDBFC2EC57C}" dt="2021-02-10T03:55:38.772" v="4967"/>
+          <pc:sldLayoutMkLst>
+            <pc:docMk/>
+            <pc:sldMasterMk cId="0" sldId="2147485087"/>
+            <pc:sldLayoutMk cId="0" sldId="2147485092"/>
+          </pc:sldLayoutMkLst>
+          <pc:spChg chg="mod">
+            <ac:chgData name="Zhao Jin" userId="cd05a825-544c-438a-9ba1-08e63db50b47" providerId="ADAL" clId="{37A0D694-38DA-4421-B5D3-DEDBFC2EC57C}" dt="2021-02-10T03:55:38.772" v="4967"/>
+            <ac:spMkLst>
+              <pc:docMk/>
+              <pc:sldMasterMk cId="0" sldId="2147485087"/>
+              <pc:sldLayoutMk cId="0" sldId="2147485092"/>
+              <ac:spMk id="9" creationId="{00000000-0000-0000-0000-000000000000}"/>
+            </ac:spMkLst>
+          </pc:spChg>
+        </pc:sldLayoutChg>
+        <pc:sldLayoutChg chg="modSp">
+          <pc:chgData name="Zhao Jin" userId="cd05a825-544c-438a-9ba1-08e63db50b47" providerId="ADAL" clId="{37A0D694-38DA-4421-B5D3-DEDBFC2EC57C}" dt="2021-02-10T03:55:38.772" v="4967"/>
+          <pc:sldLayoutMkLst>
+            <pc:docMk/>
+            <pc:sldMasterMk cId="0" sldId="2147485087"/>
+            <pc:sldLayoutMk cId="0" sldId="2147485093"/>
+          </pc:sldLayoutMkLst>
+          <pc:spChg chg="mod">
+            <ac:chgData name="Zhao Jin" userId="cd05a825-544c-438a-9ba1-08e63db50b47" providerId="ADAL" clId="{37A0D694-38DA-4421-B5D3-DEDBFC2EC57C}" dt="2021-02-10T03:55:38.772" v="4967"/>
+            <ac:spMkLst>
+              <pc:docMk/>
+              <pc:sldMasterMk cId="0" sldId="2147485087"/>
+              <pc:sldLayoutMk cId="0" sldId="2147485093"/>
+              <ac:spMk id="5" creationId="{00000000-0000-0000-0000-000000000000}"/>
+            </ac:spMkLst>
+          </pc:spChg>
+        </pc:sldLayoutChg>
+        <pc:sldLayoutChg chg="modSp">
+          <pc:chgData name="Zhao Jin" userId="cd05a825-544c-438a-9ba1-08e63db50b47" providerId="ADAL" clId="{37A0D694-38DA-4421-B5D3-DEDBFC2EC57C}" dt="2021-02-10T03:55:38.772" v="4967"/>
+          <pc:sldLayoutMkLst>
+            <pc:docMk/>
+            <pc:sldMasterMk cId="0" sldId="2147485087"/>
+            <pc:sldLayoutMk cId="0" sldId="2147485094"/>
+          </pc:sldLayoutMkLst>
+          <pc:spChg chg="mod">
+            <ac:chgData name="Zhao Jin" userId="cd05a825-544c-438a-9ba1-08e63db50b47" providerId="ADAL" clId="{37A0D694-38DA-4421-B5D3-DEDBFC2EC57C}" dt="2021-02-10T03:55:38.772" v="4967"/>
+            <ac:spMkLst>
+              <pc:docMk/>
+              <pc:sldMasterMk cId="0" sldId="2147485087"/>
+              <pc:sldLayoutMk cId="0" sldId="2147485094"/>
+              <ac:spMk id="4" creationId="{00000000-0000-0000-0000-000000000000}"/>
+            </ac:spMkLst>
+          </pc:spChg>
+        </pc:sldLayoutChg>
+        <pc:sldLayoutChg chg="modSp">
+          <pc:chgData name="Zhao Jin" userId="cd05a825-544c-438a-9ba1-08e63db50b47" providerId="ADAL" clId="{37A0D694-38DA-4421-B5D3-DEDBFC2EC57C}" dt="2021-02-10T03:55:38.772" v="4967"/>
+          <pc:sldLayoutMkLst>
+            <pc:docMk/>
+            <pc:sldMasterMk cId="0" sldId="2147485087"/>
+            <pc:sldLayoutMk cId="0" sldId="2147485095"/>
+          </pc:sldLayoutMkLst>
+          <pc:spChg chg="mod">
+            <ac:chgData name="Zhao Jin" userId="cd05a825-544c-438a-9ba1-08e63db50b47" providerId="ADAL" clId="{37A0D694-38DA-4421-B5D3-DEDBFC2EC57C}" dt="2021-02-10T03:55:38.772" v="4967"/>
+            <ac:spMkLst>
+              <pc:docMk/>
+              <pc:sldMasterMk cId="0" sldId="2147485087"/>
+              <pc:sldLayoutMk cId="0" sldId="2147485095"/>
+              <ac:spMk id="7" creationId="{00000000-0000-0000-0000-000000000000}"/>
+            </ac:spMkLst>
+          </pc:spChg>
+        </pc:sldLayoutChg>
+        <pc:sldLayoutChg chg="modSp">
+          <pc:chgData name="Zhao Jin" userId="cd05a825-544c-438a-9ba1-08e63db50b47" providerId="ADAL" clId="{37A0D694-38DA-4421-B5D3-DEDBFC2EC57C}" dt="2021-02-10T03:55:38.772" v="4967"/>
+          <pc:sldLayoutMkLst>
+            <pc:docMk/>
+            <pc:sldMasterMk cId="0" sldId="2147485087"/>
+            <pc:sldLayoutMk cId="0" sldId="2147485096"/>
+          </pc:sldLayoutMkLst>
+          <pc:spChg chg="mod">
+            <ac:chgData name="Zhao Jin" userId="cd05a825-544c-438a-9ba1-08e63db50b47" providerId="ADAL" clId="{37A0D694-38DA-4421-B5D3-DEDBFC2EC57C}" dt="2021-02-10T03:55:38.772" v="4967"/>
+            <ac:spMkLst>
+              <pc:docMk/>
+              <pc:sldMasterMk cId="0" sldId="2147485087"/>
+              <pc:sldLayoutMk cId="0" sldId="2147485096"/>
+              <ac:spMk id="7" creationId="{00000000-0000-0000-0000-000000000000}"/>
+            </ac:spMkLst>
+          </pc:spChg>
+        </pc:sldLayoutChg>
+        <pc:sldLayoutChg chg="modSp">
+          <pc:chgData name="Zhao Jin" userId="cd05a825-544c-438a-9ba1-08e63db50b47" providerId="ADAL" clId="{37A0D694-38DA-4421-B5D3-DEDBFC2EC57C}" dt="2021-02-10T03:55:38.772" v="4967"/>
+          <pc:sldLayoutMkLst>
+            <pc:docMk/>
+            <pc:sldMasterMk cId="0" sldId="2147485087"/>
+            <pc:sldLayoutMk cId="0" sldId="2147485097"/>
+          </pc:sldLayoutMkLst>
+          <pc:spChg chg="mod">
+            <ac:chgData name="Zhao Jin" userId="cd05a825-544c-438a-9ba1-08e63db50b47" providerId="ADAL" clId="{37A0D694-38DA-4421-B5D3-DEDBFC2EC57C}" dt="2021-02-10T03:55:38.772" v="4967"/>
+            <ac:spMkLst>
+              <pc:docMk/>
+              <pc:sldMasterMk cId="0" sldId="2147485087"/>
+              <pc:sldLayoutMk cId="0" sldId="2147485097"/>
+              <ac:spMk id="6" creationId="{00000000-0000-0000-0000-000000000000}"/>
+            </ac:spMkLst>
+          </pc:spChg>
+        </pc:sldLayoutChg>
+        <pc:sldLayoutChg chg="modSp">
+          <pc:chgData name="Zhao Jin" userId="cd05a825-544c-438a-9ba1-08e63db50b47" providerId="ADAL" clId="{37A0D694-38DA-4421-B5D3-DEDBFC2EC57C}" dt="2021-02-10T03:55:38.772" v="4967"/>
+          <pc:sldLayoutMkLst>
+            <pc:docMk/>
+            <pc:sldMasterMk cId="0" sldId="2147485087"/>
+            <pc:sldLayoutMk cId="0" sldId="2147485098"/>
+          </pc:sldLayoutMkLst>
+          <pc:spChg chg="mod">
+            <ac:chgData name="Zhao Jin" userId="cd05a825-544c-438a-9ba1-08e63db50b47" providerId="ADAL" clId="{37A0D694-38DA-4421-B5D3-DEDBFC2EC57C}" dt="2021-02-10T03:55:38.772" v="4967"/>
+            <ac:spMkLst>
+              <pc:docMk/>
+              <pc:sldMasterMk cId="0" sldId="2147485087"/>
+              <pc:sldLayoutMk cId="0" sldId="2147485098"/>
+              <ac:spMk id="6" creationId="{00000000-0000-0000-0000-000000000000}"/>
+            </ac:spMkLst>
+          </pc:spChg>
+        </pc:sldLayoutChg>
+      </pc:sldMasterChg>
+    </pc:docChg>
+  </pc:docChgLst>
+  <pc:docChgLst>
+    <pc:chgData name="Zhao Jin" userId="cd05a825-544c-438a-9ba1-08e63db50b47" providerId="ADAL" clId="{A5D2469F-D67A-41CC-8F01-671A516530F2}"/>
+    <pc:docChg chg="custSel modSld">
+      <pc:chgData name="Zhao Jin" userId="cd05a825-544c-438a-9ba1-08e63db50b47" providerId="ADAL" clId="{A5D2469F-D67A-41CC-8F01-671A516530F2}" dt="2021-04-07T08:36:27.560" v="1" actId="478"/>
+      <pc:docMkLst>
+        <pc:docMk/>
+      </pc:docMkLst>
+      <pc:sldChg chg="delSp modSp mod delAnim">
+        <pc:chgData name="Zhao Jin" userId="cd05a825-544c-438a-9ba1-08e63db50b47" providerId="ADAL" clId="{A5D2469F-D67A-41CC-8F01-671A516530F2}" dt="2021-04-07T08:36:27.560" v="1" actId="478"/>
+        <pc:sldMkLst>
+          <pc:docMk/>
+          <pc:sldMk cId="92291925" sldId="563"/>
+        </pc:sldMkLst>
+        <pc:spChg chg="del mod">
+          <ac:chgData name="Zhao Jin" userId="cd05a825-544c-438a-9ba1-08e63db50b47" providerId="ADAL" clId="{A5D2469F-D67A-41CC-8F01-671A516530F2}" dt="2021-04-07T08:36:27.560" v="1" actId="478"/>
+          <ac:spMkLst>
+            <pc:docMk/>
+            <pc:sldMk cId="92291925" sldId="563"/>
+            <ac:spMk id="91" creationId="{00000000-0000-0000-0000-000000000000}"/>
+          </ac:spMkLst>
+        </pc:spChg>
+      </pc:sldChg>
+    </pc:docChg>
+  </pc:docChgLst>
+  <pc:docChgLst>
+    <pc:chgData name="Zhao Jin" userId="S::dcszjin@nus.edu.sg::cd05a825-544c-438a-9ba1-08e63db50b47" providerId="AD" clId="Web-{66D5AB6E-AF24-491D-9529-2DDB49AD3149}"/>
+    <pc:docChg chg="modSld">
+      <pc:chgData name="Zhao Jin" userId="S::dcszjin@nus.edu.sg::cd05a825-544c-438a-9ba1-08e63db50b47" providerId="AD" clId="Web-{66D5AB6E-AF24-491D-9529-2DDB49AD3149}" dt="2021-01-20T08:43:03.224" v="8" actId="14100"/>
+      <pc:docMkLst>
+        <pc:docMk/>
+      </pc:docMkLst>
+      <pc:sldChg chg="modSp">
+        <pc:chgData name="Zhao Jin" userId="S::dcszjin@nus.edu.sg::cd05a825-544c-438a-9ba1-08e63db50b47" providerId="AD" clId="Web-{66D5AB6E-AF24-491D-9529-2DDB49AD3149}" dt="2021-01-20T08:43:03.224" v="8" actId="14100"/>
+        <pc:sldMkLst>
+          <pc:docMk/>
+          <pc:sldMk cId="901453530" sldId="546"/>
+        </pc:sldMkLst>
+        <pc:spChg chg="mod">
+          <ac:chgData name="Zhao Jin" userId="S::dcszjin@nus.edu.sg::cd05a825-544c-438a-9ba1-08e63db50b47" providerId="AD" clId="Web-{66D5AB6E-AF24-491D-9529-2DDB49AD3149}" dt="2021-01-20T08:43:03.224" v="8" actId="14100"/>
+          <ac:spMkLst>
+            <pc:docMk/>
+            <pc:sldMk cId="901453530" sldId="546"/>
+            <ac:spMk id="9" creationId="{00000000-0000-0000-0000-000000000000}"/>
+          </ac:spMkLst>
+        </pc:spChg>
+        <pc:spChg chg="mod">
+          <ac:chgData name="Zhao Jin" userId="S::dcszjin@nus.edu.sg::cd05a825-544c-438a-9ba1-08e63db50b47" providerId="AD" clId="Web-{66D5AB6E-AF24-491D-9529-2DDB49AD3149}" dt="2021-01-20T08:42:24.723" v="4" actId="1076"/>
+          <ac:spMkLst>
+            <pc:docMk/>
+            <pc:sldMk cId="901453530" sldId="546"/>
+            <ac:spMk id="14" creationId="{00000000-0000-0000-0000-000000000000}"/>
+          </ac:spMkLst>
+        </pc:spChg>
+      </pc:sldChg>
+    </pc:docChg>
+  </pc:docChgLst>
+  <pc:docChgLst>
+    <pc:chgData name="Zhao Jin" userId="cd05a825-544c-438a-9ba1-08e63db50b47" providerId="ADAL" clId="{CD38D953-E846-244A-835A-192CE52710D4}"/>
+    <pc:docChg chg="undo custSel addSld delSld modSld">
+      <pc:chgData name="Zhao Jin" userId="cd05a825-544c-438a-9ba1-08e63db50b47" providerId="ADAL" clId="{CD38D953-E846-244A-835A-192CE52710D4}" dt="2021-01-25T03:26:17.801" v="482" actId="20577"/>
+      <pc:docMkLst>
+        <pc:docMk/>
+      </pc:docMkLst>
+      <pc:sldChg chg="modSp addAnim delAnim modAnim">
+        <pc:chgData name="Zhao Jin" userId="cd05a825-544c-438a-9ba1-08e63db50b47" providerId="ADAL" clId="{CD38D953-E846-244A-835A-192CE52710D4}" dt="2021-01-25T03:18:14.928" v="172"/>
+        <pc:sldMkLst>
+          <pc:docMk/>
+          <pc:sldMk cId="1311126165" sldId="485"/>
+        </pc:sldMkLst>
+        <pc:spChg chg="mod">
+          <ac:chgData name="Zhao Jin" userId="cd05a825-544c-438a-9ba1-08e63db50b47" providerId="ADAL" clId="{CD38D953-E846-244A-835A-192CE52710D4}" dt="2021-01-25T03:16:30.240" v="159" actId="20577"/>
+          <ac:spMkLst>
+            <pc:docMk/>
+            <pc:sldMk cId="1311126165" sldId="485"/>
+            <ac:spMk id="11" creationId="{00000000-0000-0000-0000-000000000000}"/>
+          </ac:spMkLst>
+        </pc:spChg>
+        <pc:spChg chg="mod">
+          <ac:chgData name="Zhao Jin" userId="cd05a825-544c-438a-9ba1-08e63db50b47" providerId="ADAL" clId="{CD38D953-E846-244A-835A-192CE52710D4}" dt="2021-01-25T03:16:24.406" v="157" actId="1036"/>
+          <ac:spMkLst>
+            <pc:docMk/>
+            <pc:sldMk cId="1311126165" sldId="485"/>
+            <ac:spMk id="12" creationId="{149FB3A4-124F-4FB3-9CA1-6EA45A21DCBC}"/>
+          </ac:spMkLst>
+        </pc:spChg>
+        <pc:spChg chg="mod">
+          <ac:chgData name="Zhao Jin" userId="cd05a825-544c-438a-9ba1-08e63db50b47" providerId="ADAL" clId="{CD38D953-E846-244A-835A-192CE52710D4}" dt="2021-01-25T03:16:24.406" v="157" actId="1036"/>
+          <ac:spMkLst>
+            <pc:docMk/>
+            <pc:sldMk cId="1311126165" sldId="485"/>
+            <ac:spMk id="13" creationId="{24ED3F77-DB19-42FF-90A5-6260114FAC12}"/>
+          </ac:spMkLst>
+        </pc:spChg>
+      </pc:sldChg>
+      <pc:sldChg chg="modSp">
+        <pc:chgData name="Zhao Jin" userId="cd05a825-544c-438a-9ba1-08e63db50b47" providerId="ADAL" clId="{CD38D953-E846-244A-835A-192CE52710D4}" dt="2021-01-25T03:08:51.440" v="84" actId="20577"/>
+        <pc:sldMkLst>
+          <pc:docMk/>
+          <pc:sldMk cId="901453530" sldId="546"/>
+        </pc:sldMkLst>
+        <pc:spChg chg="mod">
+          <ac:chgData name="Zhao Jin" userId="cd05a825-544c-438a-9ba1-08e63db50b47" providerId="ADAL" clId="{CD38D953-E846-244A-835A-192CE52710D4}" dt="2021-01-25T03:08:51.440" v="84" actId="20577"/>
+          <ac:spMkLst>
+            <pc:docMk/>
+            <pc:sldMk cId="901453530" sldId="546"/>
+            <ac:spMk id="8" creationId="{00000000-0000-0000-0000-000000000000}"/>
+          </ac:spMkLst>
+        </pc:spChg>
+      </pc:sldChg>
+      <pc:sldChg chg="modSp">
+        <pc:chgData name="Zhao Jin" userId="cd05a825-544c-438a-9ba1-08e63db50b47" providerId="ADAL" clId="{CD38D953-E846-244A-835A-192CE52710D4}" dt="2021-01-25T03:11:48.514" v="112" actId="207"/>
+        <pc:sldMkLst>
+          <pc:docMk/>
+          <pc:sldMk cId="884841463" sldId="547"/>
+        </pc:sldMkLst>
+        <pc:spChg chg="mod">
+          <ac:chgData name="Zhao Jin" userId="cd05a825-544c-438a-9ba1-08e63db50b47" providerId="ADAL" clId="{CD38D953-E846-244A-835A-192CE52710D4}" dt="2021-01-25T03:11:48.514" v="112" actId="207"/>
+          <ac:spMkLst>
+            <pc:docMk/>
+            <pc:sldMk cId="884841463" sldId="547"/>
+            <ac:spMk id="8" creationId="{00000000-0000-0000-0000-000000000000}"/>
+          </ac:spMkLst>
+        </pc:spChg>
+      </pc:sldChg>
+      <pc:sldChg chg="modSp">
+        <pc:chgData name="Zhao Jin" userId="cd05a825-544c-438a-9ba1-08e63db50b47" providerId="ADAL" clId="{CD38D953-E846-244A-835A-192CE52710D4}" dt="2021-01-25T03:10:55.270" v="107" actId="20577"/>
+        <pc:sldMkLst>
+          <pc:docMk/>
+          <pc:sldMk cId="1617257579" sldId="548"/>
+        </pc:sldMkLst>
+        <pc:spChg chg="mod">
+          <ac:chgData name="Zhao Jin" userId="cd05a825-544c-438a-9ba1-08e63db50b47" providerId="ADAL" clId="{CD38D953-E846-244A-835A-192CE52710D4}" dt="2021-01-25T03:10:55.270" v="107" actId="20577"/>
+          <ac:spMkLst>
+            <pc:docMk/>
+            <pc:sldMk cId="1617257579" sldId="548"/>
+            <ac:spMk id="8" creationId="{00000000-0000-0000-0000-000000000000}"/>
+          </ac:spMkLst>
+        </pc:spChg>
+        <pc:spChg chg="mod">
+          <ac:chgData name="Zhao Jin" userId="cd05a825-544c-438a-9ba1-08e63db50b47" providerId="ADAL" clId="{CD38D953-E846-244A-835A-192CE52710D4}" dt="2021-01-25T03:09:46.206" v="102" actId="1035"/>
+          <ac:spMkLst>
+            <pc:docMk/>
+            <pc:sldMk cId="1617257579" sldId="548"/>
+            <ac:spMk id="9" creationId="{00000000-0000-0000-0000-000000000000}"/>
+          </ac:spMkLst>
+        </pc:spChg>
+      </pc:sldChg>
+      <pc:sldChg chg="addSp delSp modSp delAnim modAnim">
+        <pc:chgData name="Zhao Jin" userId="cd05a825-544c-438a-9ba1-08e63db50b47" providerId="ADAL" clId="{CD38D953-E846-244A-835A-192CE52710D4}" dt="2021-01-25T03:24:05.008" v="382"/>
+        <pc:sldMkLst>
+          <pc:docMk/>
+          <pc:sldMk cId="3394924879" sldId="549"/>
+        </pc:sldMkLst>
+        <pc:spChg chg="mod">
+          <ac:chgData name="Zhao Jin" userId="cd05a825-544c-438a-9ba1-08e63db50b47" providerId="ADAL" clId="{CD38D953-E846-244A-835A-192CE52710D4}" dt="2021-01-25T02:21:10.043" v="62" actId="20577"/>
+          <ac:spMkLst>
+            <pc:docMk/>
+            <pc:sldMk cId="3394924879" sldId="549"/>
+            <ac:spMk id="10" creationId="{00000000-0000-0000-0000-000000000000}"/>
+          </ac:spMkLst>
+        </pc:spChg>
+        <pc:spChg chg="add mod">
+          <ac:chgData name="Zhao Jin" userId="cd05a825-544c-438a-9ba1-08e63db50b47" providerId="ADAL" clId="{CD38D953-E846-244A-835A-192CE52710D4}" dt="2021-01-25T03:23:28.207" v="376" actId="1076"/>
+          <ac:spMkLst>
+            <pc:docMk/>
+            <pc:sldMk cId="3394924879" sldId="549"/>
+            <ac:spMk id="11" creationId="{CF30CDDD-4206-994C-A14B-ADCEC7C6B094}"/>
+          </ac:spMkLst>
+        </pc:spChg>
+        <pc:picChg chg="del">
+          <ac:chgData name="Zhao Jin" userId="cd05a825-544c-438a-9ba1-08e63db50b47" providerId="ADAL" clId="{CD38D953-E846-244A-835A-192CE52710D4}" dt="2021-01-25T03:15:27.398" v="115" actId="478"/>
+          <ac:picMkLst>
+            <pc:docMk/>
+            <pc:sldMk cId="3394924879" sldId="549"/>
+            <ac:picMk id="14" creationId="{9F0342D1-68B4-4418-BA3C-115BA014738F}"/>
+          </ac:picMkLst>
+        </pc:picChg>
+        <pc:picChg chg="add mod">
+          <ac:chgData name="Zhao Jin" userId="cd05a825-544c-438a-9ba1-08e63db50b47" providerId="ADAL" clId="{CD38D953-E846-244A-835A-192CE52710D4}" dt="2021-01-25T03:23:34.931" v="378" actId="1076"/>
+          <ac:picMkLst>
+            <pc:docMk/>
+            <pc:sldMk cId="3394924879" sldId="549"/>
+            <ac:picMk id="16" creationId="{1AA83BD7-4016-DB49-B6DC-C69FB6894961}"/>
+          </ac:picMkLst>
+        </pc:picChg>
+      </pc:sldChg>
+      <pc:sldChg chg="addSp delSp modSp addAnim delAnim modAnim">
+        <pc:chgData name="Zhao Jin" userId="cd05a825-544c-438a-9ba1-08e63db50b47" providerId="ADAL" clId="{CD38D953-E846-244A-835A-192CE52710D4}" dt="2021-01-25T03:26:17.801" v="482" actId="20577"/>
+        <pc:sldMkLst>
+          <pc:docMk/>
+          <pc:sldMk cId="784668950" sldId="550"/>
+        </pc:sldMkLst>
+        <pc:spChg chg="add del">
+          <ac:chgData name="Zhao Jin" userId="cd05a825-544c-438a-9ba1-08e63db50b47" providerId="ADAL" clId="{CD38D953-E846-244A-835A-192CE52710D4}" dt="2021-01-25T03:03:03.116" v="66" actId="478"/>
+          <ac:spMkLst>
+            <pc:docMk/>
+            <pc:sldMk cId="784668950" sldId="550"/>
+            <ac:spMk id="8" creationId="{9BA3CD25-E0A6-43C6-ACBF-2582BD134206}"/>
+          </ac:spMkLst>
+        </pc:spChg>
+        <pc:spChg chg="add del">
+          <ac:chgData name="Zhao Jin" userId="cd05a825-544c-438a-9ba1-08e63db50b47" providerId="ADAL" clId="{CD38D953-E846-244A-835A-192CE52710D4}" dt="2021-01-25T03:03:02.420" v="65"/>
+          <ac:spMkLst>
+            <pc:docMk/>
+            <pc:sldMk cId="784668950" sldId="550"/>
+            <ac:spMk id="9" creationId="{512F67EF-C498-8D43-817A-42B6CE524F76}"/>
+          </ac:spMkLst>
+        </pc:spChg>
+        <pc:spChg chg="add del mod">
+          <ac:chgData name="Zhao Jin" userId="cd05a825-544c-438a-9ba1-08e63db50b47" providerId="ADAL" clId="{CD38D953-E846-244A-835A-192CE52710D4}" dt="2021-01-25T03:26:17.801" v="482" actId="20577"/>
+          <ac:spMkLst>
+            <pc:docMk/>
+            <pc:sldMk cId="784668950" sldId="550"/>
+            <ac:spMk id="10" creationId="{00000000-0000-0000-0000-000000000000}"/>
+          </ac:spMkLst>
+        </pc:spChg>
+      </pc:sldChg>
+      <pc:sldChg chg="addSp delSp modSp add del addAnim delAnim">
+        <pc:chgData name="Zhao Jin" userId="cd05a825-544c-438a-9ba1-08e63db50b47" providerId="ADAL" clId="{CD38D953-E846-244A-835A-192CE52710D4}" dt="2021-01-25T03:08:44.385" v="80" actId="2696"/>
+        <pc:sldMkLst>
+          <pc:docMk/>
+          <pc:sldMk cId="335305844" sldId="551"/>
+        </pc:sldMkLst>
+        <pc:spChg chg="add del">
+          <ac:chgData name="Zhao Jin" userId="cd05a825-544c-438a-9ba1-08e63db50b47" providerId="ADAL" clId="{CD38D953-E846-244A-835A-192CE52710D4}" dt="2021-01-25T03:08:18.867" v="70"/>
+          <ac:spMkLst>
+            <pc:docMk/>
+            <pc:sldMk cId="335305844" sldId="551"/>
+            <ac:spMk id="2" creationId="{DC3EBD9F-7043-2B4B-93E2-27FFDA9DBEA2}"/>
+          </ac:spMkLst>
+        </pc:spChg>
+        <pc:spChg chg="add del mod">
+          <ac:chgData name="Zhao Jin" userId="cd05a825-544c-438a-9ba1-08e63db50b47" providerId="ADAL" clId="{CD38D953-E846-244A-835A-192CE52710D4}" dt="2021-01-25T03:08:32.511" v="77" actId="14100"/>
+          <ac:spMkLst>
+            <pc:docMk/>
+            <pc:sldMk cId="335305844" sldId="551"/>
+            <ac:spMk id="9" creationId="{00000000-0000-0000-0000-000000000000}"/>
+          </ac:spMkLst>
+        </pc:spChg>
+        <pc:spChg chg="add del">
+          <ac:chgData name="Zhao Jin" userId="cd05a825-544c-438a-9ba1-08e63db50b47" providerId="ADAL" clId="{CD38D953-E846-244A-835A-192CE52710D4}" dt="2021-01-25T03:08:34.550" v="78" actId="478"/>
+          <ac:spMkLst>
+            <pc:docMk/>
+            <pc:sldMk cId="335305844" sldId="551"/>
+            <ac:spMk id="10" creationId="{00000000-0000-0000-0000-000000000000}"/>
+          </ac:spMkLst>
+        </pc:spChg>
+        <pc:spChg chg="add del">
+          <ac:chgData name="Zhao Jin" userId="cd05a825-544c-438a-9ba1-08e63db50b47" providerId="ADAL" clId="{CD38D953-E846-244A-835A-192CE52710D4}" dt="2021-01-25T03:08:34.550" v="78" actId="478"/>
+          <ac:spMkLst>
+            <pc:docMk/>
+            <pc:sldMk cId="335305844" sldId="551"/>
+            <ac:spMk id="11" creationId="{D0457CA0-460D-4546-82C4-4CDEB1E2F62C}"/>
+          </ac:spMkLst>
+        </pc:spChg>
+        <pc:spChg chg="add del">
+          <ac:chgData name="Zhao Jin" userId="cd05a825-544c-438a-9ba1-08e63db50b47" providerId="ADAL" clId="{CD38D953-E846-244A-835A-192CE52710D4}" dt="2021-01-25T03:08:34.550" v="78" actId="478"/>
+          <ac:spMkLst>
+            <pc:docMk/>
+            <pc:sldMk cId="335305844" sldId="551"/>
+            <ac:spMk id="14" creationId="{00000000-0000-0000-0000-000000000000}"/>
+          </ac:spMkLst>
+        </pc:spChg>
+        <pc:spChg chg="add del">
+          <ac:chgData name="Zhao Jin" userId="cd05a825-544c-438a-9ba1-08e63db50b47" providerId="ADAL" clId="{CD38D953-E846-244A-835A-192CE52710D4}" dt="2021-01-25T03:08:34.550" v="78" actId="478"/>
+          <ac:spMkLst>
+            <pc:docMk/>
+            <pc:sldMk cId="335305844" sldId="551"/>
+            <ac:spMk id="15" creationId="{7EB43FB0-D261-4751-8823-0A4CC64F83DB}"/>
+          </ac:spMkLst>
+        </pc:spChg>
+        <pc:spChg chg="add del mod">
+          <ac:chgData name="Zhao Jin" userId="cd05a825-544c-438a-9ba1-08e63db50b47" providerId="ADAL" clId="{CD38D953-E846-244A-835A-192CE52710D4}" dt="2021-01-25T03:08:37.712" v="79" actId="20577"/>
+          <ac:spMkLst>
+            <pc:docMk/>
+            <pc:sldMk cId="335305844" sldId="551"/>
+            <ac:spMk id="17" creationId="{196941FF-7411-441D-AE2E-5CF96E80B024}"/>
+          </ac:spMkLst>
+        </pc:spChg>
+        <pc:spChg chg="add del">
+          <ac:chgData name="Zhao Jin" userId="cd05a825-544c-438a-9ba1-08e63db50b47" providerId="ADAL" clId="{CD38D953-E846-244A-835A-192CE52710D4}" dt="2021-01-25T03:08:22.144" v="71" actId="478"/>
+          <ac:spMkLst>
+            <pc:docMk/>
+            <pc:sldMk cId="335305844" sldId="551"/>
+            <ac:spMk id="18" creationId="{FC6CF3F5-B435-44FE-A32E-F676476A0C6D}"/>
           </ac:spMkLst>
         </pc:spChg>
       </pc:sldChg>
@@ -24741,45 +24867,6 @@
       </p:grpSpPr>
       <p:sp>
         <p:nvSpPr>
-          <p:cNvPr id="14338" name="Rectangle 2"/>
-          <p:cNvSpPr>
-            <a:spLocks noGrp="1" noChangeArrowheads="1"/>
-          </p:cNvSpPr>
-          <p:nvPr>
-            <p:ph type="title"/>
-          </p:nvPr>
-        </p:nvSpPr>
-        <p:spPr>
-          <a:xfrm>
-            <a:off x="533400" y="381000"/>
-            <a:ext cx="8382000" cy="838200"/>
-          </a:xfrm>
-        </p:spPr>
-        <p:txBody>
-          <a:bodyPr>
-            <a:normAutofit/>
-          </a:bodyPr>
-          <a:lstStyle/>
-          <a:p>
-            <a:pPr eaLnBrk="1" hangingPunct="1"/>
-            <a:r>
-              <a:rPr lang="en-GB" sz="3600">
-                <a:solidFill>
-                  <a:srgbClr val="0000FF"/>
-                </a:solidFill>
-              </a:rPr>
-              <a:t>Recall: Control Structures</a:t>
-            </a:r>
-            <a:endParaRPr lang="en-GB" sz="3600" dirty="0">
-              <a:solidFill>
-                <a:srgbClr val="0000FF"/>
-              </a:solidFill>
-            </a:endParaRPr>
-          </a:p>
-        </p:txBody>
-      </p:sp>
-      <p:sp>
-        <p:nvSpPr>
           <p:cNvPr id="7" name="Slide Number Placeholder 6"/>
           <p:cNvSpPr>
             <a:spLocks noGrp="1"/>
@@ -24854,194 +24941,6 @@
       </p:sp>
       <p:sp>
         <p:nvSpPr>
-          <p:cNvPr id="86" name="Rectangle 85"/>
-          <p:cNvSpPr/>
-          <p:nvPr/>
-        </p:nvSpPr>
-        <p:spPr>
-          <a:xfrm>
-            <a:off x="925863" y="1633210"/>
-            <a:ext cx="3454793" cy="923330"/>
-          </a:xfrm>
-          <a:prstGeom prst="rect">
-            <a:avLst/>
-          </a:prstGeom>
-          <a:noFill/>
-        </p:spPr>
-        <p:txBody>
-          <a:bodyPr wrap="none" lIns="91440" tIns="45720" rIns="91440" bIns="45720">
-            <a:spAutoFit/>
-          </a:bodyPr>
-          <a:lstStyle/>
-          <a:p>
-            <a:pPr algn="ctr"/>
-            <a:r>
-              <a:rPr lang="en-US" sz="5400" b="1" cap="none" spc="0" dirty="0">
-                <a:ln w="17780" cmpd="sng">
-                  <a:solidFill>
-                    <a:srgbClr val="FFFFFF"/>
-                  </a:solidFill>
-                  <a:prstDash val="solid"/>
-                  <a:miter lim="800000"/>
-                </a:ln>
-                <a:solidFill>
-                  <a:schemeClr val="accent1">
-                    <a:lumMod val="75000"/>
-                  </a:schemeClr>
-                </a:solidFill>
-                <a:effectLst>
-                  <a:outerShdw blurRad="50800" algn="tl" rotWithShape="0">
-                    <a:srgbClr val="000000"/>
-                  </a:outerShdw>
-                </a:effectLst>
-              </a:rPr>
-              <a:t>Sequence</a:t>
-            </a:r>
-          </a:p>
-        </p:txBody>
-      </p:sp>
-      <p:sp>
-        <p:nvSpPr>
-          <p:cNvPr id="87" name="Rectangle 86"/>
-          <p:cNvSpPr/>
-          <p:nvPr/>
-        </p:nvSpPr>
-        <p:spPr>
-          <a:xfrm>
-            <a:off x="1684110" y="3074764"/>
-            <a:ext cx="3262433" cy="923330"/>
-          </a:xfrm>
-          <a:prstGeom prst="rect">
-            <a:avLst/>
-          </a:prstGeom>
-          <a:noFill/>
-        </p:spPr>
-        <p:txBody>
-          <a:bodyPr wrap="none" lIns="91440" tIns="45720" rIns="91440" bIns="45720">
-            <a:spAutoFit/>
-          </a:bodyPr>
-          <a:lstStyle/>
-          <a:p>
-            <a:pPr algn="ctr"/>
-            <a:r>
-              <a:rPr lang="en-US" sz="5400" b="1" cap="none" spc="0" dirty="0">
-                <a:ln w="17780" cmpd="sng">
-                  <a:solidFill>
-                    <a:srgbClr val="FFFFFF"/>
-                  </a:solidFill>
-                  <a:prstDash val="solid"/>
-                  <a:miter lim="800000"/>
-                </a:ln>
-                <a:solidFill>
-                  <a:srgbClr val="006600"/>
-                </a:solidFill>
-                <a:effectLst>
-                  <a:outerShdw blurRad="50800" algn="tl" rotWithShape="0">
-                    <a:srgbClr val="000000"/>
-                  </a:outerShdw>
-                </a:effectLst>
-              </a:rPr>
-              <a:t>Selection</a:t>
-            </a:r>
-          </a:p>
-        </p:txBody>
-      </p:sp>
-      <p:sp>
-        <p:nvSpPr>
-          <p:cNvPr id="88" name="Rectangle 87"/>
-          <p:cNvSpPr/>
-          <p:nvPr/>
-        </p:nvSpPr>
-        <p:spPr>
-          <a:xfrm>
-            <a:off x="2597026" y="4351425"/>
-            <a:ext cx="3570208" cy="923330"/>
-          </a:xfrm>
-          <a:prstGeom prst="rect">
-            <a:avLst/>
-          </a:prstGeom>
-          <a:noFill/>
-        </p:spPr>
-        <p:txBody>
-          <a:bodyPr wrap="none" lIns="91440" tIns="45720" rIns="91440" bIns="45720">
-            <a:spAutoFit/>
-          </a:bodyPr>
-          <a:lstStyle/>
-          <a:p>
-            <a:pPr algn="ctr"/>
-            <a:r>
-              <a:rPr lang="en-US" sz="5400" b="1" cap="none" spc="0" dirty="0">
-                <a:ln w="17780" cmpd="sng">
-                  <a:solidFill>
-                    <a:srgbClr val="FFFFFF"/>
-                  </a:solidFill>
-                  <a:prstDash val="solid"/>
-                  <a:miter lim="800000"/>
-                </a:ln>
-                <a:solidFill>
-                  <a:srgbClr val="7030A0"/>
-                </a:solidFill>
-                <a:effectLst>
-                  <a:outerShdw blurRad="50800" algn="tl" rotWithShape="0">
-                    <a:srgbClr val="000000"/>
-                  </a:outerShdw>
-                </a:effectLst>
-              </a:rPr>
-              <a:t>Repetition</a:t>
-            </a:r>
-          </a:p>
-        </p:txBody>
-      </p:sp>
-      <p:pic>
-        <p:nvPicPr>
-          <p:cNvPr id="89" name="Picture 88" descr="tick_small.jpg"/>
-          <p:cNvPicPr>
-            <a:picLocks noChangeAspect="1"/>
-          </p:cNvPicPr>
-          <p:nvPr/>
-        </p:nvPicPr>
-        <p:blipFill>
-          <a:blip r:embed="rId3" cstate="print"/>
-          <a:stretch>
-            <a:fillRect/>
-          </a:stretch>
-        </p:blipFill>
-        <p:spPr>
-          <a:xfrm>
-            <a:off x="4596567" y="1873458"/>
-            <a:ext cx="889833" cy="667375"/>
-          </a:xfrm>
-          <a:prstGeom prst="rect">
-            <a:avLst/>
-          </a:prstGeom>
-        </p:spPr>
-      </p:pic>
-      <p:pic>
-        <p:nvPicPr>
-          <p:cNvPr id="90" name="Picture 89" descr="tick_small.jpg"/>
-          <p:cNvPicPr>
-            <a:picLocks noChangeAspect="1"/>
-          </p:cNvPicPr>
-          <p:nvPr/>
-        </p:nvPicPr>
-        <p:blipFill>
-          <a:blip r:embed="rId3" cstate="print"/>
-          <a:stretch>
-            <a:fillRect/>
-          </a:stretch>
-        </p:blipFill>
-        <p:spPr>
-          <a:xfrm>
-            <a:off x="5213663" y="3240061"/>
-            <a:ext cx="889833" cy="667375"/>
-          </a:xfrm>
-          <a:prstGeom prst="rect">
-            <a:avLst/>
-          </a:prstGeom>
-        </p:spPr>
-      </p:pic>
-      <p:sp>
-        <p:nvSpPr>
           <p:cNvPr id="2" name="Footer Placeholder 1">
             <a:extLst>
               <a:ext uri="{FF2B5EF4-FFF2-40B4-BE49-F238E27FC236}">
@@ -25072,6 +24971,429 @@
           </a:p>
         </p:txBody>
       </p:sp>
+      <p:sp>
+        <p:nvSpPr>
+          <p:cNvPr id="5" name="Rectangle 2">
+            <a:extLst>
+              <a:ext uri="{FF2B5EF4-FFF2-40B4-BE49-F238E27FC236}">
+                <a16:creationId xmlns:a16="http://schemas.microsoft.com/office/drawing/2014/main" id="{925BC5A9-EBDB-3074-B2F1-8E0E7FCCCFE2}"/>
+              </a:ext>
+            </a:extLst>
+          </p:cNvPr>
+          <p:cNvSpPr>
+            <a:spLocks noGrp="1" noChangeArrowheads="1"/>
+          </p:cNvSpPr>
+          <p:nvPr>
+            <p:ph type="title"/>
+          </p:nvPr>
+        </p:nvSpPr>
+        <p:spPr>
+          <a:xfrm>
+            <a:off x="533400" y="457200"/>
+            <a:ext cx="8153400" cy="685800"/>
+          </a:xfrm>
+        </p:spPr>
+        <p:txBody>
+          <a:bodyPr>
+            <a:normAutofit fontScale="90000"/>
+          </a:bodyPr>
+          <a:lstStyle/>
+          <a:p>
+            <a:pPr eaLnBrk="1" hangingPunct="1"/>
+            <a:r>
+              <a:rPr lang="en-GB" sz="4000">
+                <a:solidFill>
+                  <a:srgbClr val="0000FF"/>
+                </a:solidFill>
+              </a:rPr>
+              <a:t>Recall: Control </a:t>
+            </a:r>
+            <a:r>
+              <a:rPr lang="en-GB" sz="4000" dirty="0">
+                <a:solidFill>
+                  <a:srgbClr val="0000FF"/>
+                </a:solidFill>
+              </a:rPr>
+              <a:t>structures</a:t>
+            </a:r>
+            <a:endParaRPr lang="en-GB" dirty="0">
+              <a:solidFill>
+                <a:srgbClr val="0000FF"/>
+              </a:solidFill>
+            </a:endParaRPr>
+          </a:p>
+        </p:txBody>
+      </p:sp>
+      <p:sp>
+        <p:nvSpPr>
+          <p:cNvPr id="6" name="HighlightBackgroundShapeeee31423-879f-470c-ac44-148c4404b3a6">
+            <a:extLst>
+              <a:ext uri="{FF2B5EF4-FFF2-40B4-BE49-F238E27FC236}">
+                <a16:creationId xmlns:a16="http://schemas.microsoft.com/office/drawing/2014/main" id="{D81F7CBB-1621-E323-938B-6841E0EC6C27}"/>
+              </a:ext>
+            </a:extLst>
+          </p:cNvPr>
+          <p:cNvSpPr>
+            <a:spLocks noChangeArrowheads="1"/>
+          </p:cNvSpPr>
+          <p:nvPr/>
+        </p:nvSpPr>
+        <p:spPr bwMode="auto">
+          <a:xfrm>
+            <a:off x="491319" y="1219200"/>
+            <a:ext cx="8134521" cy="5074920"/>
+          </a:xfrm>
+          <a:prstGeom prst="rect">
+            <a:avLst/>
+          </a:prstGeom>
+          <a:noFill/>
+          <a:ln w="9525">
+            <a:noFill/>
+            <a:miter lim="800000"/>
+            <a:headEnd/>
+            <a:tailEnd/>
+          </a:ln>
+        </p:spPr>
+        <p:txBody>
+          <a:bodyPr/>
+          <a:lstStyle/>
+          <a:p>
+            <a:pPr marL="342900" indent="-342900">
+              <a:spcBef>
+                <a:spcPts val="1200"/>
+              </a:spcBef>
+              <a:buClr>
+                <a:schemeClr val="accent4">
+                  <a:lumMod val="60000"/>
+                  <a:lumOff val="40000"/>
+                </a:schemeClr>
+              </a:buClr>
+              <a:buSzPct val="75000"/>
+              <a:buFont typeface="Wingdings" pitchFamily="2" charset="2"/>
+              <a:buChar char="n"/>
+            </a:pPr>
+            <a:r>
+              <a:rPr lang="en-US" sz="2400" dirty="0">
+                <a:solidFill>
+                  <a:srgbClr val="0000FF"/>
+                </a:solidFill>
+              </a:rPr>
+              <a:t>Sequence</a:t>
+            </a:r>
+          </a:p>
+          <a:p>
+            <a:pPr marL="800100" lvl="1" indent="-342900">
+              <a:spcBef>
+                <a:spcPts val="1200"/>
+              </a:spcBef>
+              <a:buClr>
+                <a:schemeClr val="accent4">
+                  <a:lumMod val="60000"/>
+                  <a:lumOff val="40000"/>
+                </a:schemeClr>
+              </a:buClr>
+              <a:buSzPct val="75000"/>
+              <a:buFont typeface="Wingdings" pitchFamily="2" charset="2"/>
+              <a:buChar char="n"/>
+            </a:pPr>
+            <a:r>
+              <a:rPr lang="en-US" sz="2400" dirty="0"/>
+              <a:t>After step X, do step Y.</a:t>
+            </a:r>
+          </a:p>
+          <a:p>
+            <a:pPr marL="342900" indent="-342900">
+              <a:spcBef>
+                <a:spcPts val="1200"/>
+              </a:spcBef>
+              <a:buClr>
+                <a:schemeClr val="accent4">
+                  <a:lumMod val="60000"/>
+                  <a:lumOff val="40000"/>
+                </a:schemeClr>
+              </a:buClr>
+              <a:buSzPct val="75000"/>
+              <a:buFont typeface="Wingdings" pitchFamily="2" charset="2"/>
+              <a:buChar char="n"/>
+            </a:pPr>
+            <a:endParaRPr lang="en-US" sz="2400" dirty="0"/>
+          </a:p>
+          <a:p>
+            <a:pPr marL="342900" indent="-342900">
+              <a:spcBef>
+                <a:spcPts val="1200"/>
+              </a:spcBef>
+              <a:buClr>
+                <a:schemeClr val="accent4">
+                  <a:lumMod val="60000"/>
+                  <a:lumOff val="40000"/>
+                </a:schemeClr>
+              </a:buClr>
+              <a:buSzPct val="75000"/>
+              <a:buFont typeface="Wingdings" pitchFamily="2" charset="2"/>
+              <a:buChar char="n"/>
+            </a:pPr>
+            <a:r>
+              <a:rPr lang="en-US" sz="2400" dirty="0">
+                <a:solidFill>
+                  <a:srgbClr val="0000FF"/>
+                </a:solidFill>
+              </a:rPr>
+              <a:t>Selection</a:t>
+            </a:r>
+          </a:p>
+          <a:p>
+            <a:pPr marL="800100" lvl="1" indent="-342900">
+              <a:spcBef>
+                <a:spcPts val="1200"/>
+              </a:spcBef>
+              <a:buClr>
+                <a:schemeClr val="accent4">
+                  <a:lumMod val="60000"/>
+                  <a:lumOff val="40000"/>
+                </a:schemeClr>
+              </a:buClr>
+              <a:buSzPct val="75000"/>
+              <a:buFont typeface="Wingdings" pitchFamily="2" charset="2"/>
+              <a:buChar char="n"/>
+            </a:pPr>
+            <a:r>
+              <a:rPr lang="en-US" sz="2400" dirty="0"/>
+              <a:t>If … then … else …</a:t>
+            </a:r>
+          </a:p>
+          <a:p>
+            <a:pPr marL="342900" indent="-342900">
+              <a:spcBef>
+                <a:spcPts val="1200"/>
+              </a:spcBef>
+              <a:buClr>
+                <a:schemeClr val="accent4">
+                  <a:lumMod val="60000"/>
+                  <a:lumOff val="40000"/>
+                </a:schemeClr>
+              </a:buClr>
+              <a:buSzPct val="75000"/>
+              <a:buFont typeface="Wingdings" pitchFamily="2" charset="2"/>
+              <a:buChar char="n"/>
+            </a:pPr>
+            <a:endParaRPr lang="en-US" sz="2400" dirty="0"/>
+          </a:p>
+          <a:p>
+            <a:pPr marL="342900" indent="-342900">
+              <a:spcBef>
+                <a:spcPts val="1200"/>
+              </a:spcBef>
+              <a:buClr>
+                <a:schemeClr val="accent4">
+                  <a:lumMod val="60000"/>
+                  <a:lumOff val="40000"/>
+                </a:schemeClr>
+              </a:buClr>
+              <a:buSzPct val="75000"/>
+              <a:buFont typeface="Wingdings" pitchFamily="2" charset="2"/>
+              <a:buChar char="n"/>
+            </a:pPr>
+            <a:r>
+              <a:rPr lang="en-US" sz="2400" dirty="0">
+                <a:solidFill>
+                  <a:srgbClr val="0000FF"/>
+                </a:solidFill>
+              </a:rPr>
+              <a:t>Repetition</a:t>
+            </a:r>
+          </a:p>
+          <a:p>
+            <a:pPr marL="800100" lvl="1" indent="-342900">
+              <a:spcBef>
+                <a:spcPts val="1200"/>
+              </a:spcBef>
+              <a:buClr>
+                <a:schemeClr val="accent4">
+                  <a:lumMod val="60000"/>
+                  <a:lumOff val="40000"/>
+                </a:schemeClr>
+              </a:buClr>
+              <a:buSzPct val="75000"/>
+              <a:buFont typeface="Wingdings" pitchFamily="2" charset="2"/>
+              <a:buChar char="n"/>
+            </a:pPr>
+            <a:r>
+              <a:rPr lang="en-US" sz="2400" dirty="0"/>
+              <a:t>Keep going as long as ...</a:t>
+            </a:r>
+          </a:p>
+          <a:p>
+            <a:pPr marL="800100" lvl="1" indent="-342900">
+              <a:spcBef>
+                <a:spcPts val="1200"/>
+              </a:spcBef>
+              <a:buClr>
+                <a:schemeClr val="accent4">
+                  <a:lumMod val="60000"/>
+                  <a:lumOff val="40000"/>
+                </a:schemeClr>
+              </a:buClr>
+              <a:buSzPct val="75000"/>
+              <a:buFont typeface="Wingdings" pitchFamily="2" charset="2"/>
+              <a:buChar char="n"/>
+            </a:pPr>
+            <a:endParaRPr lang="en-US" sz="2400" dirty="0"/>
+          </a:p>
+          <a:p>
+            <a:pPr marL="342900" indent="-342900">
+              <a:spcBef>
+                <a:spcPts val="1200"/>
+              </a:spcBef>
+              <a:buClr>
+                <a:schemeClr val="accent4">
+                  <a:lumMod val="60000"/>
+                  <a:lumOff val="40000"/>
+                </a:schemeClr>
+              </a:buClr>
+              <a:buSzPct val="75000"/>
+              <a:buFont typeface="Wingdings" pitchFamily="2" charset="2"/>
+              <a:buChar char="n"/>
+            </a:pPr>
+            <a:endParaRPr lang="en-US" sz="2400" dirty="0"/>
+          </a:p>
+        </p:txBody>
+      </p:sp>
+      <p:pic>
+        <p:nvPicPr>
+          <p:cNvPr id="8" name="Picture 2" descr="flowchart">
+            <a:extLst>
+              <a:ext uri="{FF2B5EF4-FFF2-40B4-BE49-F238E27FC236}">
+                <a16:creationId xmlns:a16="http://schemas.microsoft.com/office/drawing/2014/main" id="{FF54709F-D8F8-6758-88EB-AB5E61ED07C2}"/>
+              </a:ext>
+            </a:extLst>
+          </p:cNvPr>
+          <p:cNvPicPr>
+            <a:picLocks noChangeAspect="1" noChangeArrowheads="1"/>
+          </p:cNvPicPr>
+          <p:nvPr/>
+        </p:nvPicPr>
+        <p:blipFill rotWithShape="1">
+          <a:blip r:embed="rId3">
+            <a:extLst>
+              <a:ext uri="{28A0092B-C50C-407E-A947-70E740481C1C}">
+                <a14:useLocalDpi xmlns:a14="http://schemas.microsoft.com/office/drawing/2010/main" val="0"/>
+              </a:ext>
+            </a:extLst>
+          </a:blip>
+          <a:srcRect r="81187" b="29312"/>
+          <a:stretch/>
+        </p:blipFill>
+        <p:spPr bwMode="auto">
+          <a:xfrm>
+            <a:off x="6436419" y="1202055"/>
+            <a:ext cx="1107381" cy="1625346"/>
+          </a:xfrm>
+          <a:prstGeom prst="rect">
+            <a:avLst/>
+          </a:prstGeom>
+          <a:noFill/>
+          <a:extLst>
+            <a:ext uri="{909E8E84-426E-40DD-AFC4-6F175D3DCCD1}">
+              <a14:hiddenFill xmlns:a14="http://schemas.microsoft.com/office/drawing/2010/main">
+                <a:solidFill>
+                  <a:srgbClr val="FFFFFF"/>
+                </a:solidFill>
+              </a14:hiddenFill>
+            </a:ext>
+          </a:extLst>
+        </p:spPr>
+      </p:pic>
+      <p:pic>
+        <p:nvPicPr>
+          <p:cNvPr id="9" name="Picture 8" descr="flowchart">
+            <a:extLst>
+              <a:ext uri="{FF2B5EF4-FFF2-40B4-BE49-F238E27FC236}">
+                <a16:creationId xmlns:a16="http://schemas.microsoft.com/office/drawing/2014/main" id="{048DBF11-32BE-EBB6-F5A9-F0D1B1DF8E91}"/>
+              </a:ext>
+            </a:extLst>
+          </p:cNvPr>
+          <p:cNvPicPr>
+            <a:picLocks noChangeAspect="1" noChangeArrowheads="1"/>
+          </p:cNvPicPr>
+          <p:nvPr/>
+        </p:nvPicPr>
+        <p:blipFill rotWithShape="1">
+          <a:blip r:embed="rId3">
+            <a:extLst>
+              <a:ext uri="{28A0092B-C50C-407E-A947-70E740481C1C}">
+                <a14:useLocalDpi xmlns:a14="http://schemas.microsoft.com/office/drawing/2010/main" val="0"/>
+              </a:ext>
+            </a:extLst>
+          </a:blip>
+          <a:srcRect l="43994" t="36148" b="13213"/>
+          <a:stretch/>
+        </p:blipFill>
+        <p:spPr bwMode="auto">
+          <a:xfrm>
+            <a:off x="5297835" y="3039364"/>
+            <a:ext cx="3152776" cy="1113533"/>
+          </a:xfrm>
+          <a:prstGeom prst="rect">
+            <a:avLst/>
+          </a:prstGeom>
+          <a:noFill/>
+          <a:extLst>
+            <a:ext uri="{909E8E84-426E-40DD-AFC4-6F175D3DCCD1}">
+              <a14:hiddenFill xmlns:a14="http://schemas.microsoft.com/office/drawing/2010/main">
+                <a:solidFill>
+                  <a:srgbClr val="FFFFFF"/>
+                </a:solidFill>
+              </a14:hiddenFill>
+            </a:ext>
+          </a:extLst>
+        </p:spPr>
+      </p:pic>
+      <p:pic>
+        <p:nvPicPr>
+          <p:cNvPr id="10" name="Picture 2" descr="flowchart">
+            <a:extLst>
+              <a:ext uri="{FF2B5EF4-FFF2-40B4-BE49-F238E27FC236}">
+                <a16:creationId xmlns:a16="http://schemas.microsoft.com/office/drawing/2014/main" id="{77ED7787-EA07-20B8-FDD9-C74C4617F533}"/>
+              </a:ext>
+            </a:extLst>
+          </p:cNvPr>
+          <p:cNvPicPr>
+            <a:picLocks noChangeAspect="1" noChangeArrowheads="1"/>
+          </p:cNvPicPr>
+          <p:nvPr/>
+        </p:nvPicPr>
+        <p:blipFill rotWithShape="1">
+          <a:blip r:embed="rId3">
+            <a:extLst>
+              <a:ext uri="{28A0092B-C50C-407E-A947-70E740481C1C}">
+                <a14:useLocalDpi xmlns:a14="http://schemas.microsoft.com/office/drawing/2010/main" val="0"/>
+              </a:ext>
+            </a:extLst>
+          </a:blip>
+          <a:srcRect l="19183" t="11395" b="5963"/>
+          <a:stretch/>
+        </p:blipFill>
+        <p:spPr bwMode="auto">
+          <a:xfrm>
+            <a:off x="4800599" y="4467859"/>
+            <a:ext cx="4147248" cy="1656588"/>
+          </a:xfrm>
+          <a:prstGeom prst="rect">
+            <a:avLst/>
+          </a:prstGeom>
+          <a:noFill/>
+          <a:extLst>
+            <a:ext uri="{909E8E84-426E-40DD-AFC4-6F175D3DCCD1}">
+              <a14:hiddenFill xmlns:a14="http://schemas.microsoft.com/office/drawing/2010/main">
+                <a:solidFill>
+                  <a:srgbClr val="FFFFFF"/>
+                </a:solidFill>
+              </a14:hiddenFill>
+            </a:ext>
+          </a:extLst>
+        </p:spPr>
+      </p:pic>
     </p:spTree>
     <p:extLst>
       <p:ext uri="{BB962C8B-B14F-4D97-AF65-F5344CB8AC3E}">
@@ -25085,284 +25407,6 @@
   <p:transition>
     <p:fade/>
   </p:transition>
-  <p:timing>
-    <p:tnLst>
-      <p:par>
-        <p:cTn id="1" dur="indefinite" restart="never" nodeType="tmRoot">
-          <p:childTnLst>
-            <p:seq concurrent="1" nextAc="seek">
-              <p:cTn id="2" dur="indefinite" nodeType="mainSeq">
-                <p:childTnLst>
-                  <p:par>
-                    <p:cTn id="3" fill="hold">
-                      <p:stCondLst>
-                        <p:cond delay="indefinite"/>
-                        <p:cond evt="onBegin" delay="0">
-                          <p:tn val="2"/>
-                        </p:cond>
-                      </p:stCondLst>
-                      <p:childTnLst>
-                        <p:par>
-                          <p:cTn id="4" fill="hold">
-                            <p:stCondLst>
-                              <p:cond delay="0"/>
-                            </p:stCondLst>
-                            <p:childTnLst>
-                              <p:par>
-                                <p:cTn id="5" presetID="55" presetClass="entr" presetSubtype="0" fill="hold" nodeType="afterEffect">
-                                  <p:stCondLst>
-                                    <p:cond delay="0"/>
-                                  </p:stCondLst>
-                                  <p:childTnLst>
-                                    <p:set>
-                                      <p:cBhvr>
-                                        <p:cTn id="6" dur="1" fill="hold">
-                                          <p:stCondLst>
-                                            <p:cond delay="0"/>
-                                          </p:stCondLst>
-                                        </p:cTn>
-                                        <p:tgtEl>
-                                          <p:spTgt spid="89"/>
-                                        </p:tgtEl>
-                                        <p:attrNameLst>
-                                          <p:attrName>style.visibility</p:attrName>
-                                        </p:attrNameLst>
-                                      </p:cBhvr>
-                                      <p:to>
-                                        <p:strVal val="visible"/>
-                                      </p:to>
-                                    </p:set>
-                                    <p:anim calcmode="lin" valueType="num">
-                                      <p:cBhvr>
-                                        <p:cTn id="7" dur="1000" fill="hold"/>
-                                        <p:tgtEl>
-                                          <p:spTgt spid="89"/>
-                                        </p:tgtEl>
-                                        <p:attrNameLst>
-                                          <p:attrName>ppt_w</p:attrName>
-                                        </p:attrNameLst>
-                                      </p:cBhvr>
-                                      <p:tavLst>
-                                        <p:tav tm="0">
-                                          <p:val>
-                                            <p:strVal val="#ppt_w*0.70"/>
-                                          </p:val>
-                                        </p:tav>
-                                        <p:tav tm="100000">
-                                          <p:val>
-                                            <p:strVal val="#ppt_w"/>
-                                          </p:val>
-                                        </p:tav>
-                                      </p:tavLst>
-                                    </p:anim>
-                                    <p:anim calcmode="lin" valueType="num">
-                                      <p:cBhvr>
-                                        <p:cTn id="8" dur="1000" fill="hold"/>
-                                        <p:tgtEl>
-                                          <p:spTgt spid="89"/>
-                                        </p:tgtEl>
-                                        <p:attrNameLst>
-                                          <p:attrName>ppt_h</p:attrName>
-                                        </p:attrNameLst>
-                                      </p:cBhvr>
-                                      <p:tavLst>
-                                        <p:tav tm="0">
-                                          <p:val>
-                                            <p:strVal val="#ppt_h"/>
-                                          </p:val>
-                                        </p:tav>
-                                        <p:tav tm="100000">
-                                          <p:val>
-                                            <p:strVal val="#ppt_h"/>
-                                          </p:val>
-                                        </p:tav>
-                                      </p:tavLst>
-                                    </p:anim>
-                                    <p:animEffect transition="in" filter="fade">
-                                      <p:cBhvr>
-                                        <p:cTn id="9" dur="1000"/>
-                                        <p:tgtEl>
-                                          <p:spTgt spid="89"/>
-                                        </p:tgtEl>
-                                      </p:cBhvr>
-                                    </p:animEffect>
-                                  </p:childTnLst>
-                                </p:cTn>
-                              </p:par>
-                            </p:childTnLst>
-                          </p:cTn>
-                        </p:par>
-                        <p:par>
-                          <p:cTn id="10" fill="hold">
-                            <p:stCondLst>
-                              <p:cond delay="1000"/>
-                            </p:stCondLst>
-                            <p:childTnLst>
-                              <p:par>
-                                <p:cTn id="11" presetID="55" presetClass="entr" presetSubtype="0" fill="hold" nodeType="afterEffect">
-                                  <p:stCondLst>
-                                    <p:cond delay="0"/>
-                                  </p:stCondLst>
-                                  <p:childTnLst>
-                                    <p:set>
-                                      <p:cBhvr>
-                                        <p:cTn id="12" dur="1" fill="hold">
-                                          <p:stCondLst>
-                                            <p:cond delay="0"/>
-                                          </p:stCondLst>
-                                        </p:cTn>
-                                        <p:tgtEl>
-                                          <p:spTgt spid="90"/>
-                                        </p:tgtEl>
-                                        <p:attrNameLst>
-                                          <p:attrName>style.visibility</p:attrName>
-                                        </p:attrNameLst>
-                                      </p:cBhvr>
-                                      <p:to>
-                                        <p:strVal val="visible"/>
-                                      </p:to>
-                                    </p:set>
-                                    <p:anim calcmode="lin" valueType="num">
-                                      <p:cBhvr>
-                                        <p:cTn id="13" dur="1000" fill="hold"/>
-                                        <p:tgtEl>
-                                          <p:spTgt spid="90"/>
-                                        </p:tgtEl>
-                                        <p:attrNameLst>
-                                          <p:attrName>ppt_w</p:attrName>
-                                        </p:attrNameLst>
-                                      </p:cBhvr>
-                                      <p:tavLst>
-                                        <p:tav tm="0">
-                                          <p:val>
-                                            <p:strVal val="#ppt_w*0.70"/>
-                                          </p:val>
-                                        </p:tav>
-                                        <p:tav tm="100000">
-                                          <p:val>
-                                            <p:strVal val="#ppt_w"/>
-                                          </p:val>
-                                        </p:tav>
-                                      </p:tavLst>
-                                    </p:anim>
-                                    <p:anim calcmode="lin" valueType="num">
-                                      <p:cBhvr>
-                                        <p:cTn id="14" dur="1000" fill="hold"/>
-                                        <p:tgtEl>
-                                          <p:spTgt spid="90"/>
-                                        </p:tgtEl>
-                                        <p:attrNameLst>
-                                          <p:attrName>ppt_h</p:attrName>
-                                        </p:attrNameLst>
-                                      </p:cBhvr>
-                                      <p:tavLst>
-                                        <p:tav tm="0">
-                                          <p:val>
-                                            <p:strVal val="#ppt_h"/>
-                                          </p:val>
-                                        </p:tav>
-                                        <p:tav tm="100000">
-                                          <p:val>
-                                            <p:strVal val="#ppt_h"/>
-                                          </p:val>
-                                        </p:tav>
-                                      </p:tavLst>
-                                    </p:anim>
-                                    <p:animEffect transition="in" filter="fade">
-                                      <p:cBhvr>
-                                        <p:cTn id="15" dur="1000"/>
-                                        <p:tgtEl>
-                                          <p:spTgt spid="90"/>
-                                        </p:tgtEl>
-                                      </p:cBhvr>
-                                    </p:animEffect>
-                                  </p:childTnLst>
-                                </p:cTn>
-                              </p:par>
-                            </p:childTnLst>
-                          </p:cTn>
-                        </p:par>
-                      </p:childTnLst>
-                    </p:cTn>
-                  </p:par>
-                  <p:par>
-                    <p:cTn id="16" fill="hold">
-                      <p:stCondLst>
-                        <p:cond delay="indefinite"/>
-                      </p:stCondLst>
-                      <p:childTnLst>
-                        <p:par>
-                          <p:cTn id="17" fill="hold">
-                            <p:stCondLst>
-                              <p:cond delay="0"/>
-                            </p:stCondLst>
-                            <p:childTnLst>
-                              <p:par>
-                                <p:cTn id="18" presetID="5" presetClass="entr" presetSubtype="10" fill="hold" grpId="0" nodeType="clickEffect">
-                                  <p:stCondLst>
-                                    <p:cond delay="0"/>
-                                  </p:stCondLst>
-                                  <p:childTnLst>
-                                    <p:set>
-                                      <p:cBhvr>
-                                        <p:cTn id="19" dur="1" fill="hold">
-                                          <p:stCondLst>
-                                            <p:cond delay="0"/>
-                                          </p:stCondLst>
-                                        </p:cTn>
-                                        <p:tgtEl>
-                                          <p:spTgt spid="88"/>
-                                        </p:tgtEl>
-                                        <p:attrNameLst>
-                                          <p:attrName>style.visibility</p:attrName>
-                                        </p:attrNameLst>
-                                      </p:cBhvr>
-                                      <p:to>
-                                        <p:strVal val="visible"/>
-                                      </p:to>
-                                    </p:set>
-                                    <p:animEffect transition="in" filter="checkerboard(across)">
-                                      <p:cBhvr>
-                                        <p:cTn id="20" dur="500"/>
-                                        <p:tgtEl>
-                                          <p:spTgt spid="88"/>
-                                        </p:tgtEl>
-                                      </p:cBhvr>
-                                    </p:animEffect>
-                                  </p:childTnLst>
-                                </p:cTn>
-                              </p:par>
-                            </p:childTnLst>
-                          </p:cTn>
-                        </p:par>
-                      </p:childTnLst>
-                    </p:cTn>
-                  </p:par>
-                </p:childTnLst>
-              </p:cTn>
-              <p:prevCondLst>
-                <p:cond evt="onPrev" delay="0">
-                  <p:tgtEl>
-                    <p:sldTgt/>
-                  </p:tgtEl>
-                </p:cond>
-              </p:prevCondLst>
-              <p:nextCondLst>
-                <p:cond evt="onNext" delay="0">
-                  <p:tgtEl>
-                    <p:sldTgt/>
-                  </p:tgtEl>
-                </p:cond>
-              </p:nextCondLst>
-            </p:seq>
-          </p:childTnLst>
-        </p:cTn>
-      </p:par>
-    </p:tnLst>
-    <p:bldLst>
-      <p:bldP spid="88" grpId="0"/>
-    </p:bldLst>
-  </p:timing>
 </p:sld>
 </file>
 
